--- a/CSC201Sec3Proj3Team4.pptx
+++ b/CSC201Sec3Proj3Team4.pptx
@@ -1,29 +1,124 @@
 
 <file path=ppt/presentation.xml><?xml version="1.0" encoding="utf-8"?>
-<p:presentation xmlns:a="http://schemas.openxmlformats.org/drawingml/2006/main" xmlns:p="http://schemas.openxmlformats.org/presentationml/2006/main" xmlns:r="http://schemas.openxmlformats.org/officeDocument/2006/relationships" xmlns:p14="http://schemas.microsoft.com/office/powerpoint/2010/main" xmlns:p15="http://schemas.microsoft.com/office/powerpoint/2012/main" xmlns:mc="http://schemas.openxmlformats.org/markup-compatibility/2006">
+<p:presentation xmlns:a="http://schemas.openxmlformats.org/drawingml/2006/main" xmlns:r="http://schemas.openxmlformats.org/officeDocument/2006/relationships" xmlns:p="http://schemas.openxmlformats.org/presentationml/2006/main">
   <p:sldMasterIdLst>
-    <p:sldMasterId id="2147483648" r:id="rId2"/>
-    <p:sldMasterId id="2147483661" r:id="rId3"/>
-    <p:sldMasterId id="2147483674" r:id="rId4"/>
-    <p:sldMasterId id="2147483687" r:id="rId5"/>
+    <p:sldMasterId id="2147483648" r:id="rId1"/>
+    <p:sldMasterId id="2147483661" r:id="rId2"/>
+    <p:sldMasterId id="2147483674" r:id="rId3"/>
+    <p:sldMasterId id="2147483687" r:id="rId4"/>
   </p:sldMasterIdLst>
   <p:sldIdLst>
-    <p:sldId id="256" r:id="rId6"/>
-    <p:sldId id="257" r:id="rId7"/>
-    <p:sldId id="258" r:id="rId8"/>
-    <p:sldId id="259" r:id="rId9"/>
-    <p:sldId id="260" r:id="rId10"/>
-    <p:sldId id="261" r:id="rId11"/>
-    <p:sldId id="262" r:id="rId12"/>
-    <p:sldId id="263" r:id="rId13"/>
+    <p:sldId id="256" r:id="rId5"/>
+    <p:sldId id="257" r:id="rId6"/>
+    <p:sldId id="258" r:id="rId7"/>
+    <p:sldId id="259" r:id="rId8"/>
+    <p:sldId id="260" r:id="rId9"/>
+    <p:sldId id="261" r:id="rId10"/>
+    <p:sldId id="262" r:id="rId11"/>
+    <p:sldId id="263" r:id="rId12"/>
   </p:sldIdLst>
   <p:sldSz cx="12192000" cy="6858000"/>
   <p:notesSz cx="7772400" cy="10058400"/>
+  <p:defaultTextStyle>
+    <a:defPPr>
+      <a:defRPr lang="en-US"/>
+    </a:defPPr>
+    <a:lvl1pPr marL="0" algn="l" defTabSz="914400" rtl="0" eaLnBrk="1" latinLnBrk="0" hangingPunct="1">
+      <a:defRPr sz="1800" kern="1200">
+        <a:solidFill>
+          <a:schemeClr val="tx1"/>
+        </a:solidFill>
+        <a:latin typeface="+mn-lt"/>
+        <a:ea typeface="+mn-ea"/>
+        <a:cs typeface="+mn-cs"/>
+      </a:defRPr>
+    </a:lvl1pPr>
+    <a:lvl2pPr marL="457200" algn="l" defTabSz="914400" rtl="0" eaLnBrk="1" latinLnBrk="0" hangingPunct="1">
+      <a:defRPr sz="1800" kern="1200">
+        <a:solidFill>
+          <a:schemeClr val="tx1"/>
+        </a:solidFill>
+        <a:latin typeface="+mn-lt"/>
+        <a:ea typeface="+mn-ea"/>
+        <a:cs typeface="+mn-cs"/>
+      </a:defRPr>
+    </a:lvl2pPr>
+    <a:lvl3pPr marL="914400" algn="l" defTabSz="914400" rtl="0" eaLnBrk="1" latinLnBrk="0" hangingPunct="1">
+      <a:defRPr sz="1800" kern="1200">
+        <a:solidFill>
+          <a:schemeClr val="tx1"/>
+        </a:solidFill>
+        <a:latin typeface="+mn-lt"/>
+        <a:ea typeface="+mn-ea"/>
+        <a:cs typeface="+mn-cs"/>
+      </a:defRPr>
+    </a:lvl3pPr>
+    <a:lvl4pPr marL="1371600" algn="l" defTabSz="914400" rtl="0" eaLnBrk="1" latinLnBrk="0" hangingPunct="1">
+      <a:defRPr sz="1800" kern="1200">
+        <a:solidFill>
+          <a:schemeClr val="tx1"/>
+        </a:solidFill>
+        <a:latin typeface="+mn-lt"/>
+        <a:ea typeface="+mn-ea"/>
+        <a:cs typeface="+mn-cs"/>
+      </a:defRPr>
+    </a:lvl4pPr>
+    <a:lvl5pPr marL="1828800" algn="l" defTabSz="914400" rtl="0" eaLnBrk="1" latinLnBrk="0" hangingPunct="1">
+      <a:defRPr sz="1800" kern="1200">
+        <a:solidFill>
+          <a:schemeClr val="tx1"/>
+        </a:solidFill>
+        <a:latin typeface="+mn-lt"/>
+        <a:ea typeface="+mn-ea"/>
+        <a:cs typeface="+mn-cs"/>
+      </a:defRPr>
+    </a:lvl5pPr>
+    <a:lvl6pPr marL="2286000" algn="l" defTabSz="914400" rtl="0" eaLnBrk="1" latinLnBrk="0" hangingPunct="1">
+      <a:defRPr sz="1800" kern="1200">
+        <a:solidFill>
+          <a:schemeClr val="tx1"/>
+        </a:solidFill>
+        <a:latin typeface="+mn-lt"/>
+        <a:ea typeface="+mn-ea"/>
+        <a:cs typeface="+mn-cs"/>
+      </a:defRPr>
+    </a:lvl6pPr>
+    <a:lvl7pPr marL="2743200" algn="l" defTabSz="914400" rtl="0" eaLnBrk="1" latinLnBrk="0" hangingPunct="1">
+      <a:defRPr sz="1800" kern="1200">
+        <a:solidFill>
+          <a:schemeClr val="tx1"/>
+        </a:solidFill>
+        <a:latin typeface="+mn-lt"/>
+        <a:ea typeface="+mn-ea"/>
+        <a:cs typeface="+mn-cs"/>
+      </a:defRPr>
+    </a:lvl7pPr>
+    <a:lvl8pPr marL="3200400" algn="l" defTabSz="914400" rtl="0" eaLnBrk="1" latinLnBrk="0" hangingPunct="1">
+      <a:defRPr sz="1800" kern="1200">
+        <a:solidFill>
+          <a:schemeClr val="tx1"/>
+        </a:solidFill>
+        <a:latin typeface="+mn-lt"/>
+        <a:ea typeface="+mn-ea"/>
+        <a:cs typeface="+mn-cs"/>
+      </a:defRPr>
+    </a:lvl8pPr>
+    <a:lvl9pPr marL="3657600" algn="l" defTabSz="914400" rtl="0" eaLnBrk="1" latinLnBrk="0" hangingPunct="1">
+      <a:defRPr sz="1800" kern="1200">
+        <a:solidFill>
+          <a:schemeClr val="tx1"/>
+        </a:solidFill>
+        <a:latin typeface="+mn-lt"/>
+        <a:ea typeface="+mn-ea"/>
+        <a:cs typeface="+mn-cs"/>
+      </a:defRPr>
+    </a:lvl9pPr>
+  </p:defaultTextStyle>
 </p:presentation>
 </file>
 
 <file path=ppt/slideLayouts/slideLayout1.xml><?xml version="1.0" encoding="utf-8"?>
-<p:sldLayout xmlns:a="http://schemas.openxmlformats.org/drawingml/2006/main" xmlns:p="http://schemas.openxmlformats.org/presentationml/2006/main" xmlns:r="http://schemas.openxmlformats.org/officeDocument/2006/relationships" xmlns:p14="http://schemas.microsoft.com/office/powerpoint/2010/main" xmlns:p15="http://schemas.microsoft.com/office/powerpoint/2012/main" xmlns:mc="http://schemas.openxmlformats.org/markup-compatibility/2006" type="blank" preserve="1">
+<p:sldLayout xmlns:a="http://schemas.openxmlformats.org/drawingml/2006/main" xmlns:r="http://schemas.openxmlformats.org/officeDocument/2006/relationships" xmlns:p="http://schemas.openxmlformats.org/presentationml/2006/main" type="blank" preserve="1">
   <p:cSld name="Blank Slide">
     <p:spTree>
       <p:nvGrpSpPr>
@@ -41,11 +136,14 @@
       </p:grpSpPr>
     </p:spTree>
   </p:cSld>
+  <p:clrMapOvr>
+    <a:masterClrMapping/>
+  </p:clrMapOvr>
 </p:sldLayout>
 </file>
 
 <file path=ppt/slideLayouts/slideLayout10.xml><?xml version="1.0" encoding="utf-8"?>
-<p:sldLayout xmlns:a="http://schemas.openxmlformats.org/drawingml/2006/main" xmlns:p="http://schemas.openxmlformats.org/presentationml/2006/main" xmlns:r="http://schemas.openxmlformats.org/officeDocument/2006/relationships" xmlns:p14="http://schemas.microsoft.com/office/powerpoint/2010/main" xmlns:p15="http://schemas.microsoft.com/office/powerpoint/2012/main" xmlns:mc="http://schemas.openxmlformats.org/markup-compatibility/2006" type="objOverTx" preserve="1">
+<p:sldLayout xmlns:a="http://schemas.openxmlformats.org/drawingml/2006/main" xmlns:r="http://schemas.openxmlformats.org/officeDocument/2006/relationships" xmlns:p="http://schemas.openxmlformats.org/presentationml/2006/main" type="objOverTx" preserve="1">
   <p:cSld name="Title, Content over Content">
     <p:spTree>
       <p:nvGrpSpPr>
@@ -81,11 +179,12 @@
           </a:prstGeom>
         </p:spPr>
         <p:txBody>
-          <a:bodyPr lIns="0" rIns="0" tIns="0" bIns="0" anchor="ctr">
+          <a:bodyPr lIns="0" tIns="0" rIns="0" bIns="0" anchor="ctr">
             <a:noAutofit/>
           </a:bodyPr>
-          <a:p>
-            <a:endParaRPr b="0" lang="en-US" sz="1800" spc="-1" strike="noStrike">
+          <a:lstStyle/>
+          <a:p>
+            <a:endParaRPr lang="en-US" sz="1800" b="0" strike="noStrike" spc="-1">
               <a:solidFill>
                 <a:srgbClr val="000000"/>
               </a:solidFill>
@@ -114,11 +213,12 @@
           </a:prstGeom>
         </p:spPr>
         <p:txBody>
-          <a:bodyPr lIns="0" rIns="0" tIns="0" bIns="0">
+          <a:bodyPr lIns="0" tIns="0" rIns="0" bIns="0">
             <a:normAutofit/>
           </a:bodyPr>
-          <a:p>
-            <a:endParaRPr b="0" lang="en-US" sz="2800" spc="-1" strike="noStrike">
+          <a:lstStyle/>
+          <a:p>
+            <a:endParaRPr lang="en-US" sz="2800" b="0" strike="noStrike" spc="-1">
               <a:solidFill>
                 <a:srgbClr val="000000"/>
               </a:solidFill>
@@ -147,11 +247,12 @@
           </a:prstGeom>
         </p:spPr>
         <p:txBody>
-          <a:bodyPr lIns="0" rIns="0" tIns="0" bIns="0">
+          <a:bodyPr lIns="0" tIns="0" rIns="0" bIns="0">
             <a:normAutofit/>
           </a:bodyPr>
-          <a:p>
-            <a:endParaRPr b="0" lang="en-US" sz="2800" spc="-1" strike="noStrike">
+          <a:lstStyle/>
+          <a:p>
+            <a:endParaRPr lang="en-US" sz="2800" b="0" strike="noStrike" spc="-1">
               <a:solidFill>
                 <a:srgbClr val="000000"/>
               </a:solidFill>
@@ -162,11 +263,14 @@
       </p:sp>
     </p:spTree>
   </p:cSld>
+  <p:clrMapOvr>
+    <a:masterClrMapping/>
+  </p:clrMapOvr>
 </p:sldLayout>
 </file>
 
 <file path=ppt/slideLayouts/slideLayout11.xml><?xml version="1.0" encoding="utf-8"?>
-<p:sldLayout xmlns:a="http://schemas.openxmlformats.org/drawingml/2006/main" xmlns:p="http://schemas.openxmlformats.org/presentationml/2006/main" xmlns:r="http://schemas.openxmlformats.org/officeDocument/2006/relationships" xmlns:p14="http://schemas.microsoft.com/office/powerpoint/2010/main" xmlns:p15="http://schemas.microsoft.com/office/powerpoint/2012/main" xmlns:mc="http://schemas.openxmlformats.org/markup-compatibility/2006" type="fourObj" preserve="1">
+<p:sldLayout xmlns:a="http://schemas.openxmlformats.org/drawingml/2006/main" xmlns:r="http://schemas.openxmlformats.org/officeDocument/2006/relationships" xmlns:p="http://schemas.openxmlformats.org/presentationml/2006/main" type="fourObj" preserve="1">
   <p:cSld name="Title, 4 Content">
     <p:spTree>
       <p:nvGrpSpPr>
@@ -202,11 +306,12 @@
           </a:prstGeom>
         </p:spPr>
         <p:txBody>
-          <a:bodyPr lIns="0" rIns="0" tIns="0" bIns="0" anchor="ctr">
+          <a:bodyPr lIns="0" tIns="0" rIns="0" bIns="0" anchor="ctr">
             <a:noAutofit/>
           </a:bodyPr>
-          <a:p>
-            <a:endParaRPr b="0" lang="en-US" sz="1800" spc="-1" strike="noStrike">
+          <a:lstStyle/>
+          <a:p>
+            <a:endParaRPr lang="en-US" sz="1800" b="0" strike="noStrike" spc="-1">
               <a:solidFill>
                 <a:srgbClr val="000000"/>
               </a:solidFill>
@@ -235,11 +340,12 @@
           </a:prstGeom>
         </p:spPr>
         <p:txBody>
-          <a:bodyPr lIns="0" rIns="0" tIns="0" bIns="0">
+          <a:bodyPr lIns="0" tIns="0" rIns="0" bIns="0">
             <a:normAutofit/>
           </a:bodyPr>
-          <a:p>
-            <a:endParaRPr b="0" lang="en-US" sz="2800" spc="-1" strike="noStrike">
+          <a:lstStyle/>
+          <a:p>
+            <a:endParaRPr lang="en-US" sz="2800" b="0" strike="noStrike" spc="-1">
               <a:solidFill>
                 <a:srgbClr val="000000"/>
               </a:solidFill>
@@ -268,11 +374,12 @@
           </a:prstGeom>
         </p:spPr>
         <p:txBody>
-          <a:bodyPr lIns="0" rIns="0" tIns="0" bIns="0">
+          <a:bodyPr lIns="0" tIns="0" rIns="0" bIns="0">
             <a:normAutofit/>
           </a:bodyPr>
-          <a:p>
-            <a:endParaRPr b="0" lang="en-US" sz="2800" spc="-1" strike="noStrike">
+          <a:lstStyle/>
+          <a:p>
+            <a:endParaRPr lang="en-US" sz="2800" b="0" strike="noStrike" spc="-1">
               <a:solidFill>
                 <a:srgbClr val="000000"/>
               </a:solidFill>
@@ -301,11 +408,12 @@
           </a:prstGeom>
         </p:spPr>
         <p:txBody>
-          <a:bodyPr lIns="0" rIns="0" tIns="0" bIns="0">
+          <a:bodyPr lIns="0" tIns="0" rIns="0" bIns="0">
             <a:normAutofit/>
           </a:bodyPr>
-          <a:p>
-            <a:endParaRPr b="0" lang="en-US" sz="2800" spc="-1" strike="noStrike">
+          <a:lstStyle/>
+          <a:p>
+            <a:endParaRPr lang="en-US" sz="2800" b="0" strike="noStrike" spc="-1">
               <a:solidFill>
                 <a:srgbClr val="000000"/>
               </a:solidFill>
@@ -334,11 +442,12 @@
           </a:prstGeom>
         </p:spPr>
         <p:txBody>
-          <a:bodyPr lIns="0" rIns="0" tIns="0" bIns="0">
+          <a:bodyPr lIns="0" tIns="0" rIns="0" bIns="0">
             <a:normAutofit/>
           </a:bodyPr>
-          <a:p>
-            <a:endParaRPr b="0" lang="en-US" sz="2800" spc="-1" strike="noStrike">
+          <a:lstStyle/>
+          <a:p>
+            <a:endParaRPr lang="en-US" sz="2800" b="0" strike="noStrike" spc="-1">
               <a:solidFill>
                 <a:srgbClr val="000000"/>
               </a:solidFill>
@@ -349,11 +458,14 @@
       </p:sp>
     </p:spTree>
   </p:cSld>
+  <p:clrMapOvr>
+    <a:masterClrMapping/>
+  </p:clrMapOvr>
 </p:sldLayout>
 </file>
 
 <file path=ppt/slideLayouts/slideLayout12.xml><?xml version="1.0" encoding="utf-8"?>
-<p:sldLayout xmlns:a="http://schemas.openxmlformats.org/drawingml/2006/main" xmlns:p="http://schemas.openxmlformats.org/presentationml/2006/main" xmlns:r="http://schemas.openxmlformats.org/officeDocument/2006/relationships" xmlns:p14="http://schemas.microsoft.com/office/powerpoint/2010/main" xmlns:p15="http://schemas.microsoft.com/office/powerpoint/2012/main" xmlns:mc="http://schemas.openxmlformats.org/markup-compatibility/2006" type="blank" preserve="1">
+<p:sldLayout xmlns:a="http://schemas.openxmlformats.org/drawingml/2006/main" xmlns:r="http://schemas.openxmlformats.org/officeDocument/2006/relationships" xmlns:p="http://schemas.openxmlformats.org/presentationml/2006/main" type="blank" preserve="1">
   <p:cSld name="Title, 6 Content">
     <p:spTree>
       <p:nvGrpSpPr>
@@ -389,11 +501,12 @@
           </a:prstGeom>
         </p:spPr>
         <p:txBody>
-          <a:bodyPr lIns="0" rIns="0" tIns="0" bIns="0" anchor="ctr">
+          <a:bodyPr lIns="0" tIns="0" rIns="0" bIns="0" anchor="ctr">
             <a:noAutofit/>
           </a:bodyPr>
-          <a:p>
-            <a:endParaRPr b="0" lang="en-US" sz="1800" spc="-1" strike="noStrike">
+          <a:lstStyle/>
+          <a:p>
+            <a:endParaRPr lang="en-US" sz="1800" b="0" strike="noStrike" spc="-1">
               <a:solidFill>
                 <a:srgbClr val="000000"/>
               </a:solidFill>
@@ -422,11 +535,12 @@
           </a:prstGeom>
         </p:spPr>
         <p:txBody>
-          <a:bodyPr lIns="0" rIns="0" tIns="0" bIns="0">
+          <a:bodyPr lIns="0" tIns="0" rIns="0" bIns="0">
             <a:normAutofit/>
           </a:bodyPr>
-          <a:p>
-            <a:endParaRPr b="0" lang="en-US" sz="2800" spc="-1" strike="noStrike">
+          <a:lstStyle/>
+          <a:p>
+            <a:endParaRPr lang="en-US" sz="2800" b="0" strike="noStrike" spc="-1">
               <a:solidFill>
                 <a:srgbClr val="000000"/>
               </a:solidFill>
@@ -455,11 +569,12 @@
           </a:prstGeom>
         </p:spPr>
         <p:txBody>
-          <a:bodyPr lIns="0" rIns="0" tIns="0" bIns="0">
+          <a:bodyPr lIns="0" tIns="0" rIns="0" bIns="0">
             <a:normAutofit/>
           </a:bodyPr>
-          <a:p>
-            <a:endParaRPr b="0" lang="en-US" sz="2800" spc="-1" strike="noStrike">
+          <a:lstStyle/>
+          <a:p>
+            <a:endParaRPr lang="en-US" sz="2800" b="0" strike="noStrike" spc="-1">
               <a:solidFill>
                 <a:srgbClr val="000000"/>
               </a:solidFill>
@@ -488,11 +603,12 @@
           </a:prstGeom>
         </p:spPr>
         <p:txBody>
-          <a:bodyPr lIns="0" rIns="0" tIns="0" bIns="0">
+          <a:bodyPr lIns="0" tIns="0" rIns="0" bIns="0">
             <a:normAutofit/>
           </a:bodyPr>
-          <a:p>
-            <a:endParaRPr b="0" lang="en-US" sz="2800" spc="-1" strike="noStrike">
+          <a:lstStyle/>
+          <a:p>
+            <a:endParaRPr lang="en-US" sz="2800" b="0" strike="noStrike" spc="-1">
               <a:solidFill>
                 <a:srgbClr val="000000"/>
               </a:solidFill>
@@ -521,11 +637,12 @@
           </a:prstGeom>
         </p:spPr>
         <p:txBody>
-          <a:bodyPr lIns="0" rIns="0" tIns="0" bIns="0">
+          <a:bodyPr lIns="0" tIns="0" rIns="0" bIns="0">
             <a:normAutofit/>
           </a:bodyPr>
-          <a:p>
-            <a:endParaRPr b="0" lang="en-US" sz="2800" spc="-1" strike="noStrike">
+          <a:lstStyle/>
+          <a:p>
+            <a:endParaRPr lang="en-US" sz="2800" b="0" strike="noStrike" spc="-1">
               <a:solidFill>
                 <a:srgbClr val="000000"/>
               </a:solidFill>
@@ -554,11 +671,12 @@
           </a:prstGeom>
         </p:spPr>
         <p:txBody>
-          <a:bodyPr lIns="0" rIns="0" tIns="0" bIns="0">
+          <a:bodyPr lIns="0" tIns="0" rIns="0" bIns="0">
             <a:normAutofit/>
           </a:bodyPr>
-          <a:p>
-            <a:endParaRPr b="0" lang="en-US" sz="2800" spc="-1" strike="noStrike">
+          <a:lstStyle/>
+          <a:p>
+            <a:endParaRPr lang="en-US" sz="2800" b="0" strike="noStrike" spc="-1">
               <a:solidFill>
                 <a:srgbClr val="000000"/>
               </a:solidFill>
@@ -587,11 +705,12 @@
           </a:prstGeom>
         </p:spPr>
         <p:txBody>
-          <a:bodyPr lIns="0" rIns="0" tIns="0" bIns="0">
+          <a:bodyPr lIns="0" tIns="0" rIns="0" bIns="0">
             <a:normAutofit/>
           </a:bodyPr>
-          <a:p>
-            <a:endParaRPr b="0" lang="en-US" sz="2800" spc="-1" strike="noStrike">
+          <a:lstStyle/>
+          <a:p>
+            <a:endParaRPr lang="en-US" sz="2800" b="0" strike="noStrike" spc="-1">
               <a:solidFill>
                 <a:srgbClr val="000000"/>
               </a:solidFill>
@@ -602,11 +721,14 @@
       </p:sp>
     </p:spTree>
   </p:cSld>
+  <p:clrMapOvr>
+    <a:masterClrMapping/>
+  </p:clrMapOvr>
 </p:sldLayout>
 </file>
 
 <file path=ppt/slideLayouts/slideLayout13.xml><?xml version="1.0" encoding="utf-8"?>
-<p:sldLayout xmlns:a="http://schemas.openxmlformats.org/drawingml/2006/main" xmlns:p="http://schemas.openxmlformats.org/presentationml/2006/main" xmlns:r="http://schemas.openxmlformats.org/officeDocument/2006/relationships" xmlns:p14="http://schemas.microsoft.com/office/powerpoint/2010/main" xmlns:p15="http://schemas.microsoft.com/office/powerpoint/2012/main" xmlns:mc="http://schemas.openxmlformats.org/markup-compatibility/2006" type="blank" preserve="1">
+<p:sldLayout xmlns:a="http://schemas.openxmlformats.org/drawingml/2006/main" xmlns:r="http://schemas.openxmlformats.org/officeDocument/2006/relationships" xmlns:p="http://schemas.openxmlformats.org/presentationml/2006/main" type="blank" preserve="1">
   <p:cSld name="Blank Slide">
     <p:spTree>
       <p:nvGrpSpPr>
@@ -624,11 +746,14 @@
       </p:grpSpPr>
     </p:spTree>
   </p:cSld>
+  <p:clrMapOvr>
+    <a:masterClrMapping/>
+  </p:clrMapOvr>
 </p:sldLayout>
 </file>
 
 <file path=ppt/slideLayouts/slideLayout14.xml><?xml version="1.0" encoding="utf-8"?>
-<p:sldLayout xmlns:a="http://schemas.openxmlformats.org/drawingml/2006/main" xmlns:p="http://schemas.openxmlformats.org/presentationml/2006/main" xmlns:r="http://schemas.openxmlformats.org/officeDocument/2006/relationships" xmlns:p14="http://schemas.microsoft.com/office/powerpoint/2010/main" xmlns:p15="http://schemas.microsoft.com/office/powerpoint/2012/main" xmlns:mc="http://schemas.openxmlformats.org/markup-compatibility/2006" type="tx" preserve="1">
+<p:sldLayout xmlns:a="http://schemas.openxmlformats.org/drawingml/2006/main" xmlns:r="http://schemas.openxmlformats.org/officeDocument/2006/relationships" xmlns:p="http://schemas.openxmlformats.org/presentationml/2006/main" type="tx" preserve="1">
   <p:cSld name="Title Slide">
     <p:spTree>
       <p:nvGrpSpPr>
@@ -664,11 +789,12 @@
           </a:prstGeom>
         </p:spPr>
         <p:txBody>
-          <a:bodyPr lIns="0" rIns="0" tIns="0" bIns="0" anchor="ctr">
+          <a:bodyPr lIns="0" tIns="0" rIns="0" bIns="0" anchor="ctr">
             <a:noAutofit/>
           </a:bodyPr>
-          <a:p>
-            <a:endParaRPr b="0" lang="en-US" sz="1800" spc="-1" strike="noStrike">
+          <a:lstStyle/>
+          <a:p>
+            <a:endParaRPr lang="en-US" sz="1800" b="0" strike="noStrike" spc="-1">
               <a:solidFill>
                 <a:srgbClr val="000000"/>
               </a:solidFill>
@@ -697,12 +823,13 @@
           </a:prstGeom>
         </p:spPr>
         <p:txBody>
-          <a:bodyPr lIns="0" rIns="0" tIns="0" bIns="0" anchor="ctr">
+          <a:bodyPr lIns="0" tIns="0" rIns="0" bIns="0" anchor="ctr">
             <a:noAutofit/>
           </a:bodyPr>
+          <a:lstStyle/>
           <a:p>
             <a:pPr algn="ctr"/>
-            <a:endParaRPr b="0" lang="en-US" sz="3200" spc="-1" strike="noStrike">
+            <a:endParaRPr lang="en-US" sz="3200" b="0" strike="noStrike" spc="-1">
               <a:latin typeface="Arial"/>
             </a:endParaRPr>
           </a:p>
@@ -710,11 +837,14 @@
       </p:sp>
     </p:spTree>
   </p:cSld>
+  <p:clrMapOvr>
+    <a:masterClrMapping/>
+  </p:clrMapOvr>
 </p:sldLayout>
 </file>
 
 <file path=ppt/slideLayouts/slideLayout15.xml><?xml version="1.0" encoding="utf-8"?>
-<p:sldLayout xmlns:a="http://schemas.openxmlformats.org/drawingml/2006/main" xmlns:p="http://schemas.openxmlformats.org/presentationml/2006/main" xmlns:r="http://schemas.openxmlformats.org/officeDocument/2006/relationships" xmlns:p14="http://schemas.microsoft.com/office/powerpoint/2010/main" xmlns:p15="http://schemas.microsoft.com/office/powerpoint/2012/main" xmlns:mc="http://schemas.openxmlformats.org/markup-compatibility/2006" type="obj" preserve="1">
+<p:sldLayout xmlns:a="http://schemas.openxmlformats.org/drawingml/2006/main" xmlns:r="http://schemas.openxmlformats.org/officeDocument/2006/relationships" xmlns:p="http://schemas.openxmlformats.org/presentationml/2006/main" type="obj" preserve="1">
   <p:cSld name="Title, Content">
     <p:spTree>
       <p:nvGrpSpPr>
@@ -750,11 +880,12 @@
           </a:prstGeom>
         </p:spPr>
         <p:txBody>
-          <a:bodyPr lIns="0" rIns="0" tIns="0" bIns="0" anchor="ctr">
+          <a:bodyPr lIns="0" tIns="0" rIns="0" bIns="0" anchor="ctr">
             <a:noAutofit/>
           </a:bodyPr>
-          <a:p>
-            <a:endParaRPr b="0" lang="en-US" sz="1800" spc="-1" strike="noStrike">
+          <a:lstStyle/>
+          <a:p>
+            <a:endParaRPr lang="en-US" sz="1800" b="0" strike="noStrike" spc="-1">
               <a:solidFill>
                 <a:srgbClr val="000000"/>
               </a:solidFill>
@@ -783,11 +914,12 @@
           </a:prstGeom>
         </p:spPr>
         <p:txBody>
-          <a:bodyPr lIns="0" rIns="0" tIns="0" bIns="0">
+          <a:bodyPr lIns="0" tIns="0" rIns="0" bIns="0">
             <a:normAutofit/>
           </a:bodyPr>
-          <a:p>
-            <a:endParaRPr b="0" lang="en-US" sz="2800" spc="-1" strike="noStrike">
+          <a:lstStyle/>
+          <a:p>
+            <a:endParaRPr lang="en-US" sz="2800" b="0" strike="noStrike" spc="-1">
               <a:solidFill>
                 <a:srgbClr val="000000"/>
               </a:solidFill>
@@ -798,11 +930,14 @@
       </p:sp>
     </p:spTree>
   </p:cSld>
+  <p:clrMapOvr>
+    <a:masterClrMapping/>
+  </p:clrMapOvr>
 </p:sldLayout>
 </file>
 
 <file path=ppt/slideLayouts/slideLayout16.xml><?xml version="1.0" encoding="utf-8"?>
-<p:sldLayout xmlns:a="http://schemas.openxmlformats.org/drawingml/2006/main" xmlns:p="http://schemas.openxmlformats.org/presentationml/2006/main" xmlns:r="http://schemas.openxmlformats.org/officeDocument/2006/relationships" xmlns:p14="http://schemas.microsoft.com/office/powerpoint/2010/main" xmlns:p15="http://schemas.microsoft.com/office/powerpoint/2012/main" xmlns:mc="http://schemas.openxmlformats.org/markup-compatibility/2006" type="twoObj" preserve="1">
+<p:sldLayout xmlns:a="http://schemas.openxmlformats.org/drawingml/2006/main" xmlns:r="http://schemas.openxmlformats.org/officeDocument/2006/relationships" xmlns:p="http://schemas.openxmlformats.org/presentationml/2006/main" type="twoObj" preserve="1">
   <p:cSld name="Title, 2 Content">
     <p:spTree>
       <p:nvGrpSpPr>
@@ -838,11 +973,12 @@
           </a:prstGeom>
         </p:spPr>
         <p:txBody>
-          <a:bodyPr lIns="0" rIns="0" tIns="0" bIns="0" anchor="ctr">
+          <a:bodyPr lIns="0" tIns="0" rIns="0" bIns="0" anchor="ctr">
             <a:noAutofit/>
           </a:bodyPr>
-          <a:p>
-            <a:endParaRPr b="0" lang="en-US" sz="1800" spc="-1" strike="noStrike">
+          <a:lstStyle/>
+          <a:p>
+            <a:endParaRPr lang="en-US" sz="1800" b="0" strike="noStrike" spc="-1">
               <a:solidFill>
                 <a:srgbClr val="000000"/>
               </a:solidFill>
@@ -871,11 +1007,12 @@
           </a:prstGeom>
         </p:spPr>
         <p:txBody>
-          <a:bodyPr lIns="0" rIns="0" tIns="0" bIns="0">
+          <a:bodyPr lIns="0" tIns="0" rIns="0" bIns="0">
             <a:normAutofit/>
           </a:bodyPr>
-          <a:p>
-            <a:endParaRPr b="0" lang="en-US" sz="2800" spc="-1" strike="noStrike">
+          <a:lstStyle/>
+          <a:p>
+            <a:endParaRPr lang="en-US" sz="2800" b="0" strike="noStrike" spc="-1">
               <a:solidFill>
                 <a:srgbClr val="000000"/>
               </a:solidFill>
@@ -904,11 +1041,12 @@
           </a:prstGeom>
         </p:spPr>
         <p:txBody>
-          <a:bodyPr lIns="0" rIns="0" tIns="0" bIns="0">
+          <a:bodyPr lIns="0" tIns="0" rIns="0" bIns="0">
             <a:normAutofit/>
           </a:bodyPr>
-          <a:p>
-            <a:endParaRPr b="0" lang="en-US" sz="2800" spc="-1" strike="noStrike">
+          <a:lstStyle/>
+          <a:p>
+            <a:endParaRPr lang="en-US" sz="2800" b="0" strike="noStrike" spc="-1">
               <a:solidFill>
                 <a:srgbClr val="000000"/>
               </a:solidFill>
@@ -919,11 +1057,14 @@
       </p:sp>
     </p:spTree>
   </p:cSld>
+  <p:clrMapOvr>
+    <a:masterClrMapping/>
+  </p:clrMapOvr>
 </p:sldLayout>
 </file>
 
 <file path=ppt/slideLayouts/slideLayout17.xml><?xml version="1.0" encoding="utf-8"?>
-<p:sldLayout xmlns:a="http://schemas.openxmlformats.org/drawingml/2006/main" xmlns:p="http://schemas.openxmlformats.org/presentationml/2006/main" xmlns:r="http://schemas.openxmlformats.org/officeDocument/2006/relationships" xmlns:p14="http://schemas.microsoft.com/office/powerpoint/2010/main" xmlns:p15="http://schemas.microsoft.com/office/powerpoint/2012/main" xmlns:mc="http://schemas.openxmlformats.org/markup-compatibility/2006" type="titleOnly" preserve="1">
+<p:sldLayout xmlns:a="http://schemas.openxmlformats.org/drawingml/2006/main" xmlns:r="http://schemas.openxmlformats.org/officeDocument/2006/relationships" xmlns:p="http://schemas.openxmlformats.org/presentationml/2006/main" type="titleOnly" preserve="1">
   <p:cSld name="Title Only">
     <p:spTree>
       <p:nvGrpSpPr>
@@ -959,11 +1100,12 @@
           </a:prstGeom>
         </p:spPr>
         <p:txBody>
-          <a:bodyPr lIns="0" rIns="0" tIns="0" bIns="0" anchor="ctr">
+          <a:bodyPr lIns="0" tIns="0" rIns="0" bIns="0" anchor="ctr">
             <a:noAutofit/>
           </a:bodyPr>
-          <a:p>
-            <a:endParaRPr b="0" lang="en-US" sz="1800" spc="-1" strike="noStrike">
+          <a:lstStyle/>
+          <a:p>
+            <a:endParaRPr lang="en-US" sz="1800" b="0" strike="noStrike" spc="-1">
               <a:solidFill>
                 <a:srgbClr val="000000"/>
               </a:solidFill>
@@ -974,11 +1116,14 @@
       </p:sp>
     </p:spTree>
   </p:cSld>
+  <p:clrMapOvr>
+    <a:masterClrMapping/>
+  </p:clrMapOvr>
 </p:sldLayout>
 </file>
 
 <file path=ppt/slideLayouts/slideLayout18.xml><?xml version="1.0" encoding="utf-8"?>
-<p:sldLayout xmlns:a="http://schemas.openxmlformats.org/drawingml/2006/main" xmlns:p="http://schemas.openxmlformats.org/presentationml/2006/main" xmlns:r="http://schemas.openxmlformats.org/officeDocument/2006/relationships" xmlns:p14="http://schemas.microsoft.com/office/powerpoint/2010/main" xmlns:p15="http://schemas.microsoft.com/office/powerpoint/2012/main" xmlns:mc="http://schemas.openxmlformats.org/markup-compatibility/2006" type="objOnly" preserve="1">
+<p:sldLayout xmlns:a="http://schemas.openxmlformats.org/drawingml/2006/main" xmlns:r="http://schemas.openxmlformats.org/officeDocument/2006/relationships" xmlns:p="http://schemas.openxmlformats.org/presentationml/2006/main" type="objOnly" preserve="1">
   <p:cSld name="Centered Text">
     <p:spTree>
       <p:nvGrpSpPr>
@@ -1014,12 +1159,13 @@
           </a:prstGeom>
         </p:spPr>
         <p:txBody>
-          <a:bodyPr lIns="0" rIns="0" tIns="0" bIns="0" anchor="ctr">
+          <a:bodyPr lIns="0" tIns="0" rIns="0" bIns="0" anchor="ctr">
             <a:noAutofit/>
           </a:bodyPr>
+          <a:lstStyle/>
           <a:p>
             <a:pPr algn="ctr"/>
-            <a:endParaRPr b="0" lang="en-US" sz="3200" spc="-1" strike="noStrike">
+            <a:endParaRPr lang="en-US" sz="3200" b="0" strike="noStrike" spc="-1">
               <a:latin typeface="Arial"/>
             </a:endParaRPr>
           </a:p>
@@ -1027,11 +1173,14 @@
       </p:sp>
     </p:spTree>
   </p:cSld>
+  <p:clrMapOvr>
+    <a:masterClrMapping/>
+  </p:clrMapOvr>
 </p:sldLayout>
 </file>
 
 <file path=ppt/slideLayouts/slideLayout19.xml><?xml version="1.0" encoding="utf-8"?>
-<p:sldLayout xmlns:a="http://schemas.openxmlformats.org/drawingml/2006/main" xmlns:p="http://schemas.openxmlformats.org/presentationml/2006/main" xmlns:r="http://schemas.openxmlformats.org/officeDocument/2006/relationships" xmlns:p14="http://schemas.microsoft.com/office/powerpoint/2010/main" xmlns:p15="http://schemas.microsoft.com/office/powerpoint/2012/main" xmlns:mc="http://schemas.openxmlformats.org/markup-compatibility/2006" type="twoObjAndObj" preserve="1">
+<p:sldLayout xmlns:a="http://schemas.openxmlformats.org/drawingml/2006/main" xmlns:r="http://schemas.openxmlformats.org/officeDocument/2006/relationships" xmlns:p="http://schemas.openxmlformats.org/presentationml/2006/main" type="twoObjAndObj" preserve="1">
   <p:cSld name="Title, 2 Content and Content">
     <p:spTree>
       <p:nvGrpSpPr>
@@ -1067,11 +1216,12 @@
           </a:prstGeom>
         </p:spPr>
         <p:txBody>
-          <a:bodyPr lIns="0" rIns="0" tIns="0" bIns="0" anchor="ctr">
+          <a:bodyPr lIns="0" tIns="0" rIns="0" bIns="0" anchor="ctr">
             <a:noAutofit/>
           </a:bodyPr>
-          <a:p>
-            <a:endParaRPr b="0" lang="en-US" sz="1800" spc="-1" strike="noStrike">
+          <a:lstStyle/>
+          <a:p>
+            <a:endParaRPr lang="en-US" sz="1800" b="0" strike="noStrike" spc="-1">
               <a:solidFill>
                 <a:srgbClr val="000000"/>
               </a:solidFill>
@@ -1100,11 +1250,12 @@
           </a:prstGeom>
         </p:spPr>
         <p:txBody>
-          <a:bodyPr lIns="0" rIns="0" tIns="0" bIns="0">
+          <a:bodyPr lIns="0" tIns="0" rIns="0" bIns="0">
             <a:normAutofit/>
           </a:bodyPr>
-          <a:p>
-            <a:endParaRPr b="0" lang="en-US" sz="2800" spc="-1" strike="noStrike">
+          <a:lstStyle/>
+          <a:p>
+            <a:endParaRPr lang="en-US" sz="2800" b="0" strike="noStrike" spc="-1">
               <a:solidFill>
                 <a:srgbClr val="000000"/>
               </a:solidFill>
@@ -1133,11 +1284,12 @@
           </a:prstGeom>
         </p:spPr>
         <p:txBody>
-          <a:bodyPr lIns="0" rIns="0" tIns="0" bIns="0">
+          <a:bodyPr lIns="0" tIns="0" rIns="0" bIns="0">
             <a:normAutofit/>
           </a:bodyPr>
-          <a:p>
-            <a:endParaRPr b="0" lang="en-US" sz="2800" spc="-1" strike="noStrike">
+          <a:lstStyle/>
+          <a:p>
+            <a:endParaRPr lang="en-US" sz="2800" b="0" strike="noStrike" spc="-1">
               <a:solidFill>
                 <a:srgbClr val="000000"/>
               </a:solidFill>
@@ -1166,11 +1318,12 @@
           </a:prstGeom>
         </p:spPr>
         <p:txBody>
-          <a:bodyPr lIns="0" rIns="0" tIns="0" bIns="0">
+          <a:bodyPr lIns="0" tIns="0" rIns="0" bIns="0">
             <a:normAutofit/>
           </a:bodyPr>
-          <a:p>
-            <a:endParaRPr b="0" lang="en-US" sz="2800" spc="-1" strike="noStrike">
+          <a:lstStyle/>
+          <a:p>
+            <a:endParaRPr lang="en-US" sz="2800" b="0" strike="noStrike" spc="-1">
               <a:solidFill>
                 <a:srgbClr val="000000"/>
               </a:solidFill>
@@ -1181,11 +1334,14 @@
       </p:sp>
     </p:spTree>
   </p:cSld>
+  <p:clrMapOvr>
+    <a:masterClrMapping/>
+  </p:clrMapOvr>
 </p:sldLayout>
 </file>
 
 <file path=ppt/slideLayouts/slideLayout2.xml><?xml version="1.0" encoding="utf-8"?>
-<p:sldLayout xmlns:a="http://schemas.openxmlformats.org/drawingml/2006/main" xmlns:p="http://schemas.openxmlformats.org/presentationml/2006/main" xmlns:r="http://schemas.openxmlformats.org/officeDocument/2006/relationships" xmlns:p14="http://schemas.microsoft.com/office/powerpoint/2010/main" xmlns:p15="http://schemas.microsoft.com/office/powerpoint/2012/main" xmlns:mc="http://schemas.openxmlformats.org/markup-compatibility/2006" type="tx" preserve="1">
+<p:sldLayout xmlns:a="http://schemas.openxmlformats.org/drawingml/2006/main" xmlns:r="http://schemas.openxmlformats.org/officeDocument/2006/relationships" xmlns:p="http://schemas.openxmlformats.org/presentationml/2006/main" type="tx" preserve="1">
   <p:cSld name="Title Slide">
     <p:spTree>
       <p:nvGrpSpPr>
@@ -1221,11 +1377,12 @@
           </a:prstGeom>
         </p:spPr>
         <p:txBody>
-          <a:bodyPr lIns="0" rIns="0" tIns="0" bIns="0" anchor="ctr">
+          <a:bodyPr lIns="0" tIns="0" rIns="0" bIns="0" anchor="ctr">
             <a:noAutofit/>
           </a:bodyPr>
-          <a:p>
-            <a:endParaRPr b="0" lang="en-US" sz="1800" spc="-1" strike="noStrike">
+          <a:lstStyle/>
+          <a:p>
+            <a:endParaRPr lang="en-US" sz="1800" b="0" strike="noStrike" spc="-1">
               <a:solidFill>
                 <a:srgbClr val="000000"/>
               </a:solidFill>
@@ -1254,12 +1411,13 @@
           </a:prstGeom>
         </p:spPr>
         <p:txBody>
-          <a:bodyPr lIns="0" rIns="0" tIns="0" bIns="0" anchor="ctr">
+          <a:bodyPr lIns="0" tIns="0" rIns="0" bIns="0" anchor="ctr">
             <a:noAutofit/>
           </a:bodyPr>
+          <a:lstStyle/>
           <a:p>
             <a:pPr algn="ctr"/>
-            <a:endParaRPr b="0" lang="en-US" sz="3200" spc="-1" strike="noStrike">
+            <a:endParaRPr lang="en-US" sz="3200" b="0" strike="noStrike" spc="-1">
               <a:latin typeface="Arial"/>
             </a:endParaRPr>
           </a:p>
@@ -1267,11 +1425,14 @@
       </p:sp>
     </p:spTree>
   </p:cSld>
+  <p:clrMapOvr>
+    <a:masterClrMapping/>
+  </p:clrMapOvr>
 </p:sldLayout>
 </file>
 
 <file path=ppt/slideLayouts/slideLayout20.xml><?xml version="1.0" encoding="utf-8"?>
-<p:sldLayout xmlns:a="http://schemas.openxmlformats.org/drawingml/2006/main" xmlns:p="http://schemas.openxmlformats.org/presentationml/2006/main" xmlns:r="http://schemas.openxmlformats.org/officeDocument/2006/relationships" xmlns:p14="http://schemas.microsoft.com/office/powerpoint/2010/main" xmlns:p15="http://schemas.microsoft.com/office/powerpoint/2012/main" xmlns:mc="http://schemas.openxmlformats.org/markup-compatibility/2006" type="objAndTwoObj" preserve="1">
+<p:sldLayout xmlns:a="http://schemas.openxmlformats.org/drawingml/2006/main" xmlns:r="http://schemas.openxmlformats.org/officeDocument/2006/relationships" xmlns:p="http://schemas.openxmlformats.org/presentationml/2006/main" type="objAndTwoObj" preserve="1">
   <p:cSld name="Title Content and 2 Content">
     <p:spTree>
       <p:nvGrpSpPr>
@@ -1307,11 +1468,12 @@
           </a:prstGeom>
         </p:spPr>
         <p:txBody>
-          <a:bodyPr lIns="0" rIns="0" tIns="0" bIns="0" anchor="ctr">
+          <a:bodyPr lIns="0" tIns="0" rIns="0" bIns="0" anchor="ctr">
             <a:noAutofit/>
           </a:bodyPr>
-          <a:p>
-            <a:endParaRPr b="0" lang="en-US" sz="1800" spc="-1" strike="noStrike">
+          <a:lstStyle/>
+          <a:p>
+            <a:endParaRPr lang="en-US" sz="1800" b="0" strike="noStrike" spc="-1">
               <a:solidFill>
                 <a:srgbClr val="000000"/>
               </a:solidFill>
@@ -1340,11 +1502,12 @@
           </a:prstGeom>
         </p:spPr>
         <p:txBody>
-          <a:bodyPr lIns="0" rIns="0" tIns="0" bIns="0">
+          <a:bodyPr lIns="0" tIns="0" rIns="0" bIns="0">
             <a:normAutofit/>
           </a:bodyPr>
-          <a:p>
-            <a:endParaRPr b="0" lang="en-US" sz="2800" spc="-1" strike="noStrike">
+          <a:lstStyle/>
+          <a:p>
+            <a:endParaRPr lang="en-US" sz="2800" b="0" strike="noStrike" spc="-1">
               <a:solidFill>
                 <a:srgbClr val="000000"/>
               </a:solidFill>
@@ -1373,11 +1536,12 @@
           </a:prstGeom>
         </p:spPr>
         <p:txBody>
-          <a:bodyPr lIns="0" rIns="0" tIns="0" bIns="0">
+          <a:bodyPr lIns="0" tIns="0" rIns="0" bIns="0">
             <a:normAutofit/>
           </a:bodyPr>
-          <a:p>
-            <a:endParaRPr b="0" lang="en-US" sz="2800" spc="-1" strike="noStrike">
+          <a:lstStyle/>
+          <a:p>
+            <a:endParaRPr lang="en-US" sz="2800" b="0" strike="noStrike" spc="-1">
               <a:solidFill>
                 <a:srgbClr val="000000"/>
               </a:solidFill>
@@ -1406,11 +1570,12 @@
           </a:prstGeom>
         </p:spPr>
         <p:txBody>
-          <a:bodyPr lIns="0" rIns="0" tIns="0" bIns="0">
+          <a:bodyPr lIns="0" tIns="0" rIns="0" bIns="0">
             <a:normAutofit/>
           </a:bodyPr>
-          <a:p>
-            <a:endParaRPr b="0" lang="en-US" sz="2800" spc="-1" strike="noStrike">
+          <a:lstStyle/>
+          <a:p>
+            <a:endParaRPr lang="en-US" sz="2800" b="0" strike="noStrike" spc="-1">
               <a:solidFill>
                 <a:srgbClr val="000000"/>
               </a:solidFill>
@@ -1421,11 +1586,14 @@
       </p:sp>
     </p:spTree>
   </p:cSld>
+  <p:clrMapOvr>
+    <a:masterClrMapping/>
+  </p:clrMapOvr>
 </p:sldLayout>
 </file>
 
 <file path=ppt/slideLayouts/slideLayout21.xml><?xml version="1.0" encoding="utf-8"?>
-<p:sldLayout xmlns:a="http://schemas.openxmlformats.org/drawingml/2006/main" xmlns:p="http://schemas.openxmlformats.org/presentationml/2006/main" xmlns:r="http://schemas.openxmlformats.org/officeDocument/2006/relationships" xmlns:p14="http://schemas.microsoft.com/office/powerpoint/2010/main" xmlns:p15="http://schemas.microsoft.com/office/powerpoint/2012/main" xmlns:mc="http://schemas.openxmlformats.org/markup-compatibility/2006" type="twoObjOverTx" preserve="1">
+<p:sldLayout xmlns:a="http://schemas.openxmlformats.org/drawingml/2006/main" xmlns:r="http://schemas.openxmlformats.org/officeDocument/2006/relationships" xmlns:p="http://schemas.openxmlformats.org/presentationml/2006/main" type="twoObjOverTx" preserve="1">
   <p:cSld name="Title, 2 Content over Content">
     <p:spTree>
       <p:nvGrpSpPr>
@@ -1461,11 +1629,12 @@
           </a:prstGeom>
         </p:spPr>
         <p:txBody>
-          <a:bodyPr lIns="0" rIns="0" tIns="0" bIns="0" anchor="ctr">
+          <a:bodyPr lIns="0" tIns="0" rIns="0" bIns="0" anchor="ctr">
             <a:noAutofit/>
           </a:bodyPr>
-          <a:p>
-            <a:endParaRPr b="0" lang="en-US" sz="1800" spc="-1" strike="noStrike">
+          <a:lstStyle/>
+          <a:p>
+            <a:endParaRPr lang="en-US" sz="1800" b="0" strike="noStrike" spc="-1">
               <a:solidFill>
                 <a:srgbClr val="000000"/>
               </a:solidFill>
@@ -1494,11 +1663,12 @@
           </a:prstGeom>
         </p:spPr>
         <p:txBody>
-          <a:bodyPr lIns="0" rIns="0" tIns="0" bIns="0">
+          <a:bodyPr lIns="0" tIns="0" rIns="0" bIns="0">
             <a:normAutofit/>
           </a:bodyPr>
-          <a:p>
-            <a:endParaRPr b="0" lang="en-US" sz="2800" spc="-1" strike="noStrike">
+          <a:lstStyle/>
+          <a:p>
+            <a:endParaRPr lang="en-US" sz="2800" b="0" strike="noStrike" spc="-1">
               <a:solidFill>
                 <a:srgbClr val="000000"/>
               </a:solidFill>
@@ -1527,11 +1697,12 @@
           </a:prstGeom>
         </p:spPr>
         <p:txBody>
-          <a:bodyPr lIns="0" rIns="0" tIns="0" bIns="0">
+          <a:bodyPr lIns="0" tIns="0" rIns="0" bIns="0">
             <a:normAutofit/>
           </a:bodyPr>
-          <a:p>
-            <a:endParaRPr b="0" lang="en-US" sz="2800" spc="-1" strike="noStrike">
+          <a:lstStyle/>
+          <a:p>
+            <a:endParaRPr lang="en-US" sz="2800" b="0" strike="noStrike" spc="-1">
               <a:solidFill>
                 <a:srgbClr val="000000"/>
               </a:solidFill>
@@ -1560,11 +1731,12 @@
           </a:prstGeom>
         </p:spPr>
         <p:txBody>
-          <a:bodyPr lIns="0" rIns="0" tIns="0" bIns="0">
+          <a:bodyPr lIns="0" tIns="0" rIns="0" bIns="0">
             <a:normAutofit/>
           </a:bodyPr>
-          <a:p>
-            <a:endParaRPr b="0" lang="en-US" sz="2800" spc="-1" strike="noStrike">
+          <a:lstStyle/>
+          <a:p>
+            <a:endParaRPr lang="en-US" sz="2800" b="0" strike="noStrike" spc="-1">
               <a:solidFill>
                 <a:srgbClr val="000000"/>
               </a:solidFill>
@@ -1575,11 +1747,14 @@
       </p:sp>
     </p:spTree>
   </p:cSld>
+  <p:clrMapOvr>
+    <a:masterClrMapping/>
+  </p:clrMapOvr>
 </p:sldLayout>
 </file>
 
 <file path=ppt/slideLayouts/slideLayout22.xml><?xml version="1.0" encoding="utf-8"?>
-<p:sldLayout xmlns:a="http://schemas.openxmlformats.org/drawingml/2006/main" xmlns:p="http://schemas.openxmlformats.org/presentationml/2006/main" xmlns:r="http://schemas.openxmlformats.org/officeDocument/2006/relationships" xmlns:p14="http://schemas.microsoft.com/office/powerpoint/2010/main" xmlns:p15="http://schemas.microsoft.com/office/powerpoint/2012/main" xmlns:mc="http://schemas.openxmlformats.org/markup-compatibility/2006" type="objOverTx" preserve="1">
+<p:sldLayout xmlns:a="http://schemas.openxmlformats.org/drawingml/2006/main" xmlns:r="http://schemas.openxmlformats.org/officeDocument/2006/relationships" xmlns:p="http://schemas.openxmlformats.org/presentationml/2006/main" type="objOverTx" preserve="1">
   <p:cSld name="Title, Content over Content">
     <p:spTree>
       <p:nvGrpSpPr>
@@ -1615,11 +1790,12 @@
           </a:prstGeom>
         </p:spPr>
         <p:txBody>
-          <a:bodyPr lIns="0" rIns="0" tIns="0" bIns="0" anchor="ctr">
+          <a:bodyPr lIns="0" tIns="0" rIns="0" bIns="0" anchor="ctr">
             <a:noAutofit/>
           </a:bodyPr>
-          <a:p>
-            <a:endParaRPr b="0" lang="en-US" sz="1800" spc="-1" strike="noStrike">
+          <a:lstStyle/>
+          <a:p>
+            <a:endParaRPr lang="en-US" sz="1800" b="0" strike="noStrike" spc="-1">
               <a:solidFill>
                 <a:srgbClr val="000000"/>
               </a:solidFill>
@@ -1648,11 +1824,12 @@
           </a:prstGeom>
         </p:spPr>
         <p:txBody>
-          <a:bodyPr lIns="0" rIns="0" tIns="0" bIns="0">
+          <a:bodyPr lIns="0" tIns="0" rIns="0" bIns="0">
             <a:normAutofit/>
           </a:bodyPr>
-          <a:p>
-            <a:endParaRPr b="0" lang="en-US" sz="2800" spc="-1" strike="noStrike">
+          <a:lstStyle/>
+          <a:p>
+            <a:endParaRPr lang="en-US" sz="2800" b="0" strike="noStrike" spc="-1">
               <a:solidFill>
                 <a:srgbClr val="000000"/>
               </a:solidFill>
@@ -1681,11 +1858,12 @@
           </a:prstGeom>
         </p:spPr>
         <p:txBody>
-          <a:bodyPr lIns="0" rIns="0" tIns="0" bIns="0">
+          <a:bodyPr lIns="0" tIns="0" rIns="0" bIns="0">
             <a:normAutofit/>
           </a:bodyPr>
-          <a:p>
-            <a:endParaRPr b="0" lang="en-US" sz="2800" spc="-1" strike="noStrike">
+          <a:lstStyle/>
+          <a:p>
+            <a:endParaRPr lang="en-US" sz="2800" b="0" strike="noStrike" spc="-1">
               <a:solidFill>
                 <a:srgbClr val="000000"/>
               </a:solidFill>
@@ -1696,11 +1874,14 @@
       </p:sp>
     </p:spTree>
   </p:cSld>
+  <p:clrMapOvr>
+    <a:masterClrMapping/>
+  </p:clrMapOvr>
 </p:sldLayout>
 </file>
 
 <file path=ppt/slideLayouts/slideLayout23.xml><?xml version="1.0" encoding="utf-8"?>
-<p:sldLayout xmlns:a="http://schemas.openxmlformats.org/drawingml/2006/main" xmlns:p="http://schemas.openxmlformats.org/presentationml/2006/main" xmlns:r="http://schemas.openxmlformats.org/officeDocument/2006/relationships" xmlns:p14="http://schemas.microsoft.com/office/powerpoint/2010/main" xmlns:p15="http://schemas.microsoft.com/office/powerpoint/2012/main" xmlns:mc="http://schemas.openxmlformats.org/markup-compatibility/2006" type="fourObj" preserve="1">
+<p:sldLayout xmlns:a="http://schemas.openxmlformats.org/drawingml/2006/main" xmlns:r="http://schemas.openxmlformats.org/officeDocument/2006/relationships" xmlns:p="http://schemas.openxmlformats.org/presentationml/2006/main" type="fourObj" preserve="1">
   <p:cSld name="Title, 4 Content">
     <p:spTree>
       <p:nvGrpSpPr>
@@ -1736,11 +1917,12 @@
           </a:prstGeom>
         </p:spPr>
         <p:txBody>
-          <a:bodyPr lIns="0" rIns="0" tIns="0" bIns="0" anchor="ctr">
+          <a:bodyPr lIns="0" tIns="0" rIns="0" bIns="0" anchor="ctr">
             <a:noAutofit/>
           </a:bodyPr>
-          <a:p>
-            <a:endParaRPr b="0" lang="en-US" sz="1800" spc="-1" strike="noStrike">
+          <a:lstStyle/>
+          <a:p>
+            <a:endParaRPr lang="en-US" sz="1800" b="0" strike="noStrike" spc="-1">
               <a:solidFill>
                 <a:srgbClr val="000000"/>
               </a:solidFill>
@@ -1769,11 +1951,12 @@
           </a:prstGeom>
         </p:spPr>
         <p:txBody>
-          <a:bodyPr lIns="0" rIns="0" tIns="0" bIns="0">
+          <a:bodyPr lIns="0" tIns="0" rIns="0" bIns="0">
             <a:normAutofit/>
           </a:bodyPr>
-          <a:p>
-            <a:endParaRPr b="0" lang="en-US" sz="2800" spc="-1" strike="noStrike">
+          <a:lstStyle/>
+          <a:p>
+            <a:endParaRPr lang="en-US" sz="2800" b="0" strike="noStrike" spc="-1">
               <a:solidFill>
                 <a:srgbClr val="000000"/>
               </a:solidFill>
@@ -1802,11 +1985,12 @@
           </a:prstGeom>
         </p:spPr>
         <p:txBody>
-          <a:bodyPr lIns="0" rIns="0" tIns="0" bIns="0">
+          <a:bodyPr lIns="0" tIns="0" rIns="0" bIns="0">
             <a:normAutofit/>
           </a:bodyPr>
-          <a:p>
-            <a:endParaRPr b="0" lang="en-US" sz="2800" spc="-1" strike="noStrike">
+          <a:lstStyle/>
+          <a:p>
+            <a:endParaRPr lang="en-US" sz="2800" b="0" strike="noStrike" spc="-1">
               <a:solidFill>
                 <a:srgbClr val="000000"/>
               </a:solidFill>
@@ -1835,11 +2019,12 @@
           </a:prstGeom>
         </p:spPr>
         <p:txBody>
-          <a:bodyPr lIns="0" rIns="0" tIns="0" bIns="0">
+          <a:bodyPr lIns="0" tIns="0" rIns="0" bIns="0">
             <a:normAutofit/>
           </a:bodyPr>
-          <a:p>
-            <a:endParaRPr b="0" lang="en-US" sz="2800" spc="-1" strike="noStrike">
+          <a:lstStyle/>
+          <a:p>
+            <a:endParaRPr lang="en-US" sz="2800" b="0" strike="noStrike" spc="-1">
               <a:solidFill>
                 <a:srgbClr val="000000"/>
               </a:solidFill>
@@ -1868,11 +2053,12 @@
           </a:prstGeom>
         </p:spPr>
         <p:txBody>
-          <a:bodyPr lIns="0" rIns="0" tIns="0" bIns="0">
+          <a:bodyPr lIns="0" tIns="0" rIns="0" bIns="0">
             <a:normAutofit/>
           </a:bodyPr>
-          <a:p>
-            <a:endParaRPr b="0" lang="en-US" sz="2800" spc="-1" strike="noStrike">
+          <a:lstStyle/>
+          <a:p>
+            <a:endParaRPr lang="en-US" sz="2800" b="0" strike="noStrike" spc="-1">
               <a:solidFill>
                 <a:srgbClr val="000000"/>
               </a:solidFill>
@@ -1883,11 +2069,14 @@
       </p:sp>
     </p:spTree>
   </p:cSld>
+  <p:clrMapOvr>
+    <a:masterClrMapping/>
+  </p:clrMapOvr>
 </p:sldLayout>
 </file>
 
 <file path=ppt/slideLayouts/slideLayout24.xml><?xml version="1.0" encoding="utf-8"?>
-<p:sldLayout xmlns:a="http://schemas.openxmlformats.org/drawingml/2006/main" xmlns:p="http://schemas.openxmlformats.org/presentationml/2006/main" xmlns:r="http://schemas.openxmlformats.org/officeDocument/2006/relationships" xmlns:p14="http://schemas.microsoft.com/office/powerpoint/2010/main" xmlns:p15="http://schemas.microsoft.com/office/powerpoint/2012/main" xmlns:mc="http://schemas.openxmlformats.org/markup-compatibility/2006" type="blank" preserve="1">
+<p:sldLayout xmlns:a="http://schemas.openxmlformats.org/drawingml/2006/main" xmlns:r="http://schemas.openxmlformats.org/officeDocument/2006/relationships" xmlns:p="http://schemas.openxmlformats.org/presentationml/2006/main" type="blank" preserve="1">
   <p:cSld name="Title, 6 Content">
     <p:spTree>
       <p:nvGrpSpPr>
@@ -1923,11 +2112,12 @@
           </a:prstGeom>
         </p:spPr>
         <p:txBody>
-          <a:bodyPr lIns="0" rIns="0" tIns="0" bIns="0" anchor="ctr">
+          <a:bodyPr lIns="0" tIns="0" rIns="0" bIns="0" anchor="ctr">
             <a:noAutofit/>
           </a:bodyPr>
-          <a:p>
-            <a:endParaRPr b="0" lang="en-US" sz="1800" spc="-1" strike="noStrike">
+          <a:lstStyle/>
+          <a:p>
+            <a:endParaRPr lang="en-US" sz="1800" b="0" strike="noStrike" spc="-1">
               <a:solidFill>
                 <a:srgbClr val="000000"/>
               </a:solidFill>
@@ -1956,11 +2146,12 @@
           </a:prstGeom>
         </p:spPr>
         <p:txBody>
-          <a:bodyPr lIns="0" rIns="0" tIns="0" bIns="0">
+          <a:bodyPr lIns="0" tIns="0" rIns="0" bIns="0">
             <a:normAutofit/>
           </a:bodyPr>
-          <a:p>
-            <a:endParaRPr b="0" lang="en-US" sz="2800" spc="-1" strike="noStrike">
+          <a:lstStyle/>
+          <a:p>
+            <a:endParaRPr lang="en-US" sz="2800" b="0" strike="noStrike" spc="-1">
               <a:solidFill>
                 <a:srgbClr val="000000"/>
               </a:solidFill>
@@ -1989,11 +2180,12 @@
           </a:prstGeom>
         </p:spPr>
         <p:txBody>
-          <a:bodyPr lIns="0" rIns="0" tIns="0" bIns="0">
+          <a:bodyPr lIns="0" tIns="0" rIns="0" bIns="0">
             <a:normAutofit/>
           </a:bodyPr>
-          <a:p>
-            <a:endParaRPr b="0" lang="en-US" sz="2800" spc="-1" strike="noStrike">
+          <a:lstStyle/>
+          <a:p>
+            <a:endParaRPr lang="en-US" sz="2800" b="0" strike="noStrike" spc="-1">
               <a:solidFill>
                 <a:srgbClr val="000000"/>
               </a:solidFill>
@@ -2022,11 +2214,12 @@
           </a:prstGeom>
         </p:spPr>
         <p:txBody>
-          <a:bodyPr lIns="0" rIns="0" tIns="0" bIns="0">
+          <a:bodyPr lIns="0" tIns="0" rIns="0" bIns="0">
             <a:normAutofit/>
           </a:bodyPr>
-          <a:p>
-            <a:endParaRPr b="0" lang="en-US" sz="2800" spc="-1" strike="noStrike">
+          <a:lstStyle/>
+          <a:p>
+            <a:endParaRPr lang="en-US" sz="2800" b="0" strike="noStrike" spc="-1">
               <a:solidFill>
                 <a:srgbClr val="000000"/>
               </a:solidFill>
@@ -2055,11 +2248,12 @@
           </a:prstGeom>
         </p:spPr>
         <p:txBody>
-          <a:bodyPr lIns="0" rIns="0" tIns="0" bIns="0">
+          <a:bodyPr lIns="0" tIns="0" rIns="0" bIns="0">
             <a:normAutofit/>
           </a:bodyPr>
-          <a:p>
-            <a:endParaRPr b="0" lang="en-US" sz="2800" spc="-1" strike="noStrike">
+          <a:lstStyle/>
+          <a:p>
+            <a:endParaRPr lang="en-US" sz="2800" b="0" strike="noStrike" spc="-1">
               <a:solidFill>
                 <a:srgbClr val="000000"/>
               </a:solidFill>
@@ -2088,11 +2282,12 @@
           </a:prstGeom>
         </p:spPr>
         <p:txBody>
-          <a:bodyPr lIns="0" rIns="0" tIns="0" bIns="0">
+          <a:bodyPr lIns="0" tIns="0" rIns="0" bIns="0">
             <a:normAutofit/>
           </a:bodyPr>
-          <a:p>
-            <a:endParaRPr b="0" lang="en-US" sz="2800" spc="-1" strike="noStrike">
+          <a:lstStyle/>
+          <a:p>
+            <a:endParaRPr lang="en-US" sz="2800" b="0" strike="noStrike" spc="-1">
               <a:solidFill>
                 <a:srgbClr val="000000"/>
               </a:solidFill>
@@ -2121,11 +2316,12 @@
           </a:prstGeom>
         </p:spPr>
         <p:txBody>
-          <a:bodyPr lIns="0" rIns="0" tIns="0" bIns="0">
+          <a:bodyPr lIns="0" tIns="0" rIns="0" bIns="0">
             <a:normAutofit/>
           </a:bodyPr>
-          <a:p>
-            <a:endParaRPr b="0" lang="en-US" sz="2800" spc="-1" strike="noStrike">
+          <a:lstStyle/>
+          <a:p>
+            <a:endParaRPr lang="en-US" sz="2800" b="0" strike="noStrike" spc="-1">
               <a:solidFill>
                 <a:srgbClr val="000000"/>
               </a:solidFill>
@@ -2136,11 +2332,14 @@
       </p:sp>
     </p:spTree>
   </p:cSld>
+  <p:clrMapOvr>
+    <a:masterClrMapping/>
+  </p:clrMapOvr>
 </p:sldLayout>
 </file>
 
 <file path=ppt/slideLayouts/slideLayout25.xml><?xml version="1.0" encoding="utf-8"?>
-<p:sldLayout xmlns:a="http://schemas.openxmlformats.org/drawingml/2006/main" xmlns:p="http://schemas.openxmlformats.org/presentationml/2006/main" xmlns:r="http://schemas.openxmlformats.org/officeDocument/2006/relationships" xmlns:p14="http://schemas.microsoft.com/office/powerpoint/2010/main" xmlns:p15="http://schemas.microsoft.com/office/powerpoint/2012/main" xmlns:mc="http://schemas.openxmlformats.org/markup-compatibility/2006" type="blank" preserve="1">
+<p:sldLayout xmlns:a="http://schemas.openxmlformats.org/drawingml/2006/main" xmlns:r="http://schemas.openxmlformats.org/officeDocument/2006/relationships" xmlns:p="http://schemas.openxmlformats.org/presentationml/2006/main" type="blank" preserve="1">
   <p:cSld name="Blank Slide">
     <p:spTree>
       <p:nvGrpSpPr>
@@ -2158,11 +2357,14 @@
       </p:grpSpPr>
     </p:spTree>
   </p:cSld>
+  <p:clrMapOvr>
+    <a:masterClrMapping/>
+  </p:clrMapOvr>
 </p:sldLayout>
 </file>
 
 <file path=ppt/slideLayouts/slideLayout26.xml><?xml version="1.0" encoding="utf-8"?>
-<p:sldLayout xmlns:a="http://schemas.openxmlformats.org/drawingml/2006/main" xmlns:p="http://schemas.openxmlformats.org/presentationml/2006/main" xmlns:r="http://schemas.openxmlformats.org/officeDocument/2006/relationships" xmlns:p14="http://schemas.microsoft.com/office/powerpoint/2010/main" xmlns:p15="http://schemas.microsoft.com/office/powerpoint/2012/main" xmlns:mc="http://schemas.openxmlformats.org/markup-compatibility/2006" type="tx" preserve="1">
+<p:sldLayout xmlns:a="http://schemas.openxmlformats.org/drawingml/2006/main" xmlns:r="http://schemas.openxmlformats.org/officeDocument/2006/relationships" xmlns:p="http://schemas.openxmlformats.org/presentationml/2006/main" type="tx" preserve="1">
   <p:cSld name="Title Slide">
     <p:spTree>
       <p:nvGrpSpPr>
@@ -2198,11 +2400,12 @@
           </a:prstGeom>
         </p:spPr>
         <p:txBody>
-          <a:bodyPr lIns="0" rIns="0" tIns="0" bIns="0" anchor="ctr">
+          <a:bodyPr lIns="0" tIns="0" rIns="0" bIns="0" anchor="ctr">
             <a:noAutofit/>
           </a:bodyPr>
-          <a:p>
-            <a:endParaRPr b="0" lang="en-US" sz="1800" spc="-1" strike="noStrike">
+          <a:lstStyle/>
+          <a:p>
+            <a:endParaRPr lang="en-US" sz="1800" b="0" strike="noStrike" spc="-1">
               <a:solidFill>
                 <a:srgbClr val="000000"/>
               </a:solidFill>
@@ -2231,12 +2434,13 @@
           </a:prstGeom>
         </p:spPr>
         <p:txBody>
-          <a:bodyPr lIns="0" rIns="0" tIns="0" bIns="0" anchor="ctr">
+          <a:bodyPr lIns="0" tIns="0" rIns="0" bIns="0" anchor="ctr">
             <a:noAutofit/>
           </a:bodyPr>
+          <a:lstStyle/>
           <a:p>
             <a:pPr algn="ctr"/>
-            <a:endParaRPr b="0" lang="en-US" sz="3200" spc="-1" strike="noStrike">
+            <a:endParaRPr lang="en-US" sz="3200" b="0" strike="noStrike" spc="-1">
               <a:latin typeface="Arial"/>
             </a:endParaRPr>
           </a:p>
@@ -2244,11 +2448,14 @@
       </p:sp>
     </p:spTree>
   </p:cSld>
+  <p:clrMapOvr>
+    <a:masterClrMapping/>
+  </p:clrMapOvr>
 </p:sldLayout>
 </file>
 
 <file path=ppt/slideLayouts/slideLayout27.xml><?xml version="1.0" encoding="utf-8"?>
-<p:sldLayout xmlns:a="http://schemas.openxmlformats.org/drawingml/2006/main" xmlns:p="http://schemas.openxmlformats.org/presentationml/2006/main" xmlns:r="http://schemas.openxmlformats.org/officeDocument/2006/relationships" xmlns:p14="http://schemas.microsoft.com/office/powerpoint/2010/main" xmlns:p15="http://schemas.microsoft.com/office/powerpoint/2012/main" xmlns:mc="http://schemas.openxmlformats.org/markup-compatibility/2006" type="obj" preserve="1">
+<p:sldLayout xmlns:a="http://schemas.openxmlformats.org/drawingml/2006/main" xmlns:r="http://schemas.openxmlformats.org/officeDocument/2006/relationships" xmlns:p="http://schemas.openxmlformats.org/presentationml/2006/main" type="obj" preserve="1">
   <p:cSld name="Title, Content">
     <p:spTree>
       <p:nvGrpSpPr>
@@ -2284,11 +2491,12 @@
           </a:prstGeom>
         </p:spPr>
         <p:txBody>
-          <a:bodyPr lIns="0" rIns="0" tIns="0" bIns="0" anchor="ctr">
+          <a:bodyPr lIns="0" tIns="0" rIns="0" bIns="0" anchor="ctr">
             <a:noAutofit/>
           </a:bodyPr>
-          <a:p>
-            <a:endParaRPr b="0" lang="en-US" sz="1800" spc="-1" strike="noStrike">
+          <a:lstStyle/>
+          <a:p>
+            <a:endParaRPr lang="en-US" sz="1800" b="0" strike="noStrike" spc="-1">
               <a:solidFill>
                 <a:srgbClr val="000000"/>
               </a:solidFill>
@@ -2317,11 +2525,12 @@
           </a:prstGeom>
         </p:spPr>
         <p:txBody>
-          <a:bodyPr lIns="0" rIns="0" tIns="0" bIns="0">
+          <a:bodyPr lIns="0" tIns="0" rIns="0" bIns="0">
             <a:normAutofit/>
           </a:bodyPr>
-          <a:p>
-            <a:endParaRPr b="0" lang="en-US" sz="2800" spc="-1" strike="noStrike">
+          <a:lstStyle/>
+          <a:p>
+            <a:endParaRPr lang="en-US" sz="2800" b="0" strike="noStrike" spc="-1">
               <a:solidFill>
                 <a:srgbClr val="000000"/>
               </a:solidFill>
@@ -2332,11 +2541,14 @@
       </p:sp>
     </p:spTree>
   </p:cSld>
+  <p:clrMapOvr>
+    <a:masterClrMapping/>
+  </p:clrMapOvr>
 </p:sldLayout>
 </file>
 
 <file path=ppt/slideLayouts/slideLayout28.xml><?xml version="1.0" encoding="utf-8"?>
-<p:sldLayout xmlns:a="http://schemas.openxmlformats.org/drawingml/2006/main" xmlns:p="http://schemas.openxmlformats.org/presentationml/2006/main" xmlns:r="http://schemas.openxmlformats.org/officeDocument/2006/relationships" xmlns:p14="http://schemas.microsoft.com/office/powerpoint/2010/main" xmlns:p15="http://schemas.microsoft.com/office/powerpoint/2012/main" xmlns:mc="http://schemas.openxmlformats.org/markup-compatibility/2006" type="twoObj" preserve="1">
+<p:sldLayout xmlns:a="http://schemas.openxmlformats.org/drawingml/2006/main" xmlns:r="http://schemas.openxmlformats.org/officeDocument/2006/relationships" xmlns:p="http://schemas.openxmlformats.org/presentationml/2006/main" type="twoObj" preserve="1">
   <p:cSld name="Title, 2 Content">
     <p:spTree>
       <p:nvGrpSpPr>
@@ -2372,11 +2584,12 @@
           </a:prstGeom>
         </p:spPr>
         <p:txBody>
-          <a:bodyPr lIns="0" rIns="0" tIns="0" bIns="0" anchor="ctr">
+          <a:bodyPr lIns="0" tIns="0" rIns="0" bIns="0" anchor="ctr">
             <a:noAutofit/>
           </a:bodyPr>
-          <a:p>
-            <a:endParaRPr b="0" lang="en-US" sz="1800" spc="-1" strike="noStrike">
+          <a:lstStyle/>
+          <a:p>
+            <a:endParaRPr lang="en-US" sz="1800" b="0" strike="noStrike" spc="-1">
               <a:solidFill>
                 <a:srgbClr val="000000"/>
               </a:solidFill>
@@ -2405,11 +2618,12 @@
           </a:prstGeom>
         </p:spPr>
         <p:txBody>
-          <a:bodyPr lIns="0" rIns="0" tIns="0" bIns="0">
+          <a:bodyPr lIns="0" tIns="0" rIns="0" bIns="0">
             <a:normAutofit/>
           </a:bodyPr>
-          <a:p>
-            <a:endParaRPr b="0" lang="en-US" sz="2800" spc="-1" strike="noStrike">
+          <a:lstStyle/>
+          <a:p>
+            <a:endParaRPr lang="en-US" sz="2800" b="0" strike="noStrike" spc="-1">
               <a:solidFill>
                 <a:srgbClr val="000000"/>
               </a:solidFill>
@@ -2438,11 +2652,12 @@
           </a:prstGeom>
         </p:spPr>
         <p:txBody>
-          <a:bodyPr lIns="0" rIns="0" tIns="0" bIns="0">
+          <a:bodyPr lIns="0" tIns="0" rIns="0" bIns="0">
             <a:normAutofit/>
           </a:bodyPr>
-          <a:p>
-            <a:endParaRPr b="0" lang="en-US" sz="2800" spc="-1" strike="noStrike">
+          <a:lstStyle/>
+          <a:p>
+            <a:endParaRPr lang="en-US" sz="2800" b="0" strike="noStrike" spc="-1">
               <a:solidFill>
                 <a:srgbClr val="000000"/>
               </a:solidFill>
@@ -2453,11 +2668,14 @@
       </p:sp>
     </p:spTree>
   </p:cSld>
+  <p:clrMapOvr>
+    <a:masterClrMapping/>
+  </p:clrMapOvr>
 </p:sldLayout>
 </file>
 
 <file path=ppt/slideLayouts/slideLayout29.xml><?xml version="1.0" encoding="utf-8"?>
-<p:sldLayout xmlns:a="http://schemas.openxmlformats.org/drawingml/2006/main" xmlns:p="http://schemas.openxmlformats.org/presentationml/2006/main" xmlns:r="http://schemas.openxmlformats.org/officeDocument/2006/relationships" xmlns:p14="http://schemas.microsoft.com/office/powerpoint/2010/main" xmlns:p15="http://schemas.microsoft.com/office/powerpoint/2012/main" xmlns:mc="http://schemas.openxmlformats.org/markup-compatibility/2006" type="titleOnly" preserve="1">
+<p:sldLayout xmlns:a="http://schemas.openxmlformats.org/drawingml/2006/main" xmlns:r="http://schemas.openxmlformats.org/officeDocument/2006/relationships" xmlns:p="http://schemas.openxmlformats.org/presentationml/2006/main" type="titleOnly" preserve="1">
   <p:cSld name="Title Only">
     <p:spTree>
       <p:nvGrpSpPr>
@@ -2493,11 +2711,12 @@
           </a:prstGeom>
         </p:spPr>
         <p:txBody>
-          <a:bodyPr lIns="0" rIns="0" tIns="0" bIns="0" anchor="ctr">
+          <a:bodyPr lIns="0" tIns="0" rIns="0" bIns="0" anchor="ctr">
             <a:noAutofit/>
           </a:bodyPr>
-          <a:p>
-            <a:endParaRPr b="0" lang="en-US" sz="1800" spc="-1" strike="noStrike">
+          <a:lstStyle/>
+          <a:p>
+            <a:endParaRPr lang="en-US" sz="1800" b="0" strike="noStrike" spc="-1">
               <a:solidFill>
                 <a:srgbClr val="000000"/>
               </a:solidFill>
@@ -2508,11 +2727,14 @@
       </p:sp>
     </p:spTree>
   </p:cSld>
+  <p:clrMapOvr>
+    <a:masterClrMapping/>
+  </p:clrMapOvr>
 </p:sldLayout>
 </file>
 
 <file path=ppt/slideLayouts/slideLayout3.xml><?xml version="1.0" encoding="utf-8"?>
-<p:sldLayout xmlns:a="http://schemas.openxmlformats.org/drawingml/2006/main" xmlns:p="http://schemas.openxmlformats.org/presentationml/2006/main" xmlns:r="http://schemas.openxmlformats.org/officeDocument/2006/relationships" xmlns:p14="http://schemas.microsoft.com/office/powerpoint/2010/main" xmlns:p15="http://schemas.microsoft.com/office/powerpoint/2012/main" xmlns:mc="http://schemas.openxmlformats.org/markup-compatibility/2006" type="obj" preserve="1">
+<p:sldLayout xmlns:a="http://schemas.openxmlformats.org/drawingml/2006/main" xmlns:r="http://schemas.openxmlformats.org/officeDocument/2006/relationships" xmlns:p="http://schemas.openxmlformats.org/presentationml/2006/main" type="obj" preserve="1">
   <p:cSld name="Title, Content">
     <p:spTree>
       <p:nvGrpSpPr>
@@ -2548,11 +2770,12 @@
           </a:prstGeom>
         </p:spPr>
         <p:txBody>
-          <a:bodyPr lIns="0" rIns="0" tIns="0" bIns="0" anchor="ctr">
+          <a:bodyPr lIns="0" tIns="0" rIns="0" bIns="0" anchor="ctr">
             <a:noAutofit/>
           </a:bodyPr>
-          <a:p>
-            <a:endParaRPr b="0" lang="en-US" sz="1800" spc="-1" strike="noStrike">
+          <a:lstStyle/>
+          <a:p>
+            <a:endParaRPr lang="en-US" sz="1800" b="0" strike="noStrike" spc="-1">
               <a:solidFill>
                 <a:srgbClr val="000000"/>
               </a:solidFill>
@@ -2581,11 +2804,12 @@
           </a:prstGeom>
         </p:spPr>
         <p:txBody>
-          <a:bodyPr lIns="0" rIns="0" tIns="0" bIns="0">
+          <a:bodyPr lIns="0" tIns="0" rIns="0" bIns="0">
             <a:normAutofit/>
           </a:bodyPr>
-          <a:p>
-            <a:endParaRPr b="0" lang="en-US" sz="2800" spc="-1" strike="noStrike">
+          <a:lstStyle/>
+          <a:p>
+            <a:endParaRPr lang="en-US" sz="2800" b="0" strike="noStrike" spc="-1">
               <a:solidFill>
                 <a:srgbClr val="000000"/>
               </a:solidFill>
@@ -2596,11 +2820,14 @@
       </p:sp>
     </p:spTree>
   </p:cSld>
+  <p:clrMapOvr>
+    <a:masterClrMapping/>
+  </p:clrMapOvr>
 </p:sldLayout>
 </file>
 
 <file path=ppt/slideLayouts/slideLayout30.xml><?xml version="1.0" encoding="utf-8"?>
-<p:sldLayout xmlns:a="http://schemas.openxmlformats.org/drawingml/2006/main" xmlns:p="http://schemas.openxmlformats.org/presentationml/2006/main" xmlns:r="http://schemas.openxmlformats.org/officeDocument/2006/relationships" xmlns:p14="http://schemas.microsoft.com/office/powerpoint/2010/main" xmlns:p15="http://schemas.microsoft.com/office/powerpoint/2012/main" xmlns:mc="http://schemas.openxmlformats.org/markup-compatibility/2006" type="objOnly" preserve="1">
+<p:sldLayout xmlns:a="http://schemas.openxmlformats.org/drawingml/2006/main" xmlns:r="http://schemas.openxmlformats.org/officeDocument/2006/relationships" xmlns:p="http://schemas.openxmlformats.org/presentationml/2006/main" type="objOnly" preserve="1">
   <p:cSld name="Centered Text">
     <p:spTree>
       <p:nvGrpSpPr>
@@ -2636,12 +2863,13 @@
           </a:prstGeom>
         </p:spPr>
         <p:txBody>
-          <a:bodyPr lIns="0" rIns="0" tIns="0" bIns="0" anchor="ctr">
+          <a:bodyPr lIns="0" tIns="0" rIns="0" bIns="0" anchor="ctr">
             <a:noAutofit/>
           </a:bodyPr>
+          <a:lstStyle/>
           <a:p>
             <a:pPr algn="ctr"/>
-            <a:endParaRPr b="0" lang="en-US" sz="3200" spc="-1" strike="noStrike">
+            <a:endParaRPr lang="en-US" sz="3200" b="0" strike="noStrike" spc="-1">
               <a:latin typeface="Arial"/>
             </a:endParaRPr>
           </a:p>
@@ -2649,11 +2877,14 @@
       </p:sp>
     </p:spTree>
   </p:cSld>
+  <p:clrMapOvr>
+    <a:masterClrMapping/>
+  </p:clrMapOvr>
 </p:sldLayout>
 </file>
 
 <file path=ppt/slideLayouts/slideLayout31.xml><?xml version="1.0" encoding="utf-8"?>
-<p:sldLayout xmlns:a="http://schemas.openxmlformats.org/drawingml/2006/main" xmlns:p="http://schemas.openxmlformats.org/presentationml/2006/main" xmlns:r="http://schemas.openxmlformats.org/officeDocument/2006/relationships" xmlns:p14="http://schemas.microsoft.com/office/powerpoint/2010/main" xmlns:p15="http://schemas.microsoft.com/office/powerpoint/2012/main" xmlns:mc="http://schemas.openxmlformats.org/markup-compatibility/2006" type="twoObjAndObj" preserve="1">
+<p:sldLayout xmlns:a="http://schemas.openxmlformats.org/drawingml/2006/main" xmlns:r="http://schemas.openxmlformats.org/officeDocument/2006/relationships" xmlns:p="http://schemas.openxmlformats.org/presentationml/2006/main" type="twoObjAndObj" preserve="1">
   <p:cSld name="Title, 2 Content and Content">
     <p:spTree>
       <p:nvGrpSpPr>
@@ -2689,11 +2920,12 @@
           </a:prstGeom>
         </p:spPr>
         <p:txBody>
-          <a:bodyPr lIns="0" rIns="0" tIns="0" bIns="0" anchor="ctr">
+          <a:bodyPr lIns="0" tIns="0" rIns="0" bIns="0" anchor="ctr">
             <a:noAutofit/>
           </a:bodyPr>
-          <a:p>
-            <a:endParaRPr b="0" lang="en-US" sz="1800" spc="-1" strike="noStrike">
+          <a:lstStyle/>
+          <a:p>
+            <a:endParaRPr lang="en-US" sz="1800" b="0" strike="noStrike" spc="-1">
               <a:solidFill>
                 <a:srgbClr val="000000"/>
               </a:solidFill>
@@ -2722,11 +2954,12 @@
           </a:prstGeom>
         </p:spPr>
         <p:txBody>
-          <a:bodyPr lIns="0" rIns="0" tIns="0" bIns="0">
+          <a:bodyPr lIns="0" tIns="0" rIns="0" bIns="0">
             <a:normAutofit/>
           </a:bodyPr>
-          <a:p>
-            <a:endParaRPr b="0" lang="en-US" sz="2800" spc="-1" strike="noStrike">
+          <a:lstStyle/>
+          <a:p>
+            <a:endParaRPr lang="en-US" sz="2800" b="0" strike="noStrike" spc="-1">
               <a:solidFill>
                 <a:srgbClr val="000000"/>
               </a:solidFill>
@@ -2755,11 +2988,12 @@
           </a:prstGeom>
         </p:spPr>
         <p:txBody>
-          <a:bodyPr lIns="0" rIns="0" tIns="0" bIns="0">
+          <a:bodyPr lIns="0" tIns="0" rIns="0" bIns="0">
             <a:normAutofit/>
           </a:bodyPr>
-          <a:p>
-            <a:endParaRPr b="0" lang="en-US" sz="2800" spc="-1" strike="noStrike">
+          <a:lstStyle/>
+          <a:p>
+            <a:endParaRPr lang="en-US" sz="2800" b="0" strike="noStrike" spc="-1">
               <a:solidFill>
                 <a:srgbClr val="000000"/>
               </a:solidFill>
@@ -2788,11 +3022,12 @@
           </a:prstGeom>
         </p:spPr>
         <p:txBody>
-          <a:bodyPr lIns="0" rIns="0" tIns="0" bIns="0">
+          <a:bodyPr lIns="0" tIns="0" rIns="0" bIns="0">
             <a:normAutofit/>
           </a:bodyPr>
-          <a:p>
-            <a:endParaRPr b="0" lang="en-US" sz="2800" spc="-1" strike="noStrike">
+          <a:lstStyle/>
+          <a:p>
+            <a:endParaRPr lang="en-US" sz="2800" b="0" strike="noStrike" spc="-1">
               <a:solidFill>
                 <a:srgbClr val="000000"/>
               </a:solidFill>
@@ -2803,11 +3038,14 @@
       </p:sp>
     </p:spTree>
   </p:cSld>
+  <p:clrMapOvr>
+    <a:masterClrMapping/>
+  </p:clrMapOvr>
 </p:sldLayout>
 </file>
 
 <file path=ppt/slideLayouts/slideLayout32.xml><?xml version="1.0" encoding="utf-8"?>
-<p:sldLayout xmlns:a="http://schemas.openxmlformats.org/drawingml/2006/main" xmlns:p="http://schemas.openxmlformats.org/presentationml/2006/main" xmlns:r="http://schemas.openxmlformats.org/officeDocument/2006/relationships" xmlns:p14="http://schemas.microsoft.com/office/powerpoint/2010/main" xmlns:p15="http://schemas.microsoft.com/office/powerpoint/2012/main" xmlns:mc="http://schemas.openxmlformats.org/markup-compatibility/2006" type="objAndTwoObj" preserve="1">
+<p:sldLayout xmlns:a="http://schemas.openxmlformats.org/drawingml/2006/main" xmlns:r="http://schemas.openxmlformats.org/officeDocument/2006/relationships" xmlns:p="http://schemas.openxmlformats.org/presentationml/2006/main" type="objAndTwoObj" preserve="1">
   <p:cSld name="Title Content and 2 Content">
     <p:spTree>
       <p:nvGrpSpPr>
@@ -2843,11 +3081,12 @@
           </a:prstGeom>
         </p:spPr>
         <p:txBody>
-          <a:bodyPr lIns="0" rIns="0" tIns="0" bIns="0" anchor="ctr">
+          <a:bodyPr lIns="0" tIns="0" rIns="0" bIns="0" anchor="ctr">
             <a:noAutofit/>
           </a:bodyPr>
-          <a:p>
-            <a:endParaRPr b="0" lang="en-US" sz="1800" spc="-1" strike="noStrike">
+          <a:lstStyle/>
+          <a:p>
+            <a:endParaRPr lang="en-US" sz="1800" b="0" strike="noStrike" spc="-1">
               <a:solidFill>
                 <a:srgbClr val="000000"/>
               </a:solidFill>
@@ -2876,11 +3115,12 @@
           </a:prstGeom>
         </p:spPr>
         <p:txBody>
-          <a:bodyPr lIns="0" rIns="0" tIns="0" bIns="0">
+          <a:bodyPr lIns="0" tIns="0" rIns="0" bIns="0">
             <a:normAutofit/>
           </a:bodyPr>
-          <a:p>
-            <a:endParaRPr b="0" lang="en-US" sz="2800" spc="-1" strike="noStrike">
+          <a:lstStyle/>
+          <a:p>
+            <a:endParaRPr lang="en-US" sz="2800" b="0" strike="noStrike" spc="-1">
               <a:solidFill>
                 <a:srgbClr val="000000"/>
               </a:solidFill>
@@ -2909,11 +3149,12 @@
           </a:prstGeom>
         </p:spPr>
         <p:txBody>
-          <a:bodyPr lIns="0" rIns="0" tIns="0" bIns="0">
+          <a:bodyPr lIns="0" tIns="0" rIns="0" bIns="0">
             <a:normAutofit/>
           </a:bodyPr>
-          <a:p>
-            <a:endParaRPr b="0" lang="en-US" sz="2800" spc="-1" strike="noStrike">
+          <a:lstStyle/>
+          <a:p>
+            <a:endParaRPr lang="en-US" sz="2800" b="0" strike="noStrike" spc="-1">
               <a:solidFill>
                 <a:srgbClr val="000000"/>
               </a:solidFill>
@@ -2942,11 +3183,12 @@
           </a:prstGeom>
         </p:spPr>
         <p:txBody>
-          <a:bodyPr lIns="0" rIns="0" tIns="0" bIns="0">
+          <a:bodyPr lIns="0" tIns="0" rIns="0" bIns="0">
             <a:normAutofit/>
           </a:bodyPr>
-          <a:p>
-            <a:endParaRPr b="0" lang="en-US" sz="2800" spc="-1" strike="noStrike">
+          <a:lstStyle/>
+          <a:p>
+            <a:endParaRPr lang="en-US" sz="2800" b="0" strike="noStrike" spc="-1">
               <a:solidFill>
                 <a:srgbClr val="000000"/>
               </a:solidFill>
@@ -2957,11 +3199,14 @@
       </p:sp>
     </p:spTree>
   </p:cSld>
+  <p:clrMapOvr>
+    <a:masterClrMapping/>
+  </p:clrMapOvr>
 </p:sldLayout>
 </file>
 
 <file path=ppt/slideLayouts/slideLayout33.xml><?xml version="1.0" encoding="utf-8"?>
-<p:sldLayout xmlns:a="http://schemas.openxmlformats.org/drawingml/2006/main" xmlns:p="http://schemas.openxmlformats.org/presentationml/2006/main" xmlns:r="http://schemas.openxmlformats.org/officeDocument/2006/relationships" xmlns:p14="http://schemas.microsoft.com/office/powerpoint/2010/main" xmlns:p15="http://schemas.microsoft.com/office/powerpoint/2012/main" xmlns:mc="http://schemas.openxmlformats.org/markup-compatibility/2006" type="twoObjOverTx" preserve="1">
+<p:sldLayout xmlns:a="http://schemas.openxmlformats.org/drawingml/2006/main" xmlns:r="http://schemas.openxmlformats.org/officeDocument/2006/relationships" xmlns:p="http://schemas.openxmlformats.org/presentationml/2006/main" type="twoObjOverTx" preserve="1">
   <p:cSld name="Title, 2 Content over Content">
     <p:spTree>
       <p:nvGrpSpPr>
@@ -2997,11 +3242,12 @@
           </a:prstGeom>
         </p:spPr>
         <p:txBody>
-          <a:bodyPr lIns="0" rIns="0" tIns="0" bIns="0" anchor="ctr">
+          <a:bodyPr lIns="0" tIns="0" rIns="0" bIns="0" anchor="ctr">
             <a:noAutofit/>
           </a:bodyPr>
-          <a:p>
-            <a:endParaRPr b="0" lang="en-US" sz="1800" spc="-1" strike="noStrike">
+          <a:lstStyle/>
+          <a:p>
+            <a:endParaRPr lang="en-US" sz="1800" b="0" strike="noStrike" spc="-1">
               <a:solidFill>
                 <a:srgbClr val="000000"/>
               </a:solidFill>
@@ -3030,11 +3276,12 @@
           </a:prstGeom>
         </p:spPr>
         <p:txBody>
-          <a:bodyPr lIns="0" rIns="0" tIns="0" bIns="0">
+          <a:bodyPr lIns="0" tIns="0" rIns="0" bIns="0">
             <a:normAutofit/>
           </a:bodyPr>
-          <a:p>
-            <a:endParaRPr b="0" lang="en-US" sz="2800" spc="-1" strike="noStrike">
+          <a:lstStyle/>
+          <a:p>
+            <a:endParaRPr lang="en-US" sz="2800" b="0" strike="noStrike" spc="-1">
               <a:solidFill>
                 <a:srgbClr val="000000"/>
               </a:solidFill>
@@ -3063,11 +3310,12 @@
           </a:prstGeom>
         </p:spPr>
         <p:txBody>
-          <a:bodyPr lIns="0" rIns="0" tIns="0" bIns="0">
+          <a:bodyPr lIns="0" tIns="0" rIns="0" bIns="0">
             <a:normAutofit/>
           </a:bodyPr>
-          <a:p>
-            <a:endParaRPr b="0" lang="en-US" sz="2800" spc="-1" strike="noStrike">
+          <a:lstStyle/>
+          <a:p>
+            <a:endParaRPr lang="en-US" sz="2800" b="0" strike="noStrike" spc="-1">
               <a:solidFill>
                 <a:srgbClr val="000000"/>
               </a:solidFill>
@@ -3096,11 +3344,12 @@
           </a:prstGeom>
         </p:spPr>
         <p:txBody>
-          <a:bodyPr lIns="0" rIns="0" tIns="0" bIns="0">
+          <a:bodyPr lIns="0" tIns="0" rIns="0" bIns="0">
             <a:normAutofit/>
           </a:bodyPr>
-          <a:p>
-            <a:endParaRPr b="0" lang="en-US" sz="2800" spc="-1" strike="noStrike">
+          <a:lstStyle/>
+          <a:p>
+            <a:endParaRPr lang="en-US" sz="2800" b="0" strike="noStrike" spc="-1">
               <a:solidFill>
                 <a:srgbClr val="000000"/>
               </a:solidFill>
@@ -3111,11 +3360,14 @@
       </p:sp>
     </p:spTree>
   </p:cSld>
+  <p:clrMapOvr>
+    <a:masterClrMapping/>
+  </p:clrMapOvr>
 </p:sldLayout>
 </file>
 
 <file path=ppt/slideLayouts/slideLayout34.xml><?xml version="1.0" encoding="utf-8"?>
-<p:sldLayout xmlns:a="http://schemas.openxmlformats.org/drawingml/2006/main" xmlns:p="http://schemas.openxmlformats.org/presentationml/2006/main" xmlns:r="http://schemas.openxmlformats.org/officeDocument/2006/relationships" xmlns:p14="http://schemas.microsoft.com/office/powerpoint/2010/main" xmlns:p15="http://schemas.microsoft.com/office/powerpoint/2012/main" xmlns:mc="http://schemas.openxmlformats.org/markup-compatibility/2006" type="objOverTx" preserve="1">
+<p:sldLayout xmlns:a="http://schemas.openxmlformats.org/drawingml/2006/main" xmlns:r="http://schemas.openxmlformats.org/officeDocument/2006/relationships" xmlns:p="http://schemas.openxmlformats.org/presentationml/2006/main" type="objOverTx" preserve="1">
   <p:cSld name="Title, Content over Content">
     <p:spTree>
       <p:nvGrpSpPr>
@@ -3151,11 +3403,12 @@
           </a:prstGeom>
         </p:spPr>
         <p:txBody>
-          <a:bodyPr lIns="0" rIns="0" tIns="0" bIns="0" anchor="ctr">
+          <a:bodyPr lIns="0" tIns="0" rIns="0" bIns="0" anchor="ctr">
             <a:noAutofit/>
           </a:bodyPr>
-          <a:p>
-            <a:endParaRPr b="0" lang="en-US" sz="1800" spc="-1" strike="noStrike">
+          <a:lstStyle/>
+          <a:p>
+            <a:endParaRPr lang="en-US" sz="1800" b="0" strike="noStrike" spc="-1">
               <a:solidFill>
                 <a:srgbClr val="000000"/>
               </a:solidFill>
@@ -3184,11 +3437,12 @@
           </a:prstGeom>
         </p:spPr>
         <p:txBody>
-          <a:bodyPr lIns="0" rIns="0" tIns="0" bIns="0">
+          <a:bodyPr lIns="0" tIns="0" rIns="0" bIns="0">
             <a:normAutofit/>
           </a:bodyPr>
-          <a:p>
-            <a:endParaRPr b="0" lang="en-US" sz="2800" spc="-1" strike="noStrike">
+          <a:lstStyle/>
+          <a:p>
+            <a:endParaRPr lang="en-US" sz="2800" b="0" strike="noStrike" spc="-1">
               <a:solidFill>
                 <a:srgbClr val="000000"/>
               </a:solidFill>
@@ -3217,11 +3471,12 @@
           </a:prstGeom>
         </p:spPr>
         <p:txBody>
-          <a:bodyPr lIns="0" rIns="0" tIns="0" bIns="0">
+          <a:bodyPr lIns="0" tIns="0" rIns="0" bIns="0">
             <a:normAutofit/>
           </a:bodyPr>
-          <a:p>
-            <a:endParaRPr b="0" lang="en-US" sz="2800" spc="-1" strike="noStrike">
+          <a:lstStyle/>
+          <a:p>
+            <a:endParaRPr lang="en-US" sz="2800" b="0" strike="noStrike" spc="-1">
               <a:solidFill>
                 <a:srgbClr val="000000"/>
               </a:solidFill>
@@ -3232,11 +3487,14 @@
       </p:sp>
     </p:spTree>
   </p:cSld>
+  <p:clrMapOvr>
+    <a:masterClrMapping/>
+  </p:clrMapOvr>
 </p:sldLayout>
 </file>
 
 <file path=ppt/slideLayouts/slideLayout35.xml><?xml version="1.0" encoding="utf-8"?>
-<p:sldLayout xmlns:a="http://schemas.openxmlformats.org/drawingml/2006/main" xmlns:p="http://schemas.openxmlformats.org/presentationml/2006/main" xmlns:r="http://schemas.openxmlformats.org/officeDocument/2006/relationships" xmlns:p14="http://schemas.microsoft.com/office/powerpoint/2010/main" xmlns:p15="http://schemas.microsoft.com/office/powerpoint/2012/main" xmlns:mc="http://schemas.openxmlformats.org/markup-compatibility/2006" type="fourObj" preserve="1">
+<p:sldLayout xmlns:a="http://schemas.openxmlformats.org/drawingml/2006/main" xmlns:r="http://schemas.openxmlformats.org/officeDocument/2006/relationships" xmlns:p="http://schemas.openxmlformats.org/presentationml/2006/main" type="fourObj" preserve="1">
   <p:cSld name="Title, 4 Content">
     <p:spTree>
       <p:nvGrpSpPr>
@@ -3272,11 +3530,12 @@
           </a:prstGeom>
         </p:spPr>
         <p:txBody>
-          <a:bodyPr lIns="0" rIns="0" tIns="0" bIns="0" anchor="ctr">
+          <a:bodyPr lIns="0" tIns="0" rIns="0" bIns="0" anchor="ctr">
             <a:noAutofit/>
           </a:bodyPr>
-          <a:p>
-            <a:endParaRPr b="0" lang="en-US" sz="1800" spc="-1" strike="noStrike">
+          <a:lstStyle/>
+          <a:p>
+            <a:endParaRPr lang="en-US" sz="1800" b="0" strike="noStrike" spc="-1">
               <a:solidFill>
                 <a:srgbClr val="000000"/>
               </a:solidFill>
@@ -3305,11 +3564,12 @@
           </a:prstGeom>
         </p:spPr>
         <p:txBody>
-          <a:bodyPr lIns="0" rIns="0" tIns="0" bIns="0">
+          <a:bodyPr lIns="0" tIns="0" rIns="0" bIns="0">
             <a:normAutofit/>
           </a:bodyPr>
-          <a:p>
-            <a:endParaRPr b="0" lang="en-US" sz="2800" spc="-1" strike="noStrike">
+          <a:lstStyle/>
+          <a:p>
+            <a:endParaRPr lang="en-US" sz="2800" b="0" strike="noStrike" spc="-1">
               <a:solidFill>
                 <a:srgbClr val="000000"/>
               </a:solidFill>
@@ -3338,11 +3598,12 @@
           </a:prstGeom>
         </p:spPr>
         <p:txBody>
-          <a:bodyPr lIns="0" rIns="0" tIns="0" bIns="0">
+          <a:bodyPr lIns="0" tIns="0" rIns="0" bIns="0">
             <a:normAutofit/>
           </a:bodyPr>
-          <a:p>
-            <a:endParaRPr b="0" lang="en-US" sz="2800" spc="-1" strike="noStrike">
+          <a:lstStyle/>
+          <a:p>
+            <a:endParaRPr lang="en-US" sz="2800" b="0" strike="noStrike" spc="-1">
               <a:solidFill>
                 <a:srgbClr val="000000"/>
               </a:solidFill>
@@ -3371,11 +3632,12 @@
           </a:prstGeom>
         </p:spPr>
         <p:txBody>
-          <a:bodyPr lIns="0" rIns="0" tIns="0" bIns="0">
+          <a:bodyPr lIns="0" tIns="0" rIns="0" bIns="0">
             <a:normAutofit/>
           </a:bodyPr>
-          <a:p>
-            <a:endParaRPr b="0" lang="en-US" sz="2800" spc="-1" strike="noStrike">
+          <a:lstStyle/>
+          <a:p>
+            <a:endParaRPr lang="en-US" sz="2800" b="0" strike="noStrike" spc="-1">
               <a:solidFill>
                 <a:srgbClr val="000000"/>
               </a:solidFill>
@@ -3404,11 +3666,12 @@
           </a:prstGeom>
         </p:spPr>
         <p:txBody>
-          <a:bodyPr lIns="0" rIns="0" tIns="0" bIns="0">
+          <a:bodyPr lIns="0" tIns="0" rIns="0" bIns="0">
             <a:normAutofit/>
           </a:bodyPr>
-          <a:p>
-            <a:endParaRPr b="0" lang="en-US" sz="2800" spc="-1" strike="noStrike">
+          <a:lstStyle/>
+          <a:p>
+            <a:endParaRPr lang="en-US" sz="2800" b="0" strike="noStrike" spc="-1">
               <a:solidFill>
                 <a:srgbClr val="000000"/>
               </a:solidFill>
@@ -3419,11 +3682,14 @@
       </p:sp>
     </p:spTree>
   </p:cSld>
+  <p:clrMapOvr>
+    <a:masterClrMapping/>
+  </p:clrMapOvr>
 </p:sldLayout>
 </file>
 
 <file path=ppt/slideLayouts/slideLayout36.xml><?xml version="1.0" encoding="utf-8"?>
-<p:sldLayout xmlns:a="http://schemas.openxmlformats.org/drawingml/2006/main" xmlns:p="http://schemas.openxmlformats.org/presentationml/2006/main" xmlns:r="http://schemas.openxmlformats.org/officeDocument/2006/relationships" xmlns:p14="http://schemas.microsoft.com/office/powerpoint/2010/main" xmlns:p15="http://schemas.microsoft.com/office/powerpoint/2012/main" xmlns:mc="http://schemas.openxmlformats.org/markup-compatibility/2006" type="blank" preserve="1">
+<p:sldLayout xmlns:a="http://schemas.openxmlformats.org/drawingml/2006/main" xmlns:r="http://schemas.openxmlformats.org/officeDocument/2006/relationships" xmlns:p="http://schemas.openxmlformats.org/presentationml/2006/main" type="blank" preserve="1">
   <p:cSld name="Title, 6 Content">
     <p:spTree>
       <p:nvGrpSpPr>
@@ -3459,11 +3725,12 @@
           </a:prstGeom>
         </p:spPr>
         <p:txBody>
-          <a:bodyPr lIns="0" rIns="0" tIns="0" bIns="0" anchor="ctr">
+          <a:bodyPr lIns="0" tIns="0" rIns="0" bIns="0" anchor="ctr">
             <a:noAutofit/>
           </a:bodyPr>
-          <a:p>
-            <a:endParaRPr b="0" lang="en-US" sz="1800" spc="-1" strike="noStrike">
+          <a:lstStyle/>
+          <a:p>
+            <a:endParaRPr lang="en-US" sz="1800" b="0" strike="noStrike" spc="-1">
               <a:solidFill>
                 <a:srgbClr val="000000"/>
               </a:solidFill>
@@ -3492,11 +3759,12 @@
           </a:prstGeom>
         </p:spPr>
         <p:txBody>
-          <a:bodyPr lIns="0" rIns="0" tIns="0" bIns="0">
+          <a:bodyPr lIns="0" tIns="0" rIns="0" bIns="0">
             <a:normAutofit/>
           </a:bodyPr>
-          <a:p>
-            <a:endParaRPr b="0" lang="en-US" sz="2800" spc="-1" strike="noStrike">
+          <a:lstStyle/>
+          <a:p>
+            <a:endParaRPr lang="en-US" sz="2800" b="0" strike="noStrike" spc="-1">
               <a:solidFill>
                 <a:srgbClr val="000000"/>
               </a:solidFill>
@@ -3525,11 +3793,12 @@
           </a:prstGeom>
         </p:spPr>
         <p:txBody>
-          <a:bodyPr lIns="0" rIns="0" tIns="0" bIns="0">
+          <a:bodyPr lIns="0" tIns="0" rIns="0" bIns="0">
             <a:normAutofit/>
           </a:bodyPr>
-          <a:p>
-            <a:endParaRPr b="0" lang="en-US" sz="2800" spc="-1" strike="noStrike">
+          <a:lstStyle/>
+          <a:p>
+            <a:endParaRPr lang="en-US" sz="2800" b="0" strike="noStrike" spc="-1">
               <a:solidFill>
                 <a:srgbClr val="000000"/>
               </a:solidFill>
@@ -3558,11 +3827,12 @@
           </a:prstGeom>
         </p:spPr>
         <p:txBody>
-          <a:bodyPr lIns="0" rIns="0" tIns="0" bIns="0">
+          <a:bodyPr lIns="0" tIns="0" rIns="0" bIns="0">
             <a:normAutofit/>
           </a:bodyPr>
-          <a:p>
-            <a:endParaRPr b="0" lang="en-US" sz="2800" spc="-1" strike="noStrike">
+          <a:lstStyle/>
+          <a:p>
+            <a:endParaRPr lang="en-US" sz="2800" b="0" strike="noStrike" spc="-1">
               <a:solidFill>
                 <a:srgbClr val="000000"/>
               </a:solidFill>
@@ -3591,11 +3861,12 @@
           </a:prstGeom>
         </p:spPr>
         <p:txBody>
-          <a:bodyPr lIns="0" rIns="0" tIns="0" bIns="0">
+          <a:bodyPr lIns="0" tIns="0" rIns="0" bIns="0">
             <a:normAutofit/>
           </a:bodyPr>
-          <a:p>
-            <a:endParaRPr b="0" lang="en-US" sz="2800" spc="-1" strike="noStrike">
+          <a:lstStyle/>
+          <a:p>
+            <a:endParaRPr lang="en-US" sz="2800" b="0" strike="noStrike" spc="-1">
               <a:solidFill>
                 <a:srgbClr val="000000"/>
               </a:solidFill>
@@ -3624,11 +3895,12 @@
           </a:prstGeom>
         </p:spPr>
         <p:txBody>
-          <a:bodyPr lIns="0" rIns="0" tIns="0" bIns="0">
+          <a:bodyPr lIns="0" tIns="0" rIns="0" bIns="0">
             <a:normAutofit/>
           </a:bodyPr>
-          <a:p>
-            <a:endParaRPr b="0" lang="en-US" sz="2800" spc="-1" strike="noStrike">
+          <a:lstStyle/>
+          <a:p>
+            <a:endParaRPr lang="en-US" sz="2800" b="0" strike="noStrike" spc="-1">
               <a:solidFill>
                 <a:srgbClr val="000000"/>
               </a:solidFill>
@@ -3657,11 +3929,12 @@
           </a:prstGeom>
         </p:spPr>
         <p:txBody>
-          <a:bodyPr lIns="0" rIns="0" tIns="0" bIns="0">
+          <a:bodyPr lIns="0" tIns="0" rIns="0" bIns="0">
             <a:normAutofit/>
           </a:bodyPr>
-          <a:p>
-            <a:endParaRPr b="0" lang="en-US" sz="2800" spc="-1" strike="noStrike">
+          <a:lstStyle/>
+          <a:p>
+            <a:endParaRPr lang="en-US" sz="2800" b="0" strike="noStrike" spc="-1">
               <a:solidFill>
                 <a:srgbClr val="000000"/>
               </a:solidFill>
@@ -3672,11 +3945,14 @@
       </p:sp>
     </p:spTree>
   </p:cSld>
+  <p:clrMapOvr>
+    <a:masterClrMapping/>
+  </p:clrMapOvr>
 </p:sldLayout>
 </file>
 
 <file path=ppt/slideLayouts/slideLayout37.xml><?xml version="1.0" encoding="utf-8"?>
-<p:sldLayout xmlns:a="http://schemas.openxmlformats.org/drawingml/2006/main" xmlns:p="http://schemas.openxmlformats.org/presentationml/2006/main" xmlns:r="http://schemas.openxmlformats.org/officeDocument/2006/relationships" xmlns:p14="http://schemas.microsoft.com/office/powerpoint/2010/main" xmlns:p15="http://schemas.microsoft.com/office/powerpoint/2012/main" xmlns:mc="http://schemas.openxmlformats.org/markup-compatibility/2006" type="blank" preserve="1">
+<p:sldLayout xmlns:a="http://schemas.openxmlformats.org/drawingml/2006/main" xmlns:r="http://schemas.openxmlformats.org/officeDocument/2006/relationships" xmlns:p="http://schemas.openxmlformats.org/presentationml/2006/main" type="blank" preserve="1">
   <p:cSld name="Blank Slide">
     <p:spTree>
       <p:nvGrpSpPr>
@@ -3694,11 +3970,14 @@
       </p:grpSpPr>
     </p:spTree>
   </p:cSld>
+  <p:clrMapOvr>
+    <a:masterClrMapping/>
+  </p:clrMapOvr>
 </p:sldLayout>
 </file>
 
 <file path=ppt/slideLayouts/slideLayout38.xml><?xml version="1.0" encoding="utf-8"?>
-<p:sldLayout xmlns:a="http://schemas.openxmlformats.org/drawingml/2006/main" xmlns:p="http://schemas.openxmlformats.org/presentationml/2006/main" xmlns:r="http://schemas.openxmlformats.org/officeDocument/2006/relationships" xmlns:p14="http://schemas.microsoft.com/office/powerpoint/2010/main" xmlns:p15="http://schemas.microsoft.com/office/powerpoint/2012/main" xmlns:mc="http://schemas.openxmlformats.org/markup-compatibility/2006" type="tx" preserve="1">
+<p:sldLayout xmlns:a="http://schemas.openxmlformats.org/drawingml/2006/main" xmlns:r="http://schemas.openxmlformats.org/officeDocument/2006/relationships" xmlns:p="http://schemas.openxmlformats.org/presentationml/2006/main" type="tx" preserve="1">
   <p:cSld name="Title Slide">
     <p:spTree>
       <p:nvGrpSpPr>
@@ -3734,11 +4013,12 @@
           </a:prstGeom>
         </p:spPr>
         <p:txBody>
-          <a:bodyPr lIns="0" rIns="0" tIns="0" bIns="0" anchor="ctr">
+          <a:bodyPr lIns="0" tIns="0" rIns="0" bIns="0" anchor="ctr">
             <a:noAutofit/>
           </a:bodyPr>
-          <a:p>
-            <a:endParaRPr b="0" lang="en-US" sz="1800" spc="-1" strike="noStrike">
+          <a:lstStyle/>
+          <a:p>
+            <a:endParaRPr lang="en-US" sz="1800" b="0" strike="noStrike" spc="-1">
               <a:solidFill>
                 <a:srgbClr val="000000"/>
               </a:solidFill>
@@ -3767,12 +4047,13 @@
           </a:prstGeom>
         </p:spPr>
         <p:txBody>
-          <a:bodyPr lIns="0" rIns="0" tIns="0" bIns="0" anchor="ctr">
+          <a:bodyPr lIns="0" tIns="0" rIns="0" bIns="0" anchor="ctr">
             <a:noAutofit/>
           </a:bodyPr>
+          <a:lstStyle/>
           <a:p>
             <a:pPr algn="ctr"/>
-            <a:endParaRPr b="0" lang="en-US" sz="3200" spc="-1" strike="noStrike">
+            <a:endParaRPr lang="en-US" sz="3200" b="0" strike="noStrike" spc="-1">
               <a:latin typeface="Arial"/>
             </a:endParaRPr>
           </a:p>
@@ -3780,11 +4061,14 @@
       </p:sp>
     </p:spTree>
   </p:cSld>
+  <p:clrMapOvr>
+    <a:masterClrMapping/>
+  </p:clrMapOvr>
 </p:sldLayout>
 </file>
 
 <file path=ppt/slideLayouts/slideLayout39.xml><?xml version="1.0" encoding="utf-8"?>
-<p:sldLayout xmlns:a="http://schemas.openxmlformats.org/drawingml/2006/main" xmlns:p="http://schemas.openxmlformats.org/presentationml/2006/main" xmlns:r="http://schemas.openxmlformats.org/officeDocument/2006/relationships" xmlns:p14="http://schemas.microsoft.com/office/powerpoint/2010/main" xmlns:p15="http://schemas.microsoft.com/office/powerpoint/2012/main" xmlns:mc="http://schemas.openxmlformats.org/markup-compatibility/2006" type="obj" preserve="1">
+<p:sldLayout xmlns:a="http://schemas.openxmlformats.org/drawingml/2006/main" xmlns:r="http://schemas.openxmlformats.org/officeDocument/2006/relationships" xmlns:p="http://schemas.openxmlformats.org/presentationml/2006/main" type="obj" preserve="1">
   <p:cSld name="Title, Content">
     <p:spTree>
       <p:nvGrpSpPr>
@@ -3820,11 +4104,12 @@
           </a:prstGeom>
         </p:spPr>
         <p:txBody>
-          <a:bodyPr lIns="0" rIns="0" tIns="0" bIns="0" anchor="ctr">
+          <a:bodyPr lIns="0" tIns="0" rIns="0" bIns="0" anchor="ctr">
             <a:noAutofit/>
           </a:bodyPr>
-          <a:p>
-            <a:endParaRPr b="0" lang="en-US" sz="1800" spc="-1" strike="noStrike">
+          <a:lstStyle/>
+          <a:p>
+            <a:endParaRPr lang="en-US" sz="1800" b="0" strike="noStrike" spc="-1">
               <a:solidFill>
                 <a:srgbClr val="000000"/>
               </a:solidFill>
@@ -3853,11 +4138,12 @@
           </a:prstGeom>
         </p:spPr>
         <p:txBody>
-          <a:bodyPr lIns="0" rIns="0" tIns="0" bIns="0">
+          <a:bodyPr lIns="0" tIns="0" rIns="0" bIns="0">
             <a:normAutofit/>
           </a:bodyPr>
-          <a:p>
-            <a:endParaRPr b="0" lang="en-US" sz="2800" spc="-1" strike="noStrike">
+          <a:lstStyle/>
+          <a:p>
+            <a:endParaRPr lang="en-US" sz="2800" b="0" strike="noStrike" spc="-1">
               <a:solidFill>
                 <a:srgbClr val="000000"/>
               </a:solidFill>
@@ -3868,11 +4154,14 @@
       </p:sp>
     </p:spTree>
   </p:cSld>
+  <p:clrMapOvr>
+    <a:masterClrMapping/>
+  </p:clrMapOvr>
 </p:sldLayout>
 </file>
 
 <file path=ppt/slideLayouts/slideLayout4.xml><?xml version="1.0" encoding="utf-8"?>
-<p:sldLayout xmlns:a="http://schemas.openxmlformats.org/drawingml/2006/main" xmlns:p="http://schemas.openxmlformats.org/presentationml/2006/main" xmlns:r="http://schemas.openxmlformats.org/officeDocument/2006/relationships" xmlns:p14="http://schemas.microsoft.com/office/powerpoint/2010/main" xmlns:p15="http://schemas.microsoft.com/office/powerpoint/2012/main" xmlns:mc="http://schemas.openxmlformats.org/markup-compatibility/2006" type="twoObj" preserve="1">
+<p:sldLayout xmlns:a="http://schemas.openxmlformats.org/drawingml/2006/main" xmlns:r="http://schemas.openxmlformats.org/officeDocument/2006/relationships" xmlns:p="http://schemas.openxmlformats.org/presentationml/2006/main" type="twoObj" preserve="1">
   <p:cSld name="Title, 2 Content">
     <p:spTree>
       <p:nvGrpSpPr>
@@ -3908,11 +4197,12 @@
           </a:prstGeom>
         </p:spPr>
         <p:txBody>
-          <a:bodyPr lIns="0" rIns="0" tIns="0" bIns="0" anchor="ctr">
+          <a:bodyPr lIns="0" tIns="0" rIns="0" bIns="0" anchor="ctr">
             <a:noAutofit/>
           </a:bodyPr>
-          <a:p>
-            <a:endParaRPr b="0" lang="en-US" sz="1800" spc="-1" strike="noStrike">
+          <a:lstStyle/>
+          <a:p>
+            <a:endParaRPr lang="en-US" sz="1800" b="0" strike="noStrike" spc="-1">
               <a:solidFill>
                 <a:srgbClr val="000000"/>
               </a:solidFill>
@@ -3941,11 +4231,12 @@
           </a:prstGeom>
         </p:spPr>
         <p:txBody>
-          <a:bodyPr lIns="0" rIns="0" tIns="0" bIns="0">
+          <a:bodyPr lIns="0" tIns="0" rIns="0" bIns="0">
             <a:normAutofit/>
           </a:bodyPr>
-          <a:p>
-            <a:endParaRPr b="0" lang="en-US" sz="2800" spc="-1" strike="noStrike">
+          <a:lstStyle/>
+          <a:p>
+            <a:endParaRPr lang="en-US" sz="2800" b="0" strike="noStrike" spc="-1">
               <a:solidFill>
                 <a:srgbClr val="000000"/>
               </a:solidFill>
@@ -3974,11 +4265,12 @@
           </a:prstGeom>
         </p:spPr>
         <p:txBody>
-          <a:bodyPr lIns="0" rIns="0" tIns="0" bIns="0">
+          <a:bodyPr lIns="0" tIns="0" rIns="0" bIns="0">
             <a:normAutofit/>
           </a:bodyPr>
-          <a:p>
-            <a:endParaRPr b="0" lang="en-US" sz="2800" spc="-1" strike="noStrike">
+          <a:lstStyle/>
+          <a:p>
+            <a:endParaRPr lang="en-US" sz="2800" b="0" strike="noStrike" spc="-1">
               <a:solidFill>
                 <a:srgbClr val="000000"/>
               </a:solidFill>
@@ -3989,11 +4281,14 @@
       </p:sp>
     </p:spTree>
   </p:cSld>
+  <p:clrMapOvr>
+    <a:masterClrMapping/>
+  </p:clrMapOvr>
 </p:sldLayout>
 </file>
 
 <file path=ppt/slideLayouts/slideLayout40.xml><?xml version="1.0" encoding="utf-8"?>
-<p:sldLayout xmlns:a="http://schemas.openxmlformats.org/drawingml/2006/main" xmlns:p="http://schemas.openxmlformats.org/presentationml/2006/main" xmlns:r="http://schemas.openxmlformats.org/officeDocument/2006/relationships" xmlns:p14="http://schemas.microsoft.com/office/powerpoint/2010/main" xmlns:p15="http://schemas.microsoft.com/office/powerpoint/2012/main" xmlns:mc="http://schemas.openxmlformats.org/markup-compatibility/2006" type="twoObj" preserve="1">
+<p:sldLayout xmlns:a="http://schemas.openxmlformats.org/drawingml/2006/main" xmlns:r="http://schemas.openxmlformats.org/officeDocument/2006/relationships" xmlns:p="http://schemas.openxmlformats.org/presentationml/2006/main" type="twoObj" preserve="1">
   <p:cSld name="Title, 2 Content">
     <p:spTree>
       <p:nvGrpSpPr>
@@ -4029,11 +4324,12 @@
           </a:prstGeom>
         </p:spPr>
         <p:txBody>
-          <a:bodyPr lIns="0" rIns="0" tIns="0" bIns="0" anchor="ctr">
+          <a:bodyPr lIns="0" tIns="0" rIns="0" bIns="0" anchor="ctr">
             <a:noAutofit/>
           </a:bodyPr>
-          <a:p>
-            <a:endParaRPr b="0" lang="en-US" sz="1800" spc="-1" strike="noStrike">
+          <a:lstStyle/>
+          <a:p>
+            <a:endParaRPr lang="en-US" sz="1800" b="0" strike="noStrike" spc="-1">
               <a:solidFill>
                 <a:srgbClr val="000000"/>
               </a:solidFill>
@@ -4062,11 +4358,12 @@
           </a:prstGeom>
         </p:spPr>
         <p:txBody>
-          <a:bodyPr lIns="0" rIns="0" tIns="0" bIns="0">
+          <a:bodyPr lIns="0" tIns="0" rIns="0" bIns="0">
             <a:normAutofit/>
           </a:bodyPr>
-          <a:p>
-            <a:endParaRPr b="0" lang="en-US" sz="2800" spc="-1" strike="noStrike">
+          <a:lstStyle/>
+          <a:p>
+            <a:endParaRPr lang="en-US" sz="2800" b="0" strike="noStrike" spc="-1">
               <a:solidFill>
                 <a:srgbClr val="000000"/>
               </a:solidFill>
@@ -4095,11 +4392,12 @@
           </a:prstGeom>
         </p:spPr>
         <p:txBody>
-          <a:bodyPr lIns="0" rIns="0" tIns="0" bIns="0">
+          <a:bodyPr lIns="0" tIns="0" rIns="0" bIns="0">
             <a:normAutofit/>
           </a:bodyPr>
-          <a:p>
-            <a:endParaRPr b="0" lang="en-US" sz="2800" spc="-1" strike="noStrike">
+          <a:lstStyle/>
+          <a:p>
+            <a:endParaRPr lang="en-US" sz="2800" b="0" strike="noStrike" spc="-1">
               <a:solidFill>
                 <a:srgbClr val="000000"/>
               </a:solidFill>
@@ -4110,11 +4408,14 @@
       </p:sp>
     </p:spTree>
   </p:cSld>
+  <p:clrMapOvr>
+    <a:masterClrMapping/>
+  </p:clrMapOvr>
 </p:sldLayout>
 </file>
 
 <file path=ppt/slideLayouts/slideLayout41.xml><?xml version="1.0" encoding="utf-8"?>
-<p:sldLayout xmlns:a="http://schemas.openxmlformats.org/drawingml/2006/main" xmlns:p="http://schemas.openxmlformats.org/presentationml/2006/main" xmlns:r="http://schemas.openxmlformats.org/officeDocument/2006/relationships" xmlns:p14="http://schemas.microsoft.com/office/powerpoint/2010/main" xmlns:p15="http://schemas.microsoft.com/office/powerpoint/2012/main" xmlns:mc="http://schemas.openxmlformats.org/markup-compatibility/2006" type="titleOnly" preserve="1">
+<p:sldLayout xmlns:a="http://schemas.openxmlformats.org/drawingml/2006/main" xmlns:r="http://schemas.openxmlformats.org/officeDocument/2006/relationships" xmlns:p="http://schemas.openxmlformats.org/presentationml/2006/main" type="titleOnly" preserve="1">
   <p:cSld name="Title Only">
     <p:spTree>
       <p:nvGrpSpPr>
@@ -4150,11 +4451,12 @@
           </a:prstGeom>
         </p:spPr>
         <p:txBody>
-          <a:bodyPr lIns="0" rIns="0" tIns="0" bIns="0" anchor="ctr">
+          <a:bodyPr lIns="0" tIns="0" rIns="0" bIns="0" anchor="ctr">
             <a:noAutofit/>
           </a:bodyPr>
-          <a:p>
-            <a:endParaRPr b="0" lang="en-US" sz="1800" spc="-1" strike="noStrike">
+          <a:lstStyle/>
+          <a:p>
+            <a:endParaRPr lang="en-US" sz="1800" b="0" strike="noStrike" spc="-1">
               <a:solidFill>
                 <a:srgbClr val="000000"/>
               </a:solidFill>
@@ -4165,11 +4467,14 @@
       </p:sp>
     </p:spTree>
   </p:cSld>
+  <p:clrMapOvr>
+    <a:masterClrMapping/>
+  </p:clrMapOvr>
 </p:sldLayout>
 </file>
 
 <file path=ppt/slideLayouts/slideLayout42.xml><?xml version="1.0" encoding="utf-8"?>
-<p:sldLayout xmlns:a="http://schemas.openxmlformats.org/drawingml/2006/main" xmlns:p="http://schemas.openxmlformats.org/presentationml/2006/main" xmlns:r="http://schemas.openxmlformats.org/officeDocument/2006/relationships" xmlns:p14="http://schemas.microsoft.com/office/powerpoint/2010/main" xmlns:p15="http://schemas.microsoft.com/office/powerpoint/2012/main" xmlns:mc="http://schemas.openxmlformats.org/markup-compatibility/2006" type="objOnly" preserve="1">
+<p:sldLayout xmlns:a="http://schemas.openxmlformats.org/drawingml/2006/main" xmlns:r="http://schemas.openxmlformats.org/officeDocument/2006/relationships" xmlns:p="http://schemas.openxmlformats.org/presentationml/2006/main" type="objOnly" preserve="1">
   <p:cSld name="Centered Text">
     <p:spTree>
       <p:nvGrpSpPr>
@@ -4205,12 +4510,13 @@
           </a:prstGeom>
         </p:spPr>
         <p:txBody>
-          <a:bodyPr lIns="0" rIns="0" tIns="0" bIns="0" anchor="ctr">
+          <a:bodyPr lIns="0" tIns="0" rIns="0" bIns="0" anchor="ctr">
             <a:noAutofit/>
           </a:bodyPr>
+          <a:lstStyle/>
           <a:p>
             <a:pPr algn="ctr"/>
-            <a:endParaRPr b="0" lang="en-US" sz="3200" spc="-1" strike="noStrike">
+            <a:endParaRPr lang="en-US" sz="3200" b="0" strike="noStrike" spc="-1">
               <a:latin typeface="Arial"/>
             </a:endParaRPr>
           </a:p>
@@ -4218,11 +4524,14 @@
       </p:sp>
     </p:spTree>
   </p:cSld>
+  <p:clrMapOvr>
+    <a:masterClrMapping/>
+  </p:clrMapOvr>
 </p:sldLayout>
 </file>
 
 <file path=ppt/slideLayouts/slideLayout43.xml><?xml version="1.0" encoding="utf-8"?>
-<p:sldLayout xmlns:a="http://schemas.openxmlformats.org/drawingml/2006/main" xmlns:p="http://schemas.openxmlformats.org/presentationml/2006/main" xmlns:r="http://schemas.openxmlformats.org/officeDocument/2006/relationships" xmlns:p14="http://schemas.microsoft.com/office/powerpoint/2010/main" xmlns:p15="http://schemas.microsoft.com/office/powerpoint/2012/main" xmlns:mc="http://schemas.openxmlformats.org/markup-compatibility/2006" type="twoObjAndObj" preserve="1">
+<p:sldLayout xmlns:a="http://schemas.openxmlformats.org/drawingml/2006/main" xmlns:r="http://schemas.openxmlformats.org/officeDocument/2006/relationships" xmlns:p="http://schemas.openxmlformats.org/presentationml/2006/main" type="twoObjAndObj" preserve="1">
   <p:cSld name="Title, 2 Content and Content">
     <p:spTree>
       <p:nvGrpSpPr>
@@ -4258,11 +4567,12 @@
           </a:prstGeom>
         </p:spPr>
         <p:txBody>
-          <a:bodyPr lIns="0" rIns="0" tIns="0" bIns="0" anchor="ctr">
+          <a:bodyPr lIns="0" tIns="0" rIns="0" bIns="0" anchor="ctr">
             <a:noAutofit/>
           </a:bodyPr>
-          <a:p>
-            <a:endParaRPr b="0" lang="en-US" sz="1800" spc="-1" strike="noStrike">
+          <a:lstStyle/>
+          <a:p>
+            <a:endParaRPr lang="en-US" sz="1800" b="0" strike="noStrike" spc="-1">
               <a:solidFill>
                 <a:srgbClr val="000000"/>
               </a:solidFill>
@@ -4291,11 +4601,12 @@
           </a:prstGeom>
         </p:spPr>
         <p:txBody>
-          <a:bodyPr lIns="0" rIns="0" tIns="0" bIns="0">
+          <a:bodyPr lIns="0" tIns="0" rIns="0" bIns="0">
             <a:normAutofit/>
           </a:bodyPr>
-          <a:p>
-            <a:endParaRPr b="0" lang="en-US" sz="2800" spc="-1" strike="noStrike">
+          <a:lstStyle/>
+          <a:p>
+            <a:endParaRPr lang="en-US" sz="2800" b="0" strike="noStrike" spc="-1">
               <a:solidFill>
                 <a:srgbClr val="000000"/>
               </a:solidFill>
@@ -4324,11 +4635,12 @@
           </a:prstGeom>
         </p:spPr>
         <p:txBody>
-          <a:bodyPr lIns="0" rIns="0" tIns="0" bIns="0">
+          <a:bodyPr lIns="0" tIns="0" rIns="0" bIns="0">
             <a:normAutofit/>
           </a:bodyPr>
-          <a:p>
-            <a:endParaRPr b="0" lang="en-US" sz="2800" spc="-1" strike="noStrike">
+          <a:lstStyle/>
+          <a:p>
+            <a:endParaRPr lang="en-US" sz="2800" b="0" strike="noStrike" spc="-1">
               <a:solidFill>
                 <a:srgbClr val="000000"/>
               </a:solidFill>
@@ -4357,11 +4669,12 @@
           </a:prstGeom>
         </p:spPr>
         <p:txBody>
-          <a:bodyPr lIns="0" rIns="0" tIns="0" bIns="0">
+          <a:bodyPr lIns="0" tIns="0" rIns="0" bIns="0">
             <a:normAutofit/>
           </a:bodyPr>
-          <a:p>
-            <a:endParaRPr b="0" lang="en-US" sz="2800" spc="-1" strike="noStrike">
+          <a:lstStyle/>
+          <a:p>
+            <a:endParaRPr lang="en-US" sz="2800" b="0" strike="noStrike" spc="-1">
               <a:solidFill>
                 <a:srgbClr val="000000"/>
               </a:solidFill>
@@ -4372,11 +4685,14 @@
       </p:sp>
     </p:spTree>
   </p:cSld>
+  <p:clrMapOvr>
+    <a:masterClrMapping/>
+  </p:clrMapOvr>
 </p:sldLayout>
 </file>
 
 <file path=ppt/slideLayouts/slideLayout44.xml><?xml version="1.0" encoding="utf-8"?>
-<p:sldLayout xmlns:a="http://schemas.openxmlformats.org/drawingml/2006/main" xmlns:p="http://schemas.openxmlformats.org/presentationml/2006/main" xmlns:r="http://schemas.openxmlformats.org/officeDocument/2006/relationships" xmlns:p14="http://schemas.microsoft.com/office/powerpoint/2010/main" xmlns:p15="http://schemas.microsoft.com/office/powerpoint/2012/main" xmlns:mc="http://schemas.openxmlformats.org/markup-compatibility/2006" type="objAndTwoObj" preserve="1">
+<p:sldLayout xmlns:a="http://schemas.openxmlformats.org/drawingml/2006/main" xmlns:r="http://schemas.openxmlformats.org/officeDocument/2006/relationships" xmlns:p="http://schemas.openxmlformats.org/presentationml/2006/main" type="objAndTwoObj" preserve="1">
   <p:cSld name="Title Content and 2 Content">
     <p:spTree>
       <p:nvGrpSpPr>
@@ -4412,11 +4728,12 @@
           </a:prstGeom>
         </p:spPr>
         <p:txBody>
-          <a:bodyPr lIns="0" rIns="0" tIns="0" bIns="0" anchor="ctr">
+          <a:bodyPr lIns="0" tIns="0" rIns="0" bIns="0" anchor="ctr">
             <a:noAutofit/>
           </a:bodyPr>
-          <a:p>
-            <a:endParaRPr b="0" lang="en-US" sz="1800" spc="-1" strike="noStrike">
+          <a:lstStyle/>
+          <a:p>
+            <a:endParaRPr lang="en-US" sz="1800" b="0" strike="noStrike" spc="-1">
               <a:solidFill>
                 <a:srgbClr val="000000"/>
               </a:solidFill>
@@ -4445,11 +4762,12 @@
           </a:prstGeom>
         </p:spPr>
         <p:txBody>
-          <a:bodyPr lIns="0" rIns="0" tIns="0" bIns="0">
+          <a:bodyPr lIns="0" tIns="0" rIns="0" bIns="0">
             <a:normAutofit/>
           </a:bodyPr>
-          <a:p>
-            <a:endParaRPr b="0" lang="en-US" sz="2800" spc="-1" strike="noStrike">
+          <a:lstStyle/>
+          <a:p>
+            <a:endParaRPr lang="en-US" sz="2800" b="0" strike="noStrike" spc="-1">
               <a:solidFill>
                 <a:srgbClr val="000000"/>
               </a:solidFill>
@@ -4478,11 +4796,12 @@
           </a:prstGeom>
         </p:spPr>
         <p:txBody>
-          <a:bodyPr lIns="0" rIns="0" tIns="0" bIns="0">
+          <a:bodyPr lIns="0" tIns="0" rIns="0" bIns="0">
             <a:normAutofit/>
           </a:bodyPr>
-          <a:p>
-            <a:endParaRPr b="0" lang="en-US" sz="2800" spc="-1" strike="noStrike">
+          <a:lstStyle/>
+          <a:p>
+            <a:endParaRPr lang="en-US" sz="2800" b="0" strike="noStrike" spc="-1">
               <a:solidFill>
                 <a:srgbClr val="000000"/>
               </a:solidFill>
@@ -4511,11 +4830,12 @@
           </a:prstGeom>
         </p:spPr>
         <p:txBody>
-          <a:bodyPr lIns="0" rIns="0" tIns="0" bIns="0">
+          <a:bodyPr lIns="0" tIns="0" rIns="0" bIns="0">
             <a:normAutofit/>
           </a:bodyPr>
-          <a:p>
-            <a:endParaRPr b="0" lang="en-US" sz="2800" spc="-1" strike="noStrike">
+          <a:lstStyle/>
+          <a:p>
+            <a:endParaRPr lang="en-US" sz="2800" b="0" strike="noStrike" spc="-1">
               <a:solidFill>
                 <a:srgbClr val="000000"/>
               </a:solidFill>
@@ -4526,11 +4846,14 @@
       </p:sp>
     </p:spTree>
   </p:cSld>
+  <p:clrMapOvr>
+    <a:masterClrMapping/>
+  </p:clrMapOvr>
 </p:sldLayout>
 </file>
 
 <file path=ppt/slideLayouts/slideLayout45.xml><?xml version="1.0" encoding="utf-8"?>
-<p:sldLayout xmlns:a="http://schemas.openxmlformats.org/drawingml/2006/main" xmlns:p="http://schemas.openxmlformats.org/presentationml/2006/main" xmlns:r="http://schemas.openxmlformats.org/officeDocument/2006/relationships" xmlns:p14="http://schemas.microsoft.com/office/powerpoint/2010/main" xmlns:p15="http://schemas.microsoft.com/office/powerpoint/2012/main" xmlns:mc="http://schemas.openxmlformats.org/markup-compatibility/2006" type="twoObjOverTx" preserve="1">
+<p:sldLayout xmlns:a="http://schemas.openxmlformats.org/drawingml/2006/main" xmlns:r="http://schemas.openxmlformats.org/officeDocument/2006/relationships" xmlns:p="http://schemas.openxmlformats.org/presentationml/2006/main" type="twoObjOverTx" preserve="1">
   <p:cSld name="Title, 2 Content over Content">
     <p:spTree>
       <p:nvGrpSpPr>
@@ -4566,11 +4889,12 @@
           </a:prstGeom>
         </p:spPr>
         <p:txBody>
-          <a:bodyPr lIns="0" rIns="0" tIns="0" bIns="0" anchor="ctr">
+          <a:bodyPr lIns="0" tIns="0" rIns="0" bIns="0" anchor="ctr">
             <a:noAutofit/>
           </a:bodyPr>
-          <a:p>
-            <a:endParaRPr b="0" lang="en-US" sz="1800" spc="-1" strike="noStrike">
+          <a:lstStyle/>
+          <a:p>
+            <a:endParaRPr lang="en-US" sz="1800" b="0" strike="noStrike" spc="-1">
               <a:solidFill>
                 <a:srgbClr val="000000"/>
               </a:solidFill>
@@ -4599,11 +4923,12 @@
           </a:prstGeom>
         </p:spPr>
         <p:txBody>
-          <a:bodyPr lIns="0" rIns="0" tIns="0" bIns="0">
+          <a:bodyPr lIns="0" tIns="0" rIns="0" bIns="0">
             <a:normAutofit/>
           </a:bodyPr>
-          <a:p>
-            <a:endParaRPr b="0" lang="en-US" sz="2800" spc="-1" strike="noStrike">
+          <a:lstStyle/>
+          <a:p>
+            <a:endParaRPr lang="en-US" sz="2800" b="0" strike="noStrike" spc="-1">
               <a:solidFill>
                 <a:srgbClr val="000000"/>
               </a:solidFill>
@@ -4632,11 +4957,12 @@
           </a:prstGeom>
         </p:spPr>
         <p:txBody>
-          <a:bodyPr lIns="0" rIns="0" tIns="0" bIns="0">
+          <a:bodyPr lIns="0" tIns="0" rIns="0" bIns="0">
             <a:normAutofit/>
           </a:bodyPr>
-          <a:p>
-            <a:endParaRPr b="0" lang="en-US" sz="2800" spc="-1" strike="noStrike">
+          <a:lstStyle/>
+          <a:p>
+            <a:endParaRPr lang="en-US" sz="2800" b="0" strike="noStrike" spc="-1">
               <a:solidFill>
                 <a:srgbClr val="000000"/>
               </a:solidFill>
@@ -4665,11 +4991,12 @@
           </a:prstGeom>
         </p:spPr>
         <p:txBody>
-          <a:bodyPr lIns="0" rIns="0" tIns="0" bIns="0">
+          <a:bodyPr lIns="0" tIns="0" rIns="0" bIns="0">
             <a:normAutofit/>
           </a:bodyPr>
-          <a:p>
-            <a:endParaRPr b="0" lang="en-US" sz="2800" spc="-1" strike="noStrike">
+          <a:lstStyle/>
+          <a:p>
+            <a:endParaRPr lang="en-US" sz="2800" b="0" strike="noStrike" spc="-1">
               <a:solidFill>
                 <a:srgbClr val="000000"/>
               </a:solidFill>
@@ -4680,11 +5007,14 @@
       </p:sp>
     </p:spTree>
   </p:cSld>
+  <p:clrMapOvr>
+    <a:masterClrMapping/>
+  </p:clrMapOvr>
 </p:sldLayout>
 </file>
 
 <file path=ppt/slideLayouts/slideLayout46.xml><?xml version="1.0" encoding="utf-8"?>
-<p:sldLayout xmlns:a="http://schemas.openxmlformats.org/drawingml/2006/main" xmlns:p="http://schemas.openxmlformats.org/presentationml/2006/main" xmlns:r="http://schemas.openxmlformats.org/officeDocument/2006/relationships" xmlns:p14="http://schemas.microsoft.com/office/powerpoint/2010/main" xmlns:p15="http://schemas.microsoft.com/office/powerpoint/2012/main" xmlns:mc="http://schemas.openxmlformats.org/markup-compatibility/2006" type="objOverTx" preserve="1">
+<p:sldLayout xmlns:a="http://schemas.openxmlformats.org/drawingml/2006/main" xmlns:r="http://schemas.openxmlformats.org/officeDocument/2006/relationships" xmlns:p="http://schemas.openxmlformats.org/presentationml/2006/main" type="objOverTx" preserve="1">
   <p:cSld name="Title, Content over Content">
     <p:spTree>
       <p:nvGrpSpPr>
@@ -4720,11 +5050,12 @@
           </a:prstGeom>
         </p:spPr>
         <p:txBody>
-          <a:bodyPr lIns="0" rIns="0" tIns="0" bIns="0" anchor="ctr">
+          <a:bodyPr lIns="0" tIns="0" rIns="0" bIns="0" anchor="ctr">
             <a:noAutofit/>
           </a:bodyPr>
-          <a:p>
-            <a:endParaRPr b="0" lang="en-US" sz="1800" spc="-1" strike="noStrike">
+          <a:lstStyle/>
+          <a:p>
+            <a:endParaRPr lang="en-US" sz="1800" b="0" strike="noStrike" spc="-1">
               <a:solidFill>
                 <a:srgbClr val="000000"/>
               </a:solidFill>
@@ -4753,11 +5084,12 @@
           </a:prstGeom>
         </p:spPr>
         <p:txBody>
-          <a:bodyPr lIns="0" rIns="0" tIns="0" bIns="0">
+          <a:bodyPr lIns="0" tIns="0" rIns="0" bIns="0">
             <a:normAutofit/>
           </a:bodyPr>
-          <a:p>
-            <a:endParaRPr b="0" lang="en-US" sz="2800" spc="-1" strike="noStrike">
+          <a:lstStyle/>
+          <a:p>
+            <a:endParaRPr lang="en-US" sz="2800" b="0" strike="noStrike" spc="-1">
               <a:solidFill>
                 <a:srgbClr val="000000"/>
               </a:solidFill>
@@ -4786,11 +5118,12 @@
           </a:prstGeom>
         </p:spPr>
         <p:txBody>
-          <a:bodyPr lIns="0" rIns="0" tIns="0" bIns="0">
+          <a:bodyPr lIns="0" tIns="0" rIns="0" bIns="0">
             <a:normAutofit/>
           </a:bodyPr>
-          <a:p>
-            <a:endParaRPr b="0" lang="en-US" sz="2800" spc="-1" strike="noStrike">
+          <a:lstStyle/>
+          <a:p>
+            <a:endParaRPr lang="en-US" sz="2800" b="0" strike="noStrike" spc="-1">
               <a:solidFill>
                 <a:srgbClr val="000000"/>
               </a:solidFill>
@@ -4801,11 +5134,14 @@
       </p:sp>
     </p:spTree>
   </p:cSld>
+  <p:clrMapOvr>
+    <a:masterClrMapping/>
+  </p:clrMapOvr>
 </p:sldLayout>
 </file>
 
 <file path=ppt/slideLayouts/slideLayout47.xml><?xml version="1.0" encoding="utf-8"?>
-<p:sldLayout xmlns:a="http://schemas.openxmlformats.org/drawingml/2006/main" xmlns:p="http://schemas.openxmlformats.org/presentationml/2006/main" xmlns:r="http://schemas.openxmlformats.org/officeDocument/2006/relationships" xmlns:p14="http://schemas.microsoft.com/office/powerpoint/2010/main" xmlns:p15="http://schemas.microsoft.com/office/powerpoint/2012/main" xmlns:mc="http://schemas.openxmlformats.org/markup-compatibility/2006" type="fourObj" preserve="1">
+<p:sldLayout xmlns:a="http://schemas.openxmlformats.org/drawingml/2006/main" xmlns:r="http://schemas.openxmlformats.org/officeDocument/2006/relationships" xmlns:p="http://schemas.openxmlformats.org/presentationml/2006/main" type="fourObj" preserve="1">
   <p:cSld name="Title, 4 Content">
     <p:spTree>
       <p:nvGrpSpPr>
@@ -4841,11 +5177,12 @@
           </a:prstGeom>
         </p:spPr>
         <p:txBody>
-          <a:bodyPr lIns="0" rIns="0" tIns="0" bIns="0" anchor="ctr">
+          <a:bodyPr lIns="0" tIns="0" rIns="0" bIns="0" anchor="ctr">
             <a:noAutofit/>
           </a:bodyPr>
-          <a:p>
-            <a:endParaRPr b="0" lang="en-US" sz="1800" spc="-1" strike="noStrike">
+          <a:lstStyle/>
+          <a:p>
+            <a:endParaRPr lang="en-US" sz="1800" b="0" strike="noStrike" spc="-1">
               <a:solidFill>
                 <a:srgbClr val="000000"/>
               </a:solidFill>
@@ -4874,11 +5211,12 @@
           </a:prstGeom>
         </p:spPr>
         <p:txBody>
-          <a:bodyPr lIns="0" rIns="0" tIns="0" bIns="0">
+          <a:bodyPr lIns="0" tIns="0" rIns="0" bIns="0">
             <a:normAutofit/>
           </a:bodyPr>
-          <a:p>
-            <a:endParaRPr b="0" lang="en-US" sz="2800" spc="-1" strike="noStrike">
+          <a:lstStyle/>
+          <a:p>
+            <a:endParaRPr lang="en-US" sz="2800" b="0" strike="noStrike" spc="-1">
               <a:solidFill>
                 <a:srgbClr val="000000"/>
               </a:solidFill>
@@ -4907,11 +5245,12 @@
           </a:prstGeom>
         </p:spPr>
         <p:txBody>
-          <a:bodyPr lIns="0" rIns="0" tIns="0" bIns="0">
+          <a:bodyPr lIns="0" tIns="0" rIns="0" bIns="0">
             <a:normAutofit/>
           </a:bodyPr>
-          <a:p>
-            <a:endParaRPr b="0" lang="en-US" sz="2800" spc="-1" strike="noStrike">
+          <a:lstStyle/>
+          <a:p>
+            <a:endParaRPr lang="en-US" sz="2800" b="0" strike="noStrike" spc="-1">
               <a:solidFill>
                 <a:srgbClr val="000000"/>
               </a:solidFill>
@@ -4940,11 +5279,12 @@
           </a:prstGeom>
         </p:spPr>
         <p:txBody>
-          <a:bodyPr lIns="0" rIns="0" tIns="0" bIns="0">
+          <a:bodyPr lIns="0" tIns="0" rIns="0" bIns="0">
             <a:normAutofit/>
           </a:bodyPr>
-          <a:p>
-            <a:endParaRPr b="0" lang="en-US" sz="2800" spc="-1" strike="noStrike">
+          <a:lstStyle/>
+          <a:p>
+            <a:endParaRPr lang="en-US" sz="2800" b="0" strike="noStrike" spc="-1">
               <a:solidFill>
                 <a:srgbClr val="000000"/>
               </a:solidFill>
@@ -4973,11 +5313,12 @@
           </a:prstGeom>
         </p:spPr>
         <p:txBody>
-          <a:bodyPr lIns="0" rIns="0" tIns="0" bIns="0">
+          <a:bodyPr lIns="0" tIns="0" rIns="0" bIns="0">
             <a:normAutofit/>
           </a:bodyPr>
-          <a:p>
-            <a:endParaRPr b="0" lang="en-US" sz="2800" spc="-1" strike="noStrike">
+          <a:lstStyle/>
+          <a:p>
+            <a:endParaRPr lang="en-US" sz="2800" b="0" strike="noStrike" spc="-1">
               <a:solidFill>
                 <a:srgbClr val="000000"/>
               </a:solidFill>
@@ -4988,11 +5329,14 @@
       </p:sp>
     </p:spTree>
   </p:cSld>
+  <p:clrMapOvr>
+    <a:masterClrMapping/>
+  </p:clrMapOvr>
 </p:sldLayout>
 </file>
 
 <file path=ppt/slideLayouts/slideLayout48.xml><?xml version="1.0" encoding="utf-8"?>
-<p:sldLayout xmlns:a="http://schemas.openxmlformats.org/drawingml/2006/main" xmlns:p="http://schemas.openxmlformats.org/presentationml/2006/main" xmlns:r="http://schemas.openxmlformats.org/officeDocument/2006/relationships" xmlns:p14="http://schemas.microsoft.com/office/powerpoint/2010/main" xmlns:p15="http://schemas.microsoft.com/office/powerpoint/2012/main" xmlns:mc="http://schemas.openxmlformats.org/markup-compatibility/2006" type="blank" preserve="1">
+<p:sldLayout xmlns:a="http://schemas.openxmlformats.org/drawingml/2006/main" xmlns:r="http://schemas.openxmlformats.org/officeDocument/2006/relationships" xmlns:p="http://schemas.openxmlformats.org/presentationml/2006/main" type="blank" preserve="1">
   <p:cSld name="Title, 6 Content">
     <p:spTree>
       <p:nvGrpSpPr>
@@ -5028,11 +5372,12 @@
           </a:prstGeom>
         </p:spPr>
         <p:txBody>
-          <a:bodyPr lIns="0" rIns="0" tIns="0" bIns="0" anchor="ctr">
+          <a:bodyPr lIns="0" tIns="0" rIns="0" bIns="0" anchor="ctr">
             <a:noAutofit/>
           </a:bodyPr>
-          <a:p>
-            <a:endParaRPr b="0" lang="en-US" sz="1800" spc="-1" strike="noStrike">
+          <a:lstStyle/>
+          <a:p>
+            <a:endParaRPr lang="en-US" sz="1800" b="0" strike="noStrike" spc="-1">
               <a:solidFill>
                 <a:srgbClr val="000000"/>
               </a:solidFill>
@@ -5061,11 +5406,12 @@
           </a:prstGeom>
         </p:spPr>
         <p:txBody>
-          <a:bodyPr lIns="0" rIns="0" tIns="0" bIns="0">
+          <a:bodyPr lIns="0" tIns="0" rIns="0" bIns="0">
             <a:normAutofit/>
           </a:bodyPr>
-          <a:p>
-            <a:endParaRPr b="0" lang="en-US" sz="2800" spc="-1" strike="noStrike">
+          <a:lstStyle/>
+          <a:p>
+            <a:endParaRPr lang="en-US" sz="2800" b="0" strike="noStrike" spc="-1">
               <a:solidFill>
                 <a:srgbClr val="000000"/>
               </a:solidFill>
@@ -5094,11 +5440,12 @@
           </a:prstGeom>
         </p:spPr>
         <p:txBody>
-          <a:bodyPr lIns="0" rIns="0" tIns="0" bIns="0">
+          <a:bodyPr lIns="0" tIns="0" rIns="0" bIns="0">
             <a:normAutofit/>
           </a:bodyPr>
-          <a:p>
-            <a:endParaRPr b="0" lang="en-US" sz="2800" spc="-1" strike="noStrike">
+          <a:lstStyle/>
+          <a:p>
+            <a:endParaRPr lang="en-US" sz="2800" b="0" strike="noStrike" spc="-1">
               <a:solidFill>
                 <a:srgbClr val="000000"/>
               </a:solidFill>
@@ -5127,11 +5474,12 @@
           </a:prstGeom>
         </p:spPr>
         <p:txBody>
-          <a:bodyPr lIns="0" rIns="0" tIns="0" bIns="0">
+          <a:bodyPr lIns="0" tIns="0" rIns="0" bIns="0">
             <a:normAutofit/>
           </a:bodyPr>
-          <a:p>
-            <a:endParaRPr b="0" lang="en-US" sz="2800" spc="-1" strike="noStrike">
+          <a:lstStyle/>
+          <a:p>
+            <a:endParaRPr lang="en-US" sz="2800" b="0" strike="noStrike" spc="-1">
               <a:solidFill>
                 <a:srgbClr val="000000"/>
               </a:solidFill>
@@ -5160,11 +5508,12 @@
           </a:prstGeom>
         </p:spPr>
         <p:txBody>
-          <a:bodyPr lIns="0" rIns="0" tIns="0" bIns="0">
+          <a:bodyPr lIns="0" tIns="0" rIns="0" bIns="0">
             <a:normAutofit/>
           </a:bodyPr>
-          <a:p>
-            <a:endParaRPr b="0" lang="en-US" sz="2800" spc="-1" strike="noStrike">
+          <a:lstStyle/>
+          <a:p>
+            <a:endParaRPr lang="en-US" sz="2800" b="0" strike="noStrike" spc="-1">
               <a:solidFill>
                 <a:srgbClr val="000000"/>
               </a:solidFill>
@@ -5193,11 +5542,12 @@
           </a:prstGeom>
         </p:spPr>
         <p:txBody>
-          <a:bodyPr lIns="0" rIns="0" tIns="0" bIns="0">
+          <a:bodyPr lIns="0" tIns="0" rIns="0" bIns="0">
             <a:normAutofit/>
           </a:bodyPr>
-          <a:p>
-            <a:endParaRPr b="0" lang="en-US" sz="2800" spc="-1" strike="noStrike">
+          <a:lstStyle/>
+          <a:p>
+            <a:endParaRPr lang="en-US" sz="2800" b="0" strike="noStrike" spc="-1">
               <a:solidFill>
                 <a:srgbClr val="000000"/>
               </a:solidFill>
@@ -5226,11 +5576,12 @@
           </a:prstGeom>
         </p:spPr>
         <p:txBody>
-          <a:bodyPr lIns="0" rIns="0" tIns="0" bIns="0">
+          <a:bodyPr lIns="0" tIns="0" rIns="0" bIns="0">
             <a:normAutofit/>
           </a:bodyPr>
-          <a:p>
-            <a:endParaRPr b="0" lang="en-US" sz="2800" spc="-1" strike="noStrike">
+          <a:lstStyle/>
+          <a:p>
+            <a:endParaRPr lang="en-US" sz="2800" b="0" strike="noStrike" spc="-1">
               <a:solidFill>
                 <a:srgbClr val="000000"/>
               </a:solidFill>
@@ -5241,11 +5592,14 @@
       </p:sp>
     </p:spTree>
   </p:cSld>
+  <p:clrMapOvr>
+    <a:masterClrMapping/>
+  </p:clrMapOvr>
 </p:sldLayout>
 </file>
 
 <file path=ppt/slideLayouts/slideLayout5.xml><?xml version="1.0" encoding="utf-8"?>
-<p:sldLayout xmlns:a="http://schemas.openxmlformats.org/drawingml/2006/main" xmlns:p="http://schemas.openxmlformats.org/presentationml/2006/main" xmlns:r="http://schemas.openxmlformats.org/officeDocument/2006/relationships" xmlns:p14="http://schemas.microsoft.com/office/powerpoint/2010/main" xmlns:p15="http://schemas.microsoft.com/office/powerpoint/2012/main" xmlns:mc="http://schemas.openxmlformats.org/markup-compatibility/2006" type="titleOnly" preserve="1">
+<p:sldLayout xmlns:a="http://schemas.openxmlformats.org/drawingml/2006/main" xmlns:r="http://schemas.openxmlformats.org/officeDocument/2006/relationships" xmlns:p="http://schemas.openxmlformats.org/presentationml/2006/main" type="titleOnly" preserve="1">
   <p:cSld name="Title Only">
     <p:spTree>
       <p:nvGrpSpPr>
@@ -5281,11 +5635,12 @@
           </a:prstGeom>
         </p:spPr>
         <p:txBody>
-          <a:bodyPr lIns="0" rIns="0" tIns="0" bIns="0" anchor="ctr">
+          <a:bodyPr lIns="0" tIns="0" rIns="0" bIns="0" anchor="ctr">
             <a:noAutofit/>
           </a:bodyPr>
-          <a:p>
-            <a:endParaRPr b="0" lang="en-US" sz="1800" spc="-1" strike="noStrike">
+          <a:lstStyle/>
+          <a:p>
+            <a:endParaRPr lang="en-US" sz="1800" b="0" strike="noStrike" spc="-1">
               <a:solidFill>
                 <a:srgbClr val="000000"/>
               </a:solidFill>
@@ -5296,11 +5651,14 @@
       </p:sp>
     </p:spTree>
   </p:cSld>
+  <p:clrMapOvr>
+    <a:masterClrMapping/>
+  </p:clrMapOvr>
 </p:sldLayout>
 </file>
 
 <file path=ppt/slideLayouts/slideLayout6.xml><?xml version="1.0" encoding="utf-8"?>
-<p:sldLayout xmlns:a="http://schemas.openxmlformats.org/drawingml/2006/main" xmlns:p="http://schemas.openxmlformats.org/presentationml/2006/main" xmlns:r="http://schemas.openxmlformats.org/officeDocument/2006/relationships" xmlns:p14="http://schemas.microsoft.com/office/powerpoint/2010/main" xmlns:p15="http://schemas.microsoft.com/office/powerpoint/2012/main" xmlns:mc="http://schemas.openxmlformats.org/markup-compatibility/2006" type="objOnly" preserve="1">
+<p:sldLayout xmlns:a="http://schemas.openxmlformats.org/drawingml/2006/main" xmlns:r="http://schemas.openxmlformats.org/officeDocument/2006/relationships" xmlns:p="http://schemas.openxmlformats.org/presentationml/2006/main" type="objOnly" preserve="1">
   <p:cSld name="Centered Text">
     <p:spTree>
       <p:nvGrpSpPr>
@@ -5336,12 +5694,13 @@
           </a:prstGeom>
         </p:spPr>
         <p:txBody>
-          <a:bodyPr lIns="0" rIns="0" tIns="0" bIns="0" anchor="ctr">
+          <a:bodyPr lIns="0" tIns="0" rIns="0" bIns="0" anchor="ctr">
             <a:noAutofit/>
           </a:bodyPr>
+          <a:lstStyle/>
           <a:p>
             <a:pPr algn="ctr"/>
-            <a:endParaRPr b="0" lang="en-US" sz="3200" spc="-1" strike="noStrike">
+            <a:endParaRPr lang="en-US" sz="3200" b="0" strike="noStrike" spc="-1">
               <a:latin typeface="Arial"/>
             </a:endParaRPr>
           </a:p>
@@ -5349,11 +5708,14 @@
       </p:sp>
     </p:spTree>
   </p:cSld>
+  <p:clrMapOvr>
+    <a:masterClrMapping/>
+  </p:clrMapOvr>
 </p:sldLayout>
 </file>
 
 <file path=ppt/slideLayouts/slideLayout7.xml><?xml version="1.0" encoding="utf-8"?>
-<p:sldLayout xmlns:a="http://schemas.openxmlformats.org/drawingml/2006/main" xmlns:p="http://schemas.openxmlformats.org/presentationml/2006/main" xmlns:r="http://schemas.openxmlformats.org/officeDocument/2006/relationships" xmlns:p14="http://schemas.microsoft.com/office/powerpoint/2010/main" xmlns:p15="http://schemas.microsoft.com/office/powerpoint/2012/main" xmlns:mc="http://schemas.openxmlformats.org/markup-compatibility/2006" type="twoObjAndObj" preserve="1">
+<p:sldLayout xmlns:a="http://schemas.openxmlformats.org/drawingml/2006/main" xmlns:r="http://schemas.openxmlformats.org/officeDocument/2006/relationships" xmlns:p="http://schemas.openxmlformats.org/presentationml/2006/main" type="twoObjAndObj" preserve="1">
   <p:cSld name="Title, 2 Content and Content">
     <p:spTree>
       <p:nvGrpSpPr>
@@ -5389,11 +5751,12 @@
           </a:prstGeom>
         </p:spPr>
         <p:txBody>
-          <a:bodyPr lIns="0" rIns="0" tIns="0" bIns="0" anchor="ctr">
+          <a:bodyPr lIns="0" tIns="0" rIns="0" bIns="0" anchor="ctr">
             <a:noAutofit/>
           </a:bodyPr>
-          <a:p>
-            <a:endParaRPr b="0" lang="en-US" sz="1800" spc="-1" strike="noStrike">
+          <a:lstStyle/>
+          <a:p>
+            <a:endParaRPr lang="en-US" sz="1800" b="0" strike="noStrike" spc="-1">
               <a:solidFill>
                 <a:srgbClr val="000000"/>
               </a:solidFill>
@@ -5422,11 +5785,12 @@
           </a:prstGeom>
         </p:spPr>
         <p:txBody>
-          <a:bodyPr lIns="0" rIns="0" tIns="0" bIns="0">
+          <a:bodyPr lIns="0" tIns="0" rIns="0" bIns="0">
             <a:normAutofit/>
           </a:bodyPr>
-          <a:p>
-            <a:endParaRPr b="0" lang="en-US" sz="2800" spc="-1" strike="noStrike">
+          <a:lstStyle/>
+          <a:p>
+            <a:endParaRPr lang="en-US" sz="2800" b="0" strike="noStrike" spc="-1">
               <a:solidFill>
                 <a:srgbClr val="000000"/>
               </a:solidFill>
@@ -5455,11 +5819,12 @@
           </a:prstGeom>
         </p:spPr>
         <p:txBody>
-          <a:bodyPr lIns="0" rIns="0" tIns="0" bIns="0">
+          <a:bodyPr lIns="0" tIns="0" rIns="0" bIns="0">
             <a:normAutofit/>
           </a:bodyPr>
-          <a:p>
-            <a:endParaRPr b="0" lang="en-US" sz="2800" spc="-1" strike="noStrike">
+          <a:lstStyle/>
+          <a:p>
+            <a:endParaRPr lang="en-US" sz="2800" b="0" strike="noStrike" spc="-1">
               <a:solidFill>
                 <a:srgbClr val="000000"/>
               </a:solidFill>
@@ -5488,11 +5853,12 @@
           </a:prstGeom>
         </p:spPr>
         <p:txBody>
-          <a:bodyPr lIns="0" rIns="0" tIns="0" bIns="0">
+          <a:bodyPr lIns="0" tIns="0" rIns="0" bIns="0">
             <a:normAutofit/>
           </a:bodyPr>
-          <a:p>
-            <a:endParaRPr b="0" lang="en-US" sz="2800" spc="-1" strike="noStrike">
+          <a:lstStyle/>
+          <a:p>
+            <a:endParaRPr lang="en-US" sz="2800" b="0" strike="noStrike" spc="-1">
               <a:solidFill>
                 <a:srgbClr val="000000"/>
               </a:solidFill>
@@ -5503,11 +5869,14 @@
       </p:sp>
     </p:spTree>
   </p:cSld>
+  <p:clrMapOvr>
+    <a:masterClrMapping/>
+  </p:clrMapOvr>
 </p:sldLayout>
 </file>
 
 <file path=ppt/slideLayouts/slideLayout8.xml><?xml version="1.0" encoding="utf-8"?>
-<p:sldLayout xmlns:a="http://schemas.openxmlformats.org/drawingml/2006/main" xmlns:p="http://schemas.openxmlformats.org/presentationml/2006/main" xmlns:r="http://schemas.openxmlformats.org/officeDocument/2006/relationships" xmlns:p14="http://schemas.microsoft.com/office/powerpoint/2010/main" xmlns:p15="http://schemas.microsoft.com/office/powerpoint/2012/main" xmlns:mc="http://schemas.openxmlformats.org/markup-compatibility/2006" type="objAndTwoObj" preserve="1">
+<p:sldLayout xmlns:a="http://schemas.openxmlformats.org/drawingml/2006/main" xmlns:r="http://schemas.openxmlformats.org/officeDocument/2006/relationships" xmlns:p="http://schemas.openxmlformats.org/presentationml/2006/main" type="objAndTwoObj" preserve="1">
   <p:cSld name="Title Content and 2 Content">
     <p:spTree>
       <p:nvGrpSpPr>
@@ -5543,11 +5912,12 @@
           </a:prstGeom>
         </p:spPr>
         <p:txBody>
-          <a:bodyPr lIns="0" rIns="0" tIns="0" bIns="0" anchor="ctr">
+          <a:bodyPr lIns="0" tIns="0" rIns="0" bIns="0" anchor="ctr">
             <a:noAutofit/>
           </a:bodyPr>
-          <a:p>
-            <a:endParaRPr b="0" lang="en-US" sz="1800" spc="-1" strike="noStrike">
+          <a:lstStyle/>
+          <a:p>
+            <a:endParaRPr lang="en-US" sz="1800" b="0" strike="noStrike" spc="-1">
               <a:solidFill>
                 <a:srgbClr val="000000"/>
               </a:solidFill>
@@ -5576,11 +5946,12 @@
           </a:prstGeom>
         </p:spPr>
         <p:txBody>
-          <a:bodyPr lIns="0" rIns="0" tIns="0" bIns="0">
+          <a:bodyPr lIns="0" tIns="0" rIns="0" bIns="0">
             <a:normAutofit/>
           </a:bodyPr>
-          <a:p>
-            <a:endParaRPr b="0" lang="en-US" sz="2800" spc="-1" strike="noStrike">
+          <a:lstStyle/>
+          <a:p>
+            <a:endParaRPr lang="en-US" sz="2800" b="0" strike="noStrike" spc="-1">
               <a:solidFill>
                 <a:srgbClr val="000000"/>
               </a:solidFill>
@@ -5609,11 +5980,12 @@
           </a:prstGeom>
         </p:spPr>
         <p:txBody>
-          <a:bodyPr lIns="0" rIns="0" tIns="0" bIns="0">
+          <a:bodyPr lIns="0" tIns="0" rIns="0" bIns="0">
             <a:normAutofit/>
           </a:bodyPr>
-          <a:p>
-            <a:endParaRPr b="0" lang="en-US" sz="2800" spc="-1" strike="noStrike">
+          <a:lstStyle/>
+          <a:p>
+            <a:endParaRPr lang="en-US" sz="2800" b="0" strike="noStrike" spc="-1">
               <a:solidFill>
                 <a:srgbClr val="000000"/>
               </a:solidFill>
@@ -5642,11 +6014,12 @@
           </a:prstGeom>
         </p:spPr>
         <p:txBody>
-          <a:bodyPr lIns="0" rIns="0" tIns="0" bIns="0">
+          <a:bodyPr lIns="0" tIns="0" rIns="0" bIns="0">
             <a:normAutofit/>
           </a:bodyPr>
-          <a:p>
-            <a:endParaRPr b="0" lang="en-US" sz="2800" spc="-1" strike="noStrike">
+          <a:lstStyle/>
+          <a:p>
+            <a:endParaRPr lang="en-US" sz="2800" b="0" strike="noStrike" spc="-1">
               <a:solidFill>
                 <a:srgbClr val="000000"/>
               </a:solidFill>
@@ -5657,11 +6030,14 @@
       </p:sp>
     </p:spTree>
   </p:cSld>
+  <p:clrMapOvr>
+    <a:masterClrMapping/>
+  </p:clrMapOvr>
 </p:sldLayout>
 </file>
 
 <file path=ppt/slideLayouts/slideLayout9.xml><?xml version="1.0" encoding="utf-8"?>
-<p:sldLayout xmlns:a="http://schemas.openxmlformats.org/drawingml/2006/main" xmlns:p="http://schemas.openxmlformats.org/presentationml/2006/main" xmlns:r="http://schemas.openxmlformats.org/officeDocument/2006/relationships" xmlns:p14="http://schemas.microsoft.com/office/powerpoint/2010/main" xmlns:p15="http://schemas.microsoft.com/office/powerpoint/2012/main" xmlns:mc="http://schemas.openxmlformats.org/markup-compatibility/2006" type="twoObjOverTx" preserve="1">
+<p:sldLayout xmlns:a="http://schemas.openxmlformats.org/drawingml/2006/main" xmlns:r="http://schemas.openxmlformats.org/officeDocument/2006/relationships" xmlns:p="http://schemas.openxmlformats.org/presentationml/2006/main" type="twoObjOverTx" preserve="1">
   <p:cSld name="Title, 2 Content over Content">
     <p:spTree>
       <p:nvGrpSpPr>
@@ -5697,11 +6073,12 @@
           </a:prstGeom>
         </p:spPr>
         <p:txBody>
-          <a:bodyPr lIns="0" rIns="0" tIns="0" bIns="0" anchor="ctr">
+          <a:bodyPr lIns="0" tIns="0" rIns="0" bIns="0" anchor="ctr">
             <a:noAutofit/>
           </a:bodyPr>
-          <a:p>
-            <a:endParaRPr b="0" lang="en-US" sz="1800" spc="-1" strike="noStrike">
+          <a:lstStyle/>
+          <a:p>
+            <a:endParaRPr lang="en-US" sz="1800" b="0" strike="noStrike" spc="-1">
               <a:solidFill>
                 <a:srgbClr val="000000"/>
               </a:solidFill>
@@ -5730,11 +6107,12 @@
           </a:prstGeom>
         </p:spPr>
         <p:txBody>
-          <a:bodyPr lIns="0" rIns="0" tIns="0" bIns="0">
+          <a:bodyPr lIns="0" tIns="0" rIns="0" bIns="0">
             <a:normAutofit/>
           </a:bodyPr>
-          <a:p>
-            <a:endParaRPr b="0" lang="en-US" sz="2800" spc="-1" strike="noStrike">
+          <a:lstStyle/>
+          <a:p>
+            <a:endParaRPr lang="en-US" sz="2800" b="0" strike="noStrike" spc="-1">
               <a:solidFill>
                 <a:srgbClr val="000000"/>
               </a:solidFill>
@@ -5763,11 +6141,12 @@
           </a:prstGeom>
         </p:spPr>
         <p:txBody>
-          <a:bodyPr lIns="0" rIns="0" tIns="0" bIns="0">
+          <a:bodyPr lIns="0" tIns="0" rIns="0" bIns="0">
             <a:normAutofit/>
           </a:bodyPr>
-          <a:p>
-            <a:endParaRPr b="0" lang="en-US" sz="2800" spc="-1" strike="noStrike">
+          <a:lstStyle/>
+          <a:p>
+            <a:endParaRPr lang="en-US" sz="2800" b="0" strike="noStrike" spc="-1">
               <a:solidFill>
                 <a:srgbClr val="000000"/>
               </a:solidFill>
@@ -5796,11 +6175,12 @@
           </a:prstGeom>
         </p:spPr>
         <p:txBody>
-          <a:bodyPr lIns="0" rIns="0" tIns="0" bIns="0">
+          <a:bodyPr lIns="0" tIns="0" rIns="0" bIns="0">
             <a:normAutofit/>
           </a:bodyPr>
-          <a:p>
-            <a:endParaRPr b="0" lang="en-US" sz="2800" spc="-1" strike="noStrike">
+          <a:lstStyle/>
+          <a:p>
+            <a:endParaRPr lang="en-US" sz="2800" b="0" strike="noStrike" spc="-1">
               <a:solidFill>
                 <a:srgbClr val="000000"/>
               </a:solidFill>
@@ -5811,17 +6191,21 @@
       </p:sp>
     </p:spTree>
   </p:cSld>
+  <p:clrMapOvr>
+    <a:masterClrMapping/>
+  </p:clrMapOvr>
 </p:sldLayout>
 </file>
 
 <file path=ppt/slideMasters/slideMaster1.xml><?xml version="1.0" encoding="utf-8"?>
-<p:sldMaster xmlns:a="http://schemas.openxmlformats.org/drawingml/2006/main" xmlns:p="http://schemas.openxmlformats.org/presentationml/2006/main" xmlns:r="http://schemas.openxmlformats.org/officeDocument/2006/relationships" xmlns:p14="http://schemas.microsoft.com/office/powerpoint/2010/main" xmlns:p15="http://schemas.microsoft.com/office/powerpoint/2012/main" xmlns:mc="http://schemas.openxmlformats.org/markup-compatibility/2006">
+<p:sldMaster xmlns:a="http://schemas.openxmlformats.org/drawingml/2006/main" xmlns:r="http://schemas.openxmlformats.org/officeDocument/2006/relationships" xmlns:p="http://schemas.openxmlformats.org/presentationml/2006/main">
   <p:cSld>
     <p:bg>
       <p:bgPr>
         <a:solidFill>
-          <a:srgbClr val="ffffff"/>
+          <a:srgbClr val="FFFFFF"/>
         </a:solidFill>
+        <a:effectLst/>
       </p:bgPr>
     </p:bg>
     <p:spTree>
@@ -5840,7 +6224,7 @@
       </p:grpSpPr>
       <p:grpSp>
         <p:nvGrpSpPr>
-          <p:cNvPr id="0" name="Group 1"/>
+          <p:cNvPr id="24" name="Group 1"/>
           <p:cNvGrpSpPr/>
           <p:nvPr/>
         </p:nvGrpSpPr>
@@ -5854,7 +6238,7 @@
         </p:grpSpPr>
         <p:sp>
           <p:nvSpPr>
-            <p:cNvPr id="1" name="Line 2"/>
+            <p:cNvPr id="25" name="Line 2"/>
             <p:cNvSpPr/>
             <p:nvPr/>
           </p:nvSpPr>
@@ -5866,7 +6250,7 @@
             <a:prstGeom prst="line">
               <a:avLst/>
             </a:prstGeom>
-            <a:ln cap="rnd" w="9360">
+            <a:ln w="9360" cap="rnd">
               <a:solidFill>
                 <a:schemeClr val="bg1">
                   <a:lumMod val="75000"/>
@@ -5902,7 +6286,7 @@
             <a:prstGeom prst="line">
               <a:avLst/>
             </a:prstGeom>
-            <a:ln cap="rnd" w="9360">
+            <a:ln w="9360" cap="rnd">
               <a:solidFill>
                 <a:schemeClr val="bg1">
                   <a:lumMod val="85000"/>
@@ -5939,6 +6323,7 @@
               <a:avLst/>
               <a:gdLst/>
               <a:ahLst/>
+              <a:cxnLst/>
               <a:rect l="l" t="t" r="r" b="b"/>
               <a:pathLst>
                 <a:path w="3007349" h="6866467">
@@ -5970,7 +6355,7 @@
               <a:noFill/>
             </a:ln>
             <a:effectLst>
-              <a:outerShdw blurRad="38100" dir="5400000" dist="25560" rotWithShape="0">
+              <a:outerShdw blurRad="38100" dist="25560" dir="5400000" rotWithShape="0">
                 <a:srgbClr val="000000">
                   <a:alpha val="35000"/>
                 </a:srgbClr>
@@ -6005,6 +6390,7 @@
               <a:avLst/>
               <a:gdLst/>
               <a:ahLst/>
+              <a:cxnLst/>
               <a:rect l="l" t="t" r="r" b="b"/>
               <a:pathLst>
                 <a:path w="2573311" h="6866467">
@@ -6036,7 +6422,7 @@
               <a:noFill/>
             </a:ln>
             <a:effectLst>
-              <a:outerShdw blurRad="38100" dir="5400000" dist="25560" rotWithShape="0">
+              <a:outerShdw blurRad="38100" dist="25560" dir="5400000" rotWithShape="0">
                 <a:srgbClr val="000000">
                   <a:alpha val="35000"/>
                 </a:srgbClr>
@@ -6081,7 +6467,7 @@
               <a:noFill/>
             </a:ln>
             <a:effectLst>
-              <a:outerShdw blurRad="38100" dir="5400000" dist="25560" rotWithShape="0">
+              <a:outerShdw blurRad="38100" dist="25560" dir="5400000" rotWithShape="0">
                 <a:srgbClr val="000000">
                   <a:alpha val="35000"/>
                 </a:srgbClr>
@@ -6116,6 +6502,7 @@
               <a:avLst/>
               <a:gdLst/>
               <a:ahLst/>
+              <a:cxnLst/>
               <a:rect l="l" t="t" r="r" b="b"/>
               <a:pathLst>
                 <a:path w="2858013" h="6866467">
@@ -6148,7 +6535,7 @@
               <a:noFill/>
             </a:ln>
             <a:effectLst>
-              <a:outerShdw blurRad="38100" dir="5400000" dist="25560" rotWithShape="0">
+              <a:outerShdw blurRad="38100" dist="25560" dir="5400000" rotWithShape="0">
                 <a:srgbClr val="000000">
                   <a:alpha val="35000"/>
                 </a:srgbClr>
@@ -6183,6 +6570,7 @@
               <a:avLst/>
               <a:gdLst/>
               <a:ahLst/>
+              <a:cxnLst/>
               <a:rect l="l" t="t" r="r" b="b"/>
               <a:pathLst>
                 <a:path w="1290094" h="6858000">
@@ -6216,7 +6604,7 @@
               <a:noFill/>
             </a:ln>
             <a:effectLst>
-              <a:outerShdw blurRad="38100" dir="5400000" dist="25560" rotWithShape="0">
+              <a:outerShdw blurRad="38100" dist="25560" dir="5400000" rotWithShape="0">
                 <a:srgbClr val="000000">
                   <a:alpha val="35000"/>
                 </a:srgbClr>
@@ -6251,6 +6639,7 @@
               <a:avLst/>
               <a:gdLst/>
               <a:ahLst/>
+              <a:cxnLst/>
               <a:rect l="l" t="t" r="r" b="b"/>
               <a:pathLst>
                 <a:path w="1249825" h="6858000">
@@ -6282,7 +6671,7 @@
               <a:noFill/>
             </a:ln>
             <a:effectLst>
-              <a:outerShdw blurRad="38100" dir="5400000" dist="25560" rotWithShape="0">
+              <a:outerShdw blurRad="38100" dist="25560" dir="5400000" rotWithShape="0">
                 <a:srgbClr val="000000">
                   <a:alpha val="35000"/>
                 </a:srgbClr>
@@ -6327,7 +6716,7 @@
               <a:noFill/>
             </a:ln>
             <a:effectLst>
-              <a:outerShdw blurRad="38100" dir="5400000" dist="25560" rotWithShape="0">
+              <a:outerShdw blurRad="38100" dist="25560" dir="5400000" rotWithShape="0">
                 <a:srgbClr val="000000">
                   <a:alpha val="35000"/>
                 </a:srgbClr>
@@ -6372,7 +6761,7 @@
               <a:noFill/>
             </a:ln>
             <a:effectLst>
-              <a:outerShdw blurRad="38100" dir="5400000" dist="25560" rotWithShape="0">
+              <a:outerShdw blurRad="38100" dist="25560" dir="5400000" rotWithShape="0">
                 <a:srgbClr val="000000">
                   <a:alpha val="35000"/>
                 </a:srgbClr>
@@ -6421,7 +6810,7 @@
             <a:prstGeom prst="line">
               <a:avLst/>
             </a:prstGeom>
-            <a:ln cap="rnd" w="9360">
+            <a:ln w="9360" cap="rnd">
               <a:solidFill>
                 <a:schemeClr val="bg1">
                   <a:lumMod val="75000"/>
@@ -6457,7 +6846,7 @@
             <a:prstGeom prst="line">
               <a:avLst/>
             </a:prstGeom>
-            <a:ln cap="rnd" w="9360">
+            <a:ln w="9360" cap="rnd">
               <a:solidFill>
                 <a:schemeClr val="bg1">
                   <a:lumMod val="85000"/>
@@ -6494,6 +6883,7 @@
               <a:avLst/>
               <a:gdLst/>
               <a:ahLst/>
+              <a:cxnLst/>
               <a:rect l="l" t="t" r="r" b="b"/>
               <a:pathLst>
                 <a:path w="3007349" h="6866467">
@@ -6525,7 +6915,7 @@
               <a:noFill/>
             </a:ln>
             <a:effectLst>
-              <a:outerShdw blurRad="38100" dir="5400000" dist="25560" rotWithShape="0">
+              <a:outerShdw blurRad="38100" dist="25560" dir="5400000" rotWithShape="0">
                 <a:srgbClr val="000000">
                   <a:alpha val="35000"/>
                 </a:srgbClr>
@@ -6560,6 +6950,7 @@
               <a:avLst/>
               <a:gdLst/>
               <a:ahLst/>
+              <a:cxnLst/>
               <a:rect l="l" t="t" r="r" b="b"/>
               <a:pathLst>
                 <a:path w="2573311" h="6866467">
@@ -6591,7 +6982,7 @@
               <a:noFill/>
             </a:ln>
             <a:effectLst>
-              <a:outerShdw blurRad="38100" dir="5400000" dist="25560" rotWithShape="0">
+              <a:outerShdw blurRad="38100" dist="25560" dir="5400000" rotWithShape="0">
                 <a:srgbClr val="000000">
                   <a:alpha val="35000"/>
                 </a:srgbClr>
@@ -6636,7 +7027,7 @@
               <a:noFill/>
             </a:ln>
             <a:effectLst>
-              <a:outerShdw blurRad="38100" dir="5400000" dist="25560" rotWithShape="0">
+              <a:outerShdw blurRad="38100" dist="25560" dir="5400000" rotWithShape="0">
                 <a:srgbClr val="000000">
                   <a:alpha val="35000"/>
                 </a:srgbClr>
@@ -6671,6 +7062,7 @@
               <a:avLst/>
               <a:gdLst/>
               <a:ahLst/>
+              <a:cxnLst/>
               <a:rect l="l" t="t" r="r" b="b"/>
               <a:pathLst>
                 <a:path w="2858013" h="6866467">
@@ -6703,7 +7095,7 @@
               <a:noFill/>
             </a:ln>
             <a:effectLst>
-              <a:outerShdw blurRad="38100" dir="5400000" dist="25560" rotWithShape="0">
+              <a:outerShdw blurRad="38100" dist="25560" dir="5400000" rotWithShape="0">
                 <a:srgbClr val="000000">
                   <a:alpha val="35000"/>
                 </a:srgbClr>
@@ -6738,6 +7130,7 @@
               <a:avLst/>
               <a:gdLst/>
               <a:ahLst/>
+              <a:cxnLst/>
               <a:rect l="l" t="t" r="r" b="b"/>
               <a:pathLst>
                 <a:path w="1290094" h="6858000">
@@ -6771,7 +7164,7 @@
               <a:noFill/>
             </a:ln>
             <a:effectLst>
-              <a:outerShdw blurRad="38100" dir="5400000" dist="25560" rotWithShape="0">
+              <a:outerShdw blurRad="38100" dist="25560" dir="5400000" rotWithShape="0">
                 <a:srgbClr val="000000">
                   <a:alpha val="35000"/>
                 </a:srgbClr>
@@ -6806,6 +7199,7 @@
               <a:avLst/>
               <a:gdLst/>
               <a:ahLst/>
+              <a:cxnLst/>
               <a:rect l="l" t="t" r="r" b="b"/>
               <a:pathLst>
                 <a:path w="1249825" h="6858000">
@@ -6837,7 +7231,7 @@
               <a:noFill/>
             </a:ln>
             <a:effectLst>
-              <a:outerShdw blurRad="38100" dir="5400000" dist="25560" rotWithShape="0">
+              <a:outerShdw blurRad="38100" dist="25560" dir="5400000" rotWithShape="0">
                 <a:srgbClr val="000000">
                   <a:alpha val="35000"/>
                 </a:srgbClr>
@@ -6882,7 +7276,7 @@
               <a:noFill/>
             </a:ln>
             <a:effectLst>
-              <a:outerShdw blurRad="38100" dir="5400000" dist="25560" rotWithShape="0">
+              <a:outerShdw blurRad="38100" dist="25560" dir="5400000" rotWithShape="0">
                 <a:srgbClr val="000000">
                   <a:alpha val="35000"/>
                 </a:srgbClr>
@@ -6927,7 +7321,7 @@
               <a:noFill/>
             </a:ln>
             <a:effectLst>
-              <a:outerShdw blurRad="38100" dir="5400000" dist="25560" rotWithShape="0">
+              <a:outerShdw blurRad="38100" dist="25560" dir="5400000" rotWithShape="0">
                 <a:srgbClr val="000000">
                   <a:alpha val="35000"/>
                 </a:srgbClr>
@@ -6968,13 +7362,14 @@
           </a:prstGeom>
         </p:spPr>
         <p:txBody>
-          <a:bodyPr lIns="0" rIns="0" tIns="0" bIns="0" anchor="ctr">
+          <a:bodyPr lIns="0" tIns="0" rIns="0" bIns="0" anchor="ctr">
             <a:noAutofit/>
           </a:bodyPr>
+          <a:lstStyle/>
           <a:p>
             <a:pPr algn="ctr"/>
             <a:r>
-              <a:rPr b="0" lang="en-US" sz="4400" spc="-1" strike="noStrike">
+              <a:rPr lang="en-US" sz="4400" b="0" strike="noStrike" spc="-1">
                 <a:solidFill>
                   <a:srgbClr val="000000"/>
                 </a:solidFill>
@@ -6982,12 +7377,6 @@
               </a:rPr>
               <a:t>Click to edit the title text format</a:t>
             </a:r>
-            <a:endParaRPr b="0" lang="en-US" sz="4400" spc="-1" strike="noStrike">
-              <a:solidFill>
-                <a:srgbClr val="000000"/>
-              </a:solidFill>
-              <a:latin typeface="Arial"/>
-            </a:endParaRPr>
           </a:p>
         </p:txBody>
       </p:sp>
@@ -7011,9 +7400,10 @@
           </a:prstGeom>
         </p:spPr>
         <p:txBody>
-          <a:bodyPr lIns="0" rIns="0" tIns="0" bIns="0">
+          <a:bodyPr lIns="0" tIns="0" rIns="0" bIns="0">
             <a:normAutofit/>
           </a:bodyPr>
+          <a:lstStyle/>
           <a:p>
             <a:pPr marL="432000" indent="-324000">
               <a:spcBef>
@@ -7027,7 +7417,7 @@
               <a:buChar char=""/>
             </a:pPr>
             <a:r>
-              <a:rPr b="0" lang="en-US" sz="2800" spc="-1" strike="noStrike">
+              <a:rPr lang="en-US" sz="2800" b="0" strike="noStrike" spc="-1">
                 <a:solidFill>
                   <a:srgbClr val="000000"/>
                 </a:solidFill>
@@ -7035,15 +7425,9 @@
               </a:rPr>
               <a:t>Click to edit the outline text format</a:t>
             </a:r>
-            <a:endParaRPr b="0" lang="en-US" sz="2800" spc="-1" strike="noStrike">
-              <a:solidFill>
-                <a:srgbClr val="000000"/>
-              </a:solidFill>
-              <a:latin typeface="Arial"/>
-            </a:endParaRPr>
-          </a:p>
-          <a:p>
-            <a:pPr lvl="1" marL="864000" indent="-324000">
+          </a:p>
+          <a:p>
+            <a:pPr marL="864000" lvl="1" indent="-324000">
               <a:spcBef>
                 <a:spcPts val="1134"/>
               </a:spcBef>
@@ -7055,7 +7439,7 @@
               <a:buChar char=""/>
             </a:pPr>
             <a:r>
-              <a:rPr b="0" lang="en-US" sz="2000" spc="-1" strike="noStrike">
+              <a:rPr lang="en-US" sz="2000" b="0" strike="noStrike" spc="-1">
                 <a:solidFill>
                   <a:srgbClr val="000000"/>
                 </a:solidFill>
@@ -7063,15 +7447,9 @@
               </a:rPr>
               <a:t>Second Outline Level</a:t>
             </a:r>
-            <a:endParaRPr b="0" lang="en-US" sz="2000" spc="-1" strike="noStrike">
-              <a:solidFill>
-                <a:srgbClr val="000000"/>
-              </a:solidFill>
-              <a:latin typeface="Arial"/>
-            </a:endParaRPr>
-          </a:p>
-          <a:p>
-            <a:pPr lvl="2" marL="1296000" indent="-288000">
+          </a:p>
+          <a:p>
+            <a:pPr marL="1296000" lvl="2" indent="-288000">
               <a:spcBef>
                 <a:spcPts val="850"/>
               </a:spcBef>
@@ -7083,7 +7461,7 @@
               <a:buChar char=""/>
             </a:pPr>
             <a:r>
-              <a:rPr b="0" lang="en-US" sz="1800" spc="-1" strike="noStrike">
+              <a:rPr lang="en-US" sz="1800" b="0" strike="noStrike" spc="-1">
                 <a:solidFill>
                   <a:srgbClr val="000000"/>
                 </a:solidFill>
@@ -7091,15 +7469,9 @@
               </a:rPr>
               <a:t>Third Outline Level</a:t>
             </a:r>
-            <a:endParaRPr b="0" lang="en-US" sz="1800" spc="-1" strike="noStrike">
-              <a:solidFill>
-                <a:srgbClr val="000000"/>
-              </a:solidFill>
-              <a:latin typeface="Arial"/>
-            </a:endParaRPr>
-          </a:p>
-          <a:p>
-            <a:pPr lvl="3" marL="1728000" indent="-216000">
+          </a:p>
+          <a:p>
+            <a:pPr marL="1728000" lvl="3" indent="-216000">
               <a:spcBef>
                 <a:spcPts val="567"/>
               </a:spcBef>
@@ -7111,7 +7483,7 @@
               <a:buChar char=""/>
             </a:pPr>
             <a:r>
-              <a:rPr b="0" lang="en-US" sz="1800" spc="-1" strike="noStrike">
+              <a:rPr lang="en-US" sz="1800" b="0" strike="noStrike" spc="-1">
                 <a:solidFill>
                   <a:srgbClr val="000000"/>
                 </a:solidFill>
@@ -7119,15 +7491,9 @@
               </a:rPr>
               <a:t>Fourth Outline Level</a:t>
             </a:r>
-            <a:endParaRPr b="0" lang="en-US" sz="1800" spc="-1" strike="noStrike">
-              <a:solidFill>
-                <a:srgbClr val="000000"/>
-              </a:solidFill>
-              <a:latin typeface="Arial"/>
-            </a:endParaRPr>
-          </a:p>
-          <a:p>
-            <a:pPr lvl="4" marL="2160000" indent="-216000">
+          </a:p>
+          <a:p>
+            <a:pPr marL="2160000" lvl="4" indent="-216000">
               <a:spcBef>
                 <a:spcPts val="283"/>
               </a:spcBef>
@@ -7139,7 +7505,7 @@
               <a:buChar char=""/>
             </a:pPr>
             <a:r>
-              <a:rPr b="0" lang="en-US" sz="2000" spc="-1" strike="noStrike">
+              <a:rPr lang="en-US" sz="2000" b="0" strike="noStrike" spc="-1">
                 <a:solidFill>
                   <a:srgbClr val="000000"/>
                 </a:solidFill>
@@ -7147,15 +7513,9 @@
               </a:rPr>
               <a:t>Fifth Outline Level</a:t>
             </a:r>
-            <a:endParaRPr b="0" lang="en-US" sz="2000" spc="-1" strike="noStrike">
-              <a:solidFill>
-                <a:srgbClr val="000000"/>
-              </a:solidFill>
-              <a:latin typeface="Arial"/>
-            </a:endParaRPr>
-          </a:p>
-          <a:p>
-            <a:pPr lvl="5" marL="2592000" indent="-216000">
+          </a:p>
+          <a:p>
+            <a:pPr marL="2592000" lvl="5" indent="-216000">
               <a:spcBef>
                 <a:spcPts val="283"/>
               </a:spcBef>
@@ -7167,7 +7527,7 @@
               <a:buChar char=""/>
             </a:pPr>
             <a:r>
-              <a:rPr b="0" lang="en-US" sz="2000" spc="-1" strike="noStrike">
+              <a:rPr lang="en-US" sz="2000" b="0" strike="noStrike" spc="-1">
                 <a:solidFill>
                   <a:srgbClr val="000000"/>
                 </a:solidFill>
@@ -7175,15 +7535,9 @@
               </a:rPr>
               <a:t>Sixth Outline Level</a:t>
             </a:r>
-            <a:endParaRPr b="0" lang="en-US" sz="2000" spc="-1" strike="noStrike">
-              <a:solidFill>
-                <a:srgbClr val="000000"/>
-              </a:solidFill>
-              <a:latin typeface="Arial"/>
-            </a:endParaRPr>
-          </a:p>
-          <a:p>
-            <a:pPr lvl="6" marL="3024000" indent="-216000">
+          </a:p>
+          <a:p>
+            <a:pPr marL="3024000" lvl="6" indent="-216000">
               <a:spcBef>
                 <a:spcPts val="283"/>
               </a:spcBef>
@@ -7195,7 +7549,7 @@
               <a:buChar char=""/>
             </a:pPr>
             <a:r>
-              <a:rPr b="0" lang="en-US" sz="2000" spc="-1" strike="noStrike">
+              <a:rPr lang="en-US" sz="2000" b="0" strike="noStrike" spc="-1">
                 <a:solidFill>
                   <a:srgbClr val="000000"/>
                 </a:solidFill>
@@ -7203,43 +7557,318 @@
               </a:rPr>
               <a:t>Seventh Outline Level</a:t>
             </a:r>
-            <a:endParaRPr b="0" lang="en-US" sz="2000" spc="-1" strike="noStrike">
-              <a:solidFill>
-                <a:srgbClr val="000000"/>
-              </a:solidFill>
-              <a:latin typeface="Arial"/>
-            </a:endParaRPr>
           </a:p>
         </p:txBody>
       </p:sp>
     </p:spTree>
   </p:cSld>
-  <p:clrMap bg1="lt1" bg2="lt2" tx1="dk1" tx2="dk2" accent1="accent1" accent2="accent2" accent3="accent3" accent4="accent4" accent5="accent5" accent6="accent6" hlink="hlink" folHlink="folHlink"/>
+  <p:clrMap bg1="lt1" tx1="dk1" bg2="lt2" tx2="dk2" accent1="accent1" accent2="accent2" accent3="accent3" accent4="accent4" accent5="accent5" accent6="accent6" hlink="hlink" folHlink="folHlink"/>
   <p:sldLayoutIdLst>
-    <p:sldLayoutId id="2147483649" r:id="rId2"/>
-    <p:sldLayoutId id="2147483650" r:id="rId3"/>
-    <p:sldLayoutId id="2147483651" r:id="rId4"/>
-    <p:sldLayoutId id="2147483652" r:id="rId5"/>
-    <p:sldLayoutId id="2147483653" r:id="rId6"/>
-    <p:sldLayoutId id="2147483654" r:id="rId7"/>
-    <p:sldLayoutId id="2147483655" r:id="rId8"/>
-    <p:sldLayoutId id="2147483656" r:id="rId9"/>
-    <p:sldLayoutId id="2147483657" r:id="rId10"/>
-    <p:sldLayoutId id="2147483658" r:id="rId11"/>
-    <p:sldLayoutId id="2147483659" r:id="rId12"/>
-    <p:sldLayoutId id="2147483660" r:id="rId13"/>
+    <p:sldLayoutId id="2147483649" r:id="rId1"/>
+    <p:sldLayoutId id="2147483650" r:id="rId2"/>
+    <p:sldLayoutId id="2147483651" r:id="rId3"/>
+    <p:sldLayoutId id="2147483652" r:id="rId4"/>
+    <p:sldLayoutId id="2147483653" r:id="rId5"/>
+    <p:sldLayoutId id="2147483654" r:id="rId6"/>
+    <p:sldLayoutId id="2147483655" r:id="rId7"/>
+    <p:sldLayoutId id="2147483656" r:id="rId8"/>
+    <p:sldLayoutId id="2147483657" r:id="rId9"/>
+    <p:sldLayoutId id="2147483658" r:id="rId10"/>
+    <p:sldLayoutId id="2147483659" r:id="rId11"/>
+    <p:sldLayoutId id="2147483660" r:id="rId12"/>
   </p:sldLayoutIdLst>
+  <p:txStyles>
+    <p:titleStyle>
+      <a:lvl1pPr algn="l" defTabSz="914400" rtl="0" eaLnBrk="1" latinLnBrk="0" hangingPunct="1">
+        <a:lnSpc>
+          <a:spcPct val="90000"/>
+        </a:lnSpc>
+        <a:spcBef>
+          <a:spcPct val="0"/>
+        </a:spcBef>
+        <a:buNone/>
+        <a:defRPr sz="4400" kern="1200">
+          <a:solidFill>
+            <a:schemeClr val="tx1"/>
+          </a:solidFill>
+          <a:latin typeface="+mj-lt"/>
+          <a:ea typeface="+mj-ea"/>
+          <a:cs typeface="+mj-cs"/>
+        </a:defRPr>
+      </a:lvl1pPr>
+    </p:titleStyle>
+    <p:bodyStyle>
+      <a:lvl1pPr marL="228600" indent="-228600" algn="l" defTabSz="914400" rtl="0" eaLnBrk="1" latinLnBrk="0" hangingPunct="1">
+        <a:lnSpc>
+          <a:spcPct val="90000"/>
+        </a:lnSpc>
+        <a:spcBef>
+          <a:spcPts val="1000"/>
+        </a:spcBef>
+        <a:buFont typeface="Arial" panose="020B0604020202020204" pitchFamily="34" charset="0"/>
+        <a:buChar char="•"/>
+        <a:defRPr sz="2800" kern="1200">
+          <a:solidFill>
+            <a:schemeClr val="tx1"/>
+          </a:solidFill>
+          <a:latin typeface="+mn-lt"/>
+          <a:ea typeface="+mn-ea"/>
+          <a:cs typeface="+mn-cs"/>
+        </a:defRPr>
+      </a:lvl1pPr>
+      <a:lvl2pPr marL="685800" indent="-228600" algn="l" defTabSz="914400" rtl="0" eaLnBrk="1" latinLnBrk="0" hangingPunct="1">
+        <a:lnSpc>
+          <a:spcPct val="90000"/>
+        </a:lnSpc>
+        <a:spcBef>
+          <a:spcPts val="500"/>
+        </a:spcBef>
+        <a:buFont typeface="Arial" panose="020B0604020202020204" pitchFamily="34" charset="0"/>
+        <a:buChar char="•"/>
+        <a:defRPr sz="2400" kern="1200">
+          <a:solidFill>
+            <a:schemeClr val="tx1"/>
+          </a:solidFill>
+          <a:latin typeface="+mn-lt"/>
+          <a:ea typeface="+mn-ea"/>
+          <a:cs typeface="+mn-cs"/>
+        </a:defRPr>
+      </a:lvl2pPr>
+      <a:lvl3pPr marL="1143000" indent="-228600" algn="l" defTabSz="914400" rtl="0" eaLnBrk="1" latinLnBrk="0" hangingPunct="1">
+        <a:lnSpc>
+          <a:spcPct val="90000"/>
+        </a:lnSpc>
+        <a:spcBef>
+          <a:spcPts val="500"/>
+        </a:spcBef>
+        <a:buFont typeface="Arial" panose="020B0604020202020204" pitchFamily="34" charset="0"/>
+        <a:buChar char="•"/>
+        <a:defRPr sz="2000" kern="1200">
+          <a:solidFill>
+            <a:schemeClr val="tx1"/>
+          </a:solidFill>
+          <a:latin typeface="+mn-lt"/>
+          <a:ea typeface="+mn-ea"/>
+          <a:cs typeface="+mn-cs"/>
+        </a:defRPr>
+      </a:lvl3pPr>
+      <a:lvl4pPr marL="1600200" indent="-228600" algn="l" defTabSz="914400" rtl="0" eaLnBrk="1" latinLnBrk="0" hangingPunct="1">
+        <a:lnSpc>
+          <a:spcPct val="90000"/>
+        </a:lnSpc>
+        <a:spcBef>
+          <a:spcPts val="500"/>
+        </a:spcBef>
+        <a:buFont typeface="Arial" panose="020B0604020202020204" pitchFamily="34" charset="0"/>
+        <a:buChar char="•"/>
+        <a:defRPr sz="1800" kern="1200">
+          <a:solidFill>
+            <a:schemeClr val="tx1"/>
+          </a:solidFill>
+          <a:latin typeface="+mn-lt"/>
+          <a:ea typeface="+mn-ea"/>
+          <a:cs typeface="+mn-cs"/>
+        </a:defRPr>
+      </a:lvl4pPr>
+      <a:lvl5pPr marL="2057400" indent="-228600" algn="l" defTabSz="914400" rtl="0" eaLnBrk="1" latinLnBrk="0" hangingPunct="1">
+        <a:lnSpc>
+          <a:spcPct val="90000"/>
+        </a:lnSpc>
+        <a:spcBef>
+          <a:spcPts val="500"/>
+        </a:spcBef>
+        <a:buFont typeface="Arial" panose="020B0604020202020204" pitchFamily="34" charset="0"/>
+        <a:buChar char="•"/>
+        <a:defRPr sz="1800" kern="1200">
+          <a:solidFill>
+            <a:schemeClr val="tx1"/>
+          </a:solidFill>
+          <a:latin typeface="+mn-lt"/>
+          <a:ea typeface="+mn-ea"/>
+          <a:cs typeface="+mn-cs"/>
+        </a:defRPr>
+      </a:lvl5pPr>
+      <a:lvl6pPr marL="2514600" indent="-228600" algn="l" defTabSz="914400" rtl="0" eaLnBrk="1" latinLnBrk="0" hangingPunct="1">
+        <a:lnSpc>
+          <a:spcPct val="90000"/>
+        </a:lnSpc>
+        <a:spcBef>
+          <a:spcPts val="500"/>
+        </a:spcBef>
+        <a:buFont typeface="Arial" panose="020B0604020202020204" pitchFamily="34" charset="0"/>
+        <a:buChar char="•"/>
+        <a:defRPr sz="1800" kern="1200">
+          <a:solidFill>
+            <a:schemeClr val="tx1"/>
+          </a:solidFill>
+          <a:latin typeface="+mn-lt"/>
+          <a:ea typeface="+mn-ea"/>
+          <a:cs typeface="+mn-cs"/>
+        </a:defRPr>
+      </a:lvl6pPr>
+      <a:lvl7pPr marL="2971800" indent="-228600" algn="l" defTabSz="914400" rtl="0" eaLnBrk="1" latinLnBrk="0" hangingPunct="1">
+        <a:lnSpc>
+          <a:spcPct val="90000"/>
+        </a:lnSpc>
+        <a:spcBef>
+          <a:spcPts val="500"/>
+        </a:spcBef>
+        <a:buFont typeface="Arial" panose="020B0604020202020204" pitchFamily="34" charset="0"/>
+        <a:buChar char="•"/>
+        <a:defRPr sz="1800" kern="1200">
+          <a:solidFill>
+            <a:schemeClr val="tx1"/>
+          </a:solidFill>
+          <a:latin typeface="+mn-lt"/>
+          <a:ea typeface="+mn-ea"/>
+          <a:cs typeface="+mn-cs"/>
+        </a:defRPr>
+      </a:lvl7pPr>
+      <a:lvl8pPr marL="3429000" indent="-228600" algn="l" defTabSz="914400" rtl="0" eaLnBrk="1" latinLnBrk="0" hangingPunct="1">
+        <a:lnSpc>
+          <a:spcPct val="90000"/>
+        </a:lnSpc>
+        <a:spcBef>
+          <a:spcPts val="500"/>
+        </a:spcBef>
+        <a:buFont typeface="Arial" panose="020B0604020202020204" pitchFamily="34" charset="0"/>
+        <a:buChar char="•"/>
+        <a:defRPr sz="1800" kern="1200">
+          <a:solidFill>
+            <a:schemeClr val="tx1"/>
+          </a:solidFill>
+          <a:latin typeface="+mn-lt"/>
+          <a:ea typeface="+mn-ea"/>
+          <a:cs typeface="+mn-cs"/>
+        </a:defRPr>
+      </a:lvl8pPr>
+      <a:lvl9pPr marL="3886200" indent="-228600" algn="l" defTabSz="914400" rtl="0" eaLnBrk="1" latinLnBrk="0" hangingPunct="1">
+        <a:lnSpc>
+          <a:spcPct val="90000"/>
+        </a:lnSpc>
+        <a:spcBef>
+          <a:spcPts val="500"/>
+        </a:spcBef>
+        <a:buFont typeface="Arial" panose="020B0604020202020204" pitchFamily="34" charset="0"/>
+        <a:buChar char="•"/>
+        <a:defRPr sz="1800" kern="1200">
+          <a:solidFill>
+            <a:schemeClr val="tx1"/>
+          </a:solidFill>
+          <a:latin typeface="+mn-lt"/>
+          <a:ea typeface="+mn-ea"/>
+          <a:cs typeface="+mn-cs"/>
+        </a:defRPr>
+      </a:lvl9pPr>
+    </p:bodyStyle>
+    <p:otherStyle>
+      <a:defPPr>
+        <a:defRPr lang="en-US"/>
+      </a:defPPr>
+      <a:lvl1pPr marL="0" algn="l" defTabSz="914400" rtl="0" eaLnBrk="1" latinLnBrk="0" hangingPunct="1">
+        <a:defRPr sz="1800" kern="1200">
+          <a:solidFill>
+            <a:schemeClr val="tx1"/>
+          </a:solidFill>
+          <a:latin typeface="+mn-lt"/>
+          <a:ea typeface="+mn-ea"/>
+          <a:cs typeface="+mn-cs"/>
+        </a:defRPr>
+      </a:lvl1pPr>
+      <a:lvl2pPr marL="457200" algn="l" defTabSz="914400" rtl="0" eaLnBrk="1" latinLnBrk="0" hangingPunct="1">
+        <a:defRPr sz="1800" kern="1200">
+          <a:solidFill>
+            <a:schemeClr val="tx1"/>
+          </a:solidFill>
+          <a:latin typeface="+mn-lt"/>
+          <a:ea typeface="+mn-ea"/>
+          <a:cs typeface="+mn-cs"/>
+        </a:defRPr>
+      </a:lvl2pPr>
+      <a:lvl3pPr marL="914400" algn="l" defTabSz="914400" rtl="0" eaLnBrk="1" latinLnBrk="0" hangingPunct="1">
+        <a:defRPr sz="1800" kern="1200">
+          <a:solidFill>
+            <a:schemeClr val="tx1"/>
+          </a:solidFill>
+          <a:latin typeface="+mn-lt"/>
+          <a:ea typeface="+mn-ea"/>
+          <a:cs typeface="+mn-cs"/>
+        </a:defRPr>
+      </a:lvl3pPr>
+      <a:lvl4pPr marL="1371600" algn="l" defTabSz="914400" rtl="0" eaLnBrk="1" latinLnBrk="0" hangingPunct="1">
+        <a:defRPr sz="1800" kern="1200">
+          <a:solidFill>
+            <a:schemeClr val="tx1"/>
+          </a:solidFill>
+          <a:latin typeface="+mn-lt"/>
+          <a:ea typeface="+mn-ea"/>
+          <a:cs typeface="+mn-cs"/>
+        </a:defRPr>
+      </a:lvl4pPr>
+      <a:lvl5pPr marL="1828800" algn="l" defTabSz="914400" rtl="0" eaLnBrk="1" latinLnBrk="0" hangingPunct="1">
+        <a:defRPr sz="1800" kern="1200">
+          <a:solidFill>
+            <a:schemeClr val="tx1"/>
+          </a:solidFill>
+          <a:latin typeface="+mn-lt"/>
+          <a:ea typeface="+mn-ea"/>
+          <a:cs typeface="+mn-cs"/>
+        </a:defRPr>
+      </a:lvl5pPr>
+      <a:lvl6pPr marL="2286000" algn="l" defTabSz="914400" rtl="0" eaLnBrk="1" latinLnBrk="0" hangingPunct="1">
+        <a:defRPr sz="1800" kern="1200">
+          <a:solidFill>
+            <a:schemeClr val="tx1"/>
+          </a:solidFill>
+          <a:latin typeface="+mn-lt"/>
+          <a:ea typeface="+mn-ea"/>
+          <a:cs typeface="+mn-cs"/>
+        </a:defRPr>
+      </a:lvl6pPr>
+      <a:lvl7pPr marL="2743200" algn="l" defTabSz="914400" rtl="0" eaLnBrk="1" latinLnBrk="0" hangingPunct="1">
+        <a:defRPr sz="1800" kern="1200">
+          <a:solidFill>
+            <a:schemeClr val="tx1"/>
+          </a:solidFill>
+          <a:latin typeface="+mn-lt"/>
+          <a:ea typeface="+mn-ea"/>
+          <a:cs typeface="+mn-cs"/>
+        </a:defRPr>
+      </a:lvl7pPr>
+      <a:lvl8pPr marL="3200400" algn="l" defTabSz="914400" rtl="0" eaLnBrk="1" latinLnBrk="0" hangingPunct="1">
+        <a:defRPr sz="1800" kern="1200">
+          <a:solidFill>
+            <a:schemeClr val="tx1"/>
+          </a:solidFill>
+          <a:latin typeface="+mn-lt"/>
+          <a:ea typeface="+mn-ea"/>
+          <a:cs typeface="+mn-cs"/>
+        </a:defRPr>
+      </a:lvl8pPr>
+      <a:lvl9pPr marL="3657600" algn="l" defTabSz="914400" rtl="0" eaLnBrk="1" latinLnBrk="0" hangingPunct="1">
+        <a:defRPr sz="1800" kern="1200">
+          <a:solidFill>
+            <a:schemeClr val="tx1"/>
+          </a:solidFill>
+          <a:latin typeface="+mn-lt"/>
+          <a:ea typeface="+mn-ea"/>
+          <a:cs typeface="+mn-cs"/>
+        </a:defRPr>
+      </a:lvl9pPr>
+    </p:otherStyle>
+  </p:txStyles>
 </p:sldMaster>
 </file>
 
 <file path=ppt/slideMasters/slideMaster2.xml><?xml version="1.0" encoding="utf-8"?>
-<p:sldMaster xmlns:a="http://schemas.openxmlformats.org/drawingml/2006/main" xmlns:p="http://schemas.openxmlformats.org/presentationml/2006/main" xmlns:r="http://schemas.openxmlformats.org/officeDocument/2006/relationships" xmlns:p14="http://schemas.microsoft.com/office/powerpoint/2010/main" xmlns:p15="http://schemas.microsoft.com/office/powerpoint/2012/main" xmlns:mc="http://schemas.openxmlformats.org/markup-compatibility/2006">
+<p:sldMaster xmlns:a="http://schemas.openxmlformats.org/drawingml/2006/main" xmlns:r="http://schemas.openxmlformats.org/officeDocument/2006/relationships" xmlns:p="http://schemas.openxmlformats.org/presentationml/2006/main">
   <p:cSld>
     <p:bg>
       <p:bgPr>
         <a:solidFill>
-          <a:srgbClr val="ffffff"/>
+          <a:srgbClr val="FFFFFF"/>
         </a:solidFill>
+        <a:effectLst/>
       </p:bgPr>
     </p:bg>
     <p:spTree>
@@ -7284,7 +7913,7 @@
             <a:prstGeom prst="line">
               <a:avLst/>
             </a:prstGeom>
-            <a:ln cap="rnd" w="9360">
+            <a:ln w="9360" cap="rnd">
               <a:solidFill>
                 <a:schemeClr val="bg1">
                   <a:lumMod val="75000"/>
@@ -7320,7 +7949,7 @@
             <a:prstGeom prst="line">
               <a:avLst/>
             </a:prstGeom>
-            <a:ln cap="rnd" w="9360">
+            <a:ln w="9360" cap="rnd">
               <a:solidFill>
                 <a:schemeClr val="bg1">
                   <a:lumMod val="85000"/>
@@ -7357,6 +7986,7 @@
               <a:avLst/>
               <a:gdLst/>
               <a:ahLst/>
+              <a:cxnLst/>
               <a:rect l="l" t="t" r="r" b="b"/>
               <a:pathLst>
                 <a:path w="3007349" h="6866467">
@@ -7388,7 +8018,7 @@
               <a:noFill/>
             </a:ln>
             <a:effectLst>
-              <a:outerShdw blurRad="38100" dir="5400000" dist="25560" rotWithShape="0">
+              <a:outerShdw blurRad="38100" dist="25560" dir="5400000" rotWithShape="0">
                 <a:srgbClr val="000000">
                   <a:alpha val="35000"/>
                 </a:srgbClr>
@@ -7423,6 +8053,7 @@
               <a:avLst/>
               <a:gdLst/>
               <a:ahLst/>
+              <a:cxnLst/>
               <a:rect l="l" t="t" r="r" b="b"/>
               <a:pathLst>
                 <a:path w="2573311" h="6866467">
@@ -7454,7 +8085,7 @@
               <a:noFill/>
             </a:ln>
             <a:effectLst>
-              <a:outerShdw blurRad="38100" dir="5400000" dist="25560" rotWithShape="0">
+              <a:outerShdw blurRad="38100" dist="25560" dir="5400000" rotWithShape="0">
                 <a:srgbClr val="000000">
                   <a:alpha val="35000"/>
                 </a:srgbClr>
@@ -7499,7 +8130,7 @@
               <a:noFill/>
             </a:ln>
             <a:effectLst>
-              <a:outerShdw blurRad="38100" dir="5400000" dist="25560" rotWithShape="0">
+              <a:outerShdw blurRad="38100" dist="25560" dir="5400000" rotWithShape="0">
                 <a:srgbClr val="000000">
                   <a:alpha val="35000"/>
                 </a:srgbClr>
@@ -7534,6 +8165,7 @@
               <a:avLst/>
               <a:gdLst/>
               <a:ahLst/>
+              <a:cxnLst/>
               <a:rect l="l" t="t" r="r" b="b"/>
               <a:pathLst>
                 <a:path w="2858013" h="6866467">
@@ -7566,7 +8198,7 @@
               <a:noFill/>
             </a:ln>
             <a:effectLst>
-              <a:outerShdw blurRad="38100" dir="5400000" dist="25560" rotWithShape="0">
+              <a:outerShdw blurRad="38100" dist="25560" dir="5400000" rotWithShape="0">
                 <a:srgbClr val="000000">
                   <a:alpha val="35000"/>
                 </a:srgbClr>
@@ -7601,6 +8233,7 @@
               <a:avLst/>
               <a:gdLst/>
               <a:ahLst/>
+              <a:cxnLst/>
               <a:rect l="l" t="t" r="r" b="b"/>
               <a:pathLst>
                 <a:path w="1290094" h="6858000">
@@ -7634,7 +8267,7 @@
               <a:noFill/>
             </a:ln>
             <a:effectLst>
-              <a:outerShdw blurRad="38100" dir="5400000" dist="25560" rotWithShape="0">
+              <a:outerShdw blurRad="38100" dist="25560" dir="5400000" rotWithShape="0">
                 <a:srgbClr val="000000">
                   <a:alpha val="35000"/>
                 </a:srgbClr>
@@ -7669,6 +8302,7 @@
               <a:avLst/>
               <a:gdLst/>
               <a:ahLst/>
+              <a:cxnLst/>
               <a:rect l="l" t="t" r="r" b="b"/>
               <a:pathLst>
                 <a:path w="1249825" h="6858000">
@@ -7700,7 +8334,7 @@
               <a:noFill/>
             </a:ln>
             <a:effectLst>
-              <a:outerShdw blurRad="38100" dir="5400000" dist="25560" rotWithShape="0">
+              <a:outerShdw blurRad="38100" dist="25560" dir="5400000" rotWithShape="0">
                 <a:srgbClr val="000000">
                   <a:alpha val="35000"/>
                 </a:srgbClr>
@@ -7745,7 +8379,7 @@
               <a:noFill/>
             </a:ln>
             <a:effectLst>
-              <a:outerShdw blurRad="38100" dir="5400000" dist="25560" rotWithShape="0">
+              <a:outerShdw blurRad="38100" dist="25560" dir="5400000" rotWithShape="0">
                 <a:srgbClr val="000000">
                   <a:alpha val="35000"/>
                 </a:srgbClr>
@@ -7790,7 +8424,7 @@
               <a:noFill/>
             </a:ln>
             <a:effectLst>
-              <a:outerShdw blurRad="38100" dir="5400000" dist="25560" rotWithShape="0">
+              <a:outerShdw blurRad="38100" dist="25560" dir="5400000" rotWithShape="0">
                 <a:srgbClr val="000000">
                   <a:alpha val="35000"/>
                 </a:srgbClr>
@@ -7839,7 +8473,7 @@
             <a:prstGeom prst="line">
               <a:avLst/>
             </a:prstGeom>
-            <a:ln cap="rnd" w="9360">
+            <a:ln w="9360" cap="rnd">
               <a:solidFill>
                 <a:schemeClr val="bg1">
                   <a:lumMod val="75000"/>
@@ -7875,7 +8509,7 @@
             <a:prstGeom prst="line">
               <a:avLst/>
             </a:prstGeom>
-            <a:ln cap="rnd" w="9360">
+            <a:ln w="9360" cap="rnd">
               <a:solidFill>
                 <a:schemeClr val="bg1">
                   <a:lumMod val="85000"/>
@@ -7912,6 +8546,7 @@
               <a:avLst/>
               <a:gdLst/>
               <a:ahLst/>
+              <a:cxnLst/>
               <a:rect l="l" t="t" r="r" b="b"/>
               <a:pathLst>
                 <a:path w="3007349" h="6866467">
@@ -7943,7 +8578,7 @@
               <a:noFill/>
             </a:ln>
             <a:effectLst>
-              <a:outerShdw blurRad="38100" dir="5400000" dist="25560" rotWithShape="0">
+              <a:outerShdw blurRad="38100" dist="25560" dir="5400000" rotWithShape="0">
                 <a:srgbClr val="000000">
                   <a:alpha val="35000"/>
                 </a:srgbClr>
@@ -7978,6 +8613,7 @@
               <a:avLst/>
               <a:gdLst/>
               <a:ahLst/>
+              <a:cxnLst/>
               <a:rect l="l" t="t" r="r" b="b"/>
               <a:pathLst>
                 <a:path w="2573311" h="6866467">
@@ -8009,7 +8645,7 @@
               <a:noFill/>
             </a:ln>
             <a:effectLst>
-              <a:outerShdw blurRad="38100" dir="5400000" dist="25560" rotWithShape="0">
+              <a:outerShdw blurRad="38100" dist="25560" dir="5400000" rotWithShape="0">
                 <a:srgbClr val="000000">
                   <a:alpha val="35000"/>
                 </a:srgbClr>
@@ -8054,7 +8690,7 @@
               <a:noFill/>
             </a:ln>
             <a:effectLst>
-              <a:outerShdw blurRad="38100" dir="5400000" dist="25560" rotWithShape="0">
+              <a:outerShdw blurRad="38100" dist="25560" dir="5400000" rotWithShape="0">
                 <a:srgbClr val="000000">
                   <a:alpha val="35000"/>
                 </a:srgbClr>
@@ -8089,6 +8725,7 @@
               <a:avLst/>
               <a:gdLst/>
               <a:ahLst/>
+              <a:cxnLst/>
               <a:rect l="l" t="t" r="r" b="b"/>
               <a:pathLst>
                 <a:path w="2858013" h="6866467">
@@ -8121,7 +8758,7 @@
               <a:noFill/>
             </a:ln>
             <a:effectLst>
-              <a:outerShdw blurRad="38100" dir="5400000" dist="25560" rotWithShape="0">
+              <a:outerShdw blurRad="38100" dist="25560" dir="5400000" rotWithShape="0">
                 <a:srgbClr val="000000">
                   <a:alpha val="35000"/>
                 </a:srgbClr>
@@ -8156,6 +8793,7 @@
               <a:avLst/>
               <a:gdLst/>
               <a:ahLst/>
+              <a:cxnLst/>
               <a:rect l="l" t="t" r="r" b="b"/>
               <a:pathLst>
                 <a:path w="1290094" h="6858000">
@@ -8189,7 +8827,7 @@
               <a:noFill/>
             </a:ln>
             <a:effectLst>
-              <a:outerShdw blurRad="38100" dir="5400000" dist="25560" rotWithShape="0">
+              <a:outerShdw blurRad="38100" dist="25560" dir="5400000" rotWithShape="0">
                 <a:srgbClr val="000000">
                   <a:alpha val="35000"/>
                 </a:srgbClr>
@@ -8224,6 +8862,7 @@
               <a:avLst/>
               <a:gdLst/>
               <a:ahLst/>
+              <a:cxnLst/>
               <a:rect l="l" t="t" r="r" b="b"/>
               <a:pathLst>
                 <a:path w="1249825" h="6858000">
@@ -8255,7 +8894,7 @@
               <a:noFill/>
             </a:ln>
             <a:effectLst>
-              <a:outerShdw blurRad="38100" dir="5400000" dist="25560" rotWithShape="0">
+              <a:outerShdw blurRad="38100" dist="25560" dir="5400000" rotWithShape="0">
                 <a:srgbClr val="000000">
                   <a:alpha val="35000"/>
                 </a:srgbClr>
@@ -8300,7 +8939,7 @@
               <a:noFill/>
             </a:ln>
             <a:effectLst>
-              <a:outerShdw blurRad="38100" dir="5400000" dist="25560" rotWithShape="0">
+              <a:outerShdw blurRad="38100" dist="25560" dir="5400000" rotWithShape="0">
                 <a:srgbClr val="000000">
                   <a:alpha val="35000"/>
                 </a:srgbClr>
@@ -8345,7 +8984,7 @@
               <a:noFill/>
             </a:ln>
             <a:effectLst>
-              <a:outerShdw blurRad="38100" dir="5400000" dist="25560" rotWithShape="0">
+              <a:outerShdw blurRad="38100" dist="25560" dir="5400000" rotWithShape="0">
                 <a:srgbClr val="000000">
                   <a:alpha val="35000"/>
                 </a:srgbClr>
@@ -8386,13 +9025,14 @@
           </a:prstGeom>
         </p:spPr>
         <p:txBody>
-          <a:bodyPr lIns="0" rIns="0" tIns="0" bIns="0" anchor="ctr">
+          <a:bodyPr lIns="0" tIns="0" rIns="0" bIns="0" anchor="ctr">
             <a:noAutofit/>
           </a:bodyPr>
+          <a:lstStyle/>
           <a:p>
             <a:pPr algn="ctr"/>
             <a:r>
-              <a:rPr b="0" lang="en-US" sz="4400" spc="-1" strike="noStrike">
+              <a:rPr lang="en-US" sz="4400" b="0" strike="noStrike" spc="-1">
                 <a:solidFill>
                   <a:srgbClr val="000000"/>
                 </a:solidFill>
@@ -8400,12 +9040,6 @@
               </a:rPr>
               <a:t>Click to edit the title text format</a:t>
             </a:r>
-            <a:endParaRPr b="0" lang="en-US" sz="4400" spc="-1" strike="noStrike">
-              <a:solidFill>
-                <a:srgbClr val="000000"/>
-              </a:solidFill>
-              <a:latin typeface="Arial"/>
-            </a:endParaRPr>
           </a:p>
         </p:txBody>
       </p:sp>
@@ -8429,9 +9063,10 @@
           </a:prstGeom>
         </p:spPr>
         <p:txBody>
-          <a:bodyPr lIns="0" rIns="0" tIns="0" bIns="0">
+          <a:bodyPr lIns="0" tIns="0" rIns="0" bIns="0">
             <a:normAutofit/>
           </a:bodyPr>
+          <a:lstStyle/>
           <a:p>
             <a:pPr marL="432000" indent="-324000">
               <a:spcBef>
@@ -8445,7 +9080,7 @@
               <a:buChar char=""/>
             </a:pPr>
             <a:r>
-              <a:rPr b="0" lang="en-US" sz="2800" spc="-1" strike="noStrike">
+              <a:rPr lang="en-US" sz="2800" b="0" strike="noStrike" spc="-1">
                 <a:solidFill>
                   <a:srgbClr val="000000"/>
                 </a:solidFill>
@@ -8453,15 +9088,9 @@
               </a:rPr>
               <a:t>Click to edit the outline text format</a:t>
             </a:r>
-            <a:endParaRPr b="0" lang="en-US" sz="2800" spc="-1" strike="noStrike">
-              <a:solidFill>
-                <a:srgbClr val="000000"/>
-              </a:solidFill>
-              <a:latin typeface="Arial"/>
-            </a:endParaRPr>
-          </a:p>
-          <a:p>
-            <a:pPr lvl="1" marL="864000" indent="-324000">
+          </a:p>
+          <a:p>
+            <a:pPr marL="864000" lvl="1" indent="-324000">
               <a:spcBef>
                 <a:spcPts val="1134"/>
               </a:spcBef>
@@ -8473,7 +9102,7 @@
               <a:buChar char=""/>
             </a:pPr>
             <a:r>
-              <a:rPr b="0" lang="en-US" sz="2000" spc="-1" strike="noStrike">
+              <a:rPr lang="en-US" sz="2000" b="0" strike="noStrike" spc="-1">
                 <a:solidFill>
                   <a:srgbClr val="000000"/>
                 </a:solidFill>
@@ -8481,15 +9110,9 @@
               </a:rPr>
               <a:t>Second Outline Level</a:t>
             </a:r>
-            <a:endParaRPr b="0" lang="en-US" sz="2000" spc="-1" strike="noStrike">
-              <a:solidFill>
-                <a:srgbClr val="000000"/>
-              </a:solidFill>
-              <a:latin typeface="Arial"/>
-            </a:endParaRPr>
-          </a:p>
-          <a:p>
-            <a:pPr lvl="2" marL="1296000" indent="-288000">
+          </a:p>
+          <a:p>
+            <a:pPr marL="1296000" lvl="2" indent="-288000">
               <a:spcBef>
                 <a:spcPts val="850"/>
               </a:spcBef>
@@ -8501,7 +9124,7 @@
               <a:buChar char=""/>
             </a:pPr>
             <a:r>
-              <a:rPr b="0" lang="en-US" sz="1800" spc="-1" strike="noStrike">
+              <a:rPr lang="en-US" sz="1800" b="0" strike="noStrike" spc="-1">
                 <a:solidFill>
                   <a:srgbClr val="000000"/>
                 </a:solidFill>
@@ -8509,15 +9132,9 @@
               </a:rPr>
               <a:t>Third Outline Level</a:t>
             </a:r>
-            <a:endParaRPr b="0" lang="en-US" sz="1800" spc="-1" strike="noStrike">
-              <a:solidFill>
-                <a:srgbClr val="000000"/>
-              </a:solidFill>
-              <a:latin typeface="Arial"/>
-            </a:endParaRPr>
-          </a:p>
-          <a:p>
-            <a:pPr lvl="3" marL="1728000" indent="-216000">
+          </a:p>
+          <a:p>
+            <a:pPr marL="1728000" lvl="3" indent="-216000">
               <a:spcBef>
                 <a:spcPts val="567"/>
               </a:spcBef>
@@ -8529,7 +9146,7 @@
               <a:buChar char=""/>
             </a:pPr>
             <a:r>
-              <a:rPr b="0" lang="en-US" sz="1800" spc="-1" strike="noStrike">
+              <a:rPr lang="en-US" sz="1800" b="0" strike="noStrike" spc="-1">
                 <a:solidFill>
                   <a:srgbClr val="000000"/>
                 </a:solidFill>
@@ -8537,15 +9154,9 @@
               </a:rPr>
               <a:t>Fourth Outline Level</a:t>
             </a:r>
-            <a:endParaRPr b="0" lang="en-US" sz="1800" spc="-1" strike="noStrike">
-              <a:solidFill>
-                <a:srgbClr val="000000"/>
-              </a:solidFill>
-              <a:latin typeface="Arial"/>
-            </a:endParaRPr>
-          </a:p>
-          <a:p>
-            <a:pPr lvl="4" marL="2160000" indent="-216000">
+          </a:p>
+          <a:p>
+            <a:pPr marL="2160000" lvl="4" indent="-216000">
               <a:spcBef>
                 <a:spcPts val="283"/>
               </a:spcBef>
@@ -8557,7 +9168,7 @@
               <a:buChar char=""/>
             </a:pPr>
             <a:r>
-              <a:rPr b="0" lang="en-US" sz="2000" spc="-1" strike="noStrike">
+              <a:rPr lang="en-US" sz="2000" b="0" strike="noStrike" spc="-1">
                 <a:solidFill>
                   <a:srgbClr val="000000"/>
                 </a:solidFill>
@@ -8565,15 +9176,9 @@
               </a:rPr>
               <a:t>Fifth Outline Level</a:t>
             </a:r>
-            <a:endParaRPr b="0" lang="en-US" sz="2000" spc="-1" strike="noStrike">
-              <a:solidFill>
-                <a:srgbClr val="000000"/>
-              </a:solidFill>
-              <a:latin typeface="Arial"/>
-            </a:endParaRPr>
-          </a:p>
-          <a:p>
-            <a:pPr lvl="5" marL="2592000" indent="-216000">
+          </a:p>
+          <a:p>
+            <a:pPr marL="2592000" lvl="5" indent="-216000">
               <a:spcBef>
                 <a:spcPts val="283"/>
               </a:spcBef>
@@ -8585,7 +9190,7 @@
               <a:buChar char=""/>
             </a:pPr>
             <a:r>
-              <a:rPr b="0" lang="en-US" sz="2000" spc="-1" strike="noStrike">
+              <a:rPr lang="en-US" sz="2000" b="0" strike="noStrike" spc="-1">
                 <a:solidFill>
                   <a:srgbClr val="000000"/>
                 </a:solidFill>
@@ -8593,15 +9198,9 @@
               </a:rPr>
               <a:t>Sixth Outline Level</a:t>
             </a:r>
-            <a:endParaRPr b="0" lang="en-US" sz="2000" spc="-1" strike="noStrike">
-              <a:solidFill>
-                <a:srgbClr val="000000"/>
-              </a:solidFill>
-              <a:latin typeface="Arial"/>
-            </a:endParaRPr>
-          </a:p>
-          <a:p>
-            <a:pPr lvl="6" marL="3024000" indent="-216000">
+          </a:p>
+          <a:p>
+            <a:pPr marL="3024000" lvl="6" indent="-216000">
               <a:spcBef>
                 <a:spcPts val="283"/>
               </a:spcBef>
@@ -8613,7 +9212,7 @@
               <a:buChar char=""/>
             </a:pPr>
             <a:r>
-              <a:rPr b="0" lang="en-US" sz="2000" spc="-1" strike="noStrike">
+              <a:rPr lang="en-US" sz="2000" b="0" strike="noStrike" spc="-1">
                 <a:solidFill>
                   <a:srgbClr val="000000"/>
                 </a:solidFill>
@@ -8621,43 +9220,318 @@
               </a:rPr>
               <a:t>Seventh Outline Level</a:t>
             </a:r>
-            <a:endParaRPr b="0" lang="en-US" sz="2000" spc="-1" strike="noStrike">
-              <a:solidFill>
-                <a:srgbClr val="000000"/>
-              </a:solidFill>
-              <a:latin typeface="Arial"/>
-            </a:endParaRPr>
           </a:p>
         </p:txBody>
       </p:sp>
     </p:spTree>
   </p:cSld>
-  <p:clrMap bg1="lt1" bg2="lt2" tx1="dk1" tx2="dk2" accent1="accent1" accent2="accent2" accent3="accent3" accent4="accent4" accent5="accent5" accent6="accent6" hlink="hlink" folHlink="folHlink"/>
+  <p:clrMap bg1="lt1" tx1="dk1" bg2="lt2" tx2="dk2" accent1="accent1" accent2="accent2" accent3="accent3" accent4="accent4" accent5="accent5" accent6="accent6" hlink="hlink" folHlink="folHlink"/>
   <p:sldLayoutIdLst>
-    <p:sldLayoutId id="2147483662" r:id="rId2"/>
-    <p:sldLayoutId id="2147483663" r:id="rId3"/>
-    <p:sldLayoutId id="2147483664" r:id="rId4"/>
-    <p:sldLayoutId id="2147483665" r:id="rId5"/>
-    <p:sldLayoutId id="2147483666" r:id="rId6"/>
-    <p:sldLayoutId id="2147483667" r:id="rId7"/>
-    <p:sldLayoutId id="2147483668" r:id="rId8"/>
-    <p:sldLayoutId id="2147483669" r:id="rId9"/>
-    <p:sldLayoutId id="2147483670" r:id="rId10"/>
-    <p:sldLayoutId id="2147483671" r:id="rId11"/>
-    <p:sldLayoutId id="2147483672" r:id="rId12"/>
-    <p:sldLayoutId id="2147483673" r:id="rId13"/>
+    <p:sldLayoutId id="2147483662" r:id="rId1"/>
+    <p:sldLayoutId id="2147483663" r:id="rId2"/>
+    <p:sldLayoutId id="2147483664" r:id="rId3"/>
+    <p:sldLayoutId id="2147483665" r:id="rId4"/>
+    <p:sldLayoutId id="2147483666" r:id="rId5"/>
+    <p:sldLayoutId id="2147483667" r:id="rId6"/>
+    <p:sldLayoutId id="2147483668" r:id="rId7"/>
+    <p:sldLayoutId id="2147483669" r:id="rId8"/>
+    <p:sldLayoutId id="2147483670" r:id="rId9"/>
+    <p:sldLayoutId id="2147483671" r:id="rId10"/>
+    <p:sldLayoutId id="2147483672" r:id="rId11"/>
+    <p:sldLayoutId id="2147483673" r:id="rId12"/>
   </p:sldLayoutIdLst>
+  <p:txStyles>
+    <p:titleStyle>
+      <a:lvl1pPr algn="l" defTabSz="914400" rtl="0" eaLnBrk="1" latinLnBrk="0" hangingPunct="1">
+        <a:lnSpc>
+          <a:spcPct val="90000"/>
+        </a:lnSpc>
+        <a:spcBef>
+          <a:spcPct val="0"/>
+        </a:spcBef>
+        <a:buNone/>
+        <a:defRPr sz="4400" kern="1200">
+          <a:solidFill>
+            <a:schemeClr val="tx1"/>
+          </a:solidFill>
+          <a:latin typeface="+mj-lt"/>
+          <a:ea typeface="+mj-ea"/>
+          <a:cs typeface="+mj-cs"/>
+        </a:defRPr>
+      </a:lvl1pPr>
+    </p:titleStyle>
+    <p:bodyStyle>
+      <a:lvl1pPr marL="228600" indent="-228600" algn="l" defTabSz="914400" rtl="0" eaLnBrk="1" latinLnBrk="0" hangingPunct="1">
+        <a:lnSpc>
+          <a:spcPct val="90000"/>
+        </a:lnSpc>
+        <a:spcBef>
+          <a:spcPts val="1000"/>
+        </a:spcBef>
+        <a:buFont typeface="Arial" panose="020B0604020202020204" pitchFamily="34" charset="0"/>
+        <a:buChar char="•"/>
+        <a:defRPr sz="2800" kern="1200">
+          <a:solidFill>
+            <a:schemeClr val="tx1"/>
+          </a:solidFill>
+          <a:latin typeface="+mn-lt"/>
+          <a:ea typeface="+mn-ea"/>
+          <a:cs typeface="+mn-cs"/>
+        </a:defRPr>
+      </a:lvl1pPr>
+      <a:lvl2pPr marL="685800" indent="-228600" algn="l" defTabSz="914400" rtl="0" eaLnBrk="1" latinLnBrk="0" hangingPunct="1">
+        <a:lnSpc>
+          <a:spcPct val="90000"/>
+        </a:lnSpc>
+        <a:spcBef>
+          <a:spcPts val="500"/>
+        </a:spcBef>
+        <a:buFont typeface="Arial" panose="020B0604020202020204" pitchFamily="34" charset="0"/>
+        <a:buChar char="•"/>
+        <a:defRPr sz="2400" kern="1200">
+          <a:solidFill>
+            <a:schemeClr val="tx1"/>
+          </a:solidFill>
+          <a:latin typeface="+mn-lt"/>
+          <a:ea typeface="+mn-ea"/>
+          <a:cs typeface="+mn-cs"/>
+        </a:defRPr>
+      </a:lvl2pPr>
+      <a:lvl3pPr marL="1143000" indent="-228600" algn="l" defTabSz="914400" rtl="0" eaLnBrk="1" latinLnBrk="0" hangingPunct="1">
+        <a:lnSpc>
+          <a:spcPct val="90000"/>
+        </a:lnSpc>
+        <a:spcBef>
+          <a:spcPts val="500"/>
+        </a:spcBef>
+        <a:buFont typeface="Arial" panose="020B0604020202020204" pitchFamily="34" charset="0"/>
+        <a:buChar char="•"/>
+        <a:defRPr sz="2000" kern="1200">
+          <a:solidFill>
+            <a:schemeClr val="tx1"/>
+          </a:solidFill>
+          <a:latin typeface="+mn-lt"/>
+          <a:ea typeface="+mn-ea"/>
+          <a:cs typeface="+mn-cs"/>
+        </a:defRPr>
+      </a:lvl3pPr>
+      <a:lvl4pPr marL="1600200" indent="-228600" algn="l" defTabSz="914400" rtl="0" eaLnBrk="1" latinLnBrk="0" hangingPunct="1">
+        <a:lnSpc>
+          <a:spcPct val="90000"/>
+        </a:lnSpc>
+        <a:spcBef>
+          <a:spcPts val="500"/>
+        </a:spcBef>
+        <a:buFont typeface="Arial" panose="020B0604020202020204" pitchFamily="34" charset="0"/>
+        <a:buChar char="•"/>
+        <a:defRPr sz="1800" kern="1200">
+          <a:solidFill>
+            <a:schemeClr val="tx1"/>
+          </a:solidFill>
+          <a:latin typeface="+mn-lt"/>
+          <a:ea typeface="+mn-ea"/>
+          <a:cs typeface="+mn-cs"/>
+        </a:defRPr>
+      </a:lvl4pPr>
+      <a:lvl5pPr marL="2057400" indent="-228600" algn="l" defTabSz="914400" rtl="0" eaLnBrk="1" latinLnBrk="0" hangingPunct="1">
+        <a:lnSpc>
+          <a:spcPct val="90000"/>
+        </a:lnSpc>
+        <a:spcBef>
+          <a:spcPts val="500"/>
+        </a:spcBef>
+        <a:buFont typeface="Arial" panose="020B0604020202020204" pitchFamily="34" charset="0"/>
+        <a:buChar char="•"/>
+        <a:defRPr sz="1800" kern="1200">
+          <a:solidFill>
+            <a:schemeClr val="tx1"/>
+          </a:solidFill>
+          <a:latin typeface="+mn-lt"/>
+          <a:ea typeface="+mn-ea"/>
+          <a:cs typeface="+mn-cs"/>
+        </a:defRPr>
+      </a:lvl5pPr>
+      <a:lvl6pPr marL="2514600" indent="-228600" algn="l" defTabSz="914400" rtl="0" eaLnBrk="1" latinLnBrk="0" hangingPunct="1">
+        <a:lnSpc>
+          <a:spcPct val="90000"/>
+        </a:lnSpc>
+        <a:spcBef>
+          <a:spcPts val="500"/>
+        </a:spcBef>
+        <a:buFont typeface="Arial" panose="020B0604020202020204" pitchFamily="34" charset="0"/>
+        <a:buChar char="•"/>
+        <a:defRPr sz="1800" kern="1200">
+          <a:solidFill>
+            <a:schemeClr val="tx1"/>
+          </a:solidFill>
+          <a:latin typeface="+mn-lt"/>
+          <a:ea typeface="+mn-ea"/>
+          <a:cs typeface="+mn-cs"/>
+        </a:defRPr>
+      </a:lvl6pPr>
+      <a:lvl7pPr marL="2971800" indent="-228600" algn="l" defTabSz="914400" rtl="0" eaLnBrk="1" latinLnBrk="0" hangingPunct="1">
+        <a:lnSpc>
+          <a:spcPct val="90000"/>
+        </a:lnSpc>
+        <a:spcBef>
+          <a:spcPts val="500"/>
+        </a:spcBef>
+        <a:buFont typeface="Arial" panose="020B0604020202020204" pitchFamily="34" charset="0"/>
+        <a:buChar char="•"/>
+        <a:defRPr sz="1800" kern="1200">
+          <a:solidFill>
+            <a:schemeClr val="tx1"/>
+          </a:solidFill>
+          <a:latin typeface="+mn-lt"/>
+          <a:ea typeface="+mn-ea"/>
+          <a:cs typeface="+mn-cs"/>
+        </a:defRPr>
+      </a:lvl7pPr>
+      <a:lvl8pPr marL="3429000" indent="-228600" algn="l" defTabSz="914400" rtl="0" eaLnBrk="1" latinLnBrk="0" hangingPunct="1">
+        <a:lnSpc>
+          <a:spcPct val="90000"/>
+        </a:lnSpc>
+        <a:spcBef>
+          <a:spcPts val="500"/>
+        </a:spcBef>
+        <a:buFont typeface="Arial" panose="020B0604020202020204" pitchFamily="34" charset="0"/>
+        <a:buChar char="•"/>
+        <a:defRPr sz="1800" kern="1200">
+          <a:solidFill>
+            <a:schemeClr val="tx1"/>
+          </a:solidFill>
+          <a:latin typeface="+mn-lt"/>
+          <a:ea typeface="+mn-ea"/>
+          <a:cs typeface="+mn-cs"/>
+        </a:defRPr>
+      </a:lvl8pPr>
+      <a:lvl9pPr marL="3886200" indent="-228600" algn="l" defTabSz="914400" rtl="0" eaLnBrk="1" latinLnBrk="0" hangingPunct="1">
+        <a:lnSpc>
+          <a:spcPct val="90000"/>
+        </a:lnSpc>
+        <a:spcBef>
+          <a:spcPts val="500"/>
+        </a:spcBef>
+        <a:buFont typeface="Arial" panose="020B0604020202020204" pitchFamily="34" charset="0"/>
+        <a:buChar char="•"/>
+        <a:defRPr sz="1800" kern="1200">
+          <a:solidFill>
+            <a:schemeClr val="tx1"/>
+          </a:solidFill>
+          <a:latin typeface="+mn-lt"/>
+          <a:ea typeface="+mn-ea"/>
+          <a:cs typeface="+mn-cs"/>
+        </a:defRPr>
+      </a:lvl9pPr>
+    </p:bodyStyle>
+    <p:otherStyle>
+      <a:defPPr>
+        <a:defRPr lang="en-US"/>
+      </a:defPPr>
+      <a:lvl1pPr marL="0" algn="l" defTabSz="914400" rtl="0" eaLnBrk="1" latinLnBrk="0" hangingPunct="1">
+        <a:defRPr sz="1800" kern="1200">
+          <a:solidFill>
+            <a:schemeClr val="tx1"/>
+          </a:solidFill>
+          <a:latin typeface="+mn-lt"/>
+          <a:ea typeface="+mn-ea"/>
+          <a:cs typeface="+mn-cs"/>
+        </a:defRPr>
+      </a:lvl1pPr>
+      <a:lvl2pPr marL="457200" algn="l" defTabSz="914400" rtl="0" eaLnBrk="1" latinLnBrk="0" hangingPunct="1">
+        <a:defRPr sz="1800" kern="1200">
+          <a:solidFill>
+            <a:schemeClr val="tx1"/>
+          </a:solidFill>
+          <a:latin typeface="+mn-lt"/>
+          <a:ea typeface="+mn-ea"/>
+          <a:cs typeface="+mn-cs"/>
+        </a:defRPr>
+      </a:lvl2pPr>
+      <a:lvl3pPr marL="914400" algn="l" defTabSz="914400" rtl="0" eaLnBrk="1" latinLnBrk="0" hangingPunct="1">
+        <a:defRPr sz="1800" kern="1200">
+          <a:solidFill>
+            <a:schemeClr val="tx1"/>
+          </a:solidFill>
+          <a:latin typeface="+mn-lt"/>
+          <a:ea typeface="+mn-ea"/>
+          <a:cs typeface="+mn-cs"/>
+        </a:defRPr>
+      </a:lvl3pPr>
+      <a:lvl4pPr marL="1371600" algn="l" defTabSz="914400" rtl="0" eaLnBrk="1" latinLnBrk="0" hangingPunct="1">
+        <a:defRPr sz="1800" kern="1200">
+          <a:solidFill>
+            <a:schemeClr val="tx1"/>
+          </a:solidFill>
+          <a:latin typeface="+mn-lt"/>
+          <a:ea typeface="+mn-ea"/>
+          <a:cs typeface="+mn-cs"/>
+        </a:defRPr>
+      </a:lvl4pPr>
+      <a:lvl5pPr marL="1828800" algn="l" defTabSz="914400" rtl="0" eaLnBrk="1" latinLnBrk="0" hangingPunct="1">
+        <a:defRPr sz="1800" kern="1200">
+          <a:solidFill>
+            <a:schemeClr val="tx1"/>
+          </a:solidFill>
+          <a:latin typeface="+mn-lt"/>
+          <a:ea typeface="+mn-ea"/>
+          <a:cs typeface="+mn-cs"/>
+        </a:defRPr>
+      </a:lvl5pPr>
+      <a:lvl6pPr marL="2286000" algn="l" defTabSz="914400" rtl="0" eaLnBrk="1" latinLnBrk="0" hangingPunct="1">
+        <a:defRPr sz="1800" kern="1200">
+          <a:solidFill>
+            <a:schemeClr val="tx1"/>
+          </a:solidFill>
+          <a:latin typeface="+mn-lt"/>
+          <a:ea typeface="+mn-ea"/>
+          <a:cs typeface="+mn-cs"/>
+        </a:defRPr>
+      </a:lvl6pPr>
+      <a:lvl7pPr marL="2743200" algn="l" defTabSz="914400" rtl="0" eaLnBrk="1" latinLnBrk="0" hangingPunct="1">
+        <a:defRPr sz="1800" kern="1200">
+          <a:solidFill>
+            <a:schemeClr val="tx1"/>
+          </a:solidFill>
+          <a:latin typeface="+mn-lt"/>
+          <a:ea typeface="+mn-ea"/>
+          <a:cs typeface="+mn-cs"/>
+        </a:defRPr>
+      </a:lvl7pPr>
+      <a:lvl8pPr marL="3200400" algn="l" defTabSz="914400" rtl="0" eaLnBrk="1" latinLnBrk="0" hangingPunct="1">
+        <a:defRPr sz="1800" kern="1200">
+          <a:solidFill>
+            <a:schemeClr val="tx1"/>
+          </a:solidFill>
+          <a:latin typeface="+mn-lt"/>
+          <a:ea typeface="+mn-ea"/>
+          <a:cs typeface="+mn-cs"/>
+        </a:defRPr>
+      </a:lvl8pPr>
+      <a:lvl9pPr marL="3657600" algn="l" defTabSz="914400" rtl="0" eaLnBrk="1" latinLnBrk="0" hangingPunct="1">
+        <a:defRPr sz="1800" kern="1200">
+          <a:solidFill>
+            <a:schemeClr val="tx1"/>
+          </a:solidFill>
+          <a:latin typeface="+mn-lt"/>
+          <a:ea typeface="+mn-ea"/>
+          <a:cs typeface="+mn-cs"/>
+        </a:defRPr>
+      </a:lvl9pPr>
+    </p:otherStyle>
+  </p:txStyles>
 </p:sldMaster>
 </file>
 
 <file path=ppt/slideMasters/slideMaster3.xml><?xml version="1.0" encoding="utf-8"?>
-<p:sldMaster xmlns:a="http://schemas.openxmlformats.org/drawingml/2006/main" xmlns:p="http://schemas.openxmlformats.org/presentationml/2006/main" xmlns:r="http://schemas.openxmlformats.org/officeDocument/2006/relationships" xmlns:p14="http://schemas.microsoft.com/office/powerpoint/2010/main" xmlns:p15="http://schemas.microsoft.com/office/powerpoint/2012/main" xmlns:mc="http://schemas.openxmlformats.org/markup-compatibility/2006">
+<p:sldMaster xmlns:a="http://schemas.openxmlformats.org/drawingml/2006/main" xmlns:r="http://schemas.openxmlformats.org/officeDocument/2006/relationships" xmlns:p="http://schemas.openxmlformats.org/presentationml/2006/main">
   <p:cSld>
     <p:bg>
       <p:bgPr>
         <a:solidFill>
-          <a:srgbClr val="ffffff"/>
+          <a:srgbClr val="FFFFFF"/>
         </a:solidFill>
+        <a:effectLst/>
       </p:bgPr>
     </p:bg>
     <p:spTree>
@@ -8702,7 +9576,7 @@
             <a:prstGeom prst="line">
               <a:avLst/>
             </a:prstGeom>
-            <a:ln cap="rnd" w="9360">
+            <a:ln w="9360" cap="rnd">
               <a:solidFill>
                 <a:schemeClr val="bg1">
                   <a:lumMod val="75000"/>
@@ -8738,7 +9612,7 @@
             <a:prstGeom prst="line">
               <a:avLst/>
             </a:prstGeom>
-            <a:ln cap="rnd" w="9360">
+            <a:ln w="9360" cap="rnd">
               <a:solidFill>
                 <a:schemeClr val="bg1">
                   <a:lumMod val="85000"/>
@@ -8775,6 +9649,7 @@
               <a:avLst/>
               <a:gdLst/>
               <a:ahLst/>
+              <a:cxnLst/>
               <a:rect l="l" t="t" r="r" b="b"/>
               <a:pathLst>
                 <a:path w="3007349" h="6866467">
@@ -8806,7 +9681,7 @@
               <a:noFill/>
             </a:ln>
             <a:effectLst>
-              <a:outerShdw blurRad="38100" dir="5400000" dist="25560" rotWithShape="0">
+              <a:outerShdw blurRad="38100" dist="25560" dir="5400000" rotWithShape="0">
                 <a:srgbClr val="000000">
                   <a:alpha val="35000"/>
                 </a:srgbClr>
@@ -8841,6 +9716,7 @@
               <a:avLst/>
               <a:gdLst/>
               <a:ahLst/>
+              <a:cxnLst/>
               <a:rect l="l" t="t" r="r" b="b"/>
               <a:pathLst>
                 <a:path w="2573311" h="6866467">
@@ -8872,7 +9748,7 @@
               <a:noFill/>
             </a:ln>
             <a:effectLst>
-              <a:outerShdw blurRad="38100" dir="5400000" dist="25560" rotWithShape="0">
+              <a:outerShdw blurRad="38100" dist="25560" dir="5400000" rotWithShape="0">
                 <a:srgbClr val="000000">
                   <a:alpha val="35000"/>
                 </a:srgbClr>
@@ -8917,7 +9793,7 @@
               <a:noFill/>
             </a:ln>
             <a:effectLst>
-              <a:outerShdw blurRad="38100" dir="5400000" dist="25560" rotWithShape="0">
+              <a:outerShdw blurRad="38100" dist="25560" dir="5400000" rotWithShape="0">
                 <a:srgbClr val="000000">
                   <a:alpha val="35000"/>
                 </a:srgbClr>
@@ -8952,6 +9828,7 @@
               <a:avLst/>
               <a:gdLst/>
               <a:ahLst/>
+              <a:cxnLst/>
               <a:rect l="l" t="t" r="r" b="b"/>
               <a:pathLst>
                 <a:path w="2858013" h="6866467">
@@ -8984,7 +9861,7 @@
               <a:noFill/>
             </a:ln>
             <a:effectLst>
-              <a:outerShdw blurRad="38100" dir="5400000" dist="25560" rotWithShape="0">
+              <a:outerShdw blurRad="38100" dist="25560" dir="5400000" rotWithShape="0">
                 <a:srgbClr val="000000">
                   <a:alpha val="35000"/>
                 </a:srgbClr>
@@ -9019,6 +9896,7 @@
               <a:avLst/>
               <a:gdLst/>
               <a:ahLst/>
+              <a:cxnLst/>
               <a:rect l="l" t="t" r="r" b="b"/>
               <a:pathLst>
                 <a:path w="1290094" h="6858000">
@@ -9052,7 +9930,7 @@
               <a:noFill/>
             </a:ln>
             <a:effectLst>
-              <a:outerShdw blurRad="38100" dir="5400000" dist="25560" rotWithShape="0">
+              <a:outerShdw blurRad="38100" dist="25560" dir="5400000" rotWithShape="0">
                 <a:srgbClr val="000000">
                   <a:alpha val="35000"/>
                 </a:srgbClr>
@@ -9087,6 +9965,7 @@
               <a:avLst/>
               <a:gdLst/>
               <a:ahLst/>
+              <a:cxnLst/>
               <a:rect l="l" t="t" r="r" b="b"/>
               <a:pathLst>
                 <a:path w="1249825" h="6858000">
@@ -9118,7 +9997,7 @@
               <a:noFill/>
             </a:ln>
             <a:effectLst>
-              <a:outerShdw blurRad="38100" dir="5400000" dist="25560" rotWithShape="0">
+              <a:outerShdw blurRad="38100" dist="25560" dir="5400000" rotWithShape="0">
                 <a:srgbClr val="000000">
                   <a:alpha val="35000"/>
                 </a:srgbClr>
@@ -9163,7 +10042,7 @@
               <a:noFill/>
             </a:ln>
             <a:effectLst>
-              <a:outerShdw blurRad="38100" dir="5400000" dist="25560" rotWithShape="0">
+              <a:outerShdw blurRad="38100" dist="25560" dir="5400000" rotWithShape="0">
                 <a:srgbClr val="000000">
                   <a:alpha val="35000"/>
                 </a:srgbClr>
@@ -9208,7 +10087,7 @@
               <a:noFill/>
             </a:ln>
             <a:effectLst>
-              <a:outerShdw blurRad="38100" dir="5400000" dist="25560" rotWithShape="0">
+              <a:outerShdw blurRad="38100" dist="25560" dir="5400000" rotWithShape="0">
                 <a:srgbClr val="000000">
                   <a:alpha val="35000"/>
                 </a:srgbClr>
@@ -9257,7 +10136,7 @@
             <a:prstGeom prst="line">
               <a:avLst/>
             </a:prstGeom>
-            <a:ln cap="rnd" w="9360">
+            <a:ln w="9360" cap="rnd">
               <a:solidFill>
                 <a:schemeClr val="bg1">
                   <a:lumMod val="75000"/>
@@ -9293,7 +10172,7 @@
             <a:prstGeom prst="line">
               <a:avLst/>
             </a:prstGeom>
-            <a:ln cap="rnd" w="9360">
+            <a:ln w="9360" cap="rnd">
               <a:solidFill>
                 <a:schemeClr val="bg1">
                   <a:lumMod val="85000"/>
@@ -9330,6 +10209,7 @@
               <a:avLst/>
               <a:gdLst/>
               <a:ahLst/>
+              <a:cxnLst/>
               <a:rect l="l" t="t" r="r" b="b"/>
               <a:pathLst>
                 <a:path w="3007349" h="6866467">
@@ -9361,7 +10241,7 @@
               <a:noFill/>
             </a:ln>
             <a:effectLst>
-              <a:outerShdw blurRad="38100" dir="5400000" dist="25560" rotWithShape="0">
+              <a:outerShdw blurRad="38100" dist="25560" dir="5400000" rotWithShape="0">
                 <a:srgbClr val="000000">
                   <a:alpha val="35000"/>
                 </a:srgbClr>
@@ -9396,6 +10276,7 @@
               <a:avLst/>
               <a:gdLst/>
               <a:ahLst/>
+              <a:cxnLst/>
               <a:rect l="l" t="t" r="r" b="b"/>
               <a:pathLst>
                 <a:path w="2573311" h="6866467">
@@ -9427,7 +10308,7 @@
               <a:noFill/>
             </a:ln>
             <a:effectLst>
-              <a:outerShdw blurRad="38100" dir="5400000" dist="25560" rotWithShape="0">
+              <a:outerShdw blurRad="38100" dist="25560" dir="5400000" rotWithShape="0">
                 <a:srgbClr val="000000">
                   <a:alpha val="35000"/>
                 </a:srgbClr>
@@ -9472,7 +10353,7 @@
               <a:noFill/>
             </a:ln>
             <a:effectLst>
-              <a:outerShdw blurRad="38100" dir="5400000" dist="25560" rotWithShape="0">
+              <a:outerShdw blurRad="38100" dist="25560" dir="5400000" rotWithShape="0">
                 <a:srgbClr val="000000">
                   <a:alpha val="35000"/>
                 </a:srgbClr>
@@ -9507,6 +10388,7 @@
               <a:avLst/>
               <a:gdLst/>
               <a:ahLst/>
+              <a:cxnLst/>
               <a:rect l="l" t="t" r="r" b="b"/>
               <a:pathLst>
                 <a:path w="2858013" h="6866467">
@@ -9539,7 +10421,7 @@
               <a:noFill/>
             </a:ln>
             <a:effectLst>
-              <a:outerShdw blurRad="38100" dir="5400000" dist="25560" rotWithShape="0">
+              <a:outerShdw blurRad="38100" dist="25560" dir="5400000" rotWithShape="0">
                 <a:srgbClr val="000000">
                   <a:alpha val="35000"/>
                 </a:srgbClr>
@@ -9574,6 +10456,7 @@
               <a:avLst/>
               <a:gdLst/>
               <a:ahLst/>
+              <a:cxnLst/>
               <a:rect l="l" t="t" r="r" b="b"/>
               <a:pathLst>
                 <a:path w="1290094" h="6858000">
@@ -9607,7 +10490,7 @@
               <a:noFill/>
             </a:ln>
             <a:effectLst>
-              <a:outerShdw blurRad="38100" dir="5400000" dist="25560" rotWithShape="0">
+              <a:outerShdw blurRad="38100" dist="25560" dir="5400000" rotWithShape="0">
                 <a:srgbClr val="000000">
                   <a:alpha val="35000"/>
                 </a:srgbClr>
@@ -9642,6 +10525,7 @@
               <a:avLst/>
               <a:gdLst/>
               <a:ahLst/>
+              <a:cxnLst/>
               <a:rect l="l" t="t" r="r" b="b"/>
               <a:pathLst>
                 <a:path w="1249825" h="6858000">
@@ -9673,7 +10557,7 @@
               <a:noFill/>
             </a:ln>
             <a:effectLst>
-              <a:outerShdw blurRad="38100" dir="5400000" dist="25560" rotWithShape="0">
+              <a:outerShdw blurRad="38100" dist="25560" dir="5400000" rotWithShape="0">
                 <a:srgbClr val="000000">
                   <a:alpha val="35000"/>
                 </a:srgbClr>
@@ -9718,7 +10602,7 @@
               <a:noFill/>
             </a:ln>
             <a:effectLst>
-              <a:outerShdw blurRad="38100" dir="5400000" dist="25560" rotWithShape="0">
+              <a:outerShdw blurRad="38100" dist="25560" dir="5400000" rotWithShape="0">
                 <a:srgbClr val="000000">
                   <a:alpha val="35000"/>
                 </a:srgbClr>
@@ -9763,7 +10647,7 @@
               <a:noFill/>
             </a:ln>
             <a:effectLst>
-              <a:outerShdw blurRad="38100" dir="5400000" dist="25560" rotWithShape="0">
+              <a:outerShdw blurRad="38100" dist="25560" dir="5400000" rotWithShape="0">
                 <a:srgbClr val="000000">
                   <a:alpha val="35000"/>
                 </a:srgbClr>
@@ -9804,13 +10688,14 @@
           </a:prstGeom>
         </p:spPr>
         <p:txBody>
-          <a:bodyPr lIns="0" rIns="0" tIns="0" bIns="0" anchor="ctr">
+          <a:bodyPr lIns="0" tIns="0" rIns="0" bIns="0" anchor="ctr">
             <a:noAutofit/>
           </a:bodyPr>
+          <a:lstStyle/>
           <a:p>
             <a:pPr algn="ctr"/>
             <a:r>
-              <a:rPr b="0" lang="en-US" sz="4400" spc="-1" strike="noStrike">
+              <a:rPr lang="en-US" sz="4400" b="0" strike="noStrike" spc="-1">
                 <a:solidFill>
                   <a:srgbClr val="000000"/>
                 </a:solidFill>
@@ -9818,12 +10703,6 @@
               </a:rPr>
               <a:t>Click to edit the title text format</a:t>
             </a:r>
-            <a:endParaRPr b="0" lang="en-US" sz="4400" spc="-1" strike="noStrike">
-              <a:solidFill>
-                <a:srgbClr val="000000"/>
-              </a:solidFill>
-              <a:latin typeface="Arial"/>
-            </a:endParaRPr>
           </a:p>
         </p:txBody>
       </p:sp>
@@ -9847,9 +10726,10 @@
           </a:prstGeom>
         </p:spPr>
         <p:txBody>
-          <a:bodyPr lIns="0" rIns="0" tIns="0" bIns="0">
+          <a:bodyPr lIns="0" tIns="0" rIns="0" bIns="0">
             <a:normAutofit/>
           </a:bodyPr>
+          <a:lstStyle/>
           <a:p>
             <a:pPr marL="432000" indent="-324000">
               <a:spcBef>
@@ -9863,7 +10743,7 @@
               <a:buChar char=""/>
             </a:pPr>
             <a:r>
-              <a:rPr b="0" lang="en-US" sz="2800" spc="-1" strike="noStrike">
+              <a:rPr lang="en-US" sz="2800" b="0" strike="noStrike" spc="-1">
                 <a:solidFill>
                   <a:srgbClr val="000000"/>
                 </a:solidFill>
@@ -9871,15 +10751,9 @@
               </a:rPr>
               <a:t>Click to edit the outline text format</a:t>
             </a:r>
-            <a:endParaRPr b="0" lang="en-US" sz="2800" spc="-1" strike="noStrike">
-              <a:solidFill>
-                <a:srgbClr val="000000"/>
-              </a:solidFill>
-              <a:latin typeface="Arial"/>
-            </a:endParaRPr>
-          </a:p>
-          <a:p>
-            <a:pPr lvl="1" marL="864000" indent="-324000">
+          </a:p>
+          <a:p>
+            <a:pPr marL="864000" lvl="1" indent="-324000">
               <a:spcBef>
                 <a:spcPts val="1134"/>
               </a:spcBef>
@@ -9891,7 +10765,7 @@
               <a:buChar char=""/>
             </a:pPr>
             <a:r>
-              <a:rPr b="0" lang="en-US" sz="2000" spc="-1" strike="noStrike">
+              <a:rPr lang="en-US" sz="2000" b="0" strike="noStrike" spc="-1">
                 <a:solidFill>
                   <a:srgbClr val="000000"/>
                 </a:solidFill>
@@ -9899,15 +10773,9 @@
               </a:rPr>
               <a:t>Second Outline Level</a:t>
             </a:r>
-            <a:endParaRPr b="0" lang="en-US" sz="2000" spc="-1" strike="noStrike">
-              <a:solidFill>
-                <a:srgbClr val="000000"/>
-              </a:solidFill>
-              <a:latin typeface="Arial"/>
-            </a:endParaRPr>
-          </a:p>
-          <a:p>
-            <a:pPr lvl="2" marL="1296000" indent="-288000">
+          </a:p>
+          <a:p>
+            <a:pPr marL="1296000" lvl="2" indent="-288000">
               <a:spcBef>
                 <a:spcPts val="850"/>
               </a:spcBef>
@@ -9919,7 +10787,7 @@
               <a:buChar char=""/>
             </a:pPr>
             <a:r>
-              <a:rPr b="0" lang="en-US" sz="1800" spc="-1" strike="noStrike">
+              <a:rPr lang="en-US" sz="1800" b="0" strike="noStrike" spc="-1">
                 <a:solidFill>
                   <a:srgbClr val="000000"/>
                 </a:solidFill>
@@ -9927,15 +10795,9 @@
               </a:rPr>
               <a:t>Third Outline Level</a:t>
             </a:r>
-            <a:endParaRPr b="0" lang="en-US" sz="1800" spc="-1" strike="noStrike">
-              <a:solidFill>
-                <a:srgbClr val="000000"/>
-              </a:solidFill>
-              <a:latin typeface="Arial"/>
-            </a:endParaRPr>
-          </a:p>
-          <a:p>
-            <a:pPr lvl="3" marL="1728000" indent="-216000">
+          </a:p>
+          <a:p>
+            <a:pPr marL="1728000" lvl="3" indent="-216000">
               <a:spcBef>
                 <a:spcPts val="567"/>
               </a:spcBef>
@@ -9947,7 +10809,7 @@
               <a:buChar char=""/>
             </a:pPr>
             <a:r>
-              <a:rPr b="0" lang="en-US" sz="1800" spc="-1" strike="noStrike">
+              <a:rPr lang="en-US" sz="1800" b="0" strike="noStrike" spc="-1">
                 <a:solidFill>
                   <a:srgbClr val="000000"/>
                 </a:solidFill>
@@ -9955,15 +10817,9 @@
               </a:rPr>
               <a:t>Fourth Outline Level</a:t>
             </a:r>
-            <a:endParaRPr b="0" lang="en-US" sz="1800" spc="-1" strike="noStrike">
-              <a:solidFill>
-                <a:srgbClr val="000000"/>
-              </a:solidFill>
-              <a:latin typeface="Arial"/>
-            </a:endParaRPr>
-          </a:p>
-          <a:p>
-            <a:pPr lvl="4" marL="2160000" indent="-216000">
+          </a:p>
+          <a:p>
+            <a:pPr marL="2160000" lvl="4" indent="-216000">
               <a:spcBef>
                 <a:spcPts val="283"/>
               </a:spcBef>
@@ -9975,7 +10831,7 @@
               <a:buChar char=""/>
             </a:pPr>
             <a:r>
-              <a:rPr b="0" lang="en-US" sz="2000" spc="-1" strike="noStrike">
+              <a:rPr lang="en-US" sz="2000" b="0" strike="noStrike" spc="-1">
                 <a:solidFill>
                   <a:srgbClr val="000000"/>
                 </a:solidFill>
@@ -9983,15 +10839,9 @@
               </a:rPr>
               <a:t>Fifth Outline Level</a:t>
             </a:r>
-            <a:endParaRPr b="0" lang="en-US" sz="2000" spc="-1" strike="noStrike">
-              <a:solidFill>
-                <a:srgbClr val="000000"/>
-              </a:solidFill>
-              <a:latin typeface="Arial"/>
-            </a:endParaRPr>
-          </a:p>
-          <a:p>
-            <a:pPr lvl="5" marL="2592000" indent="-216000">
+          </a:p>
+          <a:p>
+            <a:pPr marL="2592000" lvl="5" indent="-216000">
               <a:spcBef>
                 <a:spcPts val="283"/>
               </a:spcBef>
@@ -10003,7 +10853,7 @@
               <a:buChar char=""/>
             </a:pPr>
             <a:r>
-              <a:rPr b="0" lang="en-US" sz="2000" spc="-1" strike="noStrike">
+              <a:rPr lang="en-US" sz="2000" b="0" strike="noStrike" spc="-1">
                 <a:solidFill>
                   <a:srgbClr val="000000"/>
                 </a:solidFill>
@@ -10011,15 +10861,9 @@
               </a:rPr>
               <a:t>Sixth Outline Level</a:t>
             </a:r>
-            <a:endParaRPr b="0" lang="en-US" sz="2000" spc="-1" strike="noStrike">
-              <a:solidFill>
-                <a:srgbClr val="000000"/>
-              </a:solidFill>
-              <a:latin typeface="Arial"/>
-            </a:endParaRPr>
-          </a:p>
-          <a:p>
-            <a:pPr lvl="6" marL="3024000" indent="-216000">
+          </a:p>
+          <a:p>
+            <a:pPr marL="3024000" lvl="6" indent="-216000">
               <a:spcBef>
                 <a:spcPts val="283"/>
               </a:spcBef>
@@ -10031,7 +10875,7 @@
               <a:buChar char=""/>
             </a:pPr>
             <a:r>
-              <a:rPr b="0" lang="en-US" sz="2000" spc="-1" strike="noStrike">
+              <a:rPr lang="en-US" sz="2000" b="0" strike="noStrike" spc="-1">
                 <a:solidFill>
                   <a:srgbClr val="000000"/>
                 </a:solidFill>
@@ -10039,43 +10883,318 @@
               </a:rPr>
               <a:t>Seventh Outline Level</a:t>
             </a:r>
-            <a:endParaRPr b="0" lang="en-US" sz="2000" spc="-1" strike="noStrike">
-              <a:solidFill>
-                <a:srgbClr val="000000"/>
-              </a:solidFill>
-              <a:latin typeface="Arial"/>
-            </a:endParaRPr>
           </a:p>
         </p:txBody>
       </p:sp>
     </p:spTree>
   </p:cSld>
-  <p:clrMap bg1="lt1" bg2="lt2" tx1="dk1" tx2="dk2" accent1="accent1" accent2="accent2" accent3="accent3" accent4="accent4" accent5="accent5" accent6="accent6" hlink="hlink" folHlink="folHlink"/>
+  <p:clrMap bg1="lt1" tx1="dk1" bg2="lt2" tx2="dk2" accent1="accent1" accent2="accent2" accent3="accent3" accent4="accent4" accent5="accent5" accent6="accent6" hlink="hlink" folHlink="folHlink"/>
   <p:sldLayoutIdLst>
-    <p:sldLayoutId id="2147483675" r:id="rId2"/>
-    <p:sldLayoutId id="2147483676" r:id="rId3"/>
-    <p:sldLayoutId id="2147483677" r:id="rId4"/>
-    <p:sldLayoutId id="2147483678" r:id="rId5"/>
-    <p:sldLayoutId id="2147483679" r:id="rId6"/>
-    <p:sldLayoutId id="2147483680" r:id="rId7"/>
-    <p:sldLayoutId id="2147483681" r:id="rId8"/>
-    <p:sldLayoutId id="2147483682" r:id="rId9"/>
-    <p:sldLayoutId id="2147483683" r:id="rId10"/>
-    <p:sldLayoutId id="2147483684" r:id="rId11"/>
-    <p:sldLayoutId id="2147483685" r:id="rId12"/>
-    <p:sldLayoutId id="2147483686" r:id="rId13"/>
+    <p:sldLayoutId id="2147483675" r:id="rId1"/>
+    <p:sldLayoutId id="2147483676" r:id="rId2"/>
+    <p:sldLayoutId id="2147483677" r:id="rId3"/>
+    <p:sldLayoutId id="2147483678" r:id="rId4"/>
+    <p:sldLayoutId id="2147483679" r:id="rId5"/>
+    <p:sldLayoutId id="2147483680" r:id="rId6"/>
+    <p:sldLayoutId id="2147483681" r:id="rId7"/>
+    <p:sldLayoutId id="2147483682" r:id="rId8"/>
+    <p:sldLayoutId id="2147483683" r:id="rId9"/>
+    <p:sldLayoutId id="2147483684" r:id="rId10"/>
+    <p:sldLayoutId id="2147483685" r:id="rId11"/>
+    <p:sldLayoutId id="2147483686" r:id="rId12"/>
   </p:sldLayoutIdLst>
+  <p:txStyles>
+    <p:titleStyle>
+      <a:lvl1pPr algn="l" defTabSz="914400" rtl="0" eaLnBrk="1" latinLnBrk="0" hangingPunct="1">
+        <a:lnSpc>
+          <a:spcPct val="90000"/>
+        </a:lnSpc>
+        <a:spcBef>
+          <a:spcPct val="0"/>
+        </a:spcBef>
+        <a:buNone/>
+        <a:defRPr sz="4400" kern="1200">
+          <a:solidFill>
+            <a:schemeClr val="tx1"/>
+          </a:solidFill>
+          <a:latin typeface="+mj-lt"/>
+          <a:ea typeface="+mj-ea"/>
+          <a:cs typeface="+mj-cs"/>
+        </a:defRPr>
+      </a:lvl1pPr>
+    </p:titleStyle>
+    <p:bodyStyle>
+      <a:lvl1pPr marL="228600" indent="-228600" algn="l" defTabSz="914400" rtl="0" eaLnBrk="1" latinLnBrk="0" hangingPunct="1">
+        <a:lnSpc>
+          <a:spcPct val="90000"/>
+        </a:lnSpc>
+        <a:spcBef>
+          <a:spcPts val="1000"/>
+        </a:spcBef>
+        <a:buFont typeface="Arial" panose="020B0604020202020204" pitchFamily="34" charset="0"/>
+        <a:buChar char="•"/>
+        <a:defRPr sz="2800" kern="1200">
+          <a:solidFill>
+            <a:schemeClr val="tx1"/>
+          </a:solidFill>
+          <a:latin typeface="+mn-lt"/>
+          <a:ea typeface="+mn-ea"/>
+          <a:cs typeface="+mn-cs"/>
+        </a:defRPr>
+      </a:lvl1pPr>
+      <a:lvl2pPr marL="685800" indent="-228600" algn="l" defTabSz="914400" rtl="0" eaLnBrk="1" latinLnBrk="0" hangingPunct="1">
+        <a:lnSpc>
+          <a:spcPct val="90000"/>
+        </a:lnSpc>
+        <a:spcBef>
+          <a:spcPts val="500"/>
+        </a:spcBef>
+        <a:buFont typeface="Arial" panose="020B0604020202020204" pitchFamily="34" charset="0"/>
+        <a:buChar char="•"/>
+        <a:defRPr sz="2400" kern="1200">
+          <a:solidFill>
+            <a:schemeClr val="tx1"/>
+          </a:solidFill>
+          <a:latin typeface="+mn-lt"/>
+          <a:ea typeface="+mn-ea"/>
+          <a:cs typeface="+mn-cs"/>
+        </a:defRPr>
+      </a:lvl2pPr>
+      <a:lvl3pPr marL="1143000" indent="-228600" algn="l" defTabSz="914400" rtl="0" eaLnBrk="1" latinLnBrk="0" hangingPunct="1">
+        <a:lnSpc>
+          <a:spcPct val="90000"/>
+        </a:lnSpc>
+        <a:spcBef>
+          <a:spcPts val="500"/>
+        </a:spcBef>
+        <a:buFont typeface="Arial" panose="020B0604020202020204" pitchFamily="34" charset="0"/>
+        <a:buChar char="•"/>
+        <a:defRPr sz="2000" kern="1200">
+          <a:solidFill>
+            <a:schemeClr val="tx1"/>
+          </a:solidFill>
+          <a:latin typeface="+mn-lt"/>
+          <a:ea typeface="+mn-ea"/>
+          <a:cs typeface="+mn-cs"/>
+        </a:defRPr>
+      </a:lvl3pPr>
+      <a:lvl4pPr marL="1600200" indent="-228600" algn="l" defTabSz="914400" rtl="0" eaLnBrk="1" latinLnBrk="0" hangingPunct="1">
+        <a:lnSpc>
+          <a:spcPct val="90000"/>
+        </a:lnSpc>
+        <a:spcBef>
+          <a:spcPts val="500"/>
+        </a:spcBef>
+        <a:buFont typeface="Arial" panose="020B0604020202020204" pitchFamily="34" charset="0"/>
+        <a:buChar char="•"/>
+        <a:defRPr sz="1800" kern="1200">
+          <a:solidFill>
+            <a:schemeClr val="tx1"/>
+          </a:solidFill>
+          <a:latin typeface="+mn-lt"/>
+          <a:ea typeface="+mn-ea"/>
+          <a:cs typeface="+mn-cs"/>
+        </a:defRPr>
+      </a:lvl4pPr>
+      <a:lvl5pPr marL="2057400" indent="-228600" algn="l" defTabSz="914400" rtl="0" eaLnBrk="1" latinLnBrk="0" hangingPunct="1">
+        <a:lnSpc>
+          <a:spcPct val="90000"/>
+        </a:lnSpc>
+        <a:spcBef>
+          <a:spcPts val="500"/>
+        </a:spcBef>
+        <a:buFont typeface="Arial" panose="020B0604020202020204" pitchFamily="34" charset="0"/>
+        <a:buChar char="•"/>
+        <a:defRPr sz="1800" kern="1200">
+          <a:solidFill>
+            <a:schemeClr val="tx1"/>
+          </a:solidFill>
+          <a:latin typeface="+mn-lt"/>
+          <a:ea typeface="+mn-ea"/>
+          <a:cs typeface="+mn-cs"/>
+        </a:defRPr>
+      </a:lvl5pPr>
+      <a:lvl6pPr marL="2514600" indent="-228600" algn="l" defTabSz="914400" rtl="0" eaLnBrk="1" latinLnBrk="0" hangingPunct="1">
+        <a:lnSpc>
+          <a:spcPct val="90000"/>
+        </a:lnSpc>
+        <a:spcBef>
+          <a:spcPts val="500"/>
+        </a:spcBef>
+        <a:buFont typeface="Arial" panose="020B0604020202020204" pitchFamily="34" charset="0"/>
+        <a:buChar char="•"/>
+        <a:defRPr sz="1800" kern="1200">
+          <a:solidFill>
+            <a:schemeClr val="tx1"/>
+          </a:solidFill>
+          <a:latin typeface="+mn-lt"/>
+          <a:ea typeface="+mn-ea"/>
+          <a:cs typeface="+mn-cs"/>
+        </a:defRPr>
+      </a:lvl6pPr>
+      <a:lvl7pPr marL="2971800" indent="-228600" algn="l" defTabSz="914400" rtl="0" eaLnBrk="1" latinLnBrk="0" hangingPunct="1">
+        <a:lnSpc>
+          <a:spcPct val="90000"/>
+        </a:lnSpc>
+        <a:spcBef>
+          <a:spcPts val="500"/>
+        </a:spcBef>
+        <a:buFont typeface="Arial" panose="020B0604020202020204" pitchFamily="34" charset="0"/>
+        <a:buChar char="•"/>
+        <a:defRPr sz="1800" kern="1200">
+          <a:solidFill>
+            <a:schemeClr val="tx1"/>
+          </a:solidFill>
+          <a:latin typeface="+mn-lt"/>
+          <a:ea typeface="+mn-ea"/>
+          <a:cs typeface="+mn-cs"/>
+        </a:defRPr>
+      </a:lvl7pPr>
+      <a:lvl8pPr marL="3429000" indent="-228600" algn="l" defTabSz="914400" rtl="0" eaLnBrk="1" latinLnBrk="0" hangingPunct="1">
+        <a:lnSpc>
+          <a:spcPct val="90000"/>
+        </a:lnSpc>
+        <a:spcBef>
+          <a:spcPts val="500"/>
+        </a:spcBef>
+        <a:buFont typeface="Arial" panose="020B0604020202020204" pitchFamily="34" charset="0"/>
+        <a:buChar char="•"/>
+        <a:defRPr sz="1800" kern="1200">
+          <a:solidFill>
+            <a:schemeClr val="tx1"/>
+          </a:solidFill>
+          <a:latin typeface="+mn-lt"/>
+          <a:ea typeface="+mn-ea"/>
+          <a:cs typeface="+mn-cs"/>
+        </a:defRPr>
+      </a:lvl8pPr>
+      <a:lvl9pPr marL="3886200" indent="-228600" algn="l" defTabSz="914400" rtl="0" eaLnBrk="1" latinLnBrk="0" hangingPunct="1">
+        <a:lnSpc>
+          <a:spcPct val="90000"/>
+        </a:lnSpc>
+        <a:spcBef>
+          <a:spcPts val="500"/>
+        </a:spcBef>
+        <a:buFont typeface="Arial" panose="020B0604020202020204" pitchFamily="34" charset="0"/>
+        <a:buChar char="•"/>
+        <a:defRPr sz="1800" kern="1200">
+          <a:solidFill>
+            <a:schemeClr val="tx1"/>
+          </a:solidFill>
+          <a:latin typeface="+mn-lt"/>
+          <a:ea typeface="+mn-ea"/>
+          <a:cs typeface="+mn-cs"/>
+        </a:defRPr>
+      </a:lvl9pPr>
+    </p:bodyStyle>
+    <p:otherStyle>
+      <a:defPPr>
+        <a:defRPr lang="en-US"/>
+      </a:defPPr>
+      <a:lvl1pPr marL="0" algn="l" defTabSz="914400" rtl="0" eaLnBrk="1" latinLnBrk="0" hangingPunct="1">
+        <a:defRPr sz="1800" kern="1200">
+          <a:solidFill>
+            <a:schemeClr val="tx1"/>
+          </a:solidFill>
+          <a:latin typeface="+mn-lt"/>
+          <a:ea typeface="+mn-ea"/>
+          <a:cs typeface="+mn-cs"/>
+        </a:defRPr>
+      </a:lvl1pPr>
+      <a:lvl2pPr marL="457200" algn="l" defTabSz="914400" rtl="0" eaLnBrk="1" latinLnBrk="0" hangingPunct="1">
+        <a:defRPr sz="1800" kern="1200">
+          <a:solidFill>
+            <a:schemeClr val="tx1"/>
+          </a:solidFill>
+          <a:latin typeface="+mn-lt"/>
+          <a:ea typeface="+mn-ea"/>
+          <a:cs typeface="+mn-cs"/>
+        </a:defRPr>
+      </a:lvl2pPr>
+      <a:lvl3pPr marL="914400" algn="l" defTabSz="914400" rtl="0" eaLnBrk="1" latinLnBrk="0" hangingPunct="1">
+        <a:defRPr sz="1800" kern="1200">
+          <a:solidFill>
+            <a:schemeClr val="tx1"/>
+          </a:solidFill>
+          <a:latin typeface="+mn-lt"/>
+          <a:ea typeface="+mn-ea"/>
+          <a:cs typeface="+mn-cs"/>
+        </a:defRPr>
+      </a:lvl3pPr>
+      <a:lvl4pPr marL="1371600" algn="l" defTabSz="914400" rtl="0" eaLnBrk="1" latinLnBrk="0" hangingPunct="1">
+        <a:defRPr sz="1800" kern="1200">
+          <a:solidFill>
+            <a:schemeClr val="tx1"/>
+          </a:solidFill>
+          <a:latin typeface="+mn-lt"/>
+          <a:ea typeface="+mn-ea"/>
+          <a:cs typeface="+mn-cs"/>
+        </a:defRPr>
+      </a:lvl4pPr>
+      <a:lvl5pPr marL="1828800" algn="l" defTabSz="914400" rtl="0" eaLnBrk="1" latinLnBrk="0" hangingPunct="1">
+        <a:defRPr sz="1800" kern="1200">
+          <a:solidFill>
+            <a:schemeClr val="tx1"/>
+          </a:solidFill>
+          <a:latin typeface="+mn-lt"/>
+          <a:ea typeface="+mn-ea"/>
+          <a:cs typeface="+mn-cs"/>
+        </a:defRPr>
+      </a:lvl5pPr>
+      <a:lvl6pPr marL="2286000" algn="l" defTabSz="914400" rtl="0" eaLnBrk="1" latinLnBrk="0" hangingPunct="1">
+        <a:defRPr sz="1800" kern="1200">
+          <a:solidFill>
+            <a:schemeClr val="tx1"/>
+          </a:solidFill>
+          <a:latin typeface="+mn-lt"/>
+          <a:ea typeface="+mn-ea"/>
+          <a:cs typeface="+mn-cs"/>
+        </a:defRPr>
+      </a:lvl6pPr>
+      <a:lvl7pPr marL="2743200" algn="l" defTabSz="914400" rtl="0" eaLnBrk="1" latinLnBrk="0" hangingPunct="1">
+        <a:defRPr sz="1800" kern="1200">
+          <a:solidFill>
+            <a:schemeClr val="tx1"/>
+          </a:solidFill>
+          <a:latin typeface="+mn-lt"/>
+          <a:ea typeface="+mn-ea"/>
+          <a:cs typeface="+mn-cs"/>
+        </a:defRPr>
+      </a:lvl7pPr>
+      <a:lvl8pPr marL="3200400" algn="l" defTabSz="914400" rtl="0" eaLnBrk="1" latinLnBrk="0" hangingPunct="1">
+        <a:defRPr sz="1800" kern="1200">
+          <a:solidFill>
+            <a:schemeClr val="tx1"/>
+          </a:solidFill>
+          <a:latin typeface="+mn-lt"/>
+          <a:ea typeface="+mn-ea"/>
+          <a:cs typeface="+mn-cs"/>
+        </a:defRPr>
+      </a:lvl8pPr>
+      <a:lvl9pPr marL="3657600" algn="l" defTabSz="914400" rtl="0" eaLnBrk="1" latinLnBrk="0" hangingPunct="1">
+        <a:defRPr sz="1800" kern="1200">
+          <a:solidFill>
+            <a:schemeClr val="tx1"/>
+          </a:solidFill>
+          <a:latin typeface="+mn-lt"/>
+          <a:ea typeface="+mn-ea"/>
+          <a:cs typeface="+mn-cs"/>
+        </a:defRPr>
+      </a:lvl9pPr>
+    </p:otherStyle>
+  </p:txStyles>
 </p:sldMaster>
 </file>
 
 <file path=ppt/slideMasters/slideMaster4.xml><?xml version="1.0" encoding="utf-8"?>
-<p:sldMaster xmlns:a="http://schemas.openxmlformats.org/drawingml/2006/main" xmlns:p="http://schemas.openxmlformats.org/presentationml/2006/main" xmlns:r="http://schemas.openxmlformats.org/officeDocument/2006/relationships" xmlns:p14="http://schemas.microsoft.com/office/powerpoint/2010/main" xmlns:p15="http://schemas.microsoft.com/office/powerpoint/2012/main" xmlns:mc="http://schemas.openxmlformats.org/markup-compatibility/2006">
+<p:sldMaster xmlns:a="http://schemas.openxmlformats.org/drawingml/2006/main" xmlns:r="http://schemas.openxmlformats.org/officeDocument/2006/relationships" xmlns:p="http://schemas.openxmlformats.org/presentationml/2006/main">
   <p:cSld>
     <p:bg>
       <p:bgPr>
         <a:solidFill>
-          <a:srgbClr val="ffffff"/>
+          <a:srgbClr val="FFFFFF"/>
         </a:solidFill>
+        <a:effectLst/>
       </p:bgPr>
     </p:bg>
     <p:spTree>
@@ -10120,7 +11239,7 @@
             <a:prstGeom prst="line">
               <a:avLst/>
             </a:prstGeom>
-            <a:ln cap="rnd" w="9360">
+            <a:ln w="9360" cap="rnd">
               <a:solidFill>
                 <a:schemeClr val="bg1">
                   <a:lumMod val="75000"/>
@@ -10156,7 +11275,7 @@
             <a:prstGeom prst="line">
               <a:avLst/>
             </a:prstGeom>
-            <a:ln cap="rnd" w="9360">
+            <a:ln w="9360" cap="rnd">
               <a:solidFill>
                 <a:schemeClr val="bg1">
                   <a:lumMod val="85000"/>
@@ -10193,6 +11312,7 @@
               <a:avLst/>
               <a:gdLst/>
               <a:ahLst/>
+              <a:cxnLst/>
               <a:rect l="l" t="t" r="r" b="b"/>
               <a:pathLst>
                 <a:path w="3007349" h="6866467">
@@ -10224,7 +11344,7 @@
               <a:noFill/>
             </a:ln>
             <a:effectLst>
-              <a:outerShdw blurRad="38100" dir="5400000" dist="25560" rotWithShape="0">
+              <a:outerShdw blurRad="38100" dist="25560" dir="5400000" rotWithShape="0">
                 <a:srgbClr val="000000">
                   <a:alpha val="35000"/>
                 </a:srgbClr>
@@ -10259,6 +11379,7 @@
               <a:avLst/>
               <a:gdLst/>
               <a:ahLst/>
+              <a:cxnLst/>
               <a:rect l="l" t="t" r="r" b="b"/>
               <a:pathLst>
                 <a:path w="2573311" h="6866467">
@@ -10290,7 +11411,7 @@
               <a:noFill/>
             </a:ln>
             <a:effectLst>
-              <a:outerShdw blurRad="38100" dir="5400000" dist="25560" rotWithShape="0">
+              <a:outerShdw blurRad="38100" dist="25560" dir="5400000" rotWithShape="0">
                 <a:srgbClr val="000000">
                   <a:alpha val="35000"/>
                 </a:srgbClr>
@@ -10335,7 +11456,7 @@
               <a:noFill/>
             </a:ln>
             <a:effectLst>
-              <a:outerShdw blurRad="38100" dir="5400000" dist="25560" rotWithShape="0">
+              <a:outerShdw blurRad="38100" dist="25560" dir="5400000" rotWithShape="0">
                 <a:srgbClr val="000000">
                   <a:alpha val="35000"/>
                 </a:srgbClr>
@@ -10370,6 +11491,7 @@
               <a:avLst/>
               <a:gdLst/>
               <a:ahLst/>
+              <a:cxnLst/>
               <a:rect l="l" t="t" r="r" b="b"/>
               <a:pathLst>
                 <a:path w="2858013" h="6866467">
@@ -10402,7 +11524,7 @@
               <a:noFill/>
             </a:ln>
             <a:effectLst>
-              <a:outerShdw blurRad="38100" dir="5400000" dist="25560" rotWithShape="0">
+              <a:outerShdw blurRad="38100" dist="25560" dir="5400000" rotWithShape="0">
                 <a:srgbClr val="000000">
                   <a:alpha val="35000"/>
                 </a:srgbClr>
@@ -10437,6 +11559,7 @@
               <a:avLst/>
               <a:gdLst/>
               <a:ahLst/>
+              <a:cxnLst/>
               <a:rect l="l" t="t" r="r" b="b"/>
               <a:pathLst>
                 <a:path w="1290094" h="6858000">
@@ -10470,7 +11593,7 @@
               <a:noFill/>
             </a:ln>
             <a:effectLst>
-              <a:outerShdw blurRad="38100" dir="5400000" dist="25560" rotWithShape="0">
+              <a:outerShdw blurRad="38100" dist="25560" dir="5400000" rotWithShape="0">
                 <a:srgbClr val="000000">
                   <a:alpha val="35000"/>
                 </a:srgbClr>
@@ -10505,6 +11628,7 @@
               <a:avLst/>
               <a:gdLst/>
               <a:ahLst/>
+              <a:cxnLst/>
               <a:rect l="l" t="t" r="r" b="b"/>
               <a:pathLst>
                 <a:path w="1249825" h="6858000">
@@ -10536,7 +11660,7 @@
               <a:noFill/>
             </a:ln>
             <a:effectLst>
-              <a:outerShdw blurRad="38100" dir="5400000" dist="25560" rotWithShape="0">
+              <a:outerShdw blurRad="38100" dist="25560" dir="5400000" rotWithShape="0">
                 <a:srgbClr val="000000">
                   <a:alpha val="35000"/>
                 </a:srgbClr>
@@ -10581,7 +11705,7 @@
               <a:noFill/>
             </a:ln>
             <a:effectLst>
-              <a:outerShdw blurRad="38100" dir="5400000" dist="25560" rotWithShape="0">
+              <a:outerShdw blurRad="38100" dist="25560" dir="5400000" rotWithShape="0">
                 <a:srgbClr val="000000">
                   <a:alpha val="35000"/>
                 </a:srgbClr>
@@ -10626,7 +11750,7 @@
               <a:noFill/>
             </a:ln>
             <a:effectLst>
-              <a:outerShdw blurRad="38100" dir="5400000" dist="25560" rotWithShape="0">
+              <a:outerShdw blurRad="38100" dist="25560" dir="5400000" rotWithShape="0">
                 <a:srgbClr val="000000">
                   <a:alpha val="35000"/>
                 </a:srgbClr>
@@ -10675,7 +11799,7 @@
             <a:prstGeom prst="line">
               <a:avLst/>
             </a:prstGeom>
-            <a:ln cap="rnd" w="9360">
+            <a:ln w="9360" cap="rnd">
               <a:solidFill>
                 <a:schemeClr val="bg1">
                   <a:lumMod val="75000"/>
@@ -10711,7 +11835,7 @@
             <a:prstGeom prst="line">
               <a:avLst/>
             </a:prstGeom>
-            <a:ln cap="rnd" w="9360">
+            <a:ln w="9360" cap="rnd">
               <a:solidFill>
                 <a:schemeClr val="bg1">
                   <a:lumMod val="85000"/>
@@ -10748,6 +11872,7 @@
               <a:avLst/>
               <a:gdLst/>
               <a:ahLst/>
+              <a:cxnLst/>
               <a:rect l="l" t="t" r="r" b="b"/>
               <a:pathLst>
                 <a:path w="3007349" h="6866467">
@@ -10779,7 +11904,7 @@
               <a:noFill/>
             </a:ln>
             <a:effectLst>
-              <a:outerShdw blurRad="38100" dir="5400000" dist="25560" rotWithShape="0">
+              <a:outerShdw blurRad="38100" dist="25560" dir="5400000" rotWithShape="0">
                 <a:srgbClr val="000000">
                   <a:alpha val="35000"/>
                 </a:srgbClr>
@@ -10814,6 +11939,7 @@
               <a:avLst/>
               <a:gdLst/>
               <a:ahLst/>
+              <a:cxnLst/>
               <a:rect l="l" t="t" r="r" b="b"/>
               <a:pathLst>
                 <a:path w="2573311" h="6866467">
@@ -10845,7 +11971,7 @@
               <a:noFill/>
             </a:ln>
             <a:effectLst>
-              <a:outerShdw blurRad="38100" dir="5400000" dist="25560" rotWithShape="0">
+              <a:outerShdw blurRad="38100" dist="25560" dir="5400000" rotWithShape="0">
                 <a:srgbClr val="000000">
                   <a:alpha val="35000"/>
                 </a:srgbClr>
@@ -10890,7 +12016,7 @@
               <a:noFill/>
             </a:ln>
             <a:effectLst>
-              <a:outerShdw blurRad="38100" dir="5400000" dist="25560" rotWithShape="0">
+              <a:outerShdw blurRad="38100" dist="25560" dir="5400000" rotWithShape="0">
                 <a:srgbClr val="000000">
                   <a:alpha val="35000"/>
                 </a:srgbClr>
@@ -10925,6 +12051,7 @@
               <a:avLst/>
               <a:gdLst/>
               <a:ahLst/>
+              <a:cxnLst/>
               <a:rect l="l" t="t" r="r" b="b"/>
               <a:pathLst>
                 <a:path w="2858013" h="6866467">
@@ -10957,7 +12084,7 @@
               <a:noFill/>
             </a:ln>
             <a:effectLst>
-              <a:outerShdw blurRad="38100" dir="5400000" dist="25560" rotWithShape="0">
+              <a:outerShdw blurRad="38100" dist="25560" dir="5400000" rotWithShape="0">
                 <a:srgbClr val="000000">
                   <a:alpha val="35000"/>
                 </a:srgbClr>
@@ -10992,6 +12119,7 @@
               <a:avLst/>
               <a:gdLst/>
               <a:ahLst/>
+              <a:cxnLst/>
               <a:rect l="l" t="t" r="r" b="b"/>
               <a:pathLst>
                 <a:path w="1290094" h="6858000">
@@ -11025,7 +12153,7 @@
               <a:noFill/>
             </a:ln>
             <a:effectLst>
-              <a:outerShdw blurRad="38100" dir="5400000" dist="25560" rotWithShape="0">
+              <a:outerShdw blurRad="38100" dist="25560" dir="5400000" rotWithShape="0">
                 <a:srgbClr val="000000">
                   <a:alpha val="35000"/>
                 </a:srgbClr>
@@ -11060,6 +12188,7 @@
               <a:avLst/>
               <a:gdLst/>
               <a:ahLst/>
+              <a:cxnLst/>
               <a:rect l="l" t="t" r="r" b="b"/>
               <a:pathLst>
                 <a:path w="1249825" h="6858000">
@@ -11091,7 +12220,7 @@
               <a:noFill/>
             </a:ln>
             <a:effectLst>
-              <a:outerShdw blurRad="38100" dir="5400000" dist="25560" rotWithShape="0">
+              <a:outerShdw blurRad="38100" dist="25560" dir="5400000" rotWithShape="0">
                 <a:srgbClr val="000000">
                   <a:alpha val="35000"/>
                 </a:srgbClr>
@@ -11136,7 +12265,7 @@
               <a:noFill/>
             </a:ln>
             <a:effectLst>
-              <a:outerShdw blurRad="38100" dir="5400000" dist="25560" rotWithShape="0">
+              <a:outerShdw blurRad="38100" dist="25560" dir="5400000" rotWithShape="0">
                 <a:srgbClr val="000000">
                   <a:alpha val="35000"/>
                 </a:srgbClr>
@@ -11181,7 +12310,7 @@
               <a:noFill/>
             </a:ln>
             <a:effectLst>
-              <a:outerShdw blurRad="38100" dir="5400000" dist="25560" rotWithShape="0">
+              <a:outerShdw blurRad="38100" dist="25560" dir="5400000" rotWithShape="0">
                 <a:srgbClr val="000000">
                   <a:alpha val="35000"/>
                 </a:srgbClr>
@@ -11222,13 +12351,14 @@
           </a:prstGeom>
         </p:spPr>
         <p:txBody>
-          <a:bodyPr lIns="0" rIns="0" tIns="0" bIns="0" anchor="ctr">
+          <a:bodyPr lIns="0" tIns="0" rIns="0" bIns="0" anchor="ctr">
             <a:noAutofit/>
           </a:bodyPr>
+          <a:lstStyle/>
           <a:p>
             <a:pPr algn="ctr"/>
             <a:r>
-              <a:rPr b="0" lang="en-US" sz="4400" spc="-1" strike="noStrike">
+              <a:rPr lang="en-US" sz="4400" b="0" strike="noStrike" spc="-1">
                 <a:solidFill>
                   <a:srgbClr val="000000"/>
                 </a:solidFill>
@@ -11236,12 +12366,6 @@
               </a:rPr>
               <a:t>Click to edit the title text format</a:t>
             </a:r>
-            <a:endParaRPr b="0" lang="en-US" sz="4400" spc="-1" strike="noStrike">
-              <a:solidFill>
-                <a:srgbClr val="000000"/>
-              </a:solidFill>
-              <a:latin typeface="Arial"/>
-            </a:endParaRPr>
           </a:p>
         </p:txBody>
       </p:sp>
@@ -11265,9 +12389,10 @@
           </a:prstGeom>
         </p:spPr>
         <p:txBody>
-          <a:bodyPr lIns="0" rIns="0" tIns="0" bIns="0">
+          <a:bodyPr lIns="0" tIns="0" rIns="0" bIns="0">
             <a:normAutofit/>
           </a:bodyPr>
+          <a:lstStyle/>
           <a:p>
             <a:pPr marL="432000" indent="-324000">
               <a:spcBef>
@@ -11281,7 +12406,7 @@
               <a:buChar char=""/>
             </a:pPr>
             <a:r>
-              <a:rPr b="0" lang="en-US" sz="2800" spc="-1" strike="noStrike">
+              <a:rPr lang="en-US" sz="2800" b="0" strike="noStrike" spc="-1">
                 <a:solidFill>
                   <a:srgbClr val="000000"/>
                 </a:solidFill>
@@ -11289,15 +12414,9 @@
               </a:rPr>
               <a:t>Click to edit the outline text format</a:t>
             </a:r>
-            <a:endParaRPr b="0" lang="en-US" sz="2800" spc="-1" strike="noStrike">
-              <a:solidFill>
-                <a:srgbClr val="000000"/>
-              </a:solidFill>
-              <a:latin typeface="Arial"/>
-            </a:endParaRPr>
-          </a:p>
-          <a:p>
-            <a:pPr lvl="1" marL="864000" indent="-324000">
+          </a:p>
+          <a:p>
+            <a:pPr marL="864000" lvl="1" indent="-324000">
               <a:spcBef>
                 <a:spcPts val="1134"/>
               </a:spcBef>
@@ -11309,7 +12428,7 @@
               <a:buChar char=""/>
             </a:pPr>
             <a:r>
-              <a:rPr b="0" lang="en-US" sz="2000" spc="-1" strike="noStrike">
+              <a:rPr lang="en-US" sz="2000" b="0" strike="noStrike" spc="-1">
                 <a:solidFill>
                   <a:srgbClr val="000000"/>
                 </a:solidFill>
@@ -11317,15 +12436,9 @@
               </a:rPr>
               <a:t>Second Outline Level</a:t>
             </a:r>
-            <a:endParaRPr b="0" lang="en-US" sz="2000" spc="-1" strike="noStrike">
-              <a:solidFill>
-                <a:srgbClr val="000000"/>
-              </a:solidFill>
-              <a:latin typeface="Arial"/>
-            </a:endParaRPr>
-          </a:p>
-          <a:p>
-            <a:pPr lvl="2" marL="1296000" indent="-288000">
+          </a:p>
+          <a:p>
+            <a:pPr marL="1296000" lvl="2" indent="-288000">
               <a:spcBef>
                 <a:spcPts val="850"/>
               </a:spcBef>
@@ -11337,7 +12450,7 @@
               <a:buChar char=""/>
             </a:pPr>
             <a:r>
-              <a:rPr b="0" lang="en-US" sz="1800" spc="-1" strike="noStrike">
+              <a:rPr lang="en-US" sz="1800" b="0" strike="noStrike" spc="-1">
                 <a:solidFill>
                   <a:srgbClr val="000000"/>
                 </a:solidFill>
@@ -11345,15 +12458,9 @@
               </a:rPr>
               <a:t>Third Outline Level</a:t>
             </a:r>
-            <a:endParaRPr b="0" lang="en-US" sz="1800" spc="-1" strike="noStrike">
-              <a:solidFill>
-                <a:srgbClr val="000000"/>
-              </a:solidFill>
-              <a:latin typeface="Arial"/>
-            </a:endParaRPr>
-          </a:p>
-          <a:p>
-            <a:pPr lvl="3" marL="1728000" indent="-216000">
+          </a:p>
+          <a:p>
+            <a:pPr marL="1728000" lvl="3" indent="-216000">
               <a:spcBef>
                 <a:spcPts val="567"/>
               </a:spcBef>
@@ -11365,7 +12472,7 @@
               <a:buChar char=""/>
             </a:pPr>
             <a:r>
-              <a:rPr b="0" lang="en-US" sz="1800" spc="-1" strike="noStrike">
+              <a:rPr lang="en-US" sz="1800" b="0" strike="noStrike" spc="-1">
                 <a:solidFill>
                   <a:srgbClr val="000000"/>
                 </a:solidFill>
@@ -11373,15 +12480,9 @@
               </a:rPr>
               <a:t>Fourth Outline Level</a:t>
             </a:r>
-            <a:endParaRPr b="0" lang="en-US" sz="1800" spc="-1" strike="noStrike">
-              <a:solidFill>
-                <a:srgbClr val="000000"/>
-              </a:solidFill>
-              <a:latin typeface="Arial"/>
-            </a:endParaRPr>
-          </a:p>
-          <a:p>
-            <a:pPr lvl="4" marL="2160000" indent="-216000">
+          </a:p>
+          <a:p>
+            <a:pPr marL="2160000" lvl="4" indent="-216000">
               <a:spcBef>
                 <a:spcPts val="283"/>
               </a:spcBef>
@@ -11393,7 +12494,7 @@
               <a:buChar char=""/>
             </a:pPr>
             <a:r>
-              <a:rPr b="0" lang="en-US" sz="2000" spc="-1" strike="noStrike">
+              <a:rPr lang="en-US" sz="2000" b="0" strike="noStrike" spc="-1">
                 <a:solidFill>
                   <a:srgbClr val="000000"/>
                 </a:solidFill>
@@ -11401,15 +12502,9 @@
               </a:rPr>
               <a:t>Fifth Outline Level</a:t>
             </a:r>
-            <a:endParaRPr b="0" lang="en-US" sz="2000" spc="-1" strike="noStrike">
-              <a:solidFill>
-                <a:srgbClr val="000000"/>
-              </a:solidFill>
-              <a:latin typeface="Arial"/>
-            </a:endParaRPr>
-          </a:p>
-          <a:p>
-            <a:pPr lvl="5" marL="2592000" indent="-216000">
+          </a:p>
+          <a:p>
+            <a:pPr marL="2592000" lvl="5" indent="-216000">
               <a:spcBef>
                 <a:spcPts val="283"/>
               </a:spcBef>
@@ -11421,7 +12516,7 @@
               <a:buChar char=""/>
             </a:pPr>
             <a:r>
-              <a:rPr b="0" lang="en-US" sz="2000" spc="-1" strike="noStrike">
+              <a:rPr lang="en-US" sz="2000" b="0" strike="noStrike" spc="-1">
                 <a:solidFill>
                   <a:srgbClr val="000000"/>
                 </a:solidFill>
@@ -11429,15 +12524,9 @@
               </a:rPr>
               <a:t>Sixth Outline Level</a:t>
             </a:r>
-            <a:endParaRPr b="0" lang="en-US" sz="2000" spc="-1" strike="noStrike">
-              <a:solidFill>
-                <a:srgbClr val="000000"/>
-              </a:solidFill>
-              <a:latin typeface="Arial"/>
-            </a:endParaRPr>
-          </a:p>
-          <a:p>
-            <a:pPr lvl="6" marL="3024000" indent="-216000">
+          </a:p>
+          <a:p>
+            <a:pPr marL="3024000" lvl="6" indent="-216000">
               <a:spcBef>
                 <a:spcPts val="283"/>
               </a:spcBef>
@@ -11449,7 +12538,7 @@
               <a:buChar char=""/>
             </a:pPr>
             <a:r>
-              <a:rPr b="0" lang="en-US" sz="2000" spc="-1" strike="noStrike">
+              <a:rPr lang="en-US" sz="2000" b="0" strike="noStrike" spc="-1">
                 <a:solidFill>
                   <a:srgbClr val="000000"/>
                 </a:solidFill>
@@ -11457,37 +12546,311 @@
               </a:rPr>
               <a:t>Seventh Outline Level</a:t>
             </a:r>
-            <a:endParaRPr b="0" lang="en-US" sz="2000" spc="-1" strike="noStrike">
-              <a:solidFill>
-                <a:srgbClr val="000000"/>
-              </a:solidFill>
-              <a:latin typeface="Arial"/>
-            </a:endParaRPr>
           </a:p>
         </p:txBody>
       </p:sp>
     </p:spTree>
   </p:cSld>
-  <p:clrMap bg1="lt1" bg2="lt2" tx1="dk1" tx2="dk2" accent1="accent1" accent2="accent2" accent3="accent3" accent4="accent4" accent5="accent5" accent6="accent6" hlink="hlink" folHlink="folHlink"/>
+  <p:clrMap bg1="lt1" tx1="dk1" bg2="lt2" tx2="dk2" accent1="accent1" accent2="accent2" accent3="accent3" accent4="accent4" accent5="accent5" accent6="accent6" hlink="hlink" folHlink="folHlink"/>
   <p:sldLayoutIdLst>
-    <p:sldLayoutId id="2147483688" r:id="rId2"/>
-    <p:sldLayoutId id="2147483689" r:id="rId3"/>
-    <p:sldLayoutId id="2147483690" r:id="rId4"/>
-    <p:sldLayoutId id="2147483691" r:id="rId5"/>
-    <p:sldLayoutId id="2147483692" r:id="rId6"/>
-    <p:sldLayoutId id="2147483693" r:id="rId7"/>
-    <p:sldLayoutId id="2147483694" r:id="rId8"/>
-    <p:sldLayoutId id="2147483695" r:id="rId9"/>
-    <p:sldLayoutId id="2147483696" r:id="rId10"/>
-    <p:sldLayoutId id="2147483697" r:id="rId11"/>
-    <p:sldLayoutId id="2147483698" r:id="rId12"/>
-    <p:sldLayoutId id="2147483699" r:id="rId13"/>
+    <p:sldLayoutId id="2147483688" r:id="rId1"/>
+    <p:sldLayoutId id="2147483689" r:id="rId2"/>
+    <p:sldLayoutId id="2147483690" r:id="rId3"/>
+    <p:sldLayoutId id="2147483691" r:id="rId4"/>
+    <p:sldLayoutId id="2147483692" r:id="rId5"/>
+    <p:sldLayoutId id="2147483693" r:id="rId6"/>
+    <p:sldLayoutId id="2147483694" r:id="rId7"/>
+    <p:sldLayoutId id="2147483695" r:id="rId8"/>
+    <p:sldLayoutId id="2147483696" r:id="rId9"/>
+    <p:sldLayoutId id="2147483697" r:id="rId10"/>
+    <p:sldLayoutId id="2147483698" r:id="rId11"/>
+    <p:sldLayoutId id="2147483699" r:id="rId12"/>
   </p:sldLayoutIdLst>
+  <p:txStyles>
+    <p:titleStyle>
+      <a:lvl1pPr algn="l" defTabSz="914400" rtl="0" eaLnBrk="1" latinLnBrk="0" hangingPunct="1">
+        <a:lnSpc>
+          <a:spcPct val="90000"/>
+        </a:lnSpc>
+        <a:spcBef>
+          <a:spcPct val="0"/>
+        </a:spcBef>
+        <a:buNone/>
+        <a:defRPr sz="4400" kern="1200">
+          <a:solidFill>
+            <a:schemeClr val="tx1"/>
+          </a:solidFill>
+          <a:latin typeface="+mj-lt"/>
+          <a:ea typeface="+mj-ea"/>
+          <a:cs typeface="+mj-cs"/>
+        </a:defRPr>
+      </a:lvl1pPr>
+    </p:titleStyle>
+    <p:bodyStyle>
+      <a:lvl1pPr marL="228600" indent="-228600" algn="l" defTabSz="914400" rtl="0" eaLnBrk="1" latinLnBrk="0" hangingPunct="1">
+        <a:lnSpc>
+          <a:spcPct val="90000"/>
+        </a:lnSpc>
+        <a:spcBef>
+          <a:spcPts val="1000"/>
+        </a:spcBef>
+        <a:buFont typeface="Arial" panose="020B0604020202020204" pitchFamily="34" charset="0"/>
+        <a:buChar char="•"/>
+        <a:defRPr sz="2800" kern="1200">
+          <a:solidFill>
+            <a:schemeClr val="tx1"/>
+          </a:solidFill>
+          <a:latin typeface="+mn-lt"/>
+          <a:ea typeface="+mn-ea"/>
+          <a:cs typeface="+mn-cs"/>
+        </a:defRPr>
+      </a:lvl1pPr>
+      <a:lvl2pPr marL="685800" indent="-228600" algn="l" defTabSz="914400" rtl="0" eaLnBrk="1" latinLnBrk="0" hangingPunct="1">
+        <a:lnSpc>
+          <a:spcPct val="90000"/>
+        </a:lnSpc>
+        <a:spcBef>
+          <a:spcPts val="500"/>
+        </a:spcBef>
+        <a:buFont typeface="Arial" panose="020B0604020202020204" pitchFamily="34" charset="0"/>
+        <a:buChar char="•"/>
+        <a:defRPr sz="2400" kern="1200">
+          <a:solidFill>
+            <a:schemeClr val="tx1"/>
+          </a:solidFill>
+          <a:latin typeface="+mn-lt"/>
+          <a:ea typeface="+mn-ea"/>
+          <a:cs typeface="+mn-cs"/>
+        </a:defRPr>
+      </a:lvl2pPr>
+      <a:lvl3pPr marL="1143000" indent="-228600" algn="l" defTabSz="914400" rtl="0" eaLnBrk="1" latinLnBrk="0" hangingPunct="1">
+        <a:lnSpc>
+          <a:spcPct val="90000"/>
+        </a:lnSpc>
+        <a:spcBef>
+          <a:spcPts val="500"/>
+        </a:spcBef>
+        <a:buFont typeface="Arial" panose="020B0604020202020204" pitchFamily="34" charset="0"/>
+        <a:buChar char="•"/>
+        <a:defRPr sz="2000" kern="1200">
+          <a:solidFill>
+            <a:schemeClr val="tx1"/>
+          </a:solidFill>
+          <a:latin typeface="+mn-lt"/>
+          <a:ea typeface="+mn-ea"/>
+          <a:cs typeface="+mn-cs"/>
+        </a:defRPr>
+      </a:lvl3pPr>
+      <a:lvl4pPr marL="1600200" indent="-228600" algn="l" defTabSz="914400" rtl="0" eaLnBrk="1" latinLnBrk="0" hangingPunct="1">
+        <a:lnSpc>
+          <a:spcPct val="90000"/>
+        </a:lnSpc>
+        <a:spcBef>
+          <a:spcPts val="500"/>
+        </a:spcBef>
+        <a:buFont typeface="Arial" panose="020B0604020202020204" pitchFamily="34" charset="0"/>
+        <a:buChar char="•"/>
+        <a:defRPr sz="1800" kern="1200">
+          <a:solidFill>
+            <a:schemeClr val="tx1"/>
+          </a:solidFill>
+          <a:latin typeface="+mn-lt"/>
+          <a:ea typeface="+mn-ea"/>
+          <a:cs typeface="+mn-cs"/>
+        </a:defRPr>
+      </a:lvl4pPr>
+      <a:lvl5pPr marL="2057400" indent="-228600" algn="l" defTabSz="914400" rtl="0" eaLnBrk="1" latinLnBrk="0" hangingPunct="1">
+        <a:lnSpc>
+          <a:spcPct val="90000"/>
+        </a:lnSpc>
+        <a:spcBef>
+          <a:spcPts val="500"/>
+        </a:spcBef>
+        <a:buFont typeface="Arial" panose="020B0604020202020204" pitchFamily="34" charset="0"/>
+        <a:buChar char="•"/>
+        <a:defRPr sz="1800" kern="1200">
+          <a:solidFill>
+            <a:schemeClr val="tx1"/>
+          </a:solidFill>
+          <a:latin typeface="+mn-lt"/>
+          <a:ea typeface="+mn-ea"/>
+          <a:cs typeface="+mn-cs"/>
+        </a:defRPr>
+      </a:lvl5pPr>
+      <a:lvl6pPr marL="2514600" indent="-228600" algn="l" defTabSz="914400" rtl="0" eaLnBrk="1" latinLnBrk="0" hangingPunct="1">
+        <a:lnSpc>
+          <a:spcPct val="90000"/>
+        </a:lnSpc>
+        <a:spcBef>
+          <a:spcPts val="500"/>
+        </a:spcBef>
+        <a:buFont typeface="Arial" panose="020B0604020202020204" pitchFamily="34" charset="0"/>
+        <a:buChar char="•"/>
+        <a:defRPr sz="1800" kern="1200">
+          <a:solidFill>
+            <a:schemeClr val="tx1"/>
+          </a:solidFill>
+          <a:latin typeface="+mn-lt"/>
+          <a:ea typeface="+mn-ea"/>
+          <a:cs typeface="+mn-cs"/>
+        </a:defRPr>
+      </a:lvl6pPr>
+      <a:lvl7pPr marL="2971800" indent="-228600" algn="l" defTabSz="914400" rtl="0" eaLnBrk="1" latinLnBrk="0" hangingPunct="1">
+        <a:lnSpc>
+          <a:spcPct val="90000"/>
+        </a:lnSpc>
+        <a:spcBef>
+          <a:spcPts val="500"/>
+        </a:spcBef>
+        <a:buFont typeface="Arial" panose="020B0604020202020204" pitchFamily="34" charset="0"/>
+        <a:buChar char="•"/>
+        <a:defRPr sz="1800" kern="1200">
+          <a:solidFill>
+            <a:schemeClr val="tx1"/>
+          </a:solidFill>
+          <a:latin typeface="+mn-lt"/>
+          <a:ea typeface="+mn-ea"/>
+          <a:cs typeface="+mn-cs"/>
+        </a:defRPr>
+      </a:lvl7pPr>
+      <a:lvl8pPr marL="3429000" indent="-228600" algn="l" defTabSz="914400" rtl="0" eaLnBrk="1" latinLnBrk="0" hangingPunct="1">
+        <a:lnSpc>
+          <a:spcPct val="90000"/>
+        </a:lnSpc>
+        <a:spcBef>
+          <a:spcPts val="500"/>
+        </a:spcBef>
+        <a:buFont typeface="Arial" panose="020B0604020202020204" pitchFamily="34" charset="0"/>
+        <a:buChar char="•"/>
+        <a:defRPr sz="1800" kern="1200">
+          <a:solidFill>
+            <a:schemeClr val="tx1"/>
+          </a:solidFill>
+          <a:latin typeface="+mn-lt"/>
+          <a:ea typeface="+mn-ea"/>
+          <a:cs typeface="+mn-cs"/>
+        </a:defRPr>
+      </a:lvl8pPr>
+      <a:lvl9pPr marL="3886200" indent="-228600" algn="l" defTabSz="914400" rtl="0" eaLnBrk="1" latinLnBrk="0" hangingPunct="1">
+        <a:lnSpc>
+          <a:spcPct val="90000"/>
+        </a:lnSpc>
+        <a:spcBef>
+          <a:spcPts val="500"/>
+        </a:spcBef>
+        <a:buFont typeface="Arial" panose="020B0604020202020204" pitchFamily="34" charset="0"/>
+        <a:buChar char="•"/>
+        <a:defRPr sz="1800" kern="1200">
+          <a:solidFill>
+            <a:schemeClr val="tx1"/>
+          </a:solidFill>
+          <a:latin typeface="+mn-lt"/>
+          <a:ea typeface="+mn-ea"/>
+          <a:cs typeface="+mn-cs"/>
+        </a:defRPr>
+      </a:lvl9pPr>
+    </p:bodyStyle>
+    <p:otherStyle>
+      <a:defPPr>
+        <a:defRPr lang="en-US"/>
+      </a:defPPr>
+      <a:lvl1pPr marL="0" algn="l" defTabSz="914400" rtl="0" eaLnBrk="1" latinLnBrk="0" hangingPunct="1">
+        <a:defRPr sz="1800" kern="1200">
+          <a:solidFill>
+            <a:schemeClr val="tx1"/>
+          </a:solidFill>
+          <a:latin typeface="+mn-lt"/>
+          <a:ea typeface="+mn-ea"/>
+          <a:cs typeface="+mn-cs"/>
+        </a:defRPr>
+      </a:lvl1pPr>
+      <a:lvl2pPr marL="457200" algn="l" defTabSz="914400" rtl="0" eaLnBrk="1" latinLnBrk="0" hangingPunct="1">
+        <a:defRPr sz="1800" kern="1200">
+          <a:solidFill>
+            <a:schemeClr val="tx1"/>
+          </a:solidFill>
+          <a:latin typeface="+mn-lt"/>
+          <a:ea typeface="+mn-ea"/>
+          <a:cs typeface="+mn-cs"/>
+        </a:defRPr>
+      </a:lvl2pPr>
+      <a:lvl3pPr marL="914400" algn="l" defTabSz="914400" rtl="0" eaLnBrk="1" latinLnBrk="0" hangingPunct="1">
+        <a:defRPr sz="1800" kern="1200">
+          <a:solidFill>
+            <a:schemeClr val="tx1"/>
+          </a:solidFill>
+          <a:latin typeface="+mn-lt"/>
+          <a:ea typeface="+mn-ea"/>
+          <a:cs typeface="+mn-cs"/>
+        </a:defRPr>
+      </a:lvl3pPr>
+      <a:lvl4pPr marL="1371600" algn="l" defTabSz="914400" rtl="0" eaLnBrk="1" latinLnBrk="0" hangingPunct="1">
+        <a:defRPr sz="1800" kern="1200">
+          <a:solidFill>
+            <a:schemeClr val="tx1"/>
+          </a:solidFill>
+          <a:latin typeface="+mn-lt"/>
+          <a:ea typeface="+mn-ea"/>
+          <a:cs typeface="+mn-cs"/>
+        </a:defRPr>
+      </a:lvl4pPr>
+      <a:lvl5pPr marL="1828800" algn="l" defTabSz="914400" rtl="0" eaLnBrk="1" latinLnBrk="0" hangingPunct="1">
+        <a:defRPr sz="1800" kern="1200">
+          <a:solidFill>
+            <a:schemeClr val="tx1"/>
+          </a:solidFill>
+          <a:latin typeface="+mn-lt"/>
+          <a:ea typeface="+mn-ea"/>
+          <a:cs typeface="+mn-cs"/>
+        </a:defRPr>
+      </a:lvl5pPr>
+      <a:lvl6pPr marL="2286000" algn="l" defTabSz="914400" rtl="0" eaLnBrk="1" latinLnBrk="0" hangingPunct="1">
+        <a:defRPr sz="1800" kern="1200">
+          <a:solidFill>
+            <a:schemeClr val="tx1"/>
+          </a:solidFill>
+          <a:latin typeface="+mn-lt"/>
+          <a:ea typeface="+mn-ea"/>
+          <a:cs typeface="+mn-cs"/>
+        </a:defRPr>
+      </a:lvl6pPr>
+      <a:lvl7pPr marL="2743200" algn="l" defTabSz="914400" rtl="0" eaLnBrk="1" latinLnBrk="0" hangingPunct="1">
+        <a:defRPr sz="1800" kern="1200">
+          <a:solidFill>
+            <a:schemeClr val="tx1"/>
+          </a:solidFill>
+          <a:latin typeface="+mn-lt"/>
+          <a:ea typeface="+mn-ea"/>
+          <a:cs typeface="+mn-cs"/>
+        </a:defRPr>
+      </a:lvl7pPr>
+      <a:lvl8pPr marL="3200400" algn="l" defTabSz="914400" rtl="0" eaLnBrk="1" latinLnBrk="0" hangingPunct="1">
+        <a:defRPr sz="1800" kern="1200">
+          <a:solidFill>
+            <a:schemeClr val="tx1"/>
+          </a:solidFill>
+          <a:latin typeface="+mn-lt"/>
+          <a:ea typeface="+mn-ea"/>
+          <a:cs typeface="+mn-cs"/>
+        </a:defRPr>
+      </a:lvl8pPr>
+      <a:lvl9pPr marL="3657600" algn="l" defTabSz="914400" rtl="0" eaLnBrk="1" latinLnBrk="0" hangingPunct="1">
+        <a:defRPr sz="1800" kern="1200">
+          <a:solidFill>
+            <a:schemeClr val="tx1"/>
+          </a:solidFill>
+          <a:latin typeface="+mn-lt"/>
+          <a:ea typeface="+mn-ea"/>
+          <a:cs typeface="+mn-cs"/>
+        </a:defRPr>
+      </a:lvl9pPr>
+    </p:otherStyle>
+  </p:txStyles>
 </p:sldMaster>
 </file>
 
 <file path=ppt/slides/slide1.xml><?xml version="1.0" encoding="utf-8"?>
-<p:sld xmlns:a="http://schemas.openxmlformats.org/drawingml/2006/main" xmlns:p="http://schemas.openxmlformats.org/presentationml/2006/main" xmlns:r="http://schemas.openxmlformats.org/officeDocument/2006/relationships" xmlns:p14="http://schemas.microsoft.com/office/powerpoint/2010/main" xmlns:p15="http://schemas.microsoft.com/office/powerpoint/2012/main" xmlns:mc="http://schemas.openxmlformats.org/markup-compatibility/2006">
+<p:sld xmlns:a="http://schemas.openxmlformats.org/drawingml/2006/main" xmlns:r="http://schemas.openxmlformats.org/officeDocument/2006/relationships" xmlns:p="http://schemas.openxmlformats.org/presentationml/2006/main">
   <p:cSld>
     <p:spTree>
       <p:nvGrpSpPr>
@@ -11523,15 +12886,22 @@
           </a:ln>
         </p:spPr>
         <p:style>
-          <a:lnRef idx="0"/>
-          <a:fillRef idx="0"/>
-          <a:effectRef idx="0"/>
+          <a:lnRef idx="0">
+            <a:scrgbClr r="0" g="0" b="0"/>
+          </a:lnRef>
+          <a:fillRef idx="0">
+            <a:scrgbClr r="0" g="0" b="0"/>
+          </a:fillRef>
+          <a:effectRef idx="0">
+            <a:scrgbClr r="0" g="0" b="0"/>
+          </a:effectRef>
           <a:fontRef idx="minor"/>
         </p:style>
         <p:txBody>
-          <a:bodyPr lIns="90000" rIns="90000" tIns="45000" bIns="45000" anchor="b">
+          <a:bodyPr lIns="90000" tIns="45000" rIns="90000" bIns="45000" anchor="b">
             <a:noAutofit/>
           </a:bodyPr>
+          <a:lstStyle/>
           <a:p>
             <a:pPr algn="r">
               <a:lnSpc>
@@ -11539,16 +12909,16 @@
               </a:lnSpc>
             </a:pPr>
             <a:r>
-              <a:rPr b="0" lang="en-US" sz="5400" spc="-1" strike="noStrike">
+              <a:rPr lang="en-US" sz="5400" b="0" strike="noStrike" spc="-1">
                 <a:solidFill>
-                  <a:srgbClr val="4f81bd"/>
+                  <a:srgbClr val="4F81BD"/>
                 </a:solidFill>
                 <a:latin typeface="Trebuchet MS"/>
                 <a:ea typeface="DejaVu Sans"/>
               </a:rPr>
               <a:t>Programming Language Advances in Racket</a:t>
             </a:r>
-            <a:endParaRPr b="0" lang="en-US" sz="5400" spc="-1" strike="noStrike">
+            <a:endParaRPr lang="en-US" sz="5400" b="0" strike="noStrike" spc="-1">
               <a:latin typeface="Arial"/>
             </a:endParaRPr>
           </a:p>
@@ -11574,15 +12944,22 @@
           </a:ln>
         </p:spPr>
         <p:style>
-          <a:lnRef idx="0"/>
-          <a:fillRef idx="0"/>
-          <a:effectRef idx="0"/>
+          <a:lnRef idx="0">
+            <a:scrgbClr r="0" g="0" b="0"/>
+          </a:lnRef>
+          <a:fillRef idx="0">
+            <a:scrgbClr r="0" g="0" b="0"/>
+          </a:fillRef>
+          <a:effectRef idx="0">
+            <a:scrgbClr r="0" g="0" b="0"/>
+          </a:effectRef>
           <a:fontRef idx="minor"/>
         </p:style>
         <p:txBody>
-          <a:bodyPr lIns="90000" rIns="90000" tIns="45000" bIns="45000">
+          <a:bodyPr lIns="90000" tIns="45000" rIns="90000" bIns="45000">
             <a:normAutofit/>
           </a:bodyPr>
+          <a:lstStyle/>
           <a:p>
             <a:pPr algn="r">
               <a:lnSpc>
@@ -11592,11 +12969,11 @@
                 <a:spcPts val="1001"/>
               </a:spcBef>
               <a:tabLst>
-                <a:tab algn="l" pos="0"/>
+                <a:tab pos="0" algn="l"/>
               </a:tabLst>
             </a:pPr>
             <a:r>
-              <a:rPr b="0" lang="en-US" sz="1800" spc="-1" strike="noStrike">
+              <a:rPr lang="en-US" sz="1800" b="0" strike="noStrike" spc="-1">
                 <a:solidFill>
                   <a:srgbClr val="808080"/>
                 </a:solidFill>
@@ -11605,7 +12982,7 @@
               </a:rPr>
               <a:t>CSC 201 Section 3, Team 4</a:t>
             </a:r>
-            <a:endParaRPr b="0" lang="en-US" sz="1800" spc="-1" strike="noStrike">
+            <a:endParaRPr lang="en-US" sz="1800" b="0" strike="noStrike" spc="-1">
               <a:latin typeface="Arial"/>
             </a:endParaRPr>
           </a:p>
@@ -11618,11 +12995,11 @@
                 <a:spcPts val="1001"/>
               </a:spcBef>
               <a:tabLst>
-                <a:tab algn="l" pos="0"/>
+                <a:tab pos="0" algn="l"/>
               </a:tabLst>
             </a:pPr>
             <a:r>
-              <a:rPr b="0" lang="en-US" sz="1800" spc="-1" strike="noStrike">
+              <a:rPr lang="en-US" sz="1800" b="0" strike="noStrike" spc="-1">
                 <a:solidFill>
                   <a:srgbClr val="808080"/>
                 </a:solidFill>
@@ -11631,7 +13008,7 @@
               </a:rPr>
               <a:t>Nitin Nath</a:t>
             </a:r>
-            <a:endParaRPr b="0" lang="en-US" sz="1800" spc="-1" strike="noStrike">
+            <a:endParaRPr lang="en-US" sz="1800" b="0" strike="noStrike" spc="-1">
               <a:latin typeface="Arial"/>
             </a:endParaRPr>
           </a:p>
@@ -11644,11 +13021,11 @@
                 <a:spcPts val="1001"/>
               </a:spcBef>
               <a:tabLst>
-                <a:tab algn="l" pos="0"/>
+                <a:tab pos="0" algn="l"/>
               </a:tabLst>
             </a:pPr>
             <a:r>
-              <a:rPr b="0" lang="en-US" sz="1800" spc="-1" strike="noStrike">
+              <a:rPr lang="en-US" sz="1800" b="0" strike="noStrike" spc="-1">
                 <a:solidFill>
                   <a:srgbClr val="808080"/>
                 </a:solidFill>
@@ -11657,7 +13034,7 @@
               </a:rPr>
               <a:t>Jeffrey Byrnes</a:t>
             </a:r>
-            <a:endParaRPr b="0" lang="en-US" sz="1800" spc="-1" strike="noStrike">
+            <a:endParaRPr lang="en-US" sz="1800" b="0" strike="noStrike" spc="-1">
               <a:latin typeface="Arial"/>
             </a:endParaRPr>
           </a:p>
@@ -11670,11 +13047,11 @@
                 <a:spcPts val="1001"/>
               </a:spcBef>
               <a:tabLst>
-                <a:tab algn="l" pos="0"/>
+                <a:tab pos="0" algn="l"/>
               </a:tabLst>
             </a:pPr>
             <a:r>
-              <a:rPr b="0" lang="en-US" sz="1800" spc="-1" strike="noStrike">
+              <a:rPr lang="en-US" sz="1800" b="0" strike="noStrike" spc="-1">
                 <a:solidFill>
                   <a:srgbClr val="808080"/>
                 </a:solidFill>
@@ -11683,7 +13060,7 @@
               </a:rPr>
               <a:t>Steven Mackey</a:t>
             </a:r>
-            <a:endParaRPr b="0" lang="en-US" sz="1800" spc="-1" strike="noStrike">
+            <a:endParaRPr lang="en-US" sz="1800" b="0" strike="noStrike" spc="-1">
               <a:latin typeface="Arial"/>
             </a:endParaRPr>
           </a:p>
@@ -11696,11 +13073,11 @@
                 <a:spcPts val="1001"/>
               </a:spcBef>
               <a:tabLst>
-                <a:tab algn="l" pos="0"/>
+                <a:tab pos="0" algn="l"/>
               </a:tabLst>
             </a:pPr>
             <a:r>
-              <a:rPr b="0" lang="en-US" sz="1800" spc="-1" strike="noStrike">
+              <a:rPr lang="en-US" sz="1800" b="0" strike="noStrike" spc="-1">
                 <a:solidFill>
                   <a:srgbClr val="808080"/>
                 </a:solidFill>
@@ -11709,27 +13086,52 @@
               </a:rPr>
               <a:t>Alex Nosenko</a:t>
             </a:r>
-            <a:endParaRPr b="0" lang="en-US" sz="1800" spc="-1" strike="noStrike">
-              <a:latin typeface="Arial"/>
-            </a:endParaRPr>
-          </a:p>
-        </p:txBody>
-      </p:sp>
+            <a:endParaRPr lang="en-US" sz="1800" b="0" strike="noStrike" spc="-1">
+              <a:latin typeface="Arial"/>
+            </a:endParaRPr>
+          </a:p>
+        </p:txBody>
+      </p:sp>
+      <p:pic>
+        <p:nvPicPr>
+          <p:cNvPr id="3" name="Picture 2">
+            <a:extLst>
+              <a:ext uri="{FF2B5EF4-FFF2-40B4-BE49-F238E27FC236}">
+                <a16:creationId xmlns:a16="http://schemas.microsoft.com/office/drawing/2014/main" id="{BEF9B38B-8FD9-4748-BF30-A7F98136502C}"/>
+              </a:ext>
+            </a:extLst>
+          </p:cNvPr>
+          <p:cNvPicPr>
+            <a:picLocks noChangeAspect="1"/>
+          </p:cNvPicPr>
+          <p:nvPr/>
+        </p:nvPicPr>
+        <p:blipFill>
+          <a:blip r:embed="rId2"/>
+          <a:stretch>
+            <a:fillRect/>
+          </a:stretch>
+        </p:blipFill>
+        <p:spPr>
+          <a:xfrm>
+            <a:off x="765684" y="4404851"/>
+            <a:ext cx="2388166" cy="2221936"/>
+          </a:xfrm>
+          <a:prstGeom prst="rect">
+            <a:avLst/>
+          </a:prstGeom>
+        </p:spPr>
+      </p:pic>
     </p:spTree>
   </p:cSld>
-  <mc:AlternateContent>
-    <mc:Choice Requires="p14">
-      <p:transition spd="slow" p14:dur="2000"/>
-    </mc:Choice>
-    <mc:Fallback>
-      <p:transition spd="slow"/>
-    </mc:Fallback>
-  </mc:AlternateContent>
+  <p:clrMapOvr>
+    <a:masterClrMapping/>
+  </p:clrMapOvr>
 </p:sld>
 </file>
 
 <file path=ppt/slides/slide2.xml><?xml version="1.0" encoding="utf-8"?>
-<p:sld xmlns:a="http://schemas.openxmlformats.org/drawingml/2006/main" xmlns:p="http://schemas.openxmlformats.org/presentationml/2006/main" xmlns:r="http://schemas.openxmlformats.org/officeDocument/2006/relationships" xmlns:p14="http://schemas.microsoft.com/office/powerpoint/2010/main" xmlns:p15="http://schemas.microsoft.com/office/powerpoint/2012/main" xmlns:mc="http://schemas.openxmlformats.org/markup-compatibility/2006">
+<p:sld xmlns:a="http://schemas.openxmlformats.org/drawingml/2006/main" xmlns:r="http://schemas.openxmlformats.org/officeDocument/2006/relationships" xmlns:p="http://schemas.openxmlformats.org/presentationml/2006/main">
   <p:cSld>
     <p:spTree>
       <p:nvGrpSpPr>
@@ -11765,15 +13167,22 @@
           </a:ln>
         </p:spPr>
         <p:style>
-          <a:lnRef idx="0"/>
-          <a:fillRef idx="0"/>
-          <a:effectRef idx="0"/>
+          <a:lnRef idx="0">
+            <a:scrgbClr r="0" g="0" b="0"/>
+          </a:lnRef>
+          <a:fillRef idx="0">
+            <a:scrgbClr r="0" g="0" b="0"/>
+          </a:fillRef>
+          <a:effectRef idx="0">
+            <a:scrgbClr r="0" g="0" b="0"/>
+          </a:effectRef>
           <a:fontRef idx="minor"/>
         </p:style>
         <p:txBody>
-          <a:bodyPr lIns="90000" rIns="90000" tIns="45000" bIns="45000" anchor="b">
+          <a:bodyPr lIns="90000" tIns="45000" rIns="90000" bIns="45000" anchor="b">
             <a:noAutofit/>
           </a:bodyPr>
+          <a:lstStyle/>
           <a:p>
             <a:pPr algn="r">
               <a:lnSpc>
@@ -11781,16 +13190,16 @@
               </a:lnSpc>
             </a:pPr>
             <a:r>
-              <a:rPr b="0" lang="en-US" sz="5400" spc="-1" strike="noStrike">
+              <a:rPr lang="en-US" sz="5400" b="0" strike="noStrike" spc="-1">
                 <a:solidFill>
-                  <a:srgbClr val="4f81bd"/>
+                  <a:srgbClr val="4F81BD"/>
                 </a:solidFill>
                 <a:latin typeface="Trebuchet MS"/>
                 <a:ea typeface="DejaVu Sans"/>
               </a:rPr>
               <a:t>Main Characteristics and main Strengths of Racket</a:t>
             </a:r>
-            <a:endParaRPr b="0" lang="en-US" sz="5400" spc="-1" strike="noStrike">
+            <a:endParaRPr lang="en-US" sz="5400" b="0" strike="noStrike" spc="-1">
               <a:latin typeface="Arial"/>
             </a:endParaRPr>
           </a:p>
@@ -11816,15 +13225,22 @@
           </a:ln>
         </p:spPr>
         <p:style>
-          <a:lnRef idx="0"/>
-          <a:fillRef idx="0"/>
-          <a:effectRef idx="0"/>
+          <a:lnRef idx="0">
+            <a:scrgbClr r="0" g="0" b="0"/>
+          </a:lnRef>
+          <a:fillRef idx="0">
+            <a:scrgbClr r="0" g="0" b="0"/>
+          </a:fillRef>
+          <a:effectRef idx="0">
+            <a:scrgbClr r="0" g="0" b="0"/>
+          </a:effectRef>
           <a:fontRef idx="minor"/>
         </p:style>
         <p:txBody>
-          <a:bodyPr lIns="90000" rIns="90000" tIns="45000" bIns="45000">
+          <a:bodyPr lIns="90000" tIns="45000" rIns="90000" bIns="45000">
             <a:normAutofit/>
           </a:bodyPr>
+          <a:lstStyle/>
           <a:p>
             <a:pPr>
               <a:lnSpc>
@@ -11834,11 +13250,11 @@
                 <a:spcPts val="1001"/>
               </a:spcBef>
               <a:tabLst>
-                <a:tab algn="l" pos="0"/>
+                <a:tab pos="0" algn="l"/>
               </a:tabLst>
             </a:pPr>
             <a:r>
-              <a:rPr b="0" lang="en-US" sz="1800" spc="-1" strike="noStrike">
+              <a:rPr lang="en-US" sz="1800" b="0" strike="noStrike" spc="-1">
                 <a:solidFill>
                   <a:srgbClr val="000000"/>
                 </a:solidFill>
@@ -11848,18 +13264,18 @@
               <a:t>source: </a:t>
             </a:r>
             <a:r>
-              <a:rPr b="0" lang="en-US" sz="1800" spc="-1" strike="noStrike" u="sng">
+              <a:rPr lang="en-US" sz="1800" b="0" u="sng" strike="noStrike" spc="-1">
                 <a:solidFill>
-                  <a:srgbClr val="0000ff"/>
+                  <a:srgbClr val="0000FF"/>
                 </a:solidFill>
                 <a:uFillTx/>
                 <a:latin typeface="Arial"/>
                 <a:ea typeface="DejaVu Sans"/>
-                <a:hlinkClick r:id="rId1"/>
+                <a:hlinkClick r:id="rId2"/>
               </a:rPr>
               <a:t>https://racket-lang.org/</a:t>
             </a:r>
-            <a:endParaRPr b="0" lang="en-US" sz="1800" spc="-1" strike="noStrike">
+            <a:endParaRPr lang="en-US" sz="1800" b="0" strike="noStrike" spc="-1">
               <a:latin typeface="Arial"/>
             </a:endParaRPr>
           </a:p>
@@ -11877,11 +13293,11 @@
               <a:buFont typeface="Arial"/>
               <a:buChar char="•"/>
               <a:tabLst>
-                <a:tab algn="l" pos="0"/>
+                <a:tab pos="0" algn="l"/>
               </a:tabLst>
             </a:pPr>
             <a:r>
-              <a:rPr b="0" lang="en-US" sz="1800" spc="-1" strike="noStrike">
+              <a:rPr lang="en-US" sz="1800" b="0" strike="noStrike" spc="-1">
                 <a:solidFill>
                   <a:srgbClr val="000000"/>
                 </a:solidFill>
@@ -11892,7 +13308,7 @@
             </a:r>
             <a:br/>
             <a:r>
-              <a:rPr b="0" lang="en-US" sz="1800" spc="-1" strike="noStrike">
+              <a:rPr lang="en-US" sz="1800" b="0" strike="noStrike" spc="-1">
                 <a:solidFill>
                   <a:srgbClr val="000000"/>
                 </a:solidFill>
@@ -11903,98 +13319,38 @@
             </a:r>
             <a:br/>
             <a:r>
-              <a:rPr b="0" lang="en-US" sz="1800" spc="-1" strike="noStrike">
+              <a:rPr lang="en-US" sz="1800" b="0" strike="noStrike" spc="-1">
                 <a:solidFill>
                   <a:srgbClr val="000000"/>
                 </a:solidFill>
                 <a:latin typeface="Arial"/>
                 <a:ea typeface="DejaVu Sans"/>
               </a:rPr>
-              <a:t>     -</a:t>
+              <a:t>     -	Windows</a:t>
             </a:r>
+            <a:br/>
             <a:r>
-              <a:rPr b="0" lang="en-US" sz="1800" spc="-1" strike="noStrike">
+              <a:rPr lang="en-US" sz="1800" b="0" strike="noStrike" spc="-1">
                 <a:solidFill>
                   <a:srgbClr val="000000"/>
                 </a:solidFill>
                 <a:latin typeface="Arial"/>
                 <a:ea typeface="DejaVu Sans"/>
               </a:rPr>
-              <a:t>	</a:t>
+              <a:t>     -	Linux</a:t>
             </a:r>
+            <a:br/>
             <a:r>
-              <a:rPr b="0" lang="en-US" sz="1800" spc="-1" strike="noStrike">
+              <a:rPr lang="en-US" sz="1800" b="0" strike="noStrike" spc="-1">
                 <a:solidFill>
                   <a:srgbClr val="000000"/>
                 </a:solidFill>
                 <a:latin typeface="Arial"/>
                 <a:ea typeface="DejaVu Sans"/>
               </a:rPr>
-              <a:t>Windows</a:t>
+              <a:t>     -	MacOS</a:t>
             </a:r>
-            <a:br/>
-            <a:r>
-              <a:rPr b="0" lang="en-US" sz="1800" spc="-1" strike="noStrike">
-                <a:solidFill>
-                  <a:srgbClr val="000000"/>
-                </a:solidFill>
-                <a:latin typeface="Arial"/>
-                <a:ea typeface="DejaVu Sans"/>
-              </a:rPr>
-              <a:t>     -</a:t>
-            </a:r>
-            <a:r>
-              <a:rPr b="0" lang="en-US" sz="1800" spc="-1" strike="noStrike">
-                <a:solidFill>
-                  <a:srgbClr val="000000"/>
-                </a:solidFill>
-                <a:latin typeface="Arial"/>
-                <a:ea typeface="DejaVu Sans"/>
-              </a:rPr>
-              <a:t>	</a:t>
-            </a:r>
-            <a:r>
-              <a:rPr b="0" lang="en-US" sz="1800" spc="-1" strike="noStrike">
-                <a:solidFill>
-                  <a:srgbClr val="000000"/>
-                </a:solidFill>
-                <a:latin typeface="Arial"/>
-                <a:ea typeface="DejaVu Sans"/>
-              </a:rPr>
-              <a:t>Linux</a:t>
-            </a:r>
-            <a:br/>
-            <a:r>
-              <a:rPr b="0" lang="en-US" sz="1800" spc="-1" strike="noStrike">
-                <a:solidFill>
-                  <a:srgbClr val="000000"/>
-                </a:solidFill>
-                <a:latin typeface="Arial"/>
-                <a:ea typeface="DejaVu Sans"/>
-              </a:rPr>
-              <a:t>     -</a:t>
-            </a:r>
-            <a:r>
-              <a:rPr b="0" lang="en-US" sz="1800" spc="-1" strike="noStrike">
-                <a:solidFill>
-                  <a:srgbClr val="000000"/>
-                </a:solidFill>
-                <a:latin typeface="Arial"/>
-                <a:ea typeface="DejaVu Sans"/>
-              </a:rPr>
-              <a:t>	</a:t>
-            </a:r>
-            <a:r>
-              <a:rPr b="0" lang="en-US" sz="1800" spc="-1" strike="noStrike">
-                <a:solidFill>
-                  <a:srgbClr val="000000"/>
-                </a:solidFill>
-                <a:latin typeface="Arial"/>
-                <a:ea typeface="DejaVu Sans"/>
-              </a:rPr>
-              <a:t>MacOS</a:t>
-            </a:r>
-            <a:endParaRPr b="0" lang="en-US" sz="1800" spc="-1" strike="noStrike">
+            <a:endParaRPr lang="en-US" sz="1800" b="0" strike="noStrike" spc="-1">
               <a:latin typeface="Arial"/>
             </a:endParaRPr>
           </a:p>
@@ -12012,11 +13368,11 @@
               <a:buFont typeface="Arial"/>
               <a:buChar char="•"/>
               <a:tabLst>
-                <a:tab algn="l" pos="0"/>
+                <a:tab pos="0" algn="l"/>
               </a:tabLst>
             </a:pPr>
             <a:r>
-              <a:rPr b="0" lang="en-US" sz="1800" spc="-1" strike="noStrike">
+              <a:rPr lang="en-US" sz="1800" b="0" strike="noStrike" spc="-1">
                 <a:solidFill>
                   <a:srgbClr val="000000"/>
                 </a:solidFill>
@@ -12027,7 +13383,7 @@
             </a:r>
             <a:br/>
             <a:r>
-              <a:rPr b="0" lang="en-US" sz="1800" spc="-1" strike="noStrike">
+              <a:rPr lang="en-US" sz="1800" b="0" strike="noStrike" spc="-1">
                 <a:solidFill>
                   <a:srgbClr val="000000"/>
                 </a:solidFill>
@@ -12038,7 +13394,7 @@
             </a:r>
             <a:br/>
             <a:r>
-              <a:rPr b="0" lang="en-US" sz="1800" spc="-1" strike="noStrike">
+              <a:rPr lang="en-US" sz="1800" b="0" strike="noStrike" spc="-1">
                 <a:solidFill>
                   <a:srgbClr val="000000"/>
                 </a:solidFill>
@@ -12049,7 +13405,7 @@
             </a:r>
             <a:br/>
             <a:r>
-              <a:rPr b="0" lang="en-US" sz="1800" spc="-1" strike="noStrike">
+              <a:rPr lang="en-US" sz="1800" b="0" strike="noStrike" spc="-1">
                 <a:solidFill>
                   <a:srgbClr val="000000"/>
                 </a:solidFill>
@@ -12060,7 +13416,7 @@
             </a:r>
             <a:br/>
             <a:r>
-              <a:rPr b="0" lang="en-US" sz="1800" spc="-1" strike="noStrike">
+              <a:rPr lang="en-US" sz="1800" b="0" strike="noStrike" spc="-1">
                 <a:solidFill>
                   <a:srgbClr val="000000"/>
                 </a:solidFill>
@@ -12069,7 +13425,7 @@
               </a:rPr>
               <a:t>  - Foreign Interface such as Ctype</a:t>
             </a:r>
-            <a:endParaRPr b="0" lang="en-US" sz="1800" spc="-1" strike="noStrike">
+            <a:endParaRPr lang="en-US" sz="1800" b="0" strike="noStrike" spc="-1">
               <a:latin typeface="Arial"/>
             </a:endParaRPr>
           </a:p>
@@ -12077,19 +13433,14 @@
       </p:sp>
     </p:spTree>
   </p:cSld>
-  <mc:AlternateContent>
-    <mc:Choice Requires="p14">
-      <p:transition spd="slow" p14:dur="2000"/>
-    </mc:Choice>
-    <mc:Fallback>
-      <p:transition spd="slow"/>
-    </mc:Fallback>
-  </mc:AlternateContent>
+  <p:clrMapOvr>
+    <a:masterClrMapping/>
+  </p:clrMapOvr>
 </p:sld>
 </file>
 
 <file path=ppt/slides/slide3.xml><?xml version="1.0" encoding="utf-8"?>
-<p:sld xmlns:a="http://schemas.openxmlformats.org/drawingml/2006/main" xmlns:p="http://schemas.openxmlformats.org/presentationml/2006/main" xmlns:r="http://schemas.openxmlformats.org/officeDocument/2006/relationships" xmlns:p14="http://schemas.microsoft.com/office/powerpoint/2010/main" xmlns:p15="http://schemas.microsoft.com/office/powerpoint/2012/main" xmlns:mc="http://schemas.openxmlformats.org/markup-compatibility/2006">
+<p:sld xmlns:a="http://schemas.openxmlformats.org/drawingml/2006/main" xmlns:r="http://schemas.openxmlformats.org/officeDocument/2006/relationships" xmlns:p="http://schemas.openxmlformats.org/presentationml/2006/main">
   <p:cSld>
     <p:spTree>
       <p:nvGrpSpPr>
@@ -12125,15 +13476,22 @@
           </a:ln>
         </p:spPr>
         <p:style>
-          <a:lnRef idx="0"/>
-          <a:fillRef idx="0"/>
-          <a:effectRef idx="0"/>
+          <a:lnRef idx="0">
+            <a:scrgbClr r="0" g="0" b="0"/>
+          </a:lnRef>
+          <a:fillRef idx="0">
+            <a:scrgbClr r="0" g="0" b="0"/>
+          </a:fillRef>
+          <a:effectRef idx="0">
+            <a:scrgbClr r="0" g="0" b="0"/>
+          </a:effectRef>
           <a:fontRef idx="minor"/>
         </p:style>
         <p:txBody>
-          <a:bodyPr lIns="90000" rIns="90000" tIns="45000" bIns="45000" anchor="b">
+          <a:bodyPr lIns="90000" tIns="45000" rIns="90000" bIns="45000" anchor="b">
             <a:noAutofit/>
           </a:bodyPr>
+          <a:lstStyle/>
           <a:p>
             <a:pPr algn="r">
               <a:lnSpc>
@@ -12141,16 +13499,16 @@
               </a:lnSpc>
             </a:pPr>
             <a:r>
-              <a:rPr b="0" lang="en-US" sz="5400" spc="-1" strike="noStrike">
+              <a:rPr lang="en-US" sz="5400" b="0" strike="noStrike" spc="-1">
                 <a:solidFill>
-                  <a:srgbClr val="4f81bd"/>
+                  <a:srgbClr val="4F81BD"/>
                 </a:solidFill>
                 <a:latin typeface="Trebuchet MS"/>
                 <a:ea typeface="DejaVu Sans"/>
               </a:rPr>
               <a:t>Main Characteristics and main Strengths of Racket</a:t>
             </a:r>
-            <a:endParaRPr b="0" lang="en-US" sz="5400" spc="-1" strike="noStrike">
+            <a:endParaRPr lang="en-US" sz="5400" b="0" strike="noStrike" spc="-1">
               <a:latin typeface="Arial"/>
             </a:endParaRPr>
           </a:p>
@@ -12176,15 +13534,22 @@
           </a:ln>
         </p:spPr>
         <p:style>
-          <a:lnRef idx="0"/>
-          <a:fillRef idx="0"/>
-          <a:effectRef idx="0"/>
+          <a:lnRef idx="0">
+            <a:scrgbClr r="0" g="0" b="0"/>
+          </a:lnRef>
+          <a:fillRef idx="0">
+            <a:scrgbClr r="0" g="0" b="0"/>
+          </a:fillRef>
+          <a:effectRef idx="0">
+            <a:scrgbClr r="0" g="0" b="0"/>
+          </a:effectRef>
           <a:fontRef idx="minor"/>
         </p:style>
         <p:txBody>
-          <a:bodyPr lIns="90000" rIns="90000" tIns="45000" bIns="45000">
+          <a:bodyPr lIns="90000" tIns="45000" rIns="90000" bIns="45000">
             <a:normAutofit/>
           </a:bodyPr>
+          <a:lstStyle/>
           <a:p>
             <a:pPr marL="285840" indent="-285480">
               <a:lnSpc>
@@ -12199,11 +13564,11 @@
               <a:buFont typeface="Arial"/>
               <a:buChar char="•"/>
               <a:tabLst>
-                <a:tab algn="l" pos="0"/>
+                <a:tab pos="0" algn="l"/>
               </a:tabLst>
             </a:pPr>
             <a:r>
-              <a:rPr b="0" lang="en-US" sz="1800" spc="-1" strike="noStrike">
+              <a:rPr lang="en-US" sz="1800" b="0" strike="noStrike" spc="-1">
                 <a:solidFill>
                   <a:srgbClr val="000000"/>
                 </a:solidFill>
@@ -12214,7 +13579,7 @@
             </a:r>
             <a:br/>
             <a:r>
-              <a:rPr b="0" lang="en-US" sz="1800" spc="-1" strike="noStrike">
+              <a:rPr lang="en-US" sz="1800" b="0" strike="noStrike" spc="-1">
                 <a:solidFill>
                   <a:srgbClr val="000000"/>
                 </a:solidFill>
@@ -12225,7 +13590,7 @@
             </a:r>
             <a:br/>
             <a:r>
-              <a:rPr b="0" lang="en-US" sz="1800" spc="-1" strike="noStrike">
+              <a:rPr lang="en-US" sz="1800" b="0" strike="noStrike" spc="-1">
                 <a:solidFill>
                   <a:srgbClr val="000000"/>
                 </a:solidFill>
@@ -12236,7 +13601,7 @@
             </a:r>
             <a:br/>
             <a:r>
-              <a:rPr b="0" lang="en-US" sz="1800" spc="-1" strike="noStrike">
+              <a:rPr lang="en-US" sz="1800" b="0" strike="noStrike" spc="-1">
                 <a:solidFill>
                   <a:srgbClr val="000000"/>
                 </a:solidFill>
@@ -12247,7 +13612,7 @@
             </a:r>
             <a:br/>
             <a:r>
-              <a:rPr b="0" lang="en-US" sz="1800" spc="-1" strike="noStrike">
+              <a:rPr lang="en-US" sz="1800" b="0" strike="noStrike" spc="-1">
                 <a:solidFill>
                   <a:srgbClr val="000000"/>
                 </a:solidFill>
@@ -12258,7 +13623,7 @@
             </a:r>
             <a:br/>
             <a:r>
-              <a:rPr b="0" lang="en-US" sz="1800" spc="-1" strike="noStrike">
+              <a:rPr lang="en-US" sz="1800" b="0" strike="noStrike" spc="-1">
                 <a:solidFill>
                   <a:srgbClr val="000000"/>
                 </a:solidFill>
@@ -12267,7 +13632,7 @@
               </a:rPr>
               <a:t>   - Parsing Libraries</a:t>
             </a:r>
-            <a:endParaRPr b="0" lang="en-US" sz="1800" spc="-1" strike="noStrike">
+            <a:endParaRPr lang="en-US" sz="1800" b="0" strike="noStrike" spc="-1">
               <a:latin typeface="Arial"/>
             </a:endParaRPr>
           </a:p>
@@ -12280,10 +13645,10 @@
                 <a:spcPts val="1001"/>
               </a:spcBef>
               <a:tabLst>
-                <a:tab algn="l" pos="0"/>
+                <a:tab pos="0" algn="l"/>
               </a:tabLst>
             </a:pPr>
-            <a:endParaRPr b="0" lang="en-US" sz="1800" spc="-1" strike="noStrike">
+            <a:endParaRPr lang="en-US" sz="1800" b="0" strike="noStrike" spc="-1">
               <a:latin typeface="Arial"/>
             </a:endParaRPr>
           </a:p>
@@ -12301,11 +13666,11 @@
               <a:buFont typeface="Arial"/>
               <a:buChar char="•"/>
               <a:tabLst>
-                <a:tab algn="l" pos="0"/>
+                <a:tab pos="0" algn="l"/>
               </a:tabLst>
             </a:pPr>
             <a:r>
-              <a:rPr b="0" lang="en-US" sz="1800" spc="-1" strike="noStrike">
+              <a:rPr lang="en-US" sz="1800" b="0" strike="noStrike" spc="-1">
                 <a:solidFill>
                   <a:srgbClr val="000000"/>
                 </a:solidFill>
@@ -12316,7 +13681,7 @@
             </a:r>
             <a:br/>
             <a:r>
-              <a:rPr b="0" lang="en-US" sz="1800" spc="-1" strike="noStrike">
+              <a:rPr lang="en-US" sz="1800" b="0" strike="noStrike" spc="-1">
                 <a:solidFill>
                   <a:srgbClr val="000000"/>
                 </a:solidFill>
@@ -12327,7 +13692,7 @@
             </a:r>
             <a:br/>
             <a:r>
-              <a:rPr b="0" lang="en-US" sz="1800" spc="-1" strike="noStrike">
+              <a:rPr lang="en-US" sz="1800" b="0" strike="noStrike" spc="-1">
                 <a:solidFill>
                   <a:srgbClr val="000000"/>
                 </a:solidFill>
@@ -12338,7 +13703,7 @@
             </a:r>
             <a:br/>
             <a:r>
-              <a:rPr b="0" lang="en-US" sz="1800" spc="-1" strike="noStrike">
+              <a:rPr lang="en-US" sz="1800" b="0" strike="noStrike" spc="-1">
                 <a:solidFill>
                   <a:srgbClr val="000000"/>
                 </a:solidFill>
@@ -12349,7 +13714,7 @@
             </a:r>
             <a:br/>
             <a:r>
-              <a:rPr b="0" lang="en-US" sz="1800" spc="-1" strike="noStrike">
+              <a:rPr lang="en-US" sz="1800" b="0" strike="noStrike" spc="-1">
                 <a:solidFill>
                   <a:srgbClr val="000000"/>
                 </a:solidFill>
@@ -12360,7 +13725,7 @@
             </a:r>
             <a:br/>
             <a:r>
-              <a:rPr b="0" lang="en-US" sz="1800" spc="-1" strike="noStrike">
+              <a:rPr lang="en-US" sz="1800" b="0" strike="noStrike" spc="-1">
                 <a:solidFill>
                   <a:srgbClr val="000000"/>
                 </a:solidFill>
@@ -12369,7 +13734,7 @@
               </a:rPr>
               <a:t>      * The Typed Contract Guide</a:t>
             </a:r>
-            <a:endParaRPr b="0" lang="en-US" sz="1800" spc="-1" strike="noStrike">
+            <a:endParaRPr lang="en-US" sz="1800" b="0" strike="noStrike" spc="-1">
               <a:latin typeface="Arial"/>
             </a:endParaRPr>
           </a:p>
@@ -12377,19 +13742,14 @@
       </p:sp>
     </p:spTree>
   </p:cSld>
-  <mc:AlternateContent>
-    <mc:Choice Requires="p14">
-      <p:transition spd="slow" p14:dur="2000"/>
-    </mc:Choice>
-    <mc:Fallback>
-      <p:transition spd="slow"/>
-    </mc:Fallback>
-  </mc:AlternateContent>
+  <p:clrMapOvr>
+    <a:masterClrMapping/>
+  </p:clrMapOvr>
 </p:sld>
 </file>
 
 <file path=ppt/slides/slide4.xml><?xml version="1.0" encoding="utf-8"?>
-<p:sld xmlns:a="http://schemas.openxmlformats.org/drawingml/2006/main" xmlns:p="http://schemas.openxmlformats.org/presentationml/2006/main" xmlns:r="http://schemas.openxmlformats.org/officeDocument/2006/relationships" xmlns:p14="http://schemas.microsoft.com/office/powerpoint/2010/main" xmlns:p15="http://schemas.microsoft.com/office/powerpoint/2012/main" xmlns:mc="http://schemas.openxmlformats.org/markup-compatibility/2006">
+<p:sld xmlns:a="http://schemas.openxmlformats.org/drawingml/2006/main" xmlns:r="http://schemas.openxmlformats.org/officeDocument/2006/relationships" xmlns:p="http://schemas.openxmlformats.org/presentationml/2006/main">
   <p:cSld>
     <p:spTree>
       <p:nvGrpSpPr>
@@ -12425,15 +13785,22 @@
           </a:ln>
         </p:spPr>
         <p:style>
-          <a:lnRef idx="0"/>
-          <a:fillRef idx="0"/>
-          <a:effectRef idx="0"/>
+          <a:lnRef idx="0">
+            <a:scrgbClr r="0" g="0" b="0"/>
+          </a:lnRef>
+          <a:fillRef idx="0">
+            <a:scrgbClr r="0" g="0" b="0"/>
+          </a:fillRef>
+          <a:effectRef idx="0">
+            <a:scrgbClr r="0" g="0" b="0"/>
+          </a:effectRef>
           <a:fontRef idx="minor"/>
         </p:style>
         <p:txBody>
-          <a:bodyPr lIns="90000" rIns="90000" tIns="45000" bIns="45000" anchor="b">
+          <a:bodyPr lIns="90000" tIns="45000" rIns="90000" bIns="45000" anchor="b">
             <a:noAutofit/>
           </a:bodyPr>
+          <a:lstStyle/>
           <a:p>
             <a:pPr algn="r">
               <a:lnSpc>
@@ -12441,16 +13808,16 @@
               </a:lnSpc>
             </a:pPr>
             <a:r>
-              <a:rPr b="0" lang="en-US" sz="5400" spc="-1" strike="noStrike">
+              <a:rPr lang="en-US" sz="5400" b="0" strike="noStrike" spc="-1">
                 <a:solidFill>
-                  <a:srgbClr val="4f81bd"/>
+                  <a:srgbClr val="4F81BD"/>
                 </a:solidFill>
                 <a:latin typeface="Trebuchet MS"/>
                 <a:ea typeface="DejaVu Sans"/>
               </a:rPr>
               <a:t>Main Characteristics and main Strengths of Racket</a:t>
             </a:r>
-            <a:endParaRPr b="0" lang="en-US" sz="5400" spc="-1" strike="noStrike">
+            <a:endParaRPr lang="en-US" sz="5400" b="0" strike="noStrike" spc="-1">
               <a:latin typeface="Arial"/>
             </a:endParaRPr>
           </a:p>
@@ -12476,15 +13843,22 @@
           </a:ln>
         </p:spPr>
         <p:style>
-          <a:lnRef idx="0"/>
-          <a:fillRef idx="0"/>
-          <a:effectRef idx="0"/>
+          <a:lnRef idx="0">
+            <a:scrgbClr r="0" g="0" b="0"/>
+          </a:lnRef>
+          <a:fillRef idx="0">
+            <a:scrgbClr r="0" g="0" b="0"/>
+          </a:fillRef>
+          <a:effectRef idx="0">
+            <a:scrgbClr r="0" g="0" b="0"/>
+          </a:effectRef>
           <a:fontRef idx="minor"/>
         </p:style>
         <p:txBody>
-          <a:bodyPr lIns="90000" rIns="90000" tIns="45000" bIns="45000">
+          <a:bodyPr lIns="90000" tIns="45000" rIns="90000" bIns="45000">
             <a:normAutofit/>
           </a:bodyPr>
+          <a:lstStyle/>
           <a:p>
             <a:pPr marL="285840" indent="-285480">
               <a:lnSpc>
@@ -12499,11 +13873,11 @@
               <a:buFont typeface="Arial"/>
               <a:buChar char="•"/>
               <a:tabLst>
-                <a:tab algn="l" pos="0"/>
+                <a:tab pos="0" algn="l"/>
               </a:tabLst>
             </a:pPr>
             <a:r>
-              <a:rPr b="0" lang="en-US" sz="1800" spc="-1" strike="noStrike">
+              <a:rPr lang="en-US" sz="1800" b="0" strike="noStrike" spc="-1">
                 <a:solidFill>
                   <a:srgbClr val="000000"/>
                 </a:solidFill>
@@ -12514,7 +13888,7 @@
             </a:r>
             <a:br/>
             <a:r>
-              <a:rPr b="0" lang="en-US" sz="1800" spc="-1" strike="noStrike">
+              <a:rPr lang="en-US" sz="1800" b="0" strike="noStrike" spc="-1">
                 <a:solidFill>
                   <a:srgbClr val="000000"/>
                 </a:solidFill>
@@ -12525,7 +13899,7 @@
             </a:r>
             <a:br/>
             <a:r>
-              <a:rPr b="0" lang="en-US" sz="1800" spc="-1" strike="noStrike">
+              <a:rPr lang="en-US" sz="1800" b="0" strike="noStrike" spc="-1">
                 <a:solidFill>
                   <a:srgbClr val="000000"/>
                 </a:solidFill>
@@ -12536,7 +13910,7 @@
             </a:r>
             <a:br/>
             <a:r>
-              <a:rPr b="0" lang="en-US" sz="1800" spc="-1" strike="noStrike">
+              <a:rPr lang="en-US" sz="1800" b="0" strike="noStrike" spc="-1">
                 <a:solidFill>
                   <a:srgbClr val="000000"/>
                 </a:solidFill>
@@ -12545,7 +13919,7 @@
               </a:rPr>
               <a:t>   - EMACS</a:t>
             </a:r>
-            <a:endParaRPr b="0" lang="en-US" sz="1800" spc="-1" strike="noStrike">
+            <a:endParaRPr lang="en-US" sz="1800" b="0" strike="noStrike" spc="-1">
               <a:latin typeface="Arial"/>
             </a:endParaRPr>
           </a:p>
@@ -12553,19 +13927,14 @@
       </p:sp>
     </p:spTree>
   </p:cSld>
-  <mc:AlternateContent>
-    <mc:Choice Requires="p14">
-      <p:transition spd="slow" p14:dur="2000"/>
-    </mc:Choice>
-    <mc:Fallback>
-      <p:transition spd="slow"/>
-    </mc:Fallback>
-  </mc:AlternateContent>
+  <p:clrMapOvr>
+    <a:masterClrMapping/>
+  </p:clrMapOvr>
 </p:sld>
 </file>
 
 <file path=ppt/slides/slide5.xml><?xml version="1.0" encoding="utf-8"?>
-<p:sld xmlns:a="http://schemas.openxmlformats.org/drawingml/2006/main" xmlns:p="http://schemas.openxmlformats.org/presentationml/2006/main" xmlns:r="http://schemas.openxmlformats.org/officeDocument/2006/relationships" xmlns:p14="http://schemas.microsoft.com/office/powerpoint/2010/main" xmlns:p15="http://schemas.microsoft.com/office/powerpoint/2012/main" xmlns:mc="http://schemas.openxmlformats.org/markup-compatibility/2006">
+<p:sld xmlns:a="http://schemas.openxmlformats.org/drawingml/2006/main" xmlns:r="http://schemas.openxmlformats.org/officeDocument/2006/relationships" xmlns:p="http://schemas.openxmlformats.org/presentationml/2006/main">
   <p:cSld>
     <p:spTree>
       <p:nvGrpSpPr>
@@ -12601,9 +13970,10 @@
           </a:ln>
         </p:spPr>
         <p:txBody>
-          <a:bodyPr lIns="0" rIns="0" tIns="0" bIns="0" anchor="ctr">
+          <a:bodyPr lIns="0" tIns="0" rIns="0" bIns="0" anchor="ctr">
             <a:noAutofit/>
           </a:bodyPr>
+          <a:lstStyle/>
           <a:p>
             <a:pPr algn="r">
               <a:lnSpc>
@@ -12611,16 +13981,16 @@
               </a:lnSpc>
             </a:pPr>
             <a:r>
-              <a:rPr b="0" lang="en-US" sz="5400" spc="-1" strike="noStrike">
+              <a:rPr lang="en-US" sz="5400" b="0" strike="noStrike" spc="-1">
                 <a:solidFill>
-                  <a:srgbClr val="4f81bd"/>
+                  <a:srgbClr val="4F81BD"/>
                 </a:solidFill>
                 <a:latin typeface="Trebuchet MS"/>
                 <a:ea typeface="DejaVu Sans"/>
               </a:rPr>
               <a:t>Applications of Racket</a:t>
             </a:r>
-            <a:endParaRPr b="0" lang="en-US" sz="5400" spc="-1" strike="noStrike">
+            <a:endParaRPr lang="en-US" sz="5400" b="0" strike="noStrike" spc="-1">
               <a:solidFill>
                 <a:srgbClr val="000000"/>
               </a:solidFill>
@@ -12649,9 +14019,10 @@
           </a:ln>
         </p:spPr>
         <p:txBody>
-          <a:bodyPr lIns="0" rIns="0" tIns="0" bIns="0">
+          <a:bodyPr lIns="0" tIns="0" rIns="0" bIns="0">
             <a:normAutofit/>
           </a:bodyPr>
+          <a:lstStyle/>
           <a:p>
             <a:pPr marL="432000" indent="-324000">
               <a:spcBef>
@@ -12665,7 +14036,7 @@
               <a:buChar char=""/>
             </a:pPr>
             <a:r>
-              <a:rPr b="0" lang="en-US" sz="2800" spc="-1" strike="noStrike">
+              <a:rPr lang="en-US" sz="2800" b="0" strike="noStrike" spc="-1">
                 <a:solidFill>
                   <a:srgbClr val="000000"/>
                 </a:solidFill>
@@ -12673,15 +14044,9 @@
               </a:rPr>
               <a:t>As previously mentioned, Racket is based on Scheme</a:t>
             </a:r>
-            <a:endParaRPr b="0" lang="en-US" sz="2800" spc="-1" strike="noStrike">
-              <a:solidFill>
-                <a:srgbClr val="000000"/>
-              </a:solidFill>
-              <a:latin typeface="Arial"/>
-            </a:endParaRPr>
-          </a:p>
-          <a:p>
-            <a:pPr lvl="1" marL="864000" indent="-324000">
+          </a:p>
+          <a:p>
+            <a:pPr marL="864000" lvl="1" indent="-324000">
               <a:spcBef>
                 <a:spcPts val="1134"/>
               </a:spcBef>
@@ -12693,7 +14058,7 @@
               <a:buChar char=""/>
             </a:pPr>
             <a:r>
-              <a:rPr b="0" lang="en-US" sz="2000" spc="-1" strike="noStrike">
+              <a:rPr lang="en-US" sz="2000" b="0" strike="noStrike" spc="-1">
                 <a:solidFill>
                   <a:srgbClr val="000000"/>
                 </a:solidFill>
@@ -12701,12 +14066,6 @@
               </a:rPr>
               <a:t>Powerful functional programming features</a:t>
             </a:r>
-            <a:endParaRPr b="0" lang="en-US" sz="2000" spc="-1" strike="noStrike">
-              <a:solidFill>
-                <a:srgbClr val="000000"/>
-              </a:solidFill>
-              <a:latin typeface="Arial"/>
-            </a:endParaRPr>
           </a:p>
           <a:p>
             <a:pPr marL="432000" indent="-324000">
@@ -12721,7 +14080,7 @@
               <a:buChar char=""/>
             </a:pPr>
             <a:r>
-              <a:rPr b="0" lang="en-US" sz="2800" spc="-1" strike="noStrike">
+              <a:rPr lang="en-US" sz="2800" b="0" strike="noStrike" spc="-1">
                 <a:solidFill>
                   <a:srgbClr val="000000"/>
                 </a:solidFill>
@@ -12729,12 +14088,6 @@
               </a:rPr>
               <a:t>As seen in project one, functional programming provides an effective environment for language development</a:t>
             </a:r>
-            <a:endParaRPr b="0" lang="en-US" sz="2800" spc="-1" strike="noStrike">
-              <a:solidFill>
-                <a:srgbClr val="000000"/>
-              </a:solidFill>
-              <a:latin typeface="Arial"/>
-            </a:endParaRPr>
           </a:p>
           <a:p>
             <a:pPr marL="432000" indent="-324000">
@@ -12749,7 +14102,7 @@
               <a:buChar char=""/>
             </a:pPr>
             <a:r>
-              <a:rPr b="0" lang="en-US" sz="2800" spc="-1" strike="noStrike">
+              <a:rPr lang="en-US" sz="2800" b="0" strike="noStrike" spc="-1">
                 <a:solidFill>
                   <a:srgbClr val="000000"/>
                 </a:solidFill>
@@ -12757,15 +14110,9 @@
               </a:rPr>
               <a:t>Not surprisingly, one of the main use cases of Racket is language developement</a:t>
             </a:r>
-            <a:endParaRPr b="0" lang="en-US" sz="2800" spc="-1" strike="noStrike">
-              <a:solidFill>
-                <a:srgbClr val="000000"/>
-              </a:solidFill>
-              <a:latin typeface="Arial"/>
-            </a:endParaRPr>
-          </a:p>
-          <a:p>
-            <a:pPr lvl="1" marL="864000" indent="-324000">
+          </a:p>
+          <a:p>
+            <a:pPr marL="864000" lvl="1" indent="-324000">
               <a:spcBef>
                 <a:spcPts val="1134"/>
               </a:spcBef>
@@ -12776,7 +14123,7 @@
               <a:buFont typeface="Symbol" charset="2"/>
               <a:buChar char=""/>
             </a:pPr>
-            <a:endParaRPr b="0" lang="en-US" sz="2800" spc="-1" strike="noStrike">
+            <a:endParaRPr lang="en-US" sz="2800" b="0" strike="noStrike" spc="-1">
               <a:solidFill>
                 <a:srgbClr val="000000"/>
               </a:solidFill>
@@ -12787,19 +14134,14 @@
       </p:sp>
     </p:spTree>
   </p:cSld>
-  <mc:AlternateContent>
-    <mc:Choice Requires="p14">
-      <p:transition spd="slow" p14:dur="2000"/>
-    </mc:Choice>
-    <mc:Fallback>
-      <p:transition spd="slow"/>
-    </mc:Fallback>
-  </mc:AlternateContent>
+  <p:clrMapOvr>
+    <a:masterClrMapping/>
+  </p:clrMapOvr>
 </p:sld>
 </file>
 
 <file path=ppt/slides/slide6.xml><?xml version="1.0" encoding="utf-8"?>
-<p:sld xmlns:a="http://schemas.openxmlformats.org/drawingml/2006/main" xmlns:p="http://schemas.openxmlformats.org/presentationml/2006/main" xmlns:r="http://schemas.openxmlformats.org/officeDocument/2006/relationships" xmlns:p14="http://schemas.microsoft.com/office/powerpoint/2010/main" xmlns:p15="http://schemas.microsoft.com/office/powerpoint/2012/main" xmlns:mc="http://schemas.openxmlformats.org/markup-compatibility/2006">
+<p:sld xmlns:a="http://schemas.openxmlformats.org/drawingml/2006/main" xmlns:r="http://schemas.openxmlformats.org/officeDocument/2006/relationships" xmlns:p="http://schemas.openxmlformats.org/presentationml/2006/main">
   <p:cSld>
     <p:spTree>
       <p:nvGrpSpPr>
@@ -12835,9 +14177,10 @@
           </a:ln>
         </p:spPr>
         <p:txBody>
-          <a:bodyPr lIns="0" rIns="0" tIns="0" bIns="0" anchor="ctr">
+          <a:bodyPr lIns="0" tIns="0" rIns="0" bIns="0" anchor="ctr">
             <a:noAutofit/>
           </a:bodyPr>
+          <a:lstStyle/>
           <a:p>
             <a:pPr algn="r">
               <a:lnSpc>
@@ -12845,16 +14188,16 @@
               </a:lnSpc>
             </a:pPr>
             <a:r>
-              <a:rPr b="0" lang="en-US" sz="5400" spc="-1" strike="noStrike">
+              <a:rPr lang="en-US" sz="5400" b="0" strike="noStrike" spc="-1">
                 <a:solidFill>
-                  <a:srgbClr val="4f81bd"/>
+                  <a:srgbClr val="4F81BD"/>
                 </a:solidFill>
                 <a:latin typeface="Trebuchet MS"/>
                 <a:ea typeface="DejaVu Sans"/>
               </a:rPr>
               <a:t>Racket Applications: Hackett</a:t>
             </a:r>
-            <a:endParaRPr b="0" lang="en-US" sz="5400" spc="-1" strike="noStrike">
+            <a:endParaRPr lang="en-US" sz="5400" b="0" strike="noStrike" spc="-1">
               <a:solidFill>
                 <a:srgbClr val="000000"/>
               </a:solidFill>
@@ -12883,9 +14226,10 @@
           </a:ln>
         </p:spPr>
         <p:txBody>
-          <a:bodyPr lIns="0" rIns="0" tIns="0" bIns="0">
+          <a:bodyPr lIns="0" tIns="0" rIns="0" bIns="0">
             <a:normAutofit/>
           </a:bodyPr>
+          <a:lstStyle/>
           <a:p>
             <a:pPr marL="432000" indent="-324000">
               <a:spcBef>
@@ -12899,7 +14243,7 @@
               <a:buChar char=""/>
             </a:pPr>
             <a:r>
-              <a:rPr b="0" lang="en-US" sz="2800" spc="-1" strike="noStrike">
+              <a:rPr lang="en-US" sz="2800" b="0" strike="noStrike" spc="-1">
                 <a:solidFill>
                   <a:srgbClr val="000000"/>
                 </a:solidFill>
@@ -12907,12 +14251,6 @@
               </a:rPr>
               <a:t>Hackett is a language similar to haskell written in Racket</a:t>
             </a:r>
-            <a:endParaRPr b="0" lang="en-US" sz="2800" spc="-1" strike="noStrike">
-              <a:solidFill>
-                <a:srgbClr val="000000"/>
-              </a:solidFill>
-              <a:latin typeface="Arial"/>
-            </a:endParaRPr>
           </a:p>
           <a:p>
             <a:pPr marL="432000" indent="-324000">
@@ -12927,7 +14265,7 @@
               <a:buChar char=""/>
             </a:pPr>
             <a:r>
-              <a:rPr b="0" lang="en-US" sz="2800" spc="-1" strike="noStrike">
+              <a:rPr lang="en-US" sz="2800" b="0" strike="noStrike" spc="-1">
                 <a:solidFill>
                   <a:srgbClr val="000000"/>
                 </a:solidFill>
@@ -12936,17 +14274,17 @@
               <a:t>Hackett is a statically typed, pure, lazy, functional programming language in the Racket language ecosystem [</a:t>
             </a:r>
             <a:r>
-              <a:rPr b="0" lang="en-US" sz="2800" spc="-1" strike="noStrike">
+              <a:rPr lang="en-US" sz="2800" b="0" strike="noStrike" spc="-1">
                 <a:solidFill>
                   <a:srgbClr val="000000"/>
                 </a:solidFill>
                 <a:latin typeface="Arial"/>
-                <a:hlinkClick r:id="rId1"/>
+                <a:hlinkClick r:id="rId2"/>
               </a:rPr>
               <a:t>https://lexi-lambda.github.io/hackett/</a:t>
             </a:r>
             <a:r>
-              <a:rPr b="0" lang="en-US" sz="2800" spc="-1" strike="noStrike">
+              <a:rPr lang="en-US" sz="2800" b="0" strike="noStrike" spc="-1">
                 <a:solidFill>
                   <a:srgbClr val="000000"/>
                 </a:solidFill>
@@ -12954,12 +14292,6 @@
               </a:rPr>
               <a:t>]</a:t>
             </a:r>
-            <a:endParaRPr b="0" lang="en-US" sz="2800" spc="-1" strike="noStrike">
-              <a:solidFill>
-                <a:srgbClr val="000000"/>
-              </a:solidFill>
-              <a:latin typeface="Arial"/>
-            </a:endParaRPr>
           </a:p>
           <a:p>
             <a:pPr marL="432000" indent="-324000">
@@ -12974,7 +14306,7 @@
               <a:buChar char=""/>
             </a:pPr>
             <a:r>
-              <a:rPr b="0" lang="en-US" sz="2800" spc="-1" strike="noStrike">
+              <a:rPr lang="en-US" sz="2800" b="0" strike="noStrike" spc="-1">
                 <a:solidFill>
                   <a:srgbClr val="000000"/>
                 </a:solidFill>
@@ -12982,30 +14314,19 @@
               </a:rPr>
               <a:t>Project repo (which includes a demo) https://github.com/lexi-lambda/hackett</a:t>
             </a:r>
-            <a:endParaRPr b="0" lang="en-US" sz="2800" spc="-1" strike="noStrike">
-              <a:solidFill>
-                <a:srgbClr val="000000"/>
-              </a:solidFill>
-              <a:latin typeface="Arial"/>
-            </a:endParaRPr>
           </a:p>
         </p:txBody>
       </p:sp>
     </p:spTree>
   </p:cSld>
-  <mc:AlternateContent>
-    <mc:Choice Requires="p14">
-      <p:transition spd="slow" p14:dur="2000"/>
-    </mc:Choice>
-    <mc:Fallback>
-      <p:transition spd="slow"/>
-    </mc:Fallback>
-  </mc:AlternateContent>
+  <p:clrMapOvr>
+    <a:masterClrMapping/>
+  </p:clrMapOvr>
 </p:sld>
 </file>
 
 <file path=ppt/slides/slide7.xml><?xml version="1.0" encoding="utf-8"?>
-<p:sld xmlns:a="http://schemas.openxmlformats.org/drawingml/2006/main" xmlns:p="http://schemas.openxmlformats.org/presentationml/2006/main" xmlns:r="http://schemas.openxmlformats.org/officeDocument/2006/relationships" xmlns:p14="http://schemas.microsoft.com/office/powerpoint/2010/main" xmlns:p15="http://schemas.microsoft.com/office/powerpoint/2012/main" xmlns:mc="http://schemas.openxmlformats.org/markup-compatibility/2006">
+<p:sld xmlns:a="http://schemas.openxmlformats.org/drawingml/2006/main" xmlns:r="http://schemas.openxmlformats.org/officeDocument/2006/relationships" xmlns:p="http://schemas.openxmlformats.org/presentationml/2006/main">
   <p:cSld>
     <p:spTree>
       <p:nvGrpSpPr>
@@ -13041,9 +14362,10 @@
           </a:ln>
         </p:spPr>
         <p:txBody>
-          <a:bodyPr lIns="0" rIns="0" tIns="0" bIns="0" anchor="ctr">
+          <a:bodyPr lIns="0" tIns="0" rIns="0" bIns="0" anchor="ctr">
             <a:noAutofit/>
           </a:bodyPr>
+          <a:lstStyle/>
           <a:p>
             <a:pPr algn="r">
               <a:lnSpc>
@@ -13051,16 +14373,16 @@
               </a:lnSpc>
             </a:pPr>
             <a:r>
-              <a:rPr b="0" lang="en-US" sz="5400" spc="-1" strike="noStrike">
+              <a:rPr lang="en-US" sz="5400" b="0" strike="noStrike" spc="-1">
                 <a:solidFill>
-                  <a:srgbClr val="4f81bd"/>
+                  <a:srgbClr val="4F81BD"/>
                 </a:solidFill>
                 <a:latin typeface="Trebuchet MS"/>
                 <a:ea typeface="DejaVu Sans"/>
               </a:rPr>
               <a:t>Racket Applications: Fractalide</a:t>
             </a:r>
-            <a:endParaRPr b="0" lang="en-US" sz="5400" spc="-1" strike="noStrike">
+            <a:endParaRPr lang="en-US" sz="5400" b="0" strike="noStrike" spc="-1">
               <a:solidFill>
                 <a:srgbClr val="000000"/>
               </a:solidFill>
@@ -13089,9 +14411,10 @@
           </a:ln>
         </p:spPr>
         <p:txBody>
-          <a:bodyPr lIns="0" rIns="0" tIns="0" bIns="0">
+          <a:bodyPr lIns="0" tIns="0" rIns="0" bIns="0">
             <a:normAutofit/>
           </a:bodyPr>
+          <a:lstStyle/>
           <a:p>
             <a:pPr marL="432000" indent="-324000">
               <a:spcBef>
@@ -13105,7 +14428,7 @@
               <a:buChar char=""/>
             </a:pPr>
             <a:r>
-              <a:rPr b="0" lang="en-US" sz="2800" spc="-1" strike="noStrike">
+              <a:rPr lang="en-US" sz="2800" b="0" strike="noStrike" spc="-1">
                 <a:solidFill>
                   <a:srgbClr val="000000"/>
                 </a:solidFill>
@@ -13113,12 +14436,6 @@
               </a:rPr>
               <a:t>Fractalide is another open-source programming language written in Racket</a:t>
             </a:r>
-            <a:endParaRPr b="0" lang="en-US" sz="2800" spc="-1" strike="noStrike">
-              <a:solidFill>
-                <a:srgbClr val="000000"/>
-              </a:solidFill>
-              <a:latin typeface="Arial"/>
-            </a:endParaRPr>
           </a:p>
           <a:p>
             <a:pPr marL="432000" indent="-324000">
@@ -13133,7 +14450,7 @@
               <a:buChar char=""/>
             </a:pPr>
             <a:r>
-              <a:rPr b="0" lang="en-US" sz="2800" spc="-1" strike="noStrike">
+              <a:rPr lang="en-US" sz="2800" b="0" strike="noStrike" spc="-1">
                 <a:solidFill>
                   <a:srgbClr val="000000"/>
                 </a:solidFill>
@@ -13141,12 +14458,6 @@
               </a:rPr>
               <a:t>An interesting approach to designing a programming language which utilizes graphs as the basic language concepts</a:t>
             </a:r>
-            <a:endParaRPr b="0" lang="en-US" sz="2800" spc="-1" strike="noStrike">
-              <a:solidFill>
-                <a:srgbClr val="000000"/>
-              </a:solidFill>
-              <a:latin typeface="Arial"/>
-            </a:endParaRPr>
           </a:p>
           <a:p>
             <a:pPr marL="432000" indent="-324000">
@@ -13161,7 +14472,7 @@
               <a:buChar char=""/>
             </a:pPr>
             <a:r>
-              <a:rPr b="0" lang="en-US" sz="2800" spc="-1" strike="noStrike">
+              <a:rPr lang="en-US" sz="2800" b="0" strike="noStrike" spc="-1">
                 <a:solidFill>
                   <a:srgbClr val="000000"/>
                 </a:solidFill>
@@ -13170,17 +14481,17 @@
               <a:t> </a:t>
             </a:r>
             <a:r>
-              <a:rPr b="0" lang="en-US" sz="2800" spc="-1" strike="noStrike">
+              <a:rPr lang="en-US" sz="2800" b="0" strike="noStrike" spc="-1">
                 <a:solidFill>
                   <a:srgbClr val="000000"/>
                 </a:solidFill>
                 <a:latin typeface="Arial"/>
-                <a:hlinkClick r:id="rId1"/>
+                <a:hlinkClick r:id="rId2"/>
               </a:rPr>
               <a:t>https://github.com/fractalide/fractalide</a:t>
             </a:r>
             <a:r>
-              <a:rPr b="0" lang="en-US" sz="2800" spc="-1" strike="noStrike">
+              <a:rPr lang="en-US" sz="2800" b="0" strike="noStrike" spc="-1">
                 <a:solidFill>
                   <a:srgbClr val="000000"/>
                 </a:solidFill>
@@ -13188,30 +14499,19 @@
               </a:rPr>
               <a:t> </a:t>
             </a:r>
-            <a:endParaRPr b="0" lang="en-US" sz="2800" spc="-1" strike="noStrike">
-              <a:solidFill>
-                <a:srgbClr val="000000"/>
-              </a:solidFill>
-              <a:latin typeface="Arial"/>
-            </a:endParaRPr>
           </a:p>
         </p:txBody>
       </p:sp>
     </p:spTree>
   </p:cSld>
-  <mc:AlternateContent>
-    <mc:Choice Requires="p14">
-      <p:transition spd="slow" p14:dur="2000"/>
-    </mc:Choice>
-    <mc:Fallback>
-      <p:transition spd="slow"/>
-    </mc:Fallback>
-  </mc:AlternateContent>
+  <p:clrMapOvr>
+    <a:masterClrMapping/>
+  </p:clrMapOvr>
 </p:sld>
 </file>
 
 <file path=ppt/slides/slide8.xml><?xml version="1.0" encoding="utf-8"?>
-<p:sld xmlns:a="http://schemas.openxmlformats.org/drawingml/2006/main" xmlns:p="http://schemas.openxmlformats.org/presentationml/2006/main" xmlns:r="http://schemas.openxmlformats.org/officeDocument/2006/relationships" xmlns:p14="http://schemas.microsoft.com/office/powerpoint/2010/main" xmlns:p15="http://schemas.microsoft.com/office/powerpoint/2012/main" xmlns:mc="http://schemas.openxmlformats.org/markup-compatibility/2006">
+<p:sld xmlns:a="http://schemas.openxmlformats.org/drawingml/2006/main" xmlns:r="http://schemas.openxmlformats.org/officeDocument/2006/relationships" xmlns:p="http://schemas.openxmlformats.org/presentationml/2006/main">
   <p:cSld>
     <p:spTree>
       <p:nvGrpSpPr>
@@ -13247,9 +14547,10 @@
           </a:ln>
         </p:spPr>
         <p:txBody>
-          <a:bodyPr lIns="0" rIns="0" tIns="0" bIns="0" anchor="ctr">
+          <a:bodyPr lIns="0" tIns="0" rIns="0" bIns="0" anchor="ctr">
             <a:noAutofit/>
           </a:bodyPr>
+          <a:lstStyle/>
           <a:p>
             <a:pPr algn="r">
               <a:lnSpc>
@@ -13257,16 +14558,16 @@
               </a:lnSpc>
             </a:pPr>
             <a:r>
-              <a:rPr b="0" lang="en-US" sz="5400" spc="-1" strike="noStrike">
+              <a:rPr lang="en-US" sz="5400" b="0" strike="noStrike" spc="-1">
                 <a:solidFill>
-                  <a:srgbClr val="4f81bd"/>
+                  <a:srgbClr val="4F81BD"/>
                 </a:solidFill>
                 <a:latin typeface="Trebuchet MS"/>
                 <a:ea typeface="DejaVu Sans"/>
               </a:rPr>
               <a:t>Racket Applications: Other Applications</a:t>
             </a:r>
-            <a:endParaRPr b="0" lang="en-US" sz="5400" spc="-1" strike="noStrike">
+            <a:endParaRPr lang="en-US" sz="5400" b="0" strike="noStrike" spc="-1">
               <a:solidFill>
                 <a:srgbClr val="000000"/>
               </a:solidFill>
@@ -13295,9 +14596,10 @@
           </a:ln>
         </p:spPr>
         <p:txBody>
-          <a:bodyPr lIns="0" rIns="0" tIns="0" bIns="0">
+          <a:bodyPr lIns="0" tIns="0" rIns="0" bIns="0">
             <a:normAutofit/>
           </a:bodyPr>
+          <a:lstStyle/>
           <a:p>
             <a:pPr marL="432000" indent="-324000">
               <a:spcBef>
@@ -13311,7 +14613,7 @@
               <a:buChar char=""/>
             </a:pPr>
             <a:r>
-              <a:rPr b="0" lang="en-US" sz="2800" spc="-1" strike="noStrike">
+              <a:rPr lang="en-US" sz="2800" b="0" strike="noStrike" spc="-1">
                 <a:solidFill>
                   <a:srgbClr val="000000"/>
                 </a:solidFill>
@@ -13319,12 +14621,6 @@
               </a:rPr>
               <a:t>The other features of racket we have discussed make it a feasible candidate for other applications</a:t>
             </a:r>
-            <a:endParaRPr b="0" lang="en-US" sz="2800" spc="-1" strike="noStrike">
-              <a:solidFill>
-                <a:srgbClr val="000000"/>
-              </a:solidFill>
-              <a:latin typeface="Arial"/>
-            </a:endParaRPr>
           </a:p>
           <a:p>
             <a:pPr marL="432000" indent="-324000">
@@ -13339,7 +14635,7 @@
               <a:buChar char=""/>
             </a:pPr>
             <a:r>
-              <a:rPr b="0" lang="en-US" sz="2800" spc="-1" strike="noStrike">
+              <a:rPr lang="en-US" sz="2800" b="0" strike="noStrike" spc="-1">
                 <a:solidFill>
                   <a:srgbClr val="000000"/>
                 </a:solidFill>
@@ -13348,18 +14644,18 @@
               <a:t>In fact, Racket’s IDE (DrRacket) was written in Racket </a:t>
             </a:r>
             <a:r>
-              <a:rPr b="0" lang="en-US" sz="2800" spc="-1" strike="noStrike">
+              <a:rPr lang="en-US" sz="2800" b="0" strike="noStrike" spc="-1">
                 <a:solidFill>
                   <a:srgbClr val="000000"/>
                 </a:solidFill>
                 <a:latin typeface="Arial"/>
                 <a:ea typeface="DejaVu Sans"/>
-                <a:hlinkClick r:id="rId1"/>
+                <a:hlinkClick r:id="rId2"/>
               </a:rPr>
               <a:t>https://github.com/racket/drracket</a:t>
             </a:r>
             <a:r>
-              <a:rPr b="0" lang="en-US" sz="2800" spc="-1" strike="noStrike">
+              <a:rPr lang="en-US" sz="2800" b="0" strike="noStrike" spc="-1">
                 <a:solidFill>
                   <a:srgbClr val="000000"/>
                 </a:solidFill>
@@ -13368,7 +14664,7 @@
               </a:rPr>
               <a:t> </a:t>
             </a:r>
-            <a:endParaRPr b="0" lang="en-US" sz="2800" spc="-1" strike="noStrike">
+            <a:endParaRPr lang="en-US" sz="2800" b="0" strike="noStrike" spc="-1">
               <a:solidFill>
                 <a:srgbClr val="000000"/>
               </a:solidFill>
@@ -13388,7 +14684,7 @@
               <a:buChar char=""/>
             </a:pPr>
             <a:r>
-              <a:rPr b="0" lang="en-US" sz="2800" spc="-1" strike="noStrike">
+              <a:rPr lang="en-US" sz="2800" b="0" strike="noStrike" spc="-1">
                 <a:solidFill>
                   <a:srgbClr val="000000"/>
                 </a:solidFill>
@@ -13396,15 +14692,9 @@
               </a:rPr>
               <a:t>DrRacket includes all typical features of an IDE</a:t>
             </a:r>
-            <a:endParaRPr b="0" lang="en-US" sz="2800" spc="-1" strike="noStrike">
-              <a:solidFill>
-                <a:srgbClr val="000000"/>
-              </a:solidFill>
-              <a:latin typeface="Arial"/>
-            </a:endParaRPr>
-          </a:p>
-          <a:p>
-            <a:pPr lvl="1" marL="864000" indent="-324000">
+          </a:p>
+          <a:p>
+            <a:pPr marL="864000" lvl="1" indent="-324000">
               <a:spcBef>
                 <a:spcPts val="1134"/>
               </a:spcBef>
@@ -13416,7 +14706,7 @@
               <a:buChar char=""/>
             </a:pPr>
             <a:r>
-              <a:rPr b="0" lang="en-US" sz="2000" spc="-1" strike="noStrike">
+              <a:rPr lang="en-US" sz="2000" b="0" strike="noStrike" spc="-1">
                 <a:solidFill>
                   <a:srgbClr val="000000"/>
                 </a:solidFill>
@@ -13424,15 +14714,9 @@
               </a:rPr>
               <a:t>Debugging</a:t>
             </a:r>
-            <a:endParaRPr b="0" lang="en-US" sz="2000" spc="-1" strike="noStrike">
-              <a:solidFill>
-                <a:srgbClr val="000000"/>
-              </a:solidFill>
-              <a:latin typeface="Arial"/>
-            </a:endParaRPr>
-          </a:p>
-          <a:p>
-            <a:pPr lvl="1" marL="864000" indent="-324000">
+          </a:p>
+          <a:p>
+            <a:pPr marL="864000" lvl="1" indent="-324000">
               <a:spcBef>
                 <a:spcPts val="1134"/>
               </a:spcBef>
@@ -13444,7 +14728,7 @@
               <a:buChar char=""/>
             </a:pPr>
             <a:r>
-              <a:rPr b="0" lang="en-US" sz="2000" spc="-1" strike="noStrike">
+              <a:rPr lang="en-US" sz="2000" b="0" strike="noStrike" spc="-1">
                 <a:solidFill>
                   <a:srgbClr val="000000"/>
                 </a:solidFill>
@@ -13452,15 +14736,9 @@
               </a:rPr>
               <a:t>Source highlighting</a:t>
             </a:r>
-            <a:endParaRPr b="0" lang="en-US" sz="2000" spc="-1" strike="noStrike">
-              <a:solidFill>
-                <a:srgbClr val="000000"/>
-              </a:solidFill>
-              <a:latin typeface="Arial"/>
-            </a:endParaRPr>
-          </a:p>
-          <a:p>
-            <a:pPr lvl="1" marL="864000" indent="-324000">
+          </a:p>
+          <a:p>
+            <a:pPr marL="864000" lvl="1" indent="-324000">
               <a:spcBef>
                 <a:spcPts val="1134"/>
               </a:spcBef>
@@ -13472,7 +14750,7 @@
               <a:buChar char=""/>
             </a:pPr>
             <a:r>
-              <a:rPr b="0" lang="en-US" sz="2000" spc="-1" strike="noStrike">
+              <a:rPr lang="en-US" sz="2000" b="0" strike="noStrike" spc="-1">
                 <a:solidFill>
                   <a:srgbClr val="000000"/>
                 </a:solidFill>
@@ -13480,15 +14758,9 @@
               </a:rPr>
               <a:t>Library Support</a:t>
             </a:r>
-            <a:endParaRPr b="0" lang="en-US" sz="2000" spc="-1" strike="noStrike">
-              <a:solidFill>
-                <a:srgbClr val="000000"/>
-              </a:solidFill>
-              <a:latin typeface="Arial"/>
-            </a:endParaRPr>
-          </a:p>
-          <a:p>
-            <a:pPr lvl="1" marL="864000" indent="-324000">
+          </a:p>
+          <a:p>
+            <a:pPr marL="864000" lvl="1" indent="-324000">
               <a:spcBef>
                 <a:spcPts val="1134"/>
               </a:spcBef>
@@ -13500,7 +14772,7 @@
               <a:buChar char=""/>
             </a:pPr>
             <a:r>
-              <a:rPr b="0" lang="en-US" sz="2000" spc="-1" strike="noStrike">
+              <a:rPr lang="en-US" sz="2000" b="0" strike="noStrike" spc="-1">
                 <a:solidFill>
                   <a:srgbClr val="000000"/>
                 </a:solidFill>
@@ -13508,25 +14780,14 @@
               </a:rPr>
               <a:t>Etc.</a:t>
             </a:r>
-            <a:endParaRPr b="0" lang="en-US" sz="2000" spc="-1" strike="noStrike">
-              <a:solidFill>
-                <a:srgbClr val="000000"/>
-              </a:solidFill>
-              <a:latin typeface="Arial"/>
-            </a:endParaRPr>
           </a:p>
         </p:txBody>
       </p:sp>
     </p:spTree>
   </p:cSld>
-  <mc:AlternateContent>
-    <mc:Choice Requires="p14">
-      <p:transition spd="slow" p14:dur="2000"/>
-    </mc:Choice>
-    <mc:Fallback>
-      <p:transition spd="slow"/>
-    </mc:Fallback>
-  </mc:AlternateContent>
+  <p:clrMapOvr>
+    <a:masterClrMapping/>
+  </p:clrMapOvr>
 </p:sld>
 </file>
 
@@ -13541,31 +14802,31 @@
         <a:sysClr val="window" lastClr="FFFFFF"/>
       </a:lt1>
       <a:dk2>
-        <a:srgbClr val="1f497d"/>
+        <a:srgbClr val="1F497D"/>
       </a:dk2>
       <a:lt2>
-        <a:srgbClr val="eeece1"/>
+        <a:srgbClr val="EEECE1"/>
       </a:lt2>
       <a:accent1>
-        <a:srgbClr val="4f81bd"/>
+        <a:srgbClr val="4F81BD"/>
       </a:accent1>
       <a:accent2>
-        <a:srgbClr val="c0504d"/>
+        <a:srgbClr val="C0504D"/>
       </a:accent2>
       <a:accent3>
-        <a:srgbClr val="9bbb59"/>
+        <a:srgbClr val="9BBB59"/>
       </a:accent3>
       <a:accent4>
-        <a:srgbClr val="8064a2"/>
+        <a:srgbClr val="8064A2"/>
       </a:accent4>
       <a:accent5>
-        <a:srgbClr val="4bacc6"/>
+        <a:srgbClr val="4BACC6"/>
       </a:accent5>
       <a:accent6>
-        <a:srgbClr val="f79646"/>
+        <a:srgbClr val="F79646"/>
       </a:accent6>
       <a:hlink>
-        <a:srgbClr val="0000ff"/>
+        <a:srgbClr val="0000FF"/>
       </a:hlink>
       <a:folHlink>
         <a:srgbClr val="800080"/>
@@ -13753,6 +15014,8 @@
       </a:bgFillStyleLst>
     </a:fmtScheme>
   </a:themeElements>
+  <a:objectDefaults/>
+  <a:extraClrSchemeLst/>
 </a:theme>
 </file>
 
@@ -13767,31 +15030,31 @@
         <a:sysClr val="window" lastClr="FFFFFF"/>
       </a:lt1>
       <a:dk2>
-        <a:srgbClr val="1f497d"/>
+        <a:srgbClr val="1F497D"/>
       </a:dk2>
       <a:lt2>
-        <a:srgbClr val="eeece1"/>
+        <a:srgbClr val="EEECE1"/>
       </a:lt2>
       <a:accent1>
-        <a:srgbClr val="4f81bd"/>
+        <a:srgbClr val="4F81BD"/>
       </a:accent1>
       <a:accent2>
-        <a:srgbClr val="c0504d"/>
+        <a:srgbClr val="C0504D"/>
       </a:accent2>
       <a:accent3>
-        <a:srgbClr val="9bbb59"/>
+        <a:srgbClr val="9BBB59"/>
       </a:accent3>
       <a:accent4>
-        <a:srgbClr val="8064a2"/>
+        <a:srgbClr val="8064A2"/>
       </a:accent4>
       <a:accent5>
-        <a:srgbClr val="4bacc6"/>
+        <a:srgbClr val="4BACC6"/>
       </a:accent5>
       <a:accent6>
-        <a:srgbClr val="f79646"/>
+        <a:srgbClr val="F79646"/>
       </a:accent6>
       <a:hlink>
-        <a:srgbClr val="0000ff"/>
+        <a:srgbClr val="0000FF"/>
       </a:hlink>
       <a:folHlink>
         <a:srgbClr val="800080"/>
@@ -13979,6 +15242,8 @@
       </a:bgFillStyleLst>
     </a:fmtScheme>
   </a:themeElements>
+  <a:objectDefaults/>
+  <a:extraClrSchemeLst/>
 </a:theme>
 </file>
 
@@ -13993,31 +15258,31 @@
         <a:sysClr val="window" lastClr="FFFFFF"/>
       </a:lt1>
       <a:dk2>
-        <a:srgbClr val="1f497d"/>
+        <a:srgbClr val="1F497D"/>
       </a:dk2>
       <a:lt2>
-        <a:srgbClr val="eeece1"/>
+        <a:srgbClr val="EEECE1"/>
       </a:lt2>
       <a:accent1>
-        <a:srgbClr val="4f81bd"/>
+        <a:srgbClr val="4F81BD"/>
       </a:accent1>
       <a:accent2>
-        <a:srgbClr val="c0504d"/>
+        <a:srgbClr val="C0504D"/>
       </a:accent2>
       <a:accent3>
-        <a:srgbClr val="9bbb59"/>
+        <a:srgbClr val="9BBB59"/>
       </a:accent3>
       <a:accent4>
-        <a:srgbClr val="8064a2"/>
+        <a:srgbClr val="8064A2"/>
       </a:accent4>
       <a:accent5>
-        <a:srgbClr val="4bacc6"/>
+        <a:srgbClr val="4BACC6"/>
       </a:accent5>
       <a:accent6>
-        <a:srgbClr val="f79646"/>
+        <a:srgbClr val="F79646"/>
       </a:accent6>
       <a:hlink>
-        <a:srgbClr val="0000ff"/>
+        <a:srgbClr val="0000FF"/>
       </a:hlink>
       <a:folHlink>
         <a:srgbClr val="800080"/>
@@ -14205,6 +15470,8 @@
       </a:bgFillStyleLst>
     </a:fmtScheme>
   </a:themeElements>
+  <a:objectDefaults/>
+  <a:extraClrSchemeLst/>
 </a:theme>
 </file>
 
@@ -14219,31 +15486,31 @@
         <a:sysClr val="window" lastClr="FFFFFF"/>
       </a:lt1>
       <a:dk2>
-        <a:srgbClr val="1f497d"/>
+        <a:srgbClr val="1F497D"/>
       </a:dk2>
       <a:lt2>
-        <a:srgbClr val="eeece1"/>
+        <a:srgbClr val="EEECE1"/>
       </a:lt2>
       <a:accent1>
-        <a:srgbClr val="4f81bd"/>
+        <a:srgbClr val="4F81BD"/>
       </a:accent1>
       <a:accent2>
-        <a:srgbClr val="c0504d"/>
+        <a:srgbClr val="C0504D"/>
       </a:accent2>
       <a:accent3>
-        <a:srgbClr val="9bbb59"/>
+        <a:srgbClr val="9BBB59"/>
       </a:accent3>
       <a:accent4>
-        <a:srgbClr val="8064a2"/>
+        <a:srgbClr val="8064A2"/>
       </a:accent4>
       <a:accent5>
-        <a:srgbClr val="4bacc6"/>
+        <a:srgbClr val="4BACC6"/>
       </a:accent5>
       <a:accent6>
-        <a:srgbClr val="f79646"/>
+        <a:srgbClr val="F79646"/>
       </a:accent6>
       <a:hlink>
-        <a:srgbClr val="0000ff"/>
+        <a:srgbClr val="0000FF"/>
       </a:hlink>
       <a:folHlink>
         <a:srgbClr val="800080"/>
@@ -14431,5 +15698,7 @@
       </a:bgFillStyleLst>
     </a:fmtScheme>
   </a:themeElements>
+  <a:objectDefaults/>
+  <a:extraClrSchemeLst/>
 </a:theme>
 </file>
--- a/CSC201Sec3Proj3Team4.pptx
+++ b/CSC201Sec3Proj3Team4.pptx
@@ -16,6 +16,10 @@
     <p:sldId id="261" r:id="rId10"/>
     <p:sldId id="262" r:id="rId11"/>
     <p:sldId id="263" r:id="rId12"/>
+    <p:sldId id="266" r:id="rId13"/>
+    <p:sldId id="267" r:id="rId14"/>
+    <p:sldId id="264" r:id="rId15"/>
+    <p:sldId id="265" r:id="rId16"/>
   </p:sldIdLst>
   <p:sldSz cx="12192000" cy="6858000"/>
   <p:notesSz cx="7772400" cy="10058400"/>
@@ -114,6 +118,11 @@
       </a:defRPr>
     </a:lvl9pPr>
   </p:defaultTextStyle>
+  <p:extLst>
+    <p:ext uri="{EFAFB233-063F-42B5-8137-9DF3F51BA10A}">
+      <p15:sldGuideLst xmlns:p15="http://schemas.microsoft.com/office/powerpoint/2012/main"/>
+    </p:ext>
+  </p:extLst>
 </p:presentation>
 </file>
 
@@ -13130,6 +13139,466 @@
 </p:sld>
 </file>
 
+<file path=ppt/slides/slide10.xml><?xml version="1.0" encoding="utf-8"?>
+<p:sld xmlns:a="http://schemas.openxmlformats.org/drawingml/2006/main" xmlns:r="http://schemas.openxmlformats.org/officeDocument/2006/relationships" xmlns:p="http://schemas.openxmlformats.org/presentationml/2006/main">
+  <p:cSld>
+    <p:spTree>
+      <p:nvGrpSpPr>
+        <p:cNvPr id="1" name=""/>
+        <p:cNvGrpSpPr/>
+        <p:nvPr/>
+      </p:nvGrpSpPr>
+      <p:grpSpPr>
+        <a:xfrm>
+          <a:off x="0" y="0"/>
+          <a:ext cx="0" cy="0"/>
+          <a:chOff x="0" y="0"/>
+          <a:chExt cx="0" cy="0"/>
+        </a:xfrm>
+      </p:grpSpPr>
+      <p:sp>
+        <p:nvSpPr>
+          <p:cNvPr id="2" name="Title 1">
+            <a:extLst>
+              <a:ext uri="{FF2B5EF4-FFF2-40B4-BE49-F238E27FC236}">
+                <a16:creationId xmlns:a16="http://schemas.microsoft.com/office/drawing/2014/main" id="{BA09BDD9-7D1E-4259-96E0-B2A8216D87DB}"/>
+              </a:ext>
+            </a:extLst>
+          </p:cNvPr>
+          <p:cNvSpPr>
+            <a:spLocks noGrp="1"/>
+          </p:cNvSpPr>
+          <p:nvPr>
+            <p:ph type="title"/>
+          </p:nvPr>
+        </p:nvSpPr>
+        <p:spPr/>
+        <p:txBody>
+          <a:bodyPr/>
+          <a:lstStyle/>
+          <a:p>
+            <a:endParaRPr lang="en-US"/>
+          </a:p>
+        </p:txBody>
+      </p:sp>
+      <p:sp>
+        <p:nvSpPr>
+          <p:cNvPr id="3" name="Text Placeholder 2">
+            <a:extLst>
+              <a:ext uri="{FF2B5EF4-FFF2-40B4-BE49-F238E27FC236}">
+                <a16:creationId xmlns:a16="http://schemas.microsoft.com/office/drawing/2014/main" id="{EC45169A-7263-4AAA-BC66-240E56794933}"/>
+              </a:ext>
+            </a:extLst>
+          </p:cNvPr>
+          <p:cNvSpPr>
+            <a:spLocks noGrp="1"/>
+          </p:cNvSpPr>
+          <p:nvPr>
+            <p:ph type="body"/>
+          </p:nvPr>
+        </p:nvSpPr>
+        <p:spPr/>
+        <p:txBody>
+          <a:bodyPr/>
+          <a:lstStyle/>
+          <a:p>
+            <a:endParaRPr lang="en-US"/>
+          </a:p>
+        </p:txBody>
+      </p:sp>
+    </p:spTree>
+    <p:extLst>
+      <p:ext uri="{BB962C8B-B14F-4D97-AF65-F5344CB8AC3E}">
+        <p14:creationId xmlns:p14="http://schemas.microsoft.com/office/powerpoint/2010/main" val="696345624"/>
+      </p:ext>
+    </p:extLst>
+  </p:cSld>
+  <p:clrMapOvr>
+    <a:masterClrMapping/>
+  </p:clrMapOvr>
+</p:sld>
+</file>
+
+<file path=ppt/slides/slide11.xml><?xml version="1.0" encoding="utf-8"?>
+<p:sld xmlns:a="http://schemas.openxmlformats.org/drawingml/2006/main" xmlns:r="http://schemas.openxmlformats.org/officeDocument/2006/relationships" xmlns:p="http://schemas.openxmlformats.org/presentationml/2006/main">
+  <p:cSld>
+    <p:spTree>
+      <p:nvGrpSpPr>
+        <p:cNvPr id="1" name=""/>
+        <p:cNvGrpSpPr/>
+        <p:nvPr/>
+      </p:nvGrpSpPr>
+      <p:grpSpPr>
+        <a:xfrm>
+          <a:off x="0" y="0"/>
+          <a:ext cx="0" cy="0"/>
+          <a:chOff x="0" y="0"/>
+          <a:chExt cx="0" cy="0"/>
+        </a:xfrm>
+      </p:grpSpPr>
+      <p:sp>
+        <p:nvSpPr>
+          <p:cNvPr id="254" name="TextShape 1"/>
+          <p:cNvSpPr txBox="1"/>
+          <p:nvPr/>
+        </p:nvSpPr>
+        <p:spPr>
+          <a:xfrm>
+            <a:off x="2703869" y="205560"/>
+            <a:ext cx="5548465" cy="1234800"/>
+          </a:xfrm>
+          <a:prstGeom prst="rect">
+            <a:avLst/>
+          </a:prstGeom>
+          <a:noFill/>
+          <a:ln>
+            <a:noFill/>
+          </a:ln>
+        </p:spPr>
+        <p:txBody>
+          <a:bodyPr lIns="0" tIns="0" rIns="0" bIns="0" anchor="ctr">
+            <a:noAutofit/>
+          </a:bodyPr>
+          <a:lstStyle/>
+          <a:p>
+            <a:pPr algn="r">
+              <a:lnSpc>
+                <a:spcPct val="100000"/>
+              </a:lnSpc>
+            </a:pPr>
+            <a:r>
+              <a:rPr lang="en-US" sz="5400" spc="-1" dirty="0">
+                <a:solidFill>
+                  <a:srgbClr val="4F81BD"/>
+                </a:solidFill>
+                <a:latin typeface="Trebuchet MS"/>
+              </a:rPr>
+              <a:t>Projects and Use</a:t>
+            </a:r>
+            <a:endParaRPr lang="en-US" sz="5400" b="0" strike="noStrike" spc="-1" dirty="0">
+              <a:solidFill>
+                <a:srgbClr val="000000"/>
+              </a:solidFill>
+              <a:latin typeface="Arial"/>
+            </a:endParaRPr>
+          </a:p>
+        </p:txBody>
+      </p:sp>
+      <p:pic>
+        <p:nvPicPr>
+          <p:cNvPr id="3" name="Picture 2">
+            <a:extLst>
+              <a:ext uri="{FF2B5EF4-FFF2-40B4-BE49-F238E27FC236}">
+                <a16:creationId xmlns:a16="http://schemas.microsoft.com/office/drawing/2014/main" id="{B1A87303-3A93-4E1A-8215-1805345B4A03}"/>
+              </a:ext>
+            </a:extLst>
+          </p:cNvPr>
+          <p:cNvPicPr>
+            <a:picLocks noChangeAspect="1"/>
+          </p:cNvPicPr>
+          <p:nvPr/>
+        </p:nvPicPr>
+        <p:blipFill>
+          <a:blip r:embed="rId2"/>
+          <a:stretch>
+            <a:fillRect/>
+          </a:stretch>
+        </p:blipFill>
+        <p:spPr>
+          <a:xfrm>
+            <a:off x="839910" y="1555359"/>
+            <a:ext cx="4954603" cy="4212738"/>
+          </a:xfrm>
+          <a:prstGeom prst="rect">
+            <a:avLst/>
+          </a:prstGeom>
+        </p:spPr>
+      </p:pic>
+      <p:pic>
+        <p:nvPicPr>
+          <p:cNvPr id="5" name="Picture 4">
+            <a:extLst>
+              <a:ext uri="{FF2B5EF4-FFF2-40B4-BE49-F238E27FC236}">
+                <a16:creationId xmlns:a16="http://schemas.microsoft.com/office/drawing/2014/main" id="{C6FCF48D-0C50-46C5-A636-8863F1A59132}"/>
+              </a:ext>
+            </a:extLst>
+          </p:cNvPr>
+          <p:cNvPicPr>
+            <a:picLocks noChangeAspect="1"/>
+          </p:cNvPicPr>
+          <p:nvPr/>
+        </p:nvPicPr>
+        <p:blipFill>
+          <a:blip r:embed="rId3"/>
+          <a:stretch>
+            <a:fillRect/>
+          </a:stretch>
+        </p:blipFill>
+        <p:spPr>
+          <a:xfrm>
+            <a:off x="6556514" y="1513247"/>
+            <a:ext cx="2637181" cy="4336304"/>
+          </a:xfrm>
+          <a:prstGeom prst="rect">
+            <a:avLst/>
+          </a:prstGeom>
+        </p:spPr>
+      </p:pic>
+    </p:spTree>
+    <p:extLst>
+      <p:ext uri="{BB962C8B-B14F-4D97-AF65-F5344CB8AC3E}">
+        <p14:creationId xmlns:p14="http://schemas.microsoft.com/office/powerpoint/2010/main" val="3595425988"/>
+      </p:ext>
+    </p:extLst>
+  </p:cSld>
+  <p:clrMapOvr>
+    <a:masterClrMapping/>
+  </p:clrMapOvr>
+</p:sld>
+</file>
+
+<file path=ppt/slides/slide12.xml><?xml version="1.0" encoding="utf-8"?>
+<p:sld xmlns:a="http://schemas.openxmlformats.org/drawingml/2006/main" xmlns:r="http://schemas.openxmlformats.org/officeDocument/2006/relationships" xmlns:p="http://schemas.openxmlformats.org/presentationml/2006/main">
+  <p:cSld>
+    <p:spTree>
+      <p:nvGrpSpPr>
+        <p:cNvPr id="1" name=""/>
+        <p:cNvGrpSpPr/>
+        <p:nvPr/>
+      </p:nvGrpSpPr>
+      <p:grpSpPr>
+        <a:xfrm>
+          <a:off x="0" y="0"/>
+          <a:ext cx="0" cy="0"/>
+          <a:chOff x="0" y="0"/>
+          <a:chExt cx="0" cy="0"/>
+        </a:xfrm>
+      </p:grpSpPr>
+      <p:sp>
+        <p:nvSpPr>
+          <p:cNvPr id="254" name="TextShape 1"/>
+          <p:cNvSpPr txBox="1"/>
+          <p:nvPr/>
+        </p:nvSpPr>
+        <p:spPr>
+          <a:xfrm>
+            <a:off x="2703869" y="205560"/>
+            <a:ext cx="6360618" cy="1234800"/>
+          </a:xfrm>
+          <a:prstGeom prst="rect">
+            <a:avLst/>
+          </a:prstGeom>
+          <a:noFill/>
+          <a:ln>
+            <a:noFill/>
+          </a:ln>
+        </p:spPr>
+        <p:txBody>
+          <a:bodyPr lIns="0" tIns="0" rIns="0" bIns="0" anchor="ctr">
+            <a:noAutofit/>
+          </a:bodyPr>
+          <a:lstStyle/>
+          <a:p>
+            <a:pPr algn="r">
+              <a:lnSpc>
+                <a:spcPct val="100000"/>
+              </a:lnSpc>
+            </a:pPr>
+            <a:r>
+              <a:rPr lang="en-US" sz="5400" spc="-1" dirty="0">
+                <a:solidFill>
+                  <a:srgbClr val="4F81BD"/>
+                </a:solidFill>
+                <a:latin typeface="Trebuchet MS"/>
+              </a:rPr>
+              <a:t>Pros about the Pro’s</a:t>
+            </a:r>
+            <a:endParaRPr lang="en-US" sz="5400" b="0" strike="noStrike" spc="-1" dirty="0">
+              <a:solidFill>
+                <a:srgbClr val="000000"/>
+              </a:solidFill>
+              <a:latin typeface="Arial"/>
+            </a:endParaRPr>
+          </a:p>
+        </p:txBody>
+      </p:sp>
+      <p:sp>
+        <p:nvSpPr>
+          <p:cNvPr id="4" name="TextShape 2">
+            <a:extLst>
+              <a:ext uri="{FF2B5EF4-FFF2-40B4-BE49-F238E27FC236}">
+                <a16:creationId xmlns:a16="http://schemas.microsoft.com/office/drawing/2014/main" id="{C779385A-84AB-45C9-B08B-80657589FAFD}"/>
+              </a:ext>
+            </a:extLst>
+          </p:cNvPr>
+          <p:cNvSpPr txBox="1"/>
+          <p:nvPr/>
+        </p:nvSpPr>
+        <p:spPr>
+          <a:xfrm>
+            <a:off x="457560" y="2057760"/>
+            <a:ext cx="10972440" cy="3977280"/>
+          </a:xfrm>
+          <a:prstGeom prst="rect">
+            <a:avLst/>
+          </a:prstGeom>
+          <a:noFill/>
+          <a:ln>
+            <a:noFill/>
+          </a:ln>
+        </p:spPr>
+        <p:txBody>
+          <a:bodyPr lIns="0" tIns="0" rIns="0" bIns="0">
+            <a:normAutofit/>
+          </a:bodyPr>
+          <a:lstStyle/>
+          <a:p>
+            <a:pPr marL="432000" indent="-324000">
+              <a:spcBef>
+                <a:spcPts val="1417"/>
+              </a:spcBef>
+              <a:buClr>
+                <a:srgbClr val="000000"/>
+              </a:buClr>
+              <a:buSzPct val="45000"/>
+              <a:buFont typeface="Wingdings" charset="2"/>
+              <a:buChar char=""/>
+            </a:pPr>
+            <a:r>
+              <a:rPr lang="en-US" sz="2800" b="0" strike="noStrike" spc="-1" dirty="0">
+                <a:solidFill>
+                  <a:srgbClr val="000000"/>
+                </a:solidFill>
+                <a:latin typeface="Arial"/>
+              </a:rPr>
+              <a:t>Open source</a:t>
+            </a:r>
+          </a:p>
+          <a:p>
+            <a:pPr marL="432000" indent="-324000">
+              <a:spcBef>
+                <a:spcPts val="1417"/>
+              </a:spcBef>
+              <a:buClr>
+                <a:srgbClr val="000000"/>
+              </a:buClr>
+              <a:buSzPct val="45000"/>
+              <a:buFont typeface="Wingdings" charset="2"/>
+              <a:buChar char=""/>
+            </a:pPr>
+            <a:r>
+              <a:rPr lang="en-US" sz="2800" b="0" strike="noStrike" spc="-1" dirty="0">
+                <a:solidFill>
+                  <a:srgbClr val="000000"/>
+                </a:solidFill>
+                <a:latin typeface="Arial"/>
+              </a:rPr>
+              <a:t>Concise and full-featured</a:t>
+            </a:r>
+          </a:p>
+          <a:p>
+            <a:pPr marL="432000" indent="-324000">
+              <a:spcBef>
+                <a:spcPts val="1417"/>
+              </a:spcBef>
+              <a:buClr>
+                <a:srgbClr val="000000"/>
+              </a:buClr>
+              <a:buSzPct val="45000"/>
+              <a:buFont typeface="Wingdings" charset="2"/>
+              <a:buChar char=""/>
+            </a:pPr>
+            <a:r>
+              <a:rPr lang="en-US" sz="2800" b="0" strike="noStrike" spc="-1" dirty="0">
+                <a:solidFill>
+                  <a:srgbClr val="000000"/>
+                </a:solidFill>
+                <a:latin typeface="Arial"/>
+              </a:rPr>
+              <a:t>Libraries and Documentation</a:t>
+            </a:r>
+          </a:p>
+          <a:p>
+            <a:pPr marL="432000" indent="-324000">
+              <a:spcBef>
+                <a:spcPts val="1417"/>
+              </a:spcBef>
+              <a:buClr>
+                <a:srgbClr val="000000"/>
+              </a:buClr>
+              <a:buSzPct val="45000"/>
+              <a:buFont typeface="Wingdings" charset="2"/>
+              <a:buChar char=""/>
+            </a:pPr>
+            <a:r>
+              <a:rPr lang="en-US" sz="2800" spc="-1" dirty="0">
+                <a:solidFill>
+                  <a:srgbClr val="000000"/>
+                </a:solidFill>
+                <a:latin typeface="Arial"/>
+              </a:rPr>
+              <a:t>Interactive IDE</a:t>
+            </a:r>
+          </a:p>
+          <a:p>
+            <a:pPr marL="432000" indent="-324000">
+              <a:spcBef>
+                <a:spcPts val="1417"/>
+              </a:spcBef>
+              <a:buClr>
+                <a:srgbClr val="000000"/>
+              </a:buClr>
+              <a:buSzPct val="45000"/>
+              <a:buFont typeface="Wingdings" charset="2"/>
+              <a:buChar char=""/>
+            </a:pPr>
+            <a:r>
+              <a:rPr lang="en-US" sz="2800" b="0" strike="noStrike" spc="-1" dirty="0">
+                <a:solidFill>
+                  <a:srgbClr val="000000"/>
+                </a:solidFill>
+                <a:latin typeface="Arial"/>
+              </a:rPr>
+              <a:t>Use of Macros</a:t>
+            </a:r>
+          </a:p>
+          <a:p>
+            <a:pPr marL="432000" indent="-324000">
+              <a:spcBef>
+                <a:spcPts val="1417"/>
+              </a:spcBef>
+              <a:buClr>
+                <a:srgbClr val="000000"/>
+              </a:buClr>
+              <a:buSzPct val="45000"/>
+              <a:buFont typeface="Wingdings" charset="2"/>
+              <a:buChar char=""/>
+            </a:pPr>
+            <a:r>
+              <a:rPr lang="en-US" sz="2800" spc="-1" dirty="0">
+                <a:solidFill>
+                  <a:srgbClr val="000000"/>
+                </a:solidFill>
+                <a:latin typeface="Arial"/>
+              </a:rPr>
+              <a:t>Semantically and Syntactically flexible (Create new languages)</a:t>
+            </a:r>
+          </a:p>
+        </p:txBody>
+      </p:sp>
+    </p:spTree>
+    <p:extLst>
+      <p:ext uri="{BB962C8B-B14F-4D97-AF65-F5344CB8AC3E}">
+        <p14:creationId xmlns:p14="http://schemas.microsoft.com/office/powerpoint/2010/main" val="217188212"/>
+      </p:ext>
+    </p:extLst>
+  </p:cSld>
+  <p:clrMapOvr>
+    <a:masterClrMapping/>
+  </p:clrMapOvr>
+</p:sld>
+</file>
+
 <file path=ppt/slides/slide2.xml><?xml version="1.0" encoding="utf-8"?>
 <p:sld xmlns:a="http://schemas.openxmlformats.org/drawingml/2006/main" xmlns:r="http://schemas.openxmlformats.org/officeDocument/2006/relationships" xmlns:p="http://schemas.openxmlformats.org/presentationml/2006/main">
   <p:cSld>
@@ -13547,7 +14016,7 @@
         </p:style>
         <p:txBody>
           <a:bodyPr lIns="90000" tIns="45000" rIns="90000" bIns="45000">
-            <a:normAutofit/>
+            <a:normAutofit lnSpcReduction="10000"/>
           </a:bodyPr>
           <a:lstStyle/>
           <a:p>
@@ -14428,13 +14897,22 @@
               <a:buChar char=""/>
             </a:pPr>
             <a:r>
-              <a:rPr lang="en-US" sz="2800" b="0" strike="noStrike" spc="-1">
+              <a:rPr lang="en-US" sz="2800" b="0" strike="noStrike" spc="-1" dirty="0" err="1">
                 <a:solidFill>
                   <a:srgbClr val="000000"/>
                 </a:solidFill>
                 <a:latin typeface="Arial"/>
               </a:rPr>
-              <a:t>Fractalide is another open-source programming language written in Racket</a:t>
+              <a:t>Fractalide</a:t>
+            </a:r>
+            <a:r>
+              <a:rPr lang="en-US" sz="2800" b="0" strike="noStrike" spc="-1" dirty="0">
+                <a:solidFill>
+                  <a:srgbClr val="000000"/>
+                </a:solidFill>
+                <a:latin typeface="Arial"/>
+              </a:rPr>
+              <a:t> is another open-source programming language written in Racket</a:t>
             </a:r>
           </a:p>
           <a:p>
@@ -14450,7 +14928,7 @@
               <a:buChar char=""/>
             </a:pPr>
             <a:r>
-              <a:rPr lang="en-US" sz="2800" b="0" strike="noStrike" spc="-1">
+              <a:rPr lang="en-US" sz="2800" b="0" strike="noStrike" spc="-1" dirty="0">
                 <a:solidFill>
                   <a:srgbClr val="000000"/>
                 </a:solidFill>
@@ -14472,7 +14950,7 @@
               <a:buChar char=""/>
             </a:pPr>
             <a:r>
-              <a:rPr lang="en-US" sz="2800" b="0" strike="noStrike" spc="-1">
+              <a:rPr lang="en-US" sz="2800" b="0" strike="noStrike" spc="-1" dirty="0">
                 <a:solidFill>
                   <a:srgbClr val="000000"/>
                 </a:solidFill>
@@ -14481,7 +14959,7 @@
               <a:t> </a:t>
             </a:r>
             <a:r>
-              <a:rPr lang="en-US" sz="2800" b="0" strike="noStrike" spc="-1">
+              <a:rPr lang="en-US" sz="2800" b="0" strike="noStrike" spc="-1" dirty="0">
                 <a:solidFill>
                   <a:srgbClr val="000000"/>
                 </a:solidFill>
@@ -14491,7 +14969,7 @@
               <a:t>https://github.com/fractalide/fractalide</a:t>
             </a:r>
             <a:r>
-              <a:rPr lang="en-US" sz="2800" b="0" strike="noStrike" spc="-1">
+              <a:rPr lang="en-US" sz="2800" b="0" strike="noStrike" spc="-1" dirty="0">
                 <a:solidFill>
                   <a:srgbClr val="000000"/>
                 </a:solidFill>
@@ -14597,7 +15075,7 @@
         </p:spPr>
         <p:txBody>
           <a:bodyPr lIns="0" tIns="0" rIns="0" bIns="0">
-            <a:normAutofit/>
+            <a:normAutofit lnSpcReduction="10000"/>
           </a:bodyPr>
           <a:lstStyle/>
           <a:p>
@@ -14613,7 +15091,7 @@
               <a:buChar char=""/>
             </a:pPr>
             <a:r>
-              <a:rPr lang="en-US" sz="2800" b="0" strike="noStrike" spc="-1">
+              <a:rPr lang="en-US" sz="2800" b="0" strike="noStrike" spc="-1" dirty="0">
                 <a:solidFill>
                   <a:srgbClr val="000000"/>
                 </a:solidFill>
@@ -14635,16 +15113,34 @@
               <a:buChar char=""/>
             </a:pPr>
             <a:r>
-              <a:rPr lang="en-US" sz="2800" b="0" strike="noStrike" spc="-1">
+              <a:rPr lang="en-US" sz="2800" b="0" strike="noStrike" spc="-1" dirty="0">
                 <a:solidFill>
                   <a:srgbClr val="000000"/>
                 </a:solidFill>
                 <a:latin typeface="Arial"/>
               </a:rPr>
-              <a:t>In fact, Racket’s IDE (DrRacket) was written in Racket </a:t>
+              <a:t>In fact, Racket’s IDE (</a:t>
             </a:r>
             <a:r>
-              <a:rPr lang="en-US" sz="2800" b="0" strike="noStrike" spc="-1">
+              <a:rPr lang="en-US" sz="2800" b="0" strike="noStrike" spc="-1" dirty="0" err="1">
+                <a:solidFill>
+                  <a:srgbClr val="000000"/>
+                </a:solidFill>
+                <a:latin typeface="Arial"/>
+              </a:rPr>
+              <a:t>DrRacket</a:t>
+            </a:r>
+            <a:r>
+              <a:rPr lang="en-US" sz="2800" b="0" strike="noStrike" spc="-1" dirty="0">
+                <a:solidFill>
+                  <a:srgbClr val="000000"/>
+                </a:solidFill>
+                <a:latin typeface="Arial"/>
+              </a:rPr>
+              <a:t>) was written in Racket </a:t>
+            </a:r>
+            <a:r>
+              <a:rPr lang="en-US" sz="2800" b="0" strike="noStrike" spc="-1" dirty="0">
                 <a:solidFill>
                   <a:srgbClr val="000000"/>
                 </a:solidFill>
@@ -14655,7 +15151,7 @@
               <a:t>https://github.com/racket/drracket</a:t>
             </a:r>
             <a:r>
-              <a:rPr lang="en-US" sz="2800" b="0" strike="noStrike" spc="-1">
+              <a:rPr lang="en-US" sz="2800" b="0" strike="noStrike" spc="-1" dirty="0">
                 <a:solidFill>
                   <a:srgbClr val="000000"/>
                 </a:solidFill>
@@ -14664,7 +15160,7 @@
               </a:rPr>
               <a:t> </a:t>
             </a:r>
-            <a:endParaRPr lang="en-US" sz="2800" b="0" strike="noStrike" spc="-1">
+            <a:endParaRPr lang="en-US" sz="2800" b="0" strike="noStrike" spc="-1" dirty="0">
               <a:solidFill>
                 <a:srgbClr val="000000"/>
               </a:solidFill>
@@ -14684,13 +15180,22 @@
               <a:buChar char=""/>
             </a:pPr>
             <a:r>
-              <a:rPr lang="en-US" sz="2800" b="0" strike="noStrike" spc="-1">
+              <a:rPr lang="en-US" sz="2800" b="0" strike="noStrike" spc="-1" dirty="0" err="1">
                 <a:solidFill>
                   <a:srgbClr val="000000"/>
                 </a:solidFill>
                 <a:latin typeface="Arial"/>
               </a:rPr>
-              <a:t>DrRacket includes all typical features of an IDE</a:t>
+              <a:t>DrRacket</a:t>
+            </a:r>
+            <a:r>
+              <a:rPr lang="en-US" sz="2800" b="0" strike="noStrike" spc="-1" dirty="0">
+                <a:solidFill>
+                  <a:srgbClr val="000000"/>
+                </a:solidFill>
+                <a:latin typeface="Arial"/>
+              </a:rPr>
+              <a:t> includes all typical features of an IDE</a:t>
             </a:r>
           </a:p>
           <a:p>
@@ -14706,7 +15211,7 @@
               <a:buChar char=""/>
             </a:pPr>
             <a:r>
-              <a:rPr lang="en-US" sz="2000" b="0" strike="noStrike" spc="-1">
+              <a:rPr lang="en-US" sz="2000" b="0" strike="noStrike" spc="-1" dirty="0">
                 <a:solidFill>
                   <a:srgbClr val="000000"/>
                 </a:solidFill>
@@ -14728,7 +15233,7 @@
               <a:buChar char=""/>
             </a:pPr>
             <a:r>
-              <a:rPr lang="en-US" sz="2000" b="0" strike="noStrike" spc="-1">
+              <a:rPr lang="en-US" sz="2000" b="0" strike="noStrike" spc="-1" dirty="0">
                 <a:solidFill>
                   <a:srgbClr val="000000"/>
                 </a:solidFill>
@@ -14750,7 +15255,7 @@
               <a:buChar char=""/>
             </a:pPr>
             <a:r>
-              <a:rPr lang="en-US" sz="2000" b="0" strike="noStrike" spc="-1">
+              <a:rPr lang="en-US" sz="2000" b="0" strike="noStrike" spc="-1" dirty="0">
                 <a:solidFill>
                   <a:srgbClr val="000000"/>
                 </a:solidFill>
@@ -14772,7 +15277,7 @@
               <a:buChar char=""/>
             </a:pPr>
             <a:r>
-              <a:rPr lang="en-US" sz="2000" b="0" strike="noStrike" spc="-1">
+              <a:rPr lang="en-US" sz="2000" b="0" strike="noStrike" spc="-1" dirty="0">
                 <a:solidFill>
                   <a:srgbClr val="000000"/>
                 </a:solidFill>
@@ -14784,6 +15289,86 @@
         </p:txBody>
       </p:sp>
     </p:spTree>
+  </p:cSld>
+  <p:clrMapOvr>
+    <a:masterClrMapping/>
+  </p:clrMapOvr>
+</p:sld>
+</file>
+
+<file path=ppt/slides/slide9.xml><?xml version="1.0" encoding="utf-8"?>
+<p:sld xmlns:a="http://schemas.openxmlformats.org/drawingml/2006/main" xmlns:r="http://schemas.openxmlformats.org/officeDocument/2006/relationships" xmlns:p="http://schemas.openxmlformats.org/presentationml/2006/main">
+  <p:cSld>
+    <p:spTree>
+      <p:nvGrpSpPr>
+        <p:cNvPr id="1" name=""/>
+        <p:cNvGrpSpPr/>
+        <p:nvPr/>
+      </p:nvGrpSpPr>
+      <p:grpSpPr>
+        <a:xfrm>
+          <a:off x="0" y="0"/>
+          <a:ext cx="0" cy="0"/>
+          <a:chOff x="0" y="0"/>
+          <a:chExt cx="0" cy="0"/>
+        </a:xfrm>
+      </p:grpSpPr>
+      <p:sp>
+        <p:nvSpPr>
+          <p:cNvPr id="2" name="Title 1">
+            <a:extLst>
+              <a:ext uri="{FF2B5EF4-FFF2-40B4-BE49-F238E27FC236}">
+                <a16:creationId xmlns:a16="http://schemas.microsoft.com/office/drawing/2014/main" id="{4AA88340-D0DF-4FBC-8BD2-18236183DF47}"/>
+              </a:ext>
+            </a:extLst>
+          </p:cNvPr>
+          <p:cNvSpPr>
+            <a:spLocks noGrp="1"/>
+          </p:cNvSpPr>
+          <p:nvPr>
+            <p:ph type="title"/>
+          </p:nvPr>
+        </p:nvSpPr>
+        <p:spPr/>
+        <p:txBody>
+          <a:bodyPr/>
+          <a:lstStyle/>
+          <a:p>
+            <a:endParaRPr lang="en-US"/>
+          </a:p>
+        </p:txBody>
+      </p:sp>
+      <p:sp>
+        <p:nvSpPr>
+          <p:cNvPr id="3" name="Text Placeholder 2">
+            <a:extLst>
+              <a:ext uri="{FF2B5EF4-FFF2-40B4-BE49-F238E27FC236}">
+                <a16:creationId xmlns:a16="http://schemas.microsoft.com/office/drawing/2014/main" id="{5C3A6CAD-B008-483D-AA12-895DE4AADDAD}"/>
+              </a:ext>
+            </a:extLst>
+          </p:cNvPr>
+          <p:cNvSpPr>
+            <a:spLocks noGrp="1"/>
+          </p:cNvSpPr>
+          <p:nvPr>
+            <p:ph type="body"/>
+          </p:nvPr>
+        </p:nvSpPr>
+        <p:spPr/>
+        <p:txBody>
+          <a:bodyPr/>
+          <a:lstStyle/>
+          <a:p>
+            <a:endParaRPr lang="en-US"/>
+          </a:p>
+        </p:txBody>
+      </p:sp>
+    </p:spTree>
+    <p:extLst>
+      <p:ext uri="{BB962C8B-B14F-4D97-AF65-F5344CB8AC3E}">
+        <p14:creationId xmlns:p14="http://schemas.microsoft.com/office/powerpoint/2010/main" val="3127419961"/>
+      </p:ext>
+    </p:extLst>
   </p:cSld>
   <p:clrMapOvr>
     <a:masterClrMapping/>

--- a/CSC201Sec3Proj3Team4.pptx
+++ b/CSC201Sec3Proj3Team4.pptx
@@ -9,17 +9,21 @@
   </p:sldMasterIdLst>
   <p:sldIdLst>
     <p:sldId id="256" r:id="rId5"/>
-    <p:sldId id="257" r:id="rId6"/>
-    <p:sldId id="258" r:id="rId7"/>
-    <p:sldId id="259" r:id="rId8"/>
-    <p:sldId id="260" r:id="rId9"/>
-    <p:sldId id="261" r:id="rId10"/>
-    <p:sldId id="262" r:id="rId11"/>
-    <p:sldId id="263" r:id="rId12"/>
-    <p:sldId id="266" r:id="rId13"/>
-    <p:sldId id="267" r:id="rId14"/>
-    <p:sldId id="264" r:id="rId15"/>
-    <p:sldId id="265" r:id="rId16"/>
+    <p:sldId id="268" r:id="rId6"/>
+    <p:sldId id="269" r:id="rId7"/>
+    <p:sldId id="270" r:id="rId8"/>
+    <p:sldId id="257" r:id="rId9"/>
+    <p:sldId id="258" r:id="rId10"/>
+    <p:sldId id="259" r:id="rId11"/>
+    <p:sldId id="260" r:id="rId12"/>
+    <p:sldId id="261" r:id="rId13"/>
+    <p:sldId id="262" r:id="rId14"/>
+    <p:sldId id="263" r:id="rId15"/>
+    <p:sldId id="266" r:id="rId16"/>
+    <p:sldId id="267" r:id="rId17"/>
+    <p:sldId id="264" r:id="rId18"/>
+    <p:sldId id="265" r:id="rId19"/>
+    <p:sldId id="271" r:id="rId20"/>
   </p:sldIdLst>
   <p:sldSz cx="12192000" cy="6858000"/>
   <p:notesSz cx="7772400" cy="10058400"/>
@@ -124,6 +128,18 @@
     </p:ext>
   </p:extLst>
 </p:presentation>
+</file>
+
+<file path=ppt/commentAuthors.xml><?xml version="1.0" encoding="utf-8"?>
+<p:cmAuthorLst xmlns:a="http://schemas.openxmlformats.org/drawingml/2006/main" xmlns:r="http://schemas.openxmlformats.org/officeDocument/2006/relationships" xmlns:p="http://schemas.openxmlformats.org/presentationml/2006/main">
+  <p:cmAuthor id="1" name="steven" initials="s" lastIdx="1" clrIdx="0">
+    <p:extLst>
+      <p:ext uri="{19B8F6BF-5375-455C-9EA6-DF929625EA0E}">
+        <p15:presenceInfo xmlns:p15="http://schemas.microsoft.com/office/powerpoint/2012/main" userId="steven" providerId="None"/>
+      </p:ext>
+    </p:extLst>
+  </p:cmAuthor>
+</p:cmAuthorLst>
 </file>
 
 <file path=ppt/slideLayouts/slideLayout1.xml><?xml version="1.0" encoding="utf-8"?>
@@ -13158,60 +13174,174 @@
       </p:grpSpPr>
       <p:sp>
         <p:nvSpPr>
-          <p:cNvPr id="2" name="Title 1">
-            <a:extLst>
-              <a:ext uri="{FF2B5EF4-FFF2-40B4-BE49-F238E27FC236}">
-                <a16:creationId xmlns:a16="http://schemas.microsoft.com/office/drawing/2014/main" id="{BA09BDD9-7D1E-4259-96E0-B2A8216D87DB}"/>
-              </a:ext>
-            </a:extLst>
-          </p:cNvPr>
-          <p:cNvSpPr>
-            <a:spLocks noGrp="1"/>
-          </p:cNvSpPr>
-          <p:nvPr>
-            <p:ph type="title"/>
-          </p:nvPr>
-        </p:nvSpPr>
-        <p:spPr/>
-        <p:txBody>
-          <a:bodyPr/>
-          <a:lstStyle/>
-          <a:p>
-            <a:endParaRPr lang="en-US"/>
-          </a:p>
-        </p:txBody>
-      </p:sp>
-      <p:sp>
-        <p:nvSpPr>
-          <p:cNvPr id="3" name="Text Placeholder 2">
-            <a:extLst>
-              <a:ext uri="{FF2B5EF4-FFF2-40B4-BE49-F238E27FC236}">
-                <a16:creationId xmlns:a16="http://schemas.microsoft.com/office/drawing/2014/main" id="{EC45169A-7263-4AAA-BC66-240E56794933}"/>
-              </a:ext>
-            </a:extLst>
-          </p:cNvPr>
-          <p:cNvSpPr>
-            <a:spLocks noGrp="1"/>
-          </p:cNvSpPr>
-          <p:nvPr>
-            <p:ph type="body"/>
-          </p:nvPr>
-        </p:nvSpPr>
-        <p:spPr/>
-        <p:txBody>
-          <a:bodyPr/>
-          <a:lstStyle/>
-          <a:p>
-            <a:endParaRPr lang="en-US"/>
+          <p:cNvPr id="252" name="TextShape 1"/>
+          <p:cNvSpPr txBox="1"/>
+          <p:nvPr/>
+        </p:nvSpPr>
+        <p:spPr>
+          <a:xfrm>
+            <a:off x="2011680" y="274680"/>
+            <a:ext cx="7766280" cy="1645560"/>
+          </a:xfrm>
+          <a:prstGeom prst="rect">
+            <a:avLst/>
+          </a:prstGeom>
+          <a:noFill/>
+          <a:ln>
+            <a:noFill/>
+          </a:ln>
+        </p:spPr>
+        <p:txBody>
+          <a:bodyPr lIns="0" tIns="0" rIns="0" bIns="0" anchor="ctr">
+            <a:noAutofit/>
+          </a:bodyPr>
+          <a:lstStyle/>
+          <a:p>
+            <a:pPr algn="r">
+              <a:lnSpc>
+                <a:spcPct val="100000"/>
+              </a:lnSpc>
+            </a:pPr>
+            <a:r>
+              <a:rPr lang="en-US" sz="5400" b="0" strike="noStrike" spc="-1">
+                <a:solidFill>
+                  <a:srgbClr val="4F81BD"/>
+                </a:solidFill>
+                <a:latin typeface="Trebuchet MS"/>
+                <a:ea typeface="DejaVu Sans"/>
+              </a:rPr>
+              <a:t>Racket Applications: Fractalide</a:t>
+            </a:r>
+            <a:endParaRPr lang="en-US" sz="5400" b="0" strike="noStrike" spc="-1">
+              <a:solidFill>
+                <a:srgbClr val="000000"/>
+              </a:solidFill>
+              <a:latin typeface="Arial"/>
+            </a:endParaRPr>
+          </a:p>
+        </p:txBody>
+      </p:sp>
+      <p:sp>
+        <p:nvSpPr>
+          <p:cNvPr id="253" name="TextShape 2"/>
+          <p:cNvSpPr txBox="1"/>
+          <p:nvPr/>
+        </p:nvSpPr>
+        <p:spPr>
+          <a:xfrm>
+            <a:off x="457560" y="2057760"/>
+            <a:ext cx="10972440" cy="3977280"/>
+          </a:xfrm>
+          <a:prstGeom prst="rect">
+            <a:avLst/>
+          </a:prstGeom>
+          <a:noFill/>
+          <a:ln>
+            <a:noFill/>
+          </a:ln>
+        </p:spPr>
+        <p:txBody>
+          <a:bodyPr lIns="0" tIns="0" rIns="0" bIns="0">
+            <a:normAutofit/>
+          </a:bodyPr>
+          <a:lstStyle/>
+          <a:p>
+            <a:pPr marL="432000" indent="-324000">
+              <a:spcBef>
+                <a:spcPts val="1417"/>
+              </a:spcBef>
+              <a:buClr>
+                <a:srgbClr val="000000"/>
+              </a:buClr>
+              <a:buSzPct val="45000"/>
+              <a:buFont typeface="Wingdings" charset="2"/>
+              <a:buChar char=""/>
+            </a:pPr>
+            <a:r>
+              <a:rPr lang="en-US" sz="2800" b="0" strike="noStrike" spc="-1" dirty="0" err="1">
+                <a:solidFill>
+                  <a:srgbClr val="000000"/>
+                </a:solidFill>
+                <a:latin typeface="Arial"/>
+              </a:rPr>
+              <a:t>Fractalide</a:t>
+            </a:r>
+            <a:r>
+              <a:rPr lang="en-US" sz="2800" b="0" strike="noStrike" spc="-1" dirty="0">
+                <a:solidFill>
+                  <a:srgbClr val="000000"/>
+                </a:solidFill>
+                <a:latin typeface="Arial"/>
+              </a:rPr>
+              <a:t> is another open-source programming language written in Racket</a:t>
+            </a:r>
+          </a:p>
+          <a:p>
+            <a:pPr marL="432000" indent="-324000">
+              <a:spcBef>
+                <a:spcPts val="1417"/>
+              </a:spcBef>
+              <a:buClr>
+                <a:srgbClr val="000000"/>
+              </a:buClr>
+              <a:buSzPct val="45000"/>
+              <a:buFont typeface="Wingdings" charset="2"/>
+              <a:buChar char=""/>
+            </a:pPr>
+            <a:r>
+              <a:rPr lang="en-US" sz="2800" b="0" strike="noStrike" spc="-1" dirty="0">
+                <a:solidFill>
+                  <a:srgbClr val="000000"/>
+                </a:solidFill>
+                <a:latin typeface="Arial"/>
+              </a:rPr>
+              <a:t>An interesting approach to designing a programming language which utilizes graphs as the basic language concepts</a:t>
+            </a:r>
+          </a:p>
+          <a:p>
+            <a:pPr marL="432000" indent="-324000">
+              <a:spcBef>
+                <a:spcPts val="1417"/>
+              </a:spcBef>
+              <a:buClr>
+                <a:srgbClr val="000000"/>
+              </a:buClr>
+              <a:buSzPct val="45000"/>
+              <a:buFont typeface="Wingdings" charset="2"/>
+              <a:buChar char=""/>
+            </a:pPr>
+            <a:r>
+              <a:rPr lang="en-US" sz="2800" b="0" strike="noStrike" spc="-1" dirty="0">
+                <a:solidFill>
+                  <a:srgbClr val="000000"/>
+                </a:solidFill>
+                <a:latin typeface="Arial"/>
+              </a:rPr>
+              <a:t> </a:t>
+            </a:r>
+            <a:r>
+              <a:rPr lang="en-US" sz="2800" b="0" strike="noStrike" spc="-1" dirty="0">
+                <a:solidFill>
+                  <a:srgbClr val="000000"/>
+                </a:solidFill>
+                <a:latin typeface="Arial"/>
+                <a:hlinkClick r:id="rId2"/>
+              </a:rPr>
+              <a:t>https://github.com/fractalide/fractalide</a:t>
+            </a:r>
+            <a:r>
+              <a:rPr lang="en-US" sz="2800" b="0" strike="noStrike" spc="-1" dirty="0">
+                <a:solidFill>
+                  <a:srgbClr val="000000"/>
+                </a:solidFill>
+                <a:latin typeface="Arial"/>
+              </a:rPr>
+              <a:t> </a:t>
+            </a:r>
           </a:p>
         </p:txBody>
       </p:sp>
     </p:spTree>
-    <p:extLst>
-      <p:ext uri="{BB962C8B-B14F-4D97-AF65-F5344CB8AC3E}">
-        <p14:creationId xmlns:p14="http://schemas.microsoft.com/office/powerpoint/2010/main" val="696345624"/>
-      </p:ext>
-    </p:extLst>
   </p:cSld>
   <p:clrMapOvr>
     <a:masterClrMapping/>
@@ -13244,8 +13374,8 @@
         </p:nvSpPr>
         <p:spPr>
           <a:xfrm>
-            <a:off x="2703869" y="205560"/>
-            <a:ext cx="5548465" cy="1234800"/>
+            <a:off x="2011680" y="274680"/>
+            <a:ext cx="7766280" cy="1645560"/>
           </a:xfrm>
           <a:prstGeom prst="rect">
             <a:avLst/>
@@ -13267,15 +13397,16 @@
               </a:lnSpc>
             </a:pPr>
             <a:r>
-              <a:rPr lang="en-US" sz="5400" spc="-1" dirty="0">
+              <a:rPr lang="en-US" sz="5400" b="0" strike="noStrike" spc="-1">
                 <a:solidFill>
                   <a:srgbClr val="4F81BD"/>
                 </a:solidFill>
                 <a:latin typeface="Trebuchet MS"/>
+                <a:ea typeface="DejaVu Sans"/>
               </a:rPr>
-              <a:t>Projects and Use</a:t>
+              <a:t>Racket Applications: Other Applications</a:t>
             </a:r>
-            <a:endParaRPr lang="en-US" sz="5400" b="0" strike="noStrike" spc="-1" dirty="0">
+            <a:endParaRPr lang="en-US" sz="5400" b="0" strike="noStrike" spc="-1">
               <a:solidFill>
                 <a:srgbClr val="000000"/>
               </a:solidFill>
@@ -13284,72 +13415,241 @@
           </a:p>
         </p:txBody>
       </p:sp>
-      <p:pic>
-        <p:nvPicPr>
-          <p:cNvPr id="3" name="Picture 2">
-            <a:extLst>
-              <a:ext uri="{FF2B5EF4-FFF2-40B4-BE49-F238E27FC236}">
-                <a16:creationId xmlns:a16="http://schemas.microsoft.com/office/drawing/2014/main" id="{B1A87303-3A93-4E1A-8215-1805345B4A03}"/>
-              </a:ext>
-            </a:extLst>
-          </p:cNvPr>
-          <p:cNvPicPr>
-            <a:picLocks noChangeAspect="1"/>
-          </p:cNvPicPr>
+      <p:sp>
+        <p:nvSpPr>
+          <p:cNvPr id="255" name="TextShape 2"/>
+          <p:cNvSpPr txBox="1"/>
           <p:nvPr/>
-        </p:nvPicPr>
-        <p:blipFill>
-          <a:blip r:embed="rId2"/>
-          <a:stretch>
-            <a:fillRect/>
-          </a:stretch>
-        </p:blipFill>
-        <p:spPr>
-          <a:xfrm>
-            <a:off x="839910" y="1555359"/>
-            <a:ext cx="4954603" cy="4212738"/>
-          </a:xfrm>
-          <a:prstGeom prst="rect">
-            <a:avLst/>
-          </a:prstGeom>
-        </p:spPr>
-      </p:pic>
-      <p:pic>
-        <p:nvPicPr>
-          <p:cNvPr id="5" name="Picture 4">
-            <a:extLst>
-              <a:ext uri="{FF2B5EF4-FFF2-40B4-BE49-F238E27FC236}">
-                <a16:creationId xmlns:a16="http://schemas.microsoft.com/office/drawing/2014/main" id="{C6FCF48D-0C50-46C5-A636-8863F1A59132}"/>
-              </a:ext>
-            </a:extLst>
-          </p:cNvPr>
-          <p:cNvPicPr>
-            <a:picLocks noChangeAspect="1"/>
-          </p:cNvPicPr>
-          <p:nvPr/>
-        </p:nvPicPr>
-        <p:blipFill>
-          <a:blip r:embed="rId3"/>
-          <a:stretch>
-            <a:fillRect/>
-          </a:stretch>
-        </p:blipFill>
-        <p:spPr>
-          <a:xfrm>
-            <a:off x="6556514" y="1513247"/>
-            <a:ext cx="2637181" cy="4336304"/>
-          </a:xfrm>
-          <a:prstGeom prst="rect">
-            <a:avLst/>
-          </a:prstGeom>
-        </p:spPr>
-      </p:pic>
+        </p:nvSpPr>
+        <p:spPr>
+          <a:xfrm>
+            <a:off x="457560" y="2057760"/>
+            <a:ext cx="10972440" cy="3977280"/>
+          </a:xfrm>
+          <a:prstGeom prst="rect">
+            <a:avLst/>
+          </a:prstGeom>
+          <a:noFill/>
+          <a:ln>
+            <a:noFill/>
+          </a:ln>
+        </p:spPr>
+        <p:txBody>
+          <a:bodyPr lIns="0" tIns="0" rIns="0" bIns="0">
+            <a:normAutofit lnSpcReduction="10000"/>
+          </a:bodyPr>
+          <a:lstStyle/>
+          <a:p>
+            <a:pPr marL="432000" indent="-324000">
+              <a:spcBef>
+                <a:spcPts val="1417"/>
+              </a:spcBef>
+              <a:buClr>
+                <a:srgbClr val="000000"/>
+              </a:buClr>
+              <a:buSzPct val="45000"/>
+              <a:buFont typeface="Wingdings" charset="2"/>
+              <a:buChar char=""/>
+            </a:pPr>
+            <a:r>
+              <a:rPr lang="en-US" sz="2800" b="0" strike="noStrike" spc="-1" dirty="0">
+                <a:solidFill>
+                  <a:srgbClr val="000000"/>
+                </a:solidFill>
+                <a:latin typeface="Arial"/>
+              </a:rPr>
+              <a:t>The other features of racket we have discussed make it a feasible candidate for other applications</a:t>
+            </a:r>
+          </a:p>
+          <a:p>
+            <a:pPr marL="432000" indent="-324000">
+              <a:spcBef>
+                <a:spcPts val="1417"/>
+              </a:spcBef>
+              <a:buClr>
+                <a:srgbClr val="000000"/>
+              </a:buClr>
+              <a:buSzPct val="45000"/>
+              <a:buFont typeface="Wingdings" charset="2"/>
+              <a:buChar char=""/>
+            </a:pPr>
+            <a:r>
+              <a:rPr lang="en-US" sz="2800" b="0" strike="noStrike" spc="-1" dirty="0">
+                <a:solidFill>
+                  <a:srgbClr val="000000"/>
+                </a:solidFill>
+                <a:latin typeface="Arial"/>
+              </a:rPr>
+              <a:t>In fact, Racket’s IDE (</a:t>
+            </a:r>
+            <a:r>
+              <a:rPr lang="en-US" sz="2800" b="0" strike="noStrike" spc="-1" dirty="0" err="1">
+                <a:solidFill>
+                  <a:srgbClr val="000000"/>
+                </a:solidFill>
+                <a:latin typeface="Arial"/>
+              </a:rPr>
+              <a:t>DrRacket</a:t>
+            </a:r>
+            <a:r>
+              <a:rPr lang="en-US" sz="2800" b="0" strike="noStrike" spc="-1" dirty="0">
+                <a:solidFill>
+                  <a:srgbClr val="000000"/>
+                </a:solidFill>
+                <a:latin typeface="Arial"/>
+              </a:rPr>
+              <a:t>) was written in Racket </a:t>
+            </a:r>
+            <a:r>
+              <a:rPr lang="en-US" sz="2800" b="0" strike="noStrike" spc="-1" dirty="0">
+                <a:solidFill>
+                  <a:srgbClr val="000000"/>
+                </a:solidFill>
+                <a:latin typeface="Arial"/>
+                <a:ea typeface="DejaVu Sans"/>
+                <a:hlinkClick r:id="rId2"/>
+              </a:rPr>
+              <a:t>https://github.com/racket/drracket</a:t>
+            </a:r>
+            <a:r>
+              <a:rPr lang="en-US" sz="2800" b="0" strike="noStrike" spc="-1" dirty="0">
+                <a:solidFill>
+                  <a:srgbClr val="000000"/>
+                </a:solidFill>
+                <a:latin typeface="Arial"/>
+                <a:ea typeface="DejaVu Sans"/>
+              </a:rPr>
+              <a:t> </a:t>
+            </a:r>
+            <a:endParaRPr lang="en-US" sz="2800" b="0" strike="noStrike" spc="-1" dirty="0">
+              <a:solidFill>
+                <a:srgbClr val="000000"/>
+              </a:solidFill>
+              <a:latin typeface="Arial"/>
+            </a:endParaRPr>
+          </a:p>
+          <a:p>
+            <a:pPr marL="432000" indent="-324000">
+              <a:spcBef>
+                <a:spcPts val="1417"/>
+              </a:spcBef>
+              <a:buClr>
+                <a:srgbClr val="000000"/>
+              </a:buClr>
+              <a:buSzPct val="45000"/>
+              <a:buFont typeface="Wingdings" charset="2"/>
+              <a:buChar char=""/>
+            </a:pPr>
+            <a:r>
+              <a:rPr lang="en-US" sz="2800" b="0" strike="noStrike" spc="-1" dirty="0" err="1">
+                <a:solidFill>
+                  <a:srgbClr val="000000"/>
+                </a:solidFill>
+                <a:latin typeface="Arial"/>
+              </a:rPr>
+              <a:t>DrRacket</a:t>
+            </a:r>
+            <a:r>
+              <a:rPr lang="en-US" sz="2800" b="0" strike="noStrike" spc="-1" dirty="0">
+                <a:solidFill>
+                  <a:srgbClr val="000000"/>
+                </a:solidFill>
+                <a:latin typeface="Arial"/>
+              </a:rPr>
+              <a:t> includes all typical features of an IDE</a:t>
+            </a:r>
+          </a:p>
+          <a:p>
+            <a:pPr marL="864000" lvl="1" indent="-324000">
+              <a:spcBef>
+                <a:spcPts val="1134"/>
+              </a:spcBef>
+              <a:buClr>
+                <a:srgbClr val="000000"/>
+              </a:buClr>
+              <a:buSzPct val="75000"/>
+              <a:buFont typeface="Symbol" charset="2"/>
+              <a:buChar char=""/>
+            </a:pPr>
+            <a:r>
+              <a:rPr lang="en-US" sz="2000" b="0" strike="noStrike" spc="-1" dirty="0">
+                <a:solidFill>
+                  <a:srgbClr val="000000"/>
+                </a:solidFill>
+                <a:latin typeface="Arial"/>
+              </a:rPr>
+              <a:t>Debugging</a:t>
+            </a:r>
+          </a:p>
+          <a:p>
+            <a:pPr marL="864000" lvl="1" indent="-324000">
+              <a:spcBef>
+                <a:spcPts val="1134"/>
+              </a:spcBef>
+              <a:buClr>
+                <a:srgbClr val="000000"/>
+              </a:buClr>
+              <a:buSzPct val="75000"/>
+              <a:buFont typeface="Symbol" charset="2"/>
+              <a:buChar char=""/>
+            </a:pPr>
+            <a:r>
+              <a:rPr lang="en-US" sz="2000" b="0" strike="noStrike" spc="-1" dirty="0">
+                <a:solidFill>
+                  <a:srgbClr val="000000"/>
+                </a:solidFill>
+                <a:latin typeface="Arial"/>
+              </a:rPr>
+              <a:t>Source highlighting</a:t>
+            </a:r>
+          </a:p>
+          <a:p>
+            <a:pPr marL="864000" lvl="1" indent="-324000">
+              <a:spcBef>
+                <a:spcPts val="1134"/>
+              </a:spcBef>
+              <a:buClr>
+                <a:srgbClr val="000000"/>
+              </a:buClr>
+              <a:buSzPct val="75000"/>
+              <a:buFont typeface="Symbol" charset="2"/>
+              <a:buChar char=""/>
+            </a:pPr>
+            <a:r>
+              <a:rPr lang="en-US" sz="2000" b="0" strike="noStrike" spc="-1" dirty="0">
+                <a:solidFill>
+                  <a:srgbClr val="000000"/>
+                </a:solidFill>
+                <a:latin typeface="Arial"/>
+              </a:rPr>
+              <a:t>Library Support</a:t>
+            </a:r>
+          </a:p>
+          <a:p>
+            <a:pPr marL="864000" lvl="1" indent="-324000">
+              <a:spcBef>
+                <a:spcPts val="1134"/>
+              </a:spcBef>
+              <a:buClr>
+                <a:srgbClr val="000000"/>
+              </a:buClr>
+              <a:buSzPct val="75000"/>
+              <a:buFont typeface="Symbol" charset="2"/>
+              <a:buChar char=""/>
+            </a:pPr>
+            <a:r>
+              <a:rPr lang="en-US" sz="2000" b="0" strike="noStrike" spc="-1" dirty="0">
+                <a:solidFill>
+                  <a:srgbClr val="000000"/>
+                </a:solidFill>
+                <a:latin typeface="Arial"/>
+              </a:rPr>
+              <a:t>Etc.</a:t>
+            </a:r>
+          </a:p>
+        </p:txBody>
+      </p:sp>
     </p:spTree>
-    <p:extLst>
-      <p:ext uri="{BB962C8B-B14F-4D97-AF65-F5344CB8AC3E}">
-        <p14:creationId xmlns:p14="http://schemas.microsoft.com/office/powerpoint/2010/main" val="3595425988"/>
-      </p:ext>
-    </p:extLst>
   </p:cSld>
   <p:clrMapOvr>
     <a:masterClrMapping/>
@@ -13376,6 +13676,304 @@
       </p:grpSpPr>
       <p:sp>
         <p:nvSpPr>
+          <p:cNvPr id="2" name="Title 1">
+            <a:extLst>
+              <a:ext uri="{FF2B5EF4-FFF2-40B4-BE49-F238E27FC236}">
+                <a16:creationId xmlns:a16="http://schemas.microsoft.com/office/drawing/2014/main" id="{4AA88340-D0DF-4FBC-8BD2-18236183DF47}"/>
+              </a:ext>
+            </a:extLst>
+          </p:cNvPr>
+          <p:cNvSpPr>
+            <a:spLocks noGrp="1"/>
+          </p:cNvSpPr>
+          <p:nvPr>
+            <p:ph type="title"/>
+          </p:nvPr>
+        </p:nvSpPr>
+        <p:spPr/>
+        <p:txBody>
+          <a:bodyPr/>
+          <a:lstStyle/>
+          <a:p>
+            <a:endParaRPr lang="en-US"/>
+          </a:p>
+        </p:txBody>
+      </p:sp>
+      <p:sp>
+        <p:nvSpPr>
+          <p:cNvPr id="3" name="Text Placeholder 2">
+            <a:extLst>
+              <a:ext uri="{FF2B5EF4-FFF2-40B4-BE49-F238E27FC236}">
+                <a16:creationId xmlns:a16="http://schemas.microsoft.com/office/drawing/2014/main" id="{5C3A6CAD-B008-483D-AA12-895DE4AADDAD}"/>
+              </a:ext>
+            </a:extLst>
+          </p:cNvPr>
+          <p:cNvSpPr>
+            <a:spLocks noGrp="1"/>
+          </p:cNvSpPr>
+          <p:nvPr>
+            <p:ph type="body"/>
+          </p:nvPr>
+        </p:nvSpPr>
+        <p:spPr/>
+        <p:txBody>
+          <a:bodyPr/>
+          <a:lstStyle/>
+          <a:p>
+            <a:endParaRPr lang="en-US"/>
+          </a:p>
+        </p:txBody>
+      </p:sp>
+    </p:spTree>
+    <p:extLst>
+      <p:ext uri="{BB962C8B-B14F-4D97-AF65-F5344CB8AC3E}">
+        <p14:creationId xmlns:p14="http://schemas.microsoft.com/office/powerpoint/2010/main" val="3127419961"/>
+      </p:ext>
+    </p:extLst>
+  </p:cSld>
+  <p:clrMapOvr>
+    <a:masterClrMapping/>
+  </p:clrMapOvr>
+</p:sld>
+</file>
+
+<file path=ppt/slides/slide13.xml><?xml version="1.0" encoding="utf-8"?>
+<p:sld xmlns:a="http://schemas.openxmlformats.org/drawingml/2006/main" xmlns:r="http://schemas.openxmlformats.org/officeDocument/2006/relationships" xmlns:p="http://schemas.openxmlformats.org/presentationml/2006/main">
+  <p:cSld>
+    <p:spTree>
+      <p:nvGrpSpPr>
+        <p:cNvPr id="1" name=""/>
+        <p:cNvGrpSpPr/>
+        <p:nvPr/>
+      </p:nvGrpSpPr>
+      <p:grpSpPr>
+        <a:xfrm>
+          <a:off x="0" y="0"/>
+          <a:ext cx="0" cy="0"/>
+          <a:chOff x="0" y="0"/>
+          <a:chExt cx="0" cy="0"/>
+        </a:xfrm>
+      </p:grpSpPr>
+      <p:sp>
+        <p:nvSpPr>
+          <p:cNvPr id="2" name="Title 1">
+            <a:extLst>
+              <a:ext uri="{FF2B5EF4-FFF2-40B4-BE49-F238E27FC236}">
+                <a16:creationId xmlns:a16="http://schemas.microsoft.com/office/drawing/2014/main" id="{BA09BDD9-7D1E-4259-96E0-B2A8216D87DB}"/>
+              </a:ext>
+            </a:extLst>
+          </p:cNvPr>
+          <p:cNvSpPr>
+            <a:spLocks noGrp="1"/>
+          </p:cNvSpPr>
+          <p:nvPr>
+            <p:ph type="title"/>
+          </p:nvPr>
+        </p:nvSpPr>
+        <p:spPr/>
+        <p:txBody>
+          <a:bodyPr/>
+          <a:lstStyle/>
+          <a:p>
+            <a:endParaRPr lang="en-US"/>
+          </a:p>
+        </p:txBody>
+      </p:sp>
+      <p:sp>
+        <p:nvSpPr>
+          <p:cNvPr id="3" name="Text Placeholder 2">
+            <a:extLst>
+              <a:ext uri="{FF2B5EF4-FFF2-40B4-BE49-F238E27FC236}">
+                <a16:creationId xmlns:a16="http://schemas.microsoft.com/office/drawing/2014/main" id="{EC45169A-7263-4AAA-BC66-240E56794933}"/>
+              </a:ext>
+            </a:extLst>
+          </p:cNvPr>
+          <p:cNvSpPr>
+            <a:spLocks noGrp="1"/>
+          </p:cNvSpPr>
+          <p:nvPr>
+            <p:ph type="body"/>
+          </p:nvPr>
+        </p:nvSpPr>
+        <p:spPr/>
+        <p:txBody>
+          <a:bodyPr/>
+          <a:lstStyle/>
+          <a:p>
+            <a:endParaRPr lang="en-US"/>
+          </a:p>
+        </p:txBody>
+      </p:sp>
+    </p:spTree>
+    <p:extLst>
+      <p:ext uri="{BB962C8B-B14F-4D97-AF65-F5344CB8AC3E}">
+        <p14:creationId xmlns:p14="http://schemas.microsoft.com/office/powerpoint/2010/main" val="696345624"/>
+      </p:ext>
+    </p:extLst>
+  </p:cSld>
+  <p:clrMapOvr>
+    <a:masterClrMapping/>
+  </p:clrMapOvr>
+</p:sld>
+</file>
+
+<file path=ppt/slides/slide14.xml><?xml version="1.0" encoding="utf-8"?>
+<p:sld xmlns:a="http://schemas.openxmlformats.org/drawingml/2006/main" xmlns:r="http://schemas.openxmlformats.org/officeDocument/2006/relationships" xmlns:p="http://schemas.openxmlformats.org/presentationml/2006/main">
+  <p:cSld>
+    <p:spTree>
+      <p:nvGrpSpPr>
+        <p:cNvPr id="1" name=""/>
+        <p:cNvGrpSpPr/>
+        <p:nvPr/>
+      </p:nvGrpSpPr>
+      <p:grpSpPr>
+        <a:xfrm>
+          <a:off x="0" y="0"/>
+          <a:ext cx="0" cy="0"/>
+          <a:chOff x="0" y="0"/>
+          <a:chExt cx="0" cy="0"/>
+        </a:xfrm>
+      </p:grpSpPr>
+      <p:sp>
+        <p:nvSpPr>
+          <p:cNvPr id="254" name="TextShape 1"/>
+          <p:cNvSpPr txBox="1"/>
+          <p:nvPr/>
+        </p:nvSpPr>
+        <p:spPr>
+          <a:xfrm>
+            <a:off x="2703869" y="205560"/>
+            <a:ext cx="5548465" cy="1234800"/>
+          </a:xfrm>
+          <a:prstGeom prst="rect">
+            <a:avLst/>
+          </a:prstGeom>
+          <a:noFill/>
+          <a:ln>
+            <a:noFill/>
+          </a:ln>
+        </p:spPr>
+        <p:txBody>
+          <a:bodyPr lIns="0" tIns="0" rIns="0" bIns="0" anchor="ctr">
+            <a:noAutofit/>
+          </a:bodyPr>
+          <a:lstStyle/>
+          <a:p>
+            <a:pPr algn="r">
+              <a:lnSpc>
+                <a:spcPct val="100000"/>
+              </a:lnSpc>
+            </a:pPr>
+            <a:r>
+              <a:rPr lang="en-US" sz="5400" spc="-1" dirty="0">
+                <a:solidFill>
+                  <a:srgbClr val="4F81BD"/>
+                </a:solidFill>
+                <a:latin typeface="Trebuchet MS"/>
+              </a:rPr>
+              <a:t>Projects and Use</a:t>
+            </a:r>
+            <a:endParaRPr lang="en-US" sz="5400" b="0" strike="noStrike" spc="-1" dirty="0">
+              <a:solidFill>
+                <a:srgbClr val="000000"/>
+              </a:solidFill>
+              <a:latin typeface="Arial"/>
+            </a:endParaRPr>
+          </a:p>
+        </p:txBody>
+      </p:sp>
+      <p:pic>
+        <p:nvPicPr>
+          <p:cNvPr id="3" name="Picture 2">
+            <a:extLst>
+              <a:ext uri="{FF2B5EF4-FFF2-40B4-BE49-F238E27FC236}">
+                <a16:creationId xmlns:a16="http://schemas.microsoft.com/office/drawing/2014/main" id="{B1A87303-3A93-4E1A-8215-1805345B4A03}"/>
+              </a:ext>
+            </a:extLst>
+          </p:cNvPr>
+          <p:cNvPicPr>
+            <a:picLocks noChangeAspect="1"/>
+          </p:cNvPicPr>
+          <p:nvPr/>
+        </p:nvPicPr>
+        <p:blipFill>
+          <a:blip r:embed="rId2"/>
+          <a:stretch>
+            <a:fillRect/>
+          </a:stretch>
+        </p:blipFill>
+        <p:spPr>
+          <a:xfrm>
+            <a:off x="839910" y="1555359"/>
+            <a:ext cx="4954603" cy="4212738"/>
+          </a:xfrm>
+          <a:prstGeom prst="rect">
+            <a:avLst/>
+          </a:prstGeom>
+        </p:spPr>
+      </p:pic>
+      <p:pic>
+        <p:nvPicPr>
+          <p:cNvPr id="5" name="Picture 4">
+            <a:extLst>
+              <a:ext uri="{FF2B5EF4-FFF2-40B4-BE49-F238E27FC236}">
+                <a16:creationId xmlns:a16="http://schemas.microsoft.com/office/drawing/2014/main" id="{C6FCF48D-0C50-46C5-A636-8863F1A59132}"/>
+              </a:ext>
+            </a:extLst>
+          </p:cNvPr>
+          <p:cNvPicPr>
+            <a:picLocks noChangeAspect="1"/>
+          </p:cNvPicPr>
+          <p:nvPr/>
+        </p:nvPicPr>
+        <p:blipFill>
+          <a:blip r:embed="rId3"/>
+          <a:stretch>
+            <a:fillRect/>
+          </a:stretch>
+        </p:blipFill>
+        <p:spPr>
+          <a:xfrm>
+            <a:off x="6556514" y="1513247"/>
+            <a:ext cx="2637181" cy="4336304"/>
+          </a:xfrm>
+          <a:prstGeom prst="rect">
+            <a:avLst/>
+          </a:prstGeom>
+        </p:spPr>
+      </p:pic>
+    </p:spTree>
+    <p:extLst>
+      <p:ext uri="{BB962C8B-B14F-4D97-AF65-F5344CB8AC3E}">
+        <p14:creationId xmlns:p14="http://schemas.microsoft.com/office/powerpoint/2010/main" val="3595425988"/>
+      </p:ext>
+    </p:extLst>
+  </p:cSld>
+  <p:clrMapOvr>
+    <a:masterClrMapping/>
+  </p:clrMapOvr>
+</p:sld>
+</file>
+
+<file path=ppt/slides/slide15.xml><?xml version="1.0" encoding="utf-8"?>
+<p:sld xmlns:a="http://schemas.openxmlformats.org/drawingml/2006/main" xmlns:r="http://schemas.openxmlformats.org/officeDocument/2006/relationships" xmlns:p="http://schemas.openxmlformats.org/presentationml/2006/main">
+  <p:cSld>
+    <p:spTree>
+      <p:nvGrpSpPr>
+        <p:cNvPr id="1" name=""/>
+        <p:cNvGrpSpPr/>
+        <p:nvPr/>
+      </p:nvGrpSpPr>
+      <p:grpSpPr>
+        <a:xfrm>
+          <a:off x="0" y="0"/>
+          <a:ext cx="0" cy="0"/>
+          <a:chOff x="0" y="0"/>
+          <a:chExt cx="0" cy="0"/>
+        </a:xfrm>
+      </p:grpSpPr>
+      <p:sp>
+        <p:nvSpPr>
           <p:cNvPr id="254" name="TextShape 1"/>
           <p:cNvSpPr txBox="1"/>
           <p:nvPr/>
@@ -13590,6 +14188,263 @@
     <p:extLst>
       <p:ext uri="{BB962C8B-B14F-4D97-AF65-F5344CB8AC3E}">
         <p14:creationId xmlns:p14="http://schemas.microsoft.com/office/powerpoint/2010/main" val="217188212"/>
+      </p:ext>
+    </p:extLst>
+  </p:cSld>
+  <p:clrMapOvr>
+    <a:masterClrMapping/>
+  </p:clrMapOvr>
+</p:sld>
+</file>
+
+<file path=ppt/slides/slide16.xml><?xml version="1.0" encoding="utf-8"?>
+<p:sld xmlns:a="http://schemas.openxmlformats.org/drawingml/2006/main" xmlns:r="http://schemas.openxmlformats.org/officeDocument/2006/relationships" xmlns:p="http://schemas.openxmlformats.org/presentationml/2006/main">
+  <p:cSld>
+    <p:spTree>
+      <p:nvGrpSpPr>
+        <p:cNvPr id="1" name=""/>
+        <p:cNvGrpSpPr/>
+        <p:nvPr/>
+      </p:nvGrpSpPr>
+      <p:grpSpPr>
+        <a:xfrm>
+          <a:off x="0" y="0"/>
+          <a:ext cx="0" cy="0"/>
+          <a:chOff x="0" y="0"/>
+          <a:chExt cx="0" cy="0"/>
+        </a:xfrm>
+      </p:grpSpPr>
+      <p:sp>
+        <p:nvSpPr>
+          <p:cNvPr id="242" name="CustomShape 1"/>
+          <p:cNvSpPr/>
+          <p:nvPr/>
+        </p:nvSpPr>
+        <p:spPr>
+          <a:xfrm>
+            <a:off x="1062360" y="159840"/>
+            <a:ext cx="7766280" cy="2382840"/>
+          </a:xfrm>
+          <a:prstGeom prst="rect">
+            <a:avLst/>
+          </a:prstGeom>
+          <a:noFill/>
+          <a:ln>
+            <a:noFill/>
+          </a:ln>
+        </p:spPr>
+        <p:style>
+          <a:lnRef idx="0">
+            <a:scrgbClr r="0" g="0" b="0"/>
+          </a:lnRef>
+          <a:fillRef idx="0">
+            <a:scrgbClr r="0" g="0" b="0"/>
+          </a:fillRef>
+          <a:effectRef idx="0">
+            <a:scrgbClr r="0" g="0" b="0"/>
+          </a:effectRef>
+          <a:fontRef idx="minor"/>
+        </p:style>
+        <p:txBody>
+          <a:bodyPr lIns="90000" tIns="45000" rIns="90000" bIns="45000" anchor="t">
+            <a:noAutofit/>
+          </a:bodyPr>
+          <a:lstStyle/>
+          <a:p>
+            <a:pPr algn="ctr">
+              <a:lnSpc>
+                <a:spcPct val="100000"/>
+              </a:lnSpc>
+            </a:pPr>
+            <a:r>
+              <a:rPr lang="en-US" sz="5400" b="0" strike="noStrike" spc="-1" dirty="0">
+                <a:solidFill>
+                  <a:srgbClr val="4F81BD"/>
+                </a:solidFill>
+                <a:latin typeface="Trebuchet MS"/>
+                <a:ea typeface="DejaVu Sans"/>
+              </a:rPr>
+              <a:t>References</a:t>
+            </a:r>
+            <a:endParaRPr lang="en-US" sz="5400" b="0" strike="noStrike" spc="-1" dirty="0">
+              <a:latin typeface="Arial"/>
+            </a:endParaRPr>
+          </a:p>
+        </p:txBody>
+      </p:sp>
+      <p:sp>
+        <p:nvSpPr>
+          <p:cNvPr id="3" name="TextBox 2">
+            <a:extLst>
+              <a:ext uri="{FF2B5EF4-FFF2-40B4-BE49-F238E27FC236}">
+                <a16:creationId xmlns:a16="http://schemas.microsoft.com/office/drawing/2014/main" id="{994EA9DB-D7C0-4EB0-8DF1-ADAD201E47E2}"/>
+              </a:ext>
+            </a:extLst>
+          </p:cNvPr>
+          <p:cNvSpPr txBox="1"/>
+          <p:nvPr/>
+        </p:nvSpPr>
+        <p:spPr>
+          <a:xfrm>
+            <a:off x="747131" y="1351462"/>
+            <a:ext cx="7638585" cy="3693319"/>
+          </a:xfrm>
+          <a:prstGeom prst="rect">
+            <a:avLst/>
+          </a:prstGeom>
+          <a:noFill/>
+        </p:spPr>
+        <p:txBody>
+          <a:bodyPr wrap="square" rtlCol="0">
+            <a:spAutoFit/>
+          </a:bodyPr>
+          <a:lstStyle/>
+          <a:p>
+            <a:r>
+              <a:rPr lang="en-US" dirty="0"/>
+              <a:t>[1] </a:t>
+            </a:r>
+            <a:r>
+              <a:rPr lang="en-US" dirty="0" err="1"/>
+              <a:t>Felleisen</a:t>
+            </a:r>
+            <a:r>
+              <a:rPr lang="en-US" dirty="0"/>
+              <a:t>, Matthias, et al. "The racket manifesto." </a:t>
+            </a:r>
+            <a:r>
+              <a:rPr lang="en-US" i="1" dirty="0"/>
+              <a:t>1st Summit on Advances in Programming Languages (SNAPL 2015)</a:t>
+            </a:r>
+            <a:r>
+              <a:rPr lang="en-US" dirty="0"/>
+              <a:t>. Schloss </a:t>
+            </a:r>
+            <a:r>
+              <a:rPr lang="en-US" dirty="0" err="1"/>
+              <a:t>Dagstuhl</a:t>
+            </a:r>
+            <a:r>
+              <a:rPr lang="en-US" dirty="0"/>
+              <a:t>-Leibniz-</a:t>
+            </a:r>
+            <a:r>
+              <a:rPr lang="en-US" dirty="0" err="1"/>
+              <a:t>Zentrum</a:t>
+            </a:r>
+            <a:r>
+              <a:rPr lang="en-US" dirty="0"/>
+              <a:t> </a:t>
+            </a:r>
+            <a:r>
+              <a:rPr lang="en-US" dirty="0" err="1"/>
+              <a:t>fuer</a:t>
+            </a:r>
+            <a:r>
+              <a:rPr lang="en-US" dirty="0"/>
+              <a:t> </a:t>
+            </a:r>
+            <a:r>
+              <a:rPr lang="en-US" dirty="0" err="1"/>
+              <a:t>Informatik</a:t>
+            </a:r>
+            <a:r>
+              <a:rPr lang="en-US" dirty="0"/>
+              <a:t>, 2015.</a:t>
+            </a:r>
+          </a:p>
+          <a:p>
+            <a:endParaRPr lang="en-US" dirty="0"/>
+          </a:p>
+          <a:p>
+            <a:r>
+              <a:rPr lang="en-US" dirty="0"/>
+              <a:t>[2] </a:t>
+            </a:r>
+            <a:r>
+              <a:rPr lang="en-US" dirty="0" err="1"/>
+              <a:t>Felleisen</a:t>
+            </a:r>
+            <a:r>
+              <a:rPr lang="en-US" dirty="0"/>
+              <a:t>, Matthias, et al. "A programmable programming language." </a:t>
+            </a:r>
+            <a:r>
+              <a:rPr lang="en-US" i="1" dirty="0"/>
+              <a:t>Communications of the ACM</a:t>
+            </a:r>
+            <a:r>
+              <a:rPr lang="en-US" dirty="0"/>
+              <a:t> 61.3 (2018): 62-71.</a:t>
+            </a:r>
+          </a:p>
+          <a:p>
+            <a:endParaRPr lang="en-US" dirty="0"/>
+          </a:p>
+          <a:p>
+            <a:r>
+              <a:rPr lang="en-US" dirty="0"/>
+              <a:t>[3] </a:t>
+            </a:r>
+            <a:r>
+              <a:rPr lang="en-US" dirty="0" err="1"/>
+              <a:t>Findler</a:t>
+            </a:r>
+            <a:r>
+              <a:rPr lang="en-US" dirty="0"/>
+              <a:t>, Robert Bruce, et al. "</a:t>
+            </a:r>
+            <a:r>
+              <a:rPr lang="en-US" dirty="0" err="1"/>
+              <a:t>DrScheme</a:t>
+            </a:r>
+            <a:r>
+              <a:rPr lang="en-US" dirty="0"/>
+              <a:t>: A programming environment for Scheme." </a:t>
+            </a:r>
+            <a:r>
+              <a:rPr lang="en-US" i="1" dirty="0"/>
+              <a:t>Journal of functional programming</a:t>
+            </a:r>
+            <a:r>
+              <a:rPr lang="en-US" dirty="0"/>
+              <a:t> 12.2 (2002): 159.</a:t>
+            </a:r>
+          </a:p>
+          <a:p>
+            <a:endParaRPr lang="en-US" dirty="0"/>
+          </a:p>
+          <a:p>
+            <a:r>
+              <a:rPr lang="en-US" dirty="0"/>
+              <a:t>[4] </a:t>
+            </a:r>
+            <a:r>
+              <a:rPr lang="de-DE" dirty="0"/>
+              <a:t>PLT. “PLT Scheme.” </a:t>
+            </a:r>
+            <a:r>
+              <a:rPr lang="de-DE" i="1" dirty="0"/>
+              <a:t>PLT Scheme</a:t>
+            </a:r>
+            <a:r>
+              <a:rPr lang="de-DE" dirty="0"/>
+              <a:t>, PLT, 1 Apr. 2010, plt-scheme.org</a:t>
+            </a:r>
+            <a:endParaRPr lang="en-US" dirty="0"/>
+          </a:p>
+          <a:p>
+            <a:endParaRPr lang="en-US" dirty="0"/>
+          </a:p>
+          <a:p>
+            <a:endParaRPr lang="en-US" dirty="0"/>
+          </a:p>
+        </p:txBody>
+      </p:sp>
+    </p:spTree>
+    <p:extLst>
+      <p:ext uri="{BB962C8B-B14F-4D97-AF65-F5344CB8AC3E}">
+        <p14:creationId xmlns:p14="http://schemas.microsoft.com/office/powerpoint/2010/main" val="3838566077"/>
       </p:ext>
     </p:extLst>
   </p:cSld>
@@ -13648,6 +14503,894 @@
           <a:fontRef idx="minor"/>
         </p:style>
         <p:txBody>
+          <a:bodyPr lIns="90000" tIns="45000" rIns="90000" bIns="45000" anchor="t">
+            <a:noAutofit/>
+          </a:bodyPr>
+          <a:lstStyle/>
+          <a:p>
+            <a:pPr algn="ctr">
+              <a:lnSpc>
+                <a:spcPct val="100000"/>
+              </a:lnSpc>
+            </a:pPr>
+            <a:r>
+              <a:rPr lang="en-US" sz="5400" b="0" strike="noStrike" spc="-1" dirty="0">
+                <a:solidFill>
+                  <a:srgbClr val="4F81BD"/>
+                </a:solidFill>
+                <a:latin typeface="Trebuchet MS"/>
+                <a:ea typeface="DejaVu Sans"/>
+              </a:rPr>
+              <a:t>History of Racket</a:t>
+            </a:r>
+            <a:endParaRPr lang="en-US" sz="5400" b="0" strike="noStrike" spc="-1" dirty="0">
+              <a:latin typeface="Arial"/>
+            </a:endParaRPr>
+          </a:p>
+        </p:txBody>
+      </p:sp>
+      <p:sp>
+        <p:nvSpPr>
+          <p:cNvPr id="243" name="CustomShape 2"/>
+          <p:cNvSpPr/>
+          <p:nvPr/>
+        </p:nvSpPr>
+        <p:spPr>
+          <a:xfrm>
+            <a:off x="914400" y="1828800"/>
+            <a:ext cx="8926560" cy="3456000"/>
+          </a:xfrm>
+          <a:prstGeom prst="rect">
+            <a:avLst/>
+          </a:prstGeom>
+          <a:noFill/>
+          <a:ln>
+            <a:noFill/>
+          </a:ln>
+        </p:spPr>
+        <p:style>
+          <a:lnRef idx="0">
+            <a:scrgbClr r="0" g="0" b="0"/>
+          </a:lnRef>
+          <a:fillRef idx="0">
+            <a:scrgbClr r="0" g="0" b="0"/>
+          </a:fillRef>
+          <a:effectRef idx="0">
+            <a:scrgbClr r="0" g="0" b="0"/>
+          </a:effectRef>
+          <a:fontRef idx="minor"/>
+        </p:style>
+        <p:txBody>
+          <a:bodyPr lIns="90000" tIns="45000" rIns="90000" bIns="45000">
+            <a:normAutofit/>
+          </a:bodyPr>
+          <a:lstStyle/>
+          <a:p>
+            <a:pPr marL="285750" indent="-285750">
+              <a:lnSpc>
+                <a:spcPct val="100000"/>
+              </a:lnSpc>
+              <a:spcBef>
+                <a:spcPts val="1001"/>
+              </a:spcBef>
+              <a:buFont typeface="Arial" panose="020B0604020202020204" pitchFamily="34" charset="0"/>
+              <a:buChar char="•"/>
+              <a:tabLst>
+                <a:tab pos="0" algn="l"/>
+              </a:tabLst>
+            </a:pPr>
+            <a:r>
+              <a:rPr lang="en-US" sz="1800" b="0" strike="noStrike" spc="-1" dirty="0">
+                <a:latin typeface="Arial"/>
+              </a:rPr>
+              <a:t>Traces its roots back to the PLT Group, founded by </a:t>
+            </a:r>
+            <a:r>
+              <a:rPr lang="en-US" dirty="0"/>
+              <a:t>Matthias </a:t>
+            </a:r>
+            <a:r>
+              <a:rPr lang="en-US" dirty="0" err="1"/>
+              <a:t>Felleisen</a:t>
+            </a:r>
+            <a:r>
+              <a:rPr lang="en-US" dirty="0"/>
+              <a:t> [1]</a:t>
+            </a:r>
+          </a:p>
+          <a:p>
+            <a:pPr marL="285750" indent="-285750">
+              <a:lnSpc>
+                <a:spcPct val="100000"/>
+              </a:lnSpc>
+              <a:spcBef>
+                <a:spcPts val="1001"/>
+              </a:spcBef>
+              <a:buFont typeface="Arial" panose="020B0604020202020204" pitchFamily="34" charset="0"/>
+              <a:buChar char="•"/>
+              <a:tabLst>
+                <a:tab pos="0" algn="l"/>
+              </a:tabLst>
+            </a:pPr>
+            <a:r>
+              <a:rPr lang="en-US" sz="1800" b="0" strike="noStrike" spc="-1" dirty="0">
+                <a:latin typeface="Arial"/>
+              </a:rPr>
+              <a:t>PLT began producing educational material, and teaching high school students fundamentals of programming [1]</a:t>
+            </a:r>
+          </a:p>
+          <a:p>
+            <a:pPr marL="285750" indent="-285750">
+              <a:lnSpc>
+                <a:spcPct val="100000"/>
+              </a:lnSpc>
+              <a:spcBef>
+                <a:spcPts val="1001"/>
+              </a:spcBef>
+              <a:buFont typeface="Arial" panose="020B0604020202020204" pitchFamily="34" charset="0"/>
+              <a:buChar char="•"/>
+              <a:tabLst>
+                <a:tab pos="0" algn="l"/>
+              </a:tabLst>
+            </a:pPr>
+            <a:r>
+              <a:rPr lang="en-US" spc="-1" dirty="0">
+                <a:latin typeface="Arial"/>
+              </a:rPr>
+              <a:t>Originally offered material using the language “Scheme” [1]</a:t>
+            </a:r>
+          </a:p>
+          <a:p>
+            <a:pPr marL="285750" indent="-285750">
+              <a:lnSpc>
+                <a:spcPct val="100000"/>
+              </a:lnSpc>
+              <a:spcBef>
+                <a:spcPts val="1001"/>
+              </a:spcBef>
+              <a:buFont typeface="Arial" panose="020B0604020202020204" pitchFamily="34" charset="0"/>
+              <a:buChar char="•"/>
+              <a:tabLst>
+                <a:tab pos="0" algn="l"/>
+              </a:tabLst>
+            </a:pPr>
+            <a:r>
+              <a:rPr lang="en-US" sz="1800" b="0" strike="noStrike" spc="-1" dirty="0">
+                <a:latin typeface="Arial"/>
+              </a:rPr>
+              <a:t>PLT quickly identified several challenges [1]</a:t>
+            </a:r>
+          </a:p>
+          <a:p>
+            <a:pPr marL="742950" lvl="1" indent="-285750">
+              <a:spcBef>
+                <a:spcPts val="1001"/>
+              </a:spcBef>
+              <a:buFont typeface="Arial" panose="020B0604020202020204" pitchFamily="34" charset="0"/>
+              <a:buChar char="•"/>
+              <a:tabLst>
+                <a:tab pos="0" algn="l"/>
+              </a:tabLst>
+            </a:pPr>
+            <a:r>
+              <a:rPr lang="en-US" spc="-1" dirty="0">
+                <a:latin typeface="Arial"/>
+              </a:rPr>
+              <a:t>It’s impossible to teach the syntax of scheme, and then focus on the theory of programming within a short amount of time</a:t>
+            </a:r>
+          </a:p>
+          <a:p>
+            <a:pPr marL="742950" lvl="1" indent="-285750">
+              <a:spcBef>
+                <a:spcPts val="1001"/>
+              </a:spcBef>
+              <a:buFont typeface="Arial" panose="020B0604020202020204" pitchFamily="34" charset="0"/>
+              <a:buChar char="•"/>
+              <a:tabLst>
+                <a:tab pos="0" algn="l"/>
+              </a:tabLst>
+            </a:pPr>
+            <a:r>
+              <a:rPr lang="en-US" b="0" strike="noStrike" spc="-1" dirty="0">
+                <a:latin typeface="Arial"/>
+              </a:rPr>
+              <a:t>Professional-grade editors such as vi and emacs distract from the actual mission of teaching</a:t>
+            </a:r>
+          </a:p>
+        </p:txBody>
+      </p:sp>
+    </p:spTree>
+    <p:extLst>
+      <p:ext uri="{BB962C8B-B14F-4D97-AF65-F5344CB8AC3E}">
+        <p14:creationId xmlns:p14="http://schemas.microsoft.com/office/powerpoint/2010/main" val="3021897193"/>
+      </p:ext>
+    </p:extLst>
+  </p:cSld>
+  <p:clrMapOvr>
+    <a:masterClrMapping/>
+  </p:clrMapOvr>
+</p:sld>
+</file>
+
+<file path=ppt/slides/slide3.xml><?xml version="1.0" encoding="utf-8"?>
+<p:sld xmlns:a="http://schemas.openxmlformats.org/drawingml/2006/main" xmlns:r="http://schemas.openxmlformats.org/officeDocument/2006/relationships" xmlns:p="http://schemas.openxmlformats.org/presentationml/2006/main">
+  <p:cSld>
+    <p:spTree>
+      <p:nvGrpSpPr>
+        <p:cNvPr id="1" name=""/>
+        <p:cNvGrpSpPr/>
+        <p:nvPr/>
+      </p:nvGrpSpPr>
+      <p:grpSpPr>
+        <a:xfrm>
+          <a:off x="0" y="0"/>
+          <a:ext cx="0" cy="0"/>
+          <a:chOff x="0" y="0"/>
+          <a:chExt cx="0" cy="0"/>
+        </a:xfrm>
+      </p:grpSpPr>
+      <p:sp>
+        <p:nvSpPr>
+          <p:cNvPr id="242" name="CustomShape 1"/>
+          <p:cNvSpPr/>
+          <p:nvPr/>
+        </p:nvSpPr>
+        <p:spPr>
+          <a:xfrm>
+            <a:off x="1062360" y="159840"/>
+            <a:ext cx="7766280" cy="2382840"/>
+          </a:xfrm>
+          <a:prstGeom prst="rect">
+            <a:avLst/>
+          </a:prstGeom>
+          <a:noFill/>
+          <a:ln>
+            <a:noFill/>
+          </a:ln>
+        </p:spPr>
+        <p:style>
+          <a:lnRef idx="0">
+            <a:scrgbClr r="0" g="0" b="0"/>
+          </a:lnRef>
+          <a:fillRef idx="0">
+            <a:scrgbClr r="0" g="0" b="0"/>
+          </a:fillRef>
+          <a:effectRef idx="0">
+            <a:scrgbClr r="0" g="0" b="0"/>
+          </a:effectRef>
+          <a:fontRef idx="minor"/>
+        </p:style>
+        <p:txBody>
+          <a:bodyPr lIns="90000" tIns="45000" rIns="90000" bIns="45000" anchor="t">
+            <a:noAutofit/>
+          </a:bodyPr>
+          <a:lstStyle/>
+          <a:p>
+            <a:pPr algn="ctr">
+              <a:lnSpc>
+                <a:spcPct val="100000"/>
+              </a:lnSpc>
+            </a:pPr>
+            <a:r>
+              <a:rPr lang="en-US" sz="5400" b="0" strike="noStrike" spc="-1" dirty="0">
+                <a:solidFill>
+                  <a:srgbClr val="4F81BD"/>
+                </a:solidFill>
+                <a:latin typeface="Trebuchet MS"/>
+                <a:ea typeface="DejaVu Sans"/>
+              </a:rPr>
+              <a:t>History of Racket</a:t>
+            </a:r>
+            <a:endParaRPr lang="en-US" sz="5400" b="0" strike="noStrike" spc="-1" dirty="0">
+              <a:latin typeface="Arial"/>
+            </a:endParaRPr>
+          </a:p>
+        </p:txBody>
+      </p:sp>
+      <p:sp>
+        <p:nvSpPr>
+          <p:cNvPr id="243" name="CustomShape 2"/>
+          <p:cNvSpPr/>
+          <p:nvPr/>
+        </p:nvSpPr>
+        <p:spPr>
+          <a:xfrm>
+            <a:off x="914400" y="1828800"/>
+            <a:ext cx="8926560" cy="3456000"/>
+          </a:xfrm>
+          <a:prstGeom prst="rect">
+            <a:avLst/>
+          </a:prstGeom>
+          <a:noFill/>
+          <a:ln>
+            <a:noFill/>
+          </a:ln>
+        </p:spPr>
+        <p:style>
+          <a:lnRef idx="0">
+            <a:scrgbClr r="0" g="0" b="0"/>
+          </a:lnRef>
+          <a:fillRef idx="0">
+            <a:scrgbClr r="0" g="0" b="0"/>
+          </a:fillRef>
+          <a:effectRef idx="0">
+            <a:scrgbClr r="0" g="0" b="0"/>
+          </a:effectRef>
+          <a:fontRef idx="minor"/>
+        </p:style>
+        <p:txBody>
+          <a:bodyPr lIns="90000" tIns="45000" rIns="90000" bIns="45000">
+            <a:normAutofit/>
+          </a:bodyPr>
+          <a:lstStyle/>
+          <a:p>
+            <a:pPr marL="285750" indent="-285750">
+              <a:lnSpc>
+                <a:spcPct val="100000"/>
+              </a:lnSpc>
+              <a:spcBef>
+                <a:spcPts val="1001"/>
+              </a:spcBef>
+              <a:buFont typeface="Arial" panose="020B0604020202020204" pitchFamily="34" charset="0"/>
+              <a:buChar char="•"/>
+              <a:tabLst>
+                <a:tab pos="0" algn="l"/>
+              </a:tabLst>
+            </a:pPr>
+            <a:r>
+              <a:rPr lang="en-US" b="0" strike="noStrike" spc="-1" dirty="0">
+                <a:latin typeface="Arial"/>
+              </a:rPr>
+              <a:t>PLT began developing its own simplified dialect of Scheme: PLT Scheme</a:t>
+            </a:r>
+          </a:p>
+          <a:p>
+            <a:pPr marL="285750" indent="-285750">
+              <a:lnSpc>
+                <a:spcPct val="100000"/>
+              </a:lnSpc>
+              <a:spcBef>
+                <a:spcPts val="1001"/>
+              </a:spcBef>
+              <a:buFont typeface="Arial" panose="020B0604020202020204" pitchFamily="34" charset="0"/>
+              <a:buChar char="•"/>
+              <a:tabLst>
+                <a:tab pos="0" algn="l"/>
+              </a:tabLst>
+            </a:pPr>
+            <a:r>
+              <a:rPr lang="en-US" spc="-1" dirty="0">
+                <a:latin typeface="Arial"/>
+              </a:rPr>
+              <a:t>Simultaneously began developing an education focused IDE: </a:t>
+            </a:r>
+            <a:r>
+              <a:rPr lang="en-US" spc="-1" dirty="0" err="1">
+                <a:latin typeface="Arial"/>
+              </a:rPr>
+              <a:t>DrScheme</a:t>
+            </a:r>
+            <a:endParaRPr lang="en-US" spc="-1" dirty="0">
+              <a:latin typeface="Arial"/>
+            </a:endParaRPr>
+          </a:p>
+          <a:p>
+            <a:pPr marL="285750" indent="-285750">
+              <a:lnSpc>
+                <a:spcPct val="100000"/>
+              </a:lnSpc>
+              <a:spcBef>
+                <a:spcPts val="1001"/>
+              </a:spcBef>
+              <a:buFont typeface="Arial" panose="020B0604020202020204" pitchFamily="34" charset="0"/>
+              <a:buChar char="•"/>
+              <a:tabLst>
+                <a:tab pos="0" algn="l"/>
+              </a:tabLst>
+            </a:pPr>
+            <a:r>
+              <a:rPr lang="en-US" b="0" strike="noStrike" spc="-1" dirty="0">
+                <a:latin typeface="Arial"/>
+              </a:rPr>
+              <a:t>The development on </a:t>
+            </a:r>
+            <a:r>
+              <a:rPr lang="en-US" b="0" strike="noStrike" spc="-1" dirty="0" err="1">
+                <a:latin typeface="Arial"/>
+              </a:rPr>
+              <a:t>DrScheme</a:t>
+            </a:r>
+            <a:r>
+              <a:rPr lang="en-US" b="0" strike="noStrike" spc="-1" dirty="0">
+                <a:latin typeface="Arial"/>
+              </a:rPr>
+              <a:t> (which was written in PLT Scheme) influenced the design of PLT Scheme. [2]</a:t>
+            </a:r>
+          </a:p>
+        </p:txBody>
+      </p:sp>
+      <p:grpSp>
+        <p:nvGrpSpPr>
+          <p:cNvPr id="3" name="Group 2">
+            <a:extLst>
+              <a:ext uri="{FF2B5EF4-FFF2-40B4-BE49-F238E27FC236}">
+                <a16:creationId xmlns:a16="http://schemas.microsoft.com/office/drawing/2014/main" id="{9CBF700D-676C-47B3-8ECB-9F2E88D9BDE1}"/>
+              </a:ext>
+            </a:extLst>
+          </p:cNvPr>
+          <p:cNvGrpSpPr/>
+          <p:nvPr/>
+        </p:nvGrpSpPr>
+        <p:grpSpPr>
+          <a:xfrm>
+            <a:off x="7829303" y="3237138"/>
+            <a:ext cx="1493117" cy="1089986"/>
+            <a:chOff x="7512179" y="4382471"/>
+            <a:chExt cx="1493117" cy="1089986"/>
+          </a:xfrm>
+        </p:grpSpPr>
+        <p:pic>
+          <p:nvPicPr>
+            <p:cNvPr id="1026" name="Picture 2" descr="[logo]">
+              <a:extLst>
+                <a:ext uri="{FF2B5EF4-FFF2-40B4-BE49-F238E27FC236}">
+                  <a16:creationId xmlns:a16="http://schemas.microsoft.com/office/drawing/2014/main" id="{9A955AA3-1844-4CFA-9275-A7123EF7A99D}"/>
+                </a:ext>
+              </a:extLst>
+            </p:cNvPr>
+            <p:cNvPicPr>
+              <a:picLocks noChangeAspect="1" noChangeArrowheads="1"/>
+            </p:cNvPicPr>
+            <p:nvPr/>
+          </p:nvPicPr>
+          <p:blipFill>
+            <a:blip r:embed="rId2">
+              <a:extLst>
+                <a:ext uri="{28A0092B-C50C-407E-A947-70E740481C1C}">
+                  <a14:useLocalDpi xmlns:a14="http://schemas.microsoft.com/office/drawing/2010/main" val="0"/>
+                </a:ext>
+              </a:extLst>
+            </a:blip>
+            <a:srcRect/>
+            <a:stretch>
+              <a:fillRect/>
+            </a:stretch>
+          </p:blipFill>
+          <p:spPr bwMode="auto">
+            <a:xfrm>
+              <a:off x="7745397" y="4382471"/>
+              <a:ext cx="838200" cy="809625"/>
+            </a:xfrm>
+            <a:prstGeom prst="rect">
+              <a:avLst/>
+            </a:prstGeom>
+            <a:noFill/>
+            <a:extLst>
+              <a:ext uri="{909E8E84-426E-40DD-AFC4-6F175D3DCCD1}">
+                <a14:hiddenFill xmlns:a14="http://schemas.microsoft.com/office/drawing/2010/main">
+                  <a:solidFill>
+                    <a:srgbClr val="FFFFFF"/>
+                  </a:solidFill>
+                </a14:hiddenFill>
+              </a:ext>
+            </a:extLst>
+          </p:spPr>
+        </p:pic>
+        <p:sp>
+          <p:nvSpPr>
+            <p:cNvPr id="2" name="TextBox 1">
+              <a:extLst>
+                <a:ext uri="{FF2B5EF4-FFF2-40B4-BE49-F238E27FC236}">
+                  <a16:creationId xmlns:a16="http://schemas.microsoft.com/office/drawing/2014/main" id="{81E28558-2C81-4A52-AFC3-D1FF4DF20095}"/>
+                </a:ext>
+              </a:extLst>
+            </p:cNvPr>
+            <p:cNvSpPr txBox="1"/>
+            <p:nvPr/>
+          </p:nvSpPr>
+          <p:spPr>
+            <a:xfrm>
+              <a:off x="7512179" y="5226236"/>
+              <a:ext cx="1493117" cy="246221"/>
+            </a:xfrm>
+            <a:prstGeom prst="rect">
+              <a:avLst/>
+            </a:prstGeom>
+            <a:noFill/>
+          </p:spPr>
+          <p:txBody>
+            <a:bodyPr wrap="square" rtlCol="0">
+              <a:spAutoFit/>
+            </a:bodyPr>
+            <a:lstStyle/>
+            <a:p>
+              <a:r>
+                <a:rPr lang="en-US" sz="1000" dirty="0"/>
+                <a:t>PLT Scheme’s logo [4]</a:t>
+              </a:r>
+            </a:p>
+          </p:txBody>
+        </p:sp>
+      </p:grpSp>
+      <p:grpSp>
+        <p:nvGrpSpPr>
+          <p:cNvPr id="6" name="Group 5">
+            <a:extLst>
+              <a:ext uri="{FF2B5EF4-FFF2-40B4-BE49-F238E27FC236}">
+                <a16:creationId xmlns:a16="http://schemas.microsoft.com/office/drawing/2014/main" id="{195CC72C-8E3B-4F64-96C4-54643410E335}"/>
+              </a:ext>
+            </a:extLst>
+          </p:cNvPr>
+          <p:cNvGrpSpPr/>
+          <p:nvPr/>
+        </p:nvGrpSpPr>
+        <p:grpSpPr>
+          <a:xfrm>
+            <a:off x="3923070" y="3237138"/>
+            <a:ext cx="3700539" cy="3072755"/>
+            <a:chOff x="3910225" y="3703574"/>
+            <a:chExt cx="3700539" cy="3072755"/>
+          </a:xfrm>
+        </p:grpSpPr>
+        <p:pic>
+          <p:nvPicPr>
+            <p:cNvPr id="4" name="Picture 3">
+              <a:extLst>
+                <a:ext uri="{FF2B5EF4-FFF2-40B4-BE49-F238E27FC236}">
+                  <a16:creationId xmlns:a16="http://schemas.microsoft.com/office/drawing/2014/main" id="{B82BDD71-44AA-49D1-A8FD-530D563D6834}"/>
+                </a:ext>
+              </a:extLst>
+            </p:cNvPr>
+            <p:cNvPicPr>
+              <a:picLocks noChangeAspect="1"/>
+            </p:cNvPicPr>
+            <p:nvPr/>
+          </p:nvPicPr>
+          <p:blipFill>
+            <a:blip r:embed="rId3"/>
+            <a:stretch>
+              <a:fillRect/>
+            </a:stretch>
+          </p:blipFill>
+          <p:spPr>
+            <a:xfrm>
+              <a:off x="3910225" y="3703574"/>
+              <a:ext cx="3700539" cy="2733980"/>
+            </a:xfrm>
+            <a:prstGeom prst="rect">
+              <a:avLst/>
+            </a:prstGeom>
+          </p:spPr>
+        </p:pic>
+        <p:sp>
+          <p:nvSpPr>
+            <p:cNvPr id="5" name="TextBox 4">
+              <a:extLst>
+                <a:ext uri="{FF2B5EF4-FFF2-40B4-BE49-F238E27FC236}">
+                  <a16:creationId xmlns:a16="http://schemas.microsoft.com/office/drawing/2014/main" id="{5AEDABE7-4EC7-4FEA-9A1E-9193EFC93B5A}"/>
+                </a:ext>
+              </a:extLst>
+            </p:cNvPr>
+            <p:cNvSpPr txBox="1"/>
+            <p:nvPr/>
+          </p:nvSpPr>
+          <p:spPr>
+            <a:xfrm>
+              <a:off x="4924603" y="6530108"/>
+              <a:ext cx="1942854" cy="246221"/>
+            </a:xfrm>
+            <a:prstGeom prst="rect">
+              <a:avLst/>
+            </a:prstGeom>
+            <a:noFill/>
+          </p:spPr>
+          <p:txBody>
+            <a:bodyPr wrap="square" rtlCol="0">
+              <a:spAutoFit/>
+            </a:bodyPr>
+            <a:lstStyle/>
+            <a:p>
+              <a:r>
+                <a:rPr lang="en-US" sz="1000" dirty="0"/>
+                <a:t>Screenshot of </a:t>
+              </a:r>
+              <a:r>
+                <a:rPr lang="en-US" sz="1000" dirty="0" err="1"/>
+                <a:t>DrScheme</a:t>
+              </a:r>
+              <a:r>
+                <a:rPr lang="en-US" sz="1000" dirty="0"/>
+                <a:t> [3]</a:t>
+              </a:r>
+            </a:p>
+          </p:txBody>
+        </p:sp>
+      </p:grpSp>
+    </p:spTree>
+    <p:extLst>
+      <p:ext uri="{BB962C8B-B14F-4D97-AF65-F5344CB8AC3E}">
+        <p14:creationId xmlns:p14="http://schemas.microsoft.com/office/powerpoint/2010/main" val="2609085121"/>
+      </p:ext>
+    </p:extLst>
+  </p:cSld>
+  <p:clrMapOvr>
+    <a:masterClrMapping/>
+  </p:clrMapOvr>
+</p:sld>
+</file>
+
+<file path=ppt/slides/slide4.xml><?xml version="1.0" encoding="utf-8"?>
+<p:sld xmlns:a="http://schemas.openxmlformats.org/drawingml/2006/main" xmlns:r="http://schemas.openxmlformats.org/officeDocument/2006/relationships" xmlns:p="http://schemas.openxmlformats.org/presentationml/2006/main">
+  <p:cSld>
+    <p:spTree>
+      <p:nvGrpSpPr>
+        <p:cNvPr id="1" name=""/>
+        <p:cNvGrpSpPr/>
+        <p:nvPr/>
+      </p:nvGrpSpPr>
+      <p:grpSpPr>
+        <a:xfrm>
+          <a:off x="0" y="0"/>
+          <a:ext cx="0" cy="0"/>
+          <a:chOff x="0" y="0"/>
+          <a:chExt cx="0" cy="0"/>
+        </a:xfrm>
+      </p:grpSpPr>
+      <p:sp>
+        <p:nvSpPr>
+          <p:cNvPr id="242" name="CustomShape 1"/>
+          <p:cNvSpPr/>
+          <p:nvPr/>
+        </p:nvSpPr>
+        <p:spPr>
+          <a:xfrm>
+            <a:off x="1062360" y="159840"/>
+            <a:ext cx="7766280" cy="2382840"/>
+          </a:xfrm>
+          <a:prstGeom prst="rect">
+            <a:avLst/>
+          </a:prstGeom>
+          <a:noFill/>
+          <a:ln>
+            <a:noFill/>
+          </a:ln>
+        </p:spPr>
+        <p:style>
+          <a:lnRef idx="0">
+            <a:scrgbClr r="0" g="0" b="0"/>
+          </a:lnRef>
+          <a:fillRef idx="0">
+            <a:scrgbClr r="0" g="0" b="0"/>
+          </a:fillRef>
+          <a:effectRef idx="0">
+            <a:scrgbClr r="0" g="0" b="0"/>
+          </a:effectRef>
+          <a:fontRef idx="minor"/>
+        </p:style>
+        <p:txBody>
+          <a:bodyPr lIns="90000" tIns="45000" rIns="90000" bIns="45000" anchor="t">
+            <a:noAutofit/>
+          </a:bodyPr>
+          <a:lstStyle/>
+          <a:p>
+            <a:pPr algn="ctr">
+              <a:lnSpc>
+                <a:spcPct val="100000"/>
+              </a:lnSpc>
+            </a:pPr>
+            <a:r>
+              <a:rPr lang="en-US" sz="5400" b="0" strike="noStrike" spc="-1" dirty="0">
+                <a:solidFill>
+                  <a:srgbClr val="4F81BD"/>
+                </a:solidFill>
+                <a:latin typeface="Trebuchet MS"/>
+                <a:ea typeface="DejaVu Sans"/>
+              </a:rPr>
+              <a:t>History of Racket</a:t>
+            </a:r>
+            <a:endParaRPr lang="en-US" sz="5400" b="0" strike="noStrike" spc="-1" dirty="0">
+              <a:latin typeface="Arial"/>
+            </a:endParaRPr>
+          </a:p>
+        </p:txBody>
+      </p:sp>
+      <p:sp>
+        <p:nvSpPr>
+          <p:cNvPr id="243" name="CustomShape 2"/>
+          <p:cNvSpPr/>
+          <p:nvPr/>
+        </p:nvSpPr>
+        <p:spPr>
+          <a:xfrm>
+            <a:off x="914400" y="1828800"/>
+            <a:ext cx="8926560" cy="3456000"/>
+          </a:xfrm>
+          <a:prstGeom prst="rect">
+            <a:avLst/>
+          </a:prstGeom>
+          <a:noFill/>
+          <a:ln>
+            <a:noFill/>
+          </a:ln>
+        </p:spPr>
+        <p:style>
+          <a:lnRef idx="0">
+            <a:scrgbClr r="0" g="0" b="0"/>
+          </a:lnRef>
+          <a:fillRef idx="0">
+            <a:scrgbClr r="0" g="0" b="0"/>
+          </a:fillRef>
+          <a:effectRef idx="0">
+            <a:scrgbClr r="0" g="0" b="0"/>
+          </a:effectRef>
+          <a:fontRef idx="minor"/>
+        </p:style>
+        <p:txBody>
+          <a:bodyPr lIns="90000" tIns="45000" rIns="90000" bIns="45000">
+            <a:normAutofit/>
+          </a:bodyPr>
+          <a:lstStyle/>
+          <a:p>
+            <a:pPr marL="285750" indent="-285750">
+              <a:spcBef>
+                <a:spcPts val="1001"/>
+              </a:spcBef>
+              <a:buFont typeface="Arial" panose="020B0604020202020204" pitchFamily="34" charset="0"/>
+              <a:buChar char="•"/>
+              <a:tabLst>
+                <a:tab pos="0" algn="l"/>
+              </a:tabLst>
+            </a:pPr>
+            <a:r>
+              <a:rPr lang="en-US" spc="-1" dirty="0"/>
+              <a:t>PLT Scheme evolved over the course of 15 years. Was no longer focused only on education</a:t>
+            </a:r>
+          </a:p>
+          <a:p>
+            <a:pPr marL="285750" indent="-285750">
+              <a:spcBef>
+                <a:spcPts val="1001"/>
+              </a:spcBef>
+              <a:buFont typeface="Arial" panose="020B0604020202020204" pitchFamily="34" charset="0"/>
+              <a:buChar char="•"/>
+              <a:tabLst>
+                <a:tab pos="0" algn="l"/>
+              </a:tabLst>
+            </a:pPr>
+            <a:r>
+              <a:rPr lang="en-US" spc="-1" dirty="0"/>
+              <a:t>Designers recognized the need to be able to represent meta-languages as first class citizens in PLT Scheme </a:t>
+            </a:r>
+          </a:p>
+          <a:p>
+            <a:pPr marL="742950" lvl="1" indent="-285750">
+              <a:spcBef>
+                <a:spcPts val="1001"/>
+              </a:spcBef>
+              <a:buFont typeface="Arial" panose="020B0604020202020204" pitchFamily="34" charset="0"/>
+              <a:buChar char="•"/>
+              <a:tabLst>
+                <a:tab pos="0" algn="l"/>
+              </a:tabLst>
+            </a:pPr>
+            <a:r>
+              <a:rPr lang="en-US" spc="-1" dirty="0"/>
+              <a:t>“</a:t>
+            </a:r>
+            <a:r>
+              <a:rPr lang="en-US" dirty="0"/>
+              <a:t>"As Hudak puts it, “domain-specific languages are the ultimate abstractions.”“” [1]</a:t>
+            </a:r>
+          </a:p>
+          <a:p>
+            <a:pPr marL="285750" indent="-285750">
+              <a:spcBef>
+                <a:spcPts val="1001"/>
+              </a:spcBef>
+              <a:buFont typeface="Arial" panose="020B0604020202020204" pitchFamily="34" charset="0"/>
+              <a:buChar char="•"/>
+              <a:tabLst>
+                <a:tab pos="0" algn="l"/>
+              </a:tabLst>
+            </a:pPr>
+            <a:r>
+              <a:rPr lang="en-US" dirty="0"/>
+              <a:t>“By 2010, our dialect of Scheme had evolved so much that we renamed it to Racket  to let the world know that we had something different.” [1]</a:t>
+            </a:r>
+          </a:p>
+          <a:p>
+            <a:pPr marL="285750" indent="-285750">
+              <a:spcBef>
+                <a:spcPts val="1001"/>
+              </a:spcBef>
+              <a:buFont typeface="Arial" panose="020B0604020202020204" pitchFamily="34" charset="0"/>
+              <a:buChar char="•"/>
+              <a:tabLst>
+                <a:tab pos="0" algn="l"/>
+              </a:tabLst>
+            </a:pPr>
+            <a:r>
+              <a:rPr lang="en-US" spc="-1" dirty="0"/>
+              <a:t>PLT Scheme was Rebranded to Racket, </a:t>
+            </a:r>
+            <a:r>
+              <a:rPr lang="en-US" spc="-1" dirty="0" err="1"/>
+              <a:t>DrScheme</a:t>
+            </a:r>
+            <a:r>
+              <a:rPr lang="en-US" spc="-1" dirty="0"/>
+              <a:t> was rebranded to </a:t>
+            </a:r>
+            <a:r>
+              <a:rPr lang="en-US" spc="-1" dirty="0" err="1"/>
+              <a:t>DrRacket</a:t>
+            </a:r>
+            <a:endParaRPr lang="en-US" spc="-1" dirty="0"/>
+          </a:p>
+        </p:txBody>
+      </p:sp>
+    </p:spTree>
+    <p:extLst>
+      <p:ext uri="{BB962C8B-B14F-4D97-AF65-F5344CB8AC3E}">
+        <p14:creationId xmlns:p14="http://schemas.microsoft.com/office/powerpoint/2010/main" val="2578199842"/>
+      </p:ext>
+    </p:extLst>
+  </p:cSld>
+  <p:clrMapOvr>
+    <a:masterClrMapping/>
+  </p:clrMapOvr>
+</p:sld>
+</file>
+
+<file path=ppt/slides/slide5.xml><?xml version="1.0" encoding="utf-8"?>
+<p:sld xmlns:a="http://schemas.openxmlformats.org/drawingml/2006/main" xmlns:r="http://schemas.openxmlformats.org/officeDocument/2006/relationships" xmlns:p="http://schemas.openxmlformats.org/presentationml/2006/main">
+  <p:cSld>
+    <p:spTree>
+      <p:nvGrpSpPr>
+        <p:cNvPr id="1" name=""/>
+        <p:cNvGrpSpPr/>
+        <p:nvPr/>
+      </p:nvGrpSpPr>
+      <p:grpSpPr>
+        <a:xfrm>
+          <a:off x="0" y="0"/>
+          <a:ext cx="0" cy="0"/>
+          <a:chOff x="0" y="0"/>
+          <a:chExt cx="0" cy="0"/>
+        </a:xfrm>
+      </p:grpSpPr>
+      <p:sp>
+        <p:nvSpPr>
+          <p:cNvPr id="242" name="CustomShape 1"/>
+          <p:cNvSpPr/>
+          <p:nvPr/>
+        </p:nvSpPr>
+        <p:spPr>
+          <a:xfrm>
+            <a:off x="1062360" y="159840"/>
+            <a:ext cx="7766280" cy="2382840"/>
+          </a:xfrm>
+          <a:prstGeom prst="rect">
+            <a:avLst/>
+          </a:prstGeom>
+          <a:noFill/>
+          <a:ln>
+            <a:noFill/>
+          </a:ln>
+        </p:spPr>
+        <p:style>
+          <a:lnRef idx="0">
+            <a:scrgbClr r="0" g="0" b="0"/>
+          </a:lnRef>
+          <a:fillRef idx="0">
+            <a:scrgbClr r="0" g="0" b="0"/>
+          </a:fillRef>
+          <a:effectRef idx="0">
+            <a:scrgbClr r="0" g="0" b="0"/>
+          </a:effectRef>
+          <a:fontRef idx="minor"/>
+        </p:style>
+        <p:txBody>
           <a:bodyPr lIns="90000" tIns="45000" rIns="90000" bIns="45000" anchor="b">
             <a:noAutofit/>
           </a:bodyPr>
@@ -13723,7 +15466,7 @@
               </a:tabLst>
             </a:pPr>
             <a:r>
-              <a:rPr lang="en-US" sz="1800" b="0" strike="noStrike" spc="-1">
+              <a:rPr lang="en-US" sz="1800" b="0" strike="noStrike" spc="-1" dirty="0">
                 <a:solidFill>
                   <a:srgbClr val="000000"/>
                 </a:solidFill>
@@ -13733,7 +15476,7 @@
               <a:t>source: </a:t>
             </a:r>
             <a:r>
-              <a:rPr lang="en-US" sz="1800" b="0" u="sng" strike="noStrike" spc="-1">
+              <a:rPr lang="en-US" sz="1800" b="0" u="sng" strike="noStrike" spc="-1" dirty="0">
                 <a:solidFill>
                   <a:srgbClr val="0000FF"/>
                 </a:solidFill>
@@ -13744,7 +15487,7 @@
               </a:rPr>
               <a:t>https://racket-lang.org/</a:t>
             </a:r>
-            <a:endParaRPr lang="en-US" sz="1800" b="0" strike="noStrike" spc="-1">
+            <a:endParaRPr lang="en-US" sz="1800" b="0" strike="noStrike" spc="-1" dirty="0">
               <a:latin typeface="Arial"/>
             </a:endParaRPr>
           </a:p>
@@ -13766,7 +15509,7 @@
               </a:tabLst>
             </a:pPr>
             <a:r>
-              <a:rPr lang="en-US" sz="1800" b="0" strike="noStrike" spc="-1">
+              <a:rPr lang="en-US" sz="1800" b="0" strike="noStrike" spc="-1" dirty="0">
                 <a:solidFill>
                   <a:srgbClr val="000000"/>
                 </a:solidFill>
@@ -13775,9 +15518,11 @@
               </a:rPr>
               <a:t>Racket is a stable programming language that has matured over time</a:t>
             </a:r>
-            <a:br/>
+            <a:br>
+              <a:rPr dirty="0"/>
+            </a:br>
             <a:r>
-              <a:rPr lang="en-US" sz="1800" b="0" strike="noStrike" spc="-1">
+              <a:rPr lang="en-US" sz="1800" b="0" strike="noStrike" spc="-1" dirty="0">
                 <a:solidFill>
                   <a:srgbClr val="000000"/>
                 </a:solidFill>
@@ -13786,9 +15531,11 @@
               </a:rPr>
               <a:t> - It is cross-platform</a:t>
             </a:r>
-            <a:br/>
+            <a:br>
+              <a:rPr dirty="0"/>
+            </a:br>
             <a:r>
-              <a:rPr lang="en-US" sz="1800" b="0" strike="noStrike" spc="-1">
+              <a:rPr lang="en-US" sz="1800" b="0" strike="noStrike" spc="-1" dirty="0">
                 <a:solidFill>
                   <a:srgbClr val="000000"/>
                 </a:solidFill>
@@ -13797,9 +15544,11 @@
               </a:rPr>
               <a:t>     -	Windows</a:t>
             </a:r>
-            <a:br/>
+            <a:br>
+              <a:rPr dirty="0"/>
+            </a:br>
             <a:r>
-              <a:rPr lang="en-US" sz="1800" b="0" strike="noStrike" spc="-1">
+              <a:rPr lang="en-US" sz="1800" b="0" strike="noStrike" spc="-1" dirty="0">
                 <a:solidFill>
                   <a:srgbClr val="000000"/>
                 </a:solidFill>
@@ -13808,9 +15557,11 @@
               </a:rPr>
               <a:t>     -	Linux</a:t>
             </a:r>
-            <a:br/>
+            <a:br>
+              <a:rPr dirty="0"/>
+            </a:br>
             <a:r>
-              <a:rPr lang="en-US" sz="1800" b="0" strike="noStrike" spc="-1">
+              <a:rPr lang="en-US" sz="1800" b="0" strike="noStrike" spc="-1" dirty="0">
                 <a:solidFill>
                   <a:srgbClr val="000000"/>
                 </a:solidFill>
@@ -13819,7 +15570,7 @@
               </a:rPr>
               <a:t>     -	MacOS</a:t>
             </a:r>
-            <a:endParaRPr lang="en-US" sz="1800" b="0" strike="noStrike" spc="-1">
+            <a:endParaRPr lang="en-US" sz="1800" b="0" strike="noStrike" spc="-1" dirty="0">
               <a:latin typeface="Arial"/>
             </a:endParaRPr>
           </a:p>
@@ -13841,7 +15592,7 @@
               </a:tabLst>
             </a:pPr>
             <a:r>
-              <a:rPr lang="en-US" sz="1800" b="0" strike="noStrike" spc="-1">
+              <a:rPr lang="en-US" sz="1800" b="0" strike="noStrike" spc="-1" dirty="0">
                 <a:solidFill>
                   <a:srgbClr val="000000"/>
                 </a:solidFill>
@@ -13850,9 +15601,11 @@
               </a:rPr>
               <a:t>Racket contains</a:t>
             </a:r>
-            <a:br/>
+            <a:br>
+              <a:rPr dirty="0"/>
+            </a:br>
             <a:r>
-              <a:rPr lang="en-US" sz="1800" b="0" strike="noStrike" spc="-1">
+              <a:rPr lang="en-US" sz="1800" b="0" strike="noStrike" spc="-1" dirty="0">
                 <a:solidFill>
                   <a:srgbClr val="000000"/>
                 </a:solidFill>
@@ -13861,9 +15614,11 @@
               </a:rPr>
               <a:t>  - Package system</a:t>
             </a:r>
-            <a:br/>
+            <a:br>
+              <a:rPr dirty="0"/>
+            </a:br>
             <a:r>
-              <a:rPr lang="en-US" sz="1800" b="0" strike="noStrike" spc="-1">
+              <a:rPr lang="en-US" sz="1800" b="0" strike="noStrike" spc="-1" dirty="0">
                 <a:solidFill>
                   <a:srgbClr val="000000"/>
                 </a:solidFill>
@@ -13872,9 +15627,11 @@
               </a:rPr>
               <a:t>    where you can install a package and use the libraries provided</a:t>
             </a:r>
-            <a:br/>
+            <a:br>
+              <a:rPr dirty="0"/>
+            </a:br>
             <a:r>
-              <a:rPr lang="en-US" sz="1800" b="0" strike="noStrike" spc="-1">
+              <a:rPr lang="en-US" sz="1800" b="0" strike="noStrike" spc="-1" dirty="0">
                 <a:solidFill>
                   <a:srgbClr val="000000"/>
                 </a:solidFill>
@@ -13883,18 +15640,30 @@
               </a:rPr>
               <a:t>  - GUI Framework</a:t>
             </a:r>
-            <a:br/>
+            <a:br>
+              <a:rPr dirty="0"/>
+            </a:br>
             <a:r>
-              <a:rPr lang="en-US" sz="1800" b="0" strike="noStrike" spc="-1">
+              <a:rPr lang="en-US" sz="1800" b="0" strike="noStrike" spc="-1" dirty="0">
                 <a:solidFill>
                   <a:srgbClr val="000000"/>
                 </a:solidFill>
                 <a:latin typeface="Arial"/>
                 <a:ea typeface="DejaVu Sans"/>
               </a:rPr>
-              <a:t>  - Foreign Interface such as Ctype</a:t>
+              <a:t>  - Foreign Interface such as </a:t>
             </a:r>
-            <a:endParaRPr lang="en-US" sz="1800" b="0" strike="noStrike" spc="-1">
+            <a:r>
+              <a:rPr lang="en-US" sz="1800" b="0" strike="noStrike" spc="-1" dirty="0" err="1">
+                <a:solidFill>
+                  <a:srgbClr val="000000"/>
+                </a:solidFill>
+                <a:latin typeface="Arial"/>
+                <a:ea typeface="DejaVu Sans"/>
+              </a:rPr>
+              <a:t>Ctype</a:t>
+            </a:r>
+            <a:endParaRPr lang="en-US" sz="1800" b="0" strike="noStrike" spc="-1" dirty="0">
               <a:latin typeface="Arial"/>
             </a:endParaRPr>
           </a:p>
@@ -13908,7 +15677,7 @@
 </p:sld>
 </file>
 
-<file path=ppt/slides/slide3.xml><?xml version="1.0" encoding="utf-8"?>
+<file path=ppt/slides/slide6.xml><?xml version="1.0" encoding="utf-8"?>
 <p:sld xmlns:a="http://schemas.openxmlformats.org/drawingml/2006/main" xmlns:r="http://schemas.openxmlformats.org/officeDocument/2006/relationships" xmlns:p="http://schemas.openxmlformats.org/presentationml/2006/main">
   <p:cSld>
     <p:spTree>
@@ -14217,7 +15986,7 @@
 </p:sld>
 </file>
 
-<file path=ppt/slides/slide4.xml><?xml version="1.0" encoding="utf-8"?>
+<file path=ppt/slides/slide7.xml><?xml version="1.0" encoding="utf-8"?>
 <p:sld xmlns:a="http://schemas.openxmlformats.org/drawingml/2006/main" xmlns:r="http://schemas.openxmlformats.org/officeDocument/2006/relationships" xmlns:p="http://schemas.openxmlformats.org/presentationml/2006/main">
   <p:cSld>
     <p:spTree>
@@ -14402,7 +16171,7 @@
 </p:sld>
 </file>
 
-<file path=ppt/slides/slide5.xml><?xml version="1.0" encoding="utf-8"?>
+<file path=ppt/slides/slide8.xml><?xml version="1.0" encoding="utf-8"?>
 <p:sld xmlns:a="http://schemas.openxmlformats.org/drawingml/2006/main" xmlns:r="http://schemas.openxmlformats.org/officeDocument/2006/relationships" xmlns:p="http://schemas.openxmlformats.org/presentationml/2006/main">
   <p:cSld>
     <p:spTree>
@@ -14609,7 +16378,7 @@
 </p:sld>
 </file>
 
-<file path=ppt/slides/slide6.xml><?xml version="1.0" encoding="utf-8"?>
+<file path=ppt/slides/slide9.xml><?xml version="1.0" encoding="utf-8"?>
 <p:sld xmlns:a="http://schemas.openxmlformats.org/drawingml/2006/main" xmlns:r="http://schemas.openxmlformats.org/officeDocument/2006/relationships" xmlns:p="http://schemas.openxmlformats.org/presentationml/2006/main">
   <p:cSld>
     <p:spTree>
@@ -14787,588 +16556,6 @@
         </p:txBody>
       </p:sp>
     </p:spTree>
-  </p:cSld>
-  <p:clrMapOvr>
-    <a:masterClrMapping/>
-  </p:clrMapOvr>
-</p:sld>
-</file>
-
-<file path=ppt/slides/slide7.xml><?xml version="1.0" encoding="utf-8"?>
-<p:sld xmlns:a="http://schemas.openxmlformats.org/drawingml/2006/main" xmlns:r="http://schemas.openxmlformats.org/officeDocument/2006/relationships" xmlns:p="http://schemas.openxmlformats.org/presentationml/2006/main">
-  <p:cSld>
-    <p:spTree>
-      <p:nvGrpSpPr>
-        <p:cNvPr id="1" name=""/>
-        <p:cNvGrpSpPr/>
-        <p:nvPr/>
-      </p:nvGrpSpPr>
-      <p:grpSpPr>
-        <a:xfrm>
-          <a:off x="0" y="0"/>
-          <a:ext cx="0" cy="0"/>
-          <a:chOff x="0" y="0"/>
-          <a:chExt cx="0" cy="0"/>
-        </a:xfrm>
-      </p:grpSpPr>
-      <p:sp>
-        <p:nvSpPr>
-          <p:cNvPr id="252" name="TextShape 1"/>
-          <p:cNvSpPr txBox="1"/>
-          <p:nvPr/>
-        </p:nvSpPr>
-        <p:spPr>
-          <a:xfrm>
-            <a:off x="2011680" y="274680"/>
-            <a:ext cx="7766280" cy="1645560"/>
-          </a:xfrm>
-          <a:prstGeom prst="rect">
-            <a:avLst/>
-          </a:prstGeom>
-          <a:noFill/>
-          <a:ln>
-            <a:noFill/>
-          </a:ln>
-        </p:spPr>
-        <p:txBody>
-          <a:bodyPr lIns="0" tIns="0" rIns="0" bIns="0" anchor="ctr">
-            <a:noAutofit/>
-          </a:bodyPr>
-          <a:lstStyle/>
-          <a:p>
-            <a:pPr algn="r">
-              <a:lnSpc>
-                <a:spcPct val="100000"/>
-              </a:lnSpc>
-            </a:pPr>
-            <a:r>
-              <a:rPr lang="en-US" sz="5400" b="0" strike="noStrike" spc="-1">
-                <a:solidFill>
-                  <a:srgbClr val="4F81BD"/>
-                </a:solidFill>
-                <a:latin typeface="Trebuchet MS"/>
-                <a:ea typeface="DejaVu Sans"/>
-              </a:rPr>
-              <a:t>Racket Applications: Fractalide</a:t>
-            </a:r>
-            <a:endParaRPr lang="en-US" sz="5400" b="0" strike="noStrike" spc="-1">
-              <a:solidFill>
-                <a:srgbClr val="000000"/>
-              </a:solidFill>
-              <a:latin typeface="Arial"/>
-            </a:endParaRPr>
-          </a:p>
-        </p:txBody>
-      </p:sp>
-      <p:sp>
-        <p:nvSpPr>
-          <p:cNvPr id="253" name="TextShape 2"/>
-          <p:cNvSpPr txBox="1"/>
-          <p:nvPr/>
-        </p:nvSpPr>
-        <p:spPr>
-          <a:xfrm>
-            <a:off x="457560" y="2057760"/>
-            <a:ext cx="10972440" cy="3977280"/>
-          </a:xfrm>
-          <a:prstGeom prst="rect">
-            <a:avLst/>
-          </a:prstGeom>
-          <a:noFill/>
-          <a:ln>
-            <a:noFill/>
-          </a:ln>
-        </p:spPr>
-        <p:txBody>
-          <a:bodyPr lIns="0" tIns="0" rIns="0" bIns="0">
-            <a:normAutofit/>
-          </a:bodyPr>
-          <a:lstStyle/>
-          <a:p>
-            <a:pPr marL="432000" indent="-324000">
-              <a:spcBef>
-                <a:spcPts val="1417"/>
-              </a:spcBef>
-              <a:buClr>
-                <a:srgbClr val="000000"/>
-              </a:buClr>
-              <a:buSzPct val="45000"/>
-              <a:buFont typeface="Wingdings" charset="2"/>
-              <a:buChar char=""/>
-            </a:pPr>
-            <a:r>
-              <a:rPr lang="en-US" sz="2800" b="0" strike="noStrike" spc="-1" dirty="0" err="1">
-                <a:solidFill>
-                  <a:srgbClr val="000000"/>
-                </a:solidFill>
-                <a:latin typeface="Arial"/>
-              </a:rPr>
-              <a:t>Fractalide</a:t>
-            </a:r>
-            <a:r>
-              <a:rPr lang="en-US" sz="2800" b="0" strike="noStrike" spc="-1" dirty="0">
-                <a:solidFill>
-                  <a:srgbClr val="000000"/>
-                </a:solidFill>
-                <a:latin typeface="Arial"/>
-              </a:rPr>
-              <a:t> is another open-source programming language written in Racket</a:t>
-            </a:r>
-          </a:p>
-          <a:p>
-            <a:pPr marL="432000" indent="-324000">
-              <a:spcBef>
-                <a:spcPts val="1417"/>
-              </a:spcBef>
-              <a:buClr>
-                <a:srgbClr val="000000"/>
-              </a:buClr>
-              <a:buSzPct val="45000"/>
-              <a:buFont typeface="Wingdings" charset="2"/>
-              <a:buChar char=""/>
-            </a:pPr>
-            <a:r>
-              <a:rPr lang="en-US" sz="2800" b="0" strike="noStrike" spc="-1" dirty="0">
-                <a:solidFill>
-                  <a:srgbClr val="000000"/>
-                </a:solidFill>
-                <a:latin typeface="Arial"/>
-              </a:rPr>
-              <a:t>An interesting approach to designing a programming language which utilizes graphs as the basic language concepts</a:t>
-            </a:r>
-          </a:p>
-          <a:p>
-            <a:pPr marL="432000" indent="-324000">
-              <a:spcBef>
-                <a:spcPts val="1417"/>
-              </a:spcBef>
-              <a:buClr>
-                <a:srgbClr val="000000"/>
-              </a:buClr>
-              <a:buSzPct val="45000"/>
-              <a:buFont typeface="Wingdings" charset="2"/>
-              <a:buChar char=""/>
-            </a:pPr>
-            <a:r>
-              <a:rPr lang="en-US" sz="2800" b="0" strike="noStrike" spc="-1" dirty="0">
-                <a:solidFill>
-                  <a:srgbClr val="000000"/>
-                </a:solidFill>
-                <a:latin typeface="Arial"/>
-              </a:rPr>
-              <a:t> </a:t>
-            </a:r>
-            <a:r>
-              <a:rPr lang="en-US" sz="2800" b="0" strike="noStrike" spc="-1" dirty="0">
-                <a:solidFill>
-                  <a:srgbClr val="000000"/>
-                </a:solidFill>
-                <a:latin typeface="Arial"/>
-                <a:hlinkClick r:id="rId2"/>
-              </a:rPr>
-              <a:t>https://github.com/fractalide/fractalide</a:t>
-            </a:r>
-            <a:r>
-              <a:rPr lang="en-US" sz="2800" b="0" strike="noStrike" spc="-1" dirty="0">
-                <a:solidFill>
-                  <a:srgbClr val="000000"/>
-                </a:solidFill>
-                <a:latin typeface="Arial"/>
-              </a:rPr>
-              <a:t> </a:t>
-            </a:r>
-          </a:p>
-        </p:txBody>
-      </p:sp>
-    </p:spTree>
-  </p:cSld>
-  <p:clrMapOvr>
-    <a:masterClrMapping/>
-  </p:clrMapOvr>
-</p:sld>
-</file>
-
-<file path=ppt/slides/slide8.xml><?xml version="1.0" encoding="utf-8"?>
-<p:sld xmlns:a="http://schemas.openxmlformats.org/drawingml/2006/main" xmlns:r="http://schemas.openxmlformats.org/officeDocument/2006/relationships" xmlns:p="http://schemas.openxmlformats.org/presentationml/2006/main">
-  <p:cSld>
-    <p:spTree>
-      <p:nvGrpSpPr>
-        <p:cNvPr id="1" name=""/>
-        <p:cNvGrpSpPr/>
-        <p:nvPr/>
-      </p:nvGrpSpPr>
-      <p:grpSpPr>
-        <a:xfrm>
-          <a:off x="0" y="0"/>
-          <a:ext cx="0" cy="0"/>
-          <a:chOff x="0" y="0"/>
-          <a:chExt cx="0" cy="0"/>
-        </a:xfrm>
-      </p:grpSpPr>
-      <p:sp>
-        <p:nvSpPr>
-          <p:cNvPr id="254" name="TextShape 1"/>
-          <p:cNvSpPr txBox="1"/>
-          <p:nvPr/>
-        </p:nvSpPr>
-        <p:spPr>
-          <a:xfrm>
-            <a:off x="2011680" y="274680"/>
-            <a:ext cx="7766280" cy="1645560"/>
-          </a:xfrm>
-          <a:prstGeom prst="rect">
-            <a:avLst/>
-          </a:prstGeom>
-          <a:noFill/>
-          <a:ln>
-            <a:noFill/>
-          </a:ln>
-        </p:spPr>
-        <p:txBody>
-          <a:bodyPr lIns="0" tIns="0" rIns="0" bIns="0" anchor="ctr">
-            <a:noAutofit/>
-          </a:bodyPr>
-          <a:lstStyle/>
-          <a:p>
-            <a:pPr algn="r">
-              <a:lnSpc>
-                <a:spcPct val="100000"/>
-              </a:lnSpc>
-            </a:pPr>
-            <a:r>
-              <a:rPr lang="en-US" sz="5400" b="0" strike="noStrike" spc="-1">
-                <a:solidFill>
-                  <a:srgbClr val="4F81BD"/>
-                </a:solidFill>
-                <a:latin typeface="Trebuchet MS"/>
-                <a:ea typeface="DejaVu Sans"/>
-              </a:rPr>
-              <a:t>Racket Applications: Other Applications</a:t>
-            </a:r>
-            <a:endParaRPr lang="en-US" sz="5400" b="0" strike="noStrike" spc="-1">
-              <a:solidFill>
-                <a:srgbClr val="000000"/>
-              </a:solidFill>
-              <a:latin typeface="Arial"/>
-            </a:endParaRPr>
-          </a:p>
-        </p:txBody>
-      </p:sp>
-      <p:sp>
-        <p:nvSpPr>
-          <p:cNvPr id="255" name="TextShape 2"/>
-          <p:cNvSpPr txBox="1"/>
-          <p:nvPr/>
-        </p:nvSpPr>
-        <p:spPr>
-          <a:xfrm>
-            <a:off x="457560" y="2057760"/>
-            <a:ext cx="10972440" cy="3977280"/>
-          </a:xfrm>
-          <a:prstGeom prst="rect">
-            <a:avLst/>
-          </a:prstGeom>
-          <a:noFill/>
-          <a:ln>
-            <a:noFill/>
-          </a:ln>
-        </p:spPr>
-        <p:txBody>
-          <a:bodyPr lIns="0" tIns="0" rIns="0" bIns="0">
-            <a:normAutofit lnSpcReduction="10000"/>
-          </a:bodyPr>
-          <a:lstStyle/>
-          <a:p>
-            <a:pPr marL="432000" indent="-324000">
-              <a:spcBef>
-                <a:spcPts val="1417"/>
-              </a:spcBef>
-              <a:buClr>
-                <a:srgbClr val="000000"/>
-              </a:buClr>
-              <a:buSzPct val="45000"/>
-              <a:buFont typeface="Wingdings" charset="2"/>
-              <a:buChar char=""/>
-            </a:pPr>
-            <a:r>
-              <a:rPr lang="en-US" sz="2800" b="0" strike="noStrike" spc="-1" dirty="0">
-                <a:solidFill>
-                  <a:srgbClr val="000000"/>
-                </a:solidFill>
-                <a:latin typeface="Arial"/>
-              </a:rPr>
-              <a:t>The other features of racket we have discussed make it a feasible candidate for other applications</a:t>
-            </a:r>
-          </a:p>
-          <a:p>
-            <a:pPr marL="432000" indent="-324000">
-              <a:spcBef>
-                <a:spcPts val="1417"/>
-              </a:spcBef>
-              <a:buClr>
-                <a:srgbClr val="000000"/>
-              </a:buClr>
-              <a:buSzPct val="45000"/>
-              <a:buFont typeface="Wingdings" charset="2"/>
-              <a:buChar char=""/>
-            </a:pPr>
-            <a:r>
-              <a:rPr lang="en-US" sz="2800" b="0" strike="noStrike" spc="-1" dirty="0">
-                <a:solidFill>
-                  <a:srgbClr val="000000"/>
-                </a:solidFill>
-                <a:latin typeface="Arial"/>
-              </a:rPr>
-              <a:t>In fact, Racket’s IDE (</a:t>
-            </a:r>
-            <a:r>
-              <a:rPr lang="en-US" sz="2800" b="0" strike="noStrike" spc="-1" dirty="0" err="1">
-                <a:solidFill>
-                  <a:srgbClr val="000000"/>
-                </a:solidFill>
-                <a:latin typeface="Arial"/>
-              </a:rPr>
-              <a:t>DrRacket</a:t>
-            </a:r>
-            <a:r>
-              <a:rPr lang="en-US" sz="2800" b="0" strike="noStrike" spc="-1" dirty="0">
-                <a:solidFill>
-                  <a:srgbClr val="000000"/>
-                </a:solidFill>
-                <a:latin typeface="Arial"/>
-              </a:rPr>
-              <a:t>) was written in Racket </a:t>
-            </a:r>
-            <a:r>
-              <a:rPr lang="en-US" sz="2800" b="0" strike="noStrike" spc="-1" dirty="0">
-                <a:solidFill>
-                  <a:srgbClr val="000000"/>
-                </a:solidFill>
-                <a:latin typeface="Arial"/>
-                <a:ea typeface="DejaVu Sans"/>
-                <a:hlinkClick r:id="rId2"/>
-              </a:rPr>
-              <a:t>https://github.com/racket/drracket</a:t>
-            </a:r>
-            <a:r>
-              <a:rPr lang="en-US" sz="2800" b="0" strike="noStrike" spc="-1" dirty="0">
-                <a:solidFill>
-                  <a:srgbClr val="000000"/>
-                </a:solidFill>
-                <a:latin typeface="Arial"/>
-                <a:ea typeface="DejaVu Sans"/>
-              </a:rPr>
-              <a:t> </a:t>
-            </a:r>
-            <a:endParaRPr lang="en-US" sz="2800" b="0" strike="noStrike" spc="-1" dirty="0">
-              <a:solidFill>
-                <a:srgbClr val="000000"/>
-              </a:solidFill>
-              <a:latin typeface="Arial"/>
-            </a:endParaRPr>
-          </a:p>
-          <a:p>
-            <a:pPr marL="432000" indent="-324000">
-              <a:spcBef>
-                <a:spcPts val="1417"/>
-              </a:spcBef>
-              <a:buClr>
-                <a:srgbClr val="000000"/>
-              </a:buClr>
-              <a:buSzPct val="45000"/>
-              <a:buFont typeface="Wingdings" charset="2"/>
-              <a:buChar char=""/>
-            </a:pPr>
-            <a:r>
-              <a:rPr lang="en-US" sz="2800" b="0" strike="noStrike" spc="-1" dirty="0" err="1">
-                <a:solidFill>
-                  <a:srgbClr val="000000"/>
-                </a:solidFill>
-                <a:latin typeface="Arial"/>
-              </a:rPr>
-              <a:t>DrRacket</a:t>
-            </a:r>
-            <a:r>
-              <a:rPr lang="en-US" sz="2800" b="0" strike="noStrike" spc="-1" dirty="0">
-                <a:solidFill>
-                  <a:srgbClr val="000000"/>
-                </a:solidFill>
-                <a:latin typeface="Arial"/>
-              </a:rPr>
-              <a:t> includes all typical features of an IDE</a:t>
-            </a:r>
-          </a:p>
-          <a:p>
-            <a:pPr marL="864000" lvl="1" indent="-324000">
-              <a:spcBef>
-                <a:spcPts val="1134"/>
-              </a:spcBef>
-              <a:buClr>
-                <a:srgbClr val="000000"/>
-              </a:buClr>
-              <a:buSzPct val="75000"/>
-              <a:buFont typeface="Symbol" charset="2"/>
-              <a:buChar char=""/>
-            </a:pPr>
-            <a:r>
-              <a:rPr lang="en-US" sz="2000" b="0" strike="noStrike" spc="-1" dirty="0">
-                <a:solidFill>
-                  <a:srgbClr val="000000"/>
-                </a:solidFill>
-                <a:latin typeface="Arial"/>
-              </a:rPr>
-              <a:t>Debugging</a:t>
-            </a:r>
-          </a:p>
-          <a:p>
-            <a:pPr marL="864000" lvl="1" indent="-324000">
-              <a:spcBef>
-                <a:spcPts val="1134"/>
-              </a:spcBef>
-              <a:buClr>
-                <a:srgbClr val="000000"/>
-              </a:buClr>
-              <a:buSzPct val="75000"/>
-              <a:buFont typeface="Symbol" charset="2"/>
-              <a:buChar char=""/>
-            </a:pPr>
-            <a:r>
-              <a:rPr lang="en-US" sz="2000" b="0" strike="noStrike" spc="-1" dirty="0">
-                <a:solidFill>
-                  <a:srgbClr val="000000"/>
-                </a:solidFill>
-                <a:latin typeface="Arial"/>
-              </a:rPr>
-              <a:t>Source highlighting</a:t>
-            </a:r>
-          </a:p>
-          <a:p>
-            <a:pPr marL="864000" lvl="1" indent="-324000">
-              <a:spcBef>
-                <a:spcPts val="1134"/>
-              </a:spcBef>
-              <a:buClr>
-                <a:srgbClr val="000000"/>
-              </a:buClr>
-              <a:buSzPct val="75000"/>
-              <a:buFont typeface="Symbol" charset="2"/>
-              <a:buChar char=""/>
-            </a:pPr>
-            <a:r>
-              <a:rPr lang="en-US" sz="2000" b="0" strike="noStrike" spc="-1" dirty="0">
-                <a:solidFill>
-                  <a:srgbClr val="000000"/>
-                </a:solidFill>
-                <a:latin typeface="Arial"/>
-              </a:rPr>
-              <a:t>Library Support</a:t>
-            </a:r>
-          </a:p>
-          <a:p>
-            <a:pPr marL="864000" lvl="1" indent="-324000">
-              <a:spcBef>
-                <a:spcPts val="1134"/>
-              </a:spcBef>
-              <a:buClr>
-                <a:srgbClr val="000000"/>
-              </a:buClr>
-              <a:buSzPct val="75000"/>
-              <a:buFont typeface="Symbol" charset="2"/>
-              <a:buChar char=""/>
-            </a:pPr>
-            <a:r>
-              <a:rPr lang="en-US" sz="2000" b="0" strike="noStrike" spc="-1" dirty="0">
-                <a:solidFill>
-                  <a:srgbClr val="000000"/>
-                </a:solidFill>
-                <a:latin typeface="Arial"/>
-              </a:rPr>
-              <a:t>Etc.</a:t>
-            </a:r>
-          </a:p>
-        </p:txBody>
-      </p:sp>
-    </p:spTree>
-  </p:cSld>
-  <p:clrMapOvr>
-    <a:masterClrMapping/>
-  </p:clrMapOvr>
-</p:sld>
-</file>
-
-<file path=ppt/slides/slide9.xml><?xml version="1.0" encoding="utf-8"?>
-<p:sld xmlns:a="http://schemas.openxmlformats.org/drawingml/2006/main" xmlns:r="http://schemas.openxmlformats.org/officeDocument/2006/relationships" xmlns:p="http://schemas.openxmlformats.org/presentationml/2006/main">
-  <p:cSld>
-    <p:spTree>
-      <p:nvGrpSpPr>
-        <p:cNvPr id="1" name=""/>
-        <p:cNvGrpSpPr/>
-        <p:nvPr/>
-      </p:nvGrpSpPr>
-      <p:grpSpPr>
-        <a:xfrm>
-          <a:off x="0" y="0"/>
-          <a:ext cx="0" cy="0"/>
-          <a:chOff x="0" y="0"/>
-          <a:chExt cx="0" cy="0"/>
-        </a:xfrm>
-      </p:grpSpPr>
-      <p:sp>
-        <p:nvSpPr>
-          <p:cNvPr id="2" name="Title 1">
-            <a:extLst>
-              <a:ext uri="{FF2B5EF4-FFF2-40B4-BE49-F238E27FC236}">
-                <a16:creationId xmlns:a16="http://schemas.microsoft.com/office/drawing/2014/main" id="{4AA88340-D0DF-4FBC-8BD2-18236183DF47}"/>
-              </a:ext>
-            </a:extLst>
-          </p:cNvPr>
-          <p:cNvSpPr>
-            <a:spLocks noGrp="1"/>
-          </p:cNvSpPr>
-          <p:nvPr>
-            <p:ph type="title"/>
-          </p:nvPr>
-        </p:nvSpPr>
-        <p:spPr/>
-        <p:txBody>
-          <a:bodyPr/>
-          <a:lstStyle/>
-          <a:p>
-            <a:endParaRPr lang="en-US"/>
-          </a:p>
-        </p:txBody>
-      </p:sp>
-      <p:sp>
-        <p:nvSpPr>
-          <p:cNvPr id="3" name="Text Placeholder 2">
-            <a:extLst>
-              <a:ext uri="{FF2B5EF4-FFF2-40B4-BE49-F238E27FC236}">
-                <a16:creationId xmlns:a16="http://schemas.microsoft.com/office/drawing/2014/main" id="{5C3A6CAD-B008-483D-AA12-895DE4AADDAD}"/>
-              </a:ext>
-            </a:extLst>
-          </p:cNvPr>
-          <p:cNvSpPr>
-            <a:spLocks noGrp="1"/>
-          </p:cNvSpPr>
-          <p:nvPr>
-            <p:ph type="body"/>
-          </p:nvPr>
-        </p:nvSpPr>
-        <p:spPr/>
-        <p:txBody>
-          <a:bodyPr/>
-          <a:lstStyle/>
-          <a:p>
-            <a:endParaRPr lang="en-US"/>
-          </a:p>
-        </p:txBody>
-      </p:sp>
-    </p:spTree>
-    <p:extLst>
-      <p:ext uri="{BB962C8B-B14F-4D97-AF65-F5344CB8AC3E}">
-        <p14:creationId xmlns:p14="http://schemas.microsoft.com/office/powerpoint/2010/main" val="3127419961"/>
-      </p:ext>
-    </p:extLst>
   </p:cSld>
   <p:clrMapOvr>
     <a:masterClrMapping/>

--- a/CSC201Sec3Proj3Team4.pptx
+++ b/CSC201Sec3Proj3Team4.pptx
@@ -14562,7 +14562,7 @@
         </p:style>
         <p:txBody>
           <a:bodyPr lIns="90000" tIns="45000" rIns="90000" bIns="45000">
-            <a:normAutofit/>
+            <a:normAutofit fontScale="92500" lnSpcReduction="20000"/>
           </a:bodyPr>
           <a:lstStyle/>
           <a:p>
@@ -14579,24 +14579,9 @@
                 <a:tab pos="0" algn="l"/>
               </a:tabLst>
             </a:pPr>
-            <a:r>
-              <a:rPr lang="en-US" sz="1800" b="0" strike="noStrike" spc="-1" dirty="0">
-                <a:latin typeface="Arial"/>
-              </a:rPr>
-              <a:t>Traces its roots back to the PLT Group, founded by </a:t>
-            </a:r>
-            <a:r>
-              <a:rPr lang="en-US" dirty="0"/>
-              <a:t>Matthias </a:t>
-            </a:r>
-            <a:r>
-              <a:rPr lang="en-US" dirty="0" err="1"/>
-              <a:t>Felleisen</a:t>
-            </a:r>
-            <a:r>
-              <a:rPr lang="en-US" dirty="0"/>
-              <a:t> [1]</a:t>
-            </a:r>
+            <a:endParaRPr lang="en-US" sz="1800" b="0" strike="noStrike" spc="-1" dirty="0" smtClean="0">
+              <a:latin typeface="Arial"/>
+            </a:endParaRPr>
           </a:p>
           <a:p>
             <a:pPr marL="285750" indent="-285750">
@@ -14613,53 +14598,18 @@
               </a:tabLst>
             </a:pPr>
             <a:r>
-              <a:rPr lang="en-US" sz="1800" b="0" strike="noStrike" spc="-1" dirty="0">
+              <a:rPr lang="en-US" sz="1800" b="0" strike="noStrike" spc="-1" dirty="0" smtClean="0">
                 <a:latin typeface="Arial"/>
               </a:rPr>
-              <a:t>PLT began producing educational material, and teaching high school students fundamentals of programming [1]</a:t>
-            </a:r>
-          </a:p>
-          <a:p>
-            <a:pPr marL="285750" indent="-285750">
-              <a:lnSpc>
-                <a:spcPct val="100000"/>
-              </a:lnSpc>
-              <a:spcBef>
-                <a:spcPts val="1001"/>
-              </a:spcBef>
-              <a:buFont typeface="Arial" panose="020B0604020202020204" pitchFamily="34" charset="0"/>
-              <a:buChar char="•"/>
-              <a:tabLst>
-                <a:tab pos="0" algn="l"/>
-              </a:tabLst>
-            </a:pPr>
-            <a:r>
-              <a:rPr lang="en-US" spc="-1" dirty="0">
-                <a:latin typeface="Arial"/>
-              </a:rPr>
-              <a:t>Originally offered material using the language “Scheme” [1]</a:t>
-            </a:r>
-          </a:p>
-          <a:p>
-            <a:pPr marL="285750" indent="-285750">
-              <a:lnSpc>
-                <a:spcPct val="100000"/>
-              </a:lnSpc>
-              <a:spcBef>
-                <a:spcPts val="1001"/>
-              </a:spcBef>
-              <a:buFont typeface="Arial" panose="020B0604020202020204" pitchFamily="34" charset="0"/>
-              <a:buChar char="•"/>
-              <a:tabLst>
-                <a:tab pos="0" algn="l"/>
-              </a:tabLst>
-            </a:pPr>
-            <a:r>
-              <a:rPr lang="en-US" sz="1800" b="0" strike="noStrike" spc="-1" dirty="0">
-                <a:latin typeface="Arial"/>
-              </a:rPr>
-              <a:t>PLT quickly identified several challenges [1]</a:t>
-            </a:r>
+              <a:t>The Rocket Manifesto</a:t>
+            </a:r>
+            <a:r>
+              <a:rPr lang="en-US" dirty="0" smtClean="0"/>
+              <a:t>[1]:</a:t>
+            </a:r>
+            <a:endParaRPr lang="en-US" sz="1800" b="0" strike="noStrike" spc="-1" dirty="0" smtClean="0">
+              <a:latin typeface="Arial"/>
+            </a:endParaRPr>
           </a:p>
           <a:p>
             <a:pPr marL="742950" lvl="1" indent="-285750">
@@ -14673,6 +14623,111 @@
               </a:tabLst>
             </a:pPr>
             <a:r>
+              <a:rPr lang="en-US" b="0" strike="noStrike" spc="-1" dirty="0" smtClean="0">
+                <a:latin typeface="Arial"/>
+              </a:rPr>
+              <a:t>Traces </a:t>
+            </a:r>
+            <a:r>
+              <a:rPr lang="en-US" b="0" strike="noStrike" spc="-1" dirty="0">
+                <a:latin typeface="Arial"/>
+              </a:rPr>
+              <a:t>its roots back to the PLT Group, founded by </a:t>
+            </a:r>
+            <a:r>
+              <a:rPr lang="en-US" dirty="0"/>
+              <a:t>Matthias </a:t>
+            </a:r>
+            <a:r>
+              <a:rPr lang="en-US" dirty="0" err="1" smtClean="0"/>
+              <a:t>Felleisen</a:t>
+            </a:r>
+            <a:endParaRPr lang="en-US" dirty="0"/>
+          </a:p>
+          <a:p>
+            <a:pPr marL="742950" lvl="1" indent="-285750">
+              <a:spcBef>
+                <a:spcPts val="1001"/>
+              </a:spcBef>
+              <a:buFont typeface="Arial" panose="020B0604020202020204" pitchFamily="34" charset="0"/>
+              <a:buChar char="•"/>
+              <a:tabLst>
+                <a:tab pos="0" algn="l"/>
+              </a:tabLst>
+            </a:pPr>
+            <a:r>
+              <a:rPr lang="en-US" b="0" strike="noStrike" spc="-1" dirty="0">
+                <a:latin typeface="Arial"/>
+              </a:rPr>
+              <a:t>PLT began producing educational material, and teaching high school students fundamentals of programming </a:t>
+            </a:r>
+          </a:p>
+          <a:p>
+            <a:pPr marL="742950" lvl="1" indent="-285750">
+              <a:spcBef>
+                <a:spcPts val="1001"/>
+              </a:spcBef>
+              <a:buFont typeface="Arial" panose="020B0604020202020204" pitchFamily="34" charset="0"/>
+              <a:buChar char="•"/>
+              <a:tabLst>
+                <a:tab pos="0" algn="l"/>
+              </a:tabLst>
+            </a:pPr>
+            <a:r>
+              <a:rPr lang="en-US" spc="-1" dirty="0">
+                <a:latin typeface="Arial"/>
+              </a:rPr>
+              <a:t>Originally offered material using the language “Scheme</a:t>
+            </a:r>
+            <a:r>
+              <a:rPr lang="en-US" spc="-1" dirty="0" smtClean="0">
+                <a:latin typeface="Arial"/>
+              </a:rPr>
+              <a:t>”</a:t>
+            </a:r>
+            <a:endParaRPr lang="en-US" spc="-1" dirty="0">
+              <a:latin typeface="Arial"/>
+            </a:endParaRPr>
+          </a:p>
+          <a:p>
+            <a:pPr marL="742950" lvl="1" indent="-285750">
+              <a:spcBef>
+                <a:spcPts val="1001"/>
+              </a:spcBef>
+              <a:buFont typeface="Arial" panose="020B0604020202020204" pitchFamily="34" charset="0"/>
+              <a:buChar char="•"/>
+              <a:tabLst>
+                <a:tab pos="0" algn="l"/>
+              </a:tabLst>
+            </a:pPr>
+            <a:r>
+              <a:rPr lang="en-US" b="0" strike="noStrike" spc="-1" dirty="0">
+                <a:latin typeface="Arial"/>
+              </a:rPr>
+              <a:t>PLT quickly identified several </a:t>
+            </a:r>
+            <a:r>
+              <a:rPr lang="en-US" b="0" strike="noStrike" spc="-1" dirty="0" smtClean="0">
+                <a:latin typeface="Arial"/>
+              </a:rPr>
+              <a:t>challenges</a:t>
+            </a:r>
+            <a:endParaRPr lang="en-US" b="0" strike="noStrike" spc="-1" dirty="0">
+              <a:latin typeface="Arial"/>
+            </a:endParaRPr>
+          </a:p>
+          <a:p>
+            <a:pPr marL="1200150" lvl="2" indent="-285750">
+              <a:spcBef>
+                <a:spcPts val="1001"/>
+              </a:spcBef>
+              <a:buFont typeface="Arial" panose="020B0604020202020204" pitchFamily="34" charset="0"/>
+              <a:buChar char="•"/>
+              <a:tabLst>
+                <a:tab pos="0" algn="l"/>
+              </a:tabLst>
+            </a:pPr>
+            <a:r>
               <a:rPr lang="en-US" spc="-1" dirty="0">
                 <a:latin typeface="Arial"/>
               </a:rPr>
@@ -14680,7 +14735,7 @@
             </a:r>
           </a:p>
           <a:p>
-            <a:pPr marL="742950" lvl="1" indent="-285750">
+            <a:pPr marL="1200150" lvl="2" indent="-285750">
               <a:spcBef>
                 <a:spcPts val="1001"/>
               </a:spcBef>
@@ -14838,17 +14893,19 @@
               </a:tabLst>
             </a:pPr>
             <a:r>
-              <a:rPr lang="en-US" b="0" strike="noStrike" spc="-1" dirty="0">
-                <a:latin typeface="Arial"/>
-              </a:rPr>
-              <a:t>PLT began developing its own simplified dialect of Scheme: PLT Scheme</a:t>
-            </a:r>
-          </a:p>
-          <a:p>
-            <a:pPr marL="285750" indent="-285750">
-              <a:lnSpc>
-                <a:spcPct val="100000"/>
-              </a:lnSpc>
+              <a:rPr lang="en-US" dirty="0"/>
+              <a:t>A programmable programming </a:t>
+            </a:r>
+            <a:r>
+              <a:rPr lang="en-US" dirty="0" smtClean="0"/>
+              <a:t>language[2]:</a:t>
+            </a:r>
+            <a:endParaRPr lang="en-US" b="0" strike="noStrike" spc="-1" dirty="0" smtClean="0">
+              <a:latin typeface="Arial"/>
+            </a:endParaRPr>
+          </a:p>
+          <a:p>
+            <a:pPr marL="742950" lvl="1" indent="-285750">
               <a:spcBef>
                 <a:spcPts val="1001"/>
               </a:spcBef>
@@ -14859,26 +14916,20 @@
               </a:tabLst>
             </a:pPr>
             <a:r>
-              <a:rPr lang="en-US" spc="-1" dirty="0">
+              <a:rPr lang="en-US" b="0" strike="noStrike" spc="-1" dirty="0" smtClean="0">
                 <a:latin typeface="Arial"/>
               </a:rPr>
-              <a:t>Simultaneously began developing an education focused IDE: </a:t>
-            </a:r>
-            <a:r>
-              <a:rPr lang="en-US" spc="-1" dirty="0" err="1">
+              <a:t>PLT </a:t>
+            </a:r>
+            <a:r>
+              <a:rPr lang="en-US" b="0" strike="noStrike" spc="-1" dirty="0">
                 <a:latin typeface="Arial"/>
               </a:rPr>
-              <a:t>DrScheme</a:t>
-            </a:r>
-            <a:endParaRPr lang="en-US" spc="-1" dirty="0">
-              <a:latin typeface="Arial"/>
-            </a:endParaRPr>
-          </a:p>
-          <a:p>
-            <a:pPr marL="285750" indent="-285750">
-              <a:lnSpc>
-                <a:spcPct val="100000"/>
-              </a:lnSpc>
+              <a:t>began developing its own simplified dialect of Scheme: PLT Scheme</a:t>
+            </a:r>
+          </a:p>
+          <a:p>
+            <a:pPr marL="742950" lvl="1" indent="-285750">
               <a:spcBef>
                 <a:spcPts val="1001"/>
               </a:spcBef>
@@ -14889,6 +14940,33 @@
               </a:tabLst>
             </a:pPr>
             <a:r>
+              <a:rPr lang="en-US" spc="-1" dirty="0">
+                <a:latin typeface="Arial"/>
+              </a:rPr>
+              <a:t>Simultaneously began developing an education focused IDE: </a:t>
+            </a:r>
+            <a:r>
+              <a:rPr lang="en-US" spc="-1" dirty="0" err="1">
+                <a:latin typeface="Arial"/>
+              </a:rPr>
+              <a:t>DrScheme</a:t>
+            </a:r>
+            <a:endParaRPr lang="en-US" spc="-1" dirty="0">
+              <a:latin typeface="Arial"/>
+            </a:endParaRPr>
+          </a:p>
+          <a:p>
+            <a:pPr marL="742950" lvl="1" indent="-285750">
+              <a:spcBef>
+                <a:spcPts val="1001"/>
+              </a:spcBef>
+              <a:buFont typeface="Arial" panose="020B0604020202020204" pitchFamily="34" charset="0"/>
+              <a:buChar char="•"/>
+              <a:tabLst>
+                <a:tab pos="0" algn="l"/>
+              </a:tabLst>
+            </a:pPr>
+            <a:r>
               <a:rPr lang="en-US" b="0" strike="noStrike" spc="-1" dirty="0">
                 <a:latin typeface="Arial"/>
               </a:rPr>
@@ -14904,7 +14982,7 @@
               <a:rPr lang="en-US" b="0" strike="noStrike" spc="-1" dirty="0">
                 <a:latin typeface="Arial"/>
               </a:rPr>
-              <a:t> (which was written in PLT Scheme) influenced the design of PLT Scheme. [2]</a:t>
+              <a:t> (which was written in PLT Scheme) influenced the design of PLT Scheme. </a:t>
             </a:r>
           </a:p>
         </p:txBody>
@@ -14923,7 +15001,7 @@
         </p:nvGrpSpPr>
         <p:grpSpPr>
           <a:xfrm>
-            <a:off x="7829303" y="3237138"/>
+            <a:off x="8003659" y="3556800"/>
             <a:ext cx="1493117" cy="1089986"/>
             <a:chOff x="7512179" y="4382471"/>
             <a:chExt cx="1493117" cy="1089986"/>
@@ -15006,8 +15084,13 @@
             <a:p>
               <a:r>
                 <a:rPr lang="en-US" sz="1000" dirty="0"/>
-                <a:t>PLT Scheme’s logo [4]</a:t>
+                <a:t>PLT Scheme’s </a:t>
               </a:r>
+              <a:r>
+                <a:rPr lang="en-US" sz="1000" dirty="0" smtClean="0"/>
+                <a:t>logo [4]</a:t>
+              </a:r>
+              <a:endParaRPr lang="en-US" sz="1000" dirty="0"/>
             </a:p>
           </p:txBody>
         </p:sp>
@@ -15026,10 +15109,10 @@
         </p:nvGrpSpPr>
         <p:grpSpPr>
           <a:xfrm>
-            <a:off x="3923070" y="3237138"/>
-            <a:ext cx="3700539" cy="3072755"/>
+            <a:off x="4056681" y="3818742"/>
+            <a:ext cx="3400322" cy="2932115"/>
             <a:chOff x="3910225" y="3703574"/>
-            <a:chExt cx="3700539" cy="3072755"/>
+            <a:chExt cx="3700539" cy="3226644"/>
           </a:xfrm>
         </p:grpSpPr>
         <p:pic>
@@ -15077,7 +15160,7 @@
           <p:spPr>
             <a:xfrm>
               <a:off x="4924603" y="6530108"/>
-              <a:ext cx="1942854" cy="246221"/>
+              <a:ext cx="1942854" cy="400110"/>
             </a:xfrm>
             <a:prstGeom prst="rect">
               <a:avLst/>
@@ -15100,7 +15183,27 @@
               </a:r>
               <a:r>
                 <a:rPr lang="en-US" sz="1000" dirty="0"/>
-                <a:t> [3]</a:t>
+                <a:t> </a:t>
+              </a:r>
+              <a:r>
+                <a:rPr lang="en-US" sz="1000" dirty="0"/>
+                <a:t>(</a:t>
+              </a:r>
+              <a:r>
+                <a:rPr lang="en-US" sz="1000" dirty="0" err="1" smtClean="0"/>
+                <a:t>Findler</a:t>
+              </a:r>
+              <a:r>
+                <a:rPr lang="en-US" sz="1000" dirty="0" smtClean="0"/>
+                <a:t>)[</a:t>
+              </a:r>
+              <a:r>
+                <a:rPr lang="en-US" sz="1000" dirty="0"/>
+                <a:t>3</a:t>
+              </a:r>
+              <a:r>
+                <a:rPr lang="en-US" sz="1000" dirty="0"/>
+                <a:t>]</a:t>
               </a:r>
             </a:p>
           </p:txBody>
@@ -15227,7 +15330,7 @@
         </p:style>
         <p:txBody>
           <a:bodyPr lIns="90000" tIns="45000" rIns="90000" bIns="45000">
-            <a:normAutofit/>
+            <a:normAutofit lnSpcReduction="10000"/>
           </a:bodyPr>
           <a:lstStyle/>
           <a:p>
@@ -15242,25 +15345,22 @@
               </a:tabLst>
             </a:pPr>
             <a:r>
+              <a:rPr lang="en-US" spc="-1" dirty="0" smtClean="0"/>
+              <a:t>The </a:t>
+            </a:r>
+            <a:r>
               <a:rPr lang="en-US" spc="-1" dirty="0"/>
-              <a:t>PLT Scheme evolved over the course of 15 years. Was no longer focused only on education</a:t>
-            </a:r>
-          </a:p>
-          <a:p>
-            <a:pPr marL="285750" indent="-285750">
-              <a:spcBef>
-                <a:spcPts val="1001"/>
-              </a:spcBef>
-              <a:buFont typeface="Arial" panose="020B0604020202020204" pitchFamily="34" charset="0"/>
-              <a:buChar char="•"/>
-              <a:tabLst>
-                <a:tab pos="0" algn="l"/>
-              </a:tabLst>
-            </a:pPr>
-            <a:r>
-              <a:rPr lang="en-US" spc="-1" dirty="0"/>
-              <a:t>Designers recognized the need to be able to represent meta-languages as first class citizens in PLT Scheme </a:t>
-            </a:r>
+              <a:t>Rocket Manifesto</a:t>
+            </a:r>
+            <a:r>
+              <a:rPr lang="en-US" dirty="0"/>
+              <a:t>[1</a:t>
+            </a:r>
+            <a:r>
+              <a:rPr lang="en-US" dirty="0" smtClean="0"/>
+              <a:t>]:</a:t>
+            </a:r>
+            <a:endParaRPr lang="en-US" spc="-1" dirty="0" smtClean="0"/>
           </a:p>
           <a:p>
             <a:pPr marL="742950" lvl="1" indent="-285750">
@@ -15274,16 +15374,12 @@
               </a:tabLst>
             </a:pPr>
             <a:r>
-              <a:rPr lang="en-US" spc="-1" dirty="0"/>
-              <a:t>“</a:t>
-            </a:r>
-            <a:r>
-              <a:rPr lang="en-US" dirty="0"/>
-              <a:t>"As Hudak puts it, “domain-specific languages are the ultimate abstractions.”“” [1]</a:t>
-            </a:r>
-          </a:p>
-          <a:p>
-            <a:pPr marL="285750" indent="-285750">
+              <a:rPr lang="en-US" spc="-1" dirty="0" smtClean="0"/>
+              <a:t>PLT Scheme evolved over the course of 15 years. Was no longer focused only on education</a:t>
+            </a:r>
+          </a:p>
+          <a:p>
+            <a:pPr marL="742950" lvl="1" indent="-285750">
               <a:spcBef>
                 <a:spcPts val="1001"/>
               </a:spcBef>
@@ -15294,12 +15390,16 @@
               </a:tabLst>
             </a:pPr>
             <a:r>
-              <a:rPr lang="en-US" dirty="0"/>
-              <a:t>“By 2010, our dialect of Scheme had evolved so much that we renamed it to Racket  to let the world know that we had something different.” [1]</a:t>
-            </a:r>
-          </a:p>
-          <a:p>
-            <a:pPr marL="285750" indent="-285750">
+              <a:rPr lang="en-US" spc="-1" dirty="0" smtClean="0"/>
+              <a:t>Designers </a:t>
+            </a:r>
+            <a:r>
+              <a:rPr lang="en-US" spc="-1" dirty="0"/>
+              <a:t>recognized the need to be able to represent meta-languages as first class citizens in PLT Scheme </a:t>
+            </a:r>
+          </a:p>
+          <a:p>
+            <a:pPr marL="1200150" lvl="2" indent="-285750">
               <a:spcBef>
                 <a:spcPts val="1001"/>
               </a:spcBef>
@@ -15311,6 +15411,52 @@
             </a:pPr>
             <a:r>
               <a:rPr lang="en-US" spc="-1" dirty="0"/>
+              <a:t>“</a:t>
+            </a:r>
+            <a:r>
+              <a:rPr lang="en-US" dirty="0"/>
+              <a:t>"As Hudak puts it, “domain-specific languages are the ultimate abstractions</a:t>
+            </a:r>
+            <a:r>
+              <a:rPr lang="en-US" dirty="0" smtClean="0"/>
+              <a:t>.”“”</a:t>
+            </a:r>
+            <a:endParaRPr lang="en-US" dirty="0"/>
+          </a:p>
+          <a:p>
+            <a:pPr marL="742950" lvl="1" indent="-285750">
+              <a:spcBef>
+                <a:spcPts val="1001"/>
+              </a:spcBef>
+              <a:buFont typeface="Arial" panose="020B0604020202020204" pitchFamily="34" charset="0"/>
+              <a:buChar char="•"/>
+              <a:tabLst>
+                <a:tab pos="0" algn="l"/>
+              </a:tabLst>
+            </a:pPr>
+            <a:r>
+              <a:rPr lang="en-US" dirty="0"/>
+              <a:t>“By 2010, our dialect of Scheme had evolved so much that we renamed it to Racket  to let the world know that we had something different</a:t>
+            </a:r>
+            <a:r>
+              <a:rPr lang="en-US" dirty="0" smtClean="0"/>
+              <a:t>.”</a:t>
+            </a:r>
+            <a:endParaRPr lang="en-US" dirty="0"/>
+          </a:p>
+          <a:p>
+            <a:pPr marL="742950" lvl="1" indent="-285750">
+              <a:spcBef>
+                <a:spcPts val="1001"/>
+              </a:spcBef>
+              <a:buFont typeface="Arial" panose="020B0604020202020204" pitchFamily="34" charset="0"/>
+              <a:buChar char="•"/>
+              <a:tabLst>
+                <a:tab pos="0" algn="l"/>
+              </a:tabLst>
+            </a:pPr>
+            <a:r>
+              <a:rPr lang="en-US" spc="-1" dirty="0"/>
               <a:t>PLT Scheme was Rebranded to Racket, </a:t>
             </a:r>
             <a:r>
@@ -15319,10 +15465,14 @@
             </a:r>
             <a:r>
               <a:rPr lang="en-US" spc="-1" dirty="0"/>
-              <a:t> was rebranded to </a:t>
-            </a:r>
-            <a:r>
-              <a:rPr lang="en-US" spc="-1" dirty="0" err="1"/>
+              <a:t> was rebranded </a:t>
+            </a:r>
+            <a:r>
+              <a:rPr lang="en-US" spc="-1" dirty="0" smtClean="0"/>
+              <a:t>to </a:t>
+            </a:r>
+            <a:r>
+              <a:rPr lang="en-US" spc="-1" dirty="0" err="1" smtClean="0"/>
               <a:t>DrRacket</a:t>
             </a:r>
             <a:endParaRPr lang="en-US" spc="-1" dirty="0"/>
@@ -15518,6 +15668,10 @@
               </a:rPr>
               <a:t>Racket is a stable programming language that has matured over time</a:t>
             </a:r>
+            <a:r>
+              <a:rPr dirty="0"/>
+              <a:t/>
+            </a:r>
             <a:br>
               <a:rPr dirty="0"/>
             </a:br>
@@ -15531,6 +15685,10 @@
               </a:rPr>
               <a:t> - It is cross-platform</a:t>
             </a:r>
+            <a:r>
+              <a:rPr dirty="0"/>
+              <a:t/>
+            </a:r>
             <a:br>
               <a:rPr dirty="0"/>
             </a:br>
@@ -15544,6 +15702,10 @@
               </a:rPr>
               <a:t>     -	Windows</a:t>
             </a:r>
+            <a:r>
+              <a:rPr dirty="0"/>
+              <a:t/>
+            </a:r>
             <a:br>
               <a:rPr dirty="0"/>
             </a:br>
@@ -15557,6 +15719,10 @@
               </a:rPr>
               <a:t>     -	Linux</a:t>
             </a:r>
+            <a:r>
+              <a:rPr dirty="0"/>
+              <a:t/>
+            </a:r>
             <a:br>
               <a:rPr dirty="0"/>
             </a:br>
@@ -15601,6 +15767,10 @@
               </a:rPr>
               <a:t>Racket contains</a:t>
             </a:r>
+            <a:r>
+              <a:rPr dirty="0"/>
+              <a:t/>
+            </a:r>
             <a:br>
               <a:rPr dirty="0"/>
             </a:br>
@@ -15614,6 +15784,10 @@
               </a:rPr>
               <a:t>  - Package system</a:t>
             </a:r>
+            <a:r>
+              <a:rPr dirty="0"/>
+              <a:t/>
+            </a:r>
             <a:br>
               <a:rPr dirty="0"/>
             </a:br>
@@ -15627,6 +15801,10 @@
               </a:rPr>
               <a:t>    where you can install a package and use the libraries provided</a:t>
             </a:r>
+            <a:r>
+              <a:rPr dirty="0"/>
+              <a:t/>
+            </a:r>
             <a:br>
               <a:rPr dirty="0"/>
             </a:br>
@@ -15639,6 +15817,10 @@
                 <a:ea typeface="DejaVu Sans"/>
               </a:rPr>
               <a:t>  - GUI Framework</a:t>
+            </a:r>
+            <a:r>
+              <a:rPr dirty="0"/>
+              <a:t/>
             </a:r>
             <a:br>
               <a:rPr dirty="0"/>
@@ -15815,6 +15997,9 @@
               </a:rPr>
               <a:t>Racket includes rich set of Libraries</a:t>
             </a:r>
+            <a:r>
+              <a:t/>
+            </a:r>
             <a:br/>
             <a:r>
               <a:rPr lang="en-US" sz="1800" b="0" strike="noStrike" spc="-1">
@@ -15826,6 +16011,9 @@
               </a:rPr>
               <a:t>   - Web Applications</a:t>
             </a:r>
+            <a:r>
+              <a:t/>
+            </a:r>
             <a:br/>
             <a:r>
               <a:rPr lang="en-US" sz="1800" b="0" strike="noStrike" spc="-1">
@@ -15837,6 +16025,9 @@
               </a:rPr>
               <a:t>   - Database</a:t>
             </a:r>
+            <a:r>
+              <a:t/>
+            </a:r>
             <a:br/>
             <a:r>
               <a:rPr lang="en-US" sz="1800" b="0" strike="noStrike" spc="-1">
@@ -15848,6 +16039,9 @@
               </a:rPr>
               <a:t>   - Math &amp; Statistics</a:t>
             </a:r>
+            <a:r>
+              <a:t/>
+            </a:r>
             <a:br/>
             <a:r>
               <a:rPr lang="en-US" sz="1800" b="0" strike="noStrike" spc="-1">
@@ -15858,6 +16052,9 @@
                 <a:ea typeface="DejaVu Sans"/>
               </a:rPr>
               <a:t>   - Network Libraries</a:t>
+            </a:r>
+            <a:r>
+              <a:t/>
             </a:r>
             <a:br/>
             <a:r>
@@ -15917,6 +16114,9 @@
               </a:rPr>
               <a:t>Racket is Extensible &amp; Robust</a:t>
             </a:r>
+            <a:r>
+              <a:t/>
+            </a:r>
             <a:br/>
             <a:r>
               <a:rPr lang="en-US" sz="1800" b="0" strike="noStrike" spc="-1">
@@ -15928,6 +16128,9 @@
               </a:rPr>
               <a:t>   - Powerful Macros</a:t>
             </a:r>
+            <a:r>
+              <a:t/>
+            </a:r>
             <a:br/>
             <a:r>
               <a:rPr lang="en-US" sz="1800" b="0" strike="noStrike" spc="-1">
@@ -15939,6 +16142,9 @@
               </a:rPr>
               <a:t>   - Programmer can make domain-specific Languages or constructs with these macros</a:t>
             </a:r>
+            <a:r>
+              <a:t/>
+            </a:r>
             <a:br/>
             <a:r>
               <a:rPr lang="en-US" sz="1800" b="0" strike="noStrike" spc="-1">
@@ -15950,6 +16156,9 @@
               </a:rPr>
               <a:t>   - Provides a Contract Guide</a:t>
             </a:r>
+            <a:r>
+              <a:t/>
+            </a:r>
             <a:br/>
             <a:r>
               <a:rPr lang="en-US" sz="1800" b="0" strike="noStrike" spc="-1">
@@ -15960,6 +16169,9 @@
                 <a:ea typeface="DejaVu Sans"/>
               </a:rPr>
               <a:t>      * High-Order Contracts</a:t>
+            </a:r>
+            <a:r>
+              <a:t/>
             </a:r>
             <a:br/>
             <a:r>
@@ -16124,6 +16336,9 @@
               </a:rPr>
               <a:t>Racket supports Major Editors</a:t>
             </a:r>
+            <a:r>
+              <a:t/>
+            </a:r>
             <a:br/>
             <a:r>
               <a:rPr lang="en-US" sz="1800" b="0" strike="noStrike" spc="-1">
@@ -16135,6 +16350,9 @@
               </a:rPr>
               <a:t>   - Inspired by other Integrated Development Environments (IDE)</a:t>
             </a:r>
+            <a:r>
+              <a:t/>
+            </a:r>
             <a:br/>
             <a:r>
               <a:rPr lang="en-US" sz="1800" b="0" strike="noStrike" spc="-1">
@@ -16145,6 +16363,9 @@
                 <a:ea typeface="DejaVu Sans"/>
               </a:rPr>
               <a:t>   - VIM</a:t>
+            </a:r>
+            <a:r>
+              <a:t/>
             </a:r>
             <a:br/>
             <a:r>

--- a/CSC201Sec3Proj3Team4.pptx
+++ b/CSC201Sec3Proj3Team4.pptx
@@ -14579,7 +14579,7 @@
                 <a:tab pos="0" algn="l"/>
               </a:tabLst>
             </a:pPr>
-            <a:endParaRPr lang="en-US" sz="1800" b="0" strike="noStrike" spc="-1" dirty="0" smtClean="0">
+            <a:endParaRPr lang="en-US" sz="1800" b="0" strike="noStrike" spc="-1" dirty="0">
               <a:latin typeface="Arial"/>
             </a:endParaRPr>
           </a:p>
@@ -14598,16 +14598,16 @@
               </a:tabLst>
             </a:pPr>
             <a:r>
-              <a:rPr lang="en-US" sz="1800" b="0" strike="noStrike" spc="-1" dirty="0" smtClean="0">
+              <a:rPr lang="en-US" sz="1800" b="0" strike="noStrike" spc="-1" dirty="0">
                 <a:latin typeface="Arial"/>
               </a:rPr>
               <a:t>The Rocket Manifesto</a:t>
             </a:r>
             <a:r>
-              <a:rPr lang="en-US" dirty="0" smtClean="0"/>
+              <a:rPr lang="en-US" dirty="0"/>
               <a:t>[1]:</a:t>
             </a:r>
-            <a:endParaRPr lang="en-US" sz="1800" b="0" strike="noStrike" spc="-1" dirty="0" smtClean="0">
+            <a:endParaRPr lang="en-US" sz="1800" b="0" strike="noStrike" spc="-1" dirty="0">
               <a:latin typeface="Arial"/>
             </a:endParaRPr>
           </a:p>
@@ -14623,23 +14623,17 @@
               </a:tabLst>
             </a:pPr>
             <a:r>
-              <a:rPr lang="en-US" b="0" strike="noStrike" spc="-1" dirty="0" smtClean="0">
-                <a:latin typeface="Arial"/>
-              </a:rPr>
-              <a:t>Traces </a:t>
-            </a:r>
-            <a:r>
               <a:rPr lang="en-US" b="0" strike="noStrike" spc="-1" dirty="0">
                 <a:latin typeface="Arial"/>
               </a:rPr>
-              <a:t>its roots back to the PLT Group, founded by </a:t>
+              <a:t>Traces its roots back to the PLT Group, founded by </a:t>
             </a:r>
             <a:r>
               <a:rPr lang="en-US" dirty="0"/>
               <a:t>Matthias </a:t>
             </a:r>
             <a:r>
-              <a:rPr lang="en-US" dirty="0" err="1" smtClean="0"/>
+              <a:rPr lang="en-US" dirty="0" err="1"/>
               <a:t>Felleisen</a:t>
             </a:r>
             <a:endParaRPr lang="en-US" dirty="0"/>
@@ -14677,17 +14671,8 @@
               <a:rPr lang="en-US" spc="-1" dirty="0">
                 <a:latin typeface="Arial"/>
               </a:rPr>
-              <a:t>Originally offered material using the language “Scheme</a:t>
-            </a:r>
-            <a:r>
-              <a:rPr lang="en-US" spc="-1" dirty="0" smtClean="0">
-                <a:latin typeface="Arial"/>
-              </a:rPr>
-              <a:t>”</a:t>
-            </a:r>
-            <a:endParaRPr lang="en-US" spc="-1" dirty="0">
-              <a:latin typeface="Arial"/>
-            </a:endParaRPr>
+              <a:t>Originally offered material using the language “Scheme”</a:t>
+            </a:r>
           </a:p>
           <a:p>
             <a:pPr marL="742950" lvl="1" indent="-285750">
@@ -14704,17 +14689,8 @@
               <a:rPr lang="en-US" b="0" strike="noStrike" spc="-1" dirty="0">
                 <a:latin typeface="Arial"/>
               </a:rPr>
-              <a:t>PLT quickly identified several </a:t>
-            </a:r>
-            <a:r>
-              <a:rPr lang="en-US" b="0" strike="noStrike" spc="-1" dirty="0" smtClean="0">
-                <a:latin typeface="Arial"/>
-              </a:rPr>
-              <a:t>challenges</a:t>
-            </a:r>
-            <a:endParaRPr lang="en-US" b="0" strike="noStrike" spc="-1" dirty="0">
-              <a:latin typeface="Arial"/>
-            </a:endParaRPr>
+              <a:t>PLT quickly identified several challenges</a:t>
+            </a:r>
           </a:p>
           <a:p>
             <a:pPr marL="1200150" lvl="2" indent="-285750">
@@ -14894,13 +14870,9 @@
             </a:pPr>
             <a:r>
               <a:rPr lang="en-US" dirty="0"/>
-              <a:t>A programmable programming </a:t>
-            </a:r>
-            <a:r>
-              <a:rPr lang="en-US" dirty="0" smtClean="0"/>
-              <a:t>language[2]:</a:t>
-            </a:r>
-            <a:endParaRPr lang="en-US" b="0" strike="noStrike" spc="-1" dirty="0" smtClean="0">
+              <a:t>A programmable programming language[2]:</a:t>
+            </a:r>
+            <a:endParaRPr lang="en-US" b="0" strike="noStrike" spc="-1" dirty="0">
               <a:latin typeface="Arial"/>
             </a:endParaRPr>
           </a:p>
@@ -14916,16 +14888,10 @@
               </a:tabLst>
             </a:pPr>
             <a:r>
-              <a:rPr lang="en-US" b="0" strike="noStrike" spc="-1" dirty="0" smtClean="0">
-                <a:latin typeface="Arial"/>
-              </a:rPr>
-              <a:t>PLT </a:t>
-            </a:r>
-            <a:r>
               <a:rPr lang="en-US" b="0" strike="noStrike" spc="-1" dirty="0">
                 <a:latin typeface="Arial"/>
               </a:rPr>
-              <a:t>began developing its own simplified dialect of Scheme: PLT Scheme</a:t>
+              <a:t>PLT began developing its own simplified dialect of Scheme: PLT Scheme</a:t>
             </a:r>
           </a:p>
           <a:p>
@@ -15084,13 +15050,8 @@
             <a:p>
               <a:r>
                 <a:rPr lang="en-US" sz="1000" dirty="0"/>
-                <a:t>PLT Scheme’s </a:t>
+                <a:t>PLT Scheme’s logo [4]</a:t>
               </a:r>
-              <a:r>
-                <a:rPr lang="en-US" sz="1000" dirty="0" smtClean="0"/>
-                <a:t>logo [4]</a:t>
-              </a:r>
-              <a:endParaRPr lang="en-US" sz="1000" dirty="0"/>
             </a:p>
           </p:txBody>
         </p:sp>
@@ -15183,27 +15144,15 @@
               </a:r>
               <a:r>
                 <a:rPr lang="en-US" sz="1000" dirty="0"/>
-                <a:t> </a:t>
+                <a:t> (</a:t>
+              </a:r>
+              <a:r>
+                <a:rPr lang="en-US" sz="1000" dirty="0" err="1"/>
+                <a:t>Findler</a:t>
               </a:r>
               <a:r>
                 <a:rPr lang="en-US" sz="1000" dirty="0"/>
-                <a:t>(</a:t>
-              </a:r>
-              <a:r>
-                <a:rPr lang="en-US" sz="1000" dirty="0" err="1" smtClean="0"/>
-                <a:t>Findler</a:t>
-              </a:r>
-              <a:r>
-                <a:rPr lang="en-US" sz="1000" dirty="0" smtClean="0"/>
-                <a:t>)[</a:t>
-              </a:r>
-              <a:r>
-                <a:rPr lang="en-US" sz="1000" dirty="0"/>
-                <a:t>3</a:t>
-              </a:r>
-              <a:r>
-                <a:rPr lang="en-US" sz="1000" dirty="0"/>
-                <a:t>]</a:t>
+                <a:t>)[3]</a:t>
               </a:r>
             </a:p>
           </p:txBody>
@@ -15345,22 +15294,14 @@
               </a:tabLst>
             </a:pPr>
             <a:r>
-              <a:rPr lang="en-US" spc="-1" dirty="0" smtClean="0"/>
-              <a:t>The </a:t>
-            </a:r>
-            <a:r>
               <a:rPr lang="en-US" spc="-1" dirty="0"/>
-              <a:t>Rocket Manifesto</a:t>
+              <a:t>The Rocket Manifesto</a:t>
             </a:r>
             <a:r>
               <a:rPr lang="en-US" dirty="0"/>
-              <a:t>[1</a:t>
-            </a:r>
-            <a:r>
-              <a:rPr lang="en-US" dirty="0" smtClean="0"/>
-              <a:t>]:</a:t>
-            </a:r>
-            <a:endParaRPr lang="en-US" spc="-1" dirty="0" smtClean="0"/>
+              <a:t>[1]:</a:t>
+            </a:r>
+            <a:endParaRPr lang="en-US" spc="-1" dirty="0"/>
           </a:p>
           <a:p>
             <a:pPr marL="742950" lvl="1" indent="-285750">
@@ -15374,7 +15315,7 @@
               </a:tabLst>
             </a:pPr>
             <a:r>
-              <a:rPr lang="en-US" spc="-1" dirty="0" smtClean="0"/>
+              <a:rPr lang="en-US" spc="-1" dirty="0"/>
               <a:t>PLT Scheme evolved over the course of 15 years. Was no longer focused only on education</a:t>
             </a:r>
           </a:p>
@@ -15390,12 +15331,8 @@
               </a:tabLst>
             </a:pPr>
             <a:r>
-              <a:rPr lang="en-US" spc="-1" dirty="0" smtClean="0"/>
-              <a:t>Designers </a:t>
-            </a:r>
-            <a:r>
               <a:rPr lang="en-US" spc="-1" dirty="0"/>
-              <a:t>recognized the need to be able to represent meta-languages as first class citizens in PLT Scheme </a:t>
+              <a:t>Designers recognized the need to be able to represent meta-languages as first class citizens in PLT Scheme </a:t>
             </a:r>
           </a:p>
           <a:p>
@@ -15415,13 +15352,8 @@
             </a:r>
             <a:r>
               <a:rPr lang="en-US" dirty="0"/>
-              <a:t>"As Hudak puts it, “domain-specific languages are the ultimate abstractions</a:t>
-            </a:r>
-            <a:r>
-              <a:rPr lang="en-US" dirty="0" smtClean="0"/>
-              <a:t>.”“”</a:t>
-            </a:r>
-            <a:endParaRPr lang="en-US" dirty="0"/>
+              <a:t>"As Hudak puts it, “domain-specific languages are the ultimate abstractions.”“”</a:t>
+            </a:r>
           </a:p>
           <a:p>
             <a:pPr marL="742950" lvl="1" indent="-285750">
@@ -15436,13 +15368,8 @@
             </a:pPr>
             <a:r>
               <a:rPr lang="en-US" dirty="0"/>
-              <a:t>“By 2010, our dialect of Scheme had evolved so much that we renamed it to Racket  to let the world know that we had something different</a:t>
-            </a:r>
-            <a:r>
-              <a:rPr lang="en-US" dirty="0" smtClean="0"/>
-              <a:t>.”</a:t>
-            </a:r>
-            <a:endParaRPr lang="en-US" dirty="0"/>
+              <a:t>“By 2010, our dialect of Scheme had evolved so much that we renamed it to Racket  to let the world know that we had something different.”</a:t>
+            </a:r>
           </a:p>
           <a:p>
             <a:pPr marL="742950" lvl="1" indent="-285750">
@@ -15465,14 +15392,10 @@
             </a:r>
             <a:r>
               <a:rPr lang="en-US" spc="-1" dirty="0"/>
-              <a:t> was rebranded </a:t>
-            </a:r>
-            <a:r>
-              <a:rPr lang="en-US" spc="-1" dirty="0" smtClean="0"/>
-              <a:t>to </a:t>
-            </a:r>
-            <a:r>
-              <a:rPr lang="en-US" spc="-1" dirty="0" err="1" smtClean="0"/>
+              <a:t> was rebranded to </a:t>
+            </a:r>
+            <a:r>
+              <a:rPr lang="en-US" spc="-1" dirty="0" err="1"/>
               <a:t>DrRacket</a:t>
             </a:r>
             <a:endParaRPr lang="en-US" spc="-1" dirty="0"/>
@@ -15518,7 +15441,7 @@
         <p:spPr>
           <a:xfrm>
             <a:off x="1062360" y="159840"/>
-            <a:ext cx="7766280" cy="2382840"/>
+            <a:ext cx="7980040" cy="1410342"/>
           </a:xfrm>
           <a:prstGeom prst="rect">
             <a:avLst/>
@@ -15552,7 +15475,7 @@
               </a:lnSpc>
             </a:pPr>
             <a:r>
-              <a:rPr lang="en-US" sz="5400" b="0" strike="noStrike" spc="-1">
+              <a:rPr lang="en-US" sz="5400" b="0" strike="noStrike" spc="-1" dirty="0">
                 <a:solidFill>
                   <a:srgbClr val="4F81BD"/>
                 </a:solidFill>
@@ -15561,7 +15484,7 @@
               </a:rPr>
               <a:t>Main Characteristics and main Strengths of Racket</a:t>
             </a:r>
-            <a:endParaRPr lang="en-US" sz="5400" b="0" strike="noStrike" spc="-1">
+            <a:endParaRPr lang="en-US" sz="5400" b="0" strike="noStrike" spc="-1" dirty="0">
               <a:latin typeface="Arial"/>
             </a:endParaRPr>
           </a:p>
@@ -15575,8 +15498,8 @@
         </p:nvSpPr>
         <p:spPr>
           <a:xfrm>
-            <a:off x="770040" y="2543040"/>
-            <a:ext cx="8926560" cy="3456000"/>
+            <a:off x="770040" y="1570182"/>
+            <a:ext cx="8926560" cy="5287818"/>
           </a:xfrm>
           <a:prstGeom prst="rect">
             <a:avLst/>
@@ -15616,26 +15539,26 @@
               </a:tabLst>
             </a:pPr>
             <a:r>
-              <a:rPr lang="en-US" sz="1800" b="0" strike="noStrike" spc="-1" dirty="0">
-                <a:solidFill>
-                  <a:srgbClr val="000000"/>
-                </a:solidFill>
+              <a:rPr lang="en-US" spc="-1" dirty="0">
                 <a:latin typeface="Arial"/>
                 <a:ea typeface="DejaVu Sans"/>
               </a:rPr>
-              <a:t>source: </a:t>
-            </a:r>
-            <a:r>
-              <a:rPr lang="en-US" sz="1800" b="0" u="sng" strike="noStrike" spc="-1" dirty="0">
-                <a:solidFill>
-                  <a:srgbClr val="0000FF"/>
-                </a:solidFill>
+              <a:t>“Racket” </a:t>
+            </a:r>
+            <a:r>
+              <a:rPr lang="en-US" sz="1800" b="0" strike="noStrike" spc="-1" dirty="0">
                 <a:uFillTx/>
                 <a:latin typeface="Arial"/>
                 <a:ea typeface="DejaVu Sans"/>
-                <a:hlinkClick r:id="rId2"/>
               </a:rPr>
               <a:t>https://racket-lang.org/</a:t>
+            </a:r>
+            <a:r>
+              <a:rPr lang="en-US" spc="-1" dirty="0">
+                <a:latin typeface="Arial"/>
+                <a:ea typeface="DejaVu Sans"/>
+              </a:rPr>
+              <a:t> (accessed Nov. 24, 2020)</a:t>
             </a:r>
             <a:endParaRPr lang="en-US" sz="1800" b="0" strike="noStrike" spc="-1" dirty="0">
               <a:latin typeface="Arial"/>
@@ -15668,10 +15591,6 @@
               </a:rPr>
               <a:t>Racket is a stable programming language that has matured over time</a:t>
             </a:r>
-            <a:r>
-              <a:rPr dirty="0"/>
-              <a:t/>
-            </a:r>
             <a:br>
               <a:rPr dirty="0"/>
             </a:br>
@@ -15685,10 +15604,6 @@
               </a:rPr>
               <a:t> - It is cross-platform</a:t>
             </a:r>
-            <a:r>
-              <a:rPr dirty="0"/>
-              <a:t/>
-            </a:r>
             <a:br>
               <a:rPr dirty="0"/>
             </a:br>
@@ -15702,10 +15617,6 @@
               </a:rPr>
               <a:t>     -	Windows</a:t>
             </a:r>
-            <a:r>
-              <a:rPr dirty="0"/>
-              <a:t/>
-            </a:r>
             <a:br>
               <a:rPr dirty="0"/>
             </a:br>
@@ -15719,10 +15630,6 @@
               </a:rPr>
               <a:t>     -	Linux</a:t>
             </a:r>
-            <a:r>
-              <a:rPr dirty="0"/>
-              <a:t/>
-            </a:r>
             <a:br>
               <a:rPr dirty="0"/>
             </a:br>
@@ -15767,10 +15674,6 @@
               </a:rPr>
               <a:t>Racket contains</a:t>
             </a:r>
-            <a:r>
-              <a:rPr dirty="0"/>
-              <a:t/>
-            </a:r>
             <a:br>
               <a:rPr dirty="0"/>
             </a:br>
@@ -15784,59 +15687,180 @@
               </a:rPr>
               <a:t>  - Package system</a:t>
             </a:r>
-            <a:r>
-              <a:rPr dirty="0"/>
-              <a:t/>
+          </a:p>
+          <a:p>
+            <a:pPr marL="743040" lvl="1" indent="-285480">
+              <a:spcBef>
+                <a:spcPts val="1001"/>
+              </a:spcBef>
+              <a:buClr>
+                <a:srgbClr val="000000"/>
+              </a:buClr>
+              <a:buFont typeface="Arial"/>
+              <a:buChar char="•"/>
+              <a:tabLst>
+                <a:tab pos="0" algn="l"/>
+              </a:tabLst>
+            </a:pPr>
+            <a:r>
+              <a:rPr lang="en-US" dirty="0"/>
+              <a:t>Racket Package Manager</a:t>
             </a:r>
             <a:br>
               <a:rPr dirty="0"/>
             </a:br>
             <a:r>
-              <a:rPr lang="en-US" sz="1800" b="0" strike="noStrike" spc="-1" dirty="0">
+              <a:rPr lang="en-US" b="0" strike="noStrike" spc="-1" dirty="0">
                 <a:solidFill>
                   <a:srgbClr val="000000"/>
                 </a:solidFill>
                 <a:latin typeface="Arial"/>
                 <a:ea typeface="DejaVu Sans"/>
               </a:rPr>
-              <a:t>    where you can install a package and use the libraries provided</a:t>
-            </a:r>
-            <a:r>
-              <a:rPr dirty="0"/>
-              <a:t/>
-            </a:r>
-            <a:br>
-              <a:rPr dirty="0"/>
-            </a:br>
-            <a:r>
-              <a:rPr lang="en-US" sz="1800" b="0" strike="noStrike" spc="-1" dirty="0">
+              <a:t>    where you can install/update/remove a package and use the libraries provided</a:t>
+            </a:r>
+          </a:p>
+          <a:p>
+            <a:pPr marL="1200240" lvl="2" indent="-285480">
+              <a:spcBef>
+                <a:spcPts val="1001"/>
+              </a:spcBef>
+              <a:buClr>
+                <a:srgbClr val="000000"/>
+              </a:buClr>
+              <a:buFont typeface="Arial"/>
+              <a:buChar char="•"/>
+              <a:tabLst>
+                <a:tab pos="0" algn="l"/>
+              </a:tabLst>
+            </a:pPr>
+            <a:r>
+              <a:rPr lang="en-US" spc="-1" dirty="0" err="1">
                 <a:solidFill>
                   <a:srgbClr val="000000"/>
                 </a:solidFill>
                 <a:latin typeface="Arial"/>
                 <a:ea typeface="DejaVu Sans"/>
               </a:rPr>
-              <a:t>  - GUI Framework</a:t>
-            </a:r>
-            <a:r>
-              <a:rPr dirty="0"/>
-              <a:t/>
-            </a:r>
-            <a:br>
-              <a:rPr dirty="0"/>
-            </a:br>
-            <a:r>
-              <a:rPr lang="en-US" sz="1800" b="0" strike="noStrike" spc="-1" dirty="0">
+              <a:t>raco</a:t>
+            </a:r>
+            <a:r>
+              <a:rPr lang="en-US" spc="-1" dirty="0">
                 <a:solidFill>
                   <a:srgbClr val="000000"/>
                 </a:solidFill>
                 <a:latin typeface="Arial"/>
                 <a:ea typeface="DejaVu Sans"/>
               </a:rPr>
-              <a:t>  - Foreign Interface such as </a:t>
-            </a:r>
-            <a:r>
-              <a:rPr lang="en-US" sz="1800" b="0" strike="noStrike" spc="-1" dirty="0" err="1">
+              <a:t> pkg (</a:t>
+            </a:r>
+            <a:r>
+              <a:rPr lang="en-US" spc="-1" dirty="0" err="1">
+                <a:solidFill>
+                  <a:srgbClr val="000000"/>
+                </a:solidFill>
+                <a:latin typeface="Arial"/>
+                <a:ea typeface="DejaVu Sans"/>
+              </a:rPr>
+              <a:t>raco</a:t>
+            </a:r>
+            <a:r>
+              <a:rPr lang="en-US" spc="-1" dirty="0">
+                <a:solidFill>
+                  <a:srgbClr val="000000"/>
+                </a:solidFill>
+                <a:latin typeface="Arial"/>
+                <a:ea typeface="DejaVu Sans"/>
+              </a:rPr>
+              <a:t> pkg install, </a:t>
+            </a:r>
+            <a:r>
+              <a:rPr lang="en-US" spc="-1" dirty="0" err="1">
+                <a:solidFill>
+                  <a:srgbClr val="000000"/>
+                </a:solidFill>
+                <a:latin typeface="Arial"/>
+                <a:ea typeface="DejaVu Sans"/>
+              </a:rPr>
+              <a:t>raco</a:t>
+            </a:r>
+            <a:r>
+              <a:rPr lang="en-US" spc="-1" dirty="0">
+                <a:solidFill>
+                  <a:srgbClr val="000000"/>
+                </a:solidFill>
+                <a:latin typeface="Arial"/>
+                <a:ea typeface="DejaVu Sans"/>
+              </a:rPr>
+              <a:t> pkg update, </a:t>
+            </a:r>
+            <a:r>
+              <a:rPr lang="en-US" spc="-1" dirty="0" err="1">
+                <a:solidFill>
+                  <a:srgbClr val="000000"/>
+                </a:solidFill>
+                <a:latin typeface="Arial"/>
+                <a:ea typeface="DejaVu Sans"/>
+              </a:rPr>
+              <a:t>raco</a:t>
+            </a:r>
+            <a:r>
+              <a:rPr lang="en-US" spc="-1" dirty="0">
+                <a:solidFill>
+                  <a:srgbClr val="000000"/>
+                </a:solidFill>
+                <a:latin typeface="Arial"/>
+                <a:ea typeface="DejaVu Sans"/>
+              </a:rPr>
+              <a:t> pkg remove)</a:t>
+            </a:r>
+            <a:endParaRPr lang="en-US" b="0" strike="noStrike" spc="-1" dirty="0">
+              <a:solidFill>
+                <a:srgbClr val="000000"/>
+              </a:solidFill>
+              <a:latin typeface="Arial"/>
+              <a:ea typeface="DejaVu Sans"/>
+            </a:endParaRPr>
+          </a:p>
+          <a:p>
+            <a:pPr marL="743310" lvl="1" indent="-285750">
+              <a:spcBef>
+                <a:spcPts val="1001"/>
+              </a:spcBef>
+              <a:buClr>
+                <a:srgbClr val="000000"/>
+              </a:buClr>
+              <a:buFontTx/>
+              <a:buChar char="-"/>
+              <a:tabLst>
+                <a:tab pos="0" algn="l"/>
+              </a:tabLst>
+            </a:pPr>
+            <a:r>
+              <a:rPr lang="en-US" b="0" strike="noStrike" spc="-1" dirty="0">
+                <a:solidFill>
+                  <a:srgbClr val="000000"/>
+                </a:solidFill>
+                <a:latin typeface="Arial"/>
+                <a:ea typeface="DejaVu Sans"/>
+              </a:rPr>
+              <a:t>GUI Framework</a:t>
+            </a:r>
+            <a:br>
+              <a:rPr dirty="0"/>
+            </a:br>
+            <a:r>
+              <a:rPr lang="en-US" b="0" strike="noStrike" spc="-1" dirty="0">
+                <a:solidFill>
+                  <a:srgbClr val="000000"/>
+                </a:solidFill>
+                <a:latin typeface="Arial"/>
+                <a:ea typeface="DejaVu Sans"/>
+              </a:rPr>
+              <a:t>- Foreign Interface such as </a:t>
+            </a:r>
+            <a:r>
+              <a:rPr lang="en-US" b="0" strike="noStrike" spc="-1" dirty="0" err="1">
                 <a:solidFill>
                   <a:srgbClr val="000000"/>
                 </a:solidFill>
@@ -15845,7 +15869,72 @@
               </a:rPr>
               <a:t>Ctype</a:t>
             </a:r>
-            <a:endParaRPr lang="en-US" sz="1800" b="0" strike="noStrike" spc="-1" dirty="0">
+            <a:endParaRPr lang="en-US" b="0" strike="noStrike" spc="-1" dirty="0">
+              <a:solidFill>
+                <a:srgbClr val="000000"/>
+              </a:solidFill>
+              <a:latin typeface="Arial"/>
+              <a:ea typeface="DejaVu Sans"/>
+            </a:endParaRPr>
+          </a:p>
+          <a:p>
+            <a:pPr marL="1200510" lvl="2" indent="-285750">
+              <a:spcBef>
+                <a:spcPts val="1001"/>
+              </a:spcBef>
+              <a:buClr>
+                <a:srgbClr val="000000"/>
+              </a:buClr>
+              <a:buFontTx/>
+              <a:buChar char="-"/>
+              <a:tabLst>
+                <a:tab pos="0" algn="l"/>
+              </a:tabLst>
+            </a:pPr>
+            <a:r>
+              <a:rPr lang="en-US" b="0" strike="noStrike" spc="-1" dirty="0">
+                <a:solidFill>
+                  <a:srgbClr val="000000"/>
+                </a:solidFill>
+                <a:latin typeface="Arial"/>
+                <a:ea typeface="DejaVu Sans"/>
+              </a:rPr>
+              <a:t>The </a:t>
+            </a:r>
+            <a:r>
+              <a:rPr lang="en-US" b="0" strike="noStrike" spc="-1" dirty="0" err="1">
+                <a:solidFill>
+                  <a:srgbClr val="000000"/>
+                </a:solidFill>
+                <a:latin typeface="Arial"/>
+                <a:ea typeface="DejaVu Sans"/>
+              </a:rPr>
+              <a:t>ffi</a:t>
+            </a:r>
+            <a:r>
+              <a:rPr lang="en-US" b="0" strike="noStrike" spc="-1" dirty="0">
+                <a:solidFill>
+                  <a:srgbClr val="000000"/>
+                </a:solidFill>
+                <a:latin typeface="Arial"/>
+                <a:ea typeface="DejaVu Sans"/>
+              </a:rPr>
+              <a:t>/unsafe library enables use of C-based APIs within Racket programs without having to write any new C code. </a:t>
+            </a:r>
+          </a:p>
+          <a:p>
+            <a:pPr marL="457560" lvl="1">
+              <a:spcBef>
+                <a:spcPts val="1001"/>
+              </a:spcBef>
+              <a:buClr>
+                <a:srgbClr val="000000"/>
+              </a:buClr>
+              <a:tabLst>
+                <a:tab pos="0" algn="l"/>
+              </a:tabLst>
+            </a:pPr>
+            <a:endParaRPr lang="en-US" b="0" strike="noStrike" spc="-1" dirty="0">
               <a:latin typeface="Arial"/>
             </a:endParaRPr>
           </a:p>
@@ -15988,7 +16077,7 @@
               </a:tabLst>
             </a:pPr>
             <a:r>
-              <a:rPr lang="en-US" sz="1800" b="0" strike="noStrike" spc="-1">
+              <a:rPr lang="en-US" sz="1800" b="0" strike="noStrike" spc="-1" dirty="0">
                 <a:solidFill>
                   <a:srgbClr val="000000"/>
                 </a:solidFill>
@@ -15997,12 +16086,11 @@
               </a:rPr>
               <a:t>Racket includes rich set of Libraries</a:t>
             </a:r>
-            <a:r>
-              <a:t/>
-            </a:r>
-            <a:br/>
-            <a:r>
-              <a:rPr lang="en-US" sz="1800" b="0" strike="noStrike" spc="-1">
+            <a:br>
+              <a:rPr dirty="0"/>
+            </a:br>
+            <a:r>
+              <a:rPr lang="en-US" sz="1800" b="0" strike="noStrike" spc="-1" dirty="0">
                 <a:solidFill>
                   <a:srgbClr val="000000"/>
                 </a:solidFill>
@@ -16011,12 +16099,11 @@
               </a:rPr>
               <a:t>   - Web Applications</a:t>
             </a:r>
-            <a:r>
-              <a:t/>
-            </a:r>
-            <a:br/>
-            <a:r>
-              <a:rPr lang="en-US" sz="1800" b="0" strike="noStrike" spc="-1">
+            <a:br>
+              <a:rPr dirty="0"/>
+            </a:br>
+            <a:r>
+              <a:rPr lang="en-US" sz="1800" b="0" strike="noStrike" spc="-1" dirty="0">
                 <a:solidFill>
                   <a:srgbClr val="000000"/>
                 </a:solidFill>
@@ -16025,12 +16112,11 @@
               </a:rPr>
               <a:t>   - Database</a:t>
             </a:r>
-            <a:r>
-              <a:t/>
-            </a:r>
-            <a:br/>
-            <a:r>
-              <a:rPr lang="en-US" sz="1800" b="0" strike="noStrike" spc="-1">
+            <a:br>
+              <a:rPr dirty="0"/>
+            </a:br>
+            <a:r>
+              <a:rPr lang="en-US" sz="1800" b="0" strike="noStrike" spc="-1" dirty="0">
                 <a:solidFill>
                   <a:srgbClr val="000000"/>
                 </a:solidFill>
@@ -16039,12 +16125,11 @@
               </a:rPr>
               <a:t>   - Math &amp; Statistics</a:t>
             </a:r>
-            <a:r>
-              <a:t/>
-            </a:r>
-            <a:br/>
-            <a:r>
-              <a:rPr lang="en-US" sz="1800" b="0" strike="noStrike" spc="-1">
+            <a:br>
+              <a:rPr dirty="0"/>
+            </a:br>
+            <a:r>
+              <a:rPr lang="en-US" sz="1800" b="0" strike="noStrike" spc="-1" dirty="0">
                 <a:solidFill>
                   <a:srgbClr val="000000"/>
                 </a:solidFill>
@@ -16053,12 +16138,11 @@
               </a:rPr>
               <a:t>   - Network Libraries</a:t>
             </a:r>
-            <a:r>
-              <a:t/>
-            </a:r>
-            <a:br/>
-            <a:r>
-              <a:rPr lang="en-US" sz="1800" b="0" strike="noStrike" spc="-1">
+            <a:br>
+              <a:rPr dirty="0"/>
+            </a:br>
+            <a:r>
+              <a:rPr lang="en-US" sz="1800" b="0" strike="noStrike" spc="-1" dirty="0">
                 <a:solidFill>
                   <a:srgbClr val="000000"/>
                 </a:solidFill>
@@ -16067,7 +16151,7 @@
               </a:rPr>
               <a:t>   - Parsing Libraries</a:t>
             </a:r>
-            <a:endParaRPr lang="en-US" sz="1800" b="0" strike="noStrike" spc="-1">
+            <a:endParaRPr lang="en-US" sz="1800" b="0" strike="noStrike" spc="-1" dirty="0">
               <a:latin typeface="Arial"/>
             </a:endParaRPr>
           </a:p>
@@ -16083,7 +16167,7 @@
                 <a:tab pos="0" algn="l"/>
               </a:tabLst>
             </a:pPr>
-            <a:endParaRPr lang="en-US" sz="1800" b="0" strike="noStrike" spc="-1">
+            <a:endParaRPr lang="en-US" sz="1800" b="0" strike="noStrike" spc="-1" dirty="0">
               <a:latin typeface="Arial"/>
             </a:endParaRPr>
           </a:p>
@@ -16105,7 +16189,7 @@
               </a:tabLst>
             </a:pPr>
             <a:r>
-              <a:rPr lang="en-US" sz="1800" b="0" strike="noStrike" spc="-1">
+              <a:rPr lang="en-US" sz="1800" b="0" strike="noStrike" spc="-1" dirty="0">
                 <a:solidFill>
                   <a:srgbClr val="000000"/>
                 </a:solidFill>
@@ -16114,26 +16198,24 @@
               </a:rPr>
               <a:t>Racket is Extensible &amp; Robust</a:t>
             </a:r>
-            <a:r>
-              <a:t/>
-            </a:r>
-            <a:br/>
-            <a:r>
-              <a:rPr lang="en-US" sz="1800" b="0" strike="noStrike" spc="-1">
+            <a:br>
+              <a:rPr dirty="0"/>
+            </a:br>
+            <a:r>
+              <a:rPr lang="en-US" sz="1800" b="0" strike="noStrike" spc="-1" dirty="0">
                 <a:solidFill>
                   <a:srgbClr val="000000"/>
                 </a:solidFill>
                 <a:latin typeface="Arial"/>
                 <a:ea typeface="DejaVu Sans"/>
               </a:rPr>
-              <a:t>   - Powerful Macros</a:t>
-            </a:r>
-            <a:r>
-              <a:t/>
-            </a:r>
-            <a:br/>
-            <a:r>
-              <a:rPr lang="en-US" sz="1800" b="0" strike="noStrike" spc="-1">
+              <a:t>   - Powerful Macros (Little and Big Macros)</a:t>
+            </a:r>
+            <a:br>
+              <a:rPr dirty="0"/>
+            </a:br>
+            <a:r>
+              <a:rPr lang="en-US" sz="1800" b="0" strike="noStrike" spc="-1" dirty="0">
                 <a:solidFill>
                   <a:srgbClr val="000000"/>
                 </a:solidFill>
@@ -16142,12 +16224,11 @@
               </a:rPr>
               <a:t>   - Programmer can make domain-specific Languages or constructs with these macros</a:t>
             </a:r>
-            <a:r>
-              <a:t/>
-            </a:r>
-            <a:br/>
-            <a:r>
-              <a:rPr lang="en-US" sz="1800" b="0" strike="noStrike" spc="-1">
+            <a:br>
+              <a:rPr dirty="0"/>
+            </a:br>
+            <a:r>
+              <a:rPr lang="en-US" sz="1800" b="0" strike="noStrike" spc="-1" dirty="0">
                 <a:solidFill>
                   <a:srgbClr val="000000"/>
                 </a:solidFill>
@@ -16156,12 +16237,11 @@
               </a:rPr>
               <a:t>   - Provides a Contract Guide</a:t>
             </a:r>
-            <a:r>
-              <a:t/>
-            </a:r>
-            <a:br/>
-            <a:r>
-              <a:rPr lang="en-US" sz="1800" b="0" strike="noStrike" spc="-1">
+            <a:br>
+              <a:rPr dirty="0"/>
+            </a:br>
+            <a:r>
+              <a:rPr lang="en-US" sz="1800" b="0" strike="noStrike" spc="-1" dirty="0">
                 <a:solidFill>
                   <a:srgbClr val="000000"/>
                 </a:solidFill>
@@ -16170,12 +16250,11 @@
               </a:rPr>
               <a:t>      * High-Order Contracts</a:t>
             </a:r>
-            <a:r>
-              <a:t/>
-            </a:r>
-            <a:br/>
-            <a:r>
-              <a:rPr lang="en-US" sz="1800" b="0" strike="noStrike" spc="-1">
+            <a:br>
+              <a:rPr dirty="0"/>
+            </a:br>
+            <a:r>
+              <a:rPr lang="en-US" sz="1800" b="0" strike="noStrike" spc="-1" dirty="0">
                 <a:solidFill>
                   <a:srgbClr val="000000"/>
                 </a:solidFill>
@@ -16184,7 +16263,7 @@
               </a:rPr>
               <a:t>      * The Typed Contract Guide</a:t>
             </a:r>
-            <a:endParaRPr lang="en-US" sz="1800" b="0" strike="noStrike" spc="-1">
+            <a:endParaRPr lang="en-US" sz="1800" b="0" strike="noStrike" spc="-1" dirty="0">
               <a:latin typeface="Arial"/>
             </a:endParaRPr>
           </a:p>
@@ -16258,7 +16337,7 @@
               </a:lnSpc>
             </a:pPr>
             <a:r>
-              <a:rPr lang="en-US" sz="5400" b="0" strike="noStrike" spc="-1">
+              <a:rPr lang="en-US" sz="5400" b="0" strike="noStrike" spc="-1" dirty="0">
                 <a:solidFill>
                   <a:srgbClr val="4F81BD"/>
                 </a:solidFill>
@@ -16267,7 +16346,7 @@
               </a:rPr>
               <a:t>Main Characteristics and main Strengths of Racket</a:t>
             </a:r>
-            <a:endParaRPr lang="en-US" sz="5400" b="0" strike="noStrike" spc="-1">
+            <a:endParaRPr lang="en-US" sz="5400" b="0" strike="noStrike" spc="-1" dirty="0">
               <a:latin typeface="Arial"/>
             </a:endParaRPr>
           </a:p>
@@ -16282,7 +16361,7 @@
         <p:spPr>
           <a:xfrm>
             <a:off x="770040" y="2890080"/>
-            <a:ext cx="8926560" cy="3108960"/>
+            <a:ext cx="8926560" cy="3658502"/>
           </a:xfrm>
           <a:prstGeom prst="rect">
             <a:avLst/>
@@ -16306,7 +16385,7 @@
         </p:style>
         <p:txBody>
           <a:bodyPr lIns="90000" tIns="45000" rIns="90000" bIns="45000">
-            <a:normAutofit/>
+            <a:normAutofit fontScale="92500" lnSpcReduction="20000"/>
           </a:bodyPr>
           <a:lstStyle/>
           <a:p>
@@ -16327,7 +16406,7 @@
               </a:tabLst>
             </a:pPr>
             <a:r>
-              <a:rPr lang="en-US" sz="1800" b="0" strike="noStrike" spc="-1">
+              <a:rPr lang="en-US" sz="1800" b="0" strike="noStrike" spc="-1" dirty="0">
                 <a:solidFill>
                   <a:srgbClr val="000000"/>
                 </a:solidFill>
@@ -16336,49 +16415,294 @@
               </a:rPr>
               <a:t>Racket supports Major Editors</a:t>
             </a:r>
-            <a:r>
-              <a:t/>
-            </a:r>
-            <a:br/>
-            <a:r>
-              <a:rPr lang="en-US" sz="1800" b="0" strike="noStrike" spc="-1">
+          </a:p>
+          <a:p>
+            <a:pPr marL="743040" lvl="1" indent="-285480">
+              <a:spcBef>
+                <a:spcPts val="1001"/>
+              </a:spcBef>
+              <a:buClr>
+                <a:srgbClr val="000000"/>
+              </a:buClr>
+              <a:buFont typeface="Arial"/>
+              <a:buChar char="•"/>
+              <a:tabLst>
+                <a:tab pos="0" algn="l"/>
+              </a:tabLst>
+            </a:pPr>
+            <a:r>
+              <a:rPr lang="en-US" b="0" strike="noStrike" spc="-1" dirty="0">
                 <a:solidFill>
                   <a:srgbClr val="000000"/>
                 </a:solidFill>
                 <a:latin typeface="Arial"/>
                 <a:ea typeface="DejaVu Sans"/>
               </a:rPr>
-              <a:t>   - Inspired by other Integrated Development Environments (IDE)</a:t>
-            </a:r>
-            <a:r>
-              <a:t/>
-            </a:r>
-            <a:br/>
-            <a:r>
-              <a:rPr lang="en-US" sz="1800" b="0" strike="noStrike" spc="-1">
+              <a:t>VIM Integration</a:t>
+            </a:r>
+          </a:p>
+          <a:p>
+            <a:pPr marL="743040" lvl="1" indent="-285480">
+              <a:spcBef>
+                <a:spcPts val="1001"/>
+              </a:spcBef>
+              <a:buClr>
+                <a:srgbClr val="000000"/>
+              </a:buClr>
+              <a:buFont typeface="Arial"/>
+              <a:buChar char="•"/>
+              <a:tabLst>
+                <a:tab pos="0" algn="l"/>
+              </a:tabLst>
+            </a:pPr>
+            <a:r>
+              <a:rPr lang="en-US" b="0" strike="noStrike" spc="-1" dirty="0">
                 <a:solidFill>
                   <a:srgbClr val="000000"/>
                 </a:solidFill>
                 <a:latin typeface="Arial"/>
                 <a:ea typeface="DejaVu Sans"/>
               </a:rPr>
-              <a:t>   - VIM</a:t>
-            </a:r>
-            <a:r>
-              <a:t/>
-            </a:r>
-            <a:br/>
-            <a:r>
-              <a:rPr lang="en-US" sz="1800" b="0" strike="noStrike" spc="-1">
+              <a:t>EMACS Integration</a:t>
+            </a:r>
+          </a:p>
+          <a:p>
+            <a:pPr marL="285840" indent="-285480">
+              <a:spcBef>
+                <a:spcPts val="1001"/>
+              </a:spcBef>
+              <a:buClr>
+                <a:srgbClr val="000000"/>
+              </a:buClr>
+              <a:buFont typeface="Arial"/>
+              <a:buChar char="•"/>
+              <a:tabLst>
+                <a:tab pos="0" algn="l"/>
+              </a:tabLst>
+            </a:pPr>
+            <a:r>
+              <a:rPr lang="en-US" spc="-1" dirty="0">
                 <a:solidFill>
                   <a:srgbClr val="000000"/>
                 </a:solidFill>
-                <a:latin typeface="Arial"/>
-                <a:ea typeface="DejaVu Sans"/>
               </a:rPr>
-              <a:t>   - EMACS</a:t>
-            </a:r>
-            <a:endParaRPr lang="en-US" sz="1800" b="0" strike="noStrike" spc="-1">
+              <a:t>Inspired by other Integrated Development Environments (IDE)</a:t>
+            </a:r>
+          </a:p>
+          <a:p>
+            <a:pPr marL="743040" lvl="1" indent="-285480">
+              <a:spcBef>
+                <a:spcPts val="1001"/>
+              </a:spcBef>
+              <a:buClr>
+                <a:srgbClr val="000000"/>
+              </a:buClr>
+              <a:buFont typeface="Arial"/>
+              <a:buChar char="•"/>
+              <a:tabLst>
+                <a:tab pos="0" algn="l"/>
+              </a:tabLst>
+            </a:pPr>
+            <a:r>
+              <a:rPr lang="en-US" spc="-1" dirty="0">
+                <a:solidFill>
+                  <a:srgbClr val="000000"/>
+                </a:solidFill>
+              </a:rPr>
+              <a:t>It comes with its own IDE, Dr. Racket.</a:t>
+            </a:r>
+          </a:p>
+          <a:p>
+            <a:pPr marL="285840" indent="-285480">
+              <a:spcBef>
+                <a:spcPts val="1001"/>
+              </a:spcBef>
+              <a:buClr>
+                <a:srgbClr val="000000"/>
+              </a:buClr>
+              <a:buFont typeface="Arial"/>
+              <a:buChar char="•"/>
+              <a:tabLst>
+                <a:tab pos="0" algn="l"/>
+              </a:tabLst>
+            </a:pPr>
+            <a:r>
+              <a:rPr lang="en-US" spc="-1" dirty="0">
+                <a:solidFill>
+                  <a:srgbClr val="000000"/>
+                </a:solidFill>
+              </a:rPr>
+              <a:t>Racket Community</a:t>
+            </a:r>
+          </a:p>
+          <a:p>
+            <a:pPr marL="743040" lvl="1" indent="-285480">
+              <a:spcBef>
+                <a:spcPts val="1001"/>
+              </a:spcBef>
+              <a:buClr>
+                <a:srgbClr val="000000"/>
+              </a:buClr>
+              <a:buFont typeface="Arial"/>
+              <a:buChar char="•"/>
+              <a:tabLst>
+                <a:tab pos="0" algn="l"/>
+              </a:tabLst>
+            </a:pPr>
+            <a:r>
+              <a:rPr lang="en-US" spc="-1" dirty="0" err="1">
+                <a:solidFill>
+                  <a:srgbClr val="000000"/>
+                </a:solidFill>
+              </a:rPr>
+              <a:t>Github</a:t>
+            </a:r>
+            <a:endParaRPr lang="en-US" spc="-1" dirty="0">
+              <a:solidFill>
+                <a:srgbClr val="000000"/>
+              </a:solidFill>
+            </a:endParaRPr>
+          </a:p>
+          <a:p>
+            <a:pPr marL="1200240" lvl="2" indent="-285480">
+              <a:spcBef>
+                <a:spcPts val="1001"/>
+              </a:spcBef>
+              <a:buClr>
+                <a:srgbClr val="000000"/>
+              </a:buClr>
+              <a:buFont typeface="Arial"/>
+              <a:buChar char="•"/>
+              <a:tabLst>
+                <a:tab pos="0" algn="l"/>
+              </a:tabLst>
+            </a:pPr>
+            <a:r>
+              <a:rPr lang="en-US" spc="-1" dirty="0">
+                <a:solidFill>
+                  <a:srgbClr val="000000"/>
+                </a:solidFill>
+              </a:rPr>
+              <a:t>Continued Racket development via </a:t>
+            </a:r>
+            <a:r>
+              <a:rPr lang="en-US" spc="-1" dirty="0" err="1">
+                <a:solidFill>
+                  <a:srgbClr val="000000"/>
+                </a:solidFill>
+              </a:rPr>
+              <a:t>Github</a:t>
+            </a:r>
+            <a:endParaRPr lang="en-US" spc="-1" dirty="0">
+              <a:solidFill>
+                <a:srgbClr val="000000"/>
+              </a:solidFill>
+            </a:endParaRPr>
+          </a:p>
+          <a:p>
+            <a:pPr marL="1657440" lvl="3" indent="-285480">
+              <a:spcBef>
+                <a:spcPts val="1001"/>
+              </a:spcBef>
+              <a:buClr>
+                <a:srgbClr val="000000"/>
+              </a:buClr>
+              <a:buFont typeface="Arial"/>
+              <a:buChar char="•"/>
+              <a:tabLst>
+                <a:tab pos="0" algn="l"/>
+              </a:tabLst>
+            </a:pPr>
+            <a:r>
+              <a:rPr lang="en-US" spc="-1" dirty="0">
+                <a:solidFill>
+                  <a:srgbClr val="000000"/>
+                </a:solidFill>
+              </a:rPr>
+              <a:t>Issues, Bugs etc.</a:t>
+            </a:r>
+          </a:p>
+          <a:p>
+            <a:pPr marL="743040" lvl="1" indent="-285480">
+              <a:spcBef>
+                <a:spcPts val="1001"/>
+              </a:spcBef>
+              <a:buClr>
+                <a:srgbClr val="000000"/>
+              </a:buClr>
+              <a:buFont typeface="Arial"/>
+              <a:buChar char="•"/>
+              <a:tabLst>
+                <a:tab pos="0" algn="l"/>
+              </a:tabLst>
+            </a:pPr>
+            <a:r>
+              <a:rPr lang="en-US" spc="-1" dirty="0">
+                <a:solidFill>
+                  <a:srgbClr val="000000"/>
+                </a:solidFill>
+              </a:rPr>
+              <a:t>Mailing Community</a:t>
+            </a:r>
+          </a:p>
+          <a:p>
+            <a:pPr marL="743040" lvl="1" indent="-285480">
+              <a:spcBef>
+                <a:spcPts val="1001"/>
+              </a:spcBef>
+              <a:buClr>
+                <a:srgbClr val="000000"/>
+              </a:buClr>
+              <a:buFont typeface="Arial"/>
+              <a:buChar char="•"/>
+              <a:tabLst>
+                <a:tab pos="0" algn="l"/>
+              </a:tabLst>
+            </a:pPr>
+            <a:r>
+              <a:rPr lang="en-US" spc="-1" dirty="0">
+                <a:solidFill>
+                  <a:srgbClr val="000000"/>
+                </a:solidFill>
+              </a:rPr>
+              <a:t>Twitter</a:t>
+            </a:r>
+          </a:p>
+          <a:p>
+            <a:pPr marL="1200240" lvl="2" indent="-285480">
+              <a:spcBef>
+                <a:spcPts val="1001"/>
+              </a:spcBef>
+              <a:buClr>
+                <a:srgbClr val="000000"/>
+              </a:buClr>
+              <a:buFont typeface="Arial"/>
+              <a:buChar char="•"/>
+              <a:tabLst>
+                <a:tab pos="0" algn="l"/>
+              </a:tabLst>
+            </a:pPr>
+            <a:endParaRPr lang="en-US" spc="-1" dirty="0">
+              <a:solidFill>
+                <a:srgbClr val="000000"/>
+              </a:solidFill>
+            </a:endParaRPr>
+          </a:p>
+          <a:p>
+            <a:pPr marL="743040" lvl="1" indent="-285480">
+              <a:spcBef>
+                <a:spcPts val="1001"/>
+              </a:spcBef>
+              <a:buClr>
+                <a:srgbClr val="000000"/>
+              </a:buClr>
+              <a:buFont typeface="Arial"/>
+              <a:buChar char="•"/>
+              <a:tabLst>
+                <a:tab pos="0" algn="l"/>
+              </a:tabLst>
+            </a:pPr>
+            <a:endParaRPr lang="en-US" b="0" strike="noStrike" spc="-1" dirty="0">
               <a:latin typeface="Arial"/>
             </a:endParaRPr>
           </a:p>

--- a/CSC201Sec3Proj3Team4.pptx
+++ b/CSC201Sec3Proj3Team4.pptx
@@ -15,15 +15,16 @@
     <p:sldId id="257" r:id="rId9"/>
     <p:sldId id="258" r:id="rId10"/>
     <p:sldId id="259" r:id="rId11"/>
-    <p:sldId id="260" r:id="rId12"/>
-    <p:sldId id="261" r:id="rId13"/>
-    <p:sldId id="262" r:id="rId14"/>
-    <p:sldId id="263" r:id="rId15"/>
-    <p:sldId id="266" r:id="rId16"/>
-    <p:sldId id="267" r:id="rId17"/>
-    <p:sldId id="264" r:id="rId18"/>
-    <p:sldId id="265" r:id="rId19"/>
-    <p:sldId id="271" r:id="rId20"/>
+    <p:sldId id="272" r:id="rId12"/>
+    <p:sldId id="260" r:id="rId13"/>
+    <p:sldId id="261" r:id="rId14"/>
+    <p:sldId id="262" r:id="rId15"/>
+    <p:sldId id="263" r:id="rId16"/>
+    <p:sldId id="266" r:id="rId17"/>
+    <p:sldId id="267" r:id="rId18"/>
+    <p:sldId id="264" r:id="rId19"/>
+    <p:sldId id="265" r:id="rId20"/>
+    <p:sldId id="271" r:id="rId21"/>
   </p:sldIdLst>
   <p:sldSz cx="12192000" cy="6858000"/>
   <p:notesSz cx="7772400" cy="10058400"/>
@@ -13174,7 +13175,7 @@
       </p:grpSpPr>
       <p:sp>
         <p:nvSpPr>
-          <p:cNvPr id="252" name="TextShape 1"/>
+          <p:cNvPr id="250" name="TextShape 1"/>
           <p:cNvSpPr txBox="1"/>
           <p:nvPr/>
         </p:nvSpPr>
@@ -13210,7 +13211,7 @@
                 <a:latin typeface="Trebuchet MS"/>
                 <a:ea typeface="DejaVu Sans"/>
               </a:rPr>
-              <a:t>Racket Applications: Fractalide</a:t>
+              <a:t>Racket Applications: Hackett</a:t>
             </a:r>
             <a:endParaRPr lang="en-US" sz="5400" b="0" strike="noStrike" spc="-1">
               <a:solidFill>
@@ -13223,7 +13224,7 @@
       </p:sp>
       <p:sp>
         <p:nvSpPr>
-          <p:cNvPr id="253" name="TextShape 2"/>
+          <p:cNvPr id="251" name="TextShape 2"/>
           <p:cNvSpPr txBox="1"/>
           <p:nvPr/>
         </p:nvSpPr>
@@ -13258,85 +13259,76 @@
               <a:buChar char=""/>
             </a:pPr>
             <a:r>
-              <a:rPr lang="en-US" sz="2800" b="0" strike="noStrike" spc="-1" dirty="0" err="1">
+              <a:rPr lang="en-US" sz="2800" b="0" strike="noStrike" spc="-1">
                 <a:solidFill>
                   <a:srgbClr val="000000"/>
                 </a:solidFill>
                 <a:latin typeface="Arial"/>
               </a:rPr>
-              <a:t>Fractalide</a:t>
-            </a:r>
-            <a:r>
-              <a:rPr lang="en-US" sz="2800" b="0" strike="noStrike" spc="-1" dirty="0">
+              <a:t>Hackett is a language similar to haskell written in Racket</a:t>
+            </a:r>
+          </a:p>
+          <a:p>
+            <a:pPr marL="432000" indent="-324000">
+              <a:spcBef>
+                <a:spcPts val="1417"/>
+              </a:spcBef>
+              <a:buClr>
+                <a:srgbClr val="000000"/>
+              </a:buClr>
+              <a:buSzPct val="45000"/>
+              <a:buFont typeface="Wingdings" charset="2"/>
+              <a:buChar char=""/>
+            </a:pPr>
+            <a:r>
+              <a:rPr lang="en-US" sz="2800" b="0" strike="noStrike" spc="-1">
                 <a:solidFill>
                   <a:srgbClr val="000000"/>
                 </a:solidFill>
                 <a:latin typeface="Arial"/>
               </a:rPr>
-              <a:t> is another open-source programming language written in Racket</a:t>
-            </a:r>
-          </a:p>
-          <a:p>
-            <a:pPr marL="432000" indent="-324000">
-              <a:spcBef>
-                <a:spcPts val="1417"/>
-              </a:spcBef>
-              <a:buClr>
-                <a:srgbClr val="000000"/>
-              </a:buClr>
-              <a:buSzPct val="45000"/>
-              <a:buFont typeface="Wingdings" charset="2"/>
-              <a:buChar char=""/>
-            </a:pPr>
-            <a:r>
-              <a:rPr lang="en-US" sz="2800" b="0" strike="noStrike" spc="-1" dirty="0">
-                <a:solidFill>
-                  <a:srgbClr val="000000"/>
-                </a:solidFill>
-                <a:latin typeface="Arial"/>
-              </a:rPr>
-              <a:t>An interesting approach to designing a programming language which utilizes graphs as the basic language concepts</a:t>
-            </a:r>
-          </a:p>
-          <a:p>
-            <a:pPr marL="432000" indent="-324000">
-              <a:spcBef>
-                <a:spcPts val="1417"/>
-              </a:spcBef>
-              <a:buClr>
-                <a:srgbClr val="000000"/>
-              </a:buClr>
-              <a:buSzPct val="45000"/>
-              <a:buFont typeface="Wingdings" charset="2"/>
-              <a:buChar char=""/>
-            </a:pPr>
-            <a:r>
-              <a:rPr lang="en-US" sz="2800" b="0" strike="noStrike" spc="-1" dirty="0">
-                <a:solidFill>
-                  <a:srgbClr val="000000"/>
-                </a:solidFill>
-                <a:latin typeface="Arial"/>
-              </a:rPr>
-              <a:t> </a:t>
-            </a:r>
-            <a:r>
-              <a:rPr lang="en-US" sz="2800" b="0" strike="noStrike" spc="-1" dirty="0">
+              <a:t>Hackett is a statically typed, pure, lazy, functional programming language in the Racket language ecosystem [</a:t>
+            </a:r>
+            <a:r>
+              <a:rPr lang="en-US" sz="2800" b="0" strike="noStrike" spc="-1">
                 <a:solidFill>
                   <a:srgbClr val="000000"/>
                 </a:solidFill>
                 <a:latin typeface="Arial"/>
                 <a:hlinkClick r:id="rId2"/>
               </a:rPr>
-              <a:t>https://github.com/fractalide/fractalide</a:t>
-            </a:r>
-            <a:r>
-              <a:rPr lang="en-US" sz="2800" b="0" strike="noStrike" spc="-1" dirty="0">
+              <a:t>https://lexi-lambda.github.io/hackett/</a:t>
+            </a:r>
+            <a:r>
+              <a:rPr lang="en-US" sz="2800" b="0" strike="noStrike" spc="-1">
                 <a:solidFill>
                   <a:srgbClr val="000000"/>
                 </a:solidFill>
                 <a:latin typeface="Arial"/>
               </a:rPr>
-              <a:t> </a:t>
+              <a:t>]</a:t>
+            </a:r>
+          </a:p>
+          <a:p>
+            <a:pPr marL="432000" indent="-324000">
+              <a:spcBef>
+                <a:spcPts val="1417"/>
+              </a:spcBef>
+              <a:buClr>
+                <a:srgbClr val="000000"/>
+              </a:buClr>
+              <a:buSzPct val="45000"/>
+              <a:buFont typeface="Wingdings" charset="2"/>
+              <a:buChar char=""/>
+            </a:pPr>
+            <a:r>
+              <a:rPr lang="en-US" sz="2800" b="0" strike="noStrike" spc="-1">
+                <a:solidFill>
+                  <a:srgbClr val="000000"/>
+                </a:solidFill>
+                <a:latin typeface="Arial"/>
+              </a:rPr>
+              <a:t>Project repo (which includes a demo) https://github.com/lexi-lambda/hackett</a:t>
             </a:r>
           </a:p>
         </p:txBody>
@@ -13368,7 +13360,7 @@
       </p:grpSpPr>
       <p:sp>
         <p:nvSpPr>
-          <p:cNvPr id="254" name="TextShape 1"/>
+          <p:cNvPr id="252" name="TextShape 1"/>
           <p:cNvSpPr txBox="1"/>
           <p:nvPr/>
         </p:nvSpPr>
@@ -13404,6 +13396,200 @@
                 <a:latin typeface="Trebuchet MS"/>
                 <a:ea typeface="DejaVu Sans"/>
               </a:rPr>
+              <a:t>Racket Applications: Fractalide</a:t>
+            </a:r>
+            <a:endParaRPr lang="en-US" sz="5400" b="0" strike="noStrike" spc="-1">
+              <a:solidFill>
+                <a:srgbClr val="000000"/>
+              </a:solidFill>
+              <a:latin typeface="Arial"/>
+            </a:endParaRPr>
+          </a:p>
+        </p:txBody>
+      </p:sp>
+      <p:sp>
+        <p:nvSpPr>
+          <p:cNvPr id="253" name="TextShape 2"/>
+          <p:cNvSpPr txBox="1"/>
+          <p:nvPr/>
+        </p:nvSpPr>
+        <p:spPr>
+          <a:xfrm>
+            <a:off x="457560" y="2057760"/>
+            <a:ext cx="10972440" cy="3977280"/>
+          </a:xfrm>
+          <a:prstGeom prst="rect">
+            <a:avLst/>
+          </a:prstGeom>
+          <a:noFill/>
+          <a:ln>
+            <a:noFill/>
+          </a:ln>
+        </p:spPr>
+        <p:txBody>
+          <a:bodyPr lIns="0" tIns="0" rIns="0" bIns="0">
+            <a:normAutofit/>
+          </a:bodyPr>
+          <a:lstStyle/>
+          <a:p>
+            <a:pPr marL="432000" indent="-324000">
+              <a:spcBef>
+                <a:spcPts val="1417"/>
+              </a:spcBef>
+              <a:buClr>
+                <a:srgbClr val="000000"/>
+              </a:buClr>
+              <a:buSzPct val="45000"/>
+              <a:buFont typeface="Wingdings" charset="2"/>
+              <a:buChar char=""/>
+            </a:pPr>
+            <a:r>
+              <a:rPr lang="en-US" sz="2800" b="0" strike="noStrike" spc="-1" dirty="0" err="1">
+                <a:solidFill>
+                  <a:srgbClr val="000000"/>
+                </a:solidFill>
+                <a:latin typeface="Arial"/>
+              </a:rPr>
+              <a:t>Fractalide</a:t>
+            </a:r>
+            <a:r>
+              <a:rPr lang="en-US" sz="2800" b="0" strike="noStrike" spc="-1" dirty="0">
+                <a:solidFill>
+                  <a:srgbClr val="000000"/>
+                </a:solidFill>
+                <a:latin typeface="Arial"/>
+              </a:rPr>
+              <a:t> is another open-source programming language written in Racket</a:t>
+            </a:r>
+          </a:p>
+          <a:p>
+            <a:pPr marL="432000" indent="-324000">
+              <a:spcBef>
+                <a:spcPts val="1417"/>
+              </a:spcBef>
+              <a:buClr>
+                <a:srgbClr val="000000"/>
+              </a:buClr>
+              <a:buSzPct val="45000"/>
+              <a:buFont typeface="Wingdings" charset="2"/>
+              <a:buChar char=""/>
+            </a:pPr>
+            <a:r>
+              <a:rPr lang="en-US" sz="2800" b="0" strike="noStrike" spc="-1" dirty="0">
+                <a:solidFill>
+                  <a:srgbClr val="000000"/>
+                </a:solidFill>
+                <a:latin typeface="Arial"/>
+              </a:rPr>
+              <a:t>An interesting approach to designing a programming language which utilizes graphs as the basic language concepts</a:t>
+            </a:r>
+          </a:p>
+          <a:p>
+            <a:pPr marL="432000" indent="-324000">
+              <a:spcBef>
+                <a:spcPts val="1417"/>
+              </a:spcBef>
+              <a:buClr>
+                <a:srgbClr val="000000"/>
+              </a:buClr>
+              <a:buSzPct val="45000"/>
+              <a:buFont typeface="Wingdings" charset="2"/>
+              <a:buChar char=""/>
+            </a:pPr>
+            <a:r>
+              <a:rPr lang="en-US" sz="2800" b="0" strike="noStrike" spc="-1" dirty="0">
+                <a:solidFill>
+                  <a:srgbClr val="000000"/>
+                </a:solidFill>
+                <a:latin typeface="Arial"/>
+              </a:rPr>
+              <a:t> </a:t>
+            </a:r>
+            <a:r>
+              <a:rPr lang="en-US" sz="2800" b="0" strike="noStrike" spc="-1" dirty="0">
+                <a:solidFill>
+                  <a:srgbClr val="000000"/>
+                </a:solidFill>
+                <a:latin typeface="Arial"/>
+                <a:hlinkClick r:id="rId2"/>
+              </a:rPr>
+              <a:t>https://github.com/fractalide/fractalide</a:t>
+            </a:r>
+            <a:r>
+              <a:rPr lang="en-US" sz="2800" b="0" strike="noStrike" spc="-1" dirty="0">
+                <a:solidFill>
+                  <a:srgbClr val="000000"/>
+                </a:solidFill>
+                <a:latin typeface="Arial"/>
+              </a:rPr>
+              <a:t> </a:t>
+            </a:r>
+          </a:p>
+        </p:txBody>
+      </p:sp>
+    </p:spTree>
+  </p:cSld>
+  <p:clrMapOvr>
+    <a:masterClrMapping/>
+  </p:clrMapOvr>
+</p:sld>
+</file>
+
+<file path=ppt/slides/slide12.xml><?xml version="1.0" encoding="utf-8"?>
+<p:sld xmlns:a="http://schemas.openxmlformats.org/drawingml/2006/main" xmlns:r="http://schemas.openxmlformats.org/officeDocument/2006/relationships" xmlns:p="http://schemas.openxmlformats.org/presentationml/2006/main">
+  <p:cSld>
+    <p:spTree>
+      <p:nvGrpSpPr>
+        <p:cNvPr id="1" name=""/>
+        <p:cNvGrpSpPr/>
+        <p:nvPr/>
+      </p:nvGrpSpPr>
+      <p:grpSpPr>
+        <a:xfrm>
+          <a:off x="0" y="0"/>
+          <a:ext cx="0" cy="0"/>
+          <a:chOff x="0" y="0"/>
+          <a:chExt cx="0" cy="0"/>
+        </a:xfrm>
+      </p:grpSpPr>
+      <p:sp>
+        <p:nvSpPr>
+          <p:cNvPr id="254" name="TextShape 1"/>
+          <p:cNvSpPr txBox="1"/>
+          <p:nvPr/>
+        </p:nvSpPr>
+        <p:spPr>
+          <a:xfrm>
+            <a:off x="2011680" y="274680"/>
+            <a:ext cx="7766280" cy="1645560"/>
+          </a:xfrm>
+          <a:prstGeom prst="rect">
+            <a:avLst/>
+          </a:prstGeom>
+          <a:noFill/>
+          <a:ln>
+            <a:noFill/>
+          </a:ln>
+        </p:spPr>
+        <p:txBody>
+          <a:bodyPr lIns="0" tIns="0" rIns="0" bIns="0" anchor="ctr">
+            <a:noAutofit/>
+          </a:bodyPr>
+          <a:lstStyle/>
+          <a:p>
+            <a:pPr algn="r">
+              <a:lnSpc>
+                <a:spcPct val="100000"/>
+              </a:lnSpc>
+            </a:pPr>
+            <a:r>
+              <a:rPr lang="en-US" sz="5400" b="0" strike="noStrike" spc="-1">
+                <a:solidFill>
+                  <a:srgbClr val="4F81BD"/>
+                </a:solidFill>
+                <a:latin typeface="Trebuchet MS"/>
+                <a:ea typeface="DejaVu Sans"/>
+              </a:rPr>
               <a:t>Racket Applications: Other Applications</a:t>
             </a:r>
             <a:endParaRPr lang="en-US" sz="5400" b="0" strike="noStrike" spc="-1">
@@ -13657,7 +13843,7 @@
 </p:sld>
 </file>
 
-<file path=ppt/slides/slide12.xml><?xml version="1.0" encoding="utf-8"?>
+<file path=ppt/slides/slide13.xml><?xml version="1.0" encoding="utf-8"?>
 <p:sld xmlns:a="http://schemas.openxmlformats.org/drawingml/2006/main" xmlns:r="http://schemas.openxmlformats.org/officeDocument/2006/relationships" xmlns:p="http://schemas.openxmlformats.org/presentationml/2006/main">
   <p:cSld>
     <p:spTree>
@@ -13737,7 +13923,7 @@
 </p:sld>
 </file>
 
-<file path=ppt/slides/slide13.xml><?xml version="1.0" encoding="utf-8"?>
+<file path=ppt/slides/slide14.xml><?xml version="1.0" encoding="utf-8"?>
 <p:sld xmlns:a="http://schemas.openxmlformats.org/drawingml/2006/main" xmlns:r="http://schemas.openxmlformats.org/officeDocument/2006/relationships" xmlns:p="http://schemas.openxmlformats.org/presentationml/2006/main">
   <p:cSld>
     <p:spTree>
@@ -13817,7 +14003,7 @@
 </p:sld>
 </file>
 
-<file path=ppt/slides/slide14.xml><?xml version="1.0" encoding="utf-8"?>
+<file path=ppt/slides/slide15.xml><?xml version="1.0" encoding="utf-8"?>
 <p:sld xmlns:a="http://schemas.openxmlformats.org/drawingml/2006/main" xmlns:r="http://schemas.openxmlformats.org/officeDocument/2006/relationships" xmlns:p="http://schemas.openxmlformats.org/presentationml/2006/main">
   <p:cSld>
     <p:spTree>
@@ -13955,7 +14141,7 @@
 </p:sld>
 </file>
 
-<file path=ppt/slides/slide15.xml><?xml version="1.0" encoding="utf-8"?>
+<file path=ppt/slides/slide16.xml><?xml version="1.0" encoding="utf-8"?>
 <p:sld xmlns:a="http://schemas.openxmlformats.org/drawingml/2006/main" xmlns:r="http://schemas.openxmlformats.org/officeDocument/2006/relationships" xmlns:p="http://schemas.openxmlformats.org/presentationml/2006/main">
   <p:cSld>
     <p:spTree>
@@ -14197,7 +14383,7 @@
 </p:sld>
 </file>
 
-<file path=ppt/slides/slide16.xml><?xml version="1.0" encoding="utf-8"?>
+<file path=ppt/slides/slide17.xml><?xml version="1.0" encoding="utf-8"?>
 <p:sld xmlns:a="http://schemas.openxmlformats.org/drawingml/2006/main" xmlns:r="http://schemas.openxmlformats.org/officeDocument/2006/relationships" xmlns:p="http://schemas.openxmlformats.org/presentationml/2006/main">
   <p:cSld>
     <p:spTree>
@@ -16385,7 +16571,7 @@
         </p:style>
         <p:txBody>
           <a:bodyPr lIns="90000" tIns="45000" rIns="90000" bIns="45000">
-            <a:normAutofit fontScale="92500" lnSpcReduction="20000"/>
+            <a:normAutofit/>
           </a:bodyPr>
           <a:lstStyle/>
           <a:p>
@@ -16413,11 +16599,14 @@
                 <a:latin typeface="Arial"/>
                 <a:ea typeface="DejaVu Sans"/>
               </a:rPr>
-              <a:t>Racket supports Major Editors</a:t>
-            </a:r>
-          </a:p>
-          <a:p>
-            <a:pPr marL="743040" lvl="1" indent="-285480">
+              <a:t>Racket Documentation</a:t>
+            </a:r>
+          </a:p>
+          <a:p>
+            <a:pPr marL="285840" indent="-285480">
+              <a:lnSpc>
+                <a:spcPct val="100000"/>
+              </a:lnSpc>
               <a:spcBef>
                 <a:spcPts val="1001"/>
               </a:spcBef>
@@ -16431,14 +16620,14 @@
               </a:tabLst>
             </a:pPr>
             <a:r>
-              <a:rPr lang="en-US" b="0" strike="noStrike" spc="-1" dirty="0">
+              <a:rPr lang="en-US" sz="1800" b="0" strike="noStrike" spc="-1" dirty="0">
                 <a:solidFill>
                   <a:srgbClr val="000000"/>
                 </a:solidFill>
                 <a:latin typeface="Arial"/>
                 <a:ea typeface="DejaVu Sans"/>
               </a:rPr>
-              <a:t>VIM Integration</a:t>
+              <a:t>Teaching Section</a:t>
             </a:r>
           </a:p>
           <a:p>
@@ -16456,18 +16645,17 @@
               </a:tabLst>
             </a:pPr>
             <a:r>
-              <a:rPr lang="en-US" b="0" strike="noStrike" spc="-1" dirty="0">
+              <a:rPr lang="en-US" spc="-1" dirty="0">
                 <a:solidFill>
                   <a:srgbClr val="000000"/>
                 </a:solidFill>
                 <a:latin typeface="Arial"/>
-                <a:ea typeface="DejaVu Sans"/>
               </a:rPr>
-              <a:t>EMACS Integration</a:t>
-            </a:r>
-          </a:p>
-          <a:p>
-            <a:pPr marL="285840" indent="-285480">
+              <a:t>How to design programs</a:t>
+            </a:r>
+          </a:p>
+          <a:p>
+            <a:pPr marL="743040" lvl="1" indent="-285480">
               <a:spcBef>
                 <a:spcPts val="1001"/>
               </a:spcBef>
@@ -16485,12 +16673,13 @@
                 <a:solidFill>
                   <a:srgbClr val="000000"/>
                 </a:solidFill>
+                <a:latin typeface="Arial"/>
               </a:rPr>
-              <a:t>Inspired by other Integrated Development Environments (IDE)</a:t>
-            </a:r>
-          </a:p>
-          <a:p>
-            <a:pPr marL="743040" lvl="1" indent="-285480">
+              <a:t>How to design languages</a:t>
+            </a:r>
+          </a:p>
+          <a:p>
+            <a:pPr marL="285840" indent="-285480">
               <a:spcBef>
                 <a:spcPts val="1001"/>
               </a:spcBef>
@@ -16508,12 +16697,13 @@
                 <a:solidFill>
                   <a:srgbClr val="000000"/>
                 </a:solidFill>
+                <a:latin typeface="Arial"/>
               </a:rPr>
-              <a:t>It comes with its own IDE, Dr. Racket.</a:t>
-            </a:r>
-          </a:p>
-          <a:p>
-            <a:pPr marL="285840" indent="-285480">
+              <a:t>Tutorials</a:t>
+            </a:r>
+          </a:p>
+          <a:p>
+            <a:pPr marL="743040" lvl="1" indent="-285480">
               <a:spcBef>
                 <a:spcPts val="1001"/>
               </a:spcBef>
@@ -16531,12 +16721,13 @@
                 <a:solidFill>
                   <a:srgbClr val="000000"/>
                 </a:solidFill>
+                <a:latin typeface="Arial"/>
               </a:rPr>
-              <a:t>Racket Community</a:t>
-            </a:r>
-          </a:p>
-          <a:p>
-            <a:pPr marL="743040" lvl="1" indent="-285480">
+              <a:t>Examples of simple Racket programming</a:t>
+            </a:r>
+          </a:p>
+          <a:p>
+            <a:pPr marL="285840" indent="-285480">
               <a:spcBef>
                 <a:spcPts val="1001"/>
               </a:spcBef>
@@ -16550,21 +16741,17 @@
               </a:tabLst>
             </a:pPr>
             <a:r>
-              <a:rPr lang="en-US" spc="-1" dirty="0" err="1">
+              <a:rPr lang="en-US" spc="-1" dirty="0">
                 <a:solidFill>
                   <a:srgbClr val="000000"/>
                 </a:solidFill>
+                <a:latin typeface="Arial"/>
               </a:rPr>
-              <a:t>Github</a:t>
-            </a:r>
-            <a:endParaRPr lang="en-US" spc="-1" dirty="0">
-              <a:solidFill>
-                <a:srgbClr val="000000"/>
-              </a:solidFill>
-            </a:endParaRPr>
-          </a:p>
-          <a:p>
-            <a:pPr marL="1200240" lvl="2" indent="-285480">
+              <a:t>Tools</a:t>
+            </a:r>
+          </a:p>
+          <a:p>
+            <a:pPr marL="743040" lvl="1" indent="-285480">
               <a:spcBef>
                 <a:spcPts val="1001"/>
               </a:spcBef>
@@ -16582,25 +16769,13 @@
                 <a:solidFill>
                   <a:srgbClr val="000000"/>
                 </a:solidFill>
+                <a:latin typeface="Arial"/>
               </a:rPr>
-              <a:t>Continued Racket development via </a:t>
-            </a:r>
-            <a:r>
-              <a:rPr lang="en-US" spc="-1" dirty="0" err="1">
-                <a:solidFill>
-                  <a:srgbClr val="000000"/>
-                </a:solidFill>
-              </a:rPr>
-              <a:t>Github</a:t>
-            </a:r>
-            <a:endParaRPr lang="en-US" spc="-1" dirty="0">
-              <a:solidFill>
-                <a:srgbClr val="000000"/>
-              </a:solidFill>
-            </a:endParaRPr>
-          </a:p>
-          <a:p>
-            <a:pPr marL="1657440" lvl="3" indent="-285480">
+              <a:t>i.e. Simple barcode reader /writer</a:t>
+            </a:r>
+          </a:p>
+          <a:p>
+            <a:pPr marL="743040" lvl="1" indent="-285480">
               <a:spcBef>
                 <a:spcPts val="1001"/>
               </a:spcBef>
@@ -16613,60 +16788,11 @@
                 <a:tab pos="0" algn="l"/>
               </a:tabLst>
             </a:pPr>
-            <a:r>
-              <a:rPr lang="en-US" spc="-1" dirty="0">
-                <a:solidFill>
-                  <a:srgbClr val="000000"/>
-                </a:solidFill>
-              </a:rPr>
-              <a:t>Issues, Bugs etc.</a:t>
-            </a:r>
-          </a:p>
-          <a:p>
-            <a:pPr marL="743040" lvl="1" indent="-285480">
-              <a:spcBef>
-                <a:spcPts val="1001"/>
-              </a:spcBef>
-              <a:buClr>
-                <a:srgbClr val="000000"/>
-              </a:buClr>
-              <a:buFont typeface="Arial"/>
-              <a:buChar char="•"/>
-              <a:tabLst>
-                <a:tab pos="0" algn="l"/>
-              </a:tabLst>
-            </a:pPr>
-            <a:r>
-              <a:rPr lang="en-US" spc="-1" dirty="0">
-                <a:solidFill>
-                  <a:srgbClr val="000000"/>
-                </a:solidFill>
-              </a:rPr>
-              <a:t>Mailing Community</a:t>
-            </a:r>
-          </a:p>
-          <a:p>
-            <a:pPr marL="743040" lvl="1" indent="-285480">
-              <a:spcBef>
-                <a:spcPts val="1001"/>
-              </a:spcBef>
-              <a:buClr>
-                <a:srgbClr val="000000"/>
-              </a:buClr>
-              <a:buFont typeface="Arial"/>
-              <a:buChar char="•"/>
-              <a:tabLst>
-                <a:tab pos="0" algn="l"/>
-              </a:tabLst>
-            </a:pPr>
-            <a:r>
-              <a:rPr lang="en-US" spc="-1" dirty="0">
-                <a:solidFill>
-                  <a:srgbClr val="000000"/>
-                </a:solidFill>
-              </a:rPr>
-              <a:t>Twitter</a:t>
-            </a:r>
+            <a:endParaRPr lang="en-US" spc="-1" dirty="0">
+              <a:solidFill>
+                <a:srgbClr val="000000"/>
+              </a:solidFill>
+            </a:endParaRPr>
           </a:p>
           <a:p>
             <a:pPr marL="1200240" lvl="2" indent="-285480">
@@ -16735,14 +16861,14 @@
       </p:grpSpPr>
       <p:sp>
         <p:nvSpPr>
-          <p:cNvPr id="248" name="TextShape 1"/>
-          <p:cNvSpPr txBox="1"/>
+          <p:cNvPr id="246" name="CustomShape 1"/>
+          <p:cNvSpPr/>
           <p:nvPr/>
         </p:nvSpPr>
         <p:spPr>
           <a:xfrm>
-            <a:off x="2011680" y="274680"/>
-            <a:ext cx="7766280" cy="1645560"/>
+            <a:off x="1062360" y="159840"/>
+            <a:ext cx="7766280" cy="2382840"/>
           </a:xfrm>
           <a:prstGeom prst="rect">
             <a:avLst/>
@@ -16752,8 +16878,20 @@
             <a:noFill/>
           </a:ln>
         </p:spPr>
+        <p:style>
+          <a:lnRef idx="0">
+            <a:scrgbClr r="0" g="0" b="0"/>
+          </a:lnRef>
+          <a:fillRef idx="0">
+            <a:scrgbClr r="0" g="0" b="0"/>
+          </a:fillRef>
+          <a:effectRef idx="0">
+            <a:scrgbClr r="0" g="0" b="0"/>
+          </a:effectRef>
+          <a:fontRef idx="minor"/>
+        </p:style>
         <p:txBody>
-          <a:bodyPr lIns="0" tIns="0" rIns="0" bIns="0" anchor="ctr">
+          <a:bodyPr lIns="90000" tIns="45000" rIns="90000" bIns="45000" anchor="b">
             <a:noAutofit/>
           </a:bodyPr>
           <a:lstStyle/>
@@ -16764,19 +16902,16 @@
               </a:lnSpc>
             </a:pPr>
             <a:r>
-              <a:rPr lang="en-US" sz="5400" b="0" strike="noStrike" spc="-1">
+              <a:rPr lang="en-US" sz="5400" b="0" strike="noStrike" spc="-1" dirty="0">
                 <a:solidFill>
                   <a:srgbClr val="4F81BD"/>
                 </a:solidFill>
                 <a:latin typeface="Trebuchet MS"/>
                 <a:ea typeface="DejaVu Sans"/>
               </a:rPr>
-              <a:t>Applications of Racket</a:t>
-            </a:r>
-            <a:endParaRPr lang="en-US" sz="5400" b="0" strike="noStrike" spc="-1">
-              <a:solidFill>
-                <a:srgbClr val="000000"/>
-              </a:solidFill>
+              <a:t>Main Characteristics and main Strengths of Racket</a:t>
+            </a:r>
+            <a:endParaRPr lang="en-US" sz="5400" b="0" strike="noStrike" spc="-1" dirty="0">
               <a:latin typeface="Arial"/>
             </a:endParaRPr>
           </a:p>
@@ -16784,14 +16919,14 @@
       </p:sp>
       <p:sp>
         <p:nvSpPr>
-          <p:cNvPr id="249" name="TextShape 2"/>
-          <p:cNvSpPr txBox="1"/>
+          <p:cNvPr id="247" name="CustomShape 2"/>
+          <p:cNvSpPr/>
           <p:nvPr/>
         </p:nvSpPr>
         <p:spPr>
           <a:xfrm>
-            <a:off x="457560" y="2057760"/>
-            <a:ext cx="10972440" cy="3977280"/>
+            <a:off x="770040" y="2890080"/>
+            <a:ext cx="8926560" cy="3658502"/>
           </a:xfrm>
           <a:prstGeom prst="rect">
             <a:avLst/>
@@ -16801,121 +16936,349 @@
             <a:noFill/>
           </a:ln>
         </p:spPr>
+        <p:style>
+          <a:lnRef idx="0">
+            <a:scrgbClr r="0" g="0" b="0"/>
+          </a:lnRef>
+          <a:fillRef idx="0">
+            <a:scrgbClr r="0" g="0" b="0"/>
+          </a:fillRef>
+          <a:effectRef idx="0">
+            <a:scrgbClr r="0" g="0" b="0"/>
+          </a:effectRef>
+          <a:fontRef idx="minor"/>
+        </p:style>
         <p:txBody>
-          <a:bodyPr lIns="0" tIns="0" rIns="0" bIns="0">
-            <a:normAutofit/>
+          <a:bodyPr lIns="90000" tIns="45000" rIns="90000" bIns="45000">
+            <a:normAutofit fontScale="92500" lnSpcReduction="20000"/>
           </a:bodyPr>
           <a:lstStyle/>
           <a:p>
-            <a:pPr marL="432000" indent="-324000">
+            <a:pPr marL="285840" indent="-285480">
+              <a:lnSpc>
+                <a:spcPct val="100000"/>
+              </a:lnSpc>
               <a:spcBef>
-                <a:spcPts val="1417"/>
+                <a:spcPts val="1001"/>
               </a:spcBef>
               <a:buClr>
                 <a:srgbClr val="000000"/>
               </a:buClr>
-              <a:buSzPct val="45000"/>
-              <a:buFont typeface="Wingdings" charset="2"/>
-              <a:buChar char=""/>
+              <a:buFont typeface="Arial"/>
+              <a:buChar char="•"/>
+              <a:tabLst>
+                <a:tab pos="0" algn="l"/>
+              </a:tabLst>
             </a:pPr>
             <a:r>
-              <a:rPr lang="en-US" sz="2800" b="0" strike="noStrike" spc="-1">
+              <a:rPr lang="en-US" sz="1800" b="0" strike="noStrike" spc="-1" dirty="0">
                 <a:solidFill>
                   <a:srgbClr val="000000"/>
                 </a:solidFill>
                 <a:latin typeface="Arial"/>
+                <a:ea typeface="DejaVu Sans"/>
               </a:rPr>
-              <a:t>As previously mentioned, Racket is based on Scheme</a:t>
-            </a:r>
-          </a:p>
-          <a:p>
-            <a:pPr marL="864000" lvl="1" indent="-324000">
+              <a:t>Racket supports Major Editors</a:t>
+            </a:r>
+          </a:p>
+          <a:p>
+            <a:pPr marL="743040" lvl="1" indent="-285480">
               <a:spcBef>
-                <a:spcPts val="1134"/>
+                <a:spcPts val="1001"/>
               </a:spcBef>
               <a:buClr>
                 <a:srgbClr val="000000"/>
               </a:buClr>
-              <a:buSzPct val="75000"/>
-              <a:buFont typeface="Symbol" charset="2"/>
-              <a:buChar char=""/>
+              <a:buFont typeface="Arial"/>
+              <a:buChar char="•"/>
+              <a:tabLst>
+                <a:tab pos="0" algn="l"/>
+              </a:tabLst>
             </a:pPr>
             <a:r>
-              <a:rPr lang="en-US" sz="2000" b="0" strike="noStrike" spc="-1">
+              <a:rPr lang="en-US" b="0" strike="noStrike" spc="-1" dirty="0">
                 <a:solidFill>
                   <a:srgbClr val="000000"/>
                 </a:solidFill>
                 <a:latin typeface="Arial"/>
+                <a:ea typeface="DejaVu Sans"/>
               </a:rPr>
-              <a:t>Powerful functional programming features</a:t>
-            </a:r>
-          </a:p>
-          <a:p>
-            <a:pPr marL="432000" indent="-324000">
+              <a:t>VIM Integration</a:t>
+            </a:r>
+          </a:p>
+          <a:p>
+            <a:pPr marL="743040" lvl="1" indent="-285480">
               <a:spcBef>
-                <a:spcPts val="1417"/>
+                <a:spcPts val="1001"/>
               </a:spcBef>
               <a:buClr>
                 <a:srgbClr val="000000"/>
               </a:buClr>
-              <a:buSzPct val="45000"/>
-              <a:buFont typeface="Wingdings" charset="2"/>
-              <a:buChar char=""/>
+              <a:buFont typeface="Arial"/>
+              <a:buChar char="•"/>
+              <a:tabLst>
+                <a:tab pos="0" algn="l"/>
+              </a:tabLst>
             </a:pPr>
             <a:r>
-              <a:rPr lang="en-US" sz="2800" b="0" strike="noStrike" spc="-1">
+              <a:rPr lang="en-US" b="0" strike="noStrike" spc="-1" dirty="0">
                 <a:solidFill>
                   <a:srgbClr val="000000"/>
                 </a:solidFill>
                 <a:latin typeface="Arial"/>
+                <a:ea typeface="DejaVu Sans"/>
               </a:rPr>
-              <a:t>As seen in project one, functional programming provides an effective environment for language development</a:t>
-            </a:r>
-          </a:p>
-          <a:p>
-            <a:pPr marL="432000" indent="-324000">
+              <a:t>EMACS Integration</a:t>
+            </a:r>
+          </a:p>
+          <a:p>
+            <a:pPr marL="285840" indent="-285480">
               <a:spcBef>
-                <a:spcPts val="1417"/>
+                <a:spcPts val="1001"/>
               </a:spcBef>
               <a:buClr>
                 <a:srgbClr val="000000"/>
               </a:buClr>
-              <a:buSzPct val="45000"/>
-              <a:buFont typeface="Wingdings" charset="2"/>
-              <a:buChar char=""/>
+              <a:buFont typeface="Arial"/>
+              <a:buChar char="•"/>
+              <a:tabLst>
+                <a:tab pos="0" algn="l"/>
+              </a:tabLst>
             </a:pPr>
             <a:r>
-              <a:rPr lang="en-US" sz="2800" b="0" strike="noStrike" spc="-1">
+              <a:rPr lang="en-US" spc="-1" dirty="0">
                 <a:solidFill>
                   <a:srgbClr val="000000"/>
                 </a:solidFill>
-                <a:latin typeface="Arial"/>
               </a:rPr>
-              <a:t>Not surprisingly, one of the main use cases of Racket is language developement</a:t>
-            </a:r>
-          </a:p>
-          <a:p>
-            <a:pPr marL="864000" lvl="1" indent="-324000">
+              <a:t>Inspired by other Integrated Development Environments (IDE)</a:t>
+            </a:r>
+          </a:p>
+          <a:p>
+            <a:pPr marL="743040" lvl="1" indent="-285480">
               <a:spcBef>
-                <a:spcPts val="1134"/>
+                <a:spcPts val="1001"/>
               </a:spcBef>
               <a:buClr>
                 <a:srgbClr val="000000"/>
               </a:buClr>
-              <a:buSzPct val="75000"/>
-              <a:buFont typeface="Symbol" charset="2"/>
-              <a:buChar char=""/>
+              <a:buFont typeface="Arial"/>
+              <a:buChar char="•"/>
+              <a:tabLst>
+                <a:tab pos="0" algn="l"/>
+              </a:tabLst>
             </a:pPr>
-            <a:endParaRPr lang="en-US" sz="2800" b="0" strike="noStrike" spc="-1">
+            <a:r>
+              <a:rPr lang="en-US" spc="-1" dirty="0">
+                <a:solidFill>
+                  <a:srgbClr val="000000"/>
+                </a:solidFill>
+              </a:rPr>
+              <a:t>It comes with its own IDE, Dr. Racket.</a:t>
+            </a:r>
+          </a:p>
+          <a:p>
+            <a:pPr marL="285840" indent="-285480">
+              <a:spcBef>
+                <a:spcPts val="1001"/>
+              </a:spcBef>
+              <a:buClr>
+                <a:srgbClr val="000000"/>
+              </a:buClr>
+              <a:buFont typeface="Arial"/>
+              <a:buChar char="•"/>
+              <a:tabLst>
+                <a:tab pos="0" algn="l"/>
+              </a:tabLst>
+            </a:pPr>
+            <a:r>
+              <a:rPr lang="en-US" spc="-1" dirty="0">
+                <a:solidFill>
+                  <a:srgbClr val="000000"/>
+                </a:solidFill>
+              </a:rPr>
+              <a:t>Racket Community</a:t>
+            </a:r>
+          </a:p>
+          <a:p>
+            <a:pPr marL="743040" lvl="1" indent="-285480">
+              <a:spcBef>
+                <a:spcPts val="1001"/>
+              </a:spcBef>
+              <a:buClr>
+                <a:srgbClr val="000000"/>
+              </a:buClr>
+              <a:buFont typeface="Arial"/>
+              <a:buChar char="•"/>
+              <a:tabLst>
+                <a:tab pos="0" algn="l"/>
+              </a:tabLst>
+            </a:pPr>
+            <a:r>
+              <a:rPr lang="en-US" spc="-1" dirty="0" err="1">
+                <a:solidFill>
+                  <a:srgbClr val="000000"/>
+                </a:solidFill>
+              </a:rPr>
+              <a:t>Github</a:t>
+            </a:r>
+            <a:endParaRPr lang="en-US" spc="-1" dirty="0">
               <a:solidFill>
                 <a:srgbClr val="000000"/>
               </a:solidFill>
+            </a:endParaRPr>
+          </a:p>
+          <a:p>
+            <a:pPr marL="1200240" lvl="2" indent="-285480">
+              <a:spcBef>
+                <a:spcPts val="1001"/>
+              </a:spcBef>
+              <a:buClr>
+                <a:srgbClr val="000000"/>
+              </a:buClr>
+              <a:buFont typeface="Arial"/>
+              <a:buChar char="•"/>
+              <a:tabLst>
+                <a:tab pos="0" algn="l"/>
+              </a:tabLst>
+            </a:pPr>
+            <a:r>
+              <a:rPr lang="en-US" spc="-1" dirty="0">
+                <a:solidFill>
+                  <a:srgbClr val="000000"/>
+                </a:solidFill>
+              </a:rPr>
+              <a:t>Continued Racket development via </a:t>
+            </a:r>
+            <a:r>
+              <a:rPr lang="en-US" spc="-1" dirty="0" err="1">
+                <a:solidFill>
+                  <a:srgbClr val="000000"/>
+                </a:solidFill>
+              </a:rPr>
+              <a:t>Github</a:t>
+            </a:r>
+            <a:endParaRPr lang="en-US" spc="-1" dirty="0">
+              <a:solidFill>
+                <a:srgbClr val="000000"/>
+              </a:solidFill>
+            </a:endParaRPr>
+          </a:p>
+          <a:p>
+            <a:pPr marL="1657440" lvl="3" indent="-285480">
+              <a:spcBef>
+                <a:spcPts val="1001"/>
+              </a:spcBef>
+              <a:buClr>
+                <a:srgbClr val="000000"/>
+              </a:buClr>
+              <a:buFont typeface="Arial"/>
+              <a:buChar char="•"/>
+              <a:tabLst>
+                <a:tab pos="0" algn="l"/>
+              </a:tabLst>
+            </a:pPr>
+            <a:r>
+              <a:rPr lang="en-US" spc="-1" dirty="0">
+                <a:solidFill>
+                  <a:srgbClr val="000000"/>
+                </a:solidFill>
+              </a:rPr>
+              <a:t>Issues, Bugs etc.</a:t>
+            </a:r>
+          </a:p>
+          <a:p>
+            <a:pPr marL="743040" lvl="1" indent="-285480">
+              <a:spcBef>
+                <a:spcPts val="1001"/>
+              </a:spcBef>
+              <a:buClr>
+                <a:srgbClr val="000000"/>
+              </a:buClr>
+              <a:buFont typeface="Arial"/>
+              <a:buChar char="•"/>
+              <a:tabLst>
+                <a:tab pos="0" algn="l"/>
+              </a:tabLst>
+            </a:pPr>
+            <a:r>
+              <a:rPr lang="en-US" spc="-1" dirty="0">
+                <a:solidFill>
+                  <a:srgbClr val="000000"/>
+                </a:solidFill>
+              </a:rPr>
+              <a:t>Mailing Community</a:t>
+            </a:r>
+          </a:p>
+          <a:p>
+            <a:pPr marL="743040" lvl="1" indent="-285480">
+              <a:spcBef>
+                <a:spcPts val="1001"/>
+              </a:spcBef>
+              <a:buClr>
+                <a:srgbClr val="000000"/>
+              </a:buClr>
+              <a:buFont typeface="Arial"/>
+              <a:buChar char="•"/>
+              <a:tabLst>
+                <a:tab pos="0" algn="l"/>
+              </a:tabLst>
+            </a:pPr>
+            <a:r>
+              <a:rPr lang="en-US" spc="-1" dirty="0">
+                <a:solidFill>
+                  <a:srgbClr val="000000"/>
+                </a:solidFill>
+              </a:rPr>
+              <a:t>Twitter</a:t>
+            </a:r>
+          </a:p>
+          <a:p>
+            <a:pPr marL="1200240" lvl="2" indent="-285480">
+              <a:spcBef>
+                <a:spcPts val="1001"/>
+              </a:spcBef>
+              <a:buClr>
+                <a:srgbClr val="000000"/>
+              </a:buClr>
+              <a:buFont typeface="Arial"/>
+              <a:buChar char="•"/>
+              <a:tabLst>
+                <a:tab pos="0" algn="l"/>
+              </a:tabLst>
+            </a:pPr>
+            <a:endParaRPr lang="en-US" spc="-1" dirty="0">
+              <a:solidFill>
+                <a:srgbClr val="000000"/>
+              </a:solidFill>
+            </a:endParaRPr>
+          </a:p>
+          <a:p>
+            <a:pPr marL="743040" lvl="1" indent="-285480">
+              <a:spcBef>
+                <a:spcPts val="1001"/>
+              </a:spcBef>
+              <a:buClr>
+                <a:srgbClr val="000000"/>
+              </a:buClr>
+              <a:buFont typeface="Arial"/>
+              <a:buChar char="•"/>
+              <a:tabLst>
+                <a:tab pos="0" algn="l"/>
+              </a:tabLst>
+            </a:pPr>
+            <a:endParaRPr lang="en-US" b="0" strike="noStrike" spc="-1" dirty="0">
               <a:latin typeface="Arial"/>
             </a:endParaRPr>
           </a:p>
         </p:txBody>
       </p:sp>
     </p:spTree>
+    <p:extLst>
+      <p:ext uri="{BB962C8B-B14F-4D97-AF65-F5344CB8AC3E}">
+        <p14:creationId xmlns:p14="http://schemas.microsoft.com/office/powerpoint/2010/main" val="2409304858"/>
+      </p:ext>
+    </p:extLst>
   </p:cSld>
   <p:clrMapOvr>
     <a:masterClrMapping/>
@@ -16942,7 +17305,7 @@
       </p:grpSpPr>
       <p:sp>
         <p:nvSpPr>
-          <p:cNvPr id="250" name="TextShape 1"/>
+          <p:cNvPr id="248" name="TextShape 1"/>
           <p:cNvSpPr txBox="1"/>
           <p:nvPr/>
         </p:nvSpPr>
@@ -16978,7 +17341,7 @@
                 <a:latin typeface="Trebuchet MS"/>
                 <a:ea typeface="DejaVu Sans"/>
               </a:rPr>
-              <a:t>Racket Applications: Hackett</a:t>
+              <a:t>Applications of Racket</a:t>
             </a:r>
             <a:endParaRPr lang="en-US" sz="5400" b="0" strike="noStrike" spc="-1">
               <a:solidFill>
@@ -16991,7 +17354,7 @@
       </p:sp>
       <p:sp>
         <p:nvSpPr>
-          <p:cNvPr id="251" name="TextShape 2"/>
+          <p:cNvPr id="249" name="TextShape 2"/>
           <p:cNvSpPr txBox="1"/>
           <p:nvPr/>
         </p:nvSpPr>
@@ -17032,7 +17395,29 @@
                 </a:solidFill>
                 <a:latin typeface="Arial"/>
               </a:rPr>
-              <a:t>Hackett is a language similar to haskell written in Racket</a:t>
+              <a:t>As previously mentioned, Racket is based on Scheme</a:t>
+            </a:r>
+          </a:p>
+          <a:p>
+            <a:pPr marL="864000" lvl="1" indent="-324000">
+              <a:spcBef>
+                <a:spcPts val="1134"/>
+              </a:spcBef>
+              <a:buClr>
+                <a:srgbClr val="000000"/>
+              </a:buClr>
+              <a:buSzPct val="75000"/>
+              <a:buFont typeface="Symbol" charset="2"/>
+              <a:buChar char=""/>
+            </a:pPr>
+            <a:r>
+              <a:rPr lang="en-US" sz="2000" b="0" strike="noStrike" spc="-1">
+                <a:solidFill>
+                  <a:srgbClr val="000000"/>
+                </a:solidFill>
+                <a:latin typeface="Arial"/>
+              </a:rPr>
+              <a:t>Powerful functional programming features</a:t>
             </a:r>
           </a:p>
           <a:p>
@@ -17054,18 +17439,21 @@
                 </a:solidFill>
                 <a:latin typeface="Arial"/>
               </a:rPr>
-              <a:t>Hackett is a statically typed, pure, lazy, functional programming language in the Racket language ecosystem [</a:t>
-            </a:r>
-            <a:r>
-              <a:rPr lang="en-US" sz="2800" b="0" strike="noStrike" spc="-1">
-                <a:solidFill>
-                  <a:srgbClr val="000000"/>
-                </a:solidFill>
-                <a:latin typeface="Arial"/>
-                <a:hlinkClick r:id="rId2"/>
-              </a:rPr>
-              <a:t>https://lexi-lambda.github.io/hackett/</a:t>
-            </a:r>
+              <a:t>As seen in project one, functional programming provides an effective environment for language development</a:t>
+            </a:r>
+          </a:p>
+          <a:p>
+            <a:pPr marL="432000" indent="-324000">
+              <a:spcBef>
+                <a:spcPts val="1417"/>
+              </a:spcBef>
+              <a:buClr>
+                <a:srgbClr val="000000"/>
+              </a:buClr>
+              <a:buSzPct val="45000"/>
+              <a:buFont typeface="Wingdings" charset="2"/>
+              <a:buChar char=""/>
+            </a:pPr>
             <a:r>
               <a:rPr lang="en-US" sz="2800" b="0" strike="noStrike" spc="-1">
                 <a:solidFill>
@@ -17073,30 +17461,27 @@
                 </a:solidFill>
                 <a:latin typeface="Arial"/>
               </a:rPr>
-              <a:t>]</a:t>
-            </a:r>
-          </a:p>
-          <a:p>
-            <a:pPr marL="432000" indent="-324000">
+              <a:t>Not surprisingly, one of the main use cases of Racket is language developement</a:t>
+            </a:r>
+          </a:p>
+          <a:p>
+            <a:pPr marL="864000" lvl="1" indent="-324000">
               <a:spcBef>
-                <a:spcPts val="1417"/>
+                <a:spcPts val="1134"/>
               </a:spcBef>
               <a:buClr>
                 <a:srgbClr val="000000"/>
               </a:buClr>
-              <a:buSzPct val="45000"/>
-              <a:buFont typeface="Wingdings" charset="2"/>
-              <a:buChar char=""/>
+              <a:buSzPct val="75000"/>
+              <a:buFont typeface="Symbol" charset="2"/>
+              <a:buChar char=""/>
             </a:pPr>
-            <a:r>
-              <a:rPr lang="en-US" sz="2800" b="0" strike="noStrike" spc="-1">
-                <a:solidFill>
-                  <a:srgbClr val="000000"/>
-                </a:solidFill>
-                <a:latin typeface="Arial"/>
-              </a:rPr>
-              <a:t>Project repo (which includes a demo) https://github.com/lexi-lambda/hackett</a:t>
-            </a:r>
+            <a:endParaRPr lang="en-US" sz="2800" b="0" strike="noStrike" spc="-1">
+              <a:solidFill>
+                <a:srgbClr val="000000"/>
+              </a:solidFill>
+              <a:latin typeface="Arial"/>
+            </a:endParaRPr>
           </a:p>
         </p:txBody>
       </p:sp>

--- a/CSC201Sec3Proj3Team4.pptx
+++ b/CSC201Sec3Proj3Team4.pptx
@@ -26,6 +26,7 @@
     <p:sldId id="268" r:id="rId21"/>
     <p:sldId id="269" r:id="rId22"/>
     <p:sldId id="270" r:id="rId23"/>
+    <p:sldId id="271" r:id="rId24"/>
   </p:sldIdLst>
   <p:sldSz cx="12192000" cy="6858000"/>
   <p:notesSz cx="7772400" cy="10058400"/>
@@ -9557,9 +9558,9 @@
         <p:grpSpPr>
           <a:xfrm>
             <a:off x="0" y="-8640"/>
-            <a:ext cx="12191040" cy="6866640"/>
+            <a:ext cx="12190680" cy="6866640"/>
             <a:chOff x="0" y="-8640"/>
-            <a:chExt cx="12191040" cy="6866640"/>
+            <a:chExt cx="12190680" cy="6866640"/>
           </a:xfrm>
         </p:grpSpPr>
         <p:sp>
@@ -9643,7 +9644,7 @@
           <p:spPr>
             <a:xfrm>
               <a:off x="9181440" y="-8640"/>
-              <a:ext cx="3006360" cy="6865560"/>
+              <a:ext cx="3006000" cy="6865200"/>
             </a:xfrm>
             <a:custGeom>
               <a:avLst/>
@@ -9709,7 +9710,7 @@
           <p:spPr>
             <a:xfrm>
               <a:off x="9603360" y="-8640"/>
-              <a:ext cx="2587320" cy="6865560"/>
+              <a:ext cx="2586960" cy="6865200"/>
             </a:xfrm>
             <a:custGeom>
               <a:avLst/>
@@ -9775,7 +9776,7 @@
           <p:spPr>
             <a:xfrm>
               <a:off x="8932320" y="3048120"/>
-              <a:ext cx="3258720" cy="3808800"/>
+              <a:ext cx="3258360" cy="3808440"/>
             </a:xfrm>
             <a:prstGeom prst="triangle">
               <a:avLst>
@@ -9820,7 +9821,7 @@
           <p:spPr>
             <a:xfrm>
               <a:off x="9334440" y="-8640"/>
-              <a:ext cx="2853360" cy="6865560"/>
+              <a:ext cx="2853000" cy="6865200"/>
             </a:xfrm>
             <a:custGeom>
               <a:avLst/>
@@ -9887,7 +9888,7 @@
           <p:spPr>
             <a:xfrm>
               <a:off x="10898640" y="-8640"/>
-              <a:ext cx="1289160" cy="6865560"/>
+              <a:ext cx="1288800" cy="6865200"/>
             </a:xfrm>
             <a:custGeom>
               <a:avLst/>
@@ -9955,7 +9956,7 @@
           <p:spPr>
             <a:xfrm>
               <a:off x="10938960" y="-8640"/>
-              <a:ext cx="1248840" cy="6865560"/>
+              <a:ext cx="1248480" cy="6865200"/>
             </a:xfrm>
             <a:custGeom>
               <a:avLst/>
@@ -10021,7 +10022,7 @@
           <p:spPr>
             <a:xfrm>
               <a:off x="10371600" y="3589920"/>
-              <a:ext cx="1816200" cy="3267000"/>
+              <a:ext cx="1815840" cy="3266640"/>
             </a:xfrm>
             <a:prstGeom prst="triangle">
               <a:avLst>
@@ -10066,7 +10067,7 @@
           <p:spPr>
             <a:xfrm>
               <a:off x="0" y="4013280"/>
-              <a:ext cx="447480" cy="2843640"/>
+              <a:ext cx="447120" cy="2843280"/>
             </a:xfrm>
             <a:prstGeom prst="triangle">
               <a:avLst>
@@ -10111,10 +10112,10 @@
         </p:nvGrpSpPr>
         <p:grpSpPr>
           <a:xfrm>
-            <a:off x="1080" y="-8640"/>
-            <a:ext cx="12189960" cy="6866640"/>
-            <a:chOff x="1080" y="-8640"/>
-            <a:chExt cx="12189960" cy="6866640"/>
+            <a:off x="1440" y="-8640"/>
+            <a:ext cx="12189240" cy="6866640"/>
+            <a:chOff x="1440" y="-8640"/>
+            <a:chExt cx="12189240" cy="6866640"/>
           </a:xfrm>
         </p:grpSpPr>
         <p:sp>
@@ -10198,7 +10199,7 @@
           <p:spPr>
             <a:xfrm>
               <a:off x="9181440" y="-8640"/>
-              <a:ext cx="3006360" cy="6865560"/>
+              <a:ext cx="3006000" cy="6865200"/>
             </a:xfrm>
             <a:custGeom>
               <a:avLst/>
@@ -10264,7 +10265,7 @@
           <p:spPr>
             <a:xfrm>
               <a:off x="9603360" y="-8640"/>
-              <a:ext cx="2587320" cy="6865560"/>
+              <a:ext cx="2586960" cy="6865200"/>
             </a:xfrm>
             <a:custGeom>
               <a:avLst/>
@@ -10330,7 +10331,7 @@
           <p:spPr>
             <a:xfrm>
               <a:off x="8932320" y="3048120"/>
-              <a:ext cx="3258720" cy="3808800"/>
+              <a:ext cx="3258360" cy="3808440"/>
             </a:xfrm>
             <a:prstGeom prst="triangle">
               <a:avLst>
@@ -10375,7 +10376,7 @@
           <p:spPr>
             <a:xfrm>
               <a:off x="9334440" y="-8640"/>
-              <a:ext cx="2853360" cy="6865560"/>
+              <a:ext cx="2853000" cy="6865200"/>
             </a:xfrm>
             <a:custGeom>
               <a:avLst/>
@@ -10442,7 +10443,7 @@
           <p:spPr>
             <a:xfrm>
               <a:off x="10898640" y="-8640"/>
-              <a:ext cx="1289160" cy="6865560"/>
+              <a:ext cx="1288800" cy="6865200"/>
             </a:xfrm>
             <a:custGeom>
               <a:avLst/>
@@ -10510,7 +10511,7 @@
           <p:spPr>
             <a:xfrm>
               <a:off x="10938960" y="-8640"/>
-              <a:ext cx="1248840" cy="6865560"/>
+              <a:ext cx="1248480" cy="6865200"/>
             </a:xfrm>
             <a:custGeom>
               <a:avLst/>
@@ -10576,7 +10577,7 @@
           <p:spPr>
             <a:xfrm>
               <a:off x="10371600" y="3589920"/>
-              <a:ext cx="1816200" cy="3267000"/>
+              <a:ext cx="1815840" cy="3266640"/>
             </a:xfrm>
             <a:prstGeom prst="triangle">
               <a:avLst>
@@ -10620,8 +10621,8 @@
           </p:nvSpPr>
           <p:spPr>
             <a:xfrm rot="10800000">
-              <a:off x="1080" y="1080"/>
-              <a:ext cx="841680" cy="5664960"/>
+              <a:off x="1440" y="1440"/>
+              <a:ext cx="841320" cy="5664600"/>
             </a:xfrm>
             <a:prstGeom prst="triangle">
               <a:avLst>
@@ -10670,8 +10671,8 @@
         </p:nvSpPr>
         <p:spPr>
           <a:xfrm>
-            <a:off x="1506960" y="2404440"/>
-            <a:ext cx="7765920" cy="1645200"/>
+            <a:off x="609480" y="273600"/>
+            <a:ext cx="10972440" cy="1144800"/>
           </a:xfrm>
           <a:prstGeom prst="rect">
             <a:avLst/>
@@ -10685,17 +10686,11 @@
             <a:pPr algn="ctr"/>
             <a:r>
               <a:rPr b="0" lang="en-US" sz="4400" spc="-1" strike="noStrike">
-                <a:solidFill>
-                  <a:srgbClr val="000000"/>
-                </a:solidFill>
                 <a:latin typeface="Arial"/>
               </a:rPr>
               <a:t>Click to edit the title text format</a:t>
             </a:r>
             <a:endParaRPr b="0" lang="en-US" sz="4400" spc="-1" strike="noStrike">
-              <a:solidFill>
-                <a:srgbClr val="000000"/>
-              </a:solidFill>
               <a:latin typeface="Arial"/>
             </a:endParaRPr>
           </a:p>
@@ -10714,7 +10709,7 @@
         <p:spPr>
           <a:xfrm>
             <a:off x="609480" y="1604520"/>
-            <a:ext cx="10972080" cy="3976920"/>
+            <a:ext cx="10972440" cy="3977280"/>
           </a:xfrm>
           <a:prstGeom prst="rect">
             <a:avLst/>
@@ -10725,7 +10720,7 @@
             <a:normAutofit/>
           </a:bodyPr>
           <a:p>
-            <a:pPr marL="432000" indent="-324000" algn="ctr">
+            <a:pPr marL="432000" indent="-324000">
               <a:spcBef>
                 <a:spcPts val="1417"/>
               </a:spcBef>
@@ -10737,23 +10732,17 @@
               <a:buChar char=""/>
             </a:pPr>
             <a:r>
-              <a:rPr b="0" lang="en-US" sz="2800" spc="-1" strike="noStrike">
-                <a:solidFill>
-                  <a:srgbClr val="000000"/>
-                </a:solidFill>
+              <a:rPr b="0" lang="en-US" sz="3200" spc="-1" strike="noStrike">
                 <a:latin typeface="Arial"/>
               </a:rPr>
               <a:t>Click to edit the outline text format</a:t>
             </a:r>
-            <a:endParaRPr b="0" lang="en-US" sz="2800" spc="-1" strike="noStrike">
-              <a:solidFill>
-                <a:srgbClr val="000000"/>
-              </a:solidFill>
-              <a:latin typeface="Arial"/>
-            </a:endParaRPr>
-          </a:p>
-          <a:p>
-            <a:pPr lvl="1" marL="864000" indent="-324000" algn="ctr">
+            <a:endParaRPr b="0" lang="en-US" sz="3200" spc="-1" strike="noStrike">
+              <a:latin typeface="Arial"/>
+            </a:endParaRPr>
+          </a:p>
+          <a:p>
+            <a:pPr lvl="1" marL="864000" indent="-324000">
               <a:spcBef>
                 <a:spcPts val="1134"/>
               </a:spcBef>
@@ -10766,22 +10755,16 @@
             </a:pPr>
             <a:r>
               <a:rPr b="0" lang="en-US" sz="2800" spc="-1" strike="noStrike">
-                <a:solidFill>
-                  <a:srgbClr val="000000"/>
-                </a:solidFill>
                 <a:latin typeface="Arial"/>
               </a:rPr>
               <a:t>Second Outline Level</a:t>
             </a:r>
             <a:endParaRPr b="0" lang="en-US" sz="2800" spc="-1" strike="noStrike">
-              <a:solidFill>
-                <a:srgbClr val="000000"/>
-              </a:solidFill>
-              <a:latin typeface="Arial"/>
-            </a:endParaRPr>
-          </a:p>
-          <a:p>
-            <a:pPr lvl="2" marL="1296000" indent="-288000" algn="ctr">
+              <a:latin typeface="Arial"/>
+            </a:endParaRPr>
+          </a:p>
+          <a:p>
+            <a:pPr lvl="2" marL="1296000" indent="-288000">
               <a:spcBef>
                 <a:spcPts val="850"/>
               </a:spcBef>
@@ -10793,23 +10776,17 @@
               <a:buChar char=""/>
             </a:pPr>
             <a:r>
-              <a:rPr b="0" lang="en-US" sz="2800" spc="-1" strike="noStrike">
-                <a:solidFill>
-                  <a:srgbClr val="000000"/>
-                </a:solidFill>
+              <a:rPr b="0" lang="en-US" sz="2400" spc="-1" strike="noStrike">
                 <a:latin typeface="Arial"/>
               </a:rPr>
               <a:t>Third Outline Level</a:t>
             </a:r>
-            <a:endParaRPr b="0" lang="en-US" sz="2800" spc="-1" strike="noStrike">
-              <a:solidFill>
-                <a:srgbClr val="000000"/>
-              </a:solidFill>
-              <a:latin typeface="Arial"/>
-            </a:endParaRPr>
-          </a:p>
-          <a:p>
-            <a:pPr lvl="3" marL="1728000" indent="-216000" algn="ctr">
+            <a:endParaRPr b="0" lang="en-US" sz="2400" spc="-1" strike="noStrike">
+              <a:latin typeface="Arial"/>
+            </a:endParaRPr>
+          </a:p>
+          <a:p>
+            <a:pPr lvl="3" marL="1728000" indent="-216000">
               <a:spcBef>
                 <a:spcPts val="567"/>
               </a:spcBef>
@@ -10821,23 +10798,17 @@
               <a:buChar char=""/>
             </a:pPr>
             <a:r>
-              <a:rPr b="0" lang="en-US" sz="2800" spc="-1" strike="noStrike">
-                <a:solidFill>
-                  <a:srgbClr val="000000"/>
-                </a:solidFill>
+              <a:rPr b="0" lang="en-US" sz="2000" spc="-1" strike="noStrike">
                 <a:latin typeface="Arial"/>
               </a:rPr>
               <a:t>Fourth Outline Level</a:t>
             </a:r>
-            <a:endParaRPr b="0" lang="en-US" sz="2800" spc="-1" strike="noStrike">
-              <a:solidFill>
-                <a:srgbClr val="000000"/>
-              </a:solidFill>
-              <a:latin typeface="Arial"/>
-            </a:endParaRPr>
-          </a:p>
-          <a:p>
-            <a:pPr lvl="4" marL="2160000" indent="-216000" algn="ctr">
+            <a:endParaRPr b="0" lang="en-US" sz="2000" spc="-1" strike="noStrike">
+              <a:latin typeface="Arial"/>
+            </a:endParaRPr>
+          </a:p>
+          <a:p>
+            <a:pPr lvl="4" marL="2160000" indent="-216000">
               <a:spcBef>
                 <a:spcPts val="283"/>
               </a:spcBef>
@@ -10849,23 +10820,17 @@
               <a:buChar char=""/>
             </a:pPr>
             <a:r>
-              <a:rPr b="0" lang="en-US" sz="2800" spc="-1" strike="noStrike">
-                <a:solidFill>
-                  <a:srgbClr val="000000"/>
-                </a:solidFill>
+              <a:rPr b="0" lang="en-US" sz="2000" spc="-1" strike="noStrike">
                 <a:latin typeface="Arial"/>
               </a:rPr>
               <a:t>Fifth Outline Level</a:t>
             </a:r>
-            <a:endParaRPr b="0" lang="en-US" sz="2800" spc="-1" strike="noStrike">
-              <a:solidFill>
-                <a:srgbClr val="000000"/>
-              </a:solidFill>
-              <a:latin typeface="Arial"/>
-            </a:endParaRPr>
-          </a:p>
-          <a:p>
-            <a:pPr lvl="5" marL="2592000" indent="-216000" algn="ctr">
+            <a:endParaRPr b="0" lang="en-US" sz="2000" spc="-1" strike="noStrike">
+              <a:latin typeface="Arial"/>
+            </a:endParaRPr>
+          </a:p>
+          <a:p>
+            <a:pPr lvl="5" marL="2592000" indent="-216000">
               <a:spcBef>
                 <a:spcPts val="283"/>
               </a:spcBef>
@@ -10877,23 +10842,17 @@
               <a:buChar char=""/>
             </a:pPr>
             <a:r>
-              <a:rPr b="0" lang="en-US" sz="2800" spc="-1" strike="noStrike">
-                <a:solidFill>
-                  <a:srgbClr val="000000"/>
-                </a:solidFill>
+              <a:rPr b="0" lang="en-US" sz="2000" spc="-1" strike="noStrike">
                 <a:latin typeface="Arial"/>
               </a:rPr>
               <a:t>Sixth Outline Level</a:t>
             </a:r>
-            <a:endParaRPr b="0" lang="en-US" sz="2800" spc="-1" strike="noStrike">
-              <a:solidFill>
-                <a:srgbClr val="000000"/>
-              </a:solidFill>
-              <a:latin typeface="Arial"/>
-            </a:endParaRPr>
-          </a:p>
-          <a:p>
-            <a:pPr lvl="6" marL="3024000" indent="-216000" algn="ctr">
+            <a:endParaRPr b="0" lang="en-US" sz="2000" spc="-1" strike="noStrike">
+              <a:latin typeface="Arial"/>
+            </a:endParaRPr>
+          </a:p>
+          <a:p>
+            <a:pPr lvl="6" marL="3024000" indent="-216000">
               <a:spcBef>
                 <a:spcPts val="283"/>
               </a:spcBef>
@@ -10905,18 +10864,12 @@
               <a:buChar char=""/>
             </a:pPr>
             <a:r>
-              <a:rPr b="0" lang="en-US" sz="2800" spc="-1" strike="noStrike">
-                <a:solidFill>
-                  <a:srgbClr val="000000"/>
-                </a:solidFill>
+              <a:rPr b="0" lang="en-US" sz="2000" spc="-1" strike="noStrike">
                 <a:latin typeface="Arial"/>
               </a:rPr>
               <a:t>Seventh Outline Level</a:t>
             </a:r>
-            <a:endParaRPr b="0" lang="en-US" sz="2800" spc="-1" strike="noStrike">
-              <a:solidFill>
-                <a:srgbClr val="000000"/>
-              </a:solidFill>
+            <a:endParaRPr b="0" lang="en-US" sz="2000" spc="-1" strike="noStrike">
               <a:latin typeface="Arial"/>
             </a:endParaRPr>
           </a:p>
@@ -10975,9 +10928,9 @@
         <p:grpSpPr>
           <a:xfrm>
             <a:off x="0" y="-8640"/>
-            <a:ext cx="12191040" cy="6866640"/>
+            <a:ext cx="12190680" cy="6866640"/>
             <a:chOff x="0" y="-8640"/>
-            <a:chExt cx="12191040" cy="6866640"/>
+            <a:chExt cx="12190680" cy="6866640"/>
           </a:xfrm>
         </p:grpSpPr>
         <p:sp>
@@ -11061,7 +11014,7 @@
           <p:spPr>
             <a:xfrm>
               <a:off x="9181440" y="-8640"/>
-              <a:ext cx="3006360" cy="6865560"/>
+              <a:ext cx="3006000" cy="6865200"/>
             </a:xfrm>
             <a:custGeom>
               <a:avLst/>
@@ -11127,7 +11080,7 @@
           <p:spPr>
             <a:xfrm>
               <a:off x="9603360" y="-8640"/>
-              <a:ext cx="2587320" cy="6865560"/>
+              <a:ext cx="2586960" cy="6865200"/>
             </a:xfrm>
             <a:custGeom>
               <a:avLst/>
@@ -11193,7 +11146,7 @@
           <p:spPr>
             <a:xfrm>
               <a:off x="8932320" y="3048120"/>
-              <a:ext cx="3258720" cy="3808800"/>
+              <a:ext cx="3258360" cy="3808440"/>
             </a:xfrm>
             <a:prstGeom prst="triangle">
               <a:avLst>
@@ -11238,7 +11191,7 @@
           <p:spPr>
             <a:xfrm>
               <a:off x="9334440" y="-8640"/>
-              <a:ext cx="2853360" cy="6865560"/>
+              <a:ext cx="2853000" cy="6865200"/>
             </a:xfrm>
             <a:custGeom>
               <a:avLst/>
@@ -11305,7 +11258,7 @@
           <p:spPr>
             <a:xfrm>
               <a:off x="10898640" y="-8640"/>
-              <a:ext cx="1289160" cy="6865560"/>
+              <a:ext cx="1288800" cy="6865200"/>
             </a:xfrm>
             <a:custGeom>
               <a:avLst/>
@@ -11373,7 +11326,7 @@
           <p:spPr>
             <a:xfrm>
               <a:off x="10938960" y="-8640"/>
-              <a:ext cx="1248840" cy="6865560"/>
+              <a:ext cx="1248480" cy="6865200"/>
             </a:xfrm>
             <a:custGeom>
               <a:avLst/>
@@ -11439,7 +11392,7 @@
           <p:spPr>
             <a:xfrm>
               <a:off x="10371600" y="3589920"/>
-              <a:ext cx="1816200" cy="3267000"/>
+              <a:ext cx="1815840" cy="3266640"/>
             </a:xfrm>
             <a:prstGeom prst="triangle">
               <a:avLst>
@@ -11484,7 +11437,7 @@
           <p:spPr>
             <a:xfrm>
               <a:off x="0" y="4013280"/>
-              <a:ext cx="447480" cy="2843640"/>
+              <a:ext cx="447120" cy="2843280"/>
             </a:xfrm>
             <a:prstGeom prst="triangle">
               <a:avLst>
@@ -11529,10 +11482,10 @@
         </p:nvGrpSpPr>
         <p:grpSpPr>
           <a:xfrm>
-            <a:off x="1080" y="-8640"/>
-            <a:ext cx="12189960" cy="6866640"/>
-            <a:chOff x="1080" y="-8640"/>
-            <a:chExt cx="12189960" cy="6866640"/>
+            <a:off x="1440" y="-8640"/>
+            <a:ext cx="12189240" cy="6866640"/>
+            <a:chOff x="1440" y="-8640"/>
+            <a:chExt cx="12189240" cy="6866640"/>
           </a:xfrm>
         </p:grpSpPr>
         <p:sp>
@@ -11616,7 +11569,7 @@
           <p:spPr>
             <a:xfrm>
               <a:off x="9181440" y="-8640"/>
-              <a:ext cx="3006360" cy="6865560"/>
+              <a:ext cx="3006000" cy="6865200"/>
             </a:xfrm>
             <a:custGeom>
               <a:avLst/>
@@ -11682,7 +11635,7 @@
           <p:spPr>
             <a:xfrm>
               <a:off x="9603360" y="-8640"/>
-              <a:ext cx="2587320" cy="6865560"/>
+              <a:ext cx="2586960" cy="6865200"/>
             </a:xfrm>
             <a:custGeom>
               <a:avLst/>
@@ -11748,7 +11701,7 @@
           <p:spPr>
             <a:xfrm>
               <a:off x="8932320" y="3048120"/>
-              <a:ext cx="3258720" cy="3808800"/>
+              <a:ext cx="3258360" cy="3808440"/>
             </a:xfrm>
             <a:prstGeom prst="triangle">
               <a:avLst>
@@ -11793,7 +11746,7 @@
           <p:spPr>
             <a:xfrm>
               <a:off x="9334440" y="-8640"/>
-              <a:ext cx="2853360" cy="6865560"/>
+              <a:ext cx="2853000" cy="6865200"/>
             </a:xfrm>
             <a:custGeom>
               <a:avLst/>
@@ -11860,7 +11813,7 @@
           <p:spPr>
             <a:xfrm>
               <a:off x="10898640" y="-8640"/>
-              <a:ext cx="1289160" cy="6865560"/>
+              <a:ext cx="1288800" cy="6865200"/>
             </a:xfrm>
             <a:custGeom>
               <a:avLst/>
@@ -11928,7 +11881,7 @@
           <p:spPr>
             <a:xfrm>
               <a:off x="10938960" y="-8640"/>
-              <a:ext cx="1248840" cy="6865560"/>
+              <a:ext cx="1248480" cy="6865200"/>
             </a:xfrm>
             <a:custGeom>
               <a:avLst/>
@@ -11994,7 +11947,7 @@
           <p:spPr>
             <a:xfrm>
               <a:off x="10371600" y="3589920"/>
-              <a:ext cx="1816200" cy="3267000"/>
+              <a:ext cx="1815840" cy="3266640"/>
             </a:xfrm>
             <a:prstGeom prst="triangle">
               <a:avLst>
@@ -12038,8 +11991,8 @@
           </p:nvSpPr>
           <p:spPr>
             <a:xfrm rot="10800000">
-              <a:off x="1080" y="1080"/>
-              <a:ext cx="841680" cy="5664960"/>
+              <a:off x="1440" y="1440"/>
+              <a:ext cx="841320" cy="5664600"/>
             </a:xfrm>
             <a:prstGeom prst="triangle">
               <a:avLst>
@@ -12088,8 +12041,8 @@
         </p:nvSpPr>
         <p:spPr>
           <a:xfrm>
-            <a:off x="1506960" y="2404440"/>
-            <a:ext cx="7765920" cy="1645200"/>
+            <a:off x="609480" y="273600"/>
+            <a:ext cx="10972440" cy="1144800"/>
           </a:xfrm>
           <a:prstGeom prst="rect">
             <a:avLst/>
@@ -12103,17 +12056,11 @@
             <a:pPr algn="ctr"/>
             <a:r>
               <a:rPr b="0" lang="en-US" sz="4400" spc="-1" strike="noStrike">
-                <a:solidFill>
-                  <a:srgbClr val="000000"/>
-                </a:solidFill>
                 <a:latin typeface="Arial"/>
               </a:rPr>
               <a:t>Click to edit the title text format</a:t>
             </a:r>
             <a:endParaRPr b="0" lang="en-US" sz="4400" spc="-1" strike="noStrike">
-              <a:solidFill>
-                <a:srgbClr val="000000"/>
-              </a:solidFill>
               <a:latin typeface="Arial"/>
             </a:endParaRPr>
           </a:p>
@@ -12132,7 +12079,7 @@
         <p:spPr>
           <a:xfrm>
             <a:off x="609480" y="1604520"/>
-            <a:ext cx="10972080" cy="3976920"/>
+            <a:ext cx="10972440" cy="3977280"/>
           </a:xfrm>
           <a:prstGeom prst="rect">
             <a:avLst/>
@@ -12143,7 +12090,7 @@
             <a:normAutofit/>
           </a:bodyPr>
           <a:p>
-            <a:pPr marL="432000" indent="-324000" algn="ctr">
+            <a:pPr marL="432000" indent="-324000">
               <a:spcBef>
                 <a:spcPts val="1417"/>
               </a:spcBef>
@@ -12155,23 +12102,17 @@
               <a:buChar char=""/>
             </a:pPr>
             <a:r>
-              <a:rPr b="0" lang="en-US" sz="2800" spc="-1" strike="noStrike">
-                <a:solidFill>
-                  <a:srgbClr val="000000"/>
-                </a:solidFill>
+              <a:rPr b="0" lang="en-US" sz="3200" spc="-1" strike="noStrike">
                 <a:latin typeface="Arial"/>
               </a:rPr>
               <a:t>Click to edit the outline text format</a:t>
             </a:r>
-            <a:endParaRPr b="0" lang="en-US" sz="2800" spc="-1" strike="noStrike">
-              <a:solidFill>
-                <a:srgbClr val="000000"/>
-              </a:solidFill>
-              <a:latin typeface="Arial"/>
-            </a:endParaRPr>
-          </a:p>
-          <a:p>
-            <a:pPr lvl="1" marL="864000" indent="-324000" algn="ctr">
+            <a:endParaRPr b="0" lang="en-US" sz="3200" spc="-1" strike="noStrike">
+              <a:latin typeface="Arial"/>
+            </a:endParaRPr>
+          </a:p>
+          <a:p>
+            <a:pPr lvl="1" marL="864000" indent="-324000">
               <a:spcBef>
                 <a:spcPts val="1134"/>
               </a:spcBef>
@@ -12184,22 +12125,16 @@
             </a:pPr>
             <a:r>
               <a:rPr b="0" lang="en-US" sz="2800" spc="-1" strike="noStrike">
-                <a:solidFill>
-                  <a:srgbClr val="000000"/>
-                </a:solidFill>
                 <a:latin typeface="Arial"/>
               </a:rPr>
               <a:t>Second Outline Level</a:t>
             </a:r>
             <a:endParaRPr b="0" lang="en-US" sz="2800" spc="-1" strike="noStrike">
-              <a:solidFill>
-                <a:srgbClr val="000000"/>
-              </a:solidFill>
-              <a:latin typeface="Arial"/>
-            </a:endParaRPr>
-          </a:p>
-          <a:p>
-            <a:pPr lvl="2" marL="1296000" indent="-288000" algn="ctr">
+              <a:latin typeface="Arial"/>
+            </a:endParaRPr>
+          </a:p>
+          <a:p>
+            <a:pPr lvl="2" marL="1296000" indent="-288000">
               <a:spcBef>
                 <a:spcPts val="850"/>
               </a:spcBef>
@@ -12211,23 +12146,17 @@
               <a:buChar char=""/>
             </a:pPr>
             <a:r>
-              <a:rPr b="0" lang="en-US" sz="2800" spc="-1" strike="noStrike">
-                <a:solidFill>
-                  <a:srgbClr val="000000"/>
-                </a:solidFill>
+              <a:rPr b="0" lang="en-US" sz="2400" spc="-1" strike="noStrike">
                 <a:latin typeface="Arial"/>
               </a:rPr>
               <a:t>Third Outline Level</a:t>
             </a:r>
-            <a:endParaRPr b="0" lang="en-US" sz="2800" spc="-1" strike="noStrike">
-              <a:solidFill>
-                <a:srgbClr val="000000"/>
-              </a:solidFill>
-              <a:latin typeface="Arial"/>
-            </a:endParaRPr>
-          </a:p>
-          <a:p>
-            <a:pPr lvl="3" marL="1728000" indent="-216000" algn="ctr">
+            <a:endParaRPr b="0" lang="en-US" sz="2400" spc="-1" strike="noStrike">
+              <a:latin typeface="Arial"/>
+            </a:endParaRPr>
+          </a:p>
+          <a:p>
+            <a:pPr lvl="3" marL="1728000" indent="-216000">
               <a:spcBef>
                 <a:spcPts val="567"/>
               </a:spcBef>
@@ -12239,23 +12168,17 @@
               <a:buChar char=""/>
             </a:pPr>
             <a:r>
-              <a:rPr b="0" lang="en-US" sz="2800" spc="-1" strike="noStrike">
-                <a:solidFill>
-                  <a:srgbClr val="000000"/>
-                </a:solidFill>
+              <a:rPr b="0" lang="en-US" sz="2000" spc="-1" strike="noStrike">
                 <a:latin typeface="Arial"/>
               </a:rPr>
               <a:t>Fourth Outline Level</a:t>
             </a:r>
-            <a:endParaRPr b="0" lang="en-US" sz="2800" spc="-1" strike="noStrike">
-              <a:solidFill>
-                <a:srgbClr val="000000"/>
-              </a:solidFill>
-              <a:latin typeface="Arial"/>
-            </a:endParaRPr>
-          </a:p>
-          <a:p>
-            <a:pPr lvl="4" marL="2160000" indent="-216000" algn="ctr">
+            <a:endParaRPr b="0" lang="en-US" sz="2000" spc="-1" strike="noStrike">
+              <a:latin typeface="Arial"/>
+            </a:endParaRPr>
+          </a:p>
+          <a:p>
+            <a:pPr lvl="4" marL="2160000" indent="-216000">
               <a:spcBef>
                 <a:spcPts val="283"/>
               </a:spcBef>
@@ -12267,23 +12190,17 @@
               <a:buChar char=""/>
             </a:pPr>
             <a:r>
-              <a:rPr b="0" lang="en-US" sz="2800" spc="-1" strike="noStrike">
-                <a:solidFill>
-                  <a:srgbClr val="000000"/>
-                </a:solidFill>
+              <a:rPr b="0" lang="en-US" sz="2000" spc="-1" strike="noStrike">
                 <a:latin typeface="Arial"/>
               </a:rPr>
               <a:t>Fifth Outline Level</a:t>
             </a:r>
-            <a:endParaRPr b="0" lang="en-US" sz="2800" spc="-1" strike="noStrike">
-              <a:solidFill>
-                <a:srgbClr val="000000"/>
-              </a:solidFill>
-              <a:latin typeface="Arial"/>
-            </a:endParaRPr>
-          </a:p>
-          <a:p>
-            <a:pPr lvl="5" marL="2592000" indent="-216000" algn="ctr">
+            <a:endParaRPr b="0" lang="en-US" sz="2000" spc="-1" strike="noStrike">
+              <a:latin typeface="Arial"/>
+            </a:endParaRPr>
+          </a:p>
+          <a:p>
+            <a:pPr lvl="5" marL="2592000" indent="-216000">
               <a:spcBef>
                 <a:spcPts val="283"/>
               </a:spcBef>
@@ -12295,23 +12212,17 @@
               <a:buChar char=""/>
             </a:pPr>
             <a:r>
-              <a:rPr b="0" lang="en-US" sz="2800" spc="-1" strike="noStrike">
-                <a:solidFill>
-                  <a:srgbClr val="000000"/>
-                </a:solidFill>
+              <a:rPr b="0" lang="en-US" sz="2000" spc="-1" strike="noStrike">
                 <a:latin typeface="Arial"/>
               </a:rPr>
               <a:t>Sixth Outline Level</a:t>
             </a:r>
-            <a:endParaRPr b="0" lang="en-US" sz="2800" spc="-1" strike="noStrike">
-              <a:solidFill>
-                <a:srgbClr val="000000"/>
-              </a:solidFill>
-              <a:latin typeface="Arial"/>
-            </a:endParaRPr>
-          </a:p>
-          <a:p>
-            <a:pPr lvl="6" marL="3024000" indent="-216000" algn="ctr">
+            <a:endParaRPr b="0" lang="en-US" sz="2000" spc="-1" strike="noStrike">
+              <a:latin typeface="Arial"/>
+            </a:endParaRPr>
+          </a:p>
+          <a:p>
+            <a:pPr lvl="6" marL="3024000" indent="-216000">
               <a:spcBef>
                 <a:spcPts val="283"/>
               </a:spcBef>
@@ -12323,18 +12234,12 @@
               <a:buChar char=""/>
             </a:pPr>
             <a:r>
-              <a:rPr b="0" lang="en-US" sz="2800" spc="-1" strike="noStrike">
-                <a:solidFill>
-                  <a:srgbClr val="000000"/>
-                </a:solidFill>
+              <a:rPr b="0" lang="en-US" sz="2000" spc="-1" strike="noStrike">
                 <a:latin typeface="Arial"/>
               </a:rPr>
               <a:t>Seventh Outline Level</a:t>
             </a:r>
-            <a:endParaRPr b="0" lang="en-US" sz="2800" spc="-1" strike="noStrike">
-              <a:solidFill>
-                <a:srgbClr val="000000"/>
-              </a:solidFill>
+            <a:endParaRPr b="0" lang="en-US" sz="2000" spc="-1" strike="noStrike">
               <a:latin typeface="Arial"/>
             </a:endParaRPr>
           </a:p>
@@ -12393,9 +12298,9 @@
         <p:grpSpPr>
           <a:xfrm>
             <a:off x="0" y="-8640"/>
-            <a:ext cx="12191040" cy="6866640"/>
+            <a:ext cx="12190320" cy="6866640"/>
             <a:chOff x="0" y="-8640"/>
-            <a:chExt cx="12191040" cy="6866640"/>
+            <a:chExt cx="12190320" cy="6866640"/>
           </a:xfrm>
         </p:grpSpPr>
         <p:sp>
@@ -12479,7 +12384,7 @@
           <p:spPr>
             <a:xfrm>
               <a:off x="9181440" y="-8640"/>
-              <a:ext cx="3006360" cy="6865560"/>
+              <a:ext cx="3005640" cy="6864840"/>
             </a:xfrm>
             <a:custGeom>
               <a:avLst/>
@@ -12545,7 +12450,7 @@
           <p:spPr>
             <a:xfrm>
               <a:off x="9603360" y="-8640"/>
-              <a:ext cx="2587320" cy="6865560"/>
+              <a:ext cx="2586600" cy="6864840"/>
             </a:xfrm>
             <a:custGeom>
               <a:avLst/>
@@ -12611,7 +12516,7 @@
           <p:spPr>
             <a:xfrm>
               <a:off x="8932320" y="3048120"/>
-              <a:ext cx="3258720" cy="3808800"/>
+              <a:ext cx="3258000" cy="3808080"/>
             </a:xfrm>
             <a:prstGeom prst="triangle">
               <a:avLst>
@@ -12656,7 +12561,7 @@
           <p:spPr>
             <a:xfrm>
               <a:off x="9334440" y="-8640"/>
-              <a:ext cx="2853360" cy="6865560"/>
+              <a:ext cx="2852640" cy="6864840"/>
             </a:xfrm>
             <a:custGeom>
               <a:avLst/>
@@ -12723,7 +12628,7 @@
           <p:spPr>
             <a:xfrm>
               <a:off x="10898640" y="-8640"/>
-              <a:ext cx="1289160" cy="6865560"/>
+              <a:ext cx="1288440" cy="6864840"/>
             </a:xfrm>
             <a:custGeom>
               <a:avLst/>
@@ -12791,7 +12696,7 @@
           <p:spPr>
             <a:xfrm>
               <a:off x="10938960" y="-8640"/>
-              <a:ext cx="1248840" cy="6865560"/>
+              <a:ext cx="1248120" cy="6864840"/>
             </a:xfrm>
             <a:custGeom>
               <a:avLst/>
@@ -12857,7 +12762,7 @@
           <p:spPr>
             <a:xfrm>
               <a:off x="10371600" y="3589920"/>
-              <a:ext cx="1816200" cy="3267000"/>
+              <a:ext cx="1815480" cy="3266280"/>
             </a:xfrm>
             <a:prstGeom prst="triangle">
               <a:avLst>
@@ -12902,7 +12807,7 @@
           <p:spPr>
             <a:xfrm>
               <a:off x="0" y="4013280"/>
-              <a:ext cx="447480" cy="2843640"/>
+              <a:ext cx="446760" cy="2842920"/>
             </a:xfrm>
             <a:prstGeom prst="triangle">
               <a:avLst>
@@ -12947,10 +12852,10 @@
         </p:nvGrpSpPr>
         <p:grpSpPr>
           <a:xfrm>
-            <a:off x="1080" y="-8640"/>
-            <a:ext cx="12189960" cy="6866640"/>
-            <a:chOff x="1080" y="-8640"/>
-            <a:chExt cx="12189960" cy="6866640"/>
+            <a:off x="1800" y="-8640"/>
+            <a:ext cx="12188520" cy="6866640"/>
+            <a:chOff x="1800" y="-8640"/>
+            <a:chExt cx="12188520" cy="6866640"/>
           </a:xfrm>
         </p:grpSpPr>
         <p:sp>
@@ -13034,7 +12939,7 @@
           <p:spPr>
             <a:xfrm>
               <a:off x="9181440" y="-8640"/>
-              <a:ext cx="3006360" cy="6865560"/>
+              <a:ext cx="3005640" cy="6864840"/>
             </a:xfrm>
             <a:custGeom>
               <a:avLst/>
@@ -13100,7 +13005,7 @@
           <p:spPr>
             <a:xfrm>
               <a:off x="9603360" y="-8640"/>
-              <a:ext cx="2587320" cy="6865560"/>
+              <a:ext cx="2586600" cy="6864840"/>
             </a:xfrm>
             <a:custGeom>
               <a:avLst/>
@@ -13166,7 +13071,7 @@
           <p:spPr>
             <a:xfrm>
               <a:off x="8932320" y="3048120"/>
-              <a:ext cx="3258720" cy="3808800"/>
+              <a:ext cx="3258000" cy="3808080"/>
             </a:xfrm>
             <a:prstGeom prst="triangle">
               <a:avLst>
@@ -13211,7 +13116,7 @@
           <p:spPr>
             <a:xfrm>
               <a:off x="9334440" y="-8640"/>
-              <a:ext cx="2853360" cy="6865560"/>
+              <a:ext cx="2852640" cy="6864840"/>
             </a:xfrm>
             <a:custGeom>
               <a:avLst/>
@@ -13278,7 +13183,7 @@
           <p:spPr>
             <a:xfrm>
               <a:off x="10898640" y="-8640"/>
-              <a:ext cx="1289160" cy="6865560"/>
+              <a:ext cx="1288440" cy="6864840"/>
             </a:xfrm>
             <a:custGeom>
               <a:avLst/>
@@ -13346,7 +13251,7 @@
           <p:spPr>
             <a:xfrm>
               <a:off x="10938960" y="-8640"/>
-              <a:ext cx="1248840" cy="6865560"/>
+              <a:ext cx="1248120" cy="6864840"/>
             </a:xfrm>
             <a:custGeom>
               <a:avLst/>
@@ -13412,7 +13317,7 @@
           <p:spPr>
             <a:xfrm>
               <a:off x="10371600" y="3589920"/>
-              <a:ext cx="1816200" cy="3267000"/>
+              <a:ext cx="1815480" cy="3266280"/>
             </a:xfrm>
             <a:prstGeom prst="triangle">
               <a:avLst>
@@ -13456,8 +13361,8 @@
           </p:nvSpPr>
           <p:spPr>
             <a:xfrm rot="10800000">
-              <a:off x="1080" y="1080"/>
-              <a:ext cx="841680" cy="5664960"/>
+              <a:off x="1800" y="1800"/>
+              <a:ext cx="840960" cy="5664240"/>
             </a:xfrm>
             <a:prstGeom prst="triangle">
               <a:avLst>
@@ -13506,8 +13411,8 @@
         </p:nvSpPr>
         <p:spPr>
           <a:xfrm>
-            <a:off x="1506960" y="2404440"/>
-            <a:ext cx="7765920" cy="1645200"/>
+            <a:off x="609480" y="273600"/>
+            <a:ext cx="10972440" cy="1144800"/>
           </a:xfrm>
           <a:prstGeom prst="rect">
             <a:avLst/>
@@ -13521,17 +13426,11 @@
             <a:pPr algn="ctr"/>
             <a:r>
               <a:rPr b="0" lang="en-US" sz="4400" spc="-1" strike="noStrike">
-                <a:solidFill>
-                  <a:srgbClr val="000000"/>
-                </a:solidFill>
                 <a:latin typeface="Arial"/>
               </a:rPr>
               <a:t>Click to edit the title text format</a:t>
             </a:r>
             <a:endParaRPr b="0" lang="en-US" sz="4400" spc="-1" strike="noStrike">
-              <a:solidFill>
-                <a:srgbClr val="000000"/>
-              </a:solidFill>
               <a:latin typeface="Arial"/>
             </a:endParaRPr>
           </a:p>
@@ -13550,7 +13449,7 @@
         <p:spPr>
           <a:xfrm>
             <a:off x="609480" y="1604520"/>
-            <a:ext cx="10972080" cy="3976920"/>
+            <a:ext cx="10972440" cy="3977280"/>
           </a:xfrm>
           <a:prstGeom prst="rect">
             <a:avLst/>
@@ -13561,7 +13460,7 @@
             <a:normAutofit/>
           </a:bodyPr>
           <a:p>
-            <a:pPr marL="432000" indent="-324000" algn="ctr">
+            <a:pPr marL="432000" indent="-324000">
               <a:spcBef>
                 <a:spcPts val="1417"/>
               </a:spcBef>
@@ -13573,23 +13472,17 @@
               <a:buChar char=""/>
             </a:pPr>
             <a:r>
-              <a:rPr b="0" lang="en-US" sz="2800" spc="-1" strike="noStrike">
-                <a:solidFill>
-                  <a:srgbClr val="000000"/>
-                </a:solidFill>
+              <a:rPr b="0" lang="en-US" sz="3200" spc="-1" strike="noStrike">
                 <a:latin typeface="Arial"/>
               </a:rPr>
               <a:t>Click to edit the outline text format</a:t>
             </a:r>
-            <a:endParaRPr b="0" lang="en-US" sz="2800" spc="-1" strike="noStrike">
-              <a:solidFill>
-                <a:srgbClr val="000000"/>
-              </a:solidFill>
-              <a:latin typeface="Arial"/>
-            </a:endParaRPr>
-          </a:p>
-          <a:p>
-            <a:pPr lvl="1" marL="864000" indent="-324000" algn="ctr">
+            <a:endParaRPr b="0" lang="en-US" sz="3200" spc="-1" strike="noStrike">
+              <a:latin typeface="Arial"/>
+            </a:endParaRPr>
+          </a:p>
+          <a:p>
+            <a:pPr lvl="1" marL="864000" indent="-324000">
               <a:spcBef>
                 <a:spcPts val="1134"/>
               </a:spcBef>
@@ -13602,22 +13495,16 @@
             </a:pPr>
             <a:r>
               <a:rPr b="0" lang="en-US" sz="2800" spc="-1" strike="noStrike">
-                <a:solidFill>
-                  <a:srgbClr val="000000"/>
-                </a:solidFill>
                 <a:latin typeface="Arial"/>
               </a:rPr>
               <a:t>Second Outline Level</a:t>
             </a:r>
             <a:endParaRPr b="0" lang="en-US" sz="2800" spc="-1" strike="noStrike">
-              <a:solidFill>
-                <a:srgbClr val="000000"/>
-              </a:solidFill>
-              <a:latin typeface="Arial"/>
-            </a:endParaRPr>
-          </a:p>
-          <a:p>
-            <a:pPr lvl="2" marL="1296000" indent="-288000" algn="ctr">
+              <a:latin typeface="Arial"/>
+            </a:endParaRPr>
+          </a:p>
+          <a:p>
+            <a:pPr lvl="2" marL="1296000" indent="-288000">
               <a:spcBef>
                 <a:spcPts val="850"/>
               </a:spcBef>
@@ -13629,23 +13516,17 @@
               <a:buChar char=""/>
             </a:pPr>
             <a:r>
-              <a:rPr b="0" lang="en-US" sz="2800" spc="-1" strike="noStrike">
-                <a:solidFill>
-                  <a:srgbClr val="000000"/>
-                </a:solidFill>
+              <a:rPr b="0" lang="en-US" sz="2400" spc="-1" strike="noStrike">
                 <a:latin typeface="Arial"/>
               </a:rPr>
               <a:t>Third Outline Level</a:t>
             </a:r>
-            <a:endParaRPr b="0" lang="en-US" sz="2800" spc="-1" strike="noStrike">
-              <a:solidFill>
-                <a:srgbClr val="000000"/>
-              </a:solidFill>
-              <a:latin typeface="Arial"/>
-            </a:endParaRPr>
-          </a:p>
-          <a:p>
-            <a:pPr lvl="3" marL="1728000" indent="-216000" algn="ctr">
+            <a:endParaRPr b="0" lang="en-US" sz="2400" spc="-1" strike="noStrike">
+              <a:latin typeface="Arial"/>
+            </a:endParaRPr>
+          </a:p>
+          <a:p>
+            <a:pPr lvl="3" marL="1728000" indent="-216000">
               <a:spcBef>
                 <a:spcPts val="567"/>
               </a:spcBef>
@@ -13657,23 +13538,17 @@
               <a:buChar char=""/>
             </a:pPr>
             <a:r>
-              <a:rPr b="0" lang="en-US" sz="2800" spc="-1" strike="noStrike">
-                <a:solidFill>
-                  <a:srgbClr val="000000"/>
-                </a:solidFill>
+              <a:rPr b="0" lang="en-US" sz="2000" spc="-1" strike="noStrike">
                 <a:latin typeface="Arial"/>
               </a:rPr>
               <a:t>Fourth Outline Level</a:t>
             </a:r>
-            <a:endParaRPr b="0" lang="en-US" sz="2800" spc="-1" strike="noStrike">
-              <a:solidFill>
-                <a:srgbClr val="000000"/>
-              </a:solidFill>
-              <a:latin typeface="Arial"/>
-            </a:endParaRPr>
-          </a:p>
-          <a:p>
-            <a:pPr lvl="4" marL="2160000" indent="-216000" algn="ctr">
+            <a:endParaRPr b="0" lang="en-US" sz="2000" spc="-1" strike="noStrike">
+              <a:latin typeface="Arial"/>
+            </a:endParaRPr>
+          </a:p>
+          <a:p>
+            <a:pPr lvl="4" marL="2160000" indent="-216000">
               <a:spcBef>
                 <a:spcPts val="283"/>
               </a:spcBef>
@@ -13685,23 +13560,17 @@
               <a:buChar char=""/>
             </a:pPr>
             <a:r>
-              <a:rPr b="0" lang="en-US" sz="2800" spc="-1" strike="noStrike">
-                <a:solidFill>
-                  <a:srgbClr val="000000"/>
-                </a:solidFill>
+              <a:rPr b="0" lang="en-US" sz="2000" spc="-1" strike="noStrike">
                 <a:latin typeface="Arial"/>
               </a:rPr>
               <a:t>Fifth Outline Level</a:t>
             </a:r>
-            <a:endParaRPr b="0" lang="en-US" sz="2800" spc="-1" strike="noStrike">
-              <a:solidFill>
-                <a:srgbClr val="000000"/>
-              </a:solidFill>
-              <a:latin typeface="Arial"/>
-            </a:endParaRPr>
-          </a:p>
-          <a:p>
-            <a:pPr lvl="5" marL="2592000" indent="-216000" algn="ctr">
+            <a:endParaRPr b="0" lang="en-US" sz="2000" spc="-1" strike="noStrike">
+              <a:latin typeface="Arial"/>
+            </a:endParaRPr>
+          </a:p>
+          <a:p>
+            <a:pPr lvl="5" marL="2592000" indent="-216000">
               <a:spcBef>
                 <a:spcPts val="283"/>
               </a:spcBef>
@@ -13713,23 +13582,17 @@
               <a:buChar char=""/>
             </a:pPr>
             <a:r>
-              <a:rPr b="0" lang="en-US" sz="2800" spc="-1" strike="noStrike">
-                <a:solidFill>
-                  <a:srgbClr val="000000"/>
-                </a:solidFill>
+              <a:rPr b="0" lang="en-US" sz="2000" spc="-1" strike="noStrike">
                 <a:latin typeface="Arial"/>
               </a:rPr>
               <a:t>Sixth Outline Level</a:t>
             </a:r>
-            <a:endParaRPr b="0" lang="en-US" sz="2800" spc="-1" strike="noStrike">
-              <a:solidFill>
-                <a:srgbClr val="000000"/>
-              </a:solidFill>
-              <a:latin typeface="Arial"/>
-            </a:endParaRPr>
-          </a:p>
-          <a:p>
-            <a:pPr lvl="6" marL="3024000" indent="-216000" algn="ctr">
+            <a:endParaRPr b="0" lang="en-US" sz="2000" spc="-1" strike="noStrike">
+              <a:latin typeface="Arial"/>
+            </a:endParaRPr>
+          </a:p>
+          <a:p>
+            <a:pPr lvl="6" marL="3024000" indent="-216000">
               <a:spcBef>
                 <a:spcPts val="283"/>
               </a:spcBef>
@@ -13741,18 +13604,12 @@
               <a:buChar char=""/>
             </a:pPr>
             <a:r>
-              <a:rPr b="0" lang="en-US" sz="2800" spc="-1" strike="noStrike">
-                <a:solidFill>
-                  <a:srgbClr val="000000"/>
-                </a:solidFill>
+              <a:rPr b="0" lang="en-US" sz="2000" spc="-1" strike="noStrike">
                 <a:latin typeface="Arial"/>
               </a:rPr>
               <a:t>Seventh Outline Level</a:t>
             </a:r>
-            <a:endParaRPr b="0" lang="en-US" sz="2800" spc="-1" strike="noStrike">
-              <a:solidFill>
-                <a:srgbClr val="000000"/>
-              </a:solidFill>
+            <a:endParaRPr b="0" lang="en-US" sz="2000" spc="-1" strike="noStrike">
               <a:latin typeface="Arial"/>
             </a:endParaRPr>
           </a:p>
@@ -13811,9 +13668,9 @@
         <p:grpSpPr>
           <a:xfrm>
             <a:off x="0" y="-8640"/>
-            <a:ext cx="12191040" cy="6866640"/>
+            <a:ext cx="12190320" cy="6866640"/>
             <a:chOff x="0" y="-8640"/>
-            <a:chExt cx="12191040" cy="6866640"/>
+            <a:chExt cx="12190320" cy="6866640"/>
           </a:xfrm>
         </p:grpSpPr>
         <p:sp>
@@ -13897,7 +13754,7 @@
           <p:spPr>
             <a:xfrm>
               <a:off x="9181440" y="-8640"/>
-              <a:ext cx="3006360" cy="6865560"/>
+              <a:ext cx="3005640" cy="6864840"/>
             </a:xfrm>
             <a:custGeom>
               <a:avLst/>
@@ -13963,7 +13820,7 @@
           <p:spPr>
             <a:xfrm>
               <a:off x="9603360" y="-8640"/>
-              <a:ext cx="2587320" cy="6865560"/>
+              <a:ext cx="2586600" cy="6864840"/>
             </a:xfrm>
             <a:custGeom>
               <a:avLst/>
@@ -14029,7 +13886,7 @@
           <p:spPr>
             <a:xfrm>
               <a:off x="8932320" y="3048120"/>
-              <a:ext cx="3258720" cy="3808800"/>
+              <a:ext cx="3258000" cy="3808080"/>
             </a:xfrm>
             <a:prstGeom prst="triangle">
               <a:avLst>
@@ -14074,7 +13931,7 @@
           <p:spPr>
             <a:xfrm>
               <a:off x="9334440" y="-8640"/>
-              <a:ext cx="2853360" cy="6865560"/>
+              <a:ext cx="2852640" cy="6864840"/>
             </a:xfrm>
             <a:custGeom>
               <a:avLst/>
@@ -14141,7 +13998,7 @@
           <p:spPr>
             <a:xfrm>
               <a:off x="10898640" y="-8640"/>
-              <a:ext cx="1289160" cy="6865560"/>
+              <a:ext cx="1288440" cy="6864840"/>
             </a:xfrm>
             <a:custGeom>
               <a:avLst/>
@@ -14209,7 +14066,7 @@
           <p:spPr>
             <a:xfrm>
               <a:off x="10938960" y="-8640"/>
-              <a:ext cx="1248840" cy="6865560"/>
+              <a:ext cx="1248120" cy="6864840"/>
             </a:xfrm>
             <a:custGeom>
               <a:avLst/>
@@ -14275,7 +14132,7 @@
           <p:spPr>
             <a:xfrm>
               <a:off x="10371600" y="3589920"/>
-              <a:ext cx="1816200" cy="3267000"/>
+              <a:ext cx="1815480" cy="3266280"/>
             </a:xfrm>
             <a:prstGeom prst="triangle">
               <a:avLst>
@@ -14320,7 +14177,7 @@
           <p:spPr>
             <a:xfrm>
               <a:off x="0" y="4013280"/>
-              <a:ext cx="447480" cy="2843640"/>
+              <a:ext cx="446760" cy="2842920"/>
             </a:xfrm>
             <a:prstGeom prst="triangle">
               <a:avLst>
@@ -14365,10 +14222,10 @@
         </p:nvGrpSpPr>
         <p:grpSpPr>
           <a:xfrm>
-            <a:off x="1080" y="-8640"/>
-            <a:ext cx="12189960" cy="6866640"/>
-            <a:chOff x="1080" y="-8640"/>
-            <a:chExt cx="12189960" cy="6866640"/>
+            <a:off x="1800" y="-8640"/>
+            <a:ext cx="12188520" cy="6866640"/>
+            <a:chOff x="1800" y="-8640"/>
+            <a:chExt cx="12188520" cy="6866640"/>
           </a:xfrm>
         </p:grpSpPr>
         <p:sp>
@@ -14452,7 +14309,7 @@
           <p:spPr>
             <a:xfrm>
               <a:off x="9181440" y="-8640"/>
-              <a:ext cx="3006360" cy="6865560"/>
+              <a:ext cx="3005640" cy="6864840"/>
             </a:xfrm>
             <a:custGeom>
               <a:avLst/>
@@ -14518,7 +14375,7 @@
           <p:spPr>
             <a:xfrm>
               <a:off x="9603360" y="-8640"/>
-              <a:ext cx="2587320" cy="6865560"/>
+              <a:ext cx="2586600" cy="6864840"/>
             </a:xfrm>
             <a:custGeom>
               <a:avLst/>
@@ -14584,7 +14441,7 @@
           <p:spPr>
             <a:xfrm>
               <a:off x="8932320" y="3048120"/>
-              <a:ext cx="3258720" cy="3808800"/>
+              <a:ext cx="3258000" cy="3808080"/>
             </a:xfrm>
             <a:prstGeom prst="triangle">
               <a:avLst>
@@ -14629,7 +14486,7 @@
           <p:spPr>
             <a:xfrm>
               <a:off x="9334440" y="-8640"/>
-              <a:ext cx="2853360" cy="6865560"/>
+              <a:ext cx="2852640" cy="6864840"/>
             </a:xfrm>
             <a:custGeom>
               <a:avLst/>
@@ -14696,7 +14553,7 @@
           <p:spPr>
             <a:xfrm>
               <a:off x="10898640" y="-8640"/>
-              <a:ext cx="1289160" cy="6865560"/>
+              <a:ext cx="1288440" cy="6864840"/>
             </a:xfrm>
             <a:custGeom>
               <a:avLst/>
@@ -14764,7 +14621,7 @@
           <p:spPr>
             <a:xfrm>
               <a:off x="10938960" y="-8640"/>
-              <a:ext cx="1248840" cy="6865560"/>
+              <a:ext cx="1248120" cy="6864840"/>
             </a:xfrm>
             <a:custGeom>
               <a:avLst/>
@@ -14830,7 +14687,7 @@
           <p:spPr>
             <a:xfrm>
               <a:off x="10371600" y="3589920"/>
-              <a:ext cx="1816200" cy="3267000"/>
+              <a:ext cx="1815480" cy="3266280"/>
             </a:xfrm>
             <a:prstGeom prst="triangle">
               <a:avLst>
@@ -14874,8 +14731,8 @@
           </p:nvSpPr>
           <p:spPr>
             <a:xfrm rot="10800000">
-              <a:off x="1080" y="1080"/>
-              <a:ext cx="841680" cy="5664960"/>
+              <a:off x="1800" y="1800"/>
+              <a:ext cx="840960" cy="5664240"/>
             </a:xfrm>
             <a:prstGeom prst="triangle">
               <a:avLst>
@@ -14924,8 +14781,8 @@
         </p:nvSpPr>
         <p:spPr>
           <a:xfrm>
-            <a:off x="1506960" y="2404440"/>
-            <a:ext cx="7765920" cy="1645200"/>
+            <a:off x="609480" y="273600"/>
+            <a:ext cx="10972440" cy="1144800"/>
           </a:xfrm>
           <a:prstGeom prst="rect">
             <a:avLst/>
@@ -14939,17 +14796,11 @@
             <a:pPr algn="ctr"/>
             <a:r>
               <a:rPr b="0" lang="en-US" sz="4400" spc="-1" strike="noStrike">
-                <a:solidFill>
-                  <a:srgbClr val="000000"/>
-                </a:solidFill>
                 <a:latin typeface="Arial"/>
               </a:rPr>
               <a:t>Click to edit the title text format</a:t>
             </a:r>
             <a:endParaRPr b="0" lang="en-US" sz="4400" spc="-1" strike="noStrike">
-              <a:solidFill>
-                <a:srgbClr val="000000"/>
-              </a:solidFill>
               <a:latin typeface="Arial"/>
             </a:endParaRPr>
           </a:p>
@@ -14968,7 +14819,7 @@
         <p:spPr>
           <a:xfrm>
             <a:off x="609480" y="1604520"/>
-            <a:ext cx="10972080" cy="3976920"/>
+            <a:ext cx="10972440" cy="3977280"/>
           </a:xfrm>
           <a:prstGeom prst="rect">
             <a:avLst/>
@@ -14979,7 +14830,7 @@
             <a:normAutofit/>
           </a:bodyPr>
           <a:p>
-            <a:pPr marL="432000" indent="-324000" algn="ctr">
+            <a:pPr marL="432000" indent="-324000">
               <a:spcBef>
                 <a:spcPts val="1417"/>
               </a:spcBef>
@@ -14991,23 +14842,17 @@
               <a:buChar char=""/>
             </a:pPr>
             <a:r>
-              <a:rPr b="0" lang="en-US" sz="2800" spc="-1" strike="noStrike">
-                <a:solidFill>
-                  <a:srgbClr val="000000"/>
-                </a:solidFill>
+              <a:rPr b="0" lang="en-US" sz="3200" spc="-1" strike="noStrike">
                 <a:latin typeface="Arial"/>
               </a:rPr>
               <a:t>Click to edit the outline text format</a:t>
             </a:r>
-            <a:endParaRPr b="0" lang="en-US" sz="2800" spc="-1" strike="noStrike">
-              <a:solidFill>
-                <a:srgbClr val="000000"/>
-              </a:solidFill>
-              <a:latin typeface="Arial"/>
-            </a:endParaRPr>
-          </a:p>
-          <a:p>
-            <a:pPr lvl="1" marL="864000" indent="-324000" algn="ctr">
+            <a:endParaRPr b="0" lang="en-US" sz="3200" spc="-1" strike="noStrike">
+              <a:latin typeface="Arial"/>
+            </a:endParaRPr>
+          </a:p>
+          <a:p>
+            <a:pPr lvl="1" marL="864000" indent="-324000">
               <a:spcBef>
                 <a:spcPts val="1134"/>
               </a:spcBef>
@@ -15020,22 +14865,16 @@
             </a:pPr>
             <a:r>
               <a:rPr b="0" lang="en-US" sz="2800" spc="-1" strike="noStrike">
-                <a:solidFill>
-                  <a:srgbClr val="000000"/>
-                </a:solidFill>
                 <a:latin typeface="Arial"/>
               </a:rPr>
               <a:t>Second Outline Level</a:t>
             </a:r>
             <a:endParaRPr b="0" lang="en-US" sz="2800" spc="-1" strike="noStrike">
-              <a:solidFill>
-                <a:srgbClr val="000000"/>
-              </a:solidFill>
-              <a:latin typeface="Arial"/>
-            </a:endParaRPr>
-          </a:p>
-          <a:p>
-            <a:pPr lvl="2" marL="1296000" indent="-288000" algn="ctr">
+              <a:latin typeface="Arial"/>
+            </a:endParaRPr>
+          </a:p>
+          <a:p>
+            <a:pPr lvl="2" marL="1296000" indent="-288000">
               <a:spcBef>
                 <a:spcPts val="850"/>
               </a:spcBef>
@@ -15047,23 +14886,17 @@
               <a:buChar char=""/>
             </a:pPr>
             <a:r>
-              <a:rPr b="0" lang="en-US" sz="2800" spc="-1" strike="noStrike">
-                <a:solidFill>
-                  <a:srgbClr val="000000"/>
-                </a:solidFill>
+              <a:rPr b="0" lang="en-US" sz="2400" spc="-1" strike="noStrike">
                 <a:latin typeface="Arial"/>
               </a:rPr>
               <a:t>Third Outline Level</a:t>
             </a:r>
-            <a:endParaRPr b="0" lang="en-US" sz="2800" spc="-1" strike="noStrike">
-              <a:solidFill>
-                <a:srgbClr val="000000"/>
-              </a:solidFill>
-              <a:latin typeface="Arial"/>
-            </a:endParaRPr>
-          </a:p>
-          <a:p>
-            <a:pPr lvl="3" marL="1728000" indent="-216000" algn="ctr">
+            <a:endParaRPr b="0" lang="en-US" sz="2400" spc="-1" strike="noStrike">
+              <a:latin typeface="Arial"/>
+            </a:endParaRPr>
+          </a:p>
+          <a:p>
+            <a:pPr lvl="3" marL="1728000" indent="-216000">
               <a:spcBef>
                 <a:spcPts val="567"/>
               </a:spcBef>
@@ -15075,23 +14908,17 @@
               <a:buChar char=""/>
             </a:pPr>
             <a:r>
-              <a:rPr b="0" lang="en-US" sz="2800" spc="-1" strike="noStrike">
-                <a:solidFill>
-                  <a:srgbClr val="000000"/>
-                </a:solidFill>
+              <a:rPr b="0" lang="en-US" sz="2000" spc="-1" strike="noStrike">
                 <a:latin typeface="Arial"/>
               </a:rPr>
               <a:t>Fourth Outline Level</a:t>
             </a:r>
-            <a:endParaRPr b="0" lang="en-US" sz="2800" spc="-1" strike="noStrike">
-              <a:solidFill>
-                <a:srgbClr val="000000"/>
-              </a:solidFill>
-              <a:latin typeface="Arial"/>
-            </a:endParaRPr>
-          </a:p>
-          <a:p>
-            <a:pPr lvl="4" marL="2160000" indent="-216000" algn="ctr">
+            <a:endParaRPr b="0" lang="en-US" sz="2000" spc="-1" strike="noStrike">
+              <a:latin typeface="Arial"/>
+            </a:endParaRPr>
+          </a:p>
+          <a:p>
+            <a:pPr lvl="4" marL="2160000" indent="-216000">
               <a:spcBef>
                 <a:spcPts val="283"/>
               </a:spcBef>
@@ -15103,23 +14930,17 @@
               <a:buChar char=""/>
             </a:pPr>
             <a:r>
-              <a:rPr b="0" lang="en-US" sz="2800" spc="-1" strike="noStrike">
-                <a:solidFill>
-                  <a:srgbClr val="000000"/>
-                </a:solidFill>
+              <a:rPr b="0" lang="en-US" sz="2000" spc="-1" strike="noStrike">
                 <a:latin typeface="Arial"/>
               </a:rPr>
               <a:t>Fifth Outline Level</a:t>
             </a:r>
-            <a:endParaRPr b="0" lang="en-US" sz="2800" spc="-1" strike="noStrike">
-              <a:solidFill>
-                <a:srgbClr val="000000"/>
-              </a:solidFill>
-              <a:latin typeface="Arial"/>
-            </a:endParaRPr>
-          </a:p>
-          <a:p>
-            <a:pPr lvl="5" marL="2592000" indent="-216000" algn="ctr">
+            <a:endParaRPr b="0" lang="en-US" sz="2000" spc="-1" strike="noStrike">
+              <a:latin typeface="Arial"/>
+            </a:endParaRPr>
+          </a:p>
+          <a:p>
+            <a:pPr lvl="5" marL="2592000" indent="-216000">
               <a:spcBef>
                 <a:spcPts val="283"/>
               </a:spcBef>
@@ -15131,23 +14952,17 @@
               <a:buChar char=""/>
             </a:pPr>
             <a:r>
-              <a:rPr b="0" lang="en-US" sz="2800" spc="-1" strike="noStrike">
-                <a:solidFill>
-                  <a:srgbClr val="000000"/>
-                </a:solidFill>
+              <a:rPr b="0" lang="en-US" sz="2000" spc="-1" strike="noStrike">
                 <a:latin typeface="Arial"/>
               </a:rPr>
               <a:t>Sixth Outline Level</a:t>
             </a:r>
-            <a:endParaRPr b="0" lang="en-US" sz="2800" spc="-1" strike="noStrike">
-              <a:solidFill>
-                <a:srgbClr val="000000"/>
-              </a:solidFill>
-              <a:latin typeface="Arial"/>
-            </a:endParaRPr>
-          </a:p>
-          <a:p>
-            <a:pPr lvl="6" marL="3024000" indent="-216000" algn="ctr">
+            <a:endParaRPr b="0" lang="en-US" sz="2000" spc="-1" strike="noStrike">
+              <a:latin typeface="Arial"/>
+            </a:endParaRPr>
+          </a:p>
+          <a:p>
+            <a:pPr lvl="6" marL="3024000" indent="-216000">
               <a:spcBef>
                 <a:spcPts val="283"/>
               </a:spcBef>
@@ -15159,18 +14974,12 @@
               <a:buChar char=""/>
             </a:pPr>
             <a:r>
-              <a:rPr b="0" lang="en-US" sz="2800" spc="-1" strike="noStrike">
-                <a:solidFill>
-                  <a:srgbClr val="000000"/>
-                </a:solidFill>
+              <a:rPr b="0" lang="en-US" sz="2000" spc="-1" strike="noStrike">
                 <a:latin typeface="Arial"/>
               </a:rPr>
               <a:t>Seventh Outline Level</a:t>
             </a:r>
-            <a:endParaRPr b="0" lang="en-US" sz="2800" spc="-1" strike="noStrike">
-              <a:solidFill>
-                <a:srgbClr val="000000"/>
-              </a:solidFill>
+            <a:endParaRPr b="0" lang="en-US" sz="2000" spc="-1" strike="noStrike">
               <a:latin typeface="Arial"/>
             </a:endParaRPr>
           </a:p>
@@ -16599,9 +16408,9 @@
         <p:grpSpPr>
           <a:xfrm>
             <a:off x="0" y="-8640"/>
-            <a:ext cx="12190680" cy="6866640"/>
+            <a:ext cx="12190320" cy="6866640"/>
             <a:chOff x="0" y="-8640"/>
-            <a:chExt cx="12190680" cy="6866640"/>
+            <a:chExt cx="12190320" cy="6866640"/>
           </a:xfrm>
         </p:grpSpPr>
         <p:sp>
@@ -16685,7 +16494,7 @@
           <p:spPr>
             <a:xfrm>
               <a:off x="9181440" y="-8640"/>
-              <a:ext cx="3006000" cy="6865200"/>
+              <a:ext cx="3005640" cy="6864840"/>
             </a:xfrm>
             <a:custGeom>
               <a:avLst/>
@@ -16751,7 +16560,7 @@
           <p:spPr>
             <a:xfrm>
               <a:off x="9603360" y="-8640"/>
-              <a:ext cx="2586960" cy="6865200"/>
+              <a:ext cx="2586600" cy="6864840"/>
             </a:xfrm>
             <a:custGeom>
               <a:avLst/>
@@ -16817,7 +16626,7 @@
           <p:spPr>
             <a:xfrm>
               <a:off x="8932320" y="3048120"/>
-              <a:ext cx="3258360" cy="3808440"/>
+              <a:ext cx="3258000" cy="3808080"/>
             </a:xfrm>
             <a:prstGeom prst="triangle">
               <a:avLst>
@@ -16862,7 +16671,7 @@
           <p:spPr>
             <a:xfrm>
               <a:off x="9334440" y="-8640"/>
-              <a:ext cx="2853000" cy="6865200"/>
+              <a:ext cx="2852640" cy="6864840"/>
             </a:xfrm>
             <a:custGeom>
               <a:avLst/>
@@ -16929,7 +16738,7 @@
           <p:spPr>
             <a:xfrm>
               <a:off x="10898640" y="-8640"/>
-              <a:ext cx="1288800" cy="6865200"/>
+              <a:ext cx="1288440" cy="6864840"/>
             </a:xfrm>
             <a:custGeom>
               <a:avLst/>
@@ -16997,7 +16806,7 @@
           <p:spPr>
             <a:xfrm>
               <a:off x="10938960" y="-8640"/>
-              <a:ext cx="1248480" cy="6865200"/>
+              <a:ext cx="1248120" cy="6864840"/>
             </a:xfrm>
             <a:custGeom>
               <a:avLst/>
@@ -17063,7 +16872,7 @@
           <p:spPr>
             <a:xfrm>
               <a:off x="10371600" y="3589920"/>
-              <a:ext cx="1815840" cy="3266640"/>
+              <a:ext cx="1815480" cy="3266280"/>
             </a:xfrm>
             <a:prstGeom prst="triangle">
               <a:avLst>
@@ -17108,7 +16917,7 @@
           <p:spPr>
             <a:xfrm>
               <a:off x="0" y="4013280"/>
-              <a:ext cx="447120" cy="2843280"/>
+              <a:ext cx="446760" cy="2842920"/>
             </a:xfrm>
             <a:prstGeom prst="triangle">
               <a:avLst>
@@ -17153,10 +16962,10 @@
         </p:nvGrpSpPr>
         <p:grpSpPr>
           <a:xfrm>
-            <a:off x="1440" y="-8640"/>
-            <a:ext cx="12189240" cy="6866640"/>
-            <a:chOff x="1440" y="-8640"/>
-            <a:chExt cx="12189240" cy="6866640"/>
+            <a:off x="1800" y="-8640"/>
+            <a:ext cx="12188520" cy="6866640"/>
+            <a:chOff x="1800" y="-8640"/>
+            <a:chExt cx="12188520" cy="6866640"/>
           </a:xfrm>
         </p:grpSpPr>
         <p:sp>
@@ -17240,7 +17049,7 @@
           <p:spPr>
             <a:xfrm>
               <a:off x="9181440" y="-8640"/>
-              <a:ext cx="3006000" cy="6865200"/>
+              <a:ext cx="3005640" cy="6864840"/>
             </a:xfrm>
             <a:custGeom>
               <a:avLst/>
@@ -17306,7 +17115,7 @@
           <p:spPr>
             <a:xfrm>
               <a:off x="9603360" y="-8640"/>
-              <a:ext cx="2586960" cy="6865200"/>
+              <a:ext cx="2586600" cy="6864840"/>
             </a:xfrm>
             <a:custGeom>
               <a:avLst/>
@@ -17372,7 +17181,7 @@
           <p:spPr>
             <a:xfrm>
               <a:off x="8932320" y="3048120"/>
-              <a:ext cx="3258360" cy="3808440"/>
+              <a:ext cx="3258000" cy="3808080"/>
             </a:xfrm>
             <a:prstGeom prst="triangle">
               <a:avLst>
@@ -17417,7 +17226,7 @@
           <p:spPr>
             <a:xfrm>
               <a:off x="9334440" y="-8640"/>
-              <a:ext cx="2853000" cy="6865200"/>
+              <a:ext cx="2852640" cy="6864840"/>
             </a:xfrm>
             <a:custGeom>
               <a:avLst/>
@@ -17484,7 +17293,7 @@
           <p:spPr>
             <a:xfrm>
               <a:off x="10898640" y="-8640"/>
-              <a:ext cx="1288800" cy="6865200"/>
+              <a:ext cx="1288440" cy="6864840"/>
             </a:xfrm>
             <a:custGeom>
               <a:avLst/>
@@ -17552,7 +17361,7 @@
           <p:spPr>
             <a:xfrm>
               <a:off x="10938960" y="-8640"/>
-              <a:ext cx="1248480" cy="6865200"/>
+              <a:ext cx="1248120" cy="6864840"/>
             </a:xfrm>
             <a:custGeom>
               <a:avLst/>
@@ -17618,7 +17427,7 @@
           <p:spPr>
             <a:xfrm>
               <a:off x="10371600" y="3589920"/>
-              <a:ext cx="1815840" cy="3266640"/>
+              <a:ext cx="1815480" cy="3266280"/>
             </a:xfrm>
             <a:prstGeom prst="triangle">
               <a:avLst>
@@ -17662,8 +17471,8 @@
           </p:nvSpPr>
           <p:spPr>
             <a:xfrm rot="10800000">
-              <a:off x="1440" y="1440"/>
-              <a:ext cx="841320" cy="5664600"/>
+              <a:off x="1800" y="1800"/>
+              <a:ext cx="840960" cy="5664240"/>
             </a:xfrm>
             <a:prstGeom prst="triangle">
               <a:avLst>
@@ -19332,7 +19141,7 @@
         <p:spPr>
           <a:xfrm>
             <a:off x="1506960" y="2404440"/>
-            <a:ext cx="7765920" cy="1645200"/>
+            <a:ext cx="7765560" cy="1644840"/>
           </a:xfrm>
           <a:prstGeom prst="rect">
             <a:avLst/>
@@ -19383,7 +19192,7 @@
         <p:spPr>
           <a:xfrm>
             <a:off x="1506960" y="4050720"/>
-            <a:ext cx="7765920" cy="2432880"/>
+            <a:ext cx="7765560" cy="2432520"/>
           </a:xfrm>
           <a:prstGeom prst="rect">
             <a:avLst/>
@@ -19548,7 +19357,7 @@
         <p:spPr>
           <a:xfrm>
             <a:off x="765720" y="4404960"/>
-            <a:ext cx="2387880" cy="2221560"/>
+            <a:ext cx="2387520" cy="2221200"/>
           </a:xfrm>
           <a:prstGeom prst="rect">
             <a:avLst/>
@@ -19631,7 +19440,7 @@
                 <a:latin typeface="Trebuchet MS"/>
                 <a:ea typeface="DejaVu Sans"/>
               </a:rPr>
-              <a:t>Racket Applications: Hackett</a:t>
+              <a:t>Racket Applications</a:t>
             </a:r>
             <a:endParaRPr b="0" lang="en-US" sz="5400" spc="-1" strike="noStrike">
               <a:latin typeface="Arial"/>
@@ -19691,14 +19500,14 @@
                 <a:latin typeface="Arial"/>
                 <a:ea typeface="DejaVu Sans"/>
               </a:rPr>
-              <a:t>Hackett is a language similar to haskell written in Racket</a:t>
+              <a:t>Main applications:</a:t>
             </a:r>
             <a:endParaRPr b="0" lang="en-US" sz="2800" spc="-1" strike="noStrike">
               <a:latin typeface="Arial"/>
             </a:endParaRPr>
           </a:p>
           <a:p>
-            <a:pPr marL="432000" indent="-323280">
+            <a:pPr lvl="2" marL="648000" indent="-216000">
               <a:lnSpc>
                 <a:spcPct val="100000"/>
               </a:lnSpc>
@@ -19720,14 +19529,14 @@
                 <a:latin typeface="Arial"/>
                 <a:ea typeface="DejaVu Sans"/>
               </a:rPr>
-              <a:t>Hackett is a statically typed, pure, lazy, functional programming language in the Racket language ecosystem</a:t>
+              <a:t>Language Development</a:t>
             </a:r>
             <a:endParaRPr b="0" lang="en-US" sz="2800" spc="-1" strike="noStrike">
               <a:latin typeface="Arial"/>
             </a:endParaRPr>
           </a:p>
           <a:p>
-            <a:pPr marL="432000" indent="-323280">
+            <a:pPr lvl="2" marL="648000" indent="-216000">
               <a:lnSpc>
                 <a:spcPct val="100000"/>
               </a:lnSpc>
@@ -19749,8 +19558,79 @@
                 <a:latin typeface="Arial"/>
                 <a:ea typeface="DejaVu Sans"/>
               </a:rPr>
-              <a:t>Project repo (which includes a demo) [5] </a:t>
+              <a:t>Education</a:t>
             </a:r>
+            <a:endParaRPr b="0" lang="en-US" sz="2800" spc="-1" strike="noStrike">
+              <a:latin typeface="Arial"/>
+            </a:endParaRPr>
+          </a:p>
+          <a:p>
+            <a:pPr lvl="2" marL="648000" indent="-216000">
+              <a:lnSpc>
+                <a:spcPct val="100000"/>
+              </a:lnSpc>
+              <a:spcBef>
+                <a:spcPts val="1417"/>
+              </a:spcBef>
+              <a:buClr>
+                <a:srgbClr val="000000"/>
+              </a:buClr>
+              <a:buSzPct val="45000"/>
+              <a:buFont typeface="Wingdings" charset="2"/>
+              <a:buChar char=""/>
+            </a:pPr>
+            <a:r>
+              <a:rPr b="0" lang="en-US" sz="2800" spc="-1" strike="noStrike">
+                <a:solidFill>
+                  <a:srgbClr val="000000"/>
+                </a:solidFill>
+                <a:latin typeface="Arial"/>
+                <a:ea typeface="DejaVu Sans"/>
+              </a:rPr>
+              <a:t>Web Development</a:t>
+            </a:r>
+            <a:endParaRPr b="0" lang="en-US" sz="2800" spc="-1" strike="noStrike">
+              <a:latin typeface="Arial"/>
+            </a:endParaRPr>
+          </a:p>
+          <a:p>
+            <a:pPr lvl="2" marL="648000" indent="-216000">
+              <a:lnSpc>
+                <a:spcPct val="100000"/>
+              </a:lnSpc>
+              <a:spcBef>
+                <a:spcPts val="1417"/>
+              </a:spcBef>
+              <a:buClr>
+                <a:srgbClr val="000000"/>
+              </a:buClr>
+              <a:buSzPct val="45000"/>
+              <a:buFont typeface="Wingdings" charset="2"/>
+              <a:buChar char=""/>
+            </a:pPr>
+            <a:r>
+              <a:rPr b="0" lang="en-US" sz="2800" spc="-1" strike="noStrike">
+                <a:solidFill>
+                  <a:srgbClr val="000000"/>
+                </a:solidFill>
+                <a:latin typeface="Arial"/>
+                <a:ea typeface="DejaVu Sans"/>
+              </a:rPr>
+              <a:t>Racket Tools</a:t>
+            </a:r>
+            <a:endParaRPr b="0" lang="en-US" sz="2800" spc="-1" strike="noStrike">
+              <a:latin typeface="Arial"/>
+            </a:endParaRPr>
+          </a:p>
+          <a:p>
+            <a:pPr>
+              <a:lnSpc>
+                <a:spcPct val="100000"/>
+              </a:lnSpc>
+              <a:spcBef>
+                <a:spcPts val="1134"/>
+              </a:spcBef>
+            </a:pPr>
             <a:endParaRPr b="0" lang="en-US" sz="2800" spc="-1" strike="noStrike">
               <a:latin typeface="Arial"/>
             </a:endParaRPr>
@@ -19796,7 +19676,7 @@
         <p:spPr>
           <a:xfrm>
             <a:off x="2011680" y="274680"/>
-            <a:ext cx="7765560" cy="1644840"/>
+            <a:ext cx="7765200" cy="1644480"/>
           </a:xfrm>
           <a:prstGeom prst="rect">
             <a:avLst/>
@@ -19830,7 +19710,7 @@
                 <a:latin typeface="Trebuchet MS"/>
                 <a:ea typeface="DejaVu Sans"/>
               </a:rPr>
-              <a:t>Racket Applications: Fractalide</a:t>
+              <a:t>Racket Applications: Hackett</a:t>
             </a:r>
             <a:endParaRPr b="0" lang="en-US" sz="5400" spc="-1" strike="noStrike">
               <a:latin typeface="Arial"/>
@@ -19847,7 +19727,7 @@
         <p:spPr>
           <a:xfrm>
             <a:off x="457560" y="2057760"/>
-            <a:ext cx="10971720" cy="3976560"/>
+            <a:ext cx="10971360" cy="3976200"/>
           </a:xfrm>
           <a:prstGeom prst="rect">
             <a:avLst/>
@@ -19868,7 +19748,7 @@
             <a:normAutofit/>
           </a:bodyPr>
           <a:p>
-            <a:pPr marL="432000" indent="-323280">
+            <a:pPr marL="432000" indent="-322920">
               <a:lnSpc>
                 <a:spcPct val="100000"/>
               </a:lnSpc>
@@ -19890,14 +19770,14 @@
                 <a:latin typeface="Arial"/>
                 <a:ea typeface="DejaVu Sans"/>
               </a:rPr>
-              <a:t>Fractalide [6] is another open-source programming language written in Racket</a:t>
+              <a:t>Hackett is a language similar to haskell written in Racket</a:t>
             </a:r>
             <a:endParaRPr b="0" lang="en-US" sz="2800" spc="-1" strike="noStrike">
               <a:latin typeface="Arial"/>
             </a:endParaRPr>
           </a:p>
           <a:p>
-            <a:pPr marL="432000" indent="-323280">
+            <a:pPr marL="432000" indent="-322920">
               <a:lnSpc>
                 <a:spcPct val="100000"/>
               </a:lnSpc>
@@ -19919,14 +19799,14 @@
                 <a:latin typeface="Arial"/>
                 <a:ea typeface="DejaVu Sans"/>
               </a:rPr>
-              <a:t>An interesting approach to designing a programming language which utilizes graphs as the basic language concepts</a:t>
+              <a:t>Hackett is a statically typed, pure, lazy, functional programming language in the Racket language ecosystem</a:t>
             </a:r>
             <a:endParaRPr b="0" lang="en-US" sz="2800" spc="-1" strike="noStrike">
               <a:latin typeface="Arial"/>
             </a:endParaRPr>
           </a:p>
           <a:p>
-            <a:pPr marL="432000" indent="-323280">
+            <a:pPr marL="432000" indent="-322920">
               <a:lnSpc>
                 <a:spcPct val="100000"/>
               </a:lnSpc>
@@ -19948,7 +19828,7 @@
                 <a:latin typeface="Arial"/>
                 <a:ea typeface="DejaVu Sans"/>
               </a:rPr>
-              <a:t>Project makes use of the functional features of racket (e.g. tail-call optimization, etc)</a:t>
+              <a:t>Project repo (which includes a demo) [5] </a:t>
             </a:r>
             <a:endParaRPr b="0" lang="en-US" sz="2800" spc="-1" strike="noStrike">
               <a:latin typeface="Arial"/>
@@ -19995,7 +19875,7 @@
         <p:spPr>
           <a:xfrm>
             <a:off x="2011680" y="274680"/>
-            <a:ext cx="7765560" cy="1644840"/>
+            <a:ext cx="7765200" cy="1644480"/>
           </a:xfrm>
           <a:prstGeom prst="rect">
             <a:avLst/>
@@ -20029,7 +19909,7 @@
                 <a:latin typeface="Trebuchet MS"/>
                 <a:ea typeface="DejaVu Sans"/>
               </a:rPr>
-              <a:t>Racket Applications: DrRacket</a:t>
+              <a:t>Racket Applications: Fractalide</a:t>
             </a:r>
             <a:endParaRPr b="0" lang="en-US" sz="5400" spc="-1" strike="noStrike">
               <a:latin typeface="Arial"/>
@@ -20046,7 +19926,7 @@
         <p:spPr>
           <a:xfrm>
             <a:off x="457560" y="2057760"/>
-            <a:ext cx="10971720" cy="3976560"/>
+            <a:ext cx="10971360" cy="3976200"/>
           </a:xfrm>
           <a:prstGeom prst="rect">
             <a:avLst/>
@@ -20067,7 +19947,7 @@
             <a:normAutofit/>
           </a:bodyPr>
           <a:p>
-            <a:pPr marL="432000" indent="-323280">
+            <a:pPr marL="432000" indent="-322920">
               <a:lnSpc>
                 <a:spcPct val="100000"/>
               </a:lnSpc>
@@ -20089,14 +19969,14 @@
                 <a:latin typeface="Arial"/>
                 <a:ea typeface="DejaVu Sans"/>
               </a:rPr>
-              <a:t>Some of the other features of racket we have discussed (GUI, OS support, etc) make it a feasible candidate for other applications</a:t>
+              <a:t>Fractalide [6] is another open-source programming language written in Racket</a:t>
             </a:r>
             <a:endParaRPr b="0" lang="en-US" sz="2800" spc="-1" strike="noStrike">
               <a:latin typeface="Arial"/>
             </a:endParaRPr>
           </a:p>
           <a:p>
-            <a:pPr marL="432000" indent="-323280">
+            <a:pPr marL="432000" indent="-322920">
               <a:lnSpc>
                 <a:spcPct val="100000"/>
               </a:lnSpc>
@@ -20118,14 +19998,14 @@
                 <a:latin typeface="Arial"/>
                 <a:ea typeface="DejaVu Sans"/>
               </a:rPr>
-              <a:t>In fact, Racket’s IDE (DrRacket [7]) was written in Racket </a:t>
+              <a:t>An interesting approach to designing a programming language which utilizes graphs as the basic language concepts</a:t>
             </a:r>
             <a:endParaRPr b="0" lang="en-US" sz="2800" spc="-1" strike="noStrike">
               <a:latin typeface="Arial"/>
             </a:endParaRPr>
           </a:p>
           <a:p>
-            <a:pPr marL="432000" indent="-323280">
+            <a:pPr marL="432000" indent="-322920">
               <a:lnSpc>
                 <a:spcPct val="100000"/>
               </a:lnSpc>
@@ -20147,125 +20027,9 @@
                 <a:latin typeface="Arial"/>
                 <a:ea typeface="DejaVu Sans"/>
               </a:rPr>
-              <a:t>DrRacket includes all typical features of an IDE</a:t>
+              <a:t>Project makes use of the functional features of racket (e.g. tail-call optimization, etc)</a:t>
             </a:r>
             <a:endParaRPr b="0" lang="en-US" sz="2800" spc="-1" strike="noStrike">
-              <a:latin typeface="Arial"/>
-            </a:endParaRPr>
-          </a:p>
-          <a:p>
-            <a:pPr lvl="1" marL="864000" indent="-323280">
-              <a:lnSpc>
-                <a:spcPct val="100000"/>
-              </a:lnSpc>
-              <a:spcBef>
-                <a:spcPts val="1134"/>
-              </a:spcBef>
-              <a:buClr>
-                <a:srgbClr val="000000"/>
-              </a:buClr>
-              <a:buSzPct val="75000"/>
-              <a:buFont typeface="Symbol"/>
-              <a:buChar char=""/>
-            </a:pPr>
-            <a:r>
-              <a:rPr b="0" lang="en-US" sz="2000" spc="-1" strike="noStrike">
-                <a:solidFill>
-                  <a:srgbClr val="000000"/>
-                </a:solidFill>
-                <a:latin typeface="Arial"/>
-                <a:ea typeface="DejaVu Sans"/>
-              </a:rPr>
-              <a:t>Debugging</a:t>
-            </a:r>
-            <a:endParaRPr b="0" lang="en-US" sz="2000" spc="-1" strike="noStrike">
-              <a:latin typeface="Arial"/>
-            </a:endParaRPr>
-          </a:p>
-          <a:p>
-            <a:pPr lvl="1" marL="864000" indent="-323280">
-              <a:lnSpc>
-                <a:spcPct val="100000"/>
-              </a:lnSpc>
-              <a:spcBef>
-                <a:spcPts val="1134"/>
-              </a:spcBef>
-              <a:buClr>
-                <a:srgbClr val="000000"/>
-              </a:buClr>
-              <a:buSzPct val="75000"/>
-              <a:buFont typeface="Symbol"/>
-              <a:buChar char=""/>
-            </a:pPr>
-            <a:r>
-              <a:rPr b="0" lang="en-US" sz="2000" spc="-1" strike="noStrike">
-                <a:solidFill>
-                  <a:srgbClr val="000000"/>
-                </a:solidFill>
-                <a:latin typeface="Arial"/>
-                <a:ea typeface="DejaVu Sans"/>
-              </a:rPr>
-              <a:t>Source highlighting</a:t>
-            </a:r>
-            <a:endParaRPr b="0" lang="en-US" sz="2000" spc="-1" strike="noStrike">
-              <a:latin typeface="Arial"/>
-            </a:endParaRPr>
-          </a:p>
-          <a:p>
-            <a:pPr lvl="1" marL="864000" indent="-323280">
-              <a:lnSpc>
-                <a:spcPct val="100000"/>
-              </a:lnSpc>
-              <a:spcBef>
-                <a:spcPts val="1134"/>
-              </a:spcBef>
-              <a:buClr>
-                <a:srgbClr val="000000"/>
-              </a:buClr>
-              <a:buSzPct val="75000"/>
-              <a:buFont typeface="Symbol"/>
-              <a:buChar char=""/>
-            </a:pPr>
-            <a:r>
-              <a:rPr b="0" lang="en-US" sz="2000" spc="-1" strike="noStrike">
-                <a:solidFill>
-                  <a:srgbClr val="000000"/>
-                </a:solidFill>
-                <a:latin typeface="Arial"/>
-                <a:ea typeface="DejaVu Sans"/>
-              </a:rPr>
-              <a:t>Library Support</a:t>
-            </a:r>
-            <a:endParaRPr b="0" lang="en-US" sz="2000" spc="-1" strike="noStrike">
-              <a:latin typeface="Arial"/>
-            </a:endParaRPr>
-          </a:p>
-          <a:p>
-            <a:pPr lvl="1" marL="864000" indent="-323280">
-              <a:lnSpc>
-                <a:spcPct val="100000"/>
-              </a:lnSpc>
-              <a:spcBef>
-                <a:spcPts val="1134"/>
-              </a:spcBef>
-              <a:buClr>
-                <a:srgbClr val="000000"/>
-              </a:buClr>
-              <a:buSzPct val="75000"/>
-              <a:buFont typeface="Symbol"/>
-              <a:buChar char=""/>
-            </a:pPr>
-            <a:r>
-              <a:rPr b="0" lang="en-US" sz="2000" spc="-1" strike="noStrike">
-                <a:solidFill>
-                  <a:srgbClr val="000000"/>
-                </a:solidFill>
-                <a:latin typeface="Arial"/>
-                <a:ea typeface="DejaVu Sans"/>
-              </a:rPr>
-              <a:t>Etc.</a:t>
-            </a:r>
-            <a:endParaRPr b="0" lang="en-US" sz="2000" spc="-1" strike="noStrike">
               <a:latin typeface="Arial"/>
             </a:endParaRPr>
           </a:p>
@@ -20309,8 +20073,8 @@
         </p:nvSpPr>
         <p:spPr>
           <a:xfrm>
-            <a:off x="2703960" y="205560"/>
-            <a:ext cx="5547960" cy="1234440"/>
+            <a:off x="2011680" y="274680"/>
+            <a:ext cx="7765200" cy="1644480"/>
           </a:xfrm>
           <a:prstGeom prst="rect">
             <a:avLst/>
@@ -20344,7 +20108,7 @@
                 <a:latin typeface="Trebuchet MS"/>
                 <a:ea typeface="DejaVu Sans"/>
               </a:rPr>
-              <a:t>Projects and Use</a:t>
+              <a:t>Racket Applications: DrRacket</a:t>
             </a:r>
             <a:endParaRPr b="0" lang="en-US" sz="5400" spc="-1" strike="noStrike">
               <a:latin typeface="Arial"/>
@@ -20352,52 +20116,240 @@
           </a:p>
         </p:txBody>
       </p:sp>
-      <p:pic>
-        <p:nvPicPr>
-          <p:cNvPr id="452" name="Picture 2" descr=""/>
-          <p:cNvPicPr/>
+      <p:sp>
+        <p:nvSpPr>
+          <p:cNvPr id="452" name="CustomShape 2"/>
+          <p:cNvSpPr/>
           <p:nvPr/>
-        </p:nvPicPr>
-        <p:blipFill>
-          <a:blip r:embed="rId1"/>
-          <a:stretch/>
-        </p:blipFill>
-        <p:spPr>
-          <a:xfrm>
-            <a:off x="839880" y="1555200"/>
-            <a:ext cx="4954320" cy="4212360"/>
-          </a:xfrm>
-          <a:prstGeom prst="rect">
-            <a:avLst/>
-          </a:prstGeom>
+        </p:nvSpPr>
+        <p:spPr>
+          <a:xfrm>
+            <a:off x="457560" y="2057760"/>
+            <a:ext cx="10971360" cy="3976200"/>
+          </a:xfrm>
+          <a:prstGeom prst="rect">
+            <a:avLst/>
+          </a:prstGeom>
+          <a:noFill/>
           <a:ln>
             <a:noFill/>
           </a:ln>
         </p:spPr>
-      </p:pic>
-      <p:pic>
-        <p:nvPicPr>
-          <p:cNvPr id="453" name="Picture 4" descr=""/>
-          <p:cNvPicPr/>
-          <p:nvPr/>
-        </p:nvPicPr>
-        <p:blipFill>
-          <a:blip r:embed="rId2"/>
-          <a:stretch/>
-        </p:blipFill>
-        <p:spPr>
-          <a:xfrm>
-            <a:off x="6556680" y="1513080"/>
-            <a:ext cx="2637000" cy="4335840"/>
-          </a:xfrm>
-          <a:prstGeom prst="rect">
-            <a:avLst/>
-          </a:prstGeom>
-          <a:ln>
-            <a:noFill/>
-          </a:ln>
-        </p:spPr>
-      </p:pic>
+        <p:style>
+          <a:lnRef idx="0"/>
+          <a:fillRef idx="0"/>
+          <a:effectRef idx="0"/>
+          <a:fontRef idx="minor"/>
+        </p:style>
+        <p:txBody>
+          <a:bodyPr lIns="0" rIns="0" tIns="0" bIns="0">
+            <a:normAutofit/>
+          </a:bodyPr>
+          <a:p>
+            <a:pPr marL="432000" indent="-322920">
+              <a:lnSpc>
+                <a:spcPct val="100000"/>
+              </a:lnSpc>
+              <a:spcBef>
+                <a:spcPts val="1417"/>
+              </a:spcBef>
+              <a:buClr>
+                <a:srgbClr val="000000"/>
+              </a:buClr>
+              <a:buSzPct val="45000"/>
+              <a:buFont typeface="Wingdings" charset="2"/>
+              <a:buChar char=""/>
+            </a:pPr>
+            <a:r>
+              <a:rPr b="0" lang="en-US" sz="2800" spc="-1" strike="noStrike">
+                <a:solidFill>
+                  <a:srgbClr val="000000"/>
+                </a:solidFill>
+                <a:latin typeface="Arial"/>
+                <a:ea typeface="DejaVu Sans"/>
+              </a:rPr>
+              <a:t>Some of the other features of racket we have discussed (GUI, OS support, etc) make it a feasible candidate for other applications</a:t>
+            </a:r>
+            <a:endParaRPr b="0" lang="en-US" sz="2800" spc="-1" strike="noStrike">
+              <a:latin typeface="Arial"/>
+            </a:endParaRPr>
+          </a:p>
+          <a:p>
+            <a:pPr marL="432000" indent="-322920">
+              <a:lnSpc>
+                <a:spcPct val="100000"/>
+              </a:lnSpc>
+              <a:spcBef>
+                <a:spcPts val="1417"/>
+              </a:spcBef>
+              <a:buClr>
+                <a:srgbClr val="000000"/>
+              </a:buClr>
+              <a:buSzPct val="45000"/>
+              <a:buFont typeface="Wingdings" charset="2"/>
+              <a:buChar char=""/>
+            </a:pPr>
+            <a:r>
+              <a:rPr b="0" lang="en-US" sz="2800" spc="-1" strike="noStrike">
+                <a:solidFill>
+                  <a:srgbClr val="000000"/>
+                </a:solidFill>
+                <a:latin typeface="Arial"/>
+                <a:ea typeface="DejaVu Sans"/>
+              </a:rPr>
+              <a:t>In fact, Racket’s IDE (DrRacket [7]) was written in Racket </a:t>
+            </a:r>
+            <a:endParaRPr b="0" lang="en-US" sz="2800" spc="-1" strike="noStrike">
+              <a:latin typeface="Arial"/>
+            </a:endParaRPr>
+          </a:p>
+          <a:p>
+            <a:pPr marL="432000" indent="-322920">
+              <a:lnSpc>
+                <a:spcPct val="100000"/>
+              </a:lnSpc>
+              <a:spcBef>
+                <a:spcPts val="1417"/>
+              </a:spcBef>
+              <a:buClr>
+                <a:srgbClr val="000000"/>
+              </a:buClr>
+              <a:buSzPct val="45000"/>
+              <a:buFont typeface="Wingdings" charset="2"/>
+              <a:buChar char=""/>
+            </a:pPr>
+            <a:r>
+              <a:rPr b="0" lang="en-US" sz="2800" spc="-1" strike="noStrike">
+                <a:solidFill>
+                  <a:srgbClr val="000000"/>
+                </a:solidFill>
+                <a:latin typeface="Arial"/>
+                <a:ea typeface="DejaVu Sans"/>
+              </a:rPr>
+              <a:t>DrRacket includes all typical features of an IDE</a:t>
+            </a:r>
+            <a:endParaRPr b="0" lang="en-US" sz="2800" spc="-1" strike="noStrike">
+              <a:latin typeface="Arial"/>
+            </a:endParaRPr>
+          </a:p>
+          <a:p>
+            <a:pPr lvl="1" marL="864000" indent="-322920">
+              <a:lnSpc>
+                <a:spcPct val="100000"/>
+              </a:lnSpc>
+              <a:spcBef>
+                <a:spcPts val="1134"/>
+              </a:spcBef>
+              <a:buClr>
+                <a:srgbClr val="000000"/>
+              </a:buClr>
+              <a:buSzPct val="75000"/>
+              <a:buFont typeface="Symbol"/>
+              <a:buChar char=""/>
+            </a:pPr>
+            <a:r>
+              <a:rPr b="0" lang="en-US" sz="2000" spc="-1" strike="noStrike">
+                <a:solidFill>
+                  <a:srgbClr val="000000"/>
+                </a:solidFill>
+                <a:latin typeface="Arial"/>
+                <a:ea typeface="DejaVu Sans"/>
+              </a:rPr>
+              <a:t>Debugging</a:t>
+            </a:r>
+            <a:endParaRPr b="0" lang="en-US" sz="2000" spc="-1" strike="noStrike">
+              <a:latin typeface="Arial"/>
+            </a:endParaRPr>
+          </a:p>
+          <a:p>
+            <a:pPr lvl="1" marL="864000" indent="-322920">
+              <a:lnSpc>
+                <a:spcPct val="100000"/>
+              </a:lnSpc>
+              <a:spcBef>
+                <a:spcPts val="1134"/>
+              </a:spcBef>
+              <a:buClr>
+                <a:srgbClr val="000000"/>
+              </a:buClr>
+              <a:buSzPct val="75000"/>
+              <a:buFont typeface="Symbol"/>
+              <a:buChar char=""/>
+            </a:pPr>
+            <a:r>
+              <a:rPr b="0" lang="en-US" sz="2000" spc="-1" strike="noStrike">
+                <a:solidFill>
+                  <a:srgbClr val="000000"/>
+                </a:solidFill>
+                <a:latin typeface="Arial"/>
+                <a:ea typeface="DejaVu Sans"/>
+              </a:rPr>
+              <a:t>Source highlighting</a:t>
+            </a:r>
+            <a:endParaRPr b="0" lang="en-US" sz="2000" spc="-1" strike="noStrike">
+              <a:latin typeface="Arial"/>
+            </a:endParaRPr>
+          </a:p>
+          <a:p>
+            <a:pPr lvl="1" marL="864000" indent="-322920">
+              <a:lnSpc>
+                <a:spcPct val="100000"/>
+              </a:lnSpc>
+              <a:spcBef>
+                <a:spcPts val="1134"/>
+              </a:spcBef>
+              <a:buClr>
+                <a:srgbClr val="000000"/>
+              </a:buClr>
+              <a:buSzPct val="75000"/>
+              <a:buFont typeface="Symbol"/>
+              <a:buChar char=""/>
+            </a:pPr>
+            <a:r>
+              <a:rPr b="0" lang="en-US" sz="2000" spc="-1" strike="noStrike">
+                <a:solidFill>
+                  <a:srgbClr val="000000"/>
+                </a:solidFill>
+                <a:latin typeface="Arial"/>
+                <a:ea typeface="DejaVu Sans"/>
+              </a:rPr>
+              <a:t>Library Support</a:t>
+            </a:r>
+            <a:endParaRPr b="0" lang="en-US" sz="2000" spc="-1" strike="noStrike">
+              <a:latin typeface="Arial"/>
+            </a:endParaRPr>
+          </a:p>
+          <a:p>
+            <a:pPr lvl="1" marL="864000" indent="-322920">
+              <a:lnSpc>
+                <a:spcPct val="100000"/>
+              </a:lnSpc>
+              <a:spcBef>
+                <a:spcPts val="1134"/>
+              </a:spcBef>
+              <a:buClr>
+                <a:srgbClr val="000000"/>
+              </a:buClr>
+              <a:buSzPct val="75000"/>
+              <a:buFont typeface="Symbol"/>
+              <a:buChar char=""/>
+            </a:pPr>
+            <a:r>
+              <a:rPr b="0" lang="en-US" sz="2000" spc="-1" strike="noStrike">
+                <a:solidFill>
+                  <a:srgbClr val="000000"/>
+                </a:solidFill>
+                <a:latin typeface="Arial"/>
+                <a:ea typeface="DejaVu Sans"/>
+              </a:rPr>
+              <a:t>Etc.</a:t>
+            </a:r>
+            <a:endParaRPr b="0" lang="en-US" sz="2000" spc="-1" strike="noStrike">
+              <a:latin typeface="Arial"/>
+            </a:endParaRPr>
+          </a:p>
+        </p:txBody>
+      </p:sp>
     </p:spTree>
   </p:cSld>
   <mc:AlternateContent>
@@ -20430,14 +20382,14 @@
       </p:grpSpPr>
       <p:sp>
         <p:nvSpPr>
-          <p:cNvPr id="454" name="CustomShape 1"/>
+          <p:cNvPr id="453" name="CustomShape 1"/>
           <p:cNvSpPr/>
           <p:nvPr/>
         </p:nvSpPr>
         <p:spPr>
           <a:xfrm>
             <a:off x="2703960" y="205560"/>
-            <a:ext cx="6360120" cy="1234440"/>
+            <a:ext cx="5547600" cy="1234080"/>
           </a:xfrm>
           <a:prstGeom prst="rect">
             <a:avLst/>
@@ -20471,7 +20423,7 @@
                 <a:latin typeface="Trebuchet MS"/>
                 <a:ea typeface="DejaVu Sans"/>
               </a:rPr>
-              <a:t>Pros about the Pro’s</a:t>
+              <a:t>Projects and Use</a:t>
             </a:r>
             <a:endParaRPr b="0" lang="en-US" sz="5400" spc="-1" strike="noStrike">
               <a:latin typeface="Arial"/>
@@ -20479,211 +20431,52 @@
           </a:p>
         </p:txBody>
       </p:sp>
-      <p:sp>
-        <p:nvSpPr>
-          <p:cNvPr id="455" name="CustomShape 2"/>
-          <p:cNvSpPr/>
+      <p:pic>
+        <p:nvPicPr>
+          <p:cNvPr id="454" name="Picture 2" descr=""/>
+          <p:cNvPicPr/>
           <p:nvPr/>
-        </p:nvSpPr>
-        <p:spPr>
-          <a:xfrm>
-            <a:off x="457560" y="2057760"/>
-            <a:ext cx="10972080" cy="3976920"/>
-          </a:xfrm>
-          <a:prstGeom prst="rect">
-            <a:avLst/>
-          </a:prstGeom>
-          <a:noFill/>
+        </p:nvPicPr>
+        <p:blipFill>
+          <a:blip r:embed="rId1"/>
+          <a:stretch/>
+        </p:blipFill>
+        <p:spPr>
+          <a:xfrm>
+            <a:off x="839880" y="1555200"/>
+            <a:ext cx="4953960" cy="4212000"/>
+          </a:xfrm>
+          <a:prstGeom prst="rect">
+            <a:avLst/>
+          </a:prstGeom>
           <a:ln>
             <a:noFill/>
           </a:ln>
         </p:spPr>
-        <p:style>
-          <a:lnRef idx="0"/>
-          <a:fillRef idx="0"/>
-          <a:effectRef idx="0"/>
-          <a:fontRef idx="minor"/>
-        </p:style>
-        <p:txBody>
-          <a:bodyPr lIns="0" rIns="0" tIns="0" bIns="0">
-            <a:normAutofit/>
-          </a:bodyPr>
-          <a:p>
-            <a:pPr marL="432000" indent="-323640">
-              <a:lnSpc>
-                <a:spcPct val="100000"/>
-              </a:lnSpc>
-              <a:spcBef>
-                <a:spcPts val="1417"/>
-              </a:spcBef>
-              <a:buClr>
-                <a:srgbClr val="000000"/>
-              </a:buClr>
-              <a:buSzPct val="45000"/>
-              <a:buFont typeface="Wingdings" charset="2"/>
-              <a:buChar char=""/>
-            </a:pPr>
-            <a:r>
-              <a:rPr b="0" lang="en-US" sz="2800" spc="-1" strike="noStrike">
-                <a:solidFill>
-                  <a:srgbClr val="000000"/>
-                </a:solidFill>
-                <a:latin typeface="Arial"/>
-                <a:ea typeface="DejaVu Sans"/>
-              </a:rPr>
-              <a:t>Open source</a:t>
-            </a:r>
-            <a:endParaRPr b="0" lang="en-US" sz="2800" spc="-1" strike="noStrike">
-              <a:latin typeface="Arial"/>
-            </a:endParaRPr>
-          </a:p>
-          <a:p>
-            <a:pPr marL="432000" indent="-323640">
-              <a:lnSpc>
-                <a:spcPct val="100000"/>
-              </a:lnSpc>
-              <a:spcBef>
-                <a:spcPts val="1417"/>
-              </a:spcBef>
-              <a:buClr>
-                <a:srgbClr val="000000"/>
-              </a:buClr>
-              <a:buSzPct val="45000"/>
-              <a:buFont typeface="Wingdings" charset="2"/>
-              <a:buChar char=""/>
-            </a:pPr>
-            <a:r>
-              <a:rPr b="0" lang="en-US" sz="2800" spc="-1" strike="noStrike">
-                <a:solidFill>
-                  <a:srgbClr val="000000"/>
-                </a:solidFill>
-                <a:latin typeface="Arial"/>
-                <a:ea typeface="DejaVu Sans"/>
-              </a:rPr>
-              <a:t>Concise and full-featured</a:t>
-            </a:r>
-            <a:endParaRPr b="0" lang="en-US" sz="2800" spc="-1" strike="noStrike">
-              <a:latin typeface="Arial"/>
-            </a:endParaRPr>
-          </a:p>
-          <a:p>
-            <a:pPr marL="432000" indent="-323640">
-              <a:lnSpc>
-                <a:spcPct val="100000"/>
-              </a:lnSpc>
-              <a:spcBef>
-                <a:spcPts val="1417"/>
-              </a:spcBef>
-              <a:buClr>
-                <a:srgbClr val="000000"/>
-              </a:buClr>
-              <a:buSzPct val="45000"/>
-              <a:buFont typeface="Wingdings" charset="2"/>
-              <a:buChar char=""/>
-            </a:pPr>
-            <a:r>
-              <a:rPr b="0" lang="en-US" sz="2800" spc="-1" strike="noStrike">
-                <a:solidFill>
-                  <a:srgbClr val="000000"/>
-                </a:solidFill>
-                <a:latin typeface="Arial"/>
-                <a:ea typeface="DejaVu Sans"/>
-              </a:rPr>
-              <a:t>Libraries and Documentation</a:t>
-            </a:r>
-            <a:endParaRPr b="0" lang="en-US" sz="2800" spc="-1" strike="noStrike">
-              <a:latin typeface="Arial"/>
-            </a:endParaRPr>
-          </a:p>
-          <a:p>
-            <a:pPr marL="432000" indent="-323640">
-              <a:lnSpc>
-                <a:spcPct val="100000"/>
-              </a:lnSpc>
-              <a:spcBef>
-                <a:spcPts val="1417"/>
-              </a:spcBef>
-              <a:buClr>
-                <a:srgbClr val="000000"/>
-              </a:buClr>
-              <a:buSzPct val="45000"/>
-              <a:buFont typeface="Wingdings" charset="2"/>
-              <a:buChar char=""/>
-            </a:pPr>
-            <a:r>
-              <a:rPr b="0" lang="en-US" sz="2800" spc="-1" strike="noStrike">
-                <a:solidFill>
-                  <a:srgbClr val="000000"/>
-                </a:solidFill>
-                <a:latin typeface="Arial"/>
-                <a:ea typeface="DejaVu Sans"/>
-              </a:rPr>
-              <a:t>Interactive IDE</a:t>
-            </a:r>
-            <a:endParaRPr b="0" lang="en-US" sz="2800" spc="-1" strike="noStrike">
-              <a:latin typeface="Arial"/>
-            </a:endParaRPr>
-          </a:p>
-          <a:p>
-            <a:pPr marL="432000" indent="-323640">
-              <a:lnSpc>
-                <a:spcPct val="100000"/>
-              </a:lnSpc>
-              <a:spcBef>
-                <a:spcPts val="1417"/>
-              </a:spcBef>
-              <a:buClr>
-                <a:srgbClr val="000000"/>
-              </a:buClr>
-              <a:buSzPct val="45000"/>
-              <a:buFont typeface="Wingdings" charset="2"/>
-              <a:buChar char=""/>
-            </a:pPr>
-            <a:r>
-              <a:rPr b="0" lang="en-US" sz="2800" spc="-1" strike="noStrike">
-                <a:solidFill>
-                  <a:srgbClr val="000000"/>
-                </a:solidFill>
-                <a:latin typeface="Arial"/>
-                <a:ea typeface="DejaVu Sans"/>
-              </a:rPr>
-              <a:t>Use of Macros</a:t>
-            </a:r>
-            <a:endParaRPr b="0" lang="en-US" sz="2800" spc="-1" strike="noStrike">
-              <a:latin typeface="Arial"/>
-            </a:endParaRPr>
-          </a:p>
-          <a:p>
-            <a:pPr marL="432000" indent="-323640">
-              <a:lnSpc>
-                <a:spcPct val="100000"/>
-              </a:lnSpc>
-              <a:spcBef>
-                <a:spcPts val="1417"/>
-              </a:spcBef>
-              <a:buClr>
-                <a:srgbClr val="000000"/>
-              </a:buClr>
-              <a:buSzPct val="45000"/>
-              <a:buFont typeface="Wingdings" charset="2"/>
-              <a:buChar char=""/>
-            </a:pPr>
-            <a:r>
-              <a:rPr b="0" lang="en-US" sz="2800" spc="-1" strike="noStrike">
-                <a:solidFill>
-                  <a:srgbClr val="000000"/>
-                </a:solidFill>
-                <a:latin typeface="Arial"/>
-                <a:ea typeface="DejaVu Sans"/>
-              </a:rPr>
-              <a:t>Semantically and Syntactically flexible (Create new languages)</a:t>
-            </a:r>
-            <a:endParaRPr b="0" lang="en-US" sz="2800" spc="-1" strike="noStrike">
-              <a:latin typeface="Arial"/>
-            </a:endParaRPr>
-          </a:p>
-        </p:txBody>
-      </p:sp>
+      </p:pic>
+      <p:pic>
+        <p:nvPicPr>
+          <p:cNvPr id="455" name="Picture 4" descr=""/>
+          <p:cNvPicPr/>
+          <p:nvPr/>
+        </p:nvPicPr>
+        <p:blipFill>
+          <a:blip r:embed="rId2"/>
+          <a:stretch/>
+        </p:blipFill>
+        <p:spPr>
+          <a:xfrm>
+            <a:off x="6556680" y="1513080"/>
+            <a:ext cx="2636640" cy="4335480"/>
+          </a:xfrm>
+          <a:prstGeom prst="rect">
+            <a:avLst/>
+          </a:prstGeom>
+          <a:ln>
+            <a:noFill/>
+          </a:ln>
+        </p:spPr>
+      </p:pic>
     </p:spTree>
   </p:cSld>
   <mc:AlternateContent>
@@ -20722,8 +20515,294 @@
         </p:nvSpPr>
         <p:spPr>
           <a:xfrm>
+            <a:off x="2703960" y="205560"/>
+            <a:ext cx="6359760" cy="1234080"/>
+          </a:xfrm>
+          <a:prstGeom prst="rect">
+            <a:avLst/>
+          </a:prstGeom>
+          <a:noFill/>
+          <a:ln>
+            <a:noFill/>
+          </a:ln>
+        </p:spPr>
+        <p:style>
+          <a:lnRef idx="0"/>
+          <a:fillRef idx="0"/>
+          <a:effectRef idx="0"/>
+          <a:fontRef idx="minor"/>
+        </p:style>
+        <p:txBody>
+          <a:bodyPr lIns="0" rIns="0" tIns="0" bIns="0" anchor="ctr">
+            <a:noAutofit/>
+          </a:bodyPr>
+          <a:p>
+            <a:pPr algn="r">
+              <a:lnSpc>
+                <a:spcPct val="100000"/>
+              </a:lnSpc>
+            </a:pPr>
+            <a:r>
+              <a:rPr b="0" lang="en-US" sz="5400" spc="-1" strike="noStrike">
+                <a:solidFill>
+                  <a:srgbClr val="4f81bd"/>
+                </a:solidFill>
+                <a:latin typeface="Trebuchet MS"/>
+                <a:ea typeface="DejaVu Sans"/>
+              </a:rPr>
+              <a:t>Pros about the Pro’s</a:t>
+            </a:r>
+            <a:endParaRPr b="0" lang="en-US" sz="5400" spc="-1" strike="noStrike">
+              <a:latin typeface="Arial"/>
+            </a:endParaRPr>
+          </a:p>
+        </p:txBody>
+      </p:sp>
+      <p:sp>
+        <p:nvSpPr>
+          <p:cNvPr id="457" name="CustomShape 2"/>
+          <p:cNvSpPr/>
+          <p:nvPr/>
+        </p:nvSpPr>
+        <p:spPr>
+          <a:xfrm>
+            <a:off x="457560" y="2057760"/>
+            <a:ext cx="10971720" cy="3976560"/>
+          </a:xfrm>
+          <a:prstGeom prst="rect">
+            <a:avLst/>
+          </a:prstGeom>
+          <a:noFill/>
+          <a:ln>
+            <a:noFill/>
+          </a:ln>
+        </p:spPr>
+        <p:style>
+          <a:lnRef idx="0"/>
+          <a:fillRef idx="0"/>
+          <a:effectRef idx="0"/>
+          <a:fontRef idx="minor"/>
+        </p:style>
+        <p:txBody>
+          <a:bodyPr lIns="0" rIns="0" tIns="0" bIns="0">
+            <a:normAutofit/>
+          </a:bodyPr>
+          <a:p>
+            <a:pPr marL="432000" indent="-323280">
+              <a:lnSpc>
+                <a:spcPct val="100000"/>
+              </a:lnSpc>
+              <a:spcBef>
+                <a:spcPts val="1417"/>
+              </a:spcBef>
+              <a:buClr>
+                <a:srgbClr val="000000"/>
+              </a:buClr>
+              <a:buSzPct val="45000"/>
+              <a:buFont typeface="Wingdings" charset="2"/>
+              <a:buChar char=""/>
+            </a:pPr>
+            <a:r>
+              <a:rPr b="0" lang="en-US" sz="2800" spc="-1" strike="noStrike">
+                <a:solidFill>
+                  <a:srgbClr val="000000"/>
+                </a:solidFill>
+                <a:latin typeface="Arial"/>
+                <a:ea typeface="DejaVu Sans"/>
+              </a:rPr>
+              <a:t>Open source</a:t>
+            </a:r>
+            <a:endParaRPr b="0" lang="en-US" sz="2800" spc="-1" strike="noStrike">
+              <a:latin typeface="Arial"/>
+            </a:endParaRPr>
+          </a:p>
+          <a:p>
+            <a:pPr marL="432000" indent="-323280">
+              <a:lnSpc>
+                <a:spcPct val="100000"/>
+              </a:lnSpc>
+              <a:spcBef>
+                <a:spcPts val="1417"/>
+              </a:spcBef>
+              <a:buClr>
+                <a:srgbClr val="000000"/>
+              </a:buClr>
+              <a:buSzPct val="45000"/>
+              <a:buFont typeface="Wingdings" charset="2"/>
+              <a:buChar char=""/>
+            </a:pPr>
+            <a:r>
+              <a:rPr b="0" lang="en-US" sz="2800" spc="-1" strike="noStrike">
+                <a:solidFill>
+                  <a:srgbClr val="000000"/>
+                </a:solidFill>
+                <a:latin typeface="Arial"/>
+                <a:ea typeface="DejaVu Sans"/>
+              </a:rPr>
+              <a:t>Concise and full-featured</a:t>
+            </a:r>
+            <a:endParaRPr b="0" lang="en-US" sz="2800" spc="-1" strike="noStrike">
+              <a:latin typeface="Arial"/>
+            </a:endParaRPr>
+          </a:p>
+          <a:p>
+            <a:pPr marL="432000" indent="-323280">
+              <a:lnSpc>
+                <a:spcPct val="100000"/>
+              </a:lnSpc>
+              <a:spcBef>
+                <a:spcPts val="1417"/>
+              </a:spcBef>
+              <a:buClr>
+                <a:srgbClr val="000000"/>
+              </a:buClr>
+              <a:buSzPct val="45000"/>
+              <a:buFont typeface="Wingdings" charset="2"/>
+              <a:buChar char=""/>
+            </a:pPr>
+            <a:r>
+              <a:rPr b="0" lang="en-US" sz="2800" spc="-1" strike="noStrike">
+                <a:solidFill>
+                  <a:srgbClr val="000000"/>
+                </a:solidFill>
+                <a:latin typeface="Arial"/>
+                <a:ea typeface="DejaVu Sans"/>
+              </a:rPr>
+              <a:t>Libraries and Documentation</a:t>
+            </a:r>
+            <a:endParaRPr b="0" lang="en-US" sz="2800" spc="-1" strike="noStrike">
+              <a:latin typeface="Arial"/>
+            </a:endParaRPr>
+          </a:p>
+          <a:p>
+            <a:pPr marL="432000" indent="-323280">
+              <a:lnSpc>
+                <a:spcPct val="100000"/>
+              </a:lnSpc>
+              <a:spcBef>
+                <a:spcPts val="1417"/>
+              </a:spcBef>
+              <a:buClr>
+                <a:srgbClr val="000000"/>
+              </a:buClr>
+              <a:buSzPct val="45000"/>
+              <a:buFont typeface="Wingdings" charset="2"/>
+              <a:buChar char=""/>
+            </a:pPr>
+            <a:r>
+              <a:rPr b="0" lang="en-US" sz="2800" spc="-1" strike="noStrike">
+                <a:solidFill>
+                  <a:srgbClr val="000000"/>
+                </a:solidFill>
+                <a:latin typeface="Arial"/>
+                <a:ea typeface="DejaVu Sans"/>
+              </a:rPr>
+              <a:t>Interactive IDE</a:t>
+            </a:r>
+            <a:endParaRPr b="0" lang="en-US" sz="2800" spc="-1" strike="noStrike">
+              <a:latin typeface="Arial"/>
+            </a:endParaRPr>
+          </a:p>
+          <a:p>
+            <a:pPr marL="432000" indent="-323280">
+              <a:lnSpc>
+                <a:spcPct val="100000"/>
+              </a:lnSpc>
+              <a:spcBef>
+                <a:spcPts val="1417"/>
+              </a:spcBef>
+              <a:buClr>
+                <a:srgbClr val="000000"/>
+              </a:buClr>
+              <a:buSzPct val="45000"/>
+              <a:buFont typeface="Wingdings" charset="2"/>
+              <a:buChar char=""/>
+            </a:pPr>
+            <a:r>
+              <a:rPr b="0" lang="en-US" sz="2800" spc="-1" strike="noStrike">
+                <a:solidFill>
+                  <a:srgbClr val="000000"/>
+                </a:solidFill>
+                <a:latin typeface="Arial"/>
+                <a:ea typeface="DejaVu Sans"/>
+              </a:rPr>
+              <a:t>Use of Macros</a:t>
+            </a:r>
+            <a:endParaRPr b="0" lang="en-US" sz="2800" spc="-1" strike="noStrike">
+              <a:latin typeface="Arial"/>
+            </a:endParaRPr>
+          </a:p>
+          <a:p>
+            <a:pPr marL="432000" indent="-323280">
+              <a:lnSpc>
+                <a:spcPct val="100000"/>
+              </a:lnSpc>
+              <a:spcBef>
+                <a:spcPts val="1417"/>
+              </a:spcBef>
+              <a:buClr>
+                <a:srgbClr val="000000"/>
+              </a:buClr>
+              <a:buSzPct val="45000"/>
+              <a:buFont typeface="Wingdings" charset="2"/>
+              <a:buChar char=""/>
+            </a:pPr>
+            <a:r>
+              <a:rPr b="0" lang="en-US" sz="2800" spc="-1" strike="noStrike">
+                <a:solidFill>
+                  <a:srgbClr val="000000"/>
+                </a:solidFill>
+                <a:latin typeface="Arial"/>
+                <a:ea typeface="DejaVu Sans"/>
+              </a:rPr>
+              <a:t>Semantically and Syntactically flexible (Create new languages)</a:t>
+            </a:r>
+            <a:endParaRPr b="0" lang="en-US" sz="2800" spc="-1" strike="noStrike">
+              <a:latin typeface="Arial"/>
+            </a:endParaRPr>
+          </a:p>
+        </p:txBody>
+      </p:sp>
+    </p:spTree>
+  </p:cSld>
+  <mc:AlternateContent>
+    <mc:Choice Requires="p14">
+      <p:transition spd="slow" p14:dur="2000"/>
+    </mc:Choice>
+    <mc:Fallback>
+      <p:transition spd="slow"/>
+    </mc:Fallback>
+  </mc:AlternateContent>
+</p:sld>
+</file>
+
+<file path=ppt/slides/slide16.xml><?xml version="1.0" encoding="utf-8"?>
+<p:sld xmlns:a="http://schemas.openxmlformats.org/drawingml/2006/main" xmlns:p="http://schemas.openxmlformats.org/presentationml/2006/main" xmlns:r="http://schemas.openxmlformats.org/officeDocument/2006/relationships" xmlns:p14="http://schemas.microsoft.com/office/powerpoint/2010/main" xmlns:p15="http://schemas.microsoft.com/office/powerpoint/2012/main" xmlns:mc="http://schemas.openxmlformats.org/markup-compatibility/2006">
+  <p:cSld>
+    <p:spTree>
+      <p:nvGrpSpPr>
+        <p:cNvPr id="1" name=""/>
+        <p:cNvGrpSpPr/>
+        <p:nvPr/>
+      </p:nvGrpSpPr>
+      <p:grpSpPr>
+        <a:xfrm>
+          <a:off x="0" y="0"/>
+          <a:ext cx="0" cy="0"/>
+          <a:chOff x="0" y="0"/>
+          <a:chExt cx="0" cy="0"/>
+        </a:xfrm>
+      </p:grpSpPr>
+      <p:sp>
+        <p:nvSpPr>
+          <p:cNvPr id="458" name="CustomShape 1"/>
+          <p:cNvSpPr/>
+          <p:nvPr/>
+        </p:nvSpPr>
+        <p:spPr>
+          <a:xfrm>
             <a:off x="1062360" y="159840"/>
-            <a:ext cx="7765560" cy="2382120"/>
+            <a:ext cx="7765200" cy="2381760"/>
           </a:xfrm>
           <a:prstGeom prst="rect">
             <a:avLst/>
@@ -20767,14 +20846,14 @@
       </p:sp>
       <p:sp>
         <p:nvSpPr>
-          <p:cNvPr id="457" name="CustomShape 2"/>
+          <p:cNvPr id="459" name="CustomShape 2"/>
           <p:cNvSpPr/>
           <p:nvPr/>
         </p:nvSpPr>
         <p:spPr>
           <a:xfrm>
             <a:off x="747000" y="1351440"/>
-            <a:ext cx="7637760" cy="6124680"/>
+            <a:ext cx="7637400" cy="6124680"/>
           </a:xfrm>
           <a:prstGeom prst="rect">
             <a:avLst/>
@@ -21145,7 +21224,7 @@
         <p:spPr>
           <a:xfrm>
             <a:off x="1062360" y="159840"/>
-            <a:ext cx="7765920" cy="2382480"/>
+            <a:ext cx="7765560" cy="2382120"/>
           </a:xfrm>
           <a:prstGeom prst="rect">
             <a:avLst/>
@@ -21196,7 +21275,7 @@
         <p:spPr>
           <a:xfrm>
             <a:off x="914400" y="1828800"/>
-            <a:ext cx="8926200" cy="3455640"/>
+            <a:ext cx="8925840" cy="3455280"/>
           </a:xfrm>
           <a:prstGeom prst="rect">
             <a:avLst/>
@@ -21233,7 +21312,7 @@
             </a:endParaRPr>
           </a:p>
           <a:p>
-            <a:pPr marL="285840" indent="-285480">
+            <a:pPr marL="285840" indent="-285120">
               <a:lnSpc>
                 <a:spcPct val="100000"/>
               </a:lnSpc>
@@ -21264,7 +21343,7 @@
             </a:endParaRPr>
           </a:p>
           <a:p>
-            <a:pPr lvl="1" marL="743040" indent="-285480">
+            <a:pPr lvl="1" marL="743040" indent="-285120">
               <a:lnSpc>
                 <a:spcPct val="100000"/>
               </a:lnSpc>
@@ -21295,7 +21374,7 @@
             </a:endParaRPr>
           </a:p>
           <a:p>
-            <a:pPr lvl="1" marL="743040" indent="-285480">
+            <a:pPr lvl="1" marL="743040" indent="-285120">
               <a:lnSpc>
                 <a:spcPct val="100000"/>
               </a:lnSpc>
@@ -21326,7 +21405,7 @@
             </a:endParaRPr>
           </a:p>
           <a:p>
-            <a:pPr lvl="1" marL="743040" indent="-285480">
+            <a:pPr lvl="1" marL="743040" indent="-285120">
               <a:lnSpc>
                 <a:spcPct val="100000"/>
               </a:lnSpc>
@@ -21357,7 +21436,7 @@
             </a:endParaRPr>
           </a:p>
           <a:p>
-            <a:pPr lvl="1" marL="743040" indent="-285480">
+            <a:pPr lvl="1" marL="743040" indent="-285120">
               <a:lnSpc>
                 <a:spcPct val="100000"/>
               </a:lnSpc>
@@ -21388,7 +21467,7 @@
             </a:endParaRPr>
           </a:p>
           <a:p>
-            <a:pPr lvl="2" marL="1200240" indent="-285480">
+            <a:pPr lvl="2" marL="1200240" indent="-285120">
               <a:lnSpc>
                 <a:spcPct val="100000"/>
               </a:lnSpc>
@@ -21419,7 +21498,7 @@
             </a:endParaRPr>
           </a:p>
           <a:p>
-            <a:pPr lvl="2" marL="1200240" indent="-285480">
+            <a:pPr lvl="2" marL="1200240" indent="-285120">
               <a:lnSpc>
                 <a:spcPct val="100000"/>
               </a:lnSpc>
@@ -21490,7 +21569,7 @@
         <p:spPr>
           <a:xfrm>
             <a:off x="1062360" y="159840"/>
-            <a:ext cx="7765920" cy="2382480"/>
+            <a:ext cx="7765560" cy="2382120"/>
           </a:xfrm>
           <a:prstGeom prst="rect">
             <a:avLst/>
@@ -21541,7 +21620,7 @@
         <p:spPr>
           <a:xfrm>
             <a:off x="914400" y="1828800"/>
-            <a:ext cx="8926200" cy="3455640"/>
+            <a:ext cx="8925840" cy="3455280"/>
           </a:xfrm>
           <a:prstGeom prst="rect">
             <a:avLst/>
@@ -21562,7 +21641,7 @@
             <a:normAutofit/>
           </a:bodyPr>
           <a:p>
-            <a:pPr marL="285840" indent="-285480">
+            <a:pPr marL="285840" indent="-285120">
               <a:lnSpc>
                 <a:spcPct val="100000"/>
               </a:lnSpc>
@@ -21593,7 +21672,7 @@
             </a:endParaRPr>
           </a:p>
           <a:p>
-            <a:pPr lvl="1" marL="743040" indent="-285480">
+            <a:pPr lvl="1" marL="743040" indent="-285120">
               <a:lnSpc>
                 <a:spcPct val="100000"/>
               </a:lnSpc>
@@ -21624,7 +21703,7 @@
             </a:endParaRPr>
           </a:p>
           <a:p>
-            <a:pPr lvl="1" marL="743040" indent="-285480">
+            <a:pPr lvl="1" marL="743040" indent="-285120">
               <a:lnSpc>
                 <a:spcPct val="100000"/>
               </a:lnSpc>
@@ -21655,7 +21734,7 @@
             </a:endParaRPr>
           </a:p>
           <a:p>
-            <a:pPr lvl="1" marL="743040" indent="-285480">
+            <a:pPr lvl="1" marL="743040" indent="-285120">
               <a:lnSpc>
                 <a:spcPct val="100000"/>
               </a:lnSpc>
@@ -21696,9 +21775,9 @@
         <p:grpSpPr>
           <a:xfrm>
             <a:off x="8003520" y="3556800"/>
-            <a:ext cx="1492920" cy="1086480"/>
+            <a:ext cx="1492560" cy="1086120"/>
             <a:chOff x="8003520" y="3556800"/>
-            <a:chExt cx="1492920" cy="1086480"/>
+            <a:chExt cx="1492560" cy="1086120"/>
           </a:xfrm>
         </p:grpSpPr>
         <p:pic>
@@ -21714,7 +21793,7 @@
           <p:spPr>
             <a:xfrm>
               <a:off x="8236800" y="3556800"/>
-              <a:ext cx="837720" cy="809280"/>
+              <a:ext cx="837360" cy="808920"/>
             </a:xfrm>
             <a:prstGeom prst="rect">
               <a:avLst/>
@@ -21733,7 +21812,7 @@
           <p:spPr>
             <a:xfrm>
               <a:off x="8003520" y="4400640"/>
-              <a:ext cx="1492920" cy="242640"/>
+              <a:ext cx="1492560" cy="242280"/>
             </a:xfrm>
             <a:prstGeom prst="rect">
               <a:avLst/>
@@ -21785,9 +21864,9 @@
         <p:grpSpPr>
           <a:xfrm>
             <a:off x="4056840" y="3818880"/>
-            <a:ext cx="3399840" cy="2962440"/>
+            <a:ext cx="3399480" cy="2962440"/>
             <a:chOff x="4056840" y="3818880"/>
-            <a:chExt cx="3399840" cy="2962440"/>
+            <a:chExt cx="3399480" cy="2962440"/>
           </a:xfrm>
         </p:grpSpPr>
         <p:pic>
@@ -21803,7 +21882,7 @@
           <p:spPr>
             <a:xfrm>
               <a:off x="4056840" y="3818880"/>
-              <a:ext cx="3399840" cy="2484000"/>
+              <a:ext cx="3399480" cy="2483640"/>
             </a:xfrm>
             <a:prstGeom prst="rect">
               <a:avLst/>
@@ -21822,7 +21901,7 @@
           <p:spPr>
             <a:xfrm>
               <a:off x="4988880" y="6387120"/>
-              <a:ext cx="1784880" cy="394200"/>
+              <a:ext cx="1784520" cy="394200"/>
             </a:xfrm>
             <a:prstGeom prst="rect">
               <a:avLst/>
@@ -21904,7 +21983,7 @@
         <p:spPr>
           <a:xfrm>
             <a:off x="1062360" y="159840"/>
-            <a:ext cx="7765920" cy="2382480"/>
+            <a:ext cx="7765560" cy="2382120"/>
           </a:xfrm>
           <a:prstGeom prst="rect">
             <a:avLst/>
@@ -21955,7 +22034,7 @@
         <p:spPr>
           <a:xfrm>
             <a:off x="914400" y="1828800"/>
-            <a:ext cx="8926200" cy="3455640"/>
+            <a:ext cx="8925840" cy="3455280"/>
           </a:xfrm>
           <a:prstGeom prst="rect">
             <a:avLst/>
@@ -21976,7 +22055,7 @@
             <a:normAutofit fontScale="94000"/>
           </a:bodyPr>
           <a:p>
-            <a:pPr marL="285840" indent="-285480">
+            <a:pPr marL="285840" indent="-285120">
               <a:lnSpc>
                 <a:spcPct val="100000"/>
               </a:lnSpc>
@@ -22007,7 +22086,7 @@
             </a:endParaRPr>
           </a:p>
           <a:p>
-            <a:pPr lvl="1" marL="743040" indent="-285480">
+            <a:pPr lvl="1" marL="743040" indent="-285120">
               <a:lnSpc>
                 <a:spcPct val="100000"/>
               </a:lnSpc>
@@ -22038,7 +22117,7 @@
             </a:endParaRPr>
           </a:p>
           <a:p>
-            <a:pPr lvl="1" marL="743040" indent="-285480">
+            <a:pPr lvl="1" marL="743040" indent="-285120">
               <a:lnSpc>
                 <a:spcPct val="100000"/>
               </a:lnSpc>
@@ -22069,7 +22148,7 @@
             </a:endParaRPr>
           </a:p>
           <a:p>
-            <a:pPr lvl="2" marL="1200240" indent="-285480">
+            <a:pPr lvl="2" marL="1200240" indent="-285120">
               <a:lnSpc>
                 <a:spcPct val="100000"/>
               </a:lnSpc>
@@ -22110,7 +22189,7 @@
             </a:endParaRPr>
           </a:p>
           <a:p>
-            <a:pPr lvl="1" marL="743040" indent="-285480">
+            <a:pPr lvl="1" marL="743040" indent="-285120">
               <a:lnSpc>
                 <a:spcPct val="100000"/>
               </a:lnSpc>
@@ -22151,7 +22230,7 @@
             </a:endParaRPr>
           </a:p>
           <a:p>
-            <a:pPr lvl="1" marL="743040" indent="-285480">
+            <a:pPr lvl="1" marL="743040" indent="-285120">
               <a:lnSpc>
                 <a:spcPct val="100000"/>
               </a:lnSpc>
@@ -22222,7 +22301,7 @@
         <p:spPr>
           <a:xfrm>
             <a:off x="1062360" y="159840"/>
-            <a:ext cx="7979760" cy="1410120"/>
+            <a:ext cx="7979400" cy="1409760"/>
           </a:xfrm>
           <a:prstGeom prst="rect">
             <a:avLst/>
@@ -22273,7 +22352,7 @@
         <p:spPr>
           <a:xfrm>
             <a:off x="770040" y="1570320"/>
-            <a:ext cx="8926200" cy="5287320"/>
+            <a:ext cx="8925840" cy="5286960"/>
           </a:xfrm>
           <a:prstGeom prst="rect">
             <a:avLst/>
@@ -22330,7 +22409,7 @@
             </a:endParaRPr>
           </a:p>
           <a:p>
-            <a:pPr marL="285840" indent="-285120">
+            <a:pPr marL="285840" indent="-284760">
               <a:lnSpc>
                 <a:spcPct val="100000"/>
               </a:lnSpc>
@@ -22465,7 +22544,7 @@
             </a:endParaRPr>
           </a:p>
           <a:p>
-            <a:pPr marL="285840" indent="-285120">
+            <a:pPr marL="285840" indent="-284760">
               <a:lnSpc>
                 <a:spcPct val="100000"/>
               </a:lnSpc>
@@ -22507,7 +22586,7 @@
             </a:endParaRPr>
           </a:p>
           <a:p>
-            <a:pPr lvl="1" marL="743040" indent="-285120">
+            <a:pPr lvl="1" marL="743040" indent="-284760">
               <a:lnSpc>
                 <a:spcPct val="100000"/>
               </a:lnSpc>
@@ -22549,7 +22628,7 @@
             </a:endParaRPr>
           </a:p>
           <a:p>
-            <a:pPr lvl="2" marL="1200240" indent="-285120">
+            <a:pPr lvl="2" marL="1200240" indent="-284760">
               <a:lnSpc>
                 <a:spcPct val="100000"/>
               </a:lnSpc>
@@ -22580,7 +22659,7 @@
             </a:endParaRPr>
           </a:p>
           <a:p>
-            <a:pPr lvl="1" marL="743400" indent="-285480">
+            <a:pPr lvl="1" marL="743400" indent="-285120">
               <a:lnSpc>
                 <a:spcPct val="100000"/>
               </a:lnSpc>
@@ -22622,7 +22701,7 @@
             </a:endParaRPr>
           </a:p>
           <a:p>
-            <a:pPr lvl="2" marL="1200600" indent="-285480">
+            <a:pPr lvl="2" marL="1200600" indent="-285120">
               <a:lnSpc>
                 <a:spcPct val="100000"/>
               </a:lnSpc>
@@ -22709,7 +22788,7 @@
         <p:spPr>
           <a:xfrm>
             <a:off x="1062360" y="159840"/>
-            <a:ext cx="7765920" cy="2382480"/>
+            <a:ext cx="7765560" cy="2382120"/>
           </a:xfrm>
           <a:prstGeom prst="rect">
             <a:avLst/>
@@ -22760,7 +22839,7 @@
         <p:spPr>
           <a:xfrm>
             <a:off x="770040" y="2476800"/>
-            <a:ext cx="8926200" cy="4047480"/>
+            <a:ext cx="8925840" cy="4047120"/>
           </a:xfrm>
           <a:prstGeom prst="rect">
             <a:avLst/>
@@ -22781,7 +22860,7 @@
             <a:normAutofit/>
           </a:bodyPr>
           <a:p>
-            <a:pPr marL="285840" indent="-285120">
+            <a:pPr marL="285840" indent="-284760">
               <a:lnSpc>
                 <a:spcPct val="100000"/>
               </a:lnSpc>
@@ -22883,7 +22962,7 @@
             </a:endParaRPr>
           </a:p>
           <a:p>
-            <a:pPr marL="285840" indent="-285120">
+            <a:pPr marL="285840" indent="-284760">
               <a:lnSpc>
                 <a:spcPct val="100000"/>
               </a:lnSpc>
@@ -23009,7 +23088,7 @@
         <p:spPr>
           <a:xfrm>
             <a:off x="1062360" y="159840"/>
-            <a:ext cx="7765920" cy="2382480"/>
+            <a:ext cx="7765560" cy="2382120"/>
           </a:xfrm>
           <a:prstGeom prst="rect">
             <a:avLst/>
@@ -23060,7 +23139,7 @@
         <p:spPr>
           <a:xfrm>
             <a:off x="770040" y="2890080"/>
-            <a:ext cx="8926200" cy="3658320"/>
+            <a:ext cx="8925840" cy="3657960"/>
           </a:xfrm>
           <a:prstGeom prst="rect">
             <a:avLst/>
@@ -23081,7 +23160,7 @@
             <a:normAutofit/>
           </a:bodyPr>
           <a:p>
-            <a:pPr marL="285840" indent="-285120">
+            <a:pPr marL="285840" indent="-284760">
               <a:lnSpc>
                 <a:spcPct val="100000"/>
               </a:lnSpc>
@@ -23112,7 +23191,7 @@
             </a:endParaRPr>
           </a:p>
           <a:p>
-            <a:pPr marL="285840" indent="-285120">
+            <a:pPr marL="285840" indent="-284760">
               <a:lnSpc>
                 <a:spcPct val="100000"/>
               </a:lnSpc>
@@ -23143,7 +23222,7 @@
             </a:endParaRPr>
           </a:p>
           <a:p>
-            <a:pPr lvl="1" marL="743040" indent="-285120">
+            <a:pPr lvl="1" marL="743040" indent="-284760">
               <a:lnSpc>
                 <a:spcPct val="100000"/>
               </a:lnSpc>
@@ -23174,7 +23253,7 @@
             </a:endParaRPr>
           </a:p>
           <a:p>
-            <a:pPr lvl="1" marL="743040" indent="-285120">
+            <a:pPr lvl="1" marL="743040" indent="-284760">
               <a:lnSpc>
                 <a:spcPct val="100000"/>
               </a:lnSpc>
@@ -23205,7 +23284,7 @@
             </a:endParaRPr>
           </a:p>
           <a:p>
-            <a:pPr marL="285840" indent="-285120">
+            <a:pPr marL="285840" indent="-284760">
               <a:lnSpc>
                 <a:spcPct val="100000"/>
               </a:lnSpc>
@@ -23236,7 +23315,7 @@
             </a:endParaRPr>
           </a:p>
           <a:p>
-            <a:pPr lvl="1" marL="743040" indent="-285120">
+            <a:pPr lvl="1" marL="743040" indent="-284760">
               <a:lnSpc>
                 <a:spcPct val="100000"/>
               </a:lnSpc>
@@ -23267,7 +23346,7 @@
             </a:endParaRPr>
           </a:p>
           <a:p>
-            <a:pPr marL="285840" indent="-285120">
+            <a:pPr marL="285840" indent="-284760">
               <a:lnSpc>
                 <a:spcPct val="100000"/>
               </a:lnSpc>
@@ -23298,7 +23377,7 @@
             </a:endParaRPr>
           </a:p>
           <a:p>
-            <a:pPr lvl="1" marL="743040" indent="-285120">
+            <a:pPr lvl="1" marL="743040" indent="-284760">
               <a:lnSpc>
                 <a:spcPct val="100000"/>
               </a:lnSpc>
@@ -23417,7 +23496,7 @@
         <p:spPr>
           <a:xfrm>
             <a:off x="1062360" y="159840"/>
-            <a:ext cx="7765920" cy="2382480"/>
+            <a:ext cx="7765560" cy="2382120"/>
           </a:xfrm>
           <a:prstGeom prst="rect">
             <a:avLst/>
@@ -23468,7 +23547,7 @@
         <p:spPr>
           <a:xfrm>
             <a:off x="770040" y="2890080"/>
-            <a:ext cx="8926200" cy="3658320"/>
+            <a:ext cx="8925840" cy="3657960"/>
           </a:xfrm>
           <a:prstGeom prst="rect">
             <a:avLst/>
@@ -23489,7 +23568,7 @@
             <a:normAutofit fontScale="80000"/>
           </a:bodyPr>
           <a:p>
-            <a:pPr marL="285840" indent="-285120">
+            <a:pPr marL="285840" indent="-284760">
               <a:lnSpc>
                 <a:spcPct val="100000"/>
               </a:lnSpc>
@@ -23520,7 +23599,7 @@
             </a:endParaRPr>
           </a:p>
           <a:p>
-            <a:pPr lvl="1" marL="743040" indent="-285120">
+            <a:pPr lvl="1" marL="743040" indent="-284760">
               <a:lnSpc>
                 <a:spcPct val="100000"/>
               </a:lnSpc>
@@ -23551,7 +23630,7 @@
             </a:endParaRPr>
           </a:p>
           <a:p>
-            <a:pPr lvl="1" marL="743040" indent="-285120">
+            <a:pPr lvl="1" marL="743040" indent="-284760">
               <a:lnSpc>
                 <a:spcPct val="100000"/>
               </a:lnSpc>
@@ -23582,7 +23661,7 @@
             </a:endParaRPr>
           </a:p>
           <a:p>
-            <a:pPr marL="285840" indent="-285120">
+            <a:pPr marL="285840" indent="-284760">
               <a:lnSpc>
                 <a:spcPct val="100000"/>
               </a:lnSpc>
@@ -23613,7 +23692,7 @@
             </a:endParaRPr>
           </a:p>
           <a:p>
-            <a:pPr lvl="1" marL="743040" indent="-285120">
+            <a:pPr lvl="1" marL="743040" indent="-284760">
               <a:lnSpc>
                 <a:spcPct val="100000"/>
               </a:lnSpc>
@@ -23644,7 +23723,7 @@
             </a:endParaRPr>
           </a:p>
           <a:p>
-            <a:pPr marL="285840" indent="-285120">
+            <a:pPr marL="285840" indent="-284760">
               <a:lnSpc>
                 <a:spcPct val="100000"/>
               </a:lnSpc>
@@ -23675,7 +23754,7 @@
             </a:endParaRPr>
           </a:p>
           <a:p>
-            <a:pPr lvl="1" marL="743040" indent="-285120">
+            <a:pPr lvl="1" marL="743040" indent="-284760">
               <a:lnSpc>
                 <a:spcPct val="100000"/>
               </a:lnSpc>
@@ -23706,7 +23785,7 @@
             </a:endParaRPr>
           </a:p>
           <a:p>
-            <a:pPr lvl="2" marL="1200240" indent="-285120">
+            <a:pPr lvl="2" marL="1200240" indent="-284760">
               <a:lnSpc>
                 <a:spcPct val="100000"/>
               </a:lnSpc>
@@ -23737,7 +23816,7 @@
             </a:endParaRPr>
           </a:p>
           <a:p>
-            <a:pPr lvl="3" marL="1657440" indent="-285120">
+            <a:pPr lvl="3" marL="1657440" indent="-284760">
               <a:lnSpc>
                 <a:spcPct val="100000"/>
               </a:lnSpc>
@@ -23768,7 +23847,7 @@
             </a:endParaRPr>
           </a:p>
           <a:p>
-            <a:pPr lvl="1" marL="743040" indent="-285120">
+            <a:pPr lvl="1" marL="743040" indent="-284760">
               <a:lnSpc>
                 <a:spcPct val="100000"/>
               </a:lnSpc>
@@ -23799,7 +23878,7 @@
             </a:endParaRPr>
           </a:p>
           <a:p>
-            <a:pPr lvl="1" marL="743040" indent="-285120">
+            <a:pPr lvl="1" marL="743040" indent="-284760">
               <a:lnSpc>
                 <a:spcPct val="100000"/>
               </a:lnSpc>
@@ -23902,7 +23981,7 @@
         <p:spPr>
           <a:xfrm>
             <a:off x="2011680" y="274680"/>
-            <a:ext cx="7765920" cy="1645200"/>
+            <a:ext cx="7765560" cy="1644840"/>
           </a:xfrm>
           <a:prstGeom prst="rect">
             <a:avLst/>
@@ -23936,7 +24015,7 @@
                 <a:latin typeface="Trebuchet MS"/>
                 <a:ea typeface="DejaVu Sans"/>
               </a:rPr>
-              <a:t>Applications of Racket</a:t>
+              <a:t>Racket Applications</a:t>
             </a:r>
             <a:endParaRPr b="0" lang="en-US" sz="5400" spc="-1" strike="noStrike">
               <a:latin typeface="Arial"/>
@@ -23953,7 +24032,7 @@
         <p:spPr>
           <a:xfrm>
             <a:off x="457560" y="2057760"/>
-            <a:ext cx="10972080" cy="3976920"/>
+            <a:ext cx="10971720" cy="3976560"/>
           </a:xfrm>
           <a:prstGeom prst="rect">
             <a:avLst/>
@@ -23974,7 +24053,7 @@
             <a:normAutofit/>
           </a:bodyPr>
           <a:p>
-            <a:pPr marL="432000" indent="-323640">
+            <a:pPr marL="432000" indent="-323280">
               <a:lnSpc>
                 <a:spcPct val="100000"/>
               </a:lnSpc>
@@ -24003,7 +24082,7 @@
             </a:endParaRPr>
           </a:p>
           <a:p>
-            <a:pPr lvl="1" marL="864000" indent="-323640">
+            <a:pPr lvl="1" marL="864000" indent="-323280">
               <a:lnSpc>
                 <a:spcPct val="100000"/>
               </a:lnSpc>
@@ -24032,7 +24111,7 @@
             </a:endParaRPr>
           </a:p>
           <a:p>
-            <a:pPr marL="432000" indent="-323640">
+            <a:pPr marL="432000" indent="-323280">
               <a:lnSpc>
                 <a:spcPct val="100000"/>
               </a:lnSpc>
@@ -24061,7 +24140,7 @@
             </a:endParaRPr>
           </a:p>
           <a:p>
-            <a:pPr marL="432000" indent="-323640">
+            <a:pPr marL="432000" indent="-323280">
               <a:lnSpc>
                 <a:spcPct val="100000"/>
               </a:lnSpc>

--- a/CSC201Sec3Proj3Team4.pptx
+++ b/CSC201Sec3Proj3Team4.pptx
@@ -33237,7 +33237,7 @@
                 <a:latin typeface="Arial"/>
                 <a:ea typeface="DejaVu Sans"/>
               </a:rPr>
-              <a:t>Racket is multi-paradigm, but is been known as a </a:t>
+              <a:t>Racket is multi-paradigm, but is best known as a </a:t>
             </a:r>
             <a:r>
               <a:rPr b="0" lang="en-US" sz="2600" spc="-1" strike="noStrike">

--- a/CSC201Sec3Proj3Team4.pptx
+++ b/CSC201Sec3Proj3Team4.pptx
@@ -27988,7 +27988,7 @@
               </a:lnSpc>
             </a:pPr>
             <a:r>
-              <a:rPr b="0" lang="en-US" sz="5400" spc="-1" strike="noStrike">
+              <a:rPr b="0" lang="en-US" sz="4800" spc="-1" strike="noStrike">
                 <a:solidFill>
                   <a:srgbClr val="4f81bd"/>
                 </a:solidFill>
@@ -27997,7 +27997,7 @@
               </a:rPr>
               <a:t>The Racket Language</a:t>
             </a:r>
-            <a:endParaRPr b="0" lang="en-US" sz="5400" spc="-1" strike="noStrike">
+            <a:endParaRPr b="0" lang="en-US" sz="4800" spc="-1" strike="noStrike">
               <a:latin typeface="Arial"/>
             </a:endParaRPr>
           </a:p>
@@ -28030,7 +28030,7 @@
         </p:style>
         <p:txBody>
           <a:bodyPr lIns="0" rIns="0" tIns="0" bIns="0">
-            <a:normAutofit fontScale="70000"/>
+            <a:normAutofit/>
           </a:bodyPr>
           <a:p>
             <a:pPr marL="432000" indent="-323280">
@@ -28200,74 +28200,7 @@
                 <a:latin typeface="Arial"/>
                 <a:ea typeface="DejaVu Sans"/>
               </a:rPr>
-              <a:t>Etc</a:t>
-            </a:r>
-            <a:endParaRPr b="0" lang="en-US" sz="2800" spc="-1" strike="noStrike">
-              <a:latin typeface="Arial"/>
-            </a:endParaRPr>
-          </a:p>
-          <a:p>
-            <a:pPr marL="432000" indent="-323280">
-              <a:lnSpc>
-                <a:spcPct val="100000"/>
-              </a:lnSpc>
-              <a:spcBef>
-                <a:spcPts val="1417"/>
-              </a:spcBef>
-              <a:buClr>
-                <a:srgbClr val="000000"/>
-              </a:buClr>
-              <a:buSzPct val="45000"/>
-              <a:buFont typeface="Wingdings" charset="2"/>
-              <a:buChar char=""/>
-            </a:pPr>
-            <a:endParaRPr b="0" lang="en-US" sz="2800" spc="-1" strike="noStrike">
-              <a:latin typeface="Arial"/>
-            </a:endParaRPr>
-          </a:p>
-          <a:p>
-            <a:pPr marL="432000" indent="-323280">
-              <a:lnSpc>
-                <a:spcPct val="100000"/>
-              </a:lnSpc>
-              <a:spcBef>
-                <a:spcPts val="1417"/>
-              </a:spcBef>
-              <a:buClr>
-                <a:srgbClr val="000000"/>
-              </a:buClr>
-              <a:buSzPct val="45000"/>
-              <a:buFont typeface="Wingdings" charset="2"/>
-              <a:buChar char=""/>
-            </a:pPr>
-            <a:endParaRPr b="0" lang="en-US" sz="2800" spc="-1" strike="noStrike">
-              <a:latin typeface="Arial"/>
-            </a:endParaRPr>
-          </a:p>
-          <a:p>
-            <a:pPr marL="432000" indent="-323280">
-              <a:lnSpc>
-                <a:spcPct val="100000"/>
-              </a:lnSpc>
-              <a:spcBef>
-                <a:spcPts val="1417"/>
-              </a:spcBef>
-              <a:buClr>
-                <a:srgbClr val="000000"/>
-              </a:buClr>
-              <a:buSzPct val="45000"/>
-              <a:buFont typeface="Wingdings" charset="2"/>
-              <a:buChar char=""/>
-            </a:pPr>
-            <a:r>
-              <a:rPr b="0" lang="en-US" sz="2800" spc="-1" strike="noStrike">
-                <a:solidFill>
-                  <a:srgbClr val="000000"/>
-                </a:solidFill>
-                <a:latin typeface="Arial"/>
-                <a:ea typeface="DejaVu Sans"/>
-              </a:rPr>
-              <a:t> </a:t>
+              <a:t>Etc </a:t>
             </a:r>
             <a:endParaRPr b="0" lang="en-US" sz="2800" spc="-1" strike="noStrike">
               <a:latin typeface="Arial"/>
@@ -33425,8 +33358,8 @@
         </p:blipFill>
         <p:spPr>
           <a:xfrm>
-            <a:off x="2510640" y="4115880"/>
-            <a:ext cx="6616440" cy="370080"/>
+            <a:off x="2832480" y="4190400"/>
+            <a:ext cx="5286600" cy="295560"/>
           </a:xfrm>
           <a:prstGeom prst="rect">
             <a:avLst/>

--- a/CSC201Sec3Proj3Team4.pptx
+++ b/CSC201Sec3Proj3Team4.pptx
@@ -131,6 +131,11 @@
       </a:defRPr>
     </a:lvl9pPr>
   </p:defaultTextStyle>
+  <p:extLst>
+    <p:ext uri="{EFAFB233-063F-42B5-8137-9DF3F51BA10A}">
+      <p15:sldGuideLst xmlns:p15="http://schemas.microsoft.com/office/powerpoint/2012/main"/>
+    </p:ext>
+  </p:extLst>
 </p:presentation>
 </file>
 
@@ -30771,7 +30776,7 @@
         </p:style>
         <p:txBody>
           <a:bodyPr lIns="90000" tIns="45000" rIns="90000" bIns="45000">
-            <a:normAutofit fontScale="85000" lnSpcReduction="10000"/>
+            <a:normAutofit fontScale="92500" lnSpcReduction="20000"/>
           </a:bodyPr>
           <a:lstStyle/>
           <a:p>
@@ -32231,8 +32236,8 @@
         </p:nvSpPr>
         <p:spPr>
           <a:xfrm>
-            <a:off x="1062360" y="159840"/>
-            <a:ext cx="7979400" cy="1409760"/>
+            <a:off x="1062360" y="0"/>
+            <a:ext cx="7979400" cy="1569600"/>
           </a:xfrm>
           <a:prstGeom prst="rect">
             <a:avLst/>
@@ -32266,7 +32271,7 @@
               </a:lnSpc>
             </a:pPr>
             <a:r>
-              <a:rPr lang="en-US" sz="5400" b="0" strike="noStrike" spc="-1">
+              <a:rPr lang="en-US" sz="5400" b="0" strike="noStrike" spc="-1" dirty="0">
                 <a:solidFill>
                   <a:srgbClr val="4F81BD"/>
                 </a:solidFill>
@@ -32275,7 +32280,7 @@
               </a:rPr>
               <a:t>Main Characteristics and main Strengths of Racket</a:t>
             </a:r>
-            <a:endParaRPr lang="en-US" sz="5400" b="0" strike="noStrike" spc="-1">
+            <a:endParaRPr lang="en-US" sz="5400" b="0" strike="noStrike" spc="-1" dirty="0">
               <a:latin typeface="Arial"/>
             </a:endParaRPr>
           </a:p>
@@ -32330,7 +32335,7 @@
               </a:tabLst>
             </a:pPr>
             <a:r>
-              <a:rPr lang="en-US" sz="1800" b="0" strike="noStrike" spc="-1">
+              <a:rPr lang="en-US" sz="1800" b="0" strike="noStrike" spc="-1" dirty="0">
                 <a:solidFill>
                   <a:srgbClr val="000000"/>
                 </a:solidFill>
@@ -32339,7 +32344,7 @@
               </a:rPr>
               <a:t>“Racket” https://racket-lang.org/ (accessed Nov. 24, 2020)</a:t>
             </a:r>
-            <a:endParaRPr lang="en-US" sz="1800" b="0" strike="noStrike" spc="-1">
+            <a:endParaRPr lang="en-US" sz="1800" b="0" strike="noStrike" spc="-1" dirty="0">
               <a:latin typeface="Arial"/>
             </a:endParaRPr>
           </a:p>
@@ -32361,7 +32366,7 @@
               </a:tabLst>
             </a:pPr>
             <a:r>
-              <a:rPr lang="en-US" sz="1800" b="0" strike="noStrike" spc="-1">
+              <a:rPr lang="en-US" sz="1800" b="0" strike="noStrike" spc="-1" dirty="0">
                 <a:solidFill>
                   <a:srgbClr val="000000"/>
                 </a:solidFill>
@@ -32370,9 +32375,11 @@
               </a:rPr>
               <a:t>Racket is a stable programming language that has matured over time</a:t>
             </a:r>
-            <a:br/>
+            <a:br>
+              <a:rPr dirty="0"/>
+            </a:br>
             <a:r>
-              <a:rPr lang="en-US" sz="1800" b="0" strike="noStrike" spc="-1">
+              <a:rPr lang="en-US" sz="1800" b="0" strike="noStrike" spc="-1" dirty="0">
                 <a:solidFill>
                   <a:srgbClr val="000000"/>
                 </a:solidFill>
@@ -32381,9 +32388,11 @@
               </a:rPr>
               <a:t> - It is cross-platform</a:t>
             </a:r>
-            <a:br/>
+            <a:br>
+              <a:rPr dirty="0"/>
+            </a:br>
             <a:r>
-              <a:rPr lang="en-US" sz="1800" b="0" strike="noStrike" spc="-1">
+              <a:rPr lang="en-US" sz="1800" b="0" strike="noStrike" spc="-1" dirty="0">
                 <a:solidFill>
                   <a:srgbClr val="000000"/>
                 </a:solidFill>
@@ -32392,9 +32401,11 @@
               </a:rPr>
               <a:t>     -	Windows</a:t>
             </a:r>
-            <a:br/>
+            <a:br>
+              <a:rPr dirty="0"/>
+            </a:br>
             <a:r>
-              <a:rPr lang="en-US" sz="1800" b="0" strike="noStrike" spc="-1">
+              <a:rPr lang="en-US" sz="1800" b="0" strike="noStrike" spc="-1" dirty="0">
                 <a:solidFill>
                   <a:srgbClr val="000000"/>
                 </a:solidFill>
@@ -32403,9 +32414,11 @@
               </a:rPr>
               <a:t>     -	Linux</a:t>
             </a:r>
-            <a:br/>
+            <a:br>
+              <a:rPr dirty="0"/>
+            </a:br>
             <a:r>
-              <a:rPr lang="en-US" sz="1800" b="0" strike="noStrike" spc="-1">
+              <a:rPr lang="en-US" sz="1800" b="0" strike="noStrike" spc="-1" dirty="0">
                 <a:solidFill>
                   <a:srgbClr val="000000"/>
                 </a:solidFill>
@@ -32414,7 +32427,7 @@
               </a:rPr>
               <a:t>     -	MacOS</a:t>
             </a:r>
-            <a:endParaRPr lang="en-US" sz="1800" b="0" strike="noStrike" spc="-1">
+            <a:endParaRPr lang="en-US" sz="1800" b="0" strike="noStrike" spc="-1" dirty="0">
               <a:latin typeface="Arial"/>
             </a:endParaRPr>
           </a:p>
@@ -32436,7 +32449,7 @@
               </a:tabLst>
             </a:pPr>
             <a:r>
-              <a:rPr lang="en-US" sz="1800" b="0" strike="noStrike" spc="-1">
+              <a:rPr lang="en-US" sz="1800" b="0" strike="noStrike" spc="-1" dirty="0">
                 <a:solidFill>
                   <a:srgbClr val="000000"/>
                 </a:solidFill>
@@ -32445,9 +32458,11 @@
               </a:rPr>
               <a:t>Racket contains</a:t>
             </a:r>
-            <a:br/>
+            <a:br>
+              <a:rPr dirty="0"/>
+            </a:br>
             <a:r>
-              <a:rPr lang="en-US" sz="1800" b="0" strike="noStrike" spc="-1">
+              <a:rPr lang="en-US" sz="1800" b="0" strike="noStrike" spc="-1" dirty="0">
                 <a:solidFill>
                   <a:srgbClr val="000000"/>
                 </a:solidFill>
@@ -32456,7 +32471,7 @@
               </a:rPr>
               <a:t>  - Package system</a:t>
             </a:r>
-            <a:endParaRPr lang="en-US" sz="1800" b="0" strike="noStrike" spc="-1">
+            <a:endParaRPr lang="en-US" sz="1800" b="0" strike="noStrike" spc="-1" dirty="0">
               <a:latin typeface="Arial"/>
             </a:endParaRPr>
           </a:p>
@@ -32478,7 +32493,7 @@
               </a:tabLst>
             </a:pPr>
             <a:r>
-              <a:rPr lang="en-US" sz="1800" b="0" strike="noStrike" spc="-1">
+              <a:rPr lang="en-US" sz="1800" b="0" strike="noStrike" spc="-1" dirty="0">
                 <a:solidFill>
                   <a:srgbClr val="000000"/>
                 </a:solidFill>
@@ -32487,9 +32502,11 @@
               </a:rPr>
               <a:t>Racket Package Manager</a:t>
             </a:r>
-            <a:br/>
+            <a:br>
+              <a:rPr dirty="0"/>
+            </a:br>
             <a:r>
-              <a:rPr lang="en-US" sz="1800" b="0" strike="noStrike" spc="-1">
+              <a:rPr lang="en-US" sz="1800" b="0" strike="noStrike" spc="-1" dirty="0">
                 <a:solidFill>
                   <a:srgbClr val="000000"/>
                 </a:solidFill>
@@ -32498,7 +32515,7 @@
               </a:rPr>
               <a:t>    where you can install/update/remove a package and use the libraries provided</a:t>
             </a:r>
-            <a:endParaRPr lang="en-US" sz="1800" b="0" strike="noStrike" spc="-1">
+            <a:endParaRPr lang="en-US" sz="1800" b="0" strike="noStrike" spc="-1" dirty="0">
               <a:latin typeface="Arial"/>
             </a:endParaRPr>
           </a:p>
@@ -32520,16 +32537,86 @@
               </a:tabLst>
             </a:pPr>
             <a:r>
-              <a:rPr lang="en-US" sz="1800" b="0" strike="noStrike" spc="-1">
+              <a:rPr lang="en-US" sz="1800" b="0" strike="noStrike" spc="-1" dirty="0" err="1">
                 <a:solidFill>
                   <a:srgbClr val="000000"/>
                 </a:solidFill>
                 <a:latin typeface="Arial"/>
                 <a:ea typeface="DejaVu Sans"/>
               </a:rPr>
-              <a:t>raco pkg (raco pkg install, raco pkg update, raco pkg remove)</a:t>
+              <a:t>raco</a:t>
             </a:r>
-            <a:endParaRPr lang="en-US" sz="1800" b="0" strike="noStrike" spc="-1">
+            <a:r>
+              <a:rPr lang="en-US" sz="1800" b="0" strike="noStrike" spc="-1" dirty="0">
+                <a:solidFill>
+                  <a:srgbClr val="000000"/>
+                </a:solidFill>
+                <a:latin typeface="Arial"/>
+                <a:ea typeface="DejaVu Sans"/>
+              </a:rPr>
+              <a:t> pkg (</a:t>
+            </a:r>
+            <a:r>
+              <a:rPr lang="en-US" sz="1800" b="0" strike="noStrike" spc="-1" dirty="0" err="1">
+                <a:solidFill>
+                  <a:srgbClr val="000000"/>
+                </a:solidFill>
+                <a:latin typeface="Arial"/>
+                <a:ea typeface="DejaVu Sans"/>
+              </a:rPr>
+              <a:t>raco</a:t>
+            </a:r>
+            <a:r>
+              <a:rPr lang="en-US" sz="1800" b="0" strike="noStrike" spc="-1" dirty="0">
+                <a:solidFill>
+                  <a:srgbClr val="000000"/>
+                </a:solidFill>
+                <a:latin typeface="Arial"/>
+                <a:ea typeface="DejaVu Sans"/>
+              </a:rPr>
+              <a:t> pkg install, </a:t>
+            </a:r>
+            <a:r>
+              <a:rPr lang="en-US" sz="1800" b="0" strike="noStrike" spc="-1" dirty="0" err="1">
+                <a:solidFill>
+                  <a:srgbClr val="000000"/>
+                </a:solidFill>
+                <a:latin typeface="Arial"/>
+                <a:ea typeface="DejaVu Sans"/>
+              </a:rPr>
+              <a:t>raco</a:t>
+            </a:r>
+            <a:r>
+              <a:rPr lang="en-US" sz="1800" b="0" strike="noStrike" spc="-1" dirty="0">
+                <a:solidFill>
+                  <a:srgbClr val="000000"/>
+                </a:solidFill>
+                <a:latin typeface="Arial"/>
+                <a:ea typeface="DejaVu Sans"/>
+              </a:rPr>
+              <a:t> pkg update, </a:t>
+            </a:r>
+            <a:r>
+              <a:rPr lang="en-US" sz="1800" b="0" strike="noStrike" spc="-1" dirty="0" err="1">
+                <a:solidFill>
+                  <a:srgbClr val="000000"/>
+                </a:solidFill>
+                <a:latin typeface="Arial"/>
+                <a:ea typeface="DejaVu Sans"/>
+              </a:rPr>
+              <a:t>raco</a:t>
+            </a:r>
+            <a:r>
+              <a:rPr lang="en-US" sz="1800" b="0" strike="noStrike" spc="-1" dirty="0">
+                <a:solidFill>
+                  <a:srgbClr val="000000"/>
+                </a:solidFill>
+                <a:latin typeface="Arial"/>
+                <a:ea typeface="DejaVu Sans"/>
+              </a:rPr>
+              <a:t> pkg remove)</a:t>
+            </a:r>
+            <a:endParaRPr lang="en-US" sz="1800" b="0" strike="noStrike" spc="-1" dirty="0">
               <a:latin typeface="Arial"/>
             </a:endParaRPr>
           </a:p>
@@ -32551,7 +32638,7 @@
               </a:tabLst>
             </a:pPr>
             <a:r>
-              <a:rPr lang="en-US" sz="1800" b="0" strike="noStrike" spc="-1">
+              <a:rPr lang="en-US" sz="1800" b="0" strike="noStrike" spc="-1" dirty="0">
                 <a:solidFill>
                   <a:srgbClr val="000000"/>
                 </a:solidFill>
@@ -32560,18 +32647,30 @@
               </a:rPr>
               <a:t>GUI Framework</a:t>
             </a:r>
-            <a:br/>
+            <a:br>
+              <a:rPr dirty="0"/>
+            </a:br>
             <a:r>
-              <a:rPr lang="en-US" sz="1800" b="0" strike="noStrike" spc="-1">
+              <a:rPr lang="en-US" sz="1800" b="0" strike="noStrike" spc="-1" dirty="0">
                 <a:solidFill>
                   <a:srgbClr val="000000"/>
                 </a:solidFill>
                 <a:latin typeface="Arial"/>
                 <a:ea typeface="DejaVu Sans"/>
               </a:rPr>
-              <a:t>- Foreign Interface such as Ctype</a:t>
+              <a:t>- Foreign Interface such as </a:t>
             </a:r>
-            <a:endParaRPr lang="en-US" sz="1800" b="0" strike="noStrike" spc="-1">
+            <a:r>
+              <a:rPr lang="en-US" sz="1800" b="0" strike="noStrike" spc="-1" dirty="0" err="1">
+                <a:solidFill>
+                  <a:srgbClr val="000000"/>
+                </a:solidFill>
+                <a:latin typeface="Arial"/>
+                <a:ea typeface="DejaVu Sans"/>
+              </a:rPr>
+              <a:t>Ctype</a:t>
+            </a:r>
+            <a:endParaRPr lang="en-US" sz="1800" b="0" strike="noStrike" spc="-1" dirty="0">
               <a:latin typeface="Arial"/>
             </a:endParaRPr>
           </a:p>
@@ -32593,16 +32692,36 @@
               </a:tabLst>
             </a:pPr>
             <a:r>
-              <a:rPr lang="en-US" sz="1800" b="0" strike="noStrike" spc="-1">
+              <a:rPr lang="en-US" sz="1800" b="0" strike="noStrike" spc="-1" dirty="0">
                 <a:solidFill>
                   <a:srgbClr val="000000"/>
                 </a:solidFill>
                 <a:latin typeface="Arial"/>
                 <a:ea typeface="DejaVu Sans"/>
               </a:rPr>
-              <a:t>The ffi/unsafe library enables use of C-based APIs within Racket programs without having to write any new C code. </a:t>
+              <a:t>The </a:t>
             </a:r>
-            <a:endParaRPr lang="en-US" sz="1800" b="0" strike="noStrike" spc="-1">
+            <a:r>
+              <a:rPr lang="en-US" sz="1800" b="0" strike="noStrike" spc="-1" dirty="0" err="1">
+                <a:solidFill>
+                  <a:srgbClr val="000000"/>
+                </a:solidFill>
+                <a:latin typeface="Arial"/>
+                <a:ea typeface="DejaVu Sans"/>
+              </a:rPr>
+              <a:t>ffi</a:t>
+            </a:r>
+            <a:r>
+              <a:rPr lang="en-US" sz="1800" b="0" strike="noStrike" spc="-1" dirty="0">
+                <a:solidFill>
+                  <a:srgbClr val="000000"/>
+                </a:solidFill>
+                <a:latin typeface="Arial"/>
+                <a:ea typeface="DejaVu Sans"/>
+              </a:rPr>
+              <a:t>/unsafe library enables use of C-based APIs within Racket programs without having to write any new C code. </a:t>
+            </a:r>
+            <a:endParaRPr lang="en-US" sz="1800" b="0" strike="noStrike" spc="-1" dirty="0">
               <a:latin typeface="Arial"/>
             </a:endParaRPr>
           </a:p>
@@ -32618,7 +32737,7 @@
                 <a:tab pos="0" algn="l"/>
               </a:tabLst>
             </a:pPr>
-            <a:endParaRPr lang="en-US" sz="1800" b="0" strike="noStrike" spc="-1">
+            <a:endParaRPr lang="en-US" sz="1800" b="0" strike="noStrike" spc="-1" dirty="0">
               <a:latin typeface="Arial"/>
             </a:endParaRPr>
           </a:p>
@@ -32658,7 +32777,7 @@
         <p:spPr>
           <a:xfrm>
             <a:off x="1062360" y="159840"/>
-            <a:ext cx="7765560" cy="2382120"/>
+            <a:ext cx="8284840" cy="1428815"/>
           </a:xfrm>
           <a:prstGeom prst="rect">
             <a:avLst/>
@@ -32692,7 +32811,7 @@
               </a:lnSpc>
             </a:pPr>
             <a:r>
-              <a:rPr lang="en-US" sz="5400" b="0" strike="noStrike" spc="-1">
+              <a:rPr lang="en-US" sz="5400" b="0" strike="noStrike" spc="-1" dirty="0">
                 <a:solidFill>
                   <a:srgbClr val="4F81BD"/>
                 </a:solidFill>
@@ -32701,7 +32820,7 @@
               </a:rPr>
               <a:t>Main Characteristics and main Strengths of Racket</a:t>
             </a:r>
-            <a:endParaRPr lang="en-US" sz="5400" b="0" strike="noStrike" spc="-1">
+            <a:endParaRPr lang="en-US" sz="5400" b="0" strike="noStrike" spc="-1" dirty="0">
               <a:latin typeface="Arial"/>
             </a:endParaRPr>
           </a:p>
@@ -32715,8 +32834,8 @@
         </p:nvSpPr>
         <p:spPr>
           <a:xfrm>
-            <a:off x="770040" y="2476800"/>
-            <a:ext cx="8925840" cy="4047120"/>
+            <a:off x="770040" y="1699491"/>
+            <a:ext cx="8925840" cy="4824429"/>
           </a:xfrm>
           <a:prstGeom prst="rect">
             <a:avLst/>
@@ -32740,7 +32859,7 @@
         </p:style>
         <p:txBody>
           <a:bodyPr lIns="90000" tIns="45000" rIns="90000" bIns="45000">
-            <a:normAutofit lnSpcReduction="10000"/>
+            <a:normAutofit/>
           </a:bodyPr>
           <a:lstStyle/>
           <a:p>
@@ -32761,89 +32880,9 @@
               </a:tabLst>
             </a:pPr>
             <a:r>
-              <a:rPr lang="en-US" sz="1800" b="0" strike="noStrike" spc="-1">
-                <a:solidFill>
-                  <a:srgbClr val="000000"/>
-                </a:solidFill>
-                <a:latin typeface="Arial"/>
-                <a:ea typeface="DejaVu Sans"/>
-              </a:rPr>
-              <a:t>Racket includes rich set of Libraries</a:t>
+              <a:rPr lang="en-US" dirty="0"/>
+              <a:t>Racket offers functional language capabilities such as tail-call optimization and lexical closures.</a:t>
             </a:r>
-            <a:br/>
-            <a:r>
-              <a:rPr lang="en-US" sz="1800" b="0" strike="noStrike" spc="-1">
-                <a:solidFill>
-                  <a:srgbClr val="000000"/>
-                </a:solidFill>
-                <a:latin typeface="Arial"/>
-                <a:ea typeface="DejaVu Sans"/>
-              </a:rPr>
-              <a:t>   - Web Applications</a:t>
-            </a:r>
-            <a:br/>
-            <a:r>
-              <a:rPr lang="en-US" sz="1800" b="0" strike="noStrike" spc="-1">
-                <a:solidFill>
-                  <a:srgbClr val="000000"/>
-                </a:solidFill>
-                <a:latin typeface="Arial"/>
-                <a:ea typeface="DejaVu Sans"/>
-              </a:rPr>
-              <a:t>   - Database</a:t>
-            </a:r>
-            <a:br/>
-            <a:r>
-              <a:rPr lang="en-US" sz="1800" b="0" strike="noStrike" spc="-1">
-                <a:solidFill>
-                  <a:srgbClr val="000000"/>
-                </a:solidFill>
-                <a:latin typeface="Arial"/>
-                <a:ea typeface="DejaVu Sans"/>
-              </a:rPr>
-              <a:t>   - Math &amp; Statistics</a:t>
-            </a:r>
-            <a:br/>
-            <a:r>
-              <a:rPr lang="en-US" sz="1800" b="0" strike="noStrike" spc="-1">
-                <a:solidFill>
-                  <a:srgbClr val="000000"/>
-                </a:solidFill>
-                <a:latin typeface="Arial"/>
-                <a:ea typeface="DejaVu Sans"/>
-              </a:rPr>
-              <a:t>   - Network Libraries</a:t>
-            </a:r>
-            <a:br/>
-            <a:r>
-              <a:rPr lang="en-US" sz="1800" b="0" strike="noStrike" spc="-1">
-                <a:solidFill>
-                  <a:srgbClr val="000000"/>
-                </a:solidFill>
-                <a:latin typeface="Arial"/>
-                <a:ea typeface="DejaVu Sans"/>
-              </a:rPr>
-              <a:t>   - Parsing Libraries</a:t>
-            </a:r>
-            <a:endParaRPr lang="en-US" sz="1800" b="0" strike="noStrike" spc="-1">
-              <a:latin typeface="Arial"/>
-            </a:endParaRPr>
-          </a:p>
-          <a:p>
-            <a:pPr>
-              <a:lnSpc>
-                <a:spcPct val="100000"/>
-              </a:lnSpc>
-              <a:spcBef>
-                <a:spcPts val="1001"/>
-              </a:spcBef>
-              <a:tabLst>
-                <a:tab pos="0" algn="l"/>
-              </a:tabLst>
-            </a:pPr>
-            <a:endParaRPr lang="en-US" sz="1800" b="0" strike="noStrike" spc="-1">
-              <a:latin typeface="Arial"/>
-            </a:endParaRPr>
           </a:p>
           <a:p>
             <a:pPr marL="285840" indent="-284760">
@@ -32863,7 +32902,97 @@
               </a:tabLst>
             </a:pPr>
             <a:r>
-              <a:rPr lang="en-US" sz="1800" b="0" strike="noStrike" spc="-1">
+              <a:rPr lang="en-US" dirty="0"/>
+              <a:t>Racket has a rich language with an extensive set of libraries and tools. Not a “minimalist” language.</a:t>
+            </a:r>
+            <a:br>
+              <a:rPr dirty="0"/>
+            </a:br>
+            <a:r>
+              <a:rPr lang="en-US" sz="1800" b="0" strike="noStrike" spc="-1" dirty="0">
+                <a:solidFill>
+                  <a:srgbClr val="000000"/>
+                </a:solidFill>
+                <a:latin typeface="Arial"/>
+                <a:ea typeface="DejaVu Sans"/>
+              </a:rPr>
+              <a:t>   - Web Applications</a:t>
+            </a:r>
+            <a:br>
+              <a:rPr dirty="0"/>
+            </a:br>
+            <a:r>
+              <a:rPr lang="en-US" sz="1800" b="0" strike="noStrike" spc="-1" dirty="0">
+                <a:solidFill>
+                  <a:srgbClr val="000000"/>
+                </a:solidFill>
+                <a:latin typeface="Arial"/>
+                <a:ea typeface="DejaVu Sans"/>
+              </a:rPr>
+              <a:t>   - Database</a:t>
+            </a:r>
+            <a:br>
+              <a:rPr dirty="0"/>
+            </a:br>
+            <a:r>
+              <a:rPr lang="en-US" sz="1800" b="0" strike="noStrike" spc="-1" dirty="0">
+                <a:solidFill>
+                  <a:srgbClr val="000000"/>
+                </a:solidFill>
+                <a:latin typeface="Arial"/>
+                <a:ea typeface="DejaVu Sans"/>
+              </a:rPr>
+              <a:t>   - Math &amp; Statistics</a:t>
+            </a:r>
+            <a:br>
+              <a:rPr dirty="0"/>
+            </a:br>
+            <a:r>
+              <a:rPr lang="en-US" sz="1800" b="0" strike="noStrike" spc="-1" dirty="0">
+                <a:solidFill>
+                  <a:srgbClr val="000000"/>
+                </a:solidFill>
+                <a:latin typeface="Arial"/>
+                <a:ea typeface="DejaVu Sans"/>
+              </a:rPr>
+              <a:t>   - Network Libraries</a:t>
+            </a:r>
+            <a:br>
+              <a:rPr dirty="0"/>
+            </a:br>
+            <a:r>
+              <a:rPr lang="en-US" sz="1800" b="0" strike="noStrike" spc="-1" dirty="0">
+                <a:solidFill>
+                  <a:srgbClr val="000000"/>
+                </a:solidFill>
+                <a:latin typeface="Arial"/>
+                <a:ea typeface="DejaVu Sans"/>
+              </a:rPr>
+              <a:t>   - Parsing Libraries</a:t>
+            </a:r>
+            <a:endParaRPr lang="en-US" sz="1800" b="0" strike="noStrike" spc="-1" dirty="0">
+              <a:latin typeface="Arial"/>
+            </a:endParaRPr>
+          </a:p>
+          <a:p>
+            <a:pPr marL="285840" indent="-284760">
+              <a:lnSpc>
+                <a:spcPct val="100000"/>
+              </a:lnSpc>
+              <a:spcBef>
+                <a:spcPts val="1001"/>
+              </a:spcBef>
+              <a:buClr>
+                <a:srgbClr val="000000"/>
+              </a:buClr>
+              <a:buFont typeface="Arial"/>
+              <a:buChar char="•"/>
+              <a:tabLst>
+                <a:tab pos="0" algn="l"/>
+              </a:tabLst>
+            </a:pPr>
+            <a:r>
+              <a:rPr lang="en-US" sz="1800" b="0" strike="noStrike" spc="-1" dirty="0">
                 <a:solidFill>
                   <a:srgbClr val="000000"/>
                 </a:solidFill>
@@ -32872,9 +33001,11 @@
               </a:rPr>
               <a:t>Racket is Extensible &amp; Robust</a:t>
             </a:r>
-            <a:br/>
+            <a:br>
+              <a:rPr dirty="0"/>
+            </a:br>
             <a:r>
-              <a:rPr lang="en-US" sz="1800" b="0" strike="noStrike" spc="-1">
+              <a:rPr lang="en-US" sz="1800" b="0" strike="noStrike" spc="-1" dirty="0">
                 <a:solidFill>
                   <a:srgbClr val="000000"/>
                 </a:solidFill>
@@ -32883,9 +33014,11 @@
               </a:rPr>
               <a:t>   - Powerful Macros (Little and Big Macros)</a:t>
             </a:r>
-            <a:br/>
+            <a:br>
+              <a:rPr dirty="0"/>
+            </a:br>
             <a:r>
-              <a:rPr lang="en-US" sz="1800" b="0" strike="noStrike" spc="-1">
+              <a:rPr lang="en-US" sz="1800" b="0" strike="noStrike" spc="-1" dirty="0">
                 <a:solidFill>
                   <a:srgbClr val="000000"/>
                 </a:solidFill>
@@ -32894,9 +33027,11 @@
               </a:rPr>
               <a:t>   - Programmer can make domain-specific Languages or constructs with these macros</a:t>
             </a:r>
-            <a:br/>
+            <a:br>
+              <a:rPr dirty="0"/>
+            </a:br>
             <a:r>
-              <a:rPr lang="en-US" sz="1800" b="0" strike="noStrike" spc="-1">
+              <a:rPr lang="en-US" sz="1800" b="0" strike="noStrike" spc="-1" dirty="0">
                 <a:solidFill>
                   <a:srgbClr val="000000"/>
                 </a:solidFill>
@@ -32905,9 +33040,11 @@
               </a:rPr>
               <a:t>   - Provides a Contract Guide</a:t>
             </a:r>
-            <a:br/>
+            <a:br>
+              <a:rPr dirty="0"/>
+            </a:br>
             <a:r>
-              <a:rPr lang="en-US" sz="1800" b="0" strike="noStrike" spc="-1">
+              <a:rPr lang="en-US" sz="1800" b="0" strike="noStrike" spc="-1" dirty="0">
                 <a:solidFill>
                   <a:srgbClr val="000000"/>
                 </a:solidFill>
@@ -32916,9 +33053,11 @@
               </a:rPr>
               <a:t>      * High-Order Contracts</a:t>
             </a:r>
-            <a:br/>
+            <a:br>
+              <a:rPr dirty="0"/>
+            </a:br>
             <a:r>
-              <a:rPr lang="en-US" sz="1800" b="0" strike="noStrike" spc="-1">
+              <a:rPr lang="en-US" sz="1800" b="0" strike="noStrike" spc="-1" dirty="0">
                 <a:solidFill>
                   <a:srgbClr val="000000"/>
                 </a:solidFill>
@@ -32927,7 +33066,7 @@
               </a:rPr>
               <a:t>      * The Typed Contract Guide</a:t>
             </a:r>
-            <a:endParaRPr lang="en-US" sz="1800" b="0" strike="noStrike" spc="-1">
+            <a:endParaRPr lang="en-US" sz="1800" b="0" strike="noStrike" spc="-1" dirty="0">
               <a:latin typeface="Arial"/>
             </a:endParaRPr>
           </a:p>
@@ -32966,8 +33105,8 @@
         </p:nvSpPr>
         <p:spPr>
           <a:xfrm>
-            <a:off x="1062360" y="159840"/>
-            <a:ext cx="7765560" cy="2382120"/>
+            <a:off x="1062359" y="159840"/>
+            <a:ext cx="8063167" cy="1650487"/>
           </a:xfrm>
           <a:prstGeom prst="rect">
             <a:avLst/>
@@ -33001,7 +33140,7 @@
               </a:lnSpc>
             </a:pPr>
             <a:r>
-              <a:rPr lang="en-US" sz="5400" b="0" strike="noStrike" spc="-1">
+              <a:rPr lang="en-US" sz="5400" b="0" strike="noStrike" spc="-1" dirty="0">
                 <a:solidFill>
                   <a:srgbClr val="4F81BD"/>
                 </a:solidFill>
@@ -33010,7 +33149,7 @@
               </a:rPr>
               <a:t>Main Characteristics and main Strengths of Racket</a:t>
             </a:r>
-            <a:endParaRPr lang="en-US" sz="5400" b="0" strike="noStrike" spc="-1">
+            <a:endParaRPr lang="en-US" sz="5400" b="0" strike="noStrike" spc="-1" dirty="0">
               <a:latin typeface="Arial"/>
             </a:endParaRPr>
           </a:p>
@@ -33024,7 +33163,7 @@
         </p:nvSpPr>
         <p:spPr>
           <a:xfrm>
-            <a:off x="770040" y="2890080"/>
+            <a:off x="1633080" y="2114226"/>
             <a:ext cx="8925840" cy="3657960"/>
           </a:xfrm>
           <a:prstGeom prst="rect">
@@ -33049,7 +33188,7 @@
         </p:style>
         <p:txBody>
           <a:bodyPr lIns="90000" tIns="45000" rIns="90000" bIns="45000">
-            <a:normAutofit/>
+            <a:normAutofit fontScale="92500" lnSpcReduction="20000"/>
           </a:bodyPr>
           <a:lstStyle/>
           <a:p>
@@ -33070,7 +33209,7 @@
               </a:tabLst>
             </a:pPr>
             <a:r>
-              <a:rPr lang="en-US" sz="1800" b="0" strike="noStrike" spc="-1">
+              <a:rPr lang="en-US" sz="1800" b="0" strike="noStrike" spc="-1" dirty="0">
                 <a:solidFill>
                   <a:srgbClr val="000000"/>
                 </a:solidFill>
@@ -33079,15 +33218,12 @@
               </a:rPr>
               <a:t>Racket Documentation</a:t>
             </a:r>
-            <a:endParaRPr lang="en-US" sz="1800" b="0" strike="noStrike" spc="-1">
-              <a:latin typeface="Arial"/>
-            </a:endParaRPr>
-          </a:p>
-          <a:p>
-            <a:pPr marL="285840" indent="-284760">
-              <a:lnSpc>
-                <a:spcPct val="100000"/>
-              </a:lnSpc>
+            <a:endParaRPr lang="en-US" sz="1800" b="0" strike="noStrike" spc="-1" dirty="0">
+              <a:latin typeface="Arial"/>
+            </a:endParaRPr>
+          </a:p>
+          <a:p>
+            <a:pPr marL="743040" lvl="1" indent="-284760">
               <a:spcBef>
                 <a:spcPts val="1001"/>
               </a:spcBef>
@@ -33101,7 +33237,7 @@
               </a:tabLst>
             </a:pPr>
             <a:r>
-              <a:rPr lang="en-US" sz="1800" b="0" strike="noStrike" spc="-1">
+              <a:rPr lang="en-US" b="0" strike="noStrike" spc="-1" dirty="0">
                 <a:solidFill>
                   <a:srgbClr val="000000"/>
                 </a:solidFill>
@@ -33110,15 +33246,12 @@
               </a:rPr>
               <a:t>Teaching Section</a:t>
             </a:r>
-            <a:endParaRPr lang="en-US" sz="1800" b="0" strike="noStrike" spc="-1">
-              <a:latin typeface="Arial"/>
-            </a:endParaRPr>
-          </a:p>
-          <a:p>
-            <a:pPr marL="743040" lvl="1" indent="-284760">
-              <a:lnSpc>
-                <a:spcPct val="100000"/>
-              </a:lnSpc>
+            <a:endParaRPr lang="en-US" b="0" strike="noStrike" spc="-1" dirty="0">
+              <a:latin typeface="Arial"/>
+            </a:endParaRPr>
+          </a:p>
+          <a:p>
+            <a:pPr marL="1200240" lvl="2" indent="-284760">
               <a:spcBef>
                 <a:spcPts val="1001"/>
               </a:spcBef>
@@ -33132,7 +33265,7 @@
               </a:tabLst>
             </a:pPr>
             <a:r>
-              <a:rPr lang="en-US" sz="1800" b="0" strike="noStrike" spc="-1">
+              <a:rPr lang="en-US" b="0" strike="noStrike" spc="-1" dirty="0">
                 <a:solidFill>
                   <a:srgbClr val="000000"/>
                 </a:solidFill>
@@ -33141,15 +33274,12 @@
               </a:rPr>
               <a:t>How to design programs</a:t>
             </a:r>
-            <a:endParaRPr lang="en-US" sz="1800" b="0" strike="noStrike" spc="-1">
-              <a:latin typeface="Arial"/>
-            </a:endParaRPr>
-          </a:p>
-          <a:p>
-            <a:pPr marL="743040" lvl="1" indent="-284760">
-              <a:lnSpc>
-                <a:spcPct val="100000"/>
-              </a:lnSpc>
+            <a:endParaRPr lang="en-US" b="0" strike="noStrike" spc="-1" dirty="0">
+              <a:latin typeface="Arial"/>
+            </a:endParaRPr>
+          </a:p>
+          <a:p>
+            <a:pPr marL="1200240" lvl="2" indent="-284760">
               <a:spcBef>
                 <a:spcPts val="1001"/>
               </a:spcBef>
@@ -33163,7 +33293,7 @@
               </a:tabLst>
             </a:pPr>
             <a:r>
-              <a:rPr lang="en-US" sz="1800" b="0" strike="noStrike" spc="-1">
+              <a:rPr lang="en-US" b="0" strike="noStrike" spc="-1" dirty="0">
                 <a:solidFill>
                   <a:srgbClr val="000000"/>
                 </a:solidFill>
@@ -33172,15 +33302,12 @@
               </a:rPr>
               <a:t>How to design languages</a:t>
             </a:r>
-            <a:endParaRPr lang="en-US" sz="1800" b="0" strike="noStrike" spc="-1">
-              <a:latin typeface="Arial"/>
-            </a:endParaRPr>
-          </a:p>
-          <a:p>
-            <a:pPr marL="285840" indent="-284760">
-              <a:lnSpc>
-                <a:spcPct val="100000"/>
-              </a:lnSpc>
+            <a:endParaRPr lang="en-US" b="0" strike="noStrike" spc="-1" dirty="0">
+              <a:latin typeface="Arial"/>
+            </a:endParaRPr>
+          </a:p>
+          <a:p>
+            <a:pPr marL="743040" lvl="1" indent="-284760">
               <a:spcBef>
                 <a:spcPts val="1001"/>
               </a:spcBef>
@@ -33194,7 +33321,7 @@
               </a:tabLst>
             </a:pPr>
             <a:r>
-              <a:rPr lang="en-US" sz="1800" b="0" strike="noStrike" spc="-1">
+              <a:rPr lang="en-US" b="0" strike="noStrike" spc="-1" dirty="0">
                 <a:solidFill>
                   <a:srgbClr val="000000"/>
                 </a:solidFill>
@@ -33203,15 +33330,12 @@
               </a:rPr>
               <a:t>Tutorials</a:t>
             </a:r>
-            <a:endParaRPr lang="en-US" sz="1800" b="0" strike="noStrike" spc="-1">
-              <a:latin typeface="Arial"/>
-            </a:endParaRPr>
-          </a:p>
-          <a:p>
-            <a:pPr marL="743040" lvl="1" indent="-284760">
-              <a:lnSpc>
-                <a:spcPct val="100000"/>
-              </a:lnSpc>
+            <a:endParaRPr lang="en-US" b="0" strike="noStrike" spc="-1" dirty="0">
+              <a:latin typeface="Arial"/>
+            </a:endParaRPr>
+          </a:p>
+          <a:p>
+            <a:pPr marL="1200240" lvl="2" indent="-284760">
               <a:spcBef>
                 <a:spcPts val="1001"/>
               </a:spcBef>
@@ -33225,7 +33349,7 @@
               </a:tabLst>
             </a:pPr>
             <a:r>
-              <a:rPr lang="en-US" sz="1800" b="0" strike="noStrike" spc="-1">
+              <a:rPr lang="en-US" b="0" strike="noStrike" spc="-1" dirty="0">
                 <a:solidFill>
                   <a:srgbClr val="000000"/>
                 </a:solidFill>
@@ -33234,15 +33358,12 @@
               </a:rPr>
               <a:t>Examples of simple Racket programming</a:t>
             </a:r>
-            <a:endParaRPr lang="en-US" sz="1800" b="0" strike="noStrike" spc="-1">
-              <a:latin typeface="Arial"/>
-            </a:endParaRPr>
-          </a:p>
-          <a:p>
-            <a:pPr marL="285840" indent="-284760">
-              <a:lnSpc>
-                <a:spcPct val="100000"/>
-              </a:lnSpc>
+            <a:endParaRPr lang="en-US" b="0" strike="noStrike" spc="-1" dirty="0">
+              <a:latin typeface="Arial"/>
+            </a:endParaRPr>
+          </a:p>
+          <a:p>
+            <a:pPr marL="743040" lvl="1" indent="-284760">
               <a:spcBef>
                 <a:spcPts val="1001"/>
               </a:spcBef>
@@ -33256,7 +33377,7 @@
               </a:tabLst>
             </a:pPr>
             <a:r>
-              <a:rPr lang="en-US" sz="1800" b="0" strike="noStrike" spc="-1">
+              <a:rPr lang="en-US" b="0" strike="noStrike" spc="-1" dirty="0">
                 <a:solidFill>
                   <a:srgbClr val="000000"/>
                 </a:solidFill>
@@ -33265,15 +33386,12 @@
               </a:rPr>
               <a:t>Tools</a:t>
             </a:r>
-            <a:endParaRPr lang="en-US" sz="1800" b="0" strike="noStrike" spc="-1">
-              <a:latin typeface="Arial"/>
-            </a:endParaRPr>
-          </a:p>
-          <a:p>
-            <a:pPr marL="743040" lvl="1" indent="-284760">
-              <a:lnSpc>
-                <a:spcPct val="100000"/>
-              </a:lnSpc>
+            <a:endParaRPr lang="en-US" b="0" strike="noStrike" spc="-1" dirty="0">
+              <a:latin typeface="Arial"/>
+            </a:endParaRPr>
+          </a:p>
+          <a:p>
+            <a:pPr marL="1200240" lvl="2" indent="-284760">
               <a:spcBef>
                 <a:spcPts val="1001"/>
               </a:spcBef>
@@ -33287,16 +33405,64 @@
               </a:tabLst>
             </a:pPr>
             <a:r>
-              <a:rPr lang="en-US" sz="1800" b="0" strike="noStrike" spc="-1">
+              <a:rPr lang="en-US" b="0" strike="noStrike" spc="-1" dirty="0">
                 <a:solidFill>
                   <a:srgbClr val="000000"/>
                 </a:solidFill>
                 <a:latin typeface="Arial"/>
                 <a:ea typeface="DejaVu Sans"/>
               </a:rPr>
-              <a:t>i.e. Simple barcode reader /writer</a:t>
+              <a:t>i.e. Simple barcode reader /writer, QR-Code Writer and Reader, Spreadsheet read/Writer etc.</a:t>
             </a:r>
-            <a:endParaRPr lang="en-US" sz="1800" b="0" strike="noStrike" spc="-1">
+          </a:p>
+          <a:p>
+            <a:pPr marL="743040" lvl="1" indent="-284760">
+              <a:spcBef>
+                <a:spcPts val="1001"/>
+              </a:spcBef>
+              <a:buClr>
+                <a:srgbClr val="000000"/>
+              </a:buClr>
+              <a:buFont typeface="Arial"/>
+              <a:buChar char="•"/>
+              <a:tabLst>
+                <a:tab pos="0" algn="l"/>
+              </a:tabLst>
+            </a:pPr>
+            <a:r>
+              <a:rPr lang="en-US" spc="-1" dirty="0">
+                <a:solidFill>
+                  <a:srgbClr val="000000"/>
+                </a:solidFill>
+                <a:latin typeface="Arial"/>
+              </a:rPr>
+              <a:t>Several other Libraries </a:t>
+            </a:r>
+          </a:p>
+          <a:p>
+            <a:pPr marL="1200240" lvl="2" indent="-284760">
+              <a:spcBef>
+                <a:spcPts val="1001"/>
+              </a:spcBef>
+              <a:buClr>
+                <a:srgbClr val="000000"/>
+              </a:buClr>
+              <a:buFont typeface="Arial"/>
+              <a:buChar char="•"/>
+              <a:tabLst>
+                <a:tab pos="0" algn="l"/>
+              </a:tabLst>
+            </a:pPr>
+            <a:r>
+              <a:rPr lang="en-US" b="0" strike="noStrike" spc="-1" dirty="0">
+                <a:solidFill>
+                  <a:srgbClr val="000000"/>
+                </a:solidFill>
+                <a:latin typeface="Arial"/>
+              </a:rPr>
+              <a:t>Network, Parsing, GUI, Data Structures, Chess, Databases etc.</a:t>
+            </a:r>
+            <a:endParaRPr lang="en-US" b="0" strike="noStrike" spc="-1" dirty="0">
               <a:latin typeface="Arial"/>
             </a:endParaRPr>
           </a:p>
@@ -33312,7 +33478,7 @@
                 <a:tab pos="0" algn="l"/>
               </a:tabLst>
             </a:pPr>
-            <a:endParaRPr lang="en-US" sz="1800" b="0" strike="noStrike" spc="-1">
+            <a:endParaRPr lang="en-US" sz="1800" b="0" strike="noStrike" spc="-1" dirty="0">
               <a:latin typeface="Arial"/>
             </a:endParaRPr>
           </a:p>
@@ -33328,7 +33494,7 @@
                 <a:tab pos="0" algn="l"/>
               </a:tabLst>
             </a:pPr>
-            <a:endParaRPr lang="en-US" sz="1800" b="0" strike="noStrike" spc="-1">
+            <a:endParaRPr lang="en-US" sz="1800" b="0" strike="noStrike" spc="-1" dirty="0">
               <a:latin typeface="Arial"/>
             </a:endParaRPr>
           </a:p>
@@ -33344,7 +33510,7 @@
                 <a:tab pos="0" algn="l"/>
               </a:tabLst>
             </a:pPr>
-            <a:endParaRPr lang="en-US" sz="1800" b="0" strike="noStrike" spc="-1">
+            <a:endParaRPr lang="en-US" sz="1800" b="0" strike="noStrike" spc="-1" dirty="0">
               <a:latin typeface="Arial"/>
             </a:endParaRPr>
           </a:p>
@@ -33384,7 +33550,7 @@
         <p:spPr>
           <a:xfrm>
             <a:off x="1062360" y="159840"/>
-            <a:ext cx="7765560" cy="2382120"/>
+            <a:ext cx="8395676" cy="1650487"/>
           </a:xfrm>
           <a:prstGeom prst="rect">
             <a:avLst/>
@@ -33418,7 +33584,7 @@
               </a:lnSpc>
             </a:pPr>
             <a:r>
-              <a:rPr lang="en-US" sz="5400" b="0" strike="noStrike" spc="-1">
+              <a:rPr lang="en-US" sz="5400" b="0" strike="noStrike" spc="-1" dirty="0">
                 <a:solidFill>
                   <a:srgbClr val="4F81BD"/>
                 </a:solidFill>
@@ -33427,7 +33593,7 @@
               </a:rPr>
               <a:t>Main Characteristics and main Strengths of Racket</a:t>
             </a:r>
-            <a:endParaRPr lang="en-US" sz="5400" b="0" strike="noStrike" spc="-1">
+            <a:endParaRPr lang="en-US" sz="5400" b="0" strike="noStrike" spc="-1" dirty="0">
               <a:latin typeface="Arial"/>
             </a:endParaRPr>
           </a:p>
@@ -33441,7 +33607,7 @@
         </p:nvSpPr>
         <p:spPr>
           <a:xfrm>
-            <a:off x="770040" y="2890080"/>
+            <a:off x="1633080" y="2354371"/>
             <a:ext cx="8925840" cy="3657960"/>
           </a:xfrm>
           <a:prstGeom prst="rect">
@@ -33466,7 +33632,7 @@
         </p:style>
         <p:txBody>
           <a:bodyPr lIns="90000" tIns="45000" rIns="90000" bIns="45000">
-            <a:normAutofit fontScale="80000" lnSpcReduction="10000"/>
+            <a:normAutofit fontScale="87500" lnSpcReduction="20000"/>
           </a:bodyPr>
           <a:lstStyle/>
           <a:p>
@@ -33487,7 +33653,7 @@
               </a:tabLst>
             </a:pPr>
             <a:r>
-              <a:rPr lang="en-US" sz="1800" b="0" strike="noStrike" spc="-1">
+              <a:rPr lang="en-US" sz="1800" b="0" strike="noStrike" spc="-1" dirty="0">
                 <a:solidFill>
                   <a:srgbClr val="000000"/>
                 </a:solidFill>
@@ -33496,7 +33662,7 @@
               </a:rPr>
               <a:t>Racket supports Major Editors</a:t>
             </a:r>
-            <a:endParaRPr lang="en-US" sz="1800" b="0" strike="noStrike" spc="-1">
+            <a:endParaRPr lang="en-US" sz="1800" b="0" strike="noStrike" spc="-1" dirty="0">
               <a:latin typeface="Arial"/>
             </a:endParaRPr>
           </a:p>
@@ -33518,7 +33684,7 @@
               </a:tabLst>
             </a:pPr>
             <a:r>
-              <a:rPr lang="en-US" sz="1800" b="0" strike="noStrike" spc="-1">
+              <a:rPr lang="en-US" sz="1800" b="0" strike="noStrike" spc="-1" dirty="0">
                 <a:solidFill>
                   <a:srgbClr val="000000"/>
                 </a:solidFill>
@@ -33527,7 +33693,7 @@
               </a:rPr>
               <a:t>VIM Integration</a:t>
             </a:r>
-            <a:endParaRPr lang="en-US" sz="1800" b="0" strike="noStrike" spc="-1">
+            <a:endParaRPr lang="en-US" sz="1800" b="0" strike="noStrike" spc="-1" dirty="0">
               <a:latin typeface="Arial"/>
             </a:endParaRPr>
           </a:p>
@@ -33549,7 +33715,7 @@
               </a:tabLst>
             </a:pPr>
             <a:r>
-              <a:rPr lang="en-US" sz="1800" b="0" strike="noStrike" spc="-1">
+              <a:rPr lang="en-US" sz="1800" b="0" strike="noStrike" spc="-1" dirty="0">
                 <a:solidFill>
                   <a:srgbClr val="000000"/>
                 </a:solidFill>
@@ -33558,7 +33724,7 @@
               </a:rPr>
               <a:t>EMACS Integration</a:t>
             </a:r>
-            <a:endParaRPr lang="en-US" sz="1800" b="0" strike="noStrike" spc="-1">
+            <a:endParaRPr lang="en-US" sz="1800" b="0" strike="noStrike" spc="-1" dirty="0">
               <a:latin typeface="Arial"/>
             </a:endParaRPr>
           </a:p>
@@ -33580,7 +33746,7 @@
               </a:tabLst>
             </a:pPr>
             <a:r>
-              <a:rPr lang="en-US" sz="1800" b="0" strike="noStrike" spc="-1">
+              <a:rPr lang="en-US" sz="1800" b="0" strike="noStrike" spc="-1" dirty="0">
                 <a:solidFill>
                   <a:srgbClr val="000000"/>
                 </a:solidFill>
@@ -33589,7 +33755,7 @@
               </a:rPr>
               <a:t>Inspired by other Integrated Development Environments (IDE)</a:t>
             </a:r>
-            <a:endParaRPr lang="en-US" sz="1800" b="0" strike="noStrike" spc="-1">
+            <a:endParaRPr lang="en-US" sz="1800" b="0" strike="noStrike" spc="-1" dirty="0">
               <a:latin typeface="Arial"/>
             </a:endParaRPr>
           </a:p>
@@ -33611,7 +33777,7 @@
               </a:tabLst>
             </a:pPr>
             <a:r>
-              <a:rPr lang="en-US" sz="1800" b="0" strike="noStrike" spc="-1">
+              <a:rPr lang="en-US" sz="1800" b="0" strike="noStrike" spc="-1" dirty="0">
                 <a:solidFill>
                   <a:srgbClr val="000000"/>
                 </a:solidFill>
@@ -33620,7 +33786,7 @@
               </a:rPr>
               <a:t>It comes with its own IDE, Dr. Racket.</a:t>
             </a:r>
-            <a:endParaRPr lang="en-US" sz="1800" b="0" strike="noStrike" spc="-1">
+            <a:endParaRPr lang="en-US" sz="1800" b="0" strike="noStrike" spc="-1" dirty="0">
               <a:latin typeface="Arial"/>
             </a:endParaRPr>
           </a:p>
@@ -33642,7 +33808,7 @@
               </a:tabLst>
             </a:pPr>
             <a:r>
-              <a:rPr lang="en-US" sz="1800" b="0" strike="noStrike" spc="-1">
+              <a:rPr lang="en-US" sz="1800" b="0" strike="noStrike" spc="-1" dirty="0">
                 <a:solidFill>
                   <a:srgbClr val="000000"/>
                 </a:solidFill>
@@ -33651,7 +33817,7 @@
               </a:rPr>
               <a:t>Racket Community</a:t>
             </a:r>
-            <a:endParaRPr lang="en-US" sz="1800" b="0" strike="noStrike" spc="-1">
+            <a:endParaRPr lang="en-US" sz="1800" b="0" strike="noStrike" spc="-1" dirty="0">
               <a:latin typeface="Arial"/>
             </a:endParaRPr>
           </a:p>
@@ -33673,7 +33839,7 @@
               </a:tabLst>
             </a:pPr>
             <a:r>
-              <a:rPr lang="en-US" sz="1800" b="0" strike="noStrike" spc="-1">
+              <a:rPr lang="en-US" sz="1800" b="0" strike="noStrike" spc="-1" dirty="0" err="1">
                 <a:solidFill>
                   <a:srgbClr val="000000"/>
                 </a:solidFill>
@@ -33682,7 +33848,7 @@
               </a:rPr>
               <a:t>Github</a:t>
             </a:r>
-            <a:endParaRPr lang="en-US" sz="1800" b="0" strike="noStrike" spc="-1">
+            <a:endParaRPr lang="en-US" sz="1800" b="0" strike="noStrike" spc="-1" dirty="0">
               <a:latin typeface="Arial"/>
             </a:endParaRPr>
           </a:p>
@@ -33704,16 +33870,26 @@
               </a:tabLst>
             </a:pPr>
             <a:r>
-              <a:rPr lang="en-US" sz="1800" b="0" strike="noStrike" spc="-1">
+              <a:rPr lang="en-US" sz="1800" b="0" strike="noStrike" spc="-1" dirty="0">
                 <a:solidFill>
                   <a:srgbClr val="000000"/>
                 </a:solidFill>
                 <a:latin typeface="Arial"/>
                 <a:ea typeface="DejaVu Sans"/>
               </a:rPr>
-              <a:t>Continued Racket development via Github</a:t>
+              <a:t>Continued Racket development via </a:t>
             </a:r>
-            <a:endParaRPr lang="en-US" sz="1800" b="0" strike="noStrike" spc="-1">
+            <a:r>
+              <a:rPr lang="en-US" sz="1800" b="0" strike="noStrike" spc="-1" dirty="0" err="1">
+                <a:solidFill>
+                  <a:srgbClr val="000000"/>
+                </a:solidFill>
+                <a:latin typeface="Arial"/>
+                <a:ea typeface="DejaVu Sans"/>
+              </a:rPr>
+              <a:t>Github</a:t>
+            </a:r>
+            <a:endParaRPr lang="en-US" sz="1800" b="0" strike="noStrike" spc="-1" dirty="0">
               <a:latin typeface="Arial"/>
             </a:endParaRPr>
           </a:p>
@@ -33735,7 +33911,7 @@
               </a:tabLst>
             </a:pPr>
             <a:r>
-              <a:rPr lang="en-US" sz="1800" b="0" strike="noStrike" spc="-1">
+              <a:rPr lang="en-US" sz="1800" b="0" strike="noStrike" spc="-1" dirty="0">
                 <a:solidFill>
                   <a:srgbClr val="000000"/>
                 </a:solidFill>
@@ -33744,7 +33920,7 @@
               </a:rPr>
               <a:t>Issues, Bugs etc.</a:t>
             </a:r>
-            <a:endParaRPr lang="en-US" sz="1800" b="0" strike="noStrike" spc="-1">
+            <a:endParaRPr lang="en-US" sz="1800" b="0" strike="noStrike" spc="-1" dirty="0">
               <a:latin typeface="Arial"/>
             </a:endParaRPr>
           </a:p>
@@ -33766,7 +33942,7 @@
               </a:tabLst>
             </a:pPr>
             <a:r>
-              <a:rPr lang="en-US" sz="1800" b="0" strike="noStrike" spc="-1">
+              <a:rPr lang="en-US" sz="1800" b="0" strike="noStrike" spc="-1" dirty="0">
                 <a:solidFill>
                   <a:srgbClr val="000000"/>
                 </a:solidFill>
@@ -33775,7 +33951,7 @@
               </a:rPr>
               <a:t>Mailing Community</a:t>
             </a:r>
-            <a:endParaRPr lang="en-US" sz="1800" b="0" strike="noStrike" spc="-1">
+            <a:endParaRPr lang="en-US" sz="1800" b="0" strike="noStrike" spc="-1" dirty="0">
               <a:latin typeface="Arial"/>
             </a:endParaRPr>
           </a:p>
@@ -33797,7 +33973,7 @@
               </a:tabLst>
             </a:pPr>
             <a:r>
-              <a:rPr lang="en-US" sz="1800" b="0" strike="noStrike" spc="-1">
+              <a:rPr lang="en-US" sz="1800" b="0" strike="noStrike" spc="-1" dirty="0">
                 <a:solidFill>
                   <a:srgbClr val="000000"/>
                 </a:solidFill>
@@ -33806,7 +33982,7 @@
               </a:rPr>
               <a:t>Twitter</a:t>
             </a:r>
-            <a:endParaRPr lang="en-US" sz="1800" b="0" strike="noStrike" spc="-1">
+            <a:endParaRPr lang="en-US" sz="1800" b="0" strike="noStrike" spc="-1" dirty="0">
               <a:latin typeface="Arial"/>
             </a:endParaRPr>
           </a:p>
@@ -33822,7 +33998,7 @@
                 <a:tab pos="0" algn="l"/>
               </a:tabLst>
             </a:pPr>
-            <a:endParaRPr lang="en-US" sz="1800" b="0" strike="noStrike" spc="-1">
+            <a:endParaRPr lang="en-US" sz="1800" b="0" strike="noStrike" spc="-1" dirty="0">
               <a:latin typeface="Arial"/>
             </a:endParaRPr>
           </a:p>
@@ -33838,7 +34014,7 @@
                 <a:tab pos="0" algn="l"/>
               </a:tabLst>
             </a:pPr>
-            <a:endParaRPr lang="en-US" sz="1800" b="0" strike="noStrike" spc="-1">
+            <a:endParaRPr lang="en-US" sz="1800" b="0" strike="noStrike" spc="-1" dirty="0">
               <a:latin typeface="Arial"/>
             </a:endParaRPr>
           </a:p>

--- a/CSC201Sec3Proj3Team4.pptx
+++ b/CSC201Sec3Proj3Team4.pptx
@@ -13,31 +13,34 @@
     <p:sldMasterId id="2147483752" r:id="rId10"/>
     <p:sldMasterId id="2147483765" r:id="rId11"/>
     <p:sldMasterId id="2147483778" r:id="rId12"/>
+    <p:sldMasterId id="2147483791" r:id="rId13"/>
   </p:sldMasterIdLst>
   <p:sldIdLst>
-    <p:sldId id="256" r:id="rId13"/>
-    <p:sldId id="257" r:id="rId14"/>
-    <p:sldId id="258" r:id="rId15"/>
-    <p:sldId id="259" r:id="rId16"/>
-    <p:sldId id="260" r:id="rId17"/>
-    <p:sldId id="261" r:id="rId18"/>
-    <p:sldId id="262" r:id="rId19"/>
-    <p:sldId id="263" r:id="rId20"/>
-    <p:sldId id="264" r:id="rId21"/>
-    <p:sldId id="265" r:id="rId22"/>
-    <p:sldId id="266" r:id="rId23"/>
-    <p:sldId id="267" r:id="rId24"/>
-    <p:sldId id="268" r:id="rId25"/>
-    <p:sldId id="269" r:id="rId26"/>
-    <p:sldId id="270" r:id="rId27"/>
-    <p:sldId id="271" r:id="rId28"/>
-    <p:sldId id="272" r:id="rId29"/>
-    <p:sldId id="273" r:id="rId30"/>
-    <p:sldId id="274" r:id="rId31"/>
-    <p:sldId id="275" r:id="rId32"/>
-    <p:sldId id="276" r:id="rId33"/>
-    <p:sldId id="277" r:id="rId34"/>
-    <p:sldId id="278" r:id="rId35"/>
+    <p:sldId id="256" r:id="rId14"/>
+    <p:sldId id="257" r:id="rId15"/>
+    <p:sldId id="258" r:id="rId16"/>
+    <p:sldId id="259" r:id="rId17"/>
+    <p:sldId id="260" r:id="rId18"/>
+    <p:sldId id="261" r:id="rId19"/>
+    <p:sldId id="262" r:id="rId20"/>
+    <p:sldId id="263" r:id="rId21"/>
+    <p:sldId id="264" r:id="rId22"/>
+    <p:sldId id="265" r:id="rId23"/>
+    <p:sldId id="266" r:id="rId24"/>
+    <p:sldId id="267" r:id="rId25"/>
+    <p:sldId id="268" r:id="rId26"/>
+    <p:sldId id="269" r:id="rId27"/>
+    <p:sldId id="270" r:id="rId28"/>
+    <p:sldId id="271" r:id="rId29"/>
+    <p:sldId id="272" r:id="rId30"/>
+    <p:sldId id="273" r:id="rId31"/>
+    <p:sldId id="274" r:id="rId32"/>
+    <p:sldId id="275" r:id="rId33"/>
+    <p:sldId id="276" r:id="rId34"/>
+    <p:sldId id="277" r:id="rId35"/>
+    <p:sldId id="278" r:id="rId36"/>
+    <p:sldId id="279" r:id="rId37"/>
+    <p:sldId id="280" r:id="rId38"/>
   </p:sldIdLst>
   <p:sldSz cx="12192000" cy="6858000"/>
   <p:notesSz cx="7772400" cy="10058400"/>
@@ -4797,6 +4800,585 @@
 </p:sldLayout>
 </file>
 
+<file path=ppt/slideLayouts/slideLayout133.xml><?xml version="1.0" encoding="utf-8"?>
+<p:sldLayout xmlns:a="http://schemas.openxmlformats.org/drawingml/2006/main" xmlns:p="http://schemas.openxmlformats.org/presentationml/2006/main" xmlns:r="http://schemas.openxmlformats.org/officeDocument/2006/relationships" xmlns:p14="http://schemas.microsoft.com/office/powerpoint/2010/main" xmlns:p15="http://schemas.microsoft.com/office/powerpoint/2012/main" xmlns:mc="http://schemas.openxmlformats.org/markup-compatibility/2006" type="blank" preserve="1">
+  <p:cSld name="Blank Slide">
+    <p:spTree>
+      <p:nvGrpSpPr>
+        <p:cNvPr id="1" name=""/>
+        <p:cNvGrpSpPr/>
+        <p:nvPr/>
+      </p:nvGrpSpPr>
+      <p:grpSpPr>
+        <a:xfrm>
+          <a:off x="0" y="0"/>
+          <a:ext cx="0" cy="0"/>
+          <a:chOff x="0" y="0"/>
+          <a:chExt cx="0" cy="0"/>
+        </a:xfrm>
+      </p:grpSpPr>
+    </p:spTree>
+  </p:cSld>
+</p:sldLayout>
+</file>
+
+<file path=ppt/slideLayouts/slideLayout134.xml><?xml version="1.0" encoding="utf-8"?>
+<p:sldLayout xmlns:a="http://schemas.openxmlformats.org/drawingml/2006/main" xmlns:p="http://schemas.openxmlformats.org/presentationml/2006/main" xmlns:r="http://schemas.openxmlformats.org/officeDocument/2006/relationships" xmlns:p14="http://schemas.microsoft.com/office/powerpoint/2010/main" xmlns:p15="http://schemas.microsoft.com/office/powerpoint/2012/main" xmlns:mc="http://schemas.openxmlformats.org/markup-compatibility/2006" type="tx" preserve="1">
+  <p:cSld name="Title Slide">
+    <p:spTree>
+      <p:nvGrpSpPr>
+        <p:cNvPr id="1" name=""/>
+        <p:cNvGrpSpPr/>
+        <p:nvPr/>
+      </p:nvGrpSpPr>
+      <p:grpSpPr>
+        <a:xfrm>
+          <a:off x="0" y="0"/>
+          <a:ext cx="0" cy="0"/>
+          <a:chOff x="0" y="0"/>
+          <a:chExt cx="0" cy="0"/>
+        </a:xfrm>
+      </p:grpSpPr>
+      <p:sp>
+        <p:nvSpPr>
+          <p:cNvPr id="684" name="PlaceHolder 1"/>
+          <p:cNvSpPr>
+            <a:spLocks noGrp="1"/>
+          </p:cNvSpPr>
+          <p:nvPr>
+            <p:ph type="title"/>
+          </p:nvPr>
+        </p:nvSpPr>
+        <p:spPr>
+          <a:xfrm>
+            <a:off x="609480" y="273600"/>
+            <a:ext cx="10972440" cy="1144800"/>
+          </a:xfrm>
+          <a:prstGeom prst="rect">
+            <a:avLst/>
+          </a:prstGeom>
+        </p:spPr>
+        <p:txBody>
+          <a:bodyPr lIns="0" rIns="0" tIns="0" bIns="0" anchor="ctr">
+            <a:noAutofit/>
+          </a:bodyPr>
+          <a:p>
+            <a:endParaRPr b="0" lang="en-US" sz="1800" spc="-1" strike="noStrike">
+              <a:solidFill>
+                <a:srgbClr val="000000"/>
+              </a:solidFill>
+              <a:latin typeface="Arial"/>
+            </a:endParaRPr>
+          </a:p>
+        </p:txBody>
+      </p:sp>
+      <p:sp>
+        <p:nvSpPr>
+          <p:cNvPr id="685" name="PlaceHolder 2"/>
+          <p:cNvSpPr>
+            <a:spLocks noGrp="1"/>
+          </p:cNvSpPr>
+          <p:nvPr>
+            <p:ph type="subTitle"/>
+          </p:nvPr>
+        </p:nvSpPr>
+        <p:spPr>
+          <a:xfrm>
+            <a:off x="609480" y="1604520"/>
+            <a:ext cx="10972440" cy="3977280"/>
+          </a:xfrm>
+          <a:prstGeom prst="rect">
+            <a:avLst/>
+          </a:prstGeom>
+        </p:spPr>
+        <p:txBody>
+          <a:bodyPr lIns="0" rIns="0" tIns="0" bIns="0" anchor="ctr">
+            <a:noAutofit/>
+          </a:bodyPr>
+          <a:p>
+            <a:pPr algn="ctr"/>
+            <a:endParaRPr b="0" lang="en-US" sz="3200" spc="-1" strike="noStrike">
+              <a:latin typeface="Arial"/>
+            </a:endParaRPr>
+          </a:p>
+        </p:txBody>
+      </p:sp>
+    </p:spTree>
+  </p:cSld>
+</p:sldLayout>
+</file>
+
+<file path=ppt/slideLayouts/slideLayout135.xml><?xml version="1.0" encoding="utf-8"?>
+<p:sldLayout xmlns:a="http://schemas.openxmlformats.org/drawingml/2006/main" xmlns:p="http://schemas.openxmlformats.org/presentationml/2006/main" xmlns:r="http://schemas.openxmlformats.org/officeDocument/2006/relationships" xmlns:p14="http://schemas.microsoft.com/office/powerpoint/2010/main" xmlns:p15="http://schemas.microsoft.com/office/powerpoint/2012/main" xmlns:mc="http://schemas.openxmlformats.org/markup-compatibility/2006" type="obj" preserve="1">
+  <p:cSld name="Title, Content">
+    <p:spTree>
+      <p:nvGrpSpPr>
+        <p:cNvPr id="1" name=""/>
+        <p:cNvGrpSpPr/>
+        <p:nvPr/>
+      </p:nvGrpSpPr>
+      <p:grpSpPr>
+        <a:xfrm>
+          <a:off x="0" y="0"/>
+          <a:ext cx="0" cy="0"/>
+          <a:chOff x="0" y="0"/>
+          <a:chExt cx="0" cy="0"/>
+        </a:xfrm>
+      </p:grpSpPr>
+      <p:sp>
+        <p:nvSpPr>
+          <p:cNvPr id="686" name="PlaceHolder 1"/>
+          <p:cNvSpPr>
+            <a:spLocks noGrp="1"/>
+          </p:cNvSpPr>
+          <p:nvPr>
+            <p:ph type="title"/>
+          </p:nvPr>
+        </p:nvSpPr>
+        <p:spPr>
+          <a:xfrm>
+            <a:off x="609480" y="273600"/>
+            <a:ext cx="10972440" cy="1144800"/>
+          </a:xfrm>
+          <a:prstGeom prst="rect">
+            <a:avLst/>
+          </a:prstGeom>
+        </p:spPr>
+        <p:txBody>
+          <a:bodyPr lIns="0" rIns="0" tIns="0" bIns="0" anchor="ctr">
+            <a:noAutofit/>
+          </a:bodyPr>
+          <a:p>
+            <a:endParaRPr b="0" lang="en-US" sz="1800" spc="-1" strike="noStrike">
+              <a:solidFill>
+                <a:srgbClr val="000000"/>
+              </a:solidFill>
+              <a:latin typeface="Arial"/>
+            </a:endParaRPr>
+          </a:p>
+        </p:txBody>
+      </p:sp>
+      <p:sp>
+        <p:nvSpPr>
+          <p:cNvPr id="687" name="PlaceHolder 2"/>
+          <p:cNvSpPr>
+            <a:spLocks noGrp="1"/>
+          </p:cNvSpPr>
+          <p:nvPr>
+            <p:ph type="body"/>
+          </p:nvPr>
+        </p:nvSpPr>
+        <p:spPr>
+          <a:xfrm>
+            <a:off x="609480" y="1604520"/>
+            <a:ext cx="10972440" cy="3977280"/>
+          </a:xfrm>
+          <a:prstGeom prst="rect">
+            <a:avLst/>
+          </a:prstGeom>
+        </p:spPr>
+        <p:txBody>
+          <a:bodyPr lIns="0" rIns="0" tIns="0" bIns="0">
+            <a:normAutofit/>
+          </a:bodyPr>
+          <a:p>
+            <a:endParaRPr b="0" lang="en-US" sz="2800" spc="-1" strike="noStrike">
+              <a:solidFill>
+                <a:srgbClr val="000000"/>
+              </a:solidFill>
+              <a:latin typeface="Arial"/>
+            </a:endParaRPr>
+          </a:p>
+        </p:txBody>
+      </p:sp>
+    </p:spTree>
+  </p:cSld>
+</p:sldLayout>
+</file>
+
+<file path=ppt/slideLayouts/slideLayout136.xml><?xml version="1.0" encoding="utf-8"?>
+<p:sldLayout xmlns:a="http://schemas.openxmlformats.org/drawingml/2006/main" xmlns:p="http://schemas.openxmlformats.org/presentationml/2006/main" xmlns:r="http://schemas.openxmlformats.org/officeDocument/2006/relationships" xmlns:p14="http://schemas.microsoft.com/office/powerpoint/2010/main" xmlns:p15="http://schemas.microsoft.com/office/powerpoint/2012/main" xmlns:mc="http://schemas.openxmlformats.org/markup-compatibility/2006" type="twoObj" preserve="1">
+  <p:cSld name="Title, 2 Content">
+    <p:spTree>
+      <p:nvGrpSpPr>
+        <p:cNvPr id="1" name=""/>
+        <p:cNvGrpSpPr/>
+        <p:nvPr/>
+      </p:nvGrpSpPr>
+      <p:grpSpPr>
+        <a:xfrm>
+          <a:off x="0" y="0"/>
+          <a:ext cx="0" cy="0"/>
+          <a:chOff x="0" y="0"/>
+          <a:chExt cx="0" cy="0"/>
+        </a:xfrm>
+      </p:grpSpPr>
+      <p:sp>
+        <p:nvSpPr>
+          <p:cNvPr id="688" name="PlaceHolder 1"/>
+          <p:cNvSpPr>
+            <a:spLocks noGrp="1"/>
+          </p:cNvSpPr>
+          <p:nvPr>
+            <p:ph type="title"/>
+          </p:nvPr>
+        </p:nvSpPr>
+        <p:spPr>
+          <a:xfrm>
+            <a:off x="609480" y="273600"/>
+            <a:ext cx="10972440" cy="1144800"/>
+          </a:xfrm>
+          <a:prstGeom prst="rect">
+            <a:avLst/>
+          </a:prstGeom>
+        </p:spPr>
+        <p:txBody>
+          <a:bodyPr lIns="0" rIns="0" tIns="0" bIns="0" anchor="ctr">
+            <a:noAutofit/>
+          </a:bodyPr>
+          <a:p>
+            <a:endParaRPr b="0" lang="en-US" sz="1800" spc="-1" strike="noStrike">
+              <a:solidFill>
+                <a:srgbClr val="000000"/>
+              </a:solidFill>
+              <a:latin typeface="Arial"/>
+            </a:endParaRPr>
+          </a:p>
+        </p:txBody>
+      </p:sp>
+      <p:sp>
+        <p:nvSpPr>
+          <p:cNvPr id="689" name="PlaceHolder 2"/>
+          <p:cNvSpPr>
+            <a:spLocks noGrp="1"/>
+          </p:cNvSpPr>
+          <p:nvPr>
+            <p:ph type="body"/>
+          </p:nvPr>
+        </p:nvSpPr>
+        <p:spPr>
+          <a:xfrm>
+            <a:off x="609480" y="1604520"/>
+            <a:ext cx="5354280" cy="3977280"/>
+          </a:xfrm>
+          <a:prstGeom prst="rect">
+            <a:avLst/>
+          </a:prstGeom>
+        </p:spPr>
+        <p:txBody>
+          <a:bodyPr lIns="0" rIns="0" tIns="0" bIns="0">
+            <a:normAutofit/>
+          </a:bodyPr>
+          <a:p>
+            <a:endParaRPr b="0" lang="en-US" sz="2800" spc="-1" strike="noStrike">
+              <a:solidFill>
+                <a:srgbClr val="000000"/>
+              </a:solidFill>
+              <a:latin typeface="Arial"/>
+            </a:endParaRPr>
+          </a:p>
+        </p:txBody>
+      </p:sp>
+      <p:sp>
+        <p:nvSpPr>
+          <p:cNvPr id="690" name="PlaceHolder 3"/>
+          <p:cNvSpPr>
+            <a:spLocks noGrp="1"/>
+          </p:cNvSpPr>
+          <p:nvPr>
+            <p:ph type="body"/>
+          </p:nvPr>
+        </p:nvSpPr>
+        <p:spPr>
+          <a:xfrm>
+            <a:off x="6231960" y="1604520"/>
+            <a:ext cx="5354280" cy="3977280"/>
+          </a:xfrm>
+          <a:prstGeom prst="rect">
+            <a:avLst/>
+          </a:prstGeom>
+        </p:spPr>
+        <p:txBody>
+          <a:bodyPr lIns="0" rIns="0" tIns="0" bIns="0">
+            <a:normAutofit/>
+          </a:bodyPr>
+          <a:p>
+            <a:endParaRPr b="0" lang="en-US" sz="2800" spc="-1" strike="noStrike">
+              <a:solidFill>
+                <a:srgbClr val="000000"/>
+              </a:solidFill>
+              <a:latin typeface="Arial"/>
+            </a:endParaRPr>
+          </a:p>
+        </p:txBody>
+      </p:sp>
+    </p:spTree>
+  </p:cSld>
+</p:sldLayout>
+</file>
+
+<file path=ppt/slideLayouts/slideLayout137.xml><?xml version="1.0" encoding="utf-8"?>
+<p:sldLayout xmlns:a="http://schemas.openxmlformats.org/drawingml/2006/main" xmlns:p="http://schemas.openxmlformats.org/presentationml/2006/main" xmlns:r="http://schemas.openxmlformats.org/officeDocument/2006/relationships" xmlns:p14="http://schemas.microsoft.com/office/powerpoint/2010/main" xmlns:p15="http://schemas.microsoft.com/office/powerpoint/2012/main" xmlns:mc="http://schemas.openxmlformats.org/markup-compatibility/2006" type="titleOnly" preserve="1">
+  <p:cSld name="Title Only">
+    <p:spTree>
+      <p:nvGrpSpPr>
+        <p:cNvPr id="1" name=""/>
+        <p:cNvGrpSpPr/>
+        <p:nvPr/>
+      </p:nvGrpSpPr>
+      <p:grpSpPr>
+        <a:xfrm>
+          <a:off x="0" y="0"/>
+          <a:ext cx="0" cy="0"/>
+          <a:chOff x="0" y="0"/>
+          <a:chExt cx="0" cy="0"/>
+        </a:xfrm>
+      </p:grpSpPr>
+      <p:sp>
+        <p:nvSpPr>
+          <p:cNvPr id="691" name="PlaceHolder 1"/>
+          <p:cNvSpPr>
+            <a:spLocks noGrp="1"/>
+          </p:cNvSpPr>
+          <p:nvPr>
+            <p:ph type="title"/>
+          </p:nvPr>
+        </p:nvSpPr>
+        <p:spPr>
+          <a:xfrm>
+            <a:off x="609480" y="273600"/>
+            <a:ext cx="10972440" cy="1144800"/>
+          </a:xfrm>
+          <a:prstGeom prst="rect">
+            <a:avLst/>
+          </a:prstGeom>
+        </p:spPr>
+        <p:txBody>
+          <a:bodyPr lIns="0" rIns="0" tIns="0" bIns="0" anchor="ctr">
+            <a:noAutofit/>
+          </a:bodyPr>
+          <a:p>
+            <a:endParaRPr b="0" lang="en-US" sz="1800" spc="-1" strike="noStrike">
+              <a:solidFill>
+                <a:srgbClr val="000000"/>
+              </a:solidFill>
+              <a:latin typeface="Arial"/>
+            </a:endParaRPr>
+          </a:p>
+        </p:txBody>
+      </p:sp>
+    </p:spTree>
+  </p:cSld>
+</p:sldLayout>
+</file>
+
+<file path=ppt/slideLayouts/slideLayout138.xml><?xml version="1.0" encoding="utf-8"?>
+<p:sldLayout xmlns:a="http://schemas.openxmlformats.org/drawingml/2006/main" xmlns:p="http://schemas.openxmlformats.org/presentationml/2006/main" xmlns:r="http://schemas.openxmlformats.org/officeDocument/2006/relationships" xmlns:p14="http://schemas.microsoft.com/office/powerpoint/2010/main" xmlns:p15="http://schemas.microsoft.com/office/powerpoint/2012/main" xmlns:mc="http://schemas.openxmlformats.org/markup-compatibility/2006" type="objOnly" preserve="1">
+  <p:cSld name="Centered Text">
+    <p:spTree>
+      <p:nvGrpSpPr>
+        <p:cNvPr id="1" name=""/>
+        <p:cNvGrpSpPr/>
+        <p:nvPr/>
+      </p:nvGrpSpPr>
+      <p:grpSpPr>
+        <a:xfrm>
+          <a:off x="0" y="0"/>
+          <a:ext cx="0" cy="0"/>
+          <a:chOff x="0" y="0"/>
+          <a:chExt cx="0" cy="0"/>
+        </a:xfrm>
+      </p:grpSpPr>
+      <p:sp>
+        <p:nvSpPr>
+          <p:cNvPr id="692" name="PlaceHolder 1"/>
+          <p:cNvSpPr>
+            <a:spLocks noGrp="1"/>
+          </p:cNvSpPr>
+          <p:nvPr>
+            <p:ph type="subTitle"/>
+          </p:nvPr>
+        </p:nvSpPr>
+        <p:spPr>
+          <a:xfrm>
+            <a:off x="609480" y="273600"/>
+            <a:ext cx="10972440" cy="5307840"/>
+          </a:xfrm>
+          <a:prstGeom prst="rect">
+            <a:avLst/>
+          </a:prstGeom>
+        </p:spPr>
+        <p:txBody>
+          <a:bodyPr lIns="0" rIns="0" tIns="0" bIns="0" anchor="ctr">
+            <a:noAutofit/>
+          </a:bodyPr>
+          <a:p>
+            <a:pPr algn="ctr"/>
+            <a:endParaRPr b="0" lang="en-US" sz="3200" spc="-1" strike="noStrike">
+              <a:latin typeface="Arial"/>
+            </a:endParaRPr>
+          </a:p>
+        </p:txBody>
+      </p:sp>
+    </p:spTree>
+  </p:cSld>
+</p:sldLayout>
+</file>
+
+<file path=ppt/slideLayouts/slideLayout139.xml><?xml version="1.0" encoding="utf-8"?>
+<p:sldLayout xmlns:a="http://schemas.openxmlformats.org/drawingml/2006/main" xmlns:p="http://schemas.openxmlformats.org/presentationml/2006/main" xmlns:r="http://schemas.openxmlformats.org/officeDocument/2006/relationships" xmlns:p14="http://schemas.microsoft.com/office/powerpoint/2010/main" xmlns:p15="http://schemas.microsoft.com/office/powerpoint/2012/main" xmlns:mc="http://schemas.openxmlformats.org/markup-compatibility/2006" type="twoObjAndObj" preserve="1">
+  <p:cSld name="Title, 2 Content and Content">
+    <p:spTree>
+      <p:nvGrpSpPr>
+        <p:cNvPr id="1" name=""/>
+        <p:cNvGrpSpPr/>
+        <p:nvPr/>
+      </p:nvGrpSpPr>
+      <p:grpSpPr>
+        <a:xfrm>
+          <a:off x="0" y="0"/>
+          <a:ext cx="0" cy="0"/>
+          <a:chOff x="0" y="0"/>
+          <a:chExt cx="0" cy="0"/>
+        </a:xfrm>
+      </p:grpSpPr>
+      <p:sp>
+        <p:nvSpPr>
+          <p:cNvPr id="693" name="PlaceHolder 1"/>
+          <p:cNvSpPr>
+            <a:spLocks noGrp="1"/>
+          </p:cNvSpPr>
+          <p:nvPr>
+            <p:ph type="title"/>
+          </p:nvPr>
+        </p:nvSpPr>
+        <p:spPr>
+          <a:xfrm>
+            <a:off x="609480" y="273600"/>
+            <a:ext cx="10972440" cy="1144800"/>
+          </a:xfrm>
+          <a:prstGeom prst="rect">
+            <a:avLst/>
+          </a:prstGeom>
+        </p:spPr>
+        <p:txBody>
+          <a:bodyPr lIns="0" rIns="0" tIns="0" bIns="0" anchor="ctr">
+            <a:noAutofit/>
+          </a:bodyPr>
+          <a:p>
+            <a:endParaRPr b="0" lang="en-US" sz="1800" spc="-1" strike="noStrike">
+              <a:solidFill>
+                <a:srgbClr val="000000"/>
+              </a:solidFill>
+              <a:latin typeface="Arial"/>
+            </a:endParaRPr>
+          </a:p>
+        </p:txBody>
+      </p:sp>
+      <p:sp>
+        <p:nvSpPr>
+          <p:cNvPr id="694" name="PlaceHolder 2"/>
+          <p:cNvSpPr>
+            <a:spLocks noGrp="1"/>
+          </p:cNvSpPr>
+          <p:nvPr>
+            <p:ph type="body"/>
+          </p:nvPr>
+        </p:nvSpPr>
+        <p:spPr>
+          <a:xfrm>
+            <a:off x="609480" y="1604520"/>
+            <a:ext cx="5354280" cy="1896840"/>
+          </a:xfrm>
+          <a:prstGeom prst="rect">
+            <a:avLst/>
+          </a:prstGeom>
+        </p:spPr>
+        <p:txBody>
+          <a:bodyPr lIns="0" rIns="0" tIns="0" bIns="0">
+            <a:normAutofit/>
+          </a:bodyPr>
+          <a:p>
+            <a:endParaRPr b="0" lang="en-US" sz="2800" spc="-1" strike="noStrike">
+              <a:solidFill>
+                <a:srgbClr val="000000"/>
+              </a:solidFill>
+              <a:latin typeface="Arial"/>
+            </a:endParaRPr>
+          </a:p>
+        </p:txBody>
+      </p:sp>
+      <p:sp>
+        <p:nvSpPr>
+          <p:cNvPr id="695" name="PlaceHolder 3"/>
+          <p:cNvSpPr>
+            <a:spLocks noGrp="1"/>
+          </p:cNvSpPr>
+          <p:nvPr>
+            <p:ph type="body"/>
+          </p:nvPr>
+        </p:nvSpPr>
+        <p:spPr>
+          <a:xfrm>
+            <a:off x="6231960" y="1604520"/>
+            <a:ext cx="5354280" cy="3977280"/>
+          </a:xfrm>
+          <a:prstGeom prst="rect">
+            <a:avLst/>
+          </a:prstGeom>
+        </p:spPr>
+        <p:txBody>
+          <a:bodyPr lIns="0" rIns="0" tIns="0" bIns="0">
+            <a:normAutofit/>
+          </a:bodyPr>
+          <a:p>
+            <a:endParaRPr b="0" lang="en-US" sz="2800" spc="-1" strike="noStrike">
+              <a:solidFill>
+                <a:srgbClr val="000000"/>
+              </a:solidFill>
+              <a:latin typeface="Arial"/>
+            </a:endParaRPr>
+          </a:p>
+        </p:txBody>
+      </p:sp>
+      <p:sp>
+        <p:nvSpPr>
+          <p:cNvPr id="696" name="PlaceHolder 4"/>
+          <p:cNvSpPr>
+            <a:spLocks noGrp="1"/>
+          </p:cNvSpPr>
+          <p:nvPr>
+            <p:ph type="body"/>
+          </p:nvPr>
+        </p:nvSpPr>
+        <p:spPr>
+          <a:xfrm>
+            <a:off x="609480" y="3682080"/>
+            <a:ext cx="5354280" cy="1896840"/>
+          </a:xfrm>
+          <a:prstGeom prst="rect">
+            <a:avLst/>
+          </a:prstGeom>
+        </p:spPr>
+        <p:txBody>
+          <a:bodyPr lIns="0" rIns="0" tIns="0" bIns="0">
+            <a:normAutofit/>
+          </a:bodyPr>
+          <a:p>
+            <a:endParaRPr b="0" lang="en-US" sz="2800" spc="-1" strike="noStrike">
+              <a:solidFill>
+                <a:srgbClr val="000000"/>
+              </a:solidFill>
+              <a:latin typeface="Arial"/>
+            </a:endParaRPr>
+          </a:p>
+        </p:txBody>
+      </p:sp>
+    </p:spTree>
+  </p:cSld>
+</p:sldLayout>
+</file>
+
 <file path=ppt/slideLayouts/slideLayout14.xml><?xml version="1.0" encoding="utf-8"?>
 <p:sldLayout xmlns:a="http://schemas.openxmlformats.org/drawingml/2006/main" xmlns:p="http://schemas.openxmlformats.org/presentationml/2006/main" xmlns:r="http://schemas.openxmlformats.org/officeDocument/2006/relationships" xmlns:p14="http://schemas.microsoft.com/office/powerpoint/2010/main" xmlns:p15="http://schemas.microsoft.com/office/powerpoint/2012/main" xmlns:mc="http://schemas.openxmlformats.org/markup-compatibility/2006" type="tx" preserve="1">
   <p:cSld name="Title Slide">
@@ -4873,6 +5455,875 @@
           <a:p>
             <a:pPr algn="ctr"/>
             <a:endParaRPr b="0" lang="en-US" sz="3200" spc="-1" strike="noStrike">
+              <a:latin typeface="Arial"/>
+            </a:endParaRPr>
+          </a:p>
+        </p:txBody>
+      </p:sp>
+    </p:spTree>
+  </p:cSld>
+</p:sldLayout>
+</file>
+
+<file path=ppt/slideLayouts/slideLayout140.xml><?xml version="1.0" encoding="utf-8"?>
+<p:sldLayout xmlns:a="http://schemas.openxmlformats.org/drawingml/2006/main" xmlns:p="http://schemas.openxmlformats.org/presentationml/2006/main" xmlns:r="http://schemas.openxmlformats.org/officeDocument/2006/relationships" xmlns:p14="http://schemas.microsoft.com/office/powerpoint/2010/main" xmlns:p15="http://schemas.microsoft.com/office/powerpoint/2012/main" xmlns:mc="http://schemas.openxmlformats.org/markup-compatibility/2006" type="objAndTwoObj" preserve="1">
+  <p:cSld name="Title Content and 2 Content">
+    <p:spTree>
+      <p:nvGrpSpPr>
+        <p:cNvPr id="1" name=""/>
+        <p:cNvGrpSpPr/>
+        <p:nvPr/>
+      </p:nvGrpSpPr>
+      <p:grpSpPr>
+        <a:xfrm>
+          <a:off x="0" y="0"/>
+          <a:ext cx="0" cy="0"/>
+          <a:chOff x="0" y="0"/>
+          <a:chExt cx="0" cy="0"/>
+        </a:xfrm>
+      </p:grpSpPr>
+      <p:sp>
+        <p:nvSpPr>
+          <p:cNvPr id="697" name="PlaceHolder 1"/>
+          <p:cNvSpPr>
+            <a:spLocks noGrp="1"/>
+          </p:cNvSpPr>
+          <p:nvPr>
+            <p:ph type="title"/>
+          </p:nvPr>
+        </p:nvSpPr>
+        <p:spPr>
+          <a:xfrm>
+            <a:off x="609480" y="273600"/>
+            <a:ext cx="10972440" cy="1144800"/>
+          </a:xfrm>
+          <a:prstGeom prst="rect">
+            <a:avLst/>
+          </a:prstGeom>
+        </p:spPr>
+        <p:txBody>
+          <a:bodyPr lIns="0" rIns="0" tIns="0" bIns="0" anchor="ctr">
+            <a:noAutofit/>
+          </a:bodyPr>
+          <a:p>
+            <a:endParaRPr b="0" lang="en-US" sz="1800" spc="-1" strike="noStrike">
+              <a:solidFill>
+                <a:srgbClr val="000000"/>
+              </a:solidFill>
+              <a:latin typeface="Arial"/>
+            </a:endParaRPr>
+          </a:p>
+        </p:txBody>
+      </p:sp>
+      <p:sp>
+        <p:nvSpPr>
+          <p:cNvPr id="698" name="PlaceHolder 2"/>
+          <p:cNvSpPr>
+            <a:spLocks noGrp="1"/>
+          </p:cNvSpPr>
+          <p:nvPr>
+            <p:ph type="body"/>
+          </p:nvPr>
+        </p:nvSpPr>
+        <p:spPr>
+          <a:xfrm>
+            <a:off x="609480" y="1604520"/>
+            <a:ext cx="5354280" cy="3977280"/>
+          </a:xfrm>
+          <a:prstGeom prst="rect">
+            <a:avLst/>
+          </a:prstGeom>
+        </p:spPr>
+        <p:txBody>
+          <a:bodyPr lIns="0" rIns="0" tIns="0" bIns="0">
+            <a:normAutofit/>
+          </a:bodyPr>
+          <a:p>
+            <a:endParaRPr b="0" lang="en-US" sz="2800" spc="-1" strike="noStrike">
+              <a:solidFill>
+                <a:srgbClr val="000000"/>
+              </a:solidFill>
+              <a:latin typeface="Arial"/>
+            </a:endParaRPr>
+          </a:p>
+        </p:txBody>
+      </p:sp>
+      <p:sp>
+        <p:nvSpPr>
+          <p:cNvPr id="699" name="PlaceHolder 3"/>
+          <p:cNvSpPr>
+            <a:spLocks noGrp="1"/>
+          </p:cNvSpPr>
+          <p:nvPr>
+            <p:ph type="body"/>
+          </p:nvPr>
+        </p:nvSpPr>
+        <p:spPr>
+          <a:xfrm>
+            <a:off x="6231960" y="1604520"/>
+            <a:ext cx="5354280" cy="1896840"/>
+          </a:xfrm>
+          <a:prstGeom prst="rect">
+            <a:avLst/>
+          </a:prstGeom>
+        </p:spPr>
+        <p:txBody>
+          <a:bodyPr lIns="0" rIns="0" tIns="0" bIns="0">
+            <a:normAutofit/>
+          </a:bodyPr>
+          <a:p>
+            <a:endParaRPr b="0" lang="en-US" sz="2800" spc="-1" strike="noStrike">
+              <a:solidFill>
+                <a:srgbClr val="000000"/>
+              </a:solidFill>
+              <a:latin typeface="Arial"/>
+            </a:endParaRPr>
+          </a:p>
+        </p:txBody>
+      </p:sp>
+      <p:sp>
+        <p:nvSpPr>
+          <p:cNvPr id="700" name="PlaceHolder 4"/>
+          <p:cNvSpPr>
+            <a:spLocks noGrp="1"/>
+          </p:cNvSpPr>
+          <p:nvPr>
+            <p:ph type="body"/>
+          </p:nvPr>
+        </p:nvSpPr>
+        <p:spPr>
+          <a:xfrm>
+            <a:off x="6231960" y="3682080"/>
+            <a:ext cx="5354280" cy="1896840"/>
+          </a:xfrm>
+          <a:prstGeom prst="rect">
+            <a:avLst/>
+          </a:prstGeom>
+        </p:spPr>
+        <p:txBody>
+          <a:bodyPr lIns="0" rIns="0" tIns="0" bIns="0">
+            <a:normAutofit/>
+          </a:bodyPr>
+          <a:p>
+            <a:endParaRPr b="0" lang="en-US" sz="2800" spc="-1" strike="noStrike">
+              <a:solidFill>
+                <a:srgbClr val="000000"/>
+              </a:solidFill>
+              <a:latin typeface="Arial"/>
+            </a:endParaRPr>
+          </a:p>
+        </p:txBody>
+      </p:sp>
+    </p:spTree>
+  </p:cSld>
+</p:sldLayout>
+</file>
+
+<file path=ppt/slideLayouts/slideLayout141.xml><?xml version="1.0" encoding="utf-8"?>
+<p:sldLayout xmlns:a="http://schemas.openxmlformats.org/drawingml/2006/main" xmlns:p="http://schemas.openxmlformats.org/presentationml/2006/main" xmlns:r="http://schemas.openxmlformats.org/officeDocument/2006/relationships" xmlns:p14="http://schemas.microsoft.com/office/powerpoint/2010/main" xmlns:p15="http://schemas.microsoft.com/office/powerpoint/2012/main" xmlns:mc="http://schemas.openxmlformats.org/markup-compatibility/2006" type="twoObjOverTx" preserve="1">
+  <p:cSld name="Title, 2 Content over Content">
+    <p:spTree>
+      <p:nvGrpSpPr>
+        <p:cNvPr id="1" name=""/>
+        <p:cNvGrpSpPr/>
+        <p:nvPr/>
+      </p:nvGrpSpPr>
+      <p:grpSpPr>
+        <a:xfrm>
+          <a:off x="0" y="0"/>
+          <a:ext cx="0" cy="0"/>
+          <a:chOff x="0" y="0"/>
+          <a:chExt cx="0" cy="0"/>
+        </a:xfrm>
+      </p:grpSpPr>
+      <p:sp>
+        <p:nvSpPr>
+          <p:cNvPr id="701" name="PlaceHolder 1"/>
+          <p:cNvSpPr>
+            <a:spLocks noGrp="1"/>
+          </p:cNvSpPr>
+          <p:nvPr>
+            <p:ph type="title"/>
+          </p:nvPr>
+        </p:nvSpPr>
+        <p:spPr>
+          <a:xfrm>
+            <a:off x="609480" y="273600"/>
+            <a:ext cx="10972440" cy="1144800"/>
+          </a:xfrm>
+          <a:prstGeom prst="rect">
+            <a:avLst/>
+          </a:prstGeom>
+        </p:spPr>
+        <p:txBody>
+          <a:bodyPr lIns="0" rIns="0" tIns="0" bIns="0" anchor="ctr">
+            <a:noAutofit/>
+          </a:bodyPr>
+          <a:p>
+            <a:endParaRPr b="0" lang="en-US" sz="1800" spc="-1" strike="noStrike">
+              <a:solidFill>
+                <a:srgbClr val="000000"/>
+              </a:solidFill>
+              <a:latin typeface="Arial"/>
+            </a:endParaRPr>
+          </a:p>
+        </p:txBody>
+      </p:sp>
+      <p:sp>
+        <p:nvSpPr>
+          <p:cNvPr id="702" name="PlaceHolder 2"/>
+          <p:cNvSpPr>
+            <a:spLocks noGrp="1"/>
+          </p:cNvSpPr>
+          <p:nvPr>
+            <p:ph type="body"/>
+          </p:nvPr>
+        </p:nvSpPr>
+        <p:spPr>
+          <a:xfrm>
+            <a:off x="609480" y="1604520"/>
+            <a:ext cx="5354280" cy="1896840"/>
+          </a:xfrm>
+          <a:prstGeom prst="rect">
+            <a:avLst/>
+          </a:prstGeom>
+        </p:spPr>
+        <p:txBody>
+          <a:bodyPr lIns="0" rIns="0" tIns="0" bIns="0">
+            <a:normAutofit/>
+          </a:bodyPr>
+          <a:p>
+            <a:endParaRPr b="0" lang="en-US" sz="2800" spc="-1" strike="noStrike">
+              <a:solidFill>
+                <a:srgbClr val="000000"/>
+              </a:solidFill>
+              <a:latin typeface="Arial"/>
+            </a:endParaRPr>
+          </a:p>
+        </p:txBody>
+      </p:sp>
+      <p:sp>
+        <p:nvSpPr>
+          <p:cNvPr id="703" name="PlaceHolder 3"/>
+          <p:cNvSpPr>
+            <a:spLocks noGrp="1"/>
+          </p:cNvSpPr>
+          <p:nvPr>
+            <p:ph type="body"/>
+          </p:nvPr>
+        </p:nvSpPr>
+        <p:spPr>
+          <a:xfrm>
+            <a:off x="6231960" y="1604520"/>
+            <a:ext cx="5354280" cy="1896840"/>
+          </a:xfrm>
+          <a:prstGeom prst="rect">
+            <a:avLst/>
+          </a:prstGeom>
+        </p:spPr>
+        <p:txBody>
+          <a:bodyPr lIns="0" rIns="0" tIns="0" bIns="0">
+            <a:normAutofit/>
+          </a:bodyPr>
+          <a:p>
+            <a:endParaRPr b="0" lang="en-US" sz="2800" spc="-1" strike="noStrike">
+              <a:solidFill>
+                <a:srgbClr val="000000"/>
+              </a:solidFill>
+              <a:latin typeface="Arial"/>
+            </a:endParaRPr>
+          </a:p>
+        </p:txBody>
+      </p:sp>
+      <p:sp>
+        <p:nvSpPr>
+          <p:cNvPr id="704" name="PlaceHolder 4"/>
+          <p:cNvSpPr>
+            <a:spLocks noGrp="1"/>
+          </p:cNvSpPr>
+          <p:nvPr>
+            <p:ph type="body"/>
+          </p:nvPr>
+        </p:nvSpPr>
+        <p:spPr>
+          <a:xfrm>
+            <a:off x="609480" y="3682080"/>
+            <a:ext cx="10972440" cy="1896840"/>
+          </a:xfrm>
+          <a:prstGeom prst="rect">
+            <a:avLst/>
+          </a:prstGeom>
+        </p:spPr>
+        <p:txBody>
+          <a:bodyPr lIns="0" rIns="0" tIns="0" bIns="0">
+            <a:normAutofit/>
+          </a:bodyPr>
+          <a:p>
+            <a:endParaRPr b="0" lang="en-US" sz="2800" spc="-1" strike="noStrike">
+              <a:solidFill>
+                <a:srgbClr val="000000"/>
+              </a:solidFill>
+              <a:latin typeface="Arial"/>
+            </a:endParaRPr>
+          </a:p>
+        </p:txBody>
+      </p:sp>
+    </p:spTree>
+  </p:cSld>
+</p:sldLayout>
+</file>
+
+<file path=ppt/slideLayouts/slideLayout142.xml><?xml version="1.0" encoding="utf-8"?>
+<p:sldLayout xmlns:a="http://schemas.openxmlformats.org/drawingml/2006/main" xmlns:p="http://schemas.openxmlformats.org/presentationml/2006/main" xmlns:r="http://schemas.openxmlformats.org/officeDocument/2006/relationships" xmlns:p14="http://schemas.microsoft.com/office/powerpoint/2010/main" xmlns:p15="http://schemas.microsoft.com/office/powerpoint/2012/main" xmlns:mc="http://schemas.openxmlformats.org/markup-compatibility/2006" type="objOverTx" preserve="1">
+  <p:cSld name="Title, Content over Content">
+    <p:spTree>
+      <p:nvGrpSpPr>
+        <p:cNvPr id="1" name=""/>
+        <p:cNvGrpSpPr/>
+        <p:nvPr/>
+      </p:nvGrpSpPr>
+      <p:grpSpPr>
+        <a:xfrm>
+          <a:off x="0" y="0"/>
+          <a:ext cx="0" cy="0"/>
+          <a:chOff x="0" y="0"/>
+          <a:chExt cx="0" cy="0"/>
+        </a:xfrm>
+      </p:grpSpPr>
+      <p:sp>
+        <p:nvSpPr>
+          <p:cNvPr id="705" name="PlaceHolder 1"/>
+          <p:cNvSpPr>
+            <a:spLocks noGrp="1"/>
+          </p:cNvSpPr>
+          <p:nvPr>
+            <p:ph type="title"/>
+          </p:nvPr>
+        </p:nvSpPr>
+        <p:spPr>
+          <a:xfrm>
+            <a:off x="609480" y="273600"/>
+            <a:ext cx="10972440" cy="1144800"/>
+          </a:xfrm>
+          <a:prstGeom prst="rect">
+            <a:avLst/>
+          </a:prstGeom>
+        </p:spPr>
+        <p:txBody>
+          <a:bodyPr lIns="0" rIns="0" tIns="0" bIns="0" anchor="ctr">
+            <a:noAutofit/>
+          </a:bodyPr>
+          <a:p>
+            <a:endParaRPr b="0" lang="en-US" sz="1800" spc="-1" strike="noStrike">
+              <a:solidFill>
+                <a:srgbClr val="000000"/>
+              </a:solidFill>
+              <a:latin typeface="Arial"/>
+            </a:endParaRPr>
+          </a:p>
+        </p:txBody>
+      </p:sp>
+      <p:sp>
+        <p:nvSpPr>
+          <p:cNvPr id="706" name="PlaceHolder 2"/>
+          <p:cNvSpPr>
+            <a:spLocks noGrp="1"/>
+          </p:cNvSpPr>
+          <p:nvPr>
+            <p:ph type="body"/>
+          </p:nvPr>
+        </p:nvSpPr>
+        <p:spPr>
+          <a:xfrm>
+            <a:off x="609480" y="1604520"/>
+            <a:ext cx="10972440" cy="1896840"/>
+          </a:xfrm>
+          <a:prstGeom prst="rect">
+            <a:avLst/>
+          </a:prstGeom>
+        </p:spPr>
+        <p:txBody>
+          <a:bodyPr lIns="0" rIns="0" tIns="0" bIns="0">
+            <a:normAutofit/>
+          </a:bodyPr>
+          <a:p>
+            <a:endParaRPr b="0" lang="en-US" sz="2800" spc="-1" strike="noStrike">
+              <a:solidFill>
+                <a:srgbClr val="000000"/>
+              </a:solidFill>
+              <a:latin typeface="Arial"/>
+            </a:endParaRPr>
+          </a:p>
+        </p:txBody>
+      </p:sp>
+      <p:sp>
+        <p:nvSpPr>
+          <p:cNvPr id="707" name="PlaceHolder 3"/>
+          <p:cNvSpPr>
+            <a:spLocks noGrp="1"/>
+          </p:cNvSpPr>
+          <p:nvPr>
+            <p:ph type="body"/>
+          </p:nvPr>
+        </p:nvSpPr>
+        <p:spPr>
+          <a:xfrm>
+            <a:off x="609480" y="3682080"/>
+            <a:ext cx="10972440" cy="1896840"/>
+          </a:xfrm>
+          <a:prstGeom prst="rect">
+            <a:avLst/>
+          </a:prstGeom>
+        </p:spPr>
+        <p:txBody>
+          <a:bodyPr lIns="0" rIns="0" tIns="0" bIns="0">
+            <a:normAutofit/>
+          </a:bodyPr>
+          <a:p>
+            <a:endParaRPr b="0" lang="en-US" sz="2800" spc="-1" strike="noStrike">
+              <a:solidFill>
+                <a:srgbClr val="000000"/>
+              </a:solidFill>
+              <a:latin typeface="Arial"/>
+            </a:endParaRPr>
+          </a:p>
+        </p:txBody>
+      </p:sp>
+    </p:spTree>
+  </p:cSld>
+</p:sldLayout>
+</file>
+
+<file path=ppt/slideLayouts/slideLayout143.xml><?xml version="1.0" encoding="utf-8"?>
+<p:sldLayout xmlns:a="http://schemas.openxmlformats.org/drawingml/2006/main" xmlns:p="http://schemas.openxmlformats.org/presentationml/2006/main" xmlns:r="http://schemas.openxmlformats.org/officeDocument/2006/relationships" xmlns:p14="http://schemas.microsoft.com/office/powerpoint/2010/main" xmlns:p15="http://schemas.microsoft.com/office/powerpoint/2012/main" xmlns:mc="http://schemas.openxmlformats.org/markup-compatibility/2006" type="fourObj" preserve="1">
+  <p:cSld name="Title, 4 Content">
+    <p:spTree>
+      <p:nvGrpSpPr>
+        <p:cNvPr id="1" name=""/>
+        <p:cNvGrpSpPr/>
+        <p:nvPr/>
+      </p:nvGrpSpPr>
+      <p:grpSpPr>
+        <a:xfrm>
+          <a:off x="0" y="0"/>
+          <a:ext cx="0" cy="0"/>
+          <a:chOff x="0" y="0"/>
+          <a:chExt cx="0" cy="0"/>
+        </a:xfrm>
+      </p:grpSpPr>
+      <p:sp>
+        <p:nvSpPr>
+          <p:cNvPr id="708" name="PlaceHolder 1"/>
+          <p:cNvSpPr>
+            <a:spLocks noGrp="1"/>
+          </p:cNvSpPr>
+          <p:nvPr>
+            <p:ph type="title"/>
+          </p:nvPr>
+        </p:nvSpPr>
+        <p:spPr>
+          <a:xfrm>
+            <a:off x="609480" y="273600"/>
+            <a:ext cx="10972440" cy="1144800"/>
+          </a:xfrm>
+          <a:prstGeom prst="rect">
+            <a:avLst/>
+          </a:prstGeom>
+        </p:spPr>
+        <p:txBody>
+          <a:bodyPr lIns="0" rIns="0" tIns="0" bIns="0" anchor="ctr">
+            <a:noAutofit/>
+          </a:bodyPr>
+          <a:p>
+            <a:endParaRPr b="0" lang="en-US" sz="1800" spc="-1" strike="noStrike">
+              <a:solidFill>
+                <a:srgbClr val="000000"/>
+              </a:solidFill>
+              <a:latin typeface="Arial"/>
+            </a:endParaRPr>
+          </a:p>
+        </p:txBody>
+      </p:sp>
+      <p:sp>
+        <p:nvSpPr>
+          <p:cNvPr id="709" name="PlaceHolder 2"/>
+          <p:cNvSpPr>
+            <a:spLocks noGrp="1"/>
+          </p:cNvSpPr>
+          <p:nvPr>
+            <p:ph type="body"/>
+          </p:nvPr>
+        </p:nvSpPr>
+        <p:spPr>
+          <a:xfrm>
+            <a:off x="609480" y="1604520"/>
+            <a:ext cx="5354280" cy="1896840"/>
+          </a:xfrm>
+          <a:prstGeom prst="rect">
+            <a:avLst/>
+          </a:prstGeom>
+        </p:spPr>
+        <p:txBody>
+          <a:bodyPr lIns="0" rIns="0" tIns="0" bIns="0">
+            <a:normAutofit/>
+          </a:bodyPr>
+          <a:p>
+            <a:endParaRPr b="0" lang="en-US" sz="2800" spc="-1" strike="noStrike">
+              <a:solidFill>
+                <a:srgbClr val="000000"/>
+              </a:solidFill>
+              <a:latin typeface="Arial"/>
+            </a:endParaRPr>
+          </a:p>
+        </p:txBody>
+      </p:sp>
+      <p:sp>
+        <p:nvSpPr>
+          <p:cNvPr id="710" name="PlaceHolder 3"/>
+          <p:cNvSpPr>
+            <a:spLocks noGrp="1"/>
+          </p:cNvSpPr>
+          <p:nvPr>
+            <p:ph type="body"/>
+          </p:nvPr>
+        </p:nvSpPr>
+        <p:spPr>
+          <a:xfrm>
+            <a:off x="6231960" y="1604520"/>
+            <a:ext cx="5354280" cy="1896840"/>
+          </a:xfrm>
+          <a:prstGeom prst="rect">
+            <a:avLst/>
+          </a:prstGeom>
+        </p:spPr>
+        <p:txBody>
+          <a:bodyPr lIns="0" rIns="0" tIns="0" bIns="0">
+            <a:normAutofit/>
+          </a:bodyPr>
+          <a:p>
+            <a:endParaRPr b="0" lang="en-US" sz="2800" spc="-1" strike="noStrike">
+              <a:solidFill>
+                <a:srgbClr val="000000"/>
+              </a:solidFill>
+              <a:latin typeface="Arial"/>
+            </a:endParaRPr>
+          </a:p>
+        </p:txBody>
+      </p:sp>
+      <p:sp>
+        <p:nvSpPr>
+          <p:cNvPr id="711" name="PlaceHolder 4"/>
+          <p:cNvSpPr>
+            <a:spLocks noGrp="1"/>
+          </p:cNvSpPr>
+          <p:nvPr>
+            <p:ph type="body"/>
+          </p:nvPr>
+        </p:nvSpPr>
+        <p:spPr>
+          <a:xfrm>
+            <a:off x="609480" y="3682080"/>
+            <a:ext cx="5354280" cy="1896840"/>
+          </a:xfrm>
+          <a:prstGeom prst="rect">
+            <a:avLst/>
+          </a:prstGeom>
+        </p:spPr>
+        <p:txBody>
+          <a:bodyPr lIns="0" rIns="0" tIns="0" bIns="0">
+            <a:normAutofit/>
+          </a:bodyPr>
+          <a:p>
+            <a:endParaRPr b="0" lang="en-US" sz="2800" spc="-1" strike="noStrike">
+              <a:solidFill>
+                <a:srgbClr val="000000"/>
+              </a:solidFill>
+              <a:latin typeface="Arial"/>
+            </a:endParaRPr>
+          </a:p>
+        </p:txBody>
+      </p:sp>
+      <p:sp>
+        <p:nvSpPr>
+          <p:cNvPr id="712" name="PlaceHolder 5"/>
+          <p:cNvSpPr>
+            <a:spLocks noGrp="1"/>
+          </p:cNvSpPr>
+          <p:nvPr>
+            <p:ph type="body"/>
+          </p:nvPr>
+        </p:nvSpPr>
+        <p:spPr>
+          <a:xfrm>
+            <a:off x="6231960" y="3682080"/>
+            <a:ext cx="5354280" cy="1896840"/>
+          </a:xfrm>
+          <a:prstGeom prst="rect">
+            <a:avLst/>
+          </a:prstGeom>
+        </p:spPr>
+        <p:txBody>
+          <a:bodyPr lIns="0" rIns="0" tIns="0" bIns="0">
+            <a:normAutofit/>
+          </a:bodyPr>
+          <a:p>
+            <a:endParaRPr b="0" lang="en-US" sz="2800" spc="-1" strike="noStrike">
+              <a:solidFill>
+                <a:srgbClr val="000000"/>
+              </a:solidFill>
+              <a:latin typeface="Arial"/>
+            </a:endParaRPr>
+          </a:p>
+        </p:txBody>
+      </p:sp>
+    </p:spTree>
+  </p:cSld>
+</p:sldLayout>
+</file>
+
+<file path=ppt/slideLayouts/slideLayout144.xml><?xml version="1.0" encoding="utf-8"?>
+<p:sldLayout xmlns:a="http://schemas.openxmlformats.org/drawingml/2006/main" xmlns:p="http://schemas.openxmlformats.org/presentationml/2006/main" xmlns:r="http://schemas.openxmlformats.org/officeDocument/2006/relationships" xmlns:p14="http://schemas.microsoft.com/office/powerpoint/2010/main" xmlns:p15="http://schemas.microsoft.com/office/powerpoint/2012/main" xmlns:mc="http://schemas.openxmlformats.org/markup-compatibility/2006" type="blank" preserve="1">
+  <p:cSld name="Title, 6 Content">
+    <p:spTree>
+      <p:nvGrpSpPr>
+        <p:cNvPr id="1" name=""/>
+        <p:cNvGrpSpPr/>
+        <p:nvPr/>
+      </p:nvGrpSpPr>
+      <p:grpSpPr>
+        <a:xfrm>
+          <a:off x="0" y="0"/>
+          <a:ext cx="0" cy="0"/>
+          <a:chOff x="0" y="0"/>
+          <a:chExt cx="0" cy="0"/>
+        </a:xfrm>
+      </p:grpSpPr>
+      <p:sp>
+        <p:nvSpPr>
+          <p:cNvPr id="713" name="PlaceHolder 1"/>
+          <p:cNvSpPr>
+            <a:spLocks noGrp="1"/>
+          </p:cNvSpPr>
+          <p:nvPr>
+            <p:ph type="title"/>
+          </p:nvPr>
+        </p:nvSpPr>
+        <p:spPr>
+          <a:xfrm>
+            <a:off x="609480" y="273600"/>
+            <a:ext cx="10972440" cy="1144800"/>
+          </a:xfrm>
+          <a:prstGeom prst="rect">
+            <a:avLst/>
+          </a:prstGeom>
+        </p:spPr>
+        <p:txBody>
+          <a:bodyPr lIns="0" rIns="0" tIns="0" bIns="0" anchor="ctr">
+            <a:noAutofit/>
+          </a:bodyPr>
+          <a:p>
+            <a:endParaRPr b="0" lang="en-US" sz="1800" spc="-1" strike="noStrike">
+              <a:solidFill>
+                <a:srgbClr val="000000"/>
+              </a:solidFill>
+              <a:latin typeface="Arial"/>
+            </a:endParaRPr>
+          </a:p>
+        </p:txBody>
+      </p:sp>
+      <p:sp>
+        <p:nvSpPr>
+          <p:cNvPr id="714" name="PlaceHolder 2"/>
+          <p:cNvSpPr>
+            <a:spLocks noGrp="1"/>
+          </p:cNvSpPr>
+          <p:nvPr>
+            <p:ph type="body"/>
+          </p:nvPr>
+        </p:nvSpPr>
+        <p:spPr>
+          <a:xfrm>
+            <a:off x="609480" y="1604520"/>
+            <a:ext cx="3533040" cy="1896840"/>
+          </a:xfrm>
+          <a:prstGeom prst="rect">
+            <a:avLst/>
+          </a:prstGeom>
+        </p:spPr>
+        <p:txBody>
+          <a:bodyPr lIns="0" rIns="0" tIns="0" bIns="0">
+            <a:normAutofit/>
+          </a:bodyPr>
+          <a:p>
+            <a:endParaRPr b="0" lang="en-US" sz="2800" spc="-1" strike="noStrike">
+              <a:solidFill>
+                <a:srgbClr val="000000"/>
+              </a:solidFill>
+              <a:latin typeface="Arial"/>
+            </a:endParaRPr>
+          </a:p>
+        </p:txBody>
+      </p:sp>
+      <p:sp>
+        <p:nvSpPr>
+          <p:cNvPr id="715" name="PlaceHolder 3"/>
+          <p:cNvSpPr>
+            <a:spLocks noGrp="1"/>
+          </p:cNvSpPr>
+          <p:nvPr>
+            <p:ph type="body"/>
+          </p:nvPr>
+        </p:nvSpPr>
+        <p:spPr>
+          <a:xfrm>
+            <a:off x="4319640" y="1604520"/>
+            <a:ext cx="3533040" cy="1896840"/>
+          </a:xfrm>
+          <a:prstGeom prst="rect">
+            <a:avLst/>
+          </a:prstGeom>
+        </p:spPr>
+        <p:txBody>
+          <a:bodyPr lIns="0" rIns="0" tIns="0" bIns="0">
+            <a:normAutofit/>
+          </a:bodyPr>
+          <a:p>
+            <a:endParaRPr b="0" lang="en-US" sz="2800" spc="-1" strike="noStrike">
+              <a:solidFill>
+                <a:srgbClr val="000000"/>
+              </a:solidFill>
+              <a:latin typeface="Arial"/>
+            </a:endParaRPr>
+          </a:p>
+        </p:txBody>
+      </p:sp>
+      <p:sp>
+        <p:nvSpPr>
+          <p:cNvPr id="716" name="PlaceHolder 4"/>
+          <p:cNvSpPr>
+            <a:spLocks noGrp="1"/>
+          </p:cNvSpPr>
+          <p:nvPr>
+            <p:ph type="body"/>
+          </p:nvPr>
+        </p:nvSpPr>
+        <p:spPr>
+          <a:xfrm>
+            <a:off x="8029800" y="1604520"/>
+            <a:ext cx="3533040" cy="1896840"/>
+          </a:xfrm>
+          <a:prstGeom prst="rect">
+            <a:avLst/>
+          </a:prstGeom>
+        </p:spPr>
+        <p:txBody>
+          <a:bodyPr lIns="0" rIns="0" tIns="0" bIns="0">
+            <a:normAutofit/>
+          </a:bodyPr>
+          <a:p>
+            <a:endParaRPr b="0" lang="en-US" sz="2800" spc="-1" strike="noStrike">
+              <a:solidFill>
+                <a:srgbClr val="000000"/>
+              </a:solidFill>
+              <a:latin typeface="Arial"/>
+            </a:endParaRPr>
+          </a:p>
+        </p:txBody>
+      </p:sp>
+      <p:sp>
+        <p:nvSpPr>
+          <p:cNvPr id="717" name="PlaceHolder 5"/>
+          <p:cNvSpPr>
+            <a:spLocks noGrp="1"/>
+          </p:cNvSpPr>
+          <p:nvPr>
+            <p:ph type="body"/>
+          </p:nvPr>
+        </p:nvSpPr>
+        <p:spPr>
+          <a:xfrm>
+            <a:off x="609480" y="3682080"/>
+            <a:ext cx="3533040" cy="1896840"/>
+          </a:xfrm>
+          <a:prstGeom prst="rect">
+            <a:avLst/>
+          </a:prstGeom>
+        </p:spPr>
+        <p:txBody>
+          <a:bodyPr lIns="0" rIns="0" tIns="0" bIns="0">
+            <a:normAutofit/>
+          </a:bodyPr>
+          <a:p>
+            <a:endParaRPr b="0" lang="en-US" sz="2800" spc="-1" strike="noStrike">
+              <a:solidFill>
+                <a:srgbClr val="000000"/>
+              </a:solidFill>
+              <a:latin typeface="Arial"/>
+            </a:endParaRPr>
+          </a:p>
+        </p:txBody>
+      </p:sp>
+      <p:sp>
+        <p:nvSpPr>
+          <p:cNvPr id="718" name="PlaceHolder 6"/>
+          <p:cNvSpPr>
+            <a:spLocks noGrp="1"/>
+          </p:cNvSpPr>
+          <p:nvPr>
+            <p:ph type="body"/>
+          </p:nvPr>
+        </p:nvSpPr>
+        <p:spPr>
+          <a:xfrm>
+            <a:off x="4319640" y="3682080"/>
+            <a:ext cx="3533040" cy="1896840"/>
+          </a:xfrm>
+          <a:prstGeom prst="rect">
+            <a:avLst/>
+          </a:prstGeom>
+        </p:spPr>
+        <p:txBody>
+          <a:bodyPr lIns="0" rIns="0" tIns="0" bIns="0">
+            <a:normAutofit/>
+          </a:bodyPr>
+          <a:p>
+            <a:endParaRPr b="0" lang="en-US" sz="2800" spc="-1" strike="noStrike">
+              <a:solidFill>
+                <a:srgbClr val="000000"/>
+              </a:solidFill>
+              <a:latin typeface="Arial"/>
+            </a:endParaRPr>
+          </a:p>
+        </p:txBody>
+      </p:sp>
+      <p:sp>
+        <p:nvSpPr>
+          <p:cNvPr id="719" name="PlaceHolder 7"/>
+          <p:cNvSpPr>
+            <a:spLocks noGrp="1"/>
+          </p:cNvSpPr>
+          <p:nvPr>
+            <p:ph type="body"/>
+          </p:nvPr>
+        </p:nvSpPr>
+        <p:spPr>
+          <a:xfrm>
+            <a:off x="8029800" y="3682080"/>
+            <a:ext cx="3533040" cy="1896840"/>
+          </a:xfrm>
+          <a:prstGeom prst="rect">
+            <a:avLst/>
+          </a:prstGeom>
+        </p:spPr>
+        <p:txBody>
+          <a:bodyPr lIns="0" rIns="0" tIns="0" bIns="0">
+            <a:normAutofit/>
+          </a:bodyPr>
+          <a:p>
+            <a:endParaRPr b="0" lang="en-US" sz="2800" spc="-1" strike="noStrike">
+              <a:solidFill>
+                <a:srgbClr val="000000"/>
+              </a:solidFill>
               <a:latin typeface="Arial"/>
             </a:endParaRPr>
           </a:p>
@@ -20223,6 +21674,1423 @@
 </p:sldMaster>
 </file>
 
+<file path=ppt/slideMasters/slideMaster12.xml><?xml version="1.0" encoding="utf-8"?>
+<p:sldMaster xmlns:a="http://schemas.openxmlformats.org/drawingml/2006/main" xmlns:p="http://schemas.openxmlformats.org/presentationml/2006/main" xmlns:r="http://schemas.openxmlformats.org/officeDocument/2006/relationships" xmlns:p14="http://schemas.microsoft.com/office/powerpoint/2010/main" xmlns:p15="http://schemas.microsoft.com/office/powerpoint/2012/main" xmlns:mc="http://schemas.openxmlformats.org/markup-compatibility/2006">
+  <p:cSld>
+    <p:bg>
+      <p:bgPr>
+        <a:solidFill>
+          <a:srgbClr val="ffffff"/>
+        </a:solidFill>
+      </p:bgPr>
+    </p:bg>
+    <p:spTree>
+      <p:nvGrpSpPr>
+        <p:cNvPr id="1" name=""/>
+        <p:cNvGrpSpPr/>
+        <p:nvPr/>
+      </p:nvGrpSpPr>
+      <p:grpSpPr>
+        <a:xfrm>
+          <a:off x="0" y="0"/>
+          <a:ext cx="0" cy="0"/>
+          <a:chOff x="0" y="0"/>
+          <a:chExt cx="0" cy="0"/>
+        </a:xfrm>
+      </p:grpSpPr>
+      <p:grpSp>
+        <p:nvGrpSpPr>
+          <p:cNvPr id="660" name="Group 1"/>
+          <p:cNvGrpSpPr/>
+          <p:nvPr/>
+        </p:nvGrpSpPr>
+        <p:grpSpPr>
+          <a:xfrm>
+            <a:off x="0" y="-8640"/>
+            <a:ext cx="12190320" cy="6866640"/>
+            <a:chOff x="0" y="-8640"/>
+            <a:chExt cx="12190320" cy="6866640"/>
+          </a:xfrm>
+        </p:grpSpPr>
+        <p:sp>
+          <p:nvSpPr>
+            <p:cNvPr id="661" name="Line 2"/>
+            <p:cNvSpPr/>
+            <p:nvPr/>
+          </p:nvSpPr>
+          <p:spPr>
+            <a:xfrm>
+              <a:off x="9370800" y="0"/>
+              <a:ext cx="1219320" cy="6858000"/>
+            </a:xfrm>
+            <a:prstGeom prst="line">
+              <a:avLst/>
+            </a:prstGeom>
+            <a:ln cap="rnd" w="9360">
+              <a:solidFill>
+                <a:schemeClr val="bg1">
+                  <a:lumMod val="75000"/>
+                </a:schemeClr>
+              </a:solidFill>
+              <a:round/>
+            </a:ln>
+          </p:spPr>
+          <p:style>
+            <a:lnRef idx="2">
+              <a:schemeClr val="accent1"/>
+            </a:lnRef>
+            <a:fillRef idx="0">
+              <a:schemeClr val="accent1"/>
+            </a:fillRef>
+            <a:effectRef idx="1">
+              <a:schemeClr val="accent1"/>
+            </a:effectRef>
+            <a:fontRef idx="minor"/>
+          </p:style>
+        </p:sp>
+        <p:sp>
+          <p:nvSpPr>
+            <p:cNvPr id="662" name="Line 3"/>
+            <p:cNvSpPr/>
+            <p:nvPr/>
+          </p:nvSpPr>
+          <p:spPr>
+            <a:xfrm flipH="1">
+              <a:off x="7425000" y="3681360"/>
+              <a:ext cx="4763520" cy="3176640"/>
+            </a:xfrm>
+            <a:prstGeom prst="line">
+              <a:avLst/>
+            </a:prstGeom>
+            <a:ln cap="rnd" w="9360">
+              <a:solidFill>
+                <a:schemeClr val="bg1">
+                  <a:lumMod val="85000"/>
+                </a:schemeClr>
+              </a:solidFill>
+              <a:round/>
+            </a:ln>
+          </p:spPr>
+          <p:style>
+            <a:lnRef idx="2">
+              <a:schemeClr val="accent1"/>
+            </a:lnRef>
+            <a:fillRef idx="0">
+              <a:schemeClr val="accent1"/>
+            </a:fillRef>
+            <a:effectRef idx="1">
+              <a:schemeClr val="accent1"/>
+            </a:effectRef>
+            <a:fontRef idx="minor"/>
+          </p:style>
+        </p:sp>
+        <p:sp>
+          <p:nvSpPr>
+            <p:cNvPr id="663" name="CustomShape 4"/>
+            <p:cNvSpPr/>
+            <p:nvPr/>
+          </p:nvSpPr>
+          <p:spPr>
+            <a:xfrm>
+              <a:off x="9181440" y="-8640"/>
+              <a:ext cx="3005640" cy="6864840"/>
+            </a:xfrm>
+            <a:custGeom>
+              <a:avLst/>
+              <a:gdLst/>
+              <a:ahLst/>
+              <a:rect l="l" t="t" r="r" b="b"/>
+              <a:pathLst>
+                <a:path w="3007349" h="6866467">
+                  <a:moveTo>
+                    <a:pt x="2045532" y="0"/>
+                  </a:moveTo>
+                  <a:lnTo>
+                    <a:pt x="3007349" y="0"/>
+                  </a:lnTo>
+                  <a:lnTo>
+                    <a:pt x="3007349" y="6866467"/>
+                  </a:lnTo>
+                  <a:lnTo>
+                    <a:pt x="0" y="6866467"/>
+                  </a:lnTo>
+                  <a:lnTo>
+                    <a:pt x="2045532" y="0"/>
+                  </a:lnTo>
+                  <a:close/>
+                </a:path>
+              </a:pathLst>
+            </a:custGeom>
+            <a:solidFill>
+              <a:schemeClr val="accent1">
+                <a:alpha val="30000"/>
+              </a:schemeClr>
+            </a:solidFill>
+            <a:ln>
+              <a:noFill/>
+            </a:ln>
+            <a:effectLst>
+              <a:outerShdw blurRad="38100" dir="5400000" dist="25560" rotWithShape="0">
+                <a:srgbClr val="000000">
+                  <a:alpha val="35000"/>
+                </a:srgbClr>
+              </a:outerShdw>
+            </a:effectLst>
+          </p:spPr>
+          <p:style>
+            <a:lnRef idx="1">
+              <a:schemeClr val="accent1"/>
+            </a:lnRef>
+            <a:fillRef idx="3">
+              <a:schemeClr val="accent1"/>
+            </a:fillRef>
+            <a:effectRef idx="2">
+              <a:schemeClr val="accent1"/>
+            </a:effectRef>
+            <a:fontRef idx="minor"/>
+          </p:style>
+        </p:sp>
+        <p:sp>
+          <p:nvSpPr>
+            <p:cNvPr id="664" name="CustomShape 5"/>
+            <p:cNvSpPr/>
+            <p:nvPr/>
+          </p:nvSpPr>
+          <p:spPr>
+            <a:xfrm>
+              <a:off x="9603360" y="-8640"/>
+              <a:ext cx="2586600" cy="6864840"/>
+            </a:xfrm>
+            <a:custGeom>
+              <a:avLst/>
+              <a:gdLst/>
+              <a:ahLst/>
+              <a:rect l="l" t="t" r="r" b="b"/>
+              <a:pathLst>
+                <a:path w="2573311" h="6866467">
+                  <a:moveTo>
+                    <a:pt x="0" y="0"/>
+                  </a:moveTo>
+                  <a:lnTo>
+                    <a:pt x="2573311" y="0"/>
+                  </a:lnTo>
+                  <a:lnTo>
+                    <a:pt x="2573311" y="6866467"/>
+                  </a:lnTo>
+                  <a:lnTo>
+                    <a:pt x="1202336" y="6866467"/>
+                  </a:lnTo>
+                  <a:lnTo>
+                    <a:pt x="0" y="0"/>
+                  </a:lnTo>
+                  <a:close/>
+                </a:path>
+              </a:pathLst>
+            </a:custGeom>
+            <a:solidFill>
+              <a:schemeClr val="accent1">
+                <a:alpha val="20000"/>
+              </a:schemeClr>
+            </a:solidFill>
+            <a:ln>
+              <a:noFill/>
+            </a:ln>
+            <a:effectLst>
+              <a:outerShdw blurRad="38100" dir="5400000" dist="25560" rotWithShape="0">
+                <a:srgbClr val="000000">
+                  <a:alpha val="35000"/>
+                </a:srgbClr>
+              </a:outerShdw>
+            </a:effectLst>
+          </p:spPr>
+          <p:style>
+            <a:lnRef idx="1">
+              <a:schemeClr val="accent1"/>
+            </a:lnRef>
+            <a:fillRef idx="3">
+              <a:schemeClr val="accent1"/>
+            </a:fillRef>
+            <a:effectRef idx="2">
+              <a:schemeClr val="accent1"/>
+            </a:effectRef>
+            <a:fontRef idx="minor"/>
+          </p:style>
+        </p:sp>
+        <p:sp>
+          <p:nvSpPr>
+            <p:cNvPr id="665" name="CustomShape 6"/>
+            <p:cNvSpPr/>
+            <p:nvPr/>
+          </p:nvSpPr>
+          <p:spPr>
+            <a:xfrm>
+              <a:off x="8932320" y="3048120"/>
+              <a:ext cx="3258000" cy="3808080"/>
+            </a:xfrm>
+            <a:prstGeom prst="triangle">
+              <a:avLst>
+                <a:gd name="adj" fmla="val 100000"/>
+              </a:avLst>
+            </a:prstGeom>
+            <a:solidFill>
+              <a:schemeClr val="accent2">
+                <a:alpha val="72000"/>
+              </a:schemeClr>
+            </a:solidFill>
+            <a:ln>
+              <a:noFill/>
+            </a:ln>
+            <a:effectLst>
+              <a:outerShdw blurRad="38100" dir="5400000" dist="25560" rotWithShape="0">
+                <a:srgbClr val="000000">
+                  <a:alpha val="35000"/>
+                </a:srgbClr>
+              </a:outerShdw>
+            </a:effectLst>
+          </p:spPr>
+          <p:style>
+            <a:lnRef idx="1">
+              <a:schemeClr val="accent1"/>
+            </a:lnRef>
+            <a:fillRef idx="3">
+              <a:schemeClr val="accent1"/>
+            </a:fillRef>
+            <a:effectRef idx="2">
+              <a:schemeClr val="accent1"/>
+            </a:effectRef>
+            <a:fontRef idx="minor"/>
+          </p:style>
+        </p:sp>
+        <p:sp>
+          <p:nvSpPr>
+            <p:cNvPr id="666" name="CustomShape 7"/>
+            <p:cNvSpPr/>
+            <p:nvPr/>
+          </p:nvSpPr>
+          <p:spPr>
+            <a:xfrm>
+              <a:off x="9334440" y="-8640"/>
+              <a:ext cx="2852640" cy="6864840"/>
+            </a:xfrm>
+            <a:custGeom>
+              <a:avLst/>
+              <a:gdLst/>
+              <a:ahLst/>
+              <a:rect l="l" t="t" r="r" b="b"/>
+              <a:pathLst>
+                <a:path w="2858013" h="6866467">
+                  <a:moveTo>
+                    <a:pt x="0" y="0"/>
+                  </a:moveTo>
+                  <a:lnTo>
+                    <a:pt x="2858013" y="0"/>
+                  </a:lnTo>
+                  <a:lnTo>
+                    <a:pt x="2858013" y="6866467"/>
+                  </a:lnTo>
+                  <a:lnTo>
+                    <a:pt x="2473942" y="6866467"/>
+                  </a:lnTo>
+                  <a:lnTo>
+                    <a:pt x="0" y="0"/>
+                  </a:lnTo>
+                  <a:close/>
+                </a:path>
+              </a:pathLst>
+            </a:custGeom>
+            <a:solidFill>
+              <a:schemeClr val="accent2">
+                <a:lumMod val="75000"/>
+                <a:alpha val="70000"/>
+              </a:schemeClr>
+            </a:solidFill>
+            <a:ln>
+              <a:noFill/>
+            </a:ln>
+            <a:effectLst>
+              <a:outerShdw blurRad="38100" dir="5400000" dist="25560" rotWithShape="0">
+                <a:srgbClr val="000000">
+                  <a:alpha val="35000"/>
+                </a:srgbClr>
+              </a:outerShdw>
+            </a:effectLst>
+          </p:spPr>
+          <p:style>
+            <a:lnRef idx="1">
+              <a:schemeClr val="accent1"/>
+            </a:lnRef>
+            <a:fillRef idx="3">
+              <a:schemeClr val="accent1"/>
+            </a:fillRef>
+            <a:effectRef idx="2">
+              <a:schemeClr val="accent1"/>
+            </a:effectRef>
+            <a:fontRef idx="minor"/>
+          </p:style>
+        </p:sp>
+        <p:sp>
+          <p:nvSpPr>
+            <p:cNvPr id="667" name="CustomShape 8"/>
+            <p:cNvSpPr/>
+            <p:nvPr/>
+          </p:nvSpPr>
+          <p:spPr>
+            <a:xfrm>
+              <a:off x="10898640" y="-8640"/>
+              <a:ext cx="1288440" cy="6864840"/>
+            </a:xfrm>
+            <a:custGeom>
+              <a:avLst/>
+              <a:gdLst/>
+              <a:ahLst/>
+              <a:rect l="l" t="t" r="r" b="b"/>
+              <a:pathLst>
+                <a:path w="1290094" h="6858000">
+                  <a:moveTo>
+                    <a:pt x="1019735" y="0"/>
+                  </a:moveTo>
+                  <a:lnTo>
+                    <a:pt x="1290094" y="0"/>
+                  </a:lnTo>
+                  <a:lnTo>
+                    <a:pt x="1290094" y="6858000"/>
+                  </a:lnTo>
+                  <a:lnTo>
+                    <a:pt x="0" y="6858000"/>
+                  </a:lnTo>
+                  <a:lnTo>
+                    <a:pt x="1019735" y="0"/>
+                  </a:lnTo>
+                  <a:close/>
+                </a:path>
+              </a:pathLst>
+            </a:custGeom>
+            <a:solidFill>
+              <a:schemeClr val="accent1">
+                <a:lumMod val="60000"/>
+                <a:lumOff val="40000"/>
+                <a:alpha val="70000"/>
+              </a:schemeClr>
+            </a:solidFill>
+            <a:ln>
+              <a:noFill/>
+            </a:ln>
+            <a:effectLst>
+              <a:outerShdw blurRad="38100" dir="5400000" dist="25560" rotWithShape="0">
+                <a:srgbClr val="000000">
+                  <a:alpha val="35000"/>
+                </a:srgbClr>
+              </a:outerShdw>
+            </a:effectLst>
+          </p:spPr>
+          <p:style>
+            <a:lnRef idx="1">
+              <a:schemeClr val="accent1"/>
+            </a:lnRef>
+            <a:fillRef idx="3">
+              <a:schemeClr val="accent1"/>
+            </a:fillRef>
+            <a:effectRef idx="2">
+              <a:schemeClr val="accent1"/>
+            </a:effectRef>
+            <a:fontRef idx="minor"/>
+          </p:style>
+        </p:sp>
+        <p:sp>
+          <p:nvSpPr>
+            <p:cNvPr id="668" name="CustomShape 9"/>
+            <p:cNvSpPr/>
+            <p:nvPr/>
+          </p:nvSpPr>
+          <p:spPr>
+            <a:xfrm>
+              <a:off x="10938960" y="-8640"/>
+              <a:ext cx="1248120" cy="6864840"/>
+            </a:xfrm>
+            <a:custGeom>
+              <a:avLst/>
+              <a:gdLst/>
+              <a:ahLst/>
+              <a:rect l="l" t="t" r="r" b="b"/>
+              <a:pathLst>
+                <a:path w="1249825" h="6858000">
+                  <a:moveTo>
+                    <a:pt x="0" y="0"/>
+                  </a:moveTo>
+                  <a:lnTo>
+                    <a:pt x="1249825" y="0"/>
+                  </a:lnTo>
+                  <a:lnTo>
+                    <a:pt x="1249825" y="6858000"/>
+                  </a:lnTo>
+                  <a:lnTo>
+                    <a:pt x="1109382" y="6858000"/>
+                  </a:lnTo>
+                  <a:lnTo>
+                    <a:pt x="0" y="0"/>
+                  </a:lnTo>
+                  <a:close/>
+                </a:path>
+              </a:pathLst>
+            </a:custGeom>
+            <a:solidFill>
+              <a:schemeClr val="accent1">
+                <a:alpha val="65000"/>
+              </a:schemeClr>
+            </a:solidFill>
+            <a:ln>
+              <a:noFill/>
+            </a:ln>
+            <a:effectLst>
+              <a:outerShdw blurRad="38100" dir="5400000" dist="25560" rotWithShape="0">
+                <a:srgbClr val="000000">
+                  <a:alpha val="35000"/>
+                </a:srgbClr>
+              </a:outerShdw>
+            </a:effectLst>
+          </p:spPr>
+          <p:style>
+            <a:lnRef idx="1">
+              <a:schemeClr val="accent1"/>
+            </a:lnRef>
+            <a:fillRef idx="3">
+              <a:schemeClr val="accent1"/>
+            </a:fillRef>
+            <a:effectRef idx="2">
+              <a:schemeClr val="accent1"/>
+            </a:effectRef>
+            <a:fontRef idx="minor"/>
+          </p:style>
+        </p:sp>
+        <p:sp>
+          <p:nvSpPr>
+            <p:cNvPr id="669" name="CustomShape 10"/>
+            <p:cNvSpPr/>
+            <p:nvPr/>
+          </p:nvSpPr>
+          <p:spPr>
+            <a:xfrm>
+              <a:off x="10371600" y="3589920"/>
+              <a:ext cx="1815480" cy="3266280"/>
+            </a:xfrm>
+            <a:prstGeom prst="triangle">
+              <a:avLst>
+                <a:gd name="adj" fmla="val 100000"/>
+              </a:avLst>
+            </a:prstGeom>
+            <a:solidFill>
+              <a:schemeClr val="accent1">
+                <a:alpha val="80000"/>
+              </a:schemeClr>
+            </a:solidFill>
+            <a:ln>
+              <a:noFill/>
+            </a:ln>
+            <a:effectLst>
+              <a:outerShdw blurRad="38100" dir="5400000" dist="25560" rotWithShape="0">
+                <a:srgbClr val="000000">
+                  <a:alpha val="35000"/>
+                </a:srgbClr>
+              </a:outerShdw>
+            </a:effectLst>
+          </p:spPr>
+          <p:style>
+            <a:lnRef idx="1">
+              <a:schemeClr val="accent1"/>
+            </a:lnRef>
+            <a:fillRef idx="3">
+              <a:schemeClr val="accent1"/>
+            </a:fillRef>
+            <a:effectRef idx="2">
+              <a:schemeClr val="accent1"/>
+            </a:effectRef>
+            <a:fontRef idx="minor"/>
+          </p:style>
+        </p:sp>
+        <p:sp>
+          <p:nvSpPr>
+            <p:cNvPr id="670" name="CustomShape 11"/>
+            <p:cNvSpPr/>
+            <p:nvPr/>
+          </p:nvSpPr>
+          <p:spPr>
+            <a:xfrm>
+              <a:off x="0" y="4013280"/>
+              <a:ext cx="446760" cy="2842920"/>
+            </a:xfrm>
+            <a:prstGeom prst="triangle">
+              <a:avLst>
+                <a:gd name="adj" fmla="val 0"/>
+              </a:avLst>
+            </a:prstGeom>
+            <a:solidFill>
+              <a:schemeClr val="accent1">
+                <a:alpha val="85000"/>
+              </a:schemeClr>
+            </a:solidFill>
+            <a:ln>
+              <a:noFill/>
+            </a:ln>
+            <a:effectLst>
+              <a:outerShdw blurRad="38100" dir="5400000" dist="25560" rotWithShape="0">
+                <a:srgbClr val="000000">
+                  <a:alpha val="35000"/>
+                </a:srgbClr>
+              </a:outerShdw>
+            </a:effectLst>
+          </p:spPr>
+          <p:style>
+            <a:lnRef idx="1">
+              <a:schemeClr val="accent1"/>
+            </a:lnRef>
+            <a:fillRef idx="3">
+              <a:schemeClr val="accent1"/>
+            </a:fillRef>
+            <a:effectRef idx="2">
+              <a:schemeClr val="accent1"/>
+            </a:effectRef>
+            <a:fontRef idx="minor"/>
+          </p:style>
+        </p:sp>
+      </p:grpSp>
+      <p:grpSp>
+        <p:nvGrpSpPr>
+          <p:cNvPr id="671" name="Group 12"/>
+          <p:cNvGrpSpPr/>
+          <p:nvPr/>
+        </p:nvGrpSpPr>
+        <p:grpSpPr>
+          <a:xfrm>
+            <a:off x="1800" y="-8640"/>
+            <a:ext cx="12188520" cy="6866640"/>
+            <a:chOff x="1800" y="-8640"/>
+            <a:chExt cx="12188520" cy="6866640"/>
+          </a:xfrm>
+        </p:grpSpPr>
+        <p:sp>
+          <p:nvSpPr>
+            <p:cNvPr id="672" name="Line 13"/>
+            <p:cNvSpPr/>
+            <p:nvPr/>
+          </p:nvSpPr>
+          <p:spPr>
+            <a:xfrm>
+              <a:off x="9370800" y="0"/>
+              <a:ext cx="1219320" cy="6858000"/>
+            </a:xfrm>
+            <a:prstGeom prst="line">
+              <a:avLst/>
+            </a:prstGeom>
+            <a:ln cap="rnd" w="9360">
+              <a:solidFill>
+                <a:schemeClr val="bg1">
+                  <a:lumMod val="75000"/>
+                </a:schemeClr>
+              </a:solidFill>
+              <a:round/>
+            </a:ln>
+          </p:spPr>
+          <p:style>
+            <a:lnRef idx="2">
+              <a:schemeClr val="accent1"/>
+            </a:lnRef>
+            <a:fillRef idx="0">
+              <a:schemeClr val="accent1"/>
+            </a:fillRef>
+            <a:effectRef idx="1">
+              <a:schemeClr val="accent1"/>
+            </a:effectRef>
+            <a:fontRef idx="minor"/>
+          </p:style>
+        </p:sp>
+        <p:sp>
+          <p:nvSpPr>
+            <p:cNvPr id="673" name="Line 14"/>
+            <p:cNvSpPr/>
+            <p:nvPr/>
+          </p:nvSpPr>
+          <p:spPr>
+            <a:xfrm flipH="1">
+              <a:off x="7425000" y="3681360"/>
+              <a:ext cx="4763520" cy="3176640"/>
+            </a:xfrm>
+            <a:prstGeom prst="line">
+              <a:avLst/>
+            </a:prstGeom>
+            <a:ln cap="rnd" w="9360">
+              <a:solidFill>
+                <a:schemeClr val="bg1">
+                  <a:lumMod val="85000"/>
+                </a:schemeClr>
+              </a:solidFill>
+              <a:round/>
+            </a:ln>
+          </p:spPr>
+          <p:style>
+            <a:lnRef idx="2">
+              <a:schemeClr val="accent1"/>
+            </a:lnRef>
+            <a:fillRef idx="0">
+              <a:schemeClr val="accent1"/>
+            </a:fillRef>
+            <a:effectRef idx="1">
+              <a:schemeClr val="accent1"/>
+            </a:effectRef>
+            <a:fontRef idx="minor"/>
+          </p:style>
+        </p:sp>
+        <p:sp>
+          <p:nvSpPr>
+            <p:cNvPr id="674" name="CustomShape 15"/>
+            <p:cNvSpPr/>
+            <p:nvPr/>
+          </p:nvSpPr>
+          <p:spPr>
+            <a:xfrm>
+              <a:off x="9181440" y="-8640"/>
+              <a:ext cx="3005640" cy="6864840"/>
+            </a:xfrm>
+            <a:custGeom>
+              <a:avLst/>
+              <a:gdLst/>
+              <a:ahLst/>
+              <a:rect l="l" t="t" r="r" b="b"/>
+              <a:pathLst>
+                <a:path w="3007349" h="6866467">
+                  <a:moveTo>
+                    <a:pt x="2045532" y="0"/>
+                  </a:moveTo>
+                  <a:lnTo>
+                    <a:pt x="3007349" y="0"/>
+                  </a:lnTo>
+                  <a:lnTo>
+                    <a:pt x="3007349" y="6866467"/>
+                  </a:lnTo>
+                  <a:lnTo>
+                    <a:pt x="0" y="6866467"/>
+                  </a:lnTo>
+                  <a:lnTo>
+                    <a:pt x="2045532" y="0"/>
+                  </a:lnTo>
+                  <a:close/>
+                </a:path>
+              </a:pathLst>
+            </a:custGeom>
+            <a:solidFill>
+              <a:schemeClr val="accent1">
+                <a:alpha val="30000"/>
+              </a:schemeClr>
+            </a:solidFill>
+            <a:ln>
+              <a:noFill/>
+            </a:ln>
+            <a:effectLst>
+              <a:outerShdw blurRad="38100" dir="5400000" dist="25560" rotWithShape="0">
+                <a:srgbClr val="000000">
+                  <a:alpha val="35000"/>
+                </a:srgbClr>
+              </a:outerShdw>
+            </a:effectLst>
+          </p:spPr>
+          <p:style>
+            <a:lnRef idx="1">
+              <a:schemeClr val="accent1"/>
+            </a:lnRef>
+            <a:fillRef idx="3">
+              <a:schemeClr val="accent1"/>
+            </a:fillRef>
+            <a:effectRef idx="2">
+              <a:schemeClr val="accent1"/>
+            </a:effectRef>
+            <a:fontRef idx="minor"/>
+          </p:style>
+        </p:sp>
+        <p:sp>
+          <p:nvSpPr>
+            <p:cNvPr id="675" name="CustomShape 16"/>
+            <p:cNvSpPr/>
+            <p:nvPr/>
+          </p:nvSpPr>
+          <p:spPr>
+            <a:xfrm>
+              <a:off x="9603360" y="-8640"/>
+              <a:ext cx="2586600" cy="6864840"/>
+            </a:xfrm>
+            <a:custGeom>
+              <a:avLst/>
+              <a:gdLst/>
+              <a:ahLst/>
+              <a:rect l="l" t="t" r="r" b="b"/>
+              <a:pathLst>
+                <a:path w="2573311" h="6866467">
+                  <a:moveTo>
+                    <a:pt x="0" y="0"/>
+                  </a:moveTo>
+                  <a:lnTo>
+                    <a:pt x="2573311" y="0"/>
+                  </a:lnTo>
+                  <a:lnTo>
+                    <a:pt x="2573311" y="6866467"/>
+                  </a:lnTo>
+                  <a:lnTo>
+                    <a:pt x="1202336" y="6866467"/>
+                  </a:lnTo>
+                  <a:lnTo>
+                    <a:pt x="0" y="0"/>
+                  </a:lnTo>
+                  <a:close/>
+                </a:path>
+              </a:pathLst>
+            </a:custGeom>
+            <a:solidFill>
+              <a:schemeClr val="accent1">
+                <a:alpha val="20000"/>
+              </a:schemeClr>
+            </a:solidFill>
+            <a:ln>
+              <a:noFill/>
+            </a:ln>
+            <a:effectLst>
+              <a:outerShdw blurRad="38100" dir="5400000" dist="25560" rotWithShape="0">
+                <a:srgbClr val="000000">
+                  <a:alpha val="35000"/>
+                </a:srgbClr>
+              </a:outerShdw>
+            </a:effectLst>
+          </p:spPr>
+          <p:style>
+            <a:lnRef idx="1">
+              <a:schemeClr val="accent1"/>
+            </a:lnRef>
+            <a:fillRef idx="3">
+              <a:schemeClr val="accent1"/>
+            </a:fillRef>
+            <a:effectRef idx="2">
+              <a:schemeClr val="accent1"/>
+            </a:effectRef>
+            <a:fontRef idx="minor"/>
+          </p:style>
+        </p:sp>
+        <p:sp>
+          <p:nvSpPr>
+            <p:cNvPr id="676" name="CustomShape 17"/>
+            <p:cNvSpPr/>
+            <p:nvPr/>
+          </p:nvSpPr>
+          <p:spPr>
+            <a:xfrm>
+              <a:off x="8932320" y="3048120"/>
+              <a:ext cx="3258000" cy="3808080"/>
+            </a:xfrm>
+            <a:prstGeom prst="triangle">
+              <a:avLst>
+                <a:gd name="adj" fmla="val 100000"/>
+              </a:avLst>
+            </a:prstGeom>
+            <a:solidFill>
+              <a:schemeClr val="accent2">
+                <a:alpha val="72000"/>
+              </a:schemeClr>
+            </a:solidFill>
+            <a:ln>
+              <a:noFill/>
+            </a:ln>
+            <a:effectLst>
+              <a:outerShdw blurRad="38100" dir="5400000" dist="25560" rotWithShape="0">
+                <a:srgbClr val="000000">
+                  <a:alpha val="35000"/>
+                </a:srgbClr>
+              </a:outerShdw>
+            </a:effectLst>
+          </p:spPr>
+          <p:style>
+            <a:lnRef idx="1">
+              <a:schemeClr val="accent1"/>
+            </a:lnRef>
+            <a:fillRef idx="3">
+              <a:schemeClr val="accent1"/>
+            </a:fillRef>
+            <a:effectRef idx="2">
+              <a:schemeClr val="accent1"/>
+            </a:effectRef>
+            <a:fontRef idx="minor"/>
+          </p:style>
+        </p:sp>
+        <p:sp>
+          <p:nvSpPr>
+            <p:cNvPr id="677" name="CustomShape 18"/>
+            <p:cNvSpPr/>
+            <p:nvPr/>
+          </p:nvSpPr>
+          <p:spPr>
+            <a:xfrm>
+              <a:off x="9334440" y="-8640"/>
+              <a:ext cx="2852640" cy="6864840"/>
+            </a:xfrm>
+            <a:custGeom>
+              <a:avLst/>
+              <a:gdLst/>
+              <a:ahLst/>
+              <a:rect l="l" t="t" r="r" b="b"/>
+              <a:pathLst>
+                <a:path w="2858013" h="6866467">
+                  <a:moveTo>
+                    <a:pt x="0" y="0"/>
+                  </a:moveTo>
+                  <a:lnTo>
+                    <a:pt x="2858013" y="0"/>
+                  </a:lnTo>
+                  <a:lnTo>
+                    <a:pt x="2858013" y="6866467"/>
+                  </a:lnTo>
+                  <a:lnTo>
+                    <a:pt x="2473942" y="6866467"/>
+                  </a:lnTo>
+                  <a:lnTo>
+                    <a:pt x="0" y="0"/>
+                  </a:lnTo>
+                  <a:close/>
+                </a:path>
+              </a:pathLst>
+            </a:custGeom>
+            <a:solidFill>
+              <a:schemeClr val="accent2">
+                <a:lumMod val="75000"/>
+                <a:alpha val="70000"/>
+              </a:schemeClr>
+            </a:solidFill>
+            <a:ln>
+              <a:noFill/>
+            </a:ln>
+            <a:effectLst>
+              <a:outerShdw blurRad="38100" dir="5400000" dist="25560" rotWithShape="0">
+                <a:srgbClr val="000000">
+                  <a:alpha val="35000"/>
+                </a:srgbClr>
+              </a:outerShdw>
+            </a:effectLst>
+          </p:spPr>
+          <p:style>
+            <a:lnRef idx="1">
+              <a:schemeClr val="accent1"/>
+            </a:lnRef>
+            <a:fillRef idx="3">
+              <a:schemeClr val="accent1"/>
+            </a:fillRef>
+            <a:effectRef idx="2">
+              <a:schemeClr val="accent1"/>
+            </a:effectRef>
+            <a:fontRef idx="minor"/>
+          </p:style>
+        </p:sp>
+        <p:sp>
+          <p:nvSpPr>
+            <p:cNvPr id="678" name="CustomShape 19"/>
+            <p:cNvSpPr/>
+            <p:nvPr/>
+          </p:nvSpPr>
+          <p:spPr>
+            <a:xfrm>
+              <a:off x="10898640" y="-8640"/>
+              <a:ext cx="1288440" cy="6864840"/>
+            </a:xfrm>
+            <a:custGeom>
+              <a:avLst/>
+              <a:gdLst/>
+              <a:ahLst/>
+              <a:rect l="l" t="t" r="r" b="b"/>
+              <a:pathLst>
+                <a:path w="1290094" h="6858000">
+                  <a:moveTo>
+                    <a:pt x="1019735" y="0"/>
+                  </a:moveTo>
+                  <a:lnTo>
+                    <a:pt x="1290094" y="0"/>
+                  </a:lnTo>
+                  <a:lnTo>
+                    <a:pt x="1290094" y="6858000"/>
+                  </a:lnTo>
+                  <a:lnTo>
+                    <a:pt x="0" y="6858000"/>
+                  </a:lnTo>
+                  <a:lnTo>
+                    <a:pt x="1019735" y="0"/>
+                  </a:lnTo>
+                  <a:close/>
+                </a:path>
+              </a:pathLst>
+            </a:custGeom>
+            <a:solidFill>
+              <a:schemeClr val="accent1">
+                <a:lumMod val="60000"/>
+                <a:lumOff val="40000"/>
+                <a:alpha val="70000"/>
+              </a:schemeClr>
+            </a:solidFill>
+            <a:ln>
+              <a:noFill/>
+            </a:ln>
+            <a:effectLst>
+              <a:outerShdw blurRad="38100" dir="5400000" dist="25560" rotWithShape="0">
+                <a:srgbClr val="000000">
+                  <a:alpha val="35000"/>
+                </a:srgbClr>
+              </a:outerShdw>
+            </a:effectLst>
+          </p:spPr>
+          <p:style>
+            <a:lnRef idx="1">
+              <a:schemeClr val="accent1"/>
+            </a:lnRef>
+            <a:fillRef idx="3">
+              <a:schemeClr val="accent1"/>
+            </a:fillRef>
+            <a:effectRef idx="2">
+              <a:schemeClr val="accent1"/>
+            </a:effectRef>
+            <a:fontRef idx="minor"/>
+          </p:style>
+        </p:sp>
+        <p:sp>
+          <p:nvSpPr>
+            <p:cNvPr id="679" name="CustomShape 20"/>
+            <p:cNvSpPr/>
+            <p:nvPr/>
+          </p:nvSpPr>
+          <p:spPr>
+            <a:xfrm>
+              <a:off x="10938960" y="-8640"/>
+              <a:ext cx="1248120" cy="6864840"/>
+            </a:xfrm>
+            <a:custGeom>
+              <a:avLst/>
+              <a:gdLst/>
+              <a:ahLst/>
+              <a:rect l="l" t="t" r="r" b="b"/>
+              <a:pathLst>
+                <a:path w="1249825" h="6858000">
+                  <a:moveTo>
+                    <a:pt x="0" y="0"/>
+                  </a:moveTo>
+                  <a:lnTo>
+                    <a:pt x="1249825" y="0"/>
+                  </a:lnTo>
+                  <a:lnTo>
+                    <a:pt x="1249825" y="6858000"/>
+                  </a:lnTo>
+                  <a:lnTo>
+                    <a:pt x="1109382" y="6858000"/>
+                  </a:lnTo>
+                  <a:lnTo>
+                    <a:pt x="0" y="0"/>
+                  </a:lnTo>
+                  <a:close/>
+                </a:path>
+              </a:pathLst>
+            </a:custGeom>
+            <a:solidFill>
+              <a:schemeClr val="accent1">
+                <a:alpha val="65000"/>
+              </a:schemeClr>
+            </a:solidFill>
+            <a:ln>
+              <a:noFill/>
+            </a:ln>
+            <a:effectLst>
+              <a:outerShdw blurRad="38100" dir="5400000" dist="25560" rotWithShape="0">
+                <a:srgbClr val="000000">
+                  <a:alpha val="35000"/>
+                </a:srgbClr>
+              </a:outerShdw>
+            </a:effectLst>
+          </p:spPr>
+          <p:style>
+            <a:lnRef idx="1">
+              <a:schemeClr val="accent1"/>
+            </a:lnRef>
+            <a:fillRef idx="3">
+              <a:schemeClr val="accent1"/>
+            </a:fillRef>
+            <a:effectRef idx="2">
+              <a:schemeClr val="accent1"/>
+            </a:effectRef>
+            <a:fontRef idx="minor"/>
+          </p:style>
+        </p:sp>
+        <p:sp>
+          <p:nvSpPr>
+            <p:cNvPr id="680" name="CustomShape 21"/>
+            <p:cNvSpPr/>
+            <p:nvPr/>
+          </p:nvSpPr>
+          <p:spPr>
+            <a:xfrm>
+              <a:off x="10371600" y="3589920"/>
+              <a:ext cx="1815480" cy="3266280"/>
+            </a:xfrm>
+            <a:prstGeom prst="triangle">
+              <a:avLst>
+                <a:gd name="adj" fmla="val 100000"/>
+              </a:avLst>
+            </a:prstGeom>
+            <a:solidFill>
+              <a:schemeClr val="accent1">
+                <a:alpha val="80000"/>
+              </a:schemeClr>
+            </a:solidFill>
+            <a:ln>
+              <a:noFill/>
+            </a:ln>
+            <a:effectLst>
+              <a:outerShdw blurRad="38100" dir="5400000" dist="25560" rotWithShape="0">
+                <a:srgbClr val="000000">
+                  <a:alpha val="35000"/>
+                </a:srgbClr>
+              </a:outerShdw>
+            </a:effectLst>
+          </p:spPr>
+          <p:style>
+            <a:lnRef idx="1">
+              <a:schemeClr val="accent1"/>
+            </a:lnRef>
+            <a:fillRef idx="3">
+              <a:schemeClr val="accent1"/>
+            </a:fillRef>
+            <a:effectRef idx="2">
+              <a:schemeClr val="accent1"/>
+            </a:effectRef>
+            <a:fontRef idx="minor"/>
+          </p:style>
+        </p:sp>
+        <p:sp>
+          <p:nvSpPr>
+            <p:cNvPr id="681" name="CustomShape 22"/>
+            <p:cNvSpPr/>
+            <p:nvPr/>
+          </p:nvSpPr>
+          <p:spPr>
+            <a:xfrm rot="10800000">
+              <a:off x="1800" y="1800"/>
+              <a:ext cx="840960" cy="5664240"/>
+            </a:xfrm>
+            <a:prstGeom prst="triangle">
+              <a:avLst>
+                <a:gd name="adj" fmla="val 100000"/>
+              </a:avLst>
+            </a:prstGeom>
+            <a:solidFill>
+              <a:schemeClr val="accent1">
+                <a:alpha val="85000"/>
+              </a:schemeClr>
+            </a:solidFill>
+            <a:ln>
+              <a:noFill/>
+            </a:ln>
+            <a:effectLst>
+              <a:outerShdw blurRad="38100" dir="5400000" dist="25560" rotWithShape="0">
+                <a:srgbClr val="000000">
+                  <a:alpha val="35000"/>
+                </a:srgbClr>
+              </a:outerShdw>
+            </a:effectLst>
+          </p:spPr>
+          <p:style>
+            <a:lnRef idx="1">
+              <a:schemeClr val="accent1"/>
+            </a:lnRef>
+            <a:fillRef idx="3">
+              <a:schemeClr val="accent1"/>
+            </a:fillRef>
+            <a:effectRef idx="2">
+              <a:schemeClr val="accent1"/>
+            </a:effectRef>
+            <a:fontRef idx="minor"/>
+          </p:style>
+        </p:sp>
+      </p:grpSp>
+      <p:sp>
+        <p:nvSpPr>
+          <p:cNvPr id="682" name="PlaceHolder 23"/>
+          <p:cNvSpPr>
+            <a:spLocks noGrp="1"/>
+          </p:cNvSpPr>
+          <p:nvPr>
+            <p:ph type="title"/>
+          </p:nvPr>
+        </p:nvSpPr>
+        <p:spPr>
+          <a:xfrm>
+            <a:off x="609480" y="273600"/>
+            <a:ext cx="10972440" cy="1144800"/>
+          </a:xfrm>
+          <a:prstGeom prst="rect">
+            <a:avLst/>
+          </a:prstGeom>
+        </p:spPr>
+        <p:txBody>
+          <a:bodyPr lIns="0" rIns="0" tIns="0" bIns="0" anchor="ctr">
+            <a:noAutofit/>
+          </a:bodyPr>
+          <a:p>
+            <a:r>
+              <a:rPr b="0" lang="en-US" sz="1800" spc="-1" strike="noStrike">
+                <a:solidFill>
+                  <a:srgbClr val="000000"/>
+                </a:solidFill>
+                <a:latin typeface="Arial"/>
+              </a:rPr>
+              <a:t>Click to edit the title text format</a:t>
+            </a:r>
+            <a:endParaRPr b="0" lang="en-US" sz="1800" spc="-1" strike="noStrike">
+              <a:solidFill>
+                <a:srgbClr val="000000"/>
+              </a:solidFill>
+              <a:latin typeface="Arial"/>
+            </a:endParaRPr>
+          </a:p>
+        </p:txBody>
+      </p:sp>
+      <p:sp>
+        <p:nvSpPr>
+          <p:cNvPr id="683" name="PlaceHolder 24"/>
+          <p:cNvSpPr>
+            <a:spLocks noGrp="1"/>
+          </p:cNvSpPr>
+          <p:nvPr>
+            <p:ph type="body"/>
+          </p:nvPr>
+        </p:nvSpPr>
+        <p:spPr>
+          <a:xfrm>
+            <a:off x="609480" y="1604520"/>
+            <a:ext cx="10972440" cy="3977280"/>
+          </a:xfrm>
+          <a:prstGeom prst="rect">
+            <a:avLst/>
+          </a:prstGeom>
+        </p:spPr>
+        <p:txBody>
+          <a:bodyPr lIns="0" rIns="0" tIns="0" bIns="0">
+            <a:normAutofit/>
+          </a:bodyPr>
+          <a:p>
+            <a:pPr marL="432000" indent="-324000">
+              <a:spcBef>
+                <a:spcPts val="1417"/>
+              </a:spcBef>
+              <a:buClr>
+                <a:srgbClr val="000000"/>
+              </a:buClr>
+              <a:buSzPct val="45000"/>
+              <a:buFont typeface="Wingdings" charset="2"/>
+              <a:buChar char=""/>
+            </a:pPr>
+            <a:r>
+              <a:rPr b="0" lang="en-US" sz="2800" spc="-1" strike="noStrike">
+                <a:solidFill>
+                  <a:srgbClr val="000000"/>
+                </a:solidFill>
+                <a:latin typeface="Arial"/>
+              </a:rPr>
+              <a:t>Click to edit the outline text format</a:t>
+            </a:r>
+            <a:endParaRPr b="0" lang="en-US" sz="2800" spc="-1" strike="noStrike">
+              <a:solidFill>
+                <a:srgbClr val="000000"/>
+              </a:solidFill>
+              <a:latin typeface="Arial"/>
+            </a:endParaRPr>
+          </a:p>
+          <a:p>
+            <a:pPr lvl="1" marL="864000" indent="-324000">
+              <a:spcBef>
+                <a:spcPts val="1134"/>
+              </a:spcBef>
+              <a:buClr>
+                <a:srgbClr val="000000"/>
+              </a:buClr>
+              <a:buSzPct val="75000"/>
+              <a:buFont typeface="Symbol" charset="2"/>
+              <a:buChar char=""/>
+            </a:pPr>
+            <a:r>
+              <a:rPr b="0" lang="en-US" sz="2000" spc="-1" strike="noStrike">
+                <a:solidFill>
+                  <a:srgbClr val="000000"/>
+                </a:solidFill>
+                <a:latin typeface="Arial"/>
+              </a:rPr>
+              <a:t>Second Outline Level</a:t>
+            </a:r>
+            <a:endParaRPr b="0" lang="en-US" sz="2000" spc="-1" strike="noStrike">
+              <a:solidFill>
+                <a:srgbClr val="000000"/>
+              </a:solidFill>
+              <a:latin typeface="Arial"/>
+            </a:endParaRPr>
+          </a:p>
+          <a:p>
+            <a:pPr lvl="2" marL="1296000" indent="-288000">
+              <a:spcBef>
+                <a:spcPts val="850"/>
+              </a:spcBef>
+              <a:buClr>
+                <a:srgbClr val="000000"/>
+              </a:buClr>
+              <a:buSzPct val="45000"/>
+              <a:buFont typeface="Wingdings" charset="2"/>
+              <a:buChar char=""/>
+            </a:pPr>
+            <a:r>
+              <a:rPr b="0" lang="en-US" sz="1800" spc="-1" strike="noStrike">
+                <a:solidFill>
+                  <a:srgbClr val="000000"/>
+                </a:solidFill>
+                <a:latin typeface="Arial"/>
+              </a:rPr>
+              <a:t>Third Outline Level</a:t>
+            </a:r>
+            <a:endParaRPr b="0" lang="en-US" sz="1800" spc="-1" strike="noStrike">
+              <a:solidFill>
+                <a:srgbClr val="000000"/>
+              </a:solidFill>
+              <a:latin typeface="Arial"/>
+            </a:endParaRPr>
+          </a:p>
+          <a:p>
+            <a:pPr lvl="3" marL="1728000" indent="-216000">
+              <a:spcBef>
+                <a:spcPts val="567"/>
+              </a:spcBef>
+              <a:buClr>
+                <a:srgbClr val="000000"/>
+              </a:buClr>
+              <a:buSzPct val="75000"/>
+              <a:buFont typeface="Symbol" charset="2"/>
+              <a:buChar char=""/>
+            </a:pPr>
+            <a:r>
+              <a:rPr b="0" lang="en-US" sz="1800" spc="-1" strike="noStrike">
+                <a:solidFill>
+                  <a:srgbClr val="000000"/>
+                </a:solidFill>
+                <a:latin typeface="Arial"/>
+              </a:rPr>
+              <a:t>Fourth Outline Level</a:t>
+            </a:r>
+            <a:endParaRPr b="0" lang="en-US" sz="1800" spc="-1" strike="noStrike">
+              <a:solidFill>
+                <a:srgbClr val="000000"/>
+              </a:solidFill>
+              <a:latin typeface="Arial"/>
+            </a:endParaRPr>
+          </a:p>
+          <a:p>
+            <a:pPr lvl="4" marL="2160000" indent="-216000">
+              <a:spcBef>
+                <a:spcPts val="283"/>
+              </a:spcBef>
+              <a:buClr>
+                <a:srgbClr val="000000"/>
+              </a:buClr>
+              <a:buSzPct val="45000"/>
+              <a:buFont typeface="Wingdings" charset="2"/>
+              <a:buChar char=""/>
+            </a:pPr>
+            <a:r>
+              <a:rPr b="0" lang="en-US" sz="2000" spc="-1" strike="noStrike">
+                <a:solidFill>
+                  <a:srgbClr val="000000"/>
+                </a:solidFill>
+                <a:latin typeface="Arial"/>
+              </a:rPr>
+              <a:t>Fifth Outline Level</a:t>
+            </a:r>
+            <a:endParaRPr b="0" lang="en-US" sz="2000" spc="-1" strike="noStrike">
+              <a:solidFill>
+                <a:srgbClr val="000000"/>
+              </a:solidFill>
+              <a:latin typeface="Arial"/>
+            </a:endParaRPr>
+          </a:p>
+          <a:p>
+            <a:pPr lvl="5" marL="2592000" indent="-216000">
+              <a:spcBef>
+                <a:spcPts val="283"/>
+              </a:spcBef>
+              <a:buClr>
+                <a:srgbClr val="000000"/>
+              </a:buClr>
+              <a:buSzPct val="45000"/>
+              <a:buFont typeface="Wingdings" charset="2"/>
+              <a:buChar char=""/>
+            </a:pPr>
+            <a:r>
+              <a:rPr b="0" lang="en-US" sz="2000" spc="-1" strike="noStrike">
+                <a:solidFill>
+                  <a:srgbClr val="000000"/>
+                </a:solidFill>
+                <a:latin typeface="Arial"/>
+              </a:rPr>
+              <a:t>Sixth Outline Level</a:t>
+            </a:r>
+            <a:endParaRPr b="0" lang="en-US" sz="2000" spc="-1" strike="noStrike">
+              <a:solidFill>
+                <a:srgbClr val="000000"/>
+              </a:solidFill>
+              <a:latin typeface="Arial"/>
+            </a:endParaRPr>
+          </a:p>
+          <a:p>
+            <a:pPr lvl="6" marL="3024000" indent="-216000">
+              <a:spcBef>
+                <a:spcPts val="283"/>
+              </a:spcBef>
+              <a:buClr>
+                <a:srgbClr val="000000"/>
+              </a:buClr>
+              <a:buSzPct val="45000"/>
+              <a:buFont typeface="Wingdings" charset="2"/>
+              <a:buChar char=""/>
+            </a:pPr>
+            <a:r>
+              <a:rPr b="0" lang="en-US" sz="2000" spc="-1" strike="noStrike">
+                <a:solidFill>
+                  <a:srgbClr val="000000"/>
+                </a:solidFill>
+                <a:latin typeface="Arial"/>
+              </a:rPr>
+              <a:t>Seventh Outline Level</a:t>
+            </a:r>
+            <a:endParaRPr b="0" lang="en-US" sz="2000" spc="-1" strike="noStrike">
+              <a:solidFill>
+                <a:srgbClr val="000000"/>
+              </a:solidFill>
+              <a:latin typeface="Arial"/>
+            </a:endParaRPr>
+          </a:p>
+        </p:txBody>
+      </p:sp>
+    </p:spTree>
+  </p:cSld>
+  <p:clrMap bg1="lt1" bg2="lt2" tx1="dk1" tx2="dk2" accent1="accent1" accent2="accent2" accent3="accent3" accent4="accent4" accent5="accent5" accent6="accent6" hlink="hlink" folHlink="folHlink"/>
+  <p:sldLayoutIdLst>
+    <p:sldLayoutId id="2147483792" r:id="rId2"/>
+    <p:sldLayoutId id="2147483793" r:id="rId3"/>
+    <p:sldLayoutId id="2147483794" r:id="rId4"/>
+    <p:sldLayoutId id="2147483795" r:id="rId5"/>
+    <p:sldLayoutId id="2147483796" r:id="rId6"/>
+    <p:sldLayoutId id="2147483797" r:id="rId7"/>
+    <p:sldLayoutId id="2147483798" r:id="rId8"/>
+    <p:sldLayoutId id="2147483799" r:id="rId9"/>
+    <p:sldLayoutId id="2147483800" r:id="rId10"/>
+    <p:sldLayoutId id="2147483801" r:id="rId11"/>
+    <p:sldLayoutId id="2147483802" r:id="rId12"/>
+    <p:sldLayoutId id="2147483803" r:id="rId13"/>
+  </p:sldLayoutIdLst>
+</p:sldMaster>
+</file>
+
 <file path=ppt/slideMasters/slideMaster2.xml><?xml version="1.0" encoding="utf-8"?>
 <p:sldMaster xmlns:a="http://schemas.openxmlformats.org/drawingml/2006/main" xmlns:p="http://schemas.openxmlformats.org/presentationml/2006/main" xmlns:r="http://schemas.openxmlformats.org/officeDocument/2006/relationships" xmlns:p14="http://schemas.microsoft.com/office/powerpoint/2010/main" xmlns:p15="http://schemas.microsoft.com/office/powerpoint/2012/main" xmlns:mc="http://schemas.openxmlformats.org/markup-compatibility/2006">
   <p:cSld>
@@ -31578,7 +34446,7 @@
       </p:grpSpPr>
       <p:sp>
         <p:nvSpPr>
-          <p:cNvPr id="660" name="CustomShape 1"/>
+          <p:cNvPr id="720" name="CustomShape 1"/>
           <p:cNvSpPr/>
           <p:nvPr/>
         </p:nvSpPr>
@@ -31629,7 +34497,7 @@
       </p:sp>
       <p:sp>
         <p:nvSpPr>
-          <p:cNvPr id="661" name="CustomShape 2"/>
+          <p:cNvPr id="721" name="CustomShape 2"/>
           <p:cNvSpPr/>
           <p:nvPr/>
         </p:nvSpPr>
@@ -31790,7 +34658,7 @@
       </p:sp>
       <p:sp>
         <p:nvSpPr>
-          <p:cNvPr id="662" name="CustomShape 3"/>
+          <p:cNvPr id="722" name="CustomShape 3"/>
           <p:cNvSpPr/>
           <p:nvPr/>
         </p:nvSpPr>
@@ -31856,7 +34724,7 @@
       </p:grpSpPr>
       <p:sp>
         <p:nvSpPr>
-          <p:cNvPr id="687" name="CustomShape 1"/>
+          <p:cNvPr id="745" name="CustomShape 1"/>
           <p:cNvSpPr/>
           <p:nvPr/>
         </p:nvSpPr>
@@ -31907,7 +34775,7 @@
       </p:sp>
       <p:sp>
         <p:nvSpPr>
-          <p:cNvPr id="688" name="CustomShape 2"/>
+          <p:cNvPr id="746" name="CustomShape 2"/>
           <p:cNvSpPr/>
           <p:nvPr/>
         </p:nvSpPr>
@@ -31950,16 +34818,16 @@
               <a:buChar char=""/>
             </a:pPr>
             <a:r>
-              <a:rPr b="0" lang="en-US" sz="2800" spc="-1" strike="noStrike">
+              <a:rPr b="0" lang="en-US" sz="2600" spc="-1" strike="noStrike">
                 <a:solidFill>
                   <a:srgbClr val="000000"/>
                 </a:solidFill>
                 <a:latin typeface="Arial"/>
                 <a:ea typeface="DejaVu Sans"/>
               </a:rPr>
-              <a:t>We can also use Local Binding for ease of programmability</a:t>
+              <a:t>In Racket, an atomic unit is an “expression” which can be either a value or a function call</a:t>
             </a:r>
-            <a:endParaRPr b="0" lang="en-US" sz="2800" spc="-1" strike="noStrike">
+            <a:endParaRPr b="0" lang="en-US" sz="2600" spc="-1" strike="noStrike">
               <a:latin typeface="Arial"/>
             </a:endParaRPr>
           </a:p>
@@ -31972,20 +34840,7 @@
                 <a:spcPts val="1417"/>
               </a:spcBef>
             </a:pPr>
-            <a:endParaRPr b="0" lang="en-US" sz="2800" spc="-1" strike="noStrike">
-              <a:latin typeface="Arial"/>
-            </a:endParaRPr>
-          </a:p>
-          <a:p>
-            <a:pPr>
-              <a:lnSpc>
-                <a:spcPct val="100000"/>
-              </a:lnSpc>
-              <a:spcBef>
-                <a:spcPts val="1417"/>
-              </a:spcBef>
-            </a:pPr>
-            <a:endParaRPr b="0" lang="en-US" sz="2800" spc="-1" strike="noStrike">
+            <a:endParaRPr b="0" lang="en-US" sz="2600" spc="-1" strike="noStrike">
               <a:latin typeface="Arial"/>
             </a:endParaRPr>
           </a:p>
@@ -32005,29 +34860,16 @@
               <a:buChar char=""/>
             </a:pPr>
             <a:r>
-              <a:rPr b="0" lang="en-US" sz="2800" spc="-1" strike="noStrike">
+              <a:rPr b="0" lang="en-US" sz="2600" spc="-1" strike="noStrike">
                 <a:solidFill>
                   <a:srgbClr val="000000"/>
                 </a:solidFill>
                 <a:latin typeface="Arial"/>
                 <a:ea typeface="DejaVu Sans"/>
               </a:rPr>
-              <a:t>Racket is lexically scoped</a:t>
+              <a:t>Additionally, we can define variables as function calls</a:t>
             </a:r>
-            <a:endParaRPr b="0" lang="en-US" sz="2800" spc="-1" strike="noStrike">
-              <a:latin typeface="Arial"/>
-            </a:endParaRPr>
-          </a:p>
-          <a:p>
-            <a:pPr>
-              <a:lnSpc>
-                <a:spcPct val="100000"/>
-              </a:lnSpc>
-              <a:spcBef>
-                <a:spcPts val="1417"/>
-              </a:spcBef>
-            </a:pPr>
-            <a:endParaRPr b="0" lang="en-US" sz="2800" spc="-1" strike="noStrike">
+            <a:endParaRPr b="0" lang="en-US" sz="2600" spc="-1" strike="noStrike">
               <a:latin typeface="Arial"/>
             </a:endParaRPr>
           </a:p>
@@ -32046,7 +34888,7 @@
               <a:buFont typeface="Wingdings" charset="2"/>
               <a:buChar char=""/>
             </a:pPr>
-            <a:endParaRPr b="0" lang="en-US" sz="2800" spc="-1" strike="noStrike">
+            <a:endParaRPr b="0" lang="en-US" sz="2600" spc="-1" strike="noStrike">
               <a:latin typeface="Arial"/>
             </a:endParaRPr>
           </a:p>
@@ -32059,7 +34901,7 @@
                 <a:spcPts val="1134"/>
               </a:spcBef>
             </a:pPr>
-            <a:endParaRPr b="0" lang="en-US" sz="2800" spc="-1" strike="noStrike">
+            <a:endParaRPr b="0" lang="en-US" sz="2600" spc="-1" strike="noStrike">
               <a:latin typeface="Arial"/>
             </a:endParaRPr>
           </a:p>
@@ -32067,7 +34909,7 @@
       </p:sp>
       <p:pic>
         <p:nvPicPr>
-          <p:cNvPr id="689" name="Picture 628" descr=""/>
+          <p:cNvPr id="747" name="Picture 624_1" descr=""/>
           <p:cNvPicPr/>
           <p:nvPr/>
         </p:nvPicPr>
@@ -32077,8 +34919,8 @@
         </p:blipFill>
         <p:spPr>
           <a:xfrm>
-            <a:off x="1584360" y="2701800"/>
-            <a:ext cx="3548160" cy="1216440"/>
+            <a:off x="2834640" y="3108960"/>
+            <a:ext cx="5286240" cy="295200"/>
           </a:xfrm>
           <a:prstGeom prst="rect">
             <a:avLst/>
@@ -32090,7 +34932,7 @@
       </p:pic>
       <p:pic>
         <p:nvPicPr>
-          <p:cNvPr id="690" name="Picture 629" descr=""/>
+          <p:cNvPr id="748" name="Picture 625_1" descr=""/>
           <p:cNvPicPr/>
           <p:nvPr/>
         </p:nvPicPr>
@@ -32100,54 +34942,8 @@
         </p:blipFill>
         <p:spPr>
           <a:xfrm>
-            <a:off x="1554480" y="4572000"/>
-            <a:ext cx="6127200" cy="1371240"/>
-          </a:xfrm>
-          <a:prstGeom prst="rect">
-            <a:avLst/>
-          </a:prstGeom>
-          <a:ln>
-            <a:noFill/>
-          </a:ln>
-        </p:spPr>
-      </p:pic>
-      <p:pic>
-        <p:nvPicPr>
-          <p:cNvPr id="691" name="Picture 630" descr=""/>
-          <p:cNvPicPr/>
-          <p:nvPr/>
-        </p:nvPicPr>
-        <p:blipFill>
-          <a:blip r:embed="rId3"/>
-          <a:stretch/>
-        </p:blipFill>
-        <p:spPr>
-          <a:xfrm>
-            <a:off x="7756560" y="4987440"/>
-            <a:ext cx="2572920" cy="957240"/>
-          </a:xfrm>
-          <a:prstGeom prst="rect">
-            <a:avLst/>
-          </a:prstGeom>
-          <a:ln>
-            <a:noFill/>
-          </a:ln>
-        </p:spPr>
-      </p:pic>
-      <p:pic>
-        <p:nvPicPr>
-          <p:cNvPr id="692" name="Picture 631" descr=""/>
-          <p:cNvPicPr/>
-          <p:nvPr/>
-        </p:nvPicPr>
-        <p:blipFill>
-          <a:blip r:embed="rId4"/>
-          <a:stretch/>
-        </p:blipFill>
-        <p:spPr>
-          <a:xfrm>
-            <a:off x="5916960" y="2690280"/>
-            <a:ext cx="4285080" cy="748080"/>
+            <a:off x="3566160" y="4297680"/>
+            <a:ext cx="3831480" cy="648720"/>
           </a:xfrm>
           <a:prstGeom prst="rect">
             <a:avLst/>
@@ -32189,7 +34985,7 @@
       </p:grpSpPr>
       <p:sp>
         <p:nvSpPr>
-          <p:cNvPr id="693" name="CustomShape 1"/>
+          <p:cNvPr id="749" name="CustomShape 1"/>
           <p:cNvSpPr/>
           <p:nvPr/>
         </p:nvSpPr>
@@ -32223,7 +35019,7 @@
               </a:lnSpc>
             </a:pPr>
             <a:r>
-              <a:rPr b="0" lang="en-US" sz="4800" spc="-1" strike="noStrike">
+              <a:rPr b="0" lang="en-US" sz="5400" spc="-1" strike="noStrike">
                 <a:solidFill>
                   <a:srgbClr val="4f81bd"/>
                 </a:solidFill>
@@ -32232,15 +35028,15 @@
               </a:rPr>
               <a:t>The Racket Language</a:t>
             </a:r>
-            <a:endParaRPr b="0" lang="en-US" sz="4800" spc="-1" strike="noStrike">
-              <a:latin typeface="Arial"/>
-            </a:endParaRPr>
-          </a:p>
-        </p:txBody>
-      </p:sp>
-      <p:sp>
-        <p:nvSpPr>
-          <p:cNvPr id="694" name="CustomShape 2"/>
+            <a:endParaRPr b="0" lang="en-US" sz="5400" spc="-1" strike="noStrike">
+              <a:latin typeface="Arial"/>
+            </a:endParaRPr>
+          </a:p>
+        </p:txBody>
+      </p:sp>
+      <p:sp>
+        <p:nvSpPr>
+          <p:cNvPr id="750" name="CustomShape 2"/>
           <p:cNvSpPr/>
           <p:nvPr/>
         </p:nvSpPr>
@@ -32290,14 +35086,40 @@
                 <a:latin typeface="Arial"/>
                 <a:ea typeface="DejaVu Sans"/>
               </a:rPr>
-              <a:t>Racket also supports</a:t>
+              <a:t>We can also use Local Binding for ease of programmability</a:t>
             </a:r>
             <a:endParaRPr b="0" lang="en-US" sz="2800" spc="-1" strike="noStrike">
               <a:latin typeface="Arial"/>
             </a:endParaRPr>
           </a:p>
           <a:p>
-            <a:pPr lvl="2" marL="648000" indent="-215640">
+            <a:pPr>
+              <a:lnSpc>
+                <a:spcPct val="100000"/>
+              </a:lnSpc>
+              <a:spcBef>
+                <a:spcPts val="1417"/>
+              </a:spcBef>
+            </a:pPr>
+            <a:endParaRPr b="0" lang="en-US" sz="2800" spc="-1" strike="noStrike">
+              <a:latin typeface="Arial"/>
+            </a:endParaRPr>
+          </a:p>
+          <a:p>
+            <a:pPr>
+              <a:lnSpc>
+                <a:spcPct val="100000"/>
+              </a:lnSpc>
+              <a:spcBef>
+                <a:spcPts val="1417"/>
+              </a:spcBef>
+            </a:pPr>
+            <a:endParaRPr b="0" lang="en-US" sz="2800" spc="-1" strike="noStrike">
+              <a:latin typeface="Arial"/>
+            </a:endParaRPr>
+          </a:p>
+          <a:p>
+            <a:pPr marL="432000" indent="-322920">
               <a:lnSpc>
                 <a:spcPct val="100000"/>
               </a:lnSpc>
@@ -32319,14 +35141,27 @@
                 <a:latin typeface="Arial"/>
                 <a:ea typeface="DejaVu Sans"/>
               </a:rPr>
-              <a:t>Lists</a:t>
+              <a:t>Racket is lexically scoped (lexical closure)</a:t>
             </a:r>
             <a:endParaRPr b="0" lang="en-US" sz="2800" spc="-1" strike="noStrike">
               <a:latin typeface="Arial"/>
             </a:endParaRPr>
           </a:p>
           <a:p>
-            <a:pPr lvl="2" marL="648000" indent="-215640">
+            <a:pPr>
+              <a:lnSpc>
+                <a:spcPct val="100000"/>
+              </a:lnSpc>
+              <a:spcBef>
+                <a:spcPts val="1417"/>
+              </a:spcBef>
+            </a:pPr>
+            <a:endParaRPr b="0" lang="en-US" sz="2800" spc="-1" strike="noStrike">
+              <a:latin typeface="Arial"/>
+            </a:endParaRPr>
+          </a:p>
+          <a:p>
+            <a:pPr marL="432000" indent="-322920">
               <a:lnSpc>
                 <a:spcPct val="100000"/>
               </a:lnSpc>
@@ -32340,74 +35175,6 @@
               <a:buFont typeface="Wingdings" charset="2"/>
               <a:buChar char=""/>
             </a:pPr>
-            <a:r>
-              <a:rPr b="0" lang="en-US" sz="2800" spc="-1" strike="noStrike">
-                <a:solidFill>
-                  <a:srgbClr val="000000"/>
-                </a:solidFill>
-                <a:latin typeface="Arial"/>
-                <a:ea typeface="DejaVu Sans"/>
-              </a:rPr>
-              <a:t>Objects</a:t>
-            </a:r>
-            <a:endParaRPr b="0" lang="en-US" sz="2800" spc="-1" strike="noStrike">
-              <a:latin typeface="Arial"/>
-            </a:endParaRPr>
-          </a:p>
-          <a:p>
-            <a:pPr lvl="2" marL="648000" indent="-215640">
-              <a:lnSpc>
-                <a:spcPct val="100000"/>
-              </a:lnSpc>
-              <a:spcBef>
-                <a:spcPts val="1417"/>
-              </a:spcBef>
-              <a:buClr>
-                <a:srgbClr val="000000"/>
-              </a:buClr>
-              <a:buSzPct val="45000"/>
-              <a:buFont typeface="Wingdings" charset="2"/>
-              <a:buChar char=""/>
-            </a:pPr>
-            <a:r>
-              <a:rPr b="0" lang="en-US" sz="2800" spc="-1" strike="noStrike">
-                <a:solidFill>
-                  <a:srgbClr val="000000"/>
-                </a:solidFill>
-                <a:latin typeface="Arial"/>
-                <a:ea typeface="DejaVu Sans"/>
-              </a:rPr>
-              <a:t>Modules</a:t>
-            </a:r>
-            <a:endParaRPr b="0" lang="en-US" sz="2800" spc="-1" strike="noStrike">
-              <a:latin typeface="Arial"/>
-            </a:endParaRPr>
-          </a:p>
-          <a:p>
-            <a:pPr lvl="2" marL="648000" indent="-215640">
-              <a:lnSpc>
-                <a:spcPct val="100000"/>
-              </a:lnSpc>
-              <a:spcBef>
-                <a:spcPts val="1417"/>
-              </a:spcBef>
-              <a:buClr>
-                <a:srgbClr val="000000"/>
-              </a:buClr>
-              <a:buSzPct val="45000"/>
-              <a:buFont typeface="Wingdings" charset="2"/>
-              <a:buChar char=""/>
-            </a:pPr>
-            <a:r>
-              <a:rPr b="0" lang="en-US" sz="2800" spc="-1" strike="noStrike">
-                <a:solidFill>
-                  <a:srgbClr val="000000"/>
-                </a:solidFill>
-                <a:latin typeface="Arial"/>
-                <a:ea typeface="DejaVu Sans"/>
-              </a:rPr>
-              <a:t>Etc </a:t>
-            </a:r>
             <a:endParaRPr b="0" lang="en-US" sz="2800" spc="-1" strike="noStrike">
               <a:latin typeface="Arial"/>
             </a:endParaRPr>
@@ -32427,6 +35194,98 @@
           </a:p>
         </p:txBody>
       </p:sp>
+      <p:pic>
+        <p:nvPicPr>
+          <p:cNvPr id="751" name="Picture 628" descr=""/>
+          <p:cNvPicPr/>
+          <p:nvPr/>
+        </p:nvPicPr>
+        <p:blipFill>
+          <a:blip r:embed="rId1"/>
+          <a:stretch/>
+        </p:blipFill>
+        <p:spPr>
+          <a:xfrm>
+            <a:off x="1584360" y="2701800"/>
+            <a:ext cx="3548160" cy="1216440"/>
+          </a:xfrm>
+          <a:prstGeom prst="rect">
+            <a:avLst/>
+          </a:prstGeom>
+          <a:ln>
+            <a:noFill/>
+          </a:ln>
+        </p:spPr>
+      </p:pic>
+      <p:pic>
+        <p:nvPicPr>
+          <p:cNvPr id="752" name="Picture 629" descr=""/>
+          <p:cNvPicPr/>
+          <p:nvPr/>
+        </p:nvPicPr>
+        <p:blipFill>
+          <a:blip r:embed="rId2"/>
+          <a:stretch/>
+        </p:blipFill>
+        <p:spPr>
+          <a:xfrm>
+            <a:off x="1554480" y="4572000"/>
+            <a:ext cx="6127200" cy="1371240"/>
+          </a:xfrm>
+          <a:prstGeom prst="rect">
+            <a:avLst/>
+          </a:prstGeom>
+          <a:ln>
+            <a:noFill/>
+          </a:ln>
+        </p:spPr>
+      </p:pic>
+      <p:pic>
+        <p:nvPicPr>
+          <p:cNvPr id="753" name="Picture 630" descr=""/>
+          <p:cNvPicPr/>
+          <p:nvPr/>
+        </p:nvPicPr>
+        <p:blipFill>
+          <a:blip r:embed="rId3"/>
+          <a:stretch/>
+        </p:blipFill>
+        <p:spPr>
+          <a:xfrm>
+            <a:off x="7756560" y="4987440"/>
+            <a:ext cx="2572920" cy="957240"/>
+          </a:xfrm>
+          <a:prstGeom prst="rect">
+            <a:avLst/>
+          </a:prstGeom>
+          <a:ln>
+            <a:noFill/>
+          </a:ln>
+        </p:spPr>
+      </p:pic>
+      <p:pic>
+        <p:nvPicPr>
+          <p:cNvPr id="754" name="Picture 631" descr=""/>
+          <p:cNvPicPr/>
+          <p:nvPr/>
+        </p:nvPicPr>
+        <p:blipFill>
+          <a:blip r:embed="rId4"/>
+          <a:stretch/>
+        </p:blipFill>
+        <p:spPr>
+          <a:xfrm>
+            <a:off x="5916960" y="2690280"/>
+            <a:ext cx="4285080" cy="748080"/>
+          </a:xfrm>
+          <a:prstGeom prst="rect">
+            <a:avLst/>
+          </a:prstGeom>
+          <a:ln>
+            <a:noFill/>
+          </a:ln>
+        </p:spPr>
+      </p:pic>
     </p:spTree>
   </p:cSld>
   <mc:AlternateContent>
@@ -32459,7 +35318,7 @@
       </p:grpSpPr>
       <p:sp>
         <p:nvSpPr>
-          <p:cNvPr id="695" name="CustomShape 1"/>
+          <p:cNvPr id="755" name="CustomShape 1"/>
           <p:cNvSpPr/>
           <p:nvPr/>
         </p:nvSpPr>
@@ -32500,7 +35359,7 @@
                 <a:latin typeface="Trebuchet MS"/>
                 <a:ea typeface="DejaVu Sans"/>
               </a:rPr>
-              <a:t>Main Features of Racket</a:t>
+              <a:t>The Racket Language</a:t>
             </a:r>
             <a:endParaRPr b="0" lang="en-US" sz="4800" spc="-1" strike="noStrike">
               <a:latin typeface="Arial"/>
@@ -32510,7 +35369,325 @@
       </p:sp>
       <p:sp>
         <p:nvSpPr>
-          <p:cNvPr id="696" name="CustomShape 2"/>
+          <p:cNvPr id="756" name="CustomShape 2"/>
+          <p:cNvSpPr/>
+          <p:nvPr/>
+        </p:nvSpPr>
+        <p:spPr>
+          <a:xfrm>
+            <a:off x="457560" y="2057760"/>
+            <a:ext cx="10971360" cy="3976200"/>
+          </a:xfrm>
+          <a:prstGeom prst="rect">
+            <a:avLst/>
+          </a:prstGeom>
+          <a:noFill/>
+          <a:ln>
+            <a:noFill/>
+          </a:ln>
+        </p:spPr>
+        <p:style>
+          <a:lnRef idx="0"/>
+          <a:fillRef idx="0"/>
+          <a:effectRef idx="0"/>
+          <a:fontRef idx="minor"/>
+        </p:style>
+        <p:txBody>
+          <a:bodyPr lIns="0" rIns="0" tIns="0" bIns="0">
+            <a:normAutofit/>
+          </a:bodyPr>
+          <a:p>
+            <a:pPr marL="432000" indent="-322920">
+              <a:lnSpc>
+                <a:spcPct val="100000"/>
+              </a:lnSpc>
+              <a:spcBef>
+                <a:spcPts val="1417"/>
+              </a:spcBef>
+              <a:buClr>
+                <a:srgbClr val="000000"/>
+              </a:buClr>
+              <a:buSzPct val="45000"/>
+              <a:buFont typeface="Wingdings" charset="2"/>
+              <a:buChar char=""/>
+            </a:pPr>
+            <a:r>
+              <a:rPr b="0" lang="en-US" sz="2800" spc="-1" strike="noStrike">
+                <a:solidFill>
+                  <a:srgbClr val="000000"/>
+                </a:solidFill>
+                <a:latin typeface="Arial"/>
+                <a:ea typeface="DejaVu Sans"/>
+              </a:rPr>
+              <a:t>Racket also supports</a:t>
+            </a:r>
+            <a:endParaRPr b="0" lang="en-US" sz="2800" spc="-1" strike="noStrike">
+              <a:latin typeface="Arial"/>
+            </a:endParaRPr>
+          </a:p>
+          <a:p>
+            <a:pPr lvl="2" marL="648000" indent="-215640">
+              <a:lnSpc>
+                <a:spcPct val="100000"/>
+              </a:lnSpc>
+              <a:spcBef>
+                <a:spcPts val="1417"/>
+              </a:spcBef>
+              <a:buClr>
+                <a:srgbClr val="000000"/>
+              </a:buClr>
+              <a:buSzPct val="45000"/>
+              <a:buFont typeface="Wingdings" charset="2"/>
+              <a:buChar char=""/>
+            </a:pPr>
+            <a:r>
+              <a:rPr b="0" lang="en-US" sz="2800" spc="-1" strike="noStrike">
+                <a:solidFill>
+                  <a:srgbClr val="000000"/>
+                </a:solidFill>
+                <a:latin typeface="Arial"/>
+                <a:ea typeface="DejaVu Sans"/>
+              </a:rPr>
+              <a:t>Lists</a:t>
+            </a:r>
+            <a:endParaRPr b="0" lang="en-US" sz="2800" spc="-1" strike="noStrike">
+              <a:latin typeface="Arial"/>
+            </a:endParaRPr>
+          </a:p>
+          <a:p>
+            <a:pPr lvl="2" marL="648000" indent="-215640">
+              <a:lnSpc>
+                <a:spcPct val="100000"/>
+              </a:lnSpc>
+              <a:spcBef>
+                <a:spcPts val="1417"/>
+              </a:spcBef>
+              <a:buClr>
+                <a:srgbClr val="000000"/>
+              </a:buClr>
+              <a:buSzPct val="45000"/>
+              <a:buFont typeface="Wingdings" charset="2"/>
+              <a:buChar char=""/>
+            </a:pPr>
+            <a:r>
+              <a:rPr b="0" lang="en-US" sz="2800" spc="-1" strike="noStrike">
+                <a:solidFill>
+                  <a:srgbClr val="000000"/>
+                </a:solidFill>
+                <a:latin typeface="Arial"/>
+                <a:ea typeface="DejaVu Sans"/>
+              </a:rPr>
+              <a:t>Objects</a:t>
+            </a:r>
+            <a:endParaRPr b="0" lang="en-US" sz="2800" spc="-1" strike="noStrike">
+              <a:latin typeface="Arial"/>
+            </a:endParaRPr>
+          </a:p>
+          <a:p>
+            <a:pPr lvl="2" marL="648000" indent="-215640">
+              <a:lnSpc>
+                <a:spcPct val="100000"/>
+              </a:lnSpc>
+              <a:spcBef>
+                <a:spcPts val="1417"/>
+              </a:spcBef>
+              <a:buClr>
+                <a:srgbClr val="000000"/>
+              </a:buClr>
+              <a:buSzPct val="45000"/>
+              <a:buFont typeface="Wingdings" charset="2"/>
+              <a:buChar char=""/>
+            </a:pPr>
+            <a:r>
+              <a:rPr b="0" lang="en-US" sz="2800" spc="-1" strike="noStrike">
+                <a:solidFill>
+                  <a:srgbClr val="000000"/>
+                </a:solidFill>
+                <a:latin typeface="Arial"/>
+                <a:ea typeface="DejaVu Sans"/>
+              </a:rPr>
+              <a:t>Modules</a:t>
+            </a:r>
+            <a:endParaRPr b="0" lang="en-US" sz="2800" spc="-1" strike="noStrike">
+              <a:latin typeface="Arial"/>
+            </a:endParaRPr>
+          </a:p>
+          <a:p>
+            <a:pPr lvl="2" marL="648000" indent="-215640">
+              <a:lnSpc>
+                <a:spcPct val="100000"/>
+              </a:lnSpc>
+              <a:spcBef>
+                <a:spcPts val="1417"/>
+              </a:spcBef>
+              <a:buClr>
+                <a:srgbClr val="000000"/>
+              </a:buClr>
+              <a:buSzPct val="45000"/>
+              <a:buFont typeface="Wingdings" charset="2"/>
+              <a:buChar char=""/>
+            </a:pPr>
+            <a:r>
+              <a:rPr b="0" lang="en-US" sz="2800" spc="-1" strike="noStrike">
+                <a:solidFill>
+                  <a:srgbClr val="000000"/>
+                </a:solidFill>
+                <a:latin typeface="Arial"/>
+                <a:ea typeface="DejaVu Sans"/>
+              </a:rPr>
+              <a:t>Etc </a:t>
+            </a:r>
+            <a:endParaRPr b="0" lang="en-US" sz="2800" spc="-1" strike="noStrike">
+              <a:latin typeface="Arial"/>
+            </a:endParaRPr>
+          </a:p>
+          <a:p>
+            <a:pPr lvl="2" marL="648000" indent="-215640">
+              <a:lnSpc>
+                <a:spcPct val="100000"/>
+              </a:lnSpc>
+              <a:spcBef>
+                <a:spcPts val="1417"/>
+              </a:spcBef>
+              <a:buClr>
+                <a:srgbClr val="000000"/>
+              </a:buClr>
+              <a:buSzPct val="45000"/>
+              <a:buFont typeface="Wingdings" charset="2"/>
+              <a:buChar char=""/>
+            </a:pPr>
+            <a:endParaRPr b="0" lang="en-US" sz="2800" spc="-1" strike="noStrike">
+              <a:latin typeface="Arial"/>
+            </a:endParaRPr>
+          </a:p>
+          <a:p>
+            <a:pPr lvl="2" marL="648000" indent="-215640">
+              <a:lnSpc>
+                <a:spcPct val="100000"/>
+              </a:lnSpc>
+              <a:spcBef>
+                <a:spcPts val="1417"/>
+              </a:spcBef>
+              <a:buClr>
+                <a:srgbClr val="000000"/>
+              </a:buClr>
+              <a:buSzPct val="45000"/>
+              <a:buFont typeface="Wingdings" charset="2"/>
+              <a:buChar char=""/>
+            </a:pPr>
+            <a:r>
+              <a:rPr b="0" lang="en-US" sz="2800" spc="-1" strike="noStrike">
+                <a:solidFill>
+                  <a:srgbClr val="000000"/>
+                </a:solidFill>
+                <a:latin typeface="Arial"/>
+                <a:ea typeface="DejaVu Sans"/>
+              </a:rPr>
+              <a:t>For more info, see the racket language manual [8]</a:t>
+            </a:r>
+            <a:endParaRPr b="0" lang="en-US" sz="2800" spc="-1" strike="noStrike">
+              <a:latin typeface="Arial"/>
+            </a:endParaRPr>
+          </a:p>
+          <a:p>
+            <a:pPr>
+              <a:lnSpc>
+                <a:spcPct val="100000"/>
+              </a:lnSpc>
+              <a:spcBef>
+                <a:spcPts val="1134"/>
+              </a:spcBef>
+            </a:pPr>
+            <a:endParaRPr b="0" lang="en-US" sz="2800" spc="-1" strike="noStrike">
+              <a:latin typeface="Arial"/>
+            </a:endParaRPr>
+          </a:p>
+        </p:txBody>
+      </p:sp>
+    </p:spTree>
+  </p:cSld>
+  <mc:AlternateContent>
+    <mc:Choice Requires="p14">
+      <p:transition spd="slow" p14:dur="2000"/>
+    </mc:Choice>
+    <mc:Fallback>
+      <p:transition spd="slow"/>
+    </mc:Fallback>
+  </mc:AlternateContent>
+</p:sld>
+</file>
+
+<file path=ppt/slides/slide13.xml><?xml version="1.0" encoding="utf-8"?>
+<p:sld xmlns:a="http://schemas.openxmlformats.org/drawingml/2006/main" xmlns:p="http://schemas.openxmlformats.org/presentationml/2006/main" xmlns:r="http://schemas.openxmlformats.org/officeDocument/2006/relationships" xmlns:p14="http://schemas.microsoft.com/office/powerpoint/2010/main" xmlns:p15="http://schemas.microsoft.com/office/powerpoint/2012/main" xmlns:mc="http://schemas.openxmlformats.org/markup-compatibility/2006">
+  <p:cSld>
+    <p:spTree>
+      <p:nvGrpSpPr>
+        <p:cNvPr id="1" name=""/>
+        <p:cNvGrpSpPr/>
+        <p:nvPr/>
+      </p:nvGrpSpPr>
+      <p:grpSpPr>
+        <a:xfrm>
+          <a:off x="0" y="0"/>
+          <a:ext cx="0" cy="0"/>
+          <a:chOff x="0" y="0"/>
+          <a:chExt cx="0" cy="0"/>
+        </a:xfrm>
+      </p:grpSpPr>
+      <p:sp>
+        <p:nvSpPr>
+          <p:cNvPr id="757" name="CustomShape 1"/>
+          <p:cNvSpPr/>
+          <p:nvPr/>
+        </p:nvSpPr>
+        <p:spPr>
+          <a:xfrm>
+            <a:off x="2011680" y="274680"/>
+            <a:ext cx="7765200" cy="1644480"/>
+          </a:xfrm>
+          <a:prstGeom prst="rect">
+            <a:avLst/>
+          </a:prstGeom>
+          <a:noFill/>
+          <a:ln>
+            <a:noFill/>
+          </a:ln>
+        </p:spPr>
+        <p:style>
+          <a:lnRef idx="0"/>
+          <a:fillRef idx="0"/>
+          <a:effectRef idx="0"/>
+          <a:fontRef idx="minor"/>
+        </p:style>
+        <p:txBody>
+          <a:bodyPr lIns="0" rIns="0" tIns="0" bIns="0" anchor="ctr">
+            <a:noAutofit/>
+          </a:bodyPr>
+          <a:p>
+            <a:pPr algn="r">
+              <a:lnSpc>
+                <a:spcPct val="100000"/>
+              </a:lnSpc>
+            </a:pPr>
+            <a:r>
+              <a:rPr b="0" lang="en-US" sz="4800" spc="-1" strike="noStrike">
+                <a:solidFill>
+                  <a:srgbClr val="4f81bd"/>
+                </a:solidFill>
+                <a:latin typeface="Trebuchet MS"/>
+                <a:ea typeface="DejaVu Sans"/>
+              </a:rPr>
+              <a:t>Main Features / Strengths of Racket</a:t>
+            </a:r>
+            <a:endParaRPr b="0" lang="en-US" sz="4800" spc="-1" strike="noStrike">
+              <a:latin typeface="Arial"/>
+            </a:endParaRPr>
+          </a:p>
+        </p:txBody>
+      </p:sp>
+      <p:sp>
+        <p:nvSpPr>
+          <p:cNvPr id="758" name="CustomShape 2"/>
           <p:cNvSpPr/>
           <p:nvPr/>
         </p:nvSpPr>
@@ -33729,7 +36906,7 @@
       </p:sp>
       <p:pic>
         <p:nvPicPr>
-          <p:cNvPr id="697" name="" descr=""/>
+          <p:cNvPr id="759" name="" descr=""/>
           <p:cNvPicPr/>
           <p:nvPr/>
         </p:nvPicPr>
@@ -33752,7 +36929,7 @@
       </p:pic>
       <p:pic>
         <p:nvPicPr>
-          <p:cNvPr id="698" name="" descr=""/>
+          <p:cNvPr id="760" name="" descr=""/>
           <p:cNvPicPr/>
           <p:nvPr/>
         </p:nvPicPr>
@@ -33764,279 +36941,6 @@
           <a:xfrm>
             <a:off x="6016320" y="2560320"/>
             <a:ext cx="2761920" cy="1371240"/>
-          </a:xfrm>
-          <a:prstGeom prst="rect">
-            <a:avLst/>
-          </a:prstGeom>
-          <a:ln>
-            <a:noFill/>
-          </a:ln>
-        </p:spPr>
-      </p:pic>
-    </p:spTree>
-  </p:cSld>
-  <mc:AlternateContent>
-    <mc:Choice Requires="p14">
-      <p:transition spd="slow" p14:dur="2000"/>
-    </mc:Choice>
-    <mc:Fallback>
-      <p:transition spd="slow"/>
-    </mc:Fallback>
-  </mc:AlternateContent>
-</p:sld>
-</file>
-
-<file path=ppt/slides/slide13.xml><?xml version="1.0" encoding="utf-8"?>
-<p:sld xmlns:a="http://schemas.openxmlformats.org/drawingml/2006/main" xmlns:p="http://schemas.openxmlformats.org/presentationml/2006/main" xmlns:r="http://schemas.openxmlformats.org/officeDocument/2006/relationships" xmlns:p14="http://schemas.microsoft.com/office/powerpoint/2010/main" xmlns:p15="http://schemas.microsoft.com/office/powerpoint/2012/main" xmlns:mc="http://schemas.openxmlformats.org/markup-compatibility/2006">
-  <p:cSld>
-    <p:spTree>
-      <p:nvGrpSpPr>
-        <p:cNvPr id="1" name=""/>
-        <p:cNvGrpSpPr/>
-        <p:nvPr/>
-      </p:nvGrpSpPr>
-      <p:grpSpPr>
-        <a:xfrm>
-          <a:off x="0" y="0"/>
-          <a:ext cx="0" cy="0"/>
-          <a:chOff x="0" y="0"/>
-          <a:chExt cx="0" cy="0"/>
-        </a:xfrm>
-      </p:grpSpPr>
-      <p:sp>
-        <p:nvSpPr>
-          <p:cNvPr id="699" name="CustomShape 1"/>
-          <p:cNvSpPr/>
-          <p:nvPr/>
-        </p:nvSpPr>
-        <p:spPr>
-          <a:xfrm>
-            <a:off x="2011680" y="274680"/>
-            <a:ext cx="7765200" cy="1644480"/>
-          </a:xfrm>
-          <a:prstGeom prst="rect">
-            <a:avLst/>
-          </a:prstGeom>
-          <a:noFill/>
-          <a:ln>
-            <a:noFill/>
-          </a:ln>
-        </p:spPr>
-        <p:style>
-          <a:lnRef idx="0"/>
-          <a:fillRef idx="0"/>
-          <a:effectRef idx="0"/>
-          <a:fontRef idx="minor"/>
-        </p:style>
-        <p:txBody>
-          <a:bodyPr lIns="0" rIns="0" tIns="0" bIns="0" anchor="ctr">
-            <a:noAutofit/>
-          </a:bodyPr>
-          <a:p>
-            <a:pPr algn="r">
-              <a:lnSpc>
-                <a:spcPct val="100000"/>
-              </a:lnSpc>
-            </a:pPr>
-            <a:r>
-              <a:rPr b="0" lang="en-US" sz="4800" spc="-1" strike="noStrike">
-                <a:solidFill>
-                  <a:srgbClr val="4f81bd"/>
-                </a:solidFill>
-                <a:latin typeface="Trebuchet MS"/>
-                <a:ea typeface="DejaVu Sans"/>
-              </a:rPr>
-              <a:t>Main Features of Racket</a:t>
-            </a:r>
-            <a:endParaRPr b="0" lang="en-US" sz="4800" spc="-1" strike="noStrike">
-              <a:latin typeface="Arial"/>
-            </a:endParaRPr>
-          </a:p>
-        </p:txBody>
-      </p:sp>
-      <p:sp>
-        <p:nvSpPr>
-          <p:cNvPr id="700" name="CustomShape 2"/>
-          <p:cNvSpPr/>
-          <p:nvPr/>
-        </p:nvSpPr>
-        <p:spPr>
-          <a:xfrm>
-            <a:off x="457560" y="2057760"/>
-            <a:ext cx="10971360" cy="3976200"/>
-          </a:xfrm>
-          <a:prstGeom prst="rect">
-            <a:avLst/>
-          </a:prstGeom>
-          <a:noFill/>
-          <a:ln>
-            <a:noFill/>
-          </a:ln>
-        </p:spPr>
-        <p:style>
-          <a:lnRef idx="0"/>
-          <a:fillRef idx="0"/>
-          <a:effectRef idx="0"/>
-          <a:fontRef idx="minor"/>
-        </p:style>
-        <p:txBody>
-          <a:bodyPr lIns="0" rIns="0" tIns="0" bIns="0">
-            <a:normAutofit/>
-          </a:bodyPr>
-          <a:p>
-            <a:pPr marL="432000" indent="-322920">
-              <a:lnSpc>
-                <a:spcPct val="100000"/>
-              </a:lnSpc>
-              <a:spcBef>
-                <a:spcPts val="1417"/>
-              </a:spcBef>
-              <a:buClr>
-                <a:srgbClr val="000000"/>
-              </a:buClr>
-              <a:buSzPct val="45000"/>
-              <a:buFont typeface="Wingdings" charset="2"/>
-              <a:buChar char=""/>
-            </a:pPr>
-            <a:r>
-              <a:rPr b="0" lang="en-US" sz="2800" spc="-1" strike="noStrike">
-                <a:solidFill>
-                  <a:srgbClr val="000000"/>
-                </a:solidFill>
-                <a:latin typeface="Arial"/>
-                <a:ea typeface="DejaVu Sans"/>
-              </a:rPr>
-              <a:t>Macros (define-syntax-rule)</a:t>
-            </a:r>
-            <a:endParaRPr b="0" lang="en-US" sz="2800" spc="-1" strike="noStrike">
-              <a:latin typeface="Arial"/>
-            </a:endParaRPr>
-          </a:p>
-          <a:p>
-            <a:pPr lvl="2" marL="648000" indent="-216000">
-              <a:lnSpc>
-                <a:spcPct val="100000"/>
-              </a:lnSpc>
-              <a:spcBef>
-                <a:spcPts val="1417"/>
-              </a:spcBef>
-              <a:buClr>
-                <a:srgbClr val="000000"/>
-              </a:buClr>
-              <a:buSzPct val="45000"/>
-              <a:buFont typeface="Wingdings" charset="2"/>
-              <a:buChar char=""/>
-            </a:pPr>
-            <a:endParaRPr b="0" lang="en-US" sz="2800" spc="-1" strike="noStrike">
-              <a:latin typeface="Arial"/>
-            </a:endParaRPr>
-          </a:p>
-          <a:p>
-            <a:pPr lvl="2" marL="648000" indent="-216000">
-              <a:lnSpc>
-                <a:spcPct val="100000"/>
-              </a:lnSpc>
-              <a:spcBef>
-                <a:spcPts val="1417"/>
-              </a:spcBef>
-              <a:buClr>
-                <a:srgbClr val="000000"/>
-              </a:buClr>
-              <a:buSzPct val="45000"/>
-              <a:buFont typeface="Wingdings" charset="2"/>
-              <a:buChar char=""/>
-            </a:pPr>
-            <a:endParaRPr b="0" lang="en-US" sz="2800" spc="-1" strike="noStrike">
-              <a:latin typeface="Arial"/>
-            </a:endParaRPr>
-          </a:p>
-          <a:p>
-            <a:pPr lvl="2" marL="648000" indent="-216000">
-              <a:lnSpc>
-                <a:spcPct val="100000"/>
-              </a:lnSpc>
-              <a:spcBef>
-                <a:spcPts val="1417"/>
-              </a:spcBef>
-              <a:buClr>
-                <a:srgbClr val="000000"/>
-              </a:buClr>
-              <a:buSzPct val="45000"/>
-              <a:buFont typeface="Wingdings" charset="2"/>
-              <a:buChar char=""/>
-            </a:pPr>
-            <a:r>
-              <a:rPr b="0" lang="en-US" sz="2800" spc="-1" strike="noStrike">
-                <a:solidFill>
-                  <a:srgbClr val="000000"/>
-                </a:solidFill>
-                <a:latin typeface="Arial"/>
-                <a:ea typeface="DejaVu Sans"/>
-              </a:rPr>
-              <a:t>Binds a macro that matches a single pattern</a:t>
-            </a:r>
-            <a:endParaRPr b="0" lang="en-US" sz="2800" spc="-1" strike="noStrike">
-              <a:latin typeface="Arial"/>
-            </a:endParaRPr>
-          </a:p>
-          <a:p>
-            <a:pPr lvl="2" marL="648000" indent="-216000">
-              <a:lnSpc>
-                <a:spcPct val="100000"/>
-              </a:lnSpc>
-              <a:spcBef>
-                <a:spcPts val="1417"/>
-              </a:spcBef>
-              <a:buClr>
-                <a:srgbClr val="000000"/>
-              </a:buClr>
-              <a:buSzPct val="45000"/>
-              <a:buFont typeface="Wingdings" charset="2"/>
-              <a:buChar char=""/>
-            </a:pPr>
-            <a:r>
-              <a:rPr b="0" lang="en-US" sz="2800" spc="-1" strike="noStrike">
-                <a:solidFill>
-                  <a:srgbClr val="000000"/>
-                </a:solidFill>
-                <a:latin typeface="Arial"/>
-                <a:ea typeface="DejaVu Sans"/>
-              </a:rPr>
-              <a:t>A form of pattern matching</a:t>
-            </a:r>
-            <a:endParaRPr b="0" lang="en-US" sz="2800" spc="-1" strike="noStrike">
-              <a:latin typeface="Arial"/>
-            </a:endParaRPr>
-          </a:p>
-          <a:p>
-            <a:pPr>
-              <a:lnSpc>
-                <a:spcPct val="100000"/>
-              </a:lnSpc>
-              <a:spcBef>
-                <a:spcPts val="1134"/>
-              </a:spcBef>
-            </a:pPr>
-            <a:endParaRPr b="0" lang="en-US" sz="2800" spc="-1" strike="noStrike">
-              <a:latin typeface="Arial"/>
-            </a:endParaRPr>
-          </a:p>
-        </p:txBody>
-      </p:sp>
-      <p:pic>
-        <p:nvPicPr>
-          <p:cNvPr id="701" name="" descr=""/>
-          <p:cNvPicPr/>
-          <p:nvPr/>
-        </p:nvPicPr>
-        <p:blipFill>
-          <a:blip r:embed="rId1"/>
-          <a:stretch/>
-        </p:blipFill>
-        <p:spPr>
-          <a:xfrm>
-            <a:off x="1463040" y="2648880"/>
-            <a:ext cx="3108960" cy="1100160"/>
           </a:xfrm>
           <a:prstGeom prst="rect">
             <a:avLst/>
@@ -34078,7 +36982,7 @@
       </p:grpSpPr>
       <p:sp>
         <p:nvSpPr>
-          <p:cNvPr id="702" name="CustomShape 1"/>
+          <p:cNvPr id="761" name="CustomShape 1"/>
           <p:cNvSpPr/>
           <p:nvPr/>
         </p:nvSpPr>
@@ -34119,7 +37023,7 @@
                 <a:latin typeface="Trebuchet MS"/>
                 <a:ea typeface="DejaVu Sans"/>
               </a:rPr>
-              <a:t>Main Features of Racket</a:t>
+              <a:t>Main Features / Strengths of Racket</a:t>
             </a:r>
             <a:endParaRPr b="0" lang="en-US" sz="4800" spc="-1" strike="noStrike">
               <a:latin typeface="Arial"/>
@@ -34129,7 +37033,7 @@
       </p:sp>
       <p:sp>
         <p:nvSpPr>
-          <p:cNvPr id="703" name="CustomShape 2"/>
+          <p:cNvPr id="762" name="CustomShape 2"/>
           <p:cNvSpPr/>
           <p:nvPr/>
         </p:nvSpPr>
@@ -34154,7 +37058,7 @@
         </p:style>
         <p:txBody>
           <a:bodyPr lIns="0" rIns="0" tIns="0" bIns="0">
-            <a:normAutofit/>
+            <a:normAutofit fontScale="88000"/>
           </a:bodyPr>
           <a:p>
             <a:pPr marL="432000" indent="-322920">
@@ -34179,14 +37083,14 @@
                 <a:latin typeface="Arial"/>
                 <a:ea typeface="DejaVu Sans"/>
               </a:rPr>
-              <a:t>Contracts (provide)</a:t>
+              <a:t>Continuations (call-with-composable-continuation)</a:t>
             </a:r>
             <a:endParaRPr b="0" lang="en-US" sz="2800" spc="-1" strike="noStrike">
               <a:latin typeface="Arial"/>
             </a:endParaRPr>
           </a:p>
           <a:p>
-            <a:pPr lvl="2" marL="648000" indent="-216000">
+            <a:pPr marL="432000" indent="-322920">
               <a:lnSpc>
                 <a:spcPct val="100000"/>
               </a:lnSpc>
@@ -34205,7 +37109,26 @@
             </a:endParaRPr>
           </a:p>
           <a:p>
-            <a:pPr lvl="2" marL="648000" indent="-216000">
+            <a:pPr marL="432000" indent="-322920">
+              <a:lnSpc>
+                <a:spcPct val="100000"/>
+              </a:lnSpc>
+              <a:spcBef>
+                <a:spcPts val="1417"/>
+              </a:spcBef>
+              <a:buClr>
+                <a:srgbClr val="000000"/>
+              </a:buClr>
+              <a:buSzPct val="45000"/>
+              <a:buFont typeface="Wingdings" charset="2"/>
+              <a:buChar char=""/>
+            </a:pPr>
+            <a:endParaRPr b="0" lang="en-US" sz="2800" spc="-1" strike="noStrike">
+              <a:latin typeface="Arial"/>
+            </a:endParaRPr>
+          </a:p>
+          <a:p>
+            <a:pPr marL="432000" indent="-322920">
               <a:lnSpc>
                 <a:spcPct val="100000"/>
               </a:lnSpc>
@@ -34246,7 +37169,36 @@
                 <a:latin typeface="Arial"/>
                 <a:ea typeface="DejaVu Sans"/>
               </a:rPr>
-              <a:t>Makes “promises” about values that will be </a:t>
+              <a:t>Allows us to capture the partial evaluation of a function</a:t>
+            </a:r>
+            <a:endParaRPr b="0" lang="en-US" sz="2800" spc="-1" strike="noStrike">
+              <a:latin typeface="Arial"/>
+            </a:endParaRPr>
+          </a:p>
+          <a:p>
+            <a:pPr lvl="2" marL="648000" indent="-216000">
+              <a:lnSpc>
+                <a:spcPct val="100000"/>
+              </a:lnSpc>
+              <a:spcBef>
+                <a:spcPts val="1417"/>
+              </a:spcBef>
+              <a:buClr>
+                <a:srgbClr val="000000"/>
+              </a:buClr>
+              <a:buSzPct val="45000"/>
+              <a:buFont typeface="Wingdings" charset="2"/>
+              <a:buChar char=""/>
+            </a:pPr>
+            <a:r>
+              <a:rPr b="0" lang="en-US" sz="2800" spc="-1" strike="noStrike">
+                <a:solidFill>
+                  <a:srgbClr val="000000"/>
+                </a:solidFill>
+                <a:latin typeface="Arial"/>
+                <a:ea typeface="DejaVu Sans"/>
+              </a:rPr>
+              <a:t>Similar to lambda expressions, except they can be dynamically </a:t>
             </a:r>
             <a:r>
               <a:rPr b="0" lang="en-US" sz="2800" spc="-1" strike="noStrike">
@@ -34256,14 +37208,14 @@
                 <a:latin typeface="Arial"/>
                 <a:ea typeface="DejaVu Sans"/>
               </a:rPr>
-              <a:t>exported</a:t>
+              <a:t>defined</a:t>
             </a:r>
             <a:endParaRPr b="0" lang="en-US" sz="2800" spc="-1" strike="noStrike">
               <a:latin typeface="Arial"/>
             </a:endParaRPr>
           </a:p>
           <a:p>
-            <a:pPr lvl="2" marL="648000" indent="-216000">
+            <a:pPr lvl="4" marL="1080000" indent="-216000">
               <a:lnSpc>
                 <a:spcPct val="100000"/>
               </a:lnSpc>
@@ -34277,6 +37229,36 @@
               <a:buFont typeface="Wingdings" charset="2"/>
               <a:buChar char=""/>
             </a:pPr>
+            <a:r>
+              <a:rPr b="0" lang="en-US" sz="2800" spc="-1" strike="noStrike">
+                <a:solidFill>
+                  <a:srgbClr val="000000"/>
+                </a:solidFill>
+                <a:latin typeface="Arial"/>
+                <a:ea typeface="DejaVu Sans"/>
+              </a:rPr>
+              <a:t>Lends to </a:t>
+            </a:r>
+            <a:r>
+              <a:rPr b="0" i="1" lang="en-US" sz="2800" spc="-1" strike="noStrike">
+                <a:solidFill>
+                  <a:srgbClr val="000000"/>
+                </a:solidFill>
+                <a:latin typeface="Arial"/>
+                <a:ea typeface="DejaVu Sans"/>
+              </a:rPr>
+              <a:t>dynamic evaluation</a:t>
+            </a:r>
+            <a:r>
+              <a:rPr b="0" lang="en-US" sz="2800" spc="-1" strike="noStrike">
+                <a:solidFill>
+                  <a:srgbClr val="000000"/>
+                </a:solidFill>
+                <a:latin typeface="Arial"/>
+                <a:ea typeface="DejaVu Sans"/>
+              </a:rPr>
+              <a:t> capabilities of racket</a:t>
+            </a:r>
             <a:endParaRPr b="0" lang="en-US" sz="2800" spc="-1" strike="noStrike">
               <a:latin typeface="Arial"/>
             </a:endParaRPr>
@@ -34298,7 +37280,7 @@
       </p:sp>
       <p:pic>
         <p:nvPicPr>
-          <p:cNvPr id="704" name="" descr=""/>
+          <p:cNvPr id="763" name="" descr=""/>
           <p:cNvPicPr/>
           <p:nvPr/>
         </p:nvPicPr>
@@ -34308,8 +37290,31 @@
         </p:blipFill>
         <p:spPr>
           <a:xfrm>
-            <a:off x="1188720" y="2564640"/>
-            <a:ext cx="3847680" cy="1275840"/>
+            <a:off x="1164240" y="2570040"/>
+            <a:ext cx="4505040" cy="1819080"/>
+          </a:xfrm>
+          <a:prstGeom prst="rect">
+            <a:avLst/>
+          </a:prstGeom>
+          <a:ln>
+            <a:noFill/>
+          </a:ln>
+        </p:spPr>
+      </p:pic>
+      <p:pic>
+        <p:nvPicPr>
+          <p:cNvPr id="764" name="" descr=""/>
+          <p:cNvPicPr/>
+          <p:nvPr/>
+        </p:nvPicPr>
+        <p:blipFill>
+          <a:blip r:embed="rId2"/>
+          <a:stretch/>
+        </p:blipFill>
+        <p:spPr>
+          <a:xfrm>
+            <a:off x="6309360" y="2651760"/>
+            <a:ext cx="2133360" cy="1361880"/>
           </a:xfrm>
           <a:prstGeom prst="rect">
             <a:avLst/>
@@ -34351,7 +37356,7 @@
       </p:grpSpPr>
       <p:sp>
         <p:nvSpPr>
-          <p:cNvPr id="705" name="CustomShape 1"/>
+          <p:cNvPr id="765" name="CustomShape 1"/>
           <p:cNvSpPr/>
           <p:nvPr/>
         </p:nvSpPr>
@@ -34385,24 +37390,24 @@
               </a:lnSpc>
             </a:pPr>
             <a:r>
-              <a:rPr b="0" lang="en-US" sz="5400" spc="-1" strike="noStrike">
+              <a:rPr b="0" lang="en-US" sz="4800" spc="-1" strike="noStrike">
                 <a:solidFill>
                   <a:srgbClr val="4f81bd"/>
                 </a:solidFill>
                 <a:latin typeface="Trebuchet MS"/>
                 <a:ea typeface="DejaVu Sans"/>
               </a:rPr>
-              <a:t>Racket Applications</a:t>
+              <a:t>Main Features / Strengths of Racket</a:t>
             </a:r>
-            <a:endParaRPr b="0" lang="en-US" sz="5400" spc="-1" strike="noStrike">
-              <a:latin typeface="Arial"/>
-            </a:endParaRPr>
-          </a:p>
-        </p:txBody>
-      </p:sp>
-      <p:sp>
-        <p:nvSpPr>
-          <p:cNvPr id="706" name="CustomShape 2"/>
+            <a:endParaRPr b="0" lang="en-US" sz="4800" spc="-1" strike="noStrike">
+              <a:latin typeface="Arial"/>
+            </a:endParaRPr>
+          </a:p>
+        </p:txBody>
+      </p:sp>
+      <p:sp>
+        <p:nvSpPr>
+          <p:cNvPr id="766" name="CustomShape 2"/>
           <p:cNvSpPr/>
           <p:nvPr/>
         </p:nvSpPr>
@@ -34452,43 +37457,52 @@
                 <a:latin typeface="Arial"/>
                 <a:ea typeface="DejaVu Sans"/>
               </a:rPr>
-              <a:t>As previously mentioned, Racket is based on Scheme</a:t>
+              <a:t>Macros (define-syntax-rule)</a:t>
             </a:r>
             <a:endParaRPr b="0" lang="en-US" sz="2800" spc="-1" strike="noStrike">
               <a:latin typeface="Arial"/>
             </a:endParaRPr>
           </a:p>
           <a:p>
-            <a:pPr lvl="1" marL="864000" indent="-322920">
+            <a:pPr lvl="2" marL="648000" indent="-216000">
               <a:lnSpc>
                 <a:spcPct val="100000"/>
               </a:lnSpc>
               <a:spcBef>
-                <a:spcPts val="1134"/>
+                <a:spcPts val="1417"/>
               </a:spcBef>
               <a:buClr>
                 <a:srgbClr val="000000"/>
               </a:buClr>
-              <a:buSzPct val="75000"/>
-              <a:buFont typeface="Symbol"/>
-              <a:buChar char=""/>
+              <a:buSzPct val="45000"/>
+              <a:buFont typeface="Wingdings" charset="2"/>
+              <a:buChar char=""/>
             </a:pPr>
-            <a:r>
-              <a:rPr b="0" lang="en-US" sz="2000" spc="-1" strike="noStrike">
-                <a:solidFill>
-                  <a:srgbClr val="000000"/>
-                </a:solidFill>
-                <a:latin typeface="Arial"/>
-                <a:ea typeface="DejaVu Sans"/>
-              </a:rPr>
-              <a:t>Powerful functional programming features</a:t>
-            </a:r>
-            <a:endParaRPr b="0" lang="en-US" sz="2000" spc="-1" strike="noStrike">
-              <a:latin typeface="Arial"/>
-            </a:endParaRPr>
-          </a:p>
-          <a:p>
-            <a:pPr marL="432000" indent="-322920">
+            <a:endParaRPr b="0" lang="en-US" sz="2800" spc="-1" strike="noStrike">
+              <a:latin typeface="Arial"/>
+            </a:endParaRPr>
+          </a:p>
+          <a:p>
+            <a:pPr lvl="2" marL="648000" indent="-216000">
+              <a:lnSpc>
+                <a:spcPct val="100000"/>
+              </a:lnSpc>
+              <a:spcBef>
+                <a:spcPts val="1417"/>
+              </a:spcBef>
+              <a:buClr>
+                <a:srgbClr val="000000"/>
+              </a:buClr>
+              <a:buSzPct val="45000"/>
+              <a:buFont typeface="Wingdings" charset="2"/>
+              <a:buChar char=""/>
+            </a:pPr>
+            <a:endParaRPr b="0" lang="en-US" sz="2800" spc="-1" strike="noStrike">
+              <a:latin typeface="Arial"/>
+            </a:endParaRPr>
+          </a:p>
+          <a:p>
+            <a:pPr lvl="2" marL="648000" indent="-216000">
               <a:lnSpc>
                 <a:spcPct val="100000"/>
               </a:lnSpc>
@@ -34510,14 +37524,14 @@
                 <a:latin typeface="Arial"/>
                 <a:ea typeface="DejaVu Sans"/>
               </a:rPr>
-              <a:t>As seen in project one, functional programming provides an effective environment for language development</a:t>
+              <a:t>Binds a macro that matches a single pattern</a:t>
             </a:r>
             <a:endParaRPr b="0" lang="en-US" sz="2800" spc="-1" strike="noStrike">
               <a:latin typeface="Arial"/>
             </a:endParaRPr>
           </a:p>
           <a:p>
-            <a:pPr marL="432000" indent="-322920">
+            <a:pPr lvl="4" marL="1080000" indent="-216000">
               <a:lnSpc>
                 <a:spcPct val="100000"/>
               </a:lnSpc>
@@ -34539,7 +37553,17 @@
                 <a:latin typeface="Arial"/>
                 <a:ea typeface="DejaVu Sans"/>
               </a:rPr>
-              <a:t>Not surprisingly, one of the main use cases of Racket is language development</a:t>
+              <a:t>A form of </a:t>
+            </a:r>
+            <a:r>
+              <a:rPr b="0" i="1" lang="en-US" sz="2800" spc="-1" strike="noStrike">
+                <a:solidFill>
+                  <a:srgbClr val="000000"/>
+                </a:solidFill>
+                <a:latin typeface="Arial"/>
+                <a:ea typeface="DejaVu Sans"/>
+              </a:rPr>
+              <a:t>pattern matching</a:t>
             </a:r>
             <a:endParaRPr b="0" lang="en-US" sz="2800" spc="-1" strike="noStrike">
               <a:latin typeface="Arial"/>
@@ -34560,6 +37584,29 @@
           </a:p>
         </p:txBody>
       </p:sp>
+      <p:pic>
+        <p:nvPicPr>
+          <p:cNvPr id="767" name="" descr=""/>
+          <p:cNvPicPr/>
+          <p:nvPr/>
+        </p:nvPicPr>
+        <p:blipFill>
+          <a:blip r:embed="rId1"/>
+          <a:stretch/>
+        </p:blipFill>
+        <p:spPr>
+          <a:xfrm>
+            <a:off x="1463040" y="2648880"/>
+            <a:ext cx="3108960" cy="1100160"/>
+          </a:xfrm>
+          <a:prstGeom prst="rect">
+            <a:avLst/>
+          </a:prstGeom>
+          <a:ln>
+            <a:noFill/>
+          </a:ln>
+        </p:spPr>
+      </p:pic>
     </p:spTree>
   </p:cSld>
   <mc:AlternateContent>
@@ -34592,7 +37639,7 @@
       </p:grpSpPr>
       <p:sp>
         <p:nvSpPr>
-          <p:cNvPr id="707" name="CustomShape 1"/>
+          <p:cNvPr id="768" name="CustomShape 1"/>
           <p:cNvSpPr/>
           <p:nvPr/>
         </p:nvSpPr>
@@ -34626,24 +37673,24 @@
               </a:lnSpc>
             </a:pPr>
             <a:r>
-              <a:rPr b="0" lang="en-US" sz="5400" spc="-1" strike="noStrike">
+              <a:rPr b="0" lang="en-US" sz="4800" spc="-1" strike="noStrike">
                 <a:solidFill>
                   <a:srgbClr val="4f81bd"/>
                 </a:solidFill>
                 <a:latin typeface="Trebuchet MS"/>
                 <a:ea typeface="DejaVu Sans"/>
               </a:rPr>
-              <a:t>Racket Applications</a:t>
+              <a:t>Main Features / Strengths of Racket</a:t>
             </a:r>
-            <a:endParaRPr b="0" lang="en-US" sz="5400" spc="-1" strike="noStrike">
-              <a:latin typeface="Arial"/>
-            </a:endParaRPr>
-          </a:p>
-        </p:txBody>
-      </p:sp>
-      <p:sp>
-        <p:nvSpPr>
-          <p:cNvPr id="708" name="CustomShape 2"/>
+            <a:endParaRPr b="0" lang="en-US" sz="4800" spc="-1" strike="noStrike">
+              <a:latin typeface="Arial"/>
+            </a:endParaRPr>
+          </a:p>
+        </p:txBody>
+      </p:sp>
+      <p:sp>
+        <p:nvSpPr>
+          <p:cNvPr id="769" name="CustomShape 2"/>
           <p:cNvSpPr/>
           <p:nvPr/>
         </p:nvSpPr>
@@ -34693,14 +37740,52 @@
                 <a:latin typeface="Arial"/>
                 <a:ea typeface="DejaVu Sans"/>
               </a:rPr>
-              <a:t>Main applications:</a:t>
+              <a:t>Contracts (provide)</a:t>
             </a:r>
             <a:endParaRPr b="0" lang="en-US" sz="2800" spc="-1" strike="noStrike">
               <a:latin typeface="Arial"/>
             </a:endParaRPr>
           </a:p>
           <a:p>
-            <a:pPr lvl="2" marL="648000" indent="-215640">
+            <a:pPr lvl="2" marL="648000" indent="-216000">
+              <a:lnSpc>
+                <a:spcPct val="100000"/>
+              </a:lnSpc>
+              <a:spcBef>
+                <a:spcPts val="1417"/>
+              </a:spcBef>
+              <a:buClr>
+                <a:srgbClr val="000000"/>
+              </a:buClr>
+              <a:buSzPct val="45000"/>
+              <a:buFont typeface="Wingdings" charset="2"/>
+              <a:buChar char=""/>
+            </a:pPr>
+            <a:endParaRPr b="0" lang="en-US" sz="2800" spc="-1" strike="noStrike">
+              <a:latin typeface="Arial"/>
+            </a:endParaRPr>
+          </a:p>
+          <a:p>
+            <a:pPr lvl="2" marL="648000" indent="-216000">
+              <a:lnSpc>
+                <a:spcPct val="100000"/>
+              </a:lnSpc>
+              <a:spcBef>
+                <a:spcPts val="1417"/>
+              </a:spcBef>
+              <a:buClr>
+                <a:srgbClr val="000000"/>
+              </a:buClr>
+              <a:buSzPct val="45000"/>
+              <a:buFont typeface="Wingdings" charset="2"/>
+              <a:buChar char=""/>
+            </a:pPr>
+            <a:endParaRPr b="0" lang="en-US" sz="2800" spc="-1" strike="noStrike">
+              <a:latin typeface="Arial"/>
+            </a:endParaRPr>
+          </a:p>
+          <a:p>
+            <a:pPr lvl="2" marL="648000" indent="-216000">
               <a:lnSpc>
                 <a:spcPct val="100000"/>
               </a:lnSpc>
@@ -34722,27 +37807,8 @@
                 <a:latin typeface="Arial"/>
                 <a:ea typeface="DejaVu Sans"/>
               </a:rPr>
-              <a:t>Language Development</a:t>
+              <a:t>Makes “promises” about values that will be </a:t>
             </a:r>
-            <a:endParaRPr b="0" lang="en-US" sz="2800" spc="-1" strike="noStrike">
-              <a:latin typeface="Arial"/>
-            </a:endParaRPr>
-          </a:p>
-          <a:p>
-            <a:pPr lvl="2" marL="648000" indent="-215640">
-              <a:lnSpc>
-                <a:spcPct val="100000"/>
-              </a:lnSpc>
-              <a:spcBef>
-                <a:spcPts val="1417"/>
-              </a:spcBef>
-              <a:buClr>
-                <a:srgbClr val="000000"/>
-              </a:buClr>
-              <a:buSzPct val="45000"/>
-              <a:buFont typeface="Wingdings" charset="2"/>
-              <a:buChar char=""/>
-            </a:pPr>
             <a:r>
               <a:rPr b="0" lang="en-US" sz="2800" spc="-1" strike="noStrike">
                 <a:solidFill>
@@ -34751,14 +37817,14 @@
                 <a:latin typeface="Arial"/>
                 <a:ea typeface="DejaVu Sans"/>
               </a:rPr>
-              <a:t>Education</a:t>
+              <a:t>exported</a:t>
             </a:r>
             <a:endParaRPr b="0" lang="en-US" sz="2800" spc="-1" strike="noStrike">
               <a:latin typeface="Arial"/>
             </a:endParaRPr>
           </a:p>
           <a:p>
-            <a:pPr lvl="2" marL="648000" indent="-215640">
+            <a:pPr lvl="2" marL="648000" indent="-216000">
               <a:lnSpc>
                 <a:spcPct val="100000"/>
               </a:lnSpc>
@@ -34772,45 +37838,6 @@
               <a:buFont typeface="Wingdings" charset="2"/>
               <a:buChar char=""/>
             </a:pPr>
-            <a:r>
-              <a:rPr b="0" lang="en-US" sz="2800" spc="-1" strike="noStrike">
-                <a:solidFill>
-                  <a:srgbClr val="000000"/>
-                </a:solidFill>
-                <a:latin typeface="Arial"/>
-                <a:ea typeface="DejaVu Sans"/>
-              </a:rPr>
-              <a:t>Web Development</a:t>
-            </a:r>
-            <a:endParaRPr b="0" lang="en-US" sz="2800" spc="-1" strike="noStrike">
-              <a:latin typeface="Arial"/>
-            </a:endParaRPr>
-          </a:p>
-          <a:p>
-            <a:pPr lvl="2" marL="648000" indent="-215640">
-              <a:lnSpc>
-                <a:spcPct val="100000"/>
-              </a:lnSpc>
-              <a:spcBef>
-                <a:spcPts val="1417"/>
-              </a:spcBef>
-              <a:buClr>
-                <a:srgbClr val="000000"/>
-              </a:buClr>
-              <a:buSzPct val="45000"/>
-              <a:buFont typeface="Wingdings" charset="2"/>
-              <a:buChar char=""/>
-            </a:pPr>
-            <a:r>
-              <a:rPr b="0" lang="en-US" sz="2800" spc="-1" strike="noStrike">
-                <a:solidFill>
-                  <a:srgbClr val="000000"/>
-                </a:solidFill>
-                <a:latin typeface="Arial"/>
-                <a:ea typeface="DejaVu Sans"/>
-              </a:rPr>
-              <a:t>Racket Tools</a:t>
-            </a:r>
             <a:endParaRPr b="0" lang="en-US" sz="2800" spc="-1" strike="noStrike">
               <a:latin typeface="Arial"/>
             </a:endParaRPr>
@@ -34830,6 +37857,29 @@
           </a:p>
         </p:txBody>
       </p:sp>
+      <p:pic>
+        <p:nvPicPr>
+          <p:cNvPr id="770" name="" descr=""/>
+          <p:cNvPicPr/>
+          <p:nvPr/>
+        </p:nvPicPr>
+        <p:blipFill>
+          <a:blip r:embed="rId1"/>
+          <a:stretch/>
+        </p:blipFill>
+        <p:spPr>
+          <a:xfrm>
+            <a:off x="1188720" y="2564640"/>
+            <a:ext cx="3847680" cy="1275840"/>
+          </a:xfrm>
+          <a:prstGeom prst="rect">
+            <a:avLst/>
+          </a:prstGeom>
+          <a:ln>
+            <a:noFill/>
+          </a:ln>
+        </p:spPr>
+      </p:pic>
     </p:spTree>
   </p:cSld>
   <mc:AlternateContent>
@@ -34862,14 +37912,14 @@
       </p:grpSpPr>
       <p:sp>
         <p:nvSpPr>
-          <p:cNvPr id="709" name="CustomShape 1"/>
+          <p:cNvPr id="771" name="CustomShape 1"/>
           <p:cNvSpPr/>
           <p:nvPr/>
         </p:nvSpPr>
         <p:spPr>
           <a:xfrm>
             <a:off x="2011680" y="274680"/>
-            <a:ext cx="7764840" cy="1644120"/>
+            <a:ext cx="7765200" cy="1644480"/>
           </a:xfrm>
           <a:prstGeom prst="rect">
             <a:avLst/>
@@ -34903,7 +37953,7 @@
                 <a:latin typeface="Trebuchet MS"/>
                 <a:ea typeface="DejaVu Sans"/>
               </a:rPr>
-              <a:t>Racket Applications: Hackett</a:t>
+              <a:t>Racket Applications</a:t>
             </a:r>
             <a:endParaRPr b="0" lang="en-US" sz="5400" spc="-1" strike="noStrike">
               <a:latin typeface="Arial"/>
@@ -34913,14 +37963,14 @@
       </p:sp>
       <p:sp>
         <p:nvSpPr>
-          <p:cNvPr id="710" name="CustomShape 2"/>
+          <p:cNvPr id="772" name="CustomShape 2"/>
           <p:cNvSpPr/>
           <p:nvPr/>
         </p:nvSpPr>
         <p:spPr>
           <a:xfrm>
             <a:off x="457560" y="2057760"/>
-            <a:ext cx="10971000" cy="3975840"/>
+            <a:ext cx="10971360" cy="3976200"/>
           </a:xfrm>
           <a:prstGeom prst="rect">
             <a:avLst/>
@@ -34941,7 +37991,7 @@
             <a:normAutofit/>
           </a:bodyPr>
           <a:p>
-            <a:pPr marL="432000" indent="-322560">
+            <a:pPr marL="432000" indent="-322920">
               <a:lnSpc>
                 <a:spcPct val="100000"/>
               </a:lnSpc>
@@ -34963,14 +38013,43 @@
                 <a:latin typeface="Arial"/>
                 <a:ea typeface="DejaVu Sans"/>
               </a:rPr>
-              <a:t>Hackett is a language similar to haskell written in Racket</a:t>
+              <a:t>As previously mentioned, Racket is based on Scheme</a:t>
             </a:r>
             <a:endParaRPr b="0" lang="en-US" sz="2800" spc="-1" strike="noStrike">
               <a:latin typeface="Arial"/>
             </a:endParaRPr>
           </a:p>
           <a:p>
-            <a:pPr marL="432000" indent="-322560">
+            <a:pPr lvl="1" marL="864000" indent="-322920">
+              <a:lnSpc>
+                <a:spcPct val="100000"/>
+              </a:lnSpc>
+              <a:spcBef>
+                <a:spcPts val="1134"/>
+              </a:spcBef>
+              <a:buClr>
+                <a:srgbClr val="000000"/>
+              </a:buClr>
+              <a:buSzPct val="75000"/>
+              <a:buFont typeface="Symbol"/>
+              <a:buChar char=""/>
+            </a:pPr>
+            <a:r>
+              <a:rPr b="0" lang="en-US" sz="2000" spc="-1" strike="noStrike">
+                <a:solidFill>
+                  <a:srgbClr val="000000"/>
+                </a:solidFill>
+                <a:latin typeface="Arial"/>
+                <a:ea typeface="DejaVu Sans"/>
+              </a:rPr>
+              <a:t>Powerful functional programming features</a:t>
+            </a:r>
+            <a:endParaRPr b="0" lang="en-US" sz="2000" spc="-1" strike="noStrike">
+              <a:latin typeface="Arial"/>
+            </a:endParaRPr>
+          </a:p>
+          <a:p>
+            <a:pPr marL="432000" indent="-322920">
               <a:lnSpc>
                 <a:spcPct val="100000"/>
               </a:lnSpc>
@@ -34992,14 +38071,14 @@
                 <a:latin typeface="Arial"/>
                 <a:ea typeface="DejaVu Sans"/>
               </a:rPr>
-              <a:t>Hackett is a statically typed, pure, lazy, functional programming language in the Racket language ecosystem</a:t>
+              <a:t>As seen in project one, functional programming provides an effective environment for language development</a:t>
             </a:r>
             <a:endParaRPr b="0" lang="en-US" sz="2800" spc="-1" strike="noStrike">
               <a:latin typeface="Arial"/>
             </a:endParaRPr>
           </a:p>
           <a:p>
-            <a:pPr marL="432000" indent="-322560">
+            <a:pPr marL="432000" indent="-322920">
               <a:lnSpc>
                 <a:spcPct val="100000"/>
               </a:lnSpc>
@@ -35021,8 +38100,21 @@
                 <a:latin typeface="Arial"/>
                 <a:ea typeface="DejaVu Sans"/>
               </a:rPr>
-              <a:t>Project repo (which includes a demo) [5] </a:t>
+              <a:t>Not surprisingly, one of the main use cases of Racket is language development</a:t>
             </a:r>
+            <a:endParaRPr b="0" lang="en-US" sz="2800" spc="-1" strike="noStrike">
+              <a:latin typeface="Arial"/>
+            </a:endParaRPr>
+          </a:p>
+          <a:p>
+            <a:pPr>
+              <a:lnSpc>
+                <a:spcPct val="100000"/>
+              </a:lnSpc>
+              <a:spcBef>
+                <a:spcPts val="1134"/>
+              </a:spcBef>
+            </a:pPr>
             <a:endParaRPr b="0" lang="en-US" sz="2800" spc="-1" strike="noStrike">
               <a:latin typeface="Arial"/>
             </a:endParaRPr>
@@ -35061,14 +38153,14 @@
       </p:grpSpPr>
       <p:sp>
         <p:nvSpPr>
-          <p:cNvPr id="711" name="CustomShape 1"/>
+          <p:cNvPr id="773" name="CustomShape 1"/>
           <p:cNvSpPr/>
           <p:nvPr/>
         </p:nvSpPr>
         <p:spPr>
           <a:xfrm>
             <a:off x="2011680" y="274680"/>
-            <a:ext cx="7764840" cy="1644120"/>
+            <a:ext cx="7765200" cy="1644480"/>
           </a:xfrm>
           <a:prstGeom prst="rect">
             <a:avLst/>
@@ -35102,7 +38194,7 @@
                 <a:latin typeface="Trebuchet MS"/>
                 <a:ea typeface="DejaVu Sans"/>
               </a:rPr>
-              <a:t>Racket Applications: Fractalide</a:t>
+              <a:t>Racket Applications</a:t>
             </a:r>
             <a:endParaRPr b="0" lang="en-US" sz="5400" spc="-1" strike="noStrike">
               <a:latin typeface="Arial"/>
@@ -35112,14 +38204,14 @@
       </p:sp>
       <p:sp>
         <p:nvSpPr>
-          <p:cNvPr id="712" name="CustomShape 2"/>
+          <p:cNvPr id="774" name="CustomShape 2"/>
           <p:cNvSpPr/>
           <p:nvPr/>
         </p:nvSpPr>
         <p:spPr>
           <a:xfrm>
             <a:off x="457560" y="2057760"/>
-            <a:ext cx="10971000" cy="3975840"/>
+            <a:ext cx="10971360" cy="3976200"/>
           </a:xfrm>
           <a:prstGeom prst="rect">
             <a:avLst/>
@@ -35140,7 +38232,7 @@
             <a:normAutofit/>
           </a:bodyPr>
           <a:p>
-            <a:pPr marL="432000" indent="-322560">
+            <a:pPr marL="432000" indent="-322920">
               <a:lnSpc>
                 <a:spcPct val="100000"/>
               </a:lnSpc>
@@ -35162,14 +38254,14 @@
                 <a:latin typeface="Arial"/>
                 <a:ea typeface="DejaVu Sans"/>
               </a:rPr>
-              <a:t>Fractalide [6] is another open-source programming language written in Racket</a:t>
+              <a:t>Main applications:</a:t>
             </a:r>
             <a:endParaRPr b="0" lang="en-US" sz="2800" spc="-1" strike="noStrike">
               <a:latin typeface="Arial"/>
             </a:endParaRPr>
           </a:p>
           <a:p>
-            <a:pPr marL="432000" indent="-322560">
+            <a:pPr lvl="2" marL="648000" indent="-215640">
               <a:lnSpc>
                 <a:spcPct val="100000"/>
               </a:lnSpc>
@@ -35191,14 +38283,14 @@
                 <a:latin typeface="Arial"/>
                 <a:ea typeface="DejaVu Sans"/>
               </a:rPr>
-              <a:t>An interesting approach to designing a programming language which utilizes graphs as the basic language concepts</a:t>
+              <a:t>Language Development</a:t>
             </a:r>
             <a:endParaRPr b="0" lang="en-US" sz="2800" spc="-1" strike="noStrike">
               <a:latin typeface="Arial"/>
             </a:endParaRPr>
           </a:p>
           <a:p>
-            <a:pPr marL="432000" indent="-322560">
+            <a:pPr lvl="2" marL="648000" indent="-215640">
               <a:lnSpc>
                 <a:spcPct val="100000"/>
               </a:lnSpc>
@@ -35220,8 +38312,79 @@
                 <a:latin typeface="Arial"/>
                 <a:ea typeface="DejaVu Sans"/>
               </a:rPr>
-              <a:t>Project makes use of the functional features of racket (e.g. tail-call optimization, etc)</a:t>
+              <a:t>Education</a:t>
             </a:r>
+            <a:endParaRPr b="0" lang="en-US" sz="2800" spc="-1" strike="noStrike">
+              <a:latin typeface="Arial"/>
+            </a:endParaRPr>
+          </a:p>
+          <a:p>
+            <a:pPr lvl="2" marL="648000" indent="-215640">
+              <a:lnSpc>
+                <a:spcPct val="100000"/>
+              </a:lnSpc>
+              <a:spcBef>
+                <a:spcPts val="1417"/>
+              </a:spcBef>
+              <a:buClr>
+                <a:srgbClr val="000000"/>
+              </a:buClr>
+              <a:buSzPct val="45000"/>
+              <a:buFont typeface="Wingdings" charset="2"/>
+              <a:buChar char=""/>
+            </a:pPr>
+            <a:r>
+              <a:rPr b="0" lang="en-US" sz="2800" spc="-1" strike="noStrike">
+                <a:solidFill>
+                  <a:srgbClr val="000000"/>
+                </a:solidFill>
+                <a:latin typeface="Arial"/>
+                <a:ea typeface="DejaVu Sans"/>
+              </a:rPr>
+              <a:t>Web Development</a:t>
+            </a:r>
+            <a:endParaRPr b="0" lang="en-US" sz="2800" spc="-1" strike="noStrike">
+              <a:latin typeface="Arial"/>
+            </a:endParaRPr>
+          </a:p>
+          <a:p>
+            <a:pPr lvl="2" marL="648000" indent="-215640">
+              <a:lnSpc>
+                <a:spcPct val="100000"/>
+              </a:lnSpc>
+              <a:spcBef>
+                <a:spcPts val="1417"/>
+              </a:spcBef>
+              <a:buClr>
+                <a:srgbClr val="000000"/>
+              </a:buClr>
+              <a:buSzPct val="45000"/>
+              <a:buFont typeface="Wingdings" charset="2"/>
+              <a:buChar char=""/>
+            </a:pPr>
+            <a:r>
+              <a:rPr b="0" lang="en-US" sz="2800" spc="-1" strike="noStrike">
+                <a:solidFill>
+                  <a:srgbClr val="000000"/>
+                </a:solidFill>
+                <a:latin typeface="Arial"/>
+                <a:ea typeface="DejaVu Sans"/>
+              </a:rPr>
+              <a:t>Racket Tools</a:t>
+            </a:r>
+            <a:endParaRPr b="0" lang="en-US" sz="2800" spc="-1" strike="noStrike">
+              <a:latin typeface="Arial"/>
+            </a:endParaRPr>
+          </a:p>
+          <a:p>
+            <a:pPr>
+              <a:lnSpc>
+                <a:spcPct val="100000"/>
+              </a:lnSpc>
+              <a:spcBef>
+                <a:spcPts val="1134"/>
+              </a:spcBef>
+            </a:pPr>
             <a:endParaRPr b="0" lang="en-US" sz="2800" spc="-1" strike="noStrike">
               <a:latin typeface="Arial"/>
             </a:endParaRPr>
@@ -35260,7 +38423,7 @@
       </p:grpSpPr>
       <p:sp>
         <p:nvSpPr>
-          <p:cNvPr id="713" name="CustomShape 1"/>
+          <p:cNvPr id="775" name="CustomShape 1"/>
           <p:cNvSpPr/>
           <p:nvPr/>
         </p:nvSpPr>
@@ -35301,7 +38464,7 @@
                 <a:latin typeface="Trebuchet MS"/>
                 <a:ea typeface="DejaVu Sans"/>
               </a:rPr>
-              <a:t>Racket Applications: DrRacket</a:t>
+              <a:t>Racket Applications: Hackett</a:t>
             </a:r>
             <a:endParaRPr b="0" lang="en-US" sz="5400" spc="-1" strike="noStrike">
               <a:latin typeface="Arial"/>
@@ -35311,7 +38474,7 @@
       </p:sp>
       <p:sp>
         <p:nvSpPr>
-          <p:cNvPr id="714" name="CustomShape 2"/>
+          <p:cNvPr id="776" name="CustomShape 2"/>
           <p:cNvSpPr/>
           <p:nvPr/>
         </p:nvSpPr>
@@ -35361,7 +38524,7 @@
                 <a:latin typeface="Arial"/>
                 <a:ea typeface="DejaVu Sans"/>
               </a:rPr>
-              <a:t>Some of the other features of racket we have discussed (GUI, OS support, etc) make it a feasible candidate for other applications</a:t>
+              <a:t>Hackett is a language similar to haskell written in Racket</a:t>
             </a:r>
             <a:endParaRPr b="0" lang="en-US" sz="2800" spc="-1" strike="noStrike">
               <a:latin typeface="Arial"/>
@@ -35390,7 +38553,7 @@
                 <a:latin typeface="Arial"/>
                 <a:ea typeface="DejaVu Sans"/>
               </a:rPr>
-              <a:t>In fact, Racket’s IDE (DrRacket [7]) was written in Racket </a:t>
+              <a:t>Hackett is a statically typed, pure, lazy, functional programming language in the Racket language ecosystem</a:t>
             </a:r>
             <a:endParaRPr b="0" lang="en-US" sz="2800" spc="-1" strike="noStrike">
               <a:latin typeface="Arial"/>
@@ -35419,125 +38582,9 @@
                 <a:latin typeface="Arial"/>
                 <a:ea typeface="DejaVu Sans"/>
               </a:rPr>
-              <a:t>DrRacket includes all typical features of an IDE</a:t>
+              <a:t>Project repo (which includes a demo) [5] </a:t>
             </a:r>
             <a:endParaRPr b="0" lang="en-US" sz="2800" spc="-1" strike="noStrike">
-              <a:latin typeface="Arial"/>
-            </a:endParaRPr>
-          </a:p>
-          <a:p>
-            <a:pPr lvl="1" marL="864000" indent="-322560">
-              <a:lnSpc>
-                <a:spcPct val="100000"/>
-              </a:lnSpc>
-              <a:spcBef>
-                <a:spcPts val="1134"/>
-              </a:spcBef>
-              <a:buClr>
-                <a:srgbClr val="000000"/>
-              </a:buClr>
-              <a:buSzPct val="75000"/>
-              <a:buFont typeface="Symbol"/>
-              <a:buChar char=""/>
-            </a:pPr>
-            <a:r>
-              <a:rPr b="0" lang="en-US" sz="2000" spc="-1" strike="noStrike">
-                <a:solidFill>
-                  <a:srgbClr val="000000"/>
-                </a:solidFill>
-                <a:latin typeface="Arial"/>
-                <a:ea typeface="DejaVu Sans"/>
-              </a:rPr>
-              <a:t>Debugging</a:t>
-            </a:r>
-            <a:endParaRPr b="0" lang="en-US" sz="2000" spc="-1" strike="noStrike">
-              <a:latin typeface="Arial"/>
-            </a:endParaRPr>
-          </a:p>
-          <a:p>
-            <a:pPr lvl="1" marL="864000" indent="-322560">
-              <a:lnSpc>
-                <a:spcPct val="100000"/>
-              </a:lnSpc>
-              <a:spcBef>
-                <a:spcPts val="1134"/>
-              </a:spcBef>
-              <a:buClr>
-                <a:srgbClr val="000000"/>
-              </a:buClr>
-              <a:buSzPct val="75000"/>
-              <a:buFont typeface="Symbol"/>
-              <a:buChar char=""/>
-            </a:pPr>
-            <a:r>
-              <a:rPr b="0" lang="en-US" sz="2000" spc="-1" strike="noStrike">
-                <a:solidFill>
-                  <a:srgbClr val="000000"/>
-                </a:solidFill>
-                <a:latin typeface="Arial"/>
-                <a:ea typeface="DejaVu Sans"/>
-              </a:rPr>
-              <a:t>Source highlighting</a:t>
-            </a:r>
-            <a:endParaRPr b="0" lang="en-US" sz="2000" spc="-1" strike="noStrike">
-              <a:latin typeface="Arial"/>
-            </a:endParaRPr>
-          </a:p>
-          <a:p>
-            <a:pPr lvl="1" marL="864000" indent="-322560">
-              <a:lnSpc>
-                <a:spcPct val="100000"/>
-              </a:lnSpc>
-              <a:spcBef>
-                <a:spcPts val="1134"/>
-              </a:spcBef>
-              <a:buClr>
-                <a:srgbClr val="000000"/>
-              </a:buClr>
-              <a:buSzPct val="75000"/>
-              <a:buFont typeface="Symbol"/>
-              <a:buChar char=""/>
-            </a:pPr>
-            <a:r>
-              <a:rPr b="0" lang="en-US" sz="2000" spc="-1" strike="noStrike">
-                <a:solidFill>
-                  <a:srgbClr val="000000"/>
-                </a:solidFill>
-                <a:latin typeface="Arial"/>
-                <a:ea typeface="DejaVu Sans"/>
-              </a:rPr>
-              <a:t>Library Support</a:t>
-            </a:r>
-            <a:endParaRPr b="0" lang="en-US" sz="2000" spc="-1" strike="noStrike">
-              <a:latin typeface="Arial"/>
-            </a:endParaRPr>
-          </a:p>
-          <a:p>
-            <a:pPr lvl="1" marL="864000" indent="-322560">
-              <a:lnSpc>
-                <a:spcPct val="100000"/>
-              </a:lnSpc>
-              <a:spcBef>
-                <a:spcPts val="1134"/>
-              </a:spcBef>
-              <a:buClr>
-                <a:srgbClr val="000000"/>
-              </a:buClr>
-              <a:buSzPct val="75000"/>
-              <a:buFont typeface="Symbol"/>
-              <a:buChar char=""/>
-            </a:pPr>
-            <a:r>
-              <a:rPr b="0" lang="en-US" sz="2000" spc="-1" strike="noStrike">
-                <a:solidFill>
-                  <a:srgbClr val="000000"/>
-                </a:solidFill>
-                <a:latin typeface="Arial"/>
-                <a:ea typeface="DejaVu Sans"/>
-              </a:rPr>
-              <a:t>Etc.</a:t>
-            </a:r>
-            <a:endParaRPr b="0" lang="en-US" sz="2000" spc="-1" strike="noStrike">
               <a:latin typeface="Arial"/>
             </a:endParaRPr>
           </a:p>
@@ -35575,7 +38622,7 @@
       </p:grpSpPr>
       <p:sp>
         <p:nvSpPr>
-          <p:cNvPr id="663" name="CustomShape 1"/>
+          <p:cNvPr id="723" name="CustomShape 1"/>
           <p:cNvSpPr/>
           <p:nvPr/>
         </p:nvSpPr>
@@ -35626,7 +38673,7 @@
       </p:sp>
       <p:sp>
         <p:nvSpPr>
-          <p:cNvPr id="664" name="CustomShape 2"/>
+          <p:cNvPr id="724" name="CustomShape 2"/>
           <p:cNvSpPr/>
           <p:nvPr/>
         </p:nvSpPr>
@@ -35920,14 +38967,14 @@
       </p:grpSpPr>
       <p:sp>
         <p:nvSpPr>
-          <p:cNvPr id="715" name="CustomShape 1"/>
+          <p:cNvPr id="777" name="CustomShape 1"/>
           <p:cNvSpPr/>
           <p:nvPr/>
         </p:nvSpPr>
         <p:spPr>
           <a:xfrm>
-            <a:off x="1886040" y="205560"/>
-            <a:ext cx="6365160" cy="1233720"/>
+            <a:off x="2011680" y="274680"/>
+            <a:ext cx="7764840" cy="1644120"/>
           </a:xfrm>
           <a:prstGeom prst="rect">
             <a:avLst/>
@@ -35961,7 +39008,7 @@
                 <a:latin typeface="Trebuchet MS"/>
                 <a:ea typeface="DejaVu Sans"/>
               </a:rPr>
-              <a:t>Projects on GitHub</a:t>
+              <a:t>Racket Applications: Fractalide</a:t>
             </a:r>
             <a:endParaRPr b="0" lang="en-US" sz="5400" spc="-1" strike="noStrike">
               <a:latin typeface="Arial"/>
@@ -35969,52 +39016,124 @@
           </a:p>
         </p:txBody>
       </p:sp>
-      <p:pic>
-        <p:nvPicPr>
-          <p:cNvPr id="716" name="Picture 2" descr=""/>
-          <p:cNvPicPr/>
+      <p:sp>
+        <p:nvSpPr>
+          <p:cNvPr id="778" name="CustomShape 2"/>
+          <p:cNvSpPr/>
           <p:nvPr/>
-        </p:nvPicPr>
-        <p:blipFill>
-          <a:blip r:embed="rId1"/>
-          <a:stretch/>
-        </p:blipFill>
-        <p:spPr>
-          <a:xfrm>
-            <a:off x="839880" y="1555200"/>
-            <a:ext cx="4953600" cy="4211640"/>
-          </a:xfrm>
-          <a:prstGeom prst="rect">
-            <a:avLst/>
-          </a:prstGeom>
+        </p:nvSpPr>
+        <p:spPr>
+          <a:xfrm>
+            <a:off x="457560" y="2057760"/>
+            <a:ext cx="10971000" cy="3975840"/>
+          </a:xfrm>
+          <a:prstGeom prst="rect">
+            <a:avLst/>
+          </a:prstGeom>
+          <a:noFill/>
           <a:ln>
             <a:noFill/>
           </a:ln>
         </p:spPr>
-      </p:pic>
-      <p:pic>
-        <p:nvPicPr>
-          <p:cNvPr id="717" name="Picture 4" descr=""/>
-          <p:cNvPicPr/>
-          <p:nvPr/>
-        </p:nvPicPr>
-        <p:blipFill>
-          <a:blip r:embed="rId2"/>
-          <a:stretch/>
-        </p:blipFill>
-        <p:spPr>
-          <a:xfrm>
-            <a:off x="6556680" y="1513080"/>
-            <a:ext cx="2636280" cy="4335120"/>
-          </a:xfrm>
-          <a:prstGeom prst="rect">
-            <a:avLst/>
-          </a:prstGeom>
-          <a:ln>
-            <a:noFill/>
-          </a:ln>
-        </p:spPr>
-      </p:pic>
+        <p:style>
+          <a:lnRef idx="0"/>
+          <a:fillRef idx="0"/>
+          <a:effectRef idx="0"/>
+          <a:fontRef idx="minor"/>
+        </p:style>
+        <p:txBody>
+          <a:bodyPr lIns="0" rIns="0" tIns="0" bIns="0">
+            <a:normAutofit/>
+          </a:bodyPr>
+          <a:p>
+            <a:pPr marL="432000" indent="-322560">
+              <a:lnSpc>
+                <a:spcPct val="100000"/>
+              </a:lnSpc>
+              <a:spcBef>
+                <a:spcPts val="1417"/>
+              </a:spcBef>
+              <a:buClr>
+                <a:srgbClr val="000000"/>
+              </a:buClr>
+              <a:buSzPct val="45000"/>
+              <a:buFont typeface="Wingdings" charset="2"/>
+              <a:buChar char=""/>
+            </a:pPr>
+            <a:r>
+              <a:rPr b="0" lang="en-US" sz="2800" spc="-1" strike="noStrike">
+                <a:solidFill>
+                  <a:srgbClr val="000000"/>
+                </a:solidFill>
+                <a:latin typeface="Arial"/>
+                <a:ea typeface="DejaVu Sans"/>
+              </a:rPr>
+              <a:t>Fractalide [6] is another open-source programming language written in Racket</a:t>
+            </a:r>
+            <a:endParaRPr b="0" lang="en-US" sz="2800" spc="-1" strike="noStrike">
+              <a:latin typeface="Arial"/>
+            </a:endParaRPr>
+          </a:p>
+          <a:p>
+            <a:pPr marL="432000" indent="-322560">
+              <a:lnSpc>
+                <a:spcPct val="100000"/>
+              </a:lnSpc>
+              <a:spcBef>
+                <a:spcPts val="1417"/>
+              </a:spcBef>
+              <a:buClr>
+                <a:srgbClr val="000000"/>
+              </a:buClr>
+              <a:buSzPct val="45000"/>
+              <a:buFont typeface="Wingdings" charset="2"/>
+              <a:buChar char=""/>
+            </a:pPr>
+            <a:r>
+              <a:rPr b="0" lang="en-US" sz="2800" spc="-1" strike="noStrike">
+                <a:solidFill>
+                  <a:srgbClr val="000000"/>
+                </a:solidFill>
+                <a:latin typeface="Arial"/>
+                <a:ea typeface="DejaVu Sans"/>
+              </a:rPr>
+              <a:t>An interesting approach to designing a programming language which utilizes graphs as the basic language concepts</a:t>
+            </a:r>
+            <a:endParaRPr b="0" lang="en-US" sz="2800" spc="-1" strike="noStrike">
+              <a:latin typeface="Arial"/>
+            </a:endParaRPr>
+          </a:p>
+          <a:p>
+            <a:pPr marL="432000" indent="-322560">
+              <a:lnSpc>
+                <a:spcPct val="100000"/>
+              </a:lnSpc>
+              <a:spcBef>
+                <a:spcPts val="1417"/>
+              </a:spcBef>
+              <a:buClr>
+                <a:srgbClr val="000000"/>
+              </a:buClr>
+              <a:buSzPct val="45000"/>
+              <a:buFont typeface="Wingdings" charset="2"/>
+              <a:buChar char=""/>
+            </a:pPr>
+            <a:r>
+              <a:rPr b="0" lang="en-US" sz="2800" spc="-1" strike="noStrike">
+                <a:solidFill>
+                  <a:srgbClr val="000000"/>
+                </a:solidFill>
+                <a:latin typeface="Arial"/>
+                <a:ea typeface="DejaVu Sans"/>
+              </a:rPr>
+              <a:t>Project makes use of the functional features of racket (e.g. tail-call optimization, etc)</a:t>
+            </a:r>
+            <a:endParaRPr b="0" lang="en-US" sz="2800" spc="-1" strike="noStrike">
+              <a:latin typeface="Arial"/>
+            </a:endParaRPr>
+          </a:p>
+        </p:txBody>
+      </p:sp>
     </p:spTree>
   </p:cSld>
   <mc:AlternateContent>
@@ -36047,14 +39166,14 @@
       </p:grpSpPr>
       <p:sp>
         <p:nvSpPr>
-          <p:cNvPr id="718" name="CustomShape 1"/>
+          <p:cNvPr id="779" name="CustomShape 1"/>
           <p:cNvSpPr/>
           <p:nvPr/>
         </p:nvSpPr>
         <p:spPr>
           <a:xfrm>
-            <a:off x="2703960" y="205560"/>
-            <a:ext cx="5547240" cy="1233720"/>
+            <a:off x="2011680" y="274680"/>
+            <a:ext cx="7764840" cy="1644120"/>
           </a:xfrm>
           <a:prstGeom prst="rect">
             <a:avLst/>
@@ -36088,7 +39207,7 @@
                 <a:latin typeface="Trebuchet MS"/>
                 <a:ea typeface="DejaVu Sans"/>
               </a:rPr>
-              <a:t>Racket in Action</a:t>
+              <a:t>Racket Applications: DrRacket</a:t>
             </a:r>
             <a:endParaRPr b="0" lang="en-US" sz="5400" spc="-1" strike="noStrike">
               <a:latin typeface="Arial"/>
@@ -36096,47 +39215,16 @@
           </a:p>
         </p:txBody>
       </p:sp>
-      <p:pic>
-        <p:nvPicPr>
-          <p:cNvPr id="719" name="Picture 2" descr=""/>
-          <p:cNvPicPr/>
-          <p:nvPr/>
-        </p:nvPicPr>
-        <p:blipFill>
-          <a:blip r:embed="rId1"/>
-          <a:srcRect l="16170" t="11458" r="63475" b="13540"/>
-          <a:stretch/>
-        </p:blipFill>
-        <p:spPr>
-          <a:xfrm>
-            <a:off x="918360" y="1523880"/>
-            <a:ext cx="4473360" cy="4947120"/>
-          </a:xfrm>
-          <a:prstGeom prst="rect">
-            <a:avLst/>
-          </a:prstGeom>
-          <a:ln>
-            <a:noFill/>
-          </a:ln>
-          <a:effectLst>
-            <a:outerShdw algn="tl" blurRad="292100" dir="2700000" dist="139498" rotWithShape="0">
-              <a:srgbClr val="333333">
-                <a:alpha val="65000"/>
-              </a:srgbClr>
-            </a:outerShdw>
-          </a:effectLst>
-        </p:spPr>
-      </p:pic>
-      <p:sp>
-        <p:nvSpPr>
-          <p:cNvPr id="720" name="CustomShape 2"/>
+      <p:sp>
+        <p:nvSpPr>
+          <p:cNvPr id="780" name="CustomShape 2"/>
           <p:cNvSpPr/>
           <p:nvPr/>
         </p:nvSpPr>
         <p:spPr>
           <a:xfrm>
-            <a:off x="5591520" y="1552680"/>
-            <a:ext cx="4752360" cy="3976200"/>
+            <a:off x="457560" y="2057760"/>
+            <a:ext cx="10971000" cy="3975840"/>
           </a:xfrm>
           <a:prstGeom prst="rect">
             <a:avLst/>
@@ -36157,30 +39245,7 @@
             <a:normAutofit/>
           </a:bodyPr>
           <a:p>
-            <a:pPr marL="108720">
-              <a:lnSpc>
-                <a:spcPct val="100000"/>
-              </a:lnSpc>
-              <a:spcBef>
-                <a:spcPts val="1417"/>
-              </a:spcBef>
-            </a:pPr>
-            <a:r>
-              <a:rPr b="0" lang="en-US" sz="2800" spc="-1" strike="noStrike">
-                <a:solidFill>
-                  <a:srgbClr val="000000"/>
-                </a:solidFill>
-                <a:latin typeface="Arial"/>
-                <a:ea typeface="DejaVu Sans"/>
-              </a:rPr>
-              <a:t>Demo projects:</a:t>
-            </a:r>
-            <a:endParaRPr b="0" lang="en-US" sz="2800" spc="-1" strike="noStrike">
-              <a:latin typeface="Arial"/>
-            </a:endParaRPr>
-          </a:p>
-          <a:p>
-            <a:pPr lvl="1" marL="889200" indent="-322920">
+            <a:pPr marL="432000" indent="-322560">
               <a:lnSpc>
                 <a:spcPct val="100000"/>
               </a:lnSpc>
@@ -36202,14 +39267,14 @@
                 <a:latin typeface="Arial"/>
                 <a:ea typeface="DejaVu Sans"/>
               </a:rPr>
-              <a:t>Recursion</a:t>
+              <a:t>Some of the other features of racket we have discussed (GUI, OS support, etc) make it a feasible candidate for other applications</a:t>
             </a:r>
             <a:endParaRPr b="0" lang="en-US" sz="2800" spc="-1" strike="noStrike">
               <a:latin typeface="Arial"/>
             </a:endParaRPr>
           </a:p>
           <a:p>
-            <a:pPr lvl="1" marL="889200" indent="-322920">
+            <a:pPr marL="432000" indent="-322560">
               <a:lnSpc>
                 <a:spcPct val="100000"/>
               </a:lnSpc>
@@ -36231,22 +39296,154 @@
                 <a:latin typeface="Arial"/>
                 <a:ea typeface="DejaVu Sans"/>
               </a:rPr>
-              <a:t>Web application</a:t>
+              <a:t>In fact, Racket’s IDE (DrRacket [7]) was written in Racket </a:t>
             </a:r>
             <a:endParaRPr b="0" lang="en-US" sz="2800" spc="-1" strike="noStrike">
               <a:latin typeface="Arial"/>
             </a:endParaRPr>
           </a:p>
           <a:p>
-            <a:pPr>
+            <a:pPr marL="432000" indent="-322560">
+              <a:lnSpc>
+                <a:spcPct val="100000"/>
+              </a:lnSpc>
+              <a:spcBef>
+                <a:spcPts val="1417"/>
+              </a:spcBef>
+              <a:buClr>
+                <a:srgbClr val="000000"/>
+              </a:buClr>
+              <a:buSzPct val="45000"/>
+              <a:buFont typeface="Wingdings" charset="2"/>
+              <a:buChar char=""/>
+            </a:pPr>
+            <a:r>
+              <a:rPr b="0" lang="en-US" sz="2800" spc="-1" strike="noStrike">
+                <a:solidFill>
+                  <a:srgbClr val="000000"/>
+                </a:solidFill>
+                <a:latin typeface="Arial"/>
+                <a:ea typeface="DejaVu Sans"/>
+              </a:rPr>
+              <a:t>DrRacket includes all typical features of an IDE</a:t>
+            </a:r>
+            <a:endParaRPr b="0" lang="en-US" sz="2800" spc="-1" strike="noStrike">
+              <a:latin typeface="Arial"/>
+            </a:endParaRPr>
+          </a:p>
+          <a:p>
+            <a:pPr lvl="1" marL="864000" indent="-322560">
               <a:lnSpc>
                 <a:spcPct val="100000"/>
               </a:lnSpc>
               <a:spcBef>
                 <a:spcPts val="1134"/>
               </a:spcBef>
+              <a:buClr>
+                <a:srgbClr val="000000"/>
+              </a:buClr>
+              <a:buSzPct val="75000"/>
+              <a:buFont typeface="Symbol"/>
+              <a:buChar char=""/>
             </a:pPr>
-            <a:endParaRPr b="0" lang="en-US" sz="2800" spc="-1" strike="noStrike">
+            <a:r>
+              <a:rPr b="0" lang="en-US" sz="2000" spc="-1" strike="noStrike">
+                <a:solidFill>
+                  <a:srgbClr val="000000"/>
+                </a:solidFill>
+                <a:latin typeface="Arial"/>
+                <a:ea typeface="DejaVu Sans"/>
+              </a:rPr>
+              <a:t>Debugging</a:t>
+            </a:r>
+            <a:endParaRPr b="0" lang="en-US" sz="2000" spc="-1" strike="noStrike">
+              <a:latin typeface="Arial"/>
+            </a:endParaRPr>
+          </a:p>
+          <a:p>
+            <a:pPr lvl="1" marL="864000" indent="-322560">
+              <a:lnSpc>
+                <a:spcPct val="100000"/>
+              </a:lnSpc>
+              <a:spcBef>
+                <a:spcPts val="1134"/>
+              </a:spcBef>
+              <a:buClr>
+                <a:srgbClr val="000000"/>
+              </a:buClr>
+              <a:buSzPct val="75000"/>
+              <a:buFont typeface="Symbol"/>
+              <a:buChar char=""/>
+            </a:pPr>
+            <a:r>
+              <a:rPr b="0" lang="en-US" sz="2000" spc="-1" strike="noStrike">
+                <a:solidFill>
+                  <a:srgbClr val="000000"/>
+                </a:solidFill>
+                <a:latin typeface="Arial"/>
+                <a:ea typeface="DejaVu Sans"/>
+              </a:rPr>
+              <a:t>Source highlighting</a:t>
+            </a:r>
+            <a:endParaRPr b="0" lang="en-US" sz="2000" spc="-1" strike="noStrike">
+              <a:latin typeface="Arial"/>
+            </a:endParaRPr>
+          </a:p>
+          <a:p>
+            <a:pPr lvl="1" marL="864000" indent="-322560">
+              <a:lnSpc>
+                <a:spcPct val="100000"/>
+              </a:lnSpc>
+              <a:spcBef>
+                <a:spcPts val="1134"/>
+              </a:spcBef>
+              <a:buClr>
+                <a:srgbClr val="000000"/>
+              </a:buClr>
+              <a:buSzPct val="75000"/>
+              <a:buFont typeface="Symbol"/>
+              <a:buChar char=""/>
+            </a:pPr>
+            <a:r>
+              <a:rPr b="0" lang="en-US" sz="2000" spc="-1" strike="noStrike">
+                <a:solidFill>
+                  <a:srgbClr val="000000"/>
+                </a:solidFill>
+                <a:latin typeface="Arial"/>
+                <a:ea typeface="DejaVu Sans"/>
+              </a:rPr>
+              <a:t>Library Support</a:t>
+            </a:r>
+            <a:endParaRPr b="0" lang="en-US" sz="2000" spc="-1" strike="noStrike">
+              <a:latin typeface="Arial"/>
+            </a:endParaRPr>
+          </a:p>
+          <a:p>
+            <a:pPr lvl="1" marL="864000" indent="-322560">
+              <a:lnSpc>
+                <a:spcPct val="100000"/>
+              </a:lnSpc>
+              <a:spcBef>
+                <a:spcPts val="1134"/>
+              </a:spcBef>
+              <a:buClr>
+                <a:srgbClr val="000000"/>
+              </a:buClr>
+              <a:buSzPct val="75000"/>
+              <a:buFont typeface="Symbol"/>
+              <a:buChar char=""/>
+            </a:pPr>
+            <a:r>
+              <a:rPr b="0" lang="en-US" sz="2000" spc="-1" strike="noStrike">
+                <a:solidFill>
+                  <a:srgbClr val="000000"/>
+                </a:solidFill>
+                <a:latin typeface="Arial"/>
+                <a:ea typeface="DejaVu Sans"/>
+              </a:rPr>
+              <a:t>Etc.</a:t>
+            </a:r>
+            <a:endParaRPr b="0" lang="en-US" sz="2000" spc="-1" strike="noStrike">
               <a:latin typeface="Arial"/>
             </a:endParaRPr>
           </a:p>
@@ -36284,14 +39481,14 @@
       </p:grpSpPr>
       <p:sp>
         <p:nvSpPr>
-          <p:cNvPr id="721" name="CustomShape 1"/>
+          <p:cNvPr id="781" name="CustomShape 1"/>
           <p:cNvSpPr/>
           <p:nvPr/>
         </p:nvSpPr>
         <p:spPr>
           <a:xfrm>
-            <a:off x="2703960" y="205560"/>
-            <a:ext cx="6359400" cy="1233720"/>
+            <a:off x="1886040" y="205560"/>
+            <a:ext cx="6365160" cy="1233720"/>
           </a:xfrm>
           <a:prstGeom prst="rect">
             <a:avLst/>
@@ -36312,7 +39509,7 @@
             <a:noAutofit/>
           </a:bodyPr>
           <a:p>
-            <a:pPr algn="ctr">
+            <a:pPr algn="r">
               <a:lnSpc>
                 <a:spcPct val="100000"/>
               </a:lnSpc>
@@ -36325,7 +39522,7 @@
                 <a:latin typeface="Trebuchet MS"/>
                 <a:ea typeface="DejaVu Sans"/>
               </a:rPr>
-              <a:t>Conclusion</a:t>
+              <a:t>Projects on GitHub</a:t>
             </a:r>
             <a:endParaRPr b="0" lang="en-US" sz="5400" spc="-1" strike="noStrike">
               <a:latin typeface="Arial"/>
@@ -36333,211 +39530,52 @@
           </a:p>
         </p:txBody>
       </p:sp>
-      <p:sp>
-        <p:nvSpPr>
-          <p:cNvPr id="722" name="CustomShape 2"/>
-          <p:cNvSpPr/>
+      <p:pic>
+        <p:nvPicPr>
+          <p:cNvPr id="782" name="Picture 2" descr=""/>
+          <p:cNvPicPr/>
           <p:nvPr/>
-        </p:nvSpPr>
-        <p:spPr>
-          <a:xfrm>
-            <a:off x="457560" y="2057760"/>
-            <a:ext cx="10971360" cy="3976200"/>
-          </a:xfrm>
-          <a:prstGeom prst="rect">
-            <a:avLst/>
-          </a:prstGeom>
-          <a:noFill/>
+        </p:nvPicPr>
+        <p:blipFill>
+          <a:blip r:embed="rId1"/>
+          <a:stretch/>
+        </p:blipFill>
+        <p:spPr>
+          <a:xfrm>
+            <a:off x="839880" y="1555200"/>
+            <a:ext cx="4953600" cy="4211640"/>
+          </a:xfrm>
+          <a:prstGeom prst="rect">
+            <a:avLst/>
+          </a:prstGeom>
           <a:ln>
             <a:noFill/>
           </a:ln>
         </p:spPr>
-        <p:style>
-          <a:lnRef idx="0"/>
-          <a:fillRef idx="0"/>
-          <a:effectRef idx="0"/>
-          <a:fontRef idx="minor"/>
-        </p:style>
-        <p:txBody>
-          <a:bodyPr lIns="0" rIns="0" tIns="0" bIns="0">
-            <a:normAutofit/>
-          </a:bodyPr>
-          <a:p>
-            <a:pPr marL="432000" indent="-322920">
-              <a:lnSpc>
-                <a:spcPct val="100000"/>
-              </a:lnSpc>
-              <a:spcBef>
-                <a:spcPts val="1417"/>
-              </a:spcBef>
-              <a:buClr>
-                <a:srgbClr val="000000"/>
-              </a:buClr>
-              <a:buSzPct val="45000"/>
-              <a:buFont typeface="Wingdings" charset="2"/>
-              <a:buChar char=""/>
-            </a:pPr>
-            <a:r>
-              <a:rPr b="0" lang="en-US" sz="2800" spc="-1" strike="noStrike">
-                <a:solidFill>
-                  <a:srgbClr val="000000"/>
-                </a:solidFill>
-                <a:latin typeface="Arial"/>
-                <a:ea typeface="DejaVu Sans"/>
-              </a:rPr>
-              <a:t>Open source and cross-platform support</a:t>
-            </a:r>
-            <a:endParaRPr b="0" lang="en-US" sz="2800" spc="-1" strike="noStrike">
-              <a:latin typeface="Arial"/>
-            </a:endParaRPr>
-          </a:p>
-          <a:p>
-            <a:pPr marL="432000" indent="-322920">
-              <a:lnSpc>
-                <a:spcPct val="100000"/>
-              </a:lnSpc>
-              <a:spcBef>
-                <a:spcPts val="1417"/>
-              </a:spcBef>
-              <a:buClr>
-                <a:srgbClr val="000000"/>
-              </a:buClr>
-              <a:buSzPct val="45000"/>
-              <a:buFont typeface="Wingdings" charset="2"/>
-              <a:buChar char=""/>
-            </a:pPr>
-            <a:r>
-              <a:rPr b="0" lang="en-US" sz="2800" spc="-1" strike="noStrike">
-                <a:solidFill>
-                  <a:srgbClr val="000000"/>
-                </a:solidFill>
-                <a:latin typeface="Arial"/>
-                <a:ea typeface="DejaVu Sans"/>
-              </a:rPr>
-              <a:t>Concise and full-featured</a:t>
-            </a:r>
-            <a:endParaRPr b="0" lang="en-US" sz="2800" spc="-1" strike="noStrike">
-              <a:latin typeface="Arial"/>
-            </a:endParaRPr>
-          </a:p>
-          <a:p>
-            <a:pPr marL="432000" indent="-322920">
-              <a:lnSpc>
-                <a:spcPct val="100000"/>
-              </a:lnSpc>
-              <a:spcBef>
-                <a:spcPts val="1417"/>
-              </a:spcBef>
-              <a:buClr>
-                <a:srgbClr val="000000"/>
-              </a:buClr>
-              <a:buSzPct val="45000"/>
-              <a:buFont typeface="Wingdings" charset="2"/>
-              <a:buChar char=""/>
-            </a:pPr>
-            <a:r>
-              <a:rPr b="0" lang="en-US" sz="2800" spc="-1" strike="noStrike">
-                <a:solidFill>
-                  <a:srgbClr val="000000"/>
-                </a:solidFill>
-                <a:latin typeface="Arial"/>
-                <a:ea typeface="DejaVu Sans"/>
-              </a:rPr>
-              <a:t>Libraries and Documentation</a:t>
-            </a:r>
-            <a:endParaRPr b="0" lang="en-US" sz="2800" spc="-1" strike="noStrike">
-              <a:latin typeface="Arial"/>
-            </a:endParaRPr>
-          </a:p>
-          <a:p>
-            <a:pPr marL="432000" indent="-322920">
-              <a:lnSpc>
-                <a:spcPct val="100000"/>
-              </a:lnSpc>
-              <a:spcBef>
-                <a:spcPts val="1417"/>
-              </a:spcBef>
-              <a:buClr>
-                <a:srgbClr val="000000"/>
-              </a:buClr>
-              <a:buSzPct val="45000"/>
-              <a:buFont typeface="Wingdings" charset="2"/>
-              <a:buChar char=""/>
-            </a:pPr>
-            <a:r>
-              <a:rPr b="0" lang="en-US" sz="2800" spc="-1" strike="noStrike">
-                <a:solidFill>
-                  <a:srgbClr val="000000"/>
-                </a:solidFill>
-                <a:latin typeface="Arial"/>
-                <a:ea typeface="DejaVu Sans"/>
-              </a:rPr>
-              <a:t>Interactive IDE</a:t>
-            </a:r>
-            <a:endParaRPr b="0" lang="en-US" sz="2800" spc="-1" strike="noStrike">
-              <a:latin typeface="Arial"/>
-            </a:endParaRPr>
-          </a:p>
-          <a:p>
-            <a:pPr marL="432000" indent="-322920">
-              <a:lnSpc>
-                <a:spcPct val="100000"/>
-              </a:lnSpc>
-              <a:spcBef>
-                <a:spcPts val="1417"/>
-              </a:spcBef>
-              <a:buClr>
-                <a:srgbClr val="000000"/>
-              </a:buClr>
-              <a:buSzPct val="45000"/>
-              <a:buFont typeface="Wingdings" charset="2"/>
-              <a:buChar char=""/>
-            </a:pPr>
-            <a:r>
-              <a:rPr b="0" lang="en-US" sz="2800" spc="-1" strike="noStrike">
-                <a:solidFill>
-                  <a:srgbClr val="000000"/>
-                </a:solidFill>
-                <a:latin typeface="Arial"/>
-                <a:ea typeface="DejaVu Sans"/>
-              </a:rPr>
-              <a:t>Use of Macros</a:t>
-            </a:r>
-            <a:endParaRPr b="0" lang="en-US" sz="2800" spc="-1" strike="noStrike">
-              <a:latin typeface="Arial"/>
-            </a:endParaRPr>
-          </a:p>
-          <a:p>
-            <a:pPr marL="432000" indent="-322920">
-              <a:lnSpc>
-                <a:spcPct val="100000"/>
-              </a:lnSpc>
-              <a:spcBef>
-                <a:spcPts val="1417"/>
-              </a:spcBef>
-              <a:buClr>
-                <a:srgbClr val="000000"/>
-              </a:buClr>
-              <a:buSzPct val="45000"/>
-              <a:buFont typeface="Wingdings" charset="2"/>
-              <a:buChar char=""/>
-            </a:pPr>
-            <a:r>
-              <a:rPr b="0" lang="en-US" sz="2800" spc="-1" strike="noStrike">
-                <a:solidFill>
-                  <a:srgbClr val="000000"/>
-                </a:solidFill>
-                <a:latin typeface="Arial"/>
-                <a:ea typeface="DejaVu Sans"/>
-              </a:rPr>
-              <a:t>New language prototyping</a:t>
-            </a:r>
-            <a:endParaRPr b="0" lang="en-US" sz="2800" spc="-1" strike="noStrike">
-              <a:latin typeface="Arial"/>
-            </a:endParaRPr>
-          </a:p>
-        </p:txBody>
-      </p:sp>
+      </p:pic>
+      <p:pic>
+        <p:nvPicPr>
+          <p:cNvPr id="783" name="Picture 4" descr=""/>
+          <p:cNvPicPr/>
+          <p:nvPr/>
+        </p:nvPicPr>
+        <p:blipFill>
+          <a:blip r:embed="rId2"/>
+          <a:stretch/>
+        </p:blipFill>
+        <p:spPr>
+          <a:xfrm>
+            <a:off x="6556680" y="1513080"/>
+            <a:ext cx="2636280" cy="4335120"/>
+          </a:xfrm>
+          <a:prstGeom prst="rect">
+            <a:avLst/>
+          </a:prstGeom>
+          <a:ln>
+            <a:noFill/>
+          </a:ln>
+        </p:spPr>
+      </p:pic>
     </p:spTree>
   </p:cSld>
   <mc:AlternateContent>
@@ -36570,7 +39608,530 @@
       </p:grpSpPr>
       <p:sp>
         <p:nvSpPr>
-          <p:cNvPr id="723" name="CustomShape 1"/>
+          <p:cNvPr id="784" name="CustomShape 1"/>
+          <p:cNvSpPr/>
+          <p:nvPr/>
+        </p:nvSpPr>
+        <p:spPr>
+          <a:xfrm>
+            <a:off x="2703960" y="205560"/>
+            <a:ext cx="5547240" cy="1233720"/>
+          </a:xfrm>
+          <a:prstGeom prst="rect">
+            <a:avLst/>
+          </a:prstGeom>
+          <a:noFill/>
+          <a:ln>
+            <a:noFill/>
+          </a:ln>
+        </p:spPr>
+        <p:style>
+          <a:lnRef idx="0"/>
+          <a:fillRef idx="0"/>
+          <a:effectRef idx="0"/>
+          <a:fontRef idx="minor"/>
+        </p:style>
+        <p:txBody>
+          <a:bodyPr lIns="0" rIns="0" tIns="0" bIns="0" anchor="ctr">
+            <a:noAutofit/>
+          </a:bodyPr>
+          <a:p>
+            <a:pPr algn="r">
+              <a:lnSpc>
+                <a:spcPct val="100000"/>
+              </a:lnSpc>
+            </a:pPr>
+            <a:r>
+              <a:rPr b="0" lang="en-US" sz="5400" spc="-1" strike="noStrike">
+                <a:solidFill>
+                  <a:srgbClr val="4f81bd"/>
+                </a:solidFill>
+                <a:latin typeface="Trebuchet MS"/>
+                <a:ea typeface="DejaVu Sans"/>
+              </a:rPr>
+              <a:t>Racket in Action</a:t>
+            </a:r>
+            <a:endParaRPr b="0" lang="en-US" sz="5400" spc="-1" strike="noStrike">
+              <a:latin typeface="Arial"/>
+            </a:endParaRPr>
+          </a:p>
+        </p:txBody>
+      </p:sp>
+      <p:pic>
+        <p:nvPicPr>
+          <p:cNvPr id="785" name="Picture 2" descr=""/>
+          <p:cNvPicPr/>
+          <p:nvPr/>
+        </p:nvPicPr>
+        <p:blipFill>
+          <a:blip r:embed="rId1"/>
+          <a:srcRect l="16170" t="11458" r="63475" b="13540"/>
+          <a:stretch/>
+        </p:blipFill>
+        <p:spPr>
+          <a:xfrm>
+            <a:off x="918360" y="1523880"/>
+            <a:ext cx="4473360" cy="4947120"/>
+          </a:xfrm>
+          <a:prstGeom prst="rect">
+            <a:avLst/>
+          </a:prstGeom>
+          <a:ln>
+            <a:noFill/>
+          </a:ln>
+          <a:effectLst>
+            <a:outerShdw algn="tl" blurRad="292100" dir="2700000" dist="139498" rotWithShape="0">
+              <a:srgbClr val="333333">
+                <a:alpha val="65000"/>
+              </a:srgbClr>
+            </a:outerShdw>
+          </a:effectLst>
+        </p:spPr>
+      </p:pic>
+      <p:sp>
+        <p:nvSpPr>
+          <p:cNvPr id="786" name="CustomShape 2"/>
+          <p:cNvSpPr/>
+          <p:nvPr/>
+        </p:nvSpPr>
+        <p:spPr>
+          <a:xfrm>
+            <a:off x="5591520" y="1552680"/>
+            <a:ext cx="4752360" cy="3976200"/>
+          </a:xfrm>
+          <a:prstGeom prst="rect">
+            <a:avLst/>
+          </a:prstGeom>
+          <a:noFill/>
+          <a:ln>
+            <a:noFill/>
+          </a:ln>
+        </p:spPr>
+        <p:style>
+          <a:lnRef idx="0"/>
+          <a:fillRef idx="0"/>
+          <a:effectRef idx="0"/>
+          <a:fontRef idx="minor"/>
+        </p:style>
+        <p:txBody>
+          <a:bodyPr lIns="0" rIns="0" tIns="0" bIns="0">
+            <a:normAutofit/>
+          </a:bodyPr>
+          <a:p>
+            <a:pPr marL="108720">
+              <a:lnSpc>
+                <a:spcPct val="100000"/>
+              </a:lnSpc>
+              <a:spcBef>
+                <a:spcPts val="1417"/>
+              </a:spcBef>
+            </a:pPr>
+            <a:r>
+              <a:rPr b="0" lang="en-US" sz="2800" spc="-1" strike="noStrike">
+                <a:solidFill>
+                  <a:srgbClr val="000000"/>
+                </a:solidFill>
+                <a:latin typeface="Arial"/>
+                <a:ea typeface="DejaVu Sans"/>
+              </a:rPr>
+              <a:t>Demo projects:</a:t>
+            </a:r>
+            <a:endParaRPr b="0" lang="en-US" sz="2800" spc="-1" strike="noStrike">
+              <a:latin typeface="Arial"/>
+            </a:endParaRPr>
+          </a:p>
+          <a:p>
+            <a:pPr lvl="1" marL="889200" indent="-322920">
+              <a:lnSpc>
+                <a:spcPct val="100000"/>
+              </a:lnSpc>
+              <a:spcBef>
+                <a:spcPts val="1417"/>
+              </a:spcBef>
+              <a:buClr>
+                <a:srgbClr val="000000"/>
+              </a:buClr>
+              <a:buSzPct val="45000"/>
+              <a:buFont typeface="Wingdings" charset="2"/>
+              <a:buChar char=""/>
+            </a:pPr>
+            <a:r>
+              <a:rPr b="0" lang="en-US" sz="2800" spc="-1" strike="noStrike">
+                <a:solidFill>
+                  <a:srgbClr val="000000"/>
+                </a:solidFill>
+                <a:latin typeface="Arial"/>
+                <a:ea typeface="DejaVu Sans"/>
+              </a:rPr>
+              <a:t>Recursion</a:t>
+            </a:r>
+            <a:endParaRPr b="0" lang="en-US" sz="2800" spc="-1" strike="noStrike">
+              <a:latin typeface="Arial"/>
+            </a:endParaRPr>
+          </a:p>
+          <a:p>
+            <a:pPr lvl="1" marL="889200" indent="-322920">
+              <a:lnSpc>
+                <a:spcPct val="100000"/>
+              </a:lnSpc>
+              <a:spcBef>
+                <a:spcPts val="1417"/>
+              </a:spcBef>
+              <a:buClr>
+                <a:srgbClr val="000000"/>
+              </a:buClr>
+              <a:buSzPct val="45000"/>
+              <a:buFont typeface="Wingdings" charset="2"/>
+              <a:buChar char=""/>
+            </a:pPr>
+            <a:r>
+              <a:rPr b="0" lang="en-US" sz="2800" spc="-1" strike="noStrike">
+                <a:solidFill>
+                  <a:srgbClr val="000000"/>
+                </a:solidFill>
+                <a:latin typeface="Arial"/>
+                <a:ea typeface="DejaVu Sans"/>
+              </a:rPr>
+              <a:t>Web application</a:t>
+            </a:r>
+            <a:endParaRPr b="0" lang="en-US" sz="2800" spc="-1" strike="noStrike">
+              <a:latin typeface="Arial"/>
+            </a:endParaRPr>
+          </a:p>
+          <a:p>
+            <a:pPr>
+              <a:lnSpc>
+                <a:spcPct val="100000"/>
+              </a:lnSpc>
+              <a:spcBef>
+                <a:spcPts val="1134"/>
+              </a:spcBef>
+            </a:pPr>
+            <a:endParaRPr b="0" lang="en-US" sz="2800" spc="-1" strike="noStrike">
+              <a:latin typeface="Arial"/>
+            </a:endParaRPr>
+          </a:p>
+        </p:txBody>
+      </p:sp>
+    </p:spTree>
+  </p:cSld>
+  <mc:AlternateContent>
+    <mc:Choice Requires="p14">
+      <p:transition spd="slow" p14:dur="2000"/>
+    </mc:Choice>
+    <mc:Fallback>
+      <p:transition spd="slow"/>
+    </mc:Fallback>
+  </mc:AlternateContent>
+</p:sld>
+</file>
+
+<file path=ppt/slides/slide24.xml><?xml version="1.0" encoding="utf-8"?>
+<p:sld xmlns:a="http://schemas.openxmlformats.org/drawingml/2006/main" xmlns:p="http://schemas.openxmlformats.org/presentationml/2006/main" xmlns:r="http://schemas.openxmlformats.org/officeDocument/2006/relationships" xmlns:p14="http://schemas.microsoft.com/office/powerpoint/2010/main" xmlns:p15="http://schemas.microsoft.com/office/powerpoint/2012/main" xmlns:mc="http://schemas.openxmlformats.org/markup-compatibility/2006">
+  <p:cSld>
+    <p:spTree>
+      <p:nvGrpSpPr>
+        <p:cNvPr id="1" name=""/>
+        <p:cNvGrpSpPr/>
+        <p:nvPr/>
+      </p:nvGrpSpPr>
+      <p:grpSpPr>
+        <a:xfrm>
+          <a:off x="0" y="0"/>
+          <a:ext cx="0" cy="0"/>
+          <a:chOff x="0" y="0"/>
+          <a:chExt cx="0" cy="0"/>
+        </a:xfrm>
+      </p:grpSpPr>
+      <p:sp>
+        <p:nvSpPr>
+          <p:cNvPr id="787" name="CustomShape 1"/>
+          <p:cNvSpPr/>
+          <p:nvPr/>
+        </p:nvSpPr>
+        <p:spPr>
+          <a:xfrm>
+            <a:off x="2703960" y="205560"/>
+            <a:ext cx="6359400" cy="1233720"/>
+          </a:xfrm>
+          <a:prstGeom prst="rect">
+            <a:avLst/>
+          </a:prstGeom>
+          <a:noFill/>
+          <a:ln>
+            <a:noFill/>
+          </a:ln>
+        </p:spPr>
+        <p:style>
+          <a:lnRef idx="0"/>
+          <a:fillRef idx="0"/>
+          <a:effectRef idx="0"/>
+          <a:fontRef idx="minor"/>
+        </p:style>
+        <p:txBody>
+          <a:bodyPr lIns="0" rIns="0" tIns="0" bIns="0" anchor="ctr">
+            <a:noAutofit/>
+          </a:bodyPr>
+          <a:p>
+            <a:pPr algn="ctr">
+              <a:lnSpc>
+                <a:spcPct val="100000"/>
+              </a:lnSpc>
+            </a:pPr>
+            <a:r>
+              <a:rPr b="0" lang="en-US" sz="5400" spc="-1" strike="noStrike">
+                <a:solidFill>
+                  <a:srgbClr val="4f81bd"/>
+                </a:solidFill>
+                <a:latin typeface="Trebuchet MS"/>
+                <a:ea typeface="DejaVu Sans"/>
+              </a:rPr>
+              <a:t>Conclusion</a:t>
+            </a:r>
+            <a:endParaRPr b="0" lang="en-US" sz="5400" spc="-1" strike="noStrike">
+              <a:latin typeface="Arial"/>
+            </a:endParaRPr>
+          </a:p>
+        </p:txBody>
+      </p:sp>
+      <p:sp>
+        <p:nvSpPr>
+          <p:cNvPr id="788" name="CustomShape 2"/>
+          <p:cNvSpPr/>
+          <p:nvPr/>
+        </p:nvSpPr>
+        <p:spPr>
+          <a:xfrm>
+            <a:off x="457560" y="2057760"/>
+            <a:ext cx="10971360" cy="3976200"/>
+          </a:xfrm>
+          <a:prstGeom prst="rect">
+            <a:avLst/>
+          </a:prstGeom>
+          <a:noFill/>
+          <a:ln>
+            <a:noFill/>
+          </a:ln>
+        </p:spPr>
+        <p:style>
+          <a:lnRef idx="0"/>
+          <a:fillRef idx="0"/>
+          <a:effectRef idx="0"/>
+          <a:fontRef idx="minor"/>
+        </p:style>
+        <p:txBody>
+          <a:bodyPr lIns="0" rIns="0" tIns="0" bIns="0">
+            <a:normAutofit/>
+          </a:bodyPr>
+          <a:p>
+            <a:pPr marL="432000" indent="-322920">
+              <a:lnSpc>
+                <a:spcPct val="100000"/>
+              </a:lnSpc>
+              <a:spcBef>
+                <a:spcPts val="1417"/>
+              </a:spcBef>
+              <a:buClr>
+                <a:srgbClr val="000000"/>
+              </a:buClr>
+              <a:buSzPct val="45000"/>
+              <a:buFont typeface="Wingdings" charset="2"/>
+              <a:buChar char=""/>
+            </a:pPr>
+            <a:r>
+              <a:rPr b="0" lang="en-US" sz="2800" spc="-1" strike="noStrike">
+                <a:solidFill>
+                  <a:srgbClr val="000000"/>
+                </a:solidFill>
+                <a:latin typeface="Arial"/>
+                <a:ea typeface="DejaVu Sans"/>
+              </a:rPr>
+              <a:t>Open source and cross-platform support</a:t>
+            </a:r>
+            <a:endParaRPr b="0" lang="en-US" sz="2800" spc="-1" strike="noStrike">
+              <a:latin typeface="Arial"/>
+            </a:endParaRPr>
+          </a:p>
+          <a:p>
+            <a:pPr marL="432000" indent="-322920">
+              <a:lnSpc>
+                <a:spcPct val="100000"/>
+              </a:lnSpc>
+              <a:spcBef>
+                <a:spcPts val="1417"/>
+              </a:spcBef>
+              <a:buClr>
+                <a:srgbClr val="000000"/>
+              </a:buClr>
+              <a:buSzPct val="45000"/>
+              <a:buFont typeface="Wingdings" charset="2"/>
+              <a:buChar char=""/>
+            </a:pPr>
+            <a:r>
+              <a:rPr b="0" lang="en-US" sz="2800" spc="-1" strike="noStrike">
+                <a:solidFill>
+                  <a:srgbClr val="000000"/>
+                </a:solidFill>
+                <a:latin typeface="Arial"/>
+                <a:ea typeface="DejaVu Sans"/>
+              </a:rPr>
+              <a:t>Concise and full-featured</a:t>
+            </a:r>
+            <a:endParaRPr b="0" lang="en-US" sz="2800" spc="-1" strike="noStrike">
+              <a:latin typeface="Arial"/>
+            </a:endParaRPr>
+          </a:p>
+          <a:p>
+            <a:pPr marL="432000" indent="-322920">
+              <a:lnSpc>
+                <a:spcPct val="100000"/>
+              </a:lnSpc>
+              <a:spcBef>
+                <a:spcPts val="1417"/>
+              </a:spcBef>
+              <a:buClr>
+                <a:srgbClr val="000000"/>
+              </a:buClr>
+              <a:buSzPct val="45000"/>
+              <a:buFont typeface="Wingdings" charset="2"/>
+              <a:buChar char=""/>
+            </a:pPr>
+            <a:r>
+              <a:rPr b="0" lang="en-US" sz="2800" spc="-1" strike="noStrike">
+                <a:solidFill>
+                  <a:srgbClr val="000000"/>
+                </a:solidFill>
+                <a:latin typeface="Arial"/>
+                <a:ea typeface="DejaVu Sans"/>
+              </a:rPr>
+              <a:t>Libraries and Documentation</a:t>
+            </a:r>
+            <a:endParaRPr b="0" lang="en-US" sz="2800" spc="-1" strike="noStrike">
+              <a:latin typeface="Arial"/>
+            </a:endParaRPr>
+          </a:p>
+          <a:p>
+            <a:pPr marL="432000" indent="-322920">
+              <a:lnSpc>
+                <a:spcPct val="100000"/>
+              </a:lnSpc>
+              <a:spcBef>
+                <a:spcPts val="1417"/>
+              </a:spcBef>
+              <a:buClr>
+                <a:srgbClr val="000000"/>
+              </a:buClr>
+              <a:buSzPct val="45000"/>
+              <a:buFont typeface="Wingdings" charset="2"/>
+              <a:buChar char=""/>
+            </a:pPr>
+            <a:r>
+              <a:rPr b="0" lang="en-US" sz="2800" spc="-1" strike="noStrike">
+                <a:solidFill>
+                  <a:srgbClr val="000000"/>
+                </a:solidFill>
+                <a:latin typeface="Arial"/>
+                <a:ea typeface="DejaVu Sans"/>
+              </a:rPr>
+              <a:t>Interactive IDE</a:t>
+            </a:r>
+            <a:endParaRPr b="0" lang="en-US" sz="2800" spc="-1" strike="noStrike">
+              <a:latin typeface="Arial"/>
+            </a:endParaRPr>
+          </a:p>
+          <a:p>
+            <a:pPr marL="432000" indent="-322920">
+              <a:lnSpc>
+                <a:spcPct val="100000"/>
+              </a:lnSpc>
+              <a:spcBef>
+                <a:spcPts val="1417"/>
+              </a:spcBef>
+              <a:buClr>
+                <a:srgbClr val="000000"/>
+              </a:buClr>
+              <a:buSzPct val="45000"/>
+              <a:buFont typeface="Wingdings" charset="2"/>
+              <a:buChar char=""/>
+            </a:pPr>
+            <a:r>
+              <a:rPr b="0" lang="en-US" sz="2800" spc="-1" strike="noStrike">
+                <a:solidFill>
+                  <a:srgbClr val="000000"/>
+                </a:solidFill>
+                <a:latin typeface="Arial"/>
+                <a:ea typeface="DejaVu Sans"/>
+              </a:rPr>
+              <a:t>Use of Macros</a:t>
+            </a:r>
+            <a:endParaRPr b="0" lang="en-US" sz="2800" spc="-1" strike="noStrike">
+              <a:latin typeface="Arial"/>
+            </a:endParaRPr>
+          </a:p>
+          <a:p>
+            <a:pPr marL="432000" indent="-322920">
+              <a:lnSpc>
+                <a:spcPct val="100000"/>
+              </a:lnSpc>
+              <a:spcBef>
+                <a:spcPts val="1417"/>
+              </a:spcBef>
+              <a:buClr>
+                <a:srgbClr val="000000"/>
+              </a:buClr>
+              <a:buSzPct val="45000"/>
+              <a:buFont typeface="Wingdings" charset="2"/>
+              <a:buChar char=""/>
+            </a:pPr>
+            <a:r>
+              <a:rPr b="0" lang="en-US" sz="2800" spc="-1" strike="noStrike">
+                <a:solidFill>
+                  <a:srgbClr val="000000"/>
+                </a:solidFill>
+                <a:latin typeface="Arial"/>
+                <a:ea typeface="DejaVu Sans"/>
+              </a:rPr>
+              <a:t>New language prototyping</a:t>
+            </a:r>
+            <a:endParaRPr b="0" lang="en-US" sz="2800" spc="-1" strike="noStrike">
+              <a:latin typeface="Arial"/>
+            </a:endParaRPr>
+          </a:p>
+        </p:txBody>
+      </p:sp>
+    </p:spTree>
+  </p:cSld>
+  <mc:AlternateContent>
+    <mc:Choice Requires="p14">
+      <p:transition spd="slow" p14:dur="2000"/>
+    </mc:Choice>
+    <mc:Fallback>
+      <p:transition spd="slow"/>
+    </mc:Fallback>
+  </mc:AlternateContent>
+</p:sld>
+</file>
+
+<file path=ppt/slides/slide25.xml><?xml version="1.0" encoding="utf-8"?>
+<p:sld xmlns:a="http://schemas.openxmlformats.org/drawingml/2006/main" xmlns:p="http://schemas.openxmlformats.org/presentationml/2006/main" xmlns:r="http://schemas.openxmlformats.org/officeDocument/2006/relationships" xmlns:p14="http://schemas.microsoft.com/office/powerpoint/2010/main" xmlns:p15="http://schemas.microsoft.com/office/powerpoint/2012/main" xmlns:mc="http://schemas.openxmlformats.org/markup-compatibility/2006">
+  <p:cSld>
+    <p:spTree>
+      <p:nvGrpSpPr>
+        <p:cNvPr id="1" name=""/>
+        <p:cNvGrpSpPr/>
+        <p:nvPr/>
+      </p:nvGrpSpPr>
+      <p:grpSpPr>
+        <a:xfrm>
+          <a:off x="0" y="0"/>
+          <a:ext cx="0" cy="0"/>
+          <a:chOff x="0" y="0"/>
+          <a:chExt cx="0" cy="0"/>
+        </a:xfrm>
+      </p:grpSpPr>
+      <p:sp>
+        <p:nvSpPr>
+          <p:cNvPr id="789" name="CustomShape 1"/>
           <p:cNvSpPr/>
           <p:nvPr/>
         </p:nvSpPr>
@@ -36621,14 +40182,14 @@
       </p:sp>
       <p:sp>
         <p:nvSpPr>
-          <p:cNvPr id="724" name="CustomShape 2"/>
+          <p:cNvPr id="790" name="CustomShape 2"/>
           <p:cNvSpPr/>
           <p:nvPr/>
         </p:nvSpPr>
         <p:spPr>
           <a:xfrm>
             <a:off x="747000" y="1351440"/>
-            <a:ext cx="7637040" cy="6124680"/>
+            <a:ext cx="7637040" cy="5221080"/>
           </a:xfrm>
           <a:prstGeom prst="rect">
             <a:avLst/>
@@ -36655,7 +40216,7 @@
               </a:lnSpc>
             </a:pPr>
             <a:r>
-              <a:rPr b="0" lang="en-US" sz="1800" spc="-1" strike="noStrike">
+              <a:rPr b="0" lang="en-US" sz="1500" spc="-1" strike="noStrike">
                 <a:solidFill>
                   <a:srgbClr val="000000"/>
                 </a:solidFill>
@@ -36665,7 +40226,7 @@
               <a:t>[1] Felleisen, Matthias, et al. "The racket manifesto." </a:t>
             </a:r>
             <a:r>
-              <a:rPr b="0" i="1" lang="en-US" sz="1800" spc="-1" strike="noStrike">
+              <a:rPr b="0" i="1" lang="en-US" sz="1500" spc="-1" strike="noStrike">
                 <a:solidFill>
                   <a:srgbClr val="000000"/>
                 </a:solidFill>
@@ -36675,7 +40236,7 @@
               <a:t>1st Summit on Advances in Programming Languages (SNAPL 2015)</a:t>
             </a:r>
             <a:r>
-              <a:rPr b="0" lang="en-US" sz="1800" spc="-1" strike="noStrike">
+              <a:rPr b="0" lang="en-US" sz="1500" spc="-1" strike="noStrike">
                 <a:solidFill>
                   <a:srgbClr val="000000"/>
                 </a:solidFill>
@@ -36684,7 +40245,7 @@
               </a:rPr>
               <a:t>. Schloss Dagstuhl-Leibniz-Zentrum fuer Informatik, 2015.</a:t>
             </a:r>
-            <a:endParaRPr b="0" lang="en-US" sz="1800" spc="-1" strike="noStrike">
+            <a:endParaRPr b="0" lang="en-US" sz="1500" spc="-1" strike="noStrike">
               <a:latin typeface="Arial"/>
             </a:endParaRPr>
           </a:p>
@@ -36694,7 +40255,7 @@
                 <a:spcPct val="100000"/>
               </a:lnSpc>
             </a:pPr>
-            <a:endParaRPr b="0" lang="en-US" sz="1800" spc="-1" strike="noStrike">
+            <a:endParaRPr b="0" lang="en-US" sz="1500" spc="-1" strike="noStrike">
               <a:latin typeface="Arial"/>
             </a:endParaRPr>
           </a:p>
@@ -36705,7 +40266,7 @@
               </a:lnSpc>
             </a:pPr>
             <a:r>
-              <a:rPr b="0" lang="en-US" sz="1800" spc="-1" strike="noStrike">
+              <a:rPr b="0" lang="en-US" sz="1500" spc="-1" strike="noStrike">
                 <a:solidFill>
                   <a:srgbClr val="000000"/>
                 </a:solidFill>
@@ -36715,7 +40276,7 @@
               <a:t>[2] Felleisen, Matthias, et al. "A programmable programming language." </a:t>
             </a:r>
             <a:r>
-              <a:rPr b="0" i="1" lang="en-US" sz="1800" spc="-1" strike="noStrike">
+              <a:rPr b="0" i="1" lang="en-US" sz="1500" spc="-1" strike="noStrike">
                 <a:solidFill>
                   <a:srgbClr val="000000"/>
                 </a:solidFill>
@@ -36725,7 +40286,7 @@
               <a:t>Communications of the ACM</a:t>
             </a:r>
             <a:r>
-              <a:rPr b="0" lang="en-US" sz="1800" spc="-1" strike="noStrike">
+              <a:rPr b="0" lang="en-US" sz="1500" spc="-1" strike="noStrike">
                 <a:solidFill>
                   <a:srgbClr val="000000"/>
                 </a:solidFill>
@@ -36734,7 +40295,7 @@
               </a:rPr>
               <a:t> 61.3 (2018): 62-71.</a:t>
             </a:r>
-            <a:endParaRPr b="0" lang="en-US" sz="1800" spc="-1" strike="noStrike">
+            <a:endParaRPr b="0" lang="en-US" sz="1500" spc="-1" strike="noStrike">
               <a:latin typeface="Arial"/>
             </a:endParaRPr>
           </a:p>
@@ -36744,7 +40305,7 @@
                 <a:spcPct val="100000"/>
               </a:lnSpc>
             </a:pPr>
-            <a:endParaRPr b="0" lang="en-US" sz="1800" spc="-1" strike="noStrike">
+            <a:endParaRPr b="0" lang="en-US" sz="1500" spc="-1" strike="noStrike">
               <a:latin typeface="Arial"/>
             </a:endParaRPr>
           </a:p>
@@ -36755,7 +40316,7 @@
               </a:lnSpc>
             </a:pPr>
             <a:r>
-              <a:rPr b="0" lang="en-US" sz="1800" spc="-1" strike="noStrike">
+              <a:rPr b="0" lang="en-US" sz="1500" spc="-1" strike="noStrike">
                 <a:solidFill>
                   <a:srgbClr val="000000"/>
                 </a:solidFill>
@@ -36765,7 +40326,7 @@
               <a:t>[3] Findler, Robert Bruce, et al. "DrScheme: A programming environment for Scheme." </a:t>
             </a:r>
             <a:r>
-              <a:rPr b="0" i="1" lang="en-US" sz="1800" spc="-1" strike="noStrike">
+              <a:rPr b="0" i="1" lang="en-US" sz="1500" spc="-1" strike="noStrike">
                 <a:solidFill>
                   <a:srgbClr val="000000"/>
                 </a:solidFill>
@@ -36775,7 +40336,7 @@
               <a:t>Journal of functional programming</a:t>
             </a:r>
             <a:r>
-              <a:rPr b="0" lang="en-US" sz="1800" spc="-1" strike="noStrike">
+              <a:rPr b="0" lang="en-US" sz="1500" spc="-1" strike="noStrike">
                 <a:solidFill>
                   <a:srgbClr val="000000"/>
                 </a:solidFill>
@@ -36784,7 +40345,7 @@
               </a:rPr>
               <a:t> 12.2 (2002): 159.</a:t>
             </a:r>
-            <a:endParaRPr b="0" lang="en-US" sz="1800" spc="-1" strike="noStrike">
+            <a:endParaRPr b="0" lang="en-US" sz="1500" spc="-1" strike="noStrike">
               <a:latin typeface="Arial"/>
             </a:endParaRPr>
           </a:p>
@@ -36794,7 +40355,7 @@
                 <a:spcPct val="100000"/>
               </a:lnSpc>
             </a:pPr>
-            <a:endParaRPr b="0" lang="en-US" sz="1800" spc="-1" strike="noStrike">
+            <a:endParaRPr b="0" lang="en-US" sz="1500" spc="-1" strike="noStrike">
               <a:latin typeface="Arial"/>
             </a:endParaRPr>
           </a:p>
@@ -36805,7 +40366,7 @@
               </a:lnSpc>
             </a:pPr>
             <a:r>
-              <a:rPr b="0" lang="en-US" sz="1800" spc="-1" strike="noStrike">
+              <a:rPr b="0" lang="en-US" sz="1500" spc="-1" strike="noStrike">
                 <a:solidFill>
                   <a:srgbClr val="000000"/>
                 </a:solidFill>
@@ -36815,7 +40376,7 @@
               <a:t>[4] </a:t>
             </a:r>
             <a:r>
-              <a:rPr b="0" lang="de-DE" sz="1800" spc="-1" strike="noStrike">
+              <a:rPr b="0" lang="de-DE" sz="1500" spc="-1" strike="noStrike">
                 <a:solidFill>
                   <a:srgbClr val="000000"/>
                 </a:solidFill>
@@ -36825,7 +40386,7 @@
               <a:t>PLT. “PLT Scheme.” </a:t>
             </a:r>
             <a:r>
-              <a:rPr b="0" i="1" lang="de-DE" sz="1800" spc="-1" strike="noStrike">
+              <a:rPr b="0" i="1" lang="de-DE" sz="1500" spc="-1" strike="noStrike">
                 <a:solidFill>
                   <a:srgbClr val="000000"/>
                 </a:solidFill>
@@ -36835,7 +40396,7 @@
               <a:t>PLT Scheme</a:t>
             </a:r>
             <a:r>
-              <a:rPr b="0" lang="de-DE" sz="1800" spc="-1" strike="noStrike">
+              <a:rPr b="0" lang="de-DE" sz="1500" spc="-1" strike="noStrike">
                 <a:solidFill>
                   <a:srgbClr val="000000"/>
                 </a:solidFill>
@@ -36844,7 +40405,7 @@
               </a:rPr>
               <a:t>, PLT, 1 Apr. 2010, plt-scheme.org</a:t>
             </a:r>
-            <a:endParaRPr b="0" lang="en-US" sz="1800" spc="-1" strike="noStrike">
+            <a:endParaRPr b="0" lang="en-US" sz="1500" spc="-1" strike="noStrike">
               <a:latin typeface="Arial"/>
             </a:endParaRPr>
           </a:p>
@@ -36854,7 +40415,7 @@
                 <a:spcPct val="100000"/>
               </a:lnSpc>
             </a:pPr>
-            <a:endParaRPr b="0" lang="en-US" sz="1800" spc="-1" strike="noStrike">
+            <a:endParaRPr b="0" lang="en-US" sz="1500" spc="-1" strike="noStrike">
               <a:latin typeface="Arial"/>
             </a:endParaRPr>
           </a:p>
@@ -36865,7 +40426,7 @@
               </a:lnSpc>
             </a:pPr>
             <a:r>
-              <a:rPr b="0" lang="de-DE" sz="1800" spc="-1" strike="noStrike">
+              <a:rPr b="0" lang="de-DE" sz="1500" spc="-1" strike="noStrike">
                 <a:solidFill>
                   <a:srgbClr val="000000"/>
                 </a:solidFill>
@@ -36874,7 +40435,7 @@
               </a:rPr>
               <a:t>[5] King, Alexis, Hacket Programming Language, GitHub repository, https://lexi-lambda.github.io/hackett/</a:t>
             </a:r>
-            <a:endParaRPr b="0" lang="en-US" sz="1800" spc="-1" strike="noStrike">
+            <a:endParaRPr b="0" lang="en-US" sz="1500" spc="-1" strike="noStrike">
               <a:latin typeface="Arial"/>
             </a:endParaRPr>
           </a:p>
@@ -36884,7 +40445,7 @@
                 <a:spcPct val="100000"/>
               </a:lnSpc>
             </a:pPr>
-            <a:endParaRPr b="0" lang="en-US" sz="1800" spc="-1" strike="noStrike">
+            <a:endParaRPr b="0" lang="en-US" sz="1500" spc="-1" strike="noStrike">
               <a:latin typeface="Arial"/>
             </a:endParaRPr>
           </a:p>
@@ -36895,7 +40456,7 @@
               </a:lnSpc>
             </a:pPr>
             <a:r>
-              <a:rPr b="0" lang="de-DE" sz="1800" spc="-1" strike="noStrike">
+              <a:rPr b="0" lang="de-DE" sz="1500" spc="-1" strike="noStrike">
                 <a:solidFill>
                   <a:srgbClr val="000000"/>
                 </a:solidFill>
@@ -36904,7 +40465,7 @@
               </a:rPr>
               <a:t>[6] Mackenzie, Setwart, Fractalide, GitHub repository, https://github.com/fractalide/fractalide </a:t>
             </a:r>
-            <a:endParaRPr b="0" lang="en-US" sz="1800" spc="-1" strike="noStrike">
+            <a:endParaRPr b="0" lang="en-US" sz="1500" spc="-1" strike="noStrike">
               <a:latin typeface="Arial"/>
             </a:endParaRPr>
           </a:p>
@@ -36914,7 +40475,7 @@
                 <a:spcPct val="100000"/>
               </a:lnSpc>
             </a:pPr>
-            <a:endParaRPr b="0" lang="en-US" sz="1800" spc="-1" strike="noStrike">
+            <a:endParaRPr b="0" lang="en-US" sz="1500" spc="-1" strike="noStrike">
               <a:latin typeface="Arial"/>
             </a:endParaRPr>
           </a:p>
@@ -36925,7 +40486,7 @@
               </a:lnSpc>
             </a:pPr>
             <a:r>
-              <a:rPr b="0" lang="de-DE" sz="1800" spc="-1" strike="noStrike">
+              <a:rPr b="0" lang="de-DE" sz="1500" spc="-1" strike="noStrike">
                 <a:solidFill>
                   <a:srgbClr val="000000"/>
                 </a:solidFill>
@@ -36934,7 +40495,7 @@
               </a:rPr>
               <a:t>[7] Findler, Robby, DrRacket, GitHub repository, https://github.com/racket/drracket </a:t>
             </a:r>
-            <a:endParaRPr b="0" lang="en-US" sz="1800" spc="-1" strike="noStrike">
+            <a:endParaRPr b="0" lang="en-US" sz="1500" spc="-1" strike="noStrike">
               <a:latin typeface="Arial"/>
             </a:endParaRPr>
           </a:p>
@@ -36944,7 +40505,7 @@
                 <a:spcPct val="100000"/>
               </a:lnSpc>
             </a:pPr>
-            <a:endParaRPr b="0" lang="en-US" sz="1800" spc="-1" strike="noStrike">
+            <a:endParaRPr b="0" lang="en-US" sz="1500" spc="-1" strike="noStrike">
               <a:latin typeface="Arial"/>
             </a:endParaRPr>
           </a:p>
@@ -36954,7 +40515,37 @@
                 <a:spcPct val="100000"/>
               </a:lnSpc>
             </a:pPr>
-            <a:endParaRPr b="0" lang="en-US" sz="1800" spc="-1" strike="noStrike">
+            <a:r>
+              <a:rPr b="0" lang="en-US" sz="1500" spc="-1" strike="noStrike">
+                <a:solidFill>
+                  <a:srgbClr val="000000"/>
+                </a:solidFill>
+                <a:latin typeface="Arial"/>
+                <a:ea typeface="DejaVu Sans"/>
+              </a:rPr>
+              <a:t>[8] Flatt, Matthew, “The Racket Guide”,</a:t>
+            </a:r>
+            <a:r>
+              <a:rPr b="0" lang="en-US" sz="1600" spc="-1" strike="noStrike">
+                <a:solidFill>
+                  <a:srgbClr val="000000"/>
+                </a:solidFill>
+                <a:latin typeface="Arial"/>
+                <a:ea typeface="DejaVu Sans"/>
+              </a:rPr>
+              <a:t> </a:t>
+            </a:r>
+            <a:r>
+              <a:rPr b="0" lang="en-US" sz="1500" spc="-1" strike="noStrike">
+                <a:solidFill>
+                  <a:srgbClr val="000000"/>
+                </a:solidFill>
+                <a:latin typeface="Arial"/>
+                <a:ea typeface="DejaVu Sans"/>
+              </a:rPr>
+              <a:t>https://docs.racket-lang.org/guide/index.html</a:t>
+            </a:r>
+            <a:endParaRPr b="0" lang="en-US" sz="1500" spc="-1" strike="noStrike">
               <a:latin typeface="Arial"/>
             </a:endParaRPr>
           </a:p>
@@ -36992,7 +40583,7 @@
       </p:grpSpPr>
       <p:sp>
         <p:nvSpPr>
-          <p:cNvPr id="665" name="CustomShape 1"/>
+          <p:cNvPr id="725" name="CustomShape 1"/>
           <p:cNvSpPr/>
           <p:nvPr/>
         </p:nvSpPr>
@@ -37043,7 +40634,7 @@
       </p:sp>
       <p:sp>
         <p:nvSpPr>
-          <p:cNvPr id="666" name="CustomShape 2"/>
+          <p:cNvPr id="726" name="CustomShape 2"/>
           <p:cNvSpPr/>
           <p:nvPr/>
         </p:nvSpPr>
@@ -37198,7 +40789,7 @@
       </p:sp>
       <p:grpSp>
         <p:nvGrpSpPr>
-          <p:cNvPr id="667" name="Group 3"/>
+          <p:cNvPr id="727" name="Group 3"/>
           <p:cNvGrpSpPr/>
           <p:nvPr/>
         </p:nvGrpSpPr>
@@ -37212,7 +40803,7 @@
         </p:grpSpPr>
         <p:pic>
           <p:nvPicPr>
-            <p:cNvPr id="668" name="Picture 2" descr="[logo]"/>
+            <p:cNvPr id="728" name="Picture 2" descr="[logo]"/>
             <p:cNvPicPr/>
             <p:nvPr/>
           </p:nvPicPr>
@@ -37242,7 +40833,7 @@
         </p:pic>
         <p:sp>
           <p:nvSpPr>
-            <p:cNvPr id="669" name="CustomShape 4"/>
+            <p:cNvPr id="729" name="CustomShape 4"/>
             <p:cNvSpPr/>
             <p:nvPr/>
           </p:nvSpPr>
@@ -37294,7 +40885,7 @@
       </p:grpSp>
       <p:grpSp>
         <p:nvGrpSpPr>
-          <p:cNvPr id="670" name="Group 5"/>
+          <p:cNvPr id="730" name="Group 5"/>
           <p:cNvGrpSpPr/>
           <p:nvPr/>
         </p:nvGrpSpPr>
@@ -37308,7 +40899,7 @@
         </p:grpSpPr>
         <p:pic>
           <p:nvPicPr>
-            <p:cNvPr id="671" name="Picture 3" descr=""/>
+            <p:cNvPr id="731" name="Picture 3" descr=""/>
             <p:cNvPicPr/>
             <p:nvPr/>
           </p:nvPicPr>
@@ -37338,7 +40929,7 @@
         </p:pic>
         <p:sp>
           <p:nvSpPr>
-            <p:cNvPr id="672" name="CustomShape 6"/>
+            <p:cNvPr id="732" name="CustomShape 6"/>
             <p:cNvSpPr/>
             <p:nvPr/>
           </p:nvSpPr>
@@ -37420,7 +41011,7 @@
       </p:grpSpPr>
       <p:sp>
         <p:nvSpPr>
-          <p:cNvPr id="673" name="CustomShape 1"/>
+          <p:cNvPr id="733" name="CustomShape 1"/>
           <p:cNvSpPr/>
           <p:nvPr/>
         </p:nvSpPr>
@@ -37471,7 +41062,7 @@
       </p:sp>
       <p:sp>
         <p:nvSpPr>
-          <p:cNvPr id="674" name="CustomShape 2"/>
+          <p:cNvPr id="734" name="CustomShape 2"/>
           <p:cNvSpPr/>
           <p:nvPr/>
         </p:nvSpPr>
@@ -37738,7 +41329,7 @@
       </p:grpSpPr>
       <p:sp>
         <p:nvSpPr>
-          <p:cNvPr id="675" name="CustomShape 1"/>
+          <p:cNvPr id="735" name="CustomShape 1"/>
           <p:cNvSpPr/>
           <p:nvPr/>
         </p:nvSpPr>
@@ -37789,7 +41380,7 @@
       </p:sp>
       <p:sp>
         <p:nvSpPr>
-          <p:cNvPr id="676" name="CustomShape 2"/>
+          <p:cNvPr id="736" name="CustomShape 2"/>
           <p:cNvSpPr/>
           <p:nvPr/>
         </p:nvSpPr>
@@ -38225,7 +41816,7 @@
       </p:grpSpPr>
       <p:sp>
         <p:nvSpPr>
-          <p:cNvPr id="677" name="CustomShape 1"/>
+          <p:cNvPr id="737" name="CustomShape 1"/>
           <p:cNvSpPr/>
           <p:nvPr/>
         </p:nvSpPr>
@@ -38276,7 +41867,7 @@
       </p:sp>
       <p:sp>
         <p:nvSpPr>
-          <p:cNvPr id="678" name="CustomShape 2"/>
+          <p:cNvPr id="738" name="CustomShape 2"/>
           <p:cNvSpPr/>
           <p:nvPr/>
         </p:nvSpPr>
@@ -38303,37 +41894,6 @@
           <a:bodyPr lIns="90000" rIns="90000" tIns="45000" bIns="45000">
             <a:normAutofit/>
           </a:bodyPr>
-          <a:p>
-            <a:pPr marL="285840" indent="-284400">
-              <a:lnSpc>
-                <a:spcPct val="100000"/>
-              </a:lnSpc>
-              <a:spcBef>
-                <a:spcPts val="1001"/>
-              </a:spcBef>
-              <a:buClr>
-                <a:srgbClr val="000000"/>
-              </a:buClr>
-              <a:buFont typeface="Arial"/>
-              <a:buChar char="•"/>
-              <a:tabLst>
-                <a:tab algn="l" pos="0"/>
-              </a:tabLst>
-            </a:pPr>
-            <a:r>
-              <a:rPr b="0" lang="en-US" sz="1800" spc="-1" strike="noStrike">
-                <a:solidFill>
-                  <a:srgbClr val="000000"/>
-                </a:solidFill>
-                <a:latin typeface="Arial"/>
-                <a:ea typeface="DejaVu Sans"/>
-              </a:rPr>
-              <a:t>Racket offers functional language capabilities such as tail-call optimization and lexical closures.</a:t>
-            </a:r>
-            <a:endParaRPr b="0" lang="en-US" sz="1800" spc="-1" strike="noStrike">
-              <a:latin typeface="Arial"/>
-            </a:endParaRPr>
-          </a:p>
           <a:p>
             <a:pPr marL="285840" indent="-284400">
               <a:lnSpc>
@@ -38540,7 +42100,7 @@
       </p:grpSpPr>
       <p:sp>
         <p:nvSpPr>
-          <p:cNvPr id="679" name="CustomShape 1"/>
+          <p:cNvPr id="739" name="CustomShape 1"/>
           <p:cNvSpPr/>
           <p:nvPr/>
         </p:nvSpPr>
@@ -38591,7 +42151,7 @@
       </p:sp>
       <p:sp>
         <p:nvSpPr>
-          <p:cNvPr id="680" name="CustomShape 2"/>
+          <p:cNvPr id="740" name="CustomShape 2"/>
           <p:cNvSpPr/>
           <p:nvPr/>
         </p:nvSpPr>
@@ -39010,7 +42570,7 @@
       </p:grpSpPr>
       <p:sp>
         <p:nvSpPr>
-          <p:cNvPr id="681" name="CustomShape 1"/>
+          <p:cNvPr id="741" name="CustomShape 1"/>
           <p:cNvSpPr/>
           <p:nvPr/>
         </p:nvSpPr>
@@ -39061,7 +42621,7 @@
       </p:sp>
       <p:sp>
         <p:nvSpPr>
-          <p:cNvPr id="682" name="CustomShape 2"/>
+          <p:cNvPr id="742" name="CustomShape 2"/>
           <p:cNvSpPr/>
           <p:nvPr/>
         </p:nvSpPr>
@@ -39495,7 +43055,7 @@
       </p:grpSpPr>
       <p:sp>
         <p:nvSpPr>
-          <p:cNvPr id="683" name="CustomShape 1"/>
+          <p:cNvPr id="743" name="CustomShape 1"/>
           <p:cNvSpPr/>
           <p:nvPr/>
         </p:nvSpPr>
@@ -39546,7 +43106,7 @@
       </p:sp>
       <p:sp>
         <p:nvSpPr>
-          <p:cNvPr id="684" name="CustomShape 2"/>
+          <p:cNvPr id="744" name="CustomShape 2"/>
           <p:cNvSpPr/>
           <p:nvPr/>
         </p:nvSpPr>
@@ -39571,7 +43131,7 @@
         </p:style>
         <p:txBody>
           <a:bodyPr lIns="0" rIns="0" tIns="0" bIns="0">
-            <a:normAutofit/>
+            <a:normAutofit fontScale="97000"/>
           </a:bodyPr>
           <a:p>
             <a:pPr marL="432000" indent="-322920">
@@ -39596,14 +43156,14 @@
                 <a:latin typeface="Arial"/>
                 <a:ea typeface="DejaVu Sans"/>
               </a:rPr>
-              <a:t>Racket is multi-paradigm, but is best known as a functional language</a:t>
+              <a:t>Racket is multi-paradigm, but is best known for its functional programming capabilities</a:t>
             </a:r>
             <a:endParaRPr b="0" lang="en-US" sz="2600" spc="-1" strike="noStrike">
               <a:latin typeface="Arial"/>
             </a:endParaRPr>
           </a:p>
           <a:p>
-            <a:pPr lvl="3" marL="864000" indent="-215640">
+            <a:pPr marL="432000" indent="-322920">
               <a:lnSpc>
                 <a:spcPct val="100000"/>
               </a:lnSpc>
@@ -39625,14 +43185,14 @@
                 <a:latin typeface="Arial"/>
                 <a:ea typeface="DejaVu Sans"/>
               </a:rPr>
-              <a:t>Tail Call optimization</a:t>
+              <a:t>Contains all standard features of a programming language</a:t>
             </a:r>
             <a:endParaRPr b="0" lang="en-US" sz="2600" spc="-1" strike="noStrike">
               <a:latin typeface="Arial"/>
             </a:endParaRPr>
           </a:p>
           <a:p>
-            <a:pPr marL="432000" indent="-322920">
+            <a:pPr lvl="2" marL="648000" indent="-216000">
               <a:lnSpc>
                 <a:spcPct val="100000"/>
               </a:lnSpc>
@@ -39654,27 +43214,14 @@
                 <a:latin typeface="Arial"/>
                 <a:ea typeface="DejaVu Sans"/>
               </a:rPr>
-              <a:t>In Racket, an atomic unit is an “expression” which can be either a value or a function call</a:t>
+              <a:t>Familiar built-in datatypes</a:t>
             </a:r>
             <a:endParaRPr b="0" lang="en-US" sz="2600" spc="-1" strike="noStrike">
               <a:latin typeface="Arial"/>
             </a:endParaRPr>
           </a:p>
           <a:p>
-            <a:pPr>
-              <a:lnSpc>
-                <a:spcPct val="100000"/>
-              </a:lnSpc>
-              <a:spcBef>
-                <a:spcPts val="1417"/>
-              </a:spcBef>
-            </a:pPr>
-            <a:endParaRPr b="0" lang="en-US" sz="2600" spc="-1" strike="noStrike">
-              <a:latin typeface="Arial"/>
-            </a:endParaRPr>
-          </a:p>
-          <a:p>
-            <a:pPr marL="432000" indent="-322920">
+            <a:pPr lvl="2" marL="648000" indent="-216000">
               <a:lnSpc>
                 <a:spcPct val="100000"/>
               </a:lnSpc>
@@ -39696,14 +43243,14 @@
                 <a:latin typeface="Arial"/>
                 <a:ea typeface="DejaVu Sans"/>
               </a:rPr>
-              <a:t>Additionally, we can define variables as function calls</a:t>
+              <a:t>User-defined datatypes</a:t>
             </a:r>
             <a:endParaRPr b="0" lang="en-US" sz="2600" spc="-1" strike="noStrike">
               <a:latin typeface="Arial"/>
             </a:endParaRPr>
           </a:p>
           <a:p>
-            <a:pPr marL="432000" indent="-322920">
+            <a:pPr lvl="2" marL="648000" indent="-216000">
               <a:lnSpc>
                 <a:spcPct val="100000"/>
               </a:lnSpc>
@@ -39717,71 +43264,80 @@
               <a:buFont typeface="Wingdings" charset="2"/>
               <a:buChar char=""/>
             </a:pPr>
+            <a:r>
+              <a:rPr b="0" lang="en-US" sz="2600" spc="-1" strike="noStrike">
+                <a:solidFill>
+                  <a:srgbClr val="000000"/>
+                </a:solidFill>
+                <a:latin typeface="Arial"/>
+                <a:ea typeface="DejaVu Sans"/>
+              </a:rPr>
+              <a:t>Iteration (for loops, sequences)</a:t>
+            </a:r>
             <a:endParaRPr b="0" lang="en-US" sz="2600" spc="-1" strike="noStrike">
               <a:latin typeface="Arial"/>
             </a:endParaRPr>
           </a:p>
           <a:p>
-            <a:pPr>
+            <a:pPr lvl="2" marL="648000" indent="-216000">
               <a:lnSpc>
                 <a:spcPct val="100000"/>
               </a:lnSpc>
               <a:spcBef>
-                <a:spcPts val="1134"/>
+                <a:spcPts val="1417"/>
               </a:spcBef>
+              <a:buClr>
+                <a:srgbClr val="000000"/>
+              </a:buClr>
+              <a:buSzPct val="45000"/>
+              <a:buFont typeface="Wingdings" charset="2"/>
+              <a:buChar char=""/>
             </a:pPr>
+            <a:r>
+              <a:rPr b="0" lang="en-US" sz="2600" spc="-1" strike="noStrike">
+                <a:solidFill>
+                  <a:srgbClr val="000000"/>
+                </a:solidFill>
+                <a:latin typeface="Arial"/>
+                <a:ea typeface="DejaVu Sans"/>
+              </a:rPr>
+              <a:t>I/O</a:t>
+            </a:r>
             <a:endParaRPr b="0" lang="en-US" sz="2600" spc="-1" strike="noStrike">
               <a:latin typeface="Arial"/>
             </a:endParaRPr>
           </a:p>
-        </p:txBody>
-      </p:sp>
-      <p:pic>
-        <p:nvPicPr>
-          <p:cNvPr id="685" name="Picture 624" descr=""/>
-          <p:cNvPicPr/>
-          <p:nvPr/>
-        </p:nvPicPr>
-        <p:blipFill>
-          <a:blip r:embed="rId1"/>
-          <a:stretch/>
-        </p:blipFill>
-        <p:spPr>
-          <a:xfrm>
-            <a:off x="2832480" y="4190400"/>
-            <a:ext cx="5286240" cy="295200"/>
-          </a:xfrm>
-          <a:prstGeom prst="rect">
-            <a:avLst/>
-          </a:prstGeom>
-          <a:ln>
-            <a:noFill/>
-          </a:ln>
-        </p:spPr>
-      </p:pic>
-      <p:pic>
-        <p:nvPicPr>
-          <p:cNvPr id="686" name="Picture 625" descr=""/>
-          <p:cNvPicPr/>
-          <p:nvPr/>
-        </p:nvPicPr>
-        <p:blipFill>
-          <a:blip r:embed="rId2"/>
-          <a:stretch/>
-        </p:blipFill>
-        <p:spPr>
-          <a:xfrm>
-            <a:off x="3566160" y="5486400"/>
-            <a:ext cx="3831480" cy="648720"/>
-          </a:xfrm>
-          <a:prstGeom prst="rect">
-            <a:avLst/>
-          </a:prstGeom>
-          <a:ln>
-            <a:noFill/>
-          </a:ln>
-        </p:spPr>
-      </p:pic>
+          <a:p>
+            <a:pPr lvl="2" marL="648000" indent="-216000">
+              <a:lnSpc>
+                <a:spcPct val="100000"/>
+              </a:lnSpc>
+              <a:spcBef>
+                <a:spcPts val="1417"/>
+              </a:spcBef>
+              <a:buClr>
+                <a:srgbClr val="000000"/>
+              </a:buClr>
+              <a:buSzPct val="45000"/>
+              <a:buFont typeface="Wingdings" charset="2"/>
+              <a:buChar char=""/>
+            </a:pPr>
+            <a:r>
+              <a:rPr b="0" lang="en-US" sz="2600" spc="-1" strike="noStrike">
+                <a:solidFill>
+                  <a:srgbClr val="000000"/>
+                </a:solidFill>
+                <a:latin typeface="Arial"/>
+                <a:ea typeface="DejaVu Sans"/>
+              </a:rPr>
+              <a:t>Etc.</a:t>
+            </a:r>
+            <a:endParaRPr b="0" lang="en-US" sz="2600" spc="-1" strike="noStrike">
+              <a:latin typeface="Arial"/>
+            </a:endParaRPr>
+          </a:p>
+        </p:txBody>
+      </p:sp>
     </p:spTree>
   </p:cSld>
   <mc:AlternateContent>
@@ -40248,6 +43804,232 @@
 </file>
 
 <file path=ppt/theme/theme11.xml><?xml version="1.0" encoding="utf-8"?>
+<a:theme xmlns:a="http://schemas.openxmlformats.org/drawingml/2006/main" name="Office Theme">
+  <a:themeElements>
+    <a:clrScheme name="Office">
+      <a:dk1>
+        <a:sysClr val="windowText" lastClr="000000"/>
+      </a:dk1>
+      <a:lt1>
+        <a:sysClr val="window" lastClr="FFFFFF"/>
+      </a:lt1>
+      <a:dk2>
+        <a:srgbClr val="1f497d"/>
+      </a:dk2>
+      <a:lt2>
+        <a:srgbClr val="eeece1"/>
+      </a:lt2>
+      <a:accent1>
+        <a:srgbClr val="4f81bd"/>
+      </a:accent1>
+      <a:accent2>
+        <a:srgbClr val="c0504d"/>
+      </a:accent2>
+      <a:accent3>
+        <a:srgbClr val="9bbb59"/>
+      </a:accent3>
+      <a:accent4>
+        <a:srgbClr val="8064a2"/>
+      </a:accent4>
+      <a:accent5>
+        <a:srgbClr val="4bacc6"/>
+      </a:accent5>
+      <a:accent6>
+        <a:srgbClr val="f79646"/>
+      </a:accent6>
+      <a:hlink>
+        <a:srgbClr val="0000ff"/>
+      </a:hlink>
+      <a:folHlink>
+        <a:srgbClr val="800080"/>
+      </a:folHlink>
+    </a:clrScheme>
+    <a:fontScheme name="Office">
+      <a:majorFont>
+        <a:latin typeface="Arial"/>
+        <a:ea typeface="DejaVu Sans"/>
+        <a:cs typeface="DejaVu Sans"/>
+      </a:majorFont>
+      <a:minorFont>
+        <a:latin typeface="Arial"/>
+        <a:ea typeface="DejaVu Sans"/>
+        <a:cs typeface="DejaVu Sans"/>
+      </a:minorFont>
+    </a:fontScheme>
+    <a:fmtScheme name="Office">
+      <a:fillStyleLst>
+        <a:solidFill>
+          <a:schemeClr val="phClr"/>
+        </a:solidFill>
+        <a:gradFill rotWithShape="1">
+          <a:gsLst>
+            <a:gs pos="0">
+              <a:schemeClr val="phClr">
+                <a:tint val="50000"/>
+                <a:satMod val="300000"/>
+              </a:schemeClr>
+            </a:gs>
+            <a:gs pos="35000">
+              <a:schemeClr val="phClr">
+                <a:tint val="37000"/>
+                <a:satMod val="300000"/>
+              </a:schemeClr>
+            </a:gs>
+            <a:gs pos="100000">
+              <a:schemeClr val="phClr">
+                <a:tint val="15000"/>
+                <a:satMod val="350000"/>
+              </a:schemeClr>
+            </a:gs>
+          </a:gsLst>
+          <a:lin ang="16200000" scaled="1"/>
+        </a:gradFill>
+        <a:gradFill rotWithShape="1">
+          <a:gsLst>
+            <a:gs pos="0">
+              <a:schemeClr val="phClr">
+                <a:shade val="51000"/>
+                <a:satMod val="130000"/>
+              </a:schemeClr>
+            </a:gs>
+            <a:gs pos="80000">
+              <a:schemeClr val="phClr">
+                <a:shade val="93000"/>
+                <a:satMod val="130000"/>
+              </a:schemeClr>
+            </a:gs>
+            <a:gs pos="100000">
+              <a:schemeClr val="phClr">
+                <a:shade val="94000"/>
+                <a:satMod val="135000"/>
+              </a:schemeClr>
+            </a:gs>
+          </a:gsLst>
+          <a:lin ang="16200000" scaled="0"/>
+        </a:gradFill>
+      </a:fillStyleLst>
+      <a:lnStyleLst>
+        <a:ln w="9525" cap="flat" cmpd="sng" algn="ctr">
+          <a:solidFill>
+            <a:schemeClr val="phClr">
+              <a:shade val="95000"/>
+              <a:satMod val="105000"/>
+            </a:schemeClr>
+          </a:solidFill>
+          <a:prstDash val="solid"/>
+          <a:miter/>
+        </a:ln>
+        <a:ln w="25400" cap="flat" cmpd="sng" algn="ctr">
+          <a:solidFill>
+            <a:schemeClr val="phClr"/>
+          </a:solidFill>
+          <a:prstDash val="solid"/>
+          <a:miter/>
+        </a:ln>
+        <a:ln w="38100" cap="flat" cmpd="sng" algn="ctr">
+          <a:solidFill>
+            <a:schemeClr val="phClr"/>
+          </a:solidFill>
+          <a:prstDash val="solid"/>
+          <a:miter/>
+        </a:ln>
+      </a:lnStyleLst>
+      <a:effectStyleLst>
+        <a:effectStyle>
+          <a:effectLst>
+            <a:outerShdw blurRad="40000" dist="20000" dir="5400000" rotWithShape="0">
+              <a:srgbClr val="000000">
+                <a:alpha val="38000"/>
+              </a:srgbClr>
+            </a:outerShdw>
+          </a:effectLst>
+        </a:effectStyle>
+        <a:effectStyle>
+          <a:effectLst>
+            <a:outerShdw blurRad="40000" dist="23000" dir="5400000" rotWithShape="0">
+              <a:srgbClr val="000000">
+                <a:alpha val="35000"/>
+              </a:srgbClr>
+            </a:outerShdw>
+          </a:effectLst>
+        </a:effectStyle>
+        <a:effectStyle>
+          <a:effectLst>
+            <a:outerShdw blurRad="40000" dist="23000" dir="5400000" rotWithShape="0">
+              <a:srgbClr val="000000">
+                <a:alpha val="35000"/>
+              </a:srgbClr>
+            </a:outerShdw>
+          </a:effectLst>
+          <a:scene3d>
+            <a:camera prst="orthographicFront">
+              <a:rot lat="0" lon="0" rev="0"/>
+            </a:camera>
+            <a:lightRig rig="threePt" dir="t">
+              <a:rot lat="0" lon="0" rev="1200000"/>
+            </a:lightRig>
+          </a:scene3d>
+          <a:sp3d>
+            <a:bevelT w="63500" h="25400"/>
+          </a:sp3d>
+        </a:effectStyle>
+      </a:effectStyleLst>
+      <a:bgFillStyleLst>
+        <a:solidFill>
+          <a:schemeClr val="phClr"/>
+        </a:solidFill>
+        <a:gradFill rotWithShape="1">
+          <a:gsLst>
+            <a:gs pos="0">
+              <a:schemeClr val="phClr">
+                <a:tint val="40000"/>
+                <a:satMod val="350000"/>
+              </a:schemeClr>
+            </a:gs>
+            <a:gs pos="40000">
+              <a:schemeClr val="phClr">
+                <a:tint val="45000"/>
+                <a:shade val="99000"/>
+                <a:satMod val="350000"/>
+              </a:schemeClr>
+            </a:gs>
+            <a:gs pos="100000">
+              <a:schemeClr val="phClr">
+                <a:shade val="20000"/>
+                <a:satMod val="255000"/>
+              </a:schemeClr>
+            </a:gs>
+          </a:gsLst>
+          <a:path path="circle">
+            <a:fillToRect l="50000" t="-80000" r="50000" b="180000"/>
+          </a:path>
+        </a:gradFill>
+        <a:gradFill rotWithShape="1">
+          <a:gsLst>
+            <a:gs pos="0">
+              <a:schemeClr val="phClr">
+                <a:tint val="80000"/>
+                <a:satMod val="300000"/>
+              </a:schemeClr>
+            </a:gs>
+            <a:gs pos="100000">
+              <a:schemeClr val="phClr">
+                <a:shade val="30000"/>
+                <a:satMod val="200000"/>
+              </a:schemeClr>
+            </a:gs>
+          </a:gsLst>
+          <a:path path="circle">
+            <a:fillToRect l="50000" t="50000" r="50000" b="50000"/>
+          </a:path>
+        </a:gradFill>
+      </a:bgFillStyleLst>
+    </a:fmtScheme>
+  </a:themeElements>
+</a:theme>
+</file>
+
+<file path=ppt/theme/theme12.xml><?xml version="1.0" encoding="utf-8"?>
 <a:theme xmlns:a="http://schemas.openxmlformats.org/drawingml/2006/main" name="Office Theme">
   <a:themeElements>
     <a:clrScheme name="Office">

--- a/CSC201Sec3Proj3Team4.pptx
+++ b/CSC201Sec3Proj3Team4.pptx
@@ -38013,43 +38013,14 @@
                 <a:latin typeface="Arial"/>
                 <a:ea typeface="DejaVu Sans"/>
               </a:rPr>
-              <a:t>As previously mentioned, Racket is based on Scheme</a:t>
+              <a:t>Main applications:</a:t>
             </a:r>
             <a:endParaRPr b="0" lang="en-US" sz="2800" spc="-1" strike="noStrike">
               <a:latin typeface="Arial"/>
             </a:endParaRPr>
           </a:p>
           <a:p>
-            <a:pPr lvl="1" marL="864000" indent="-322920">
-              <a:lnSpc>
-                <a:spcPct val="100000"/>
-              </a:lnSpc>
-              <a:spcBef>
-                <a:spcPts val="1134"/>
-              </a:spcBef>
-              <a:buClr>
-                <a:srgbClr val="000000"/>
-              </a:buClr>
-              <a:buSzPct val="75000"/>
-              <a:buFont typeface="Symbol"/>
-              <a:buChar char=""/>
-            </a:pPr>
-            <a:r>
-              <a:rPr b="0" lang="en-US" sz="2000" spc="-1" strike="noStrike">
-                <a:solidFill>
-                  <a:srgbClr val="000000"/>
-                </a:solidFill>
-                <a:latin typeface="Arial"/>
-                <a:ea typeface="DejaVu Sans"/>
-              </a:rPr>
-              <a:t>Powerful functional programming features</a:t>
-            </a:r>
-            <a:endParaRPr b="0" lang="en-US" sz="2000" spc="-1" strike="noStrike">
-              <a:latin typeface="Arial"/>
-            </a:endParaRPr>
-          </a:p>
-          <a:p>
-            <a:pPr marL="432000" indent="-322920">
+            <a:pPr lvl="2" marL="648000" indent="-215640">
               <a:lnSpc>
                 <a:spcPct val="100000"/>
               </a:lnSpc>
@@ -38071,14 +38042,14 @@
                 <a:latin typeface="Arial"/>
                 <a:ea typeface="DejaVu Sans"/>
               </a:rPr>
-              <a:t>As seen in project one, functional programming provides an effective environment for language development</a:t>
+              <a:t>Language Development</a:t>
             </a:r>
             <a:endParaRPr b="0" lang="en-US" sz="2800" spc="-1" strike="noStrike">
               <a:latin typeface="Arial"/>
             </a:endParaRPr>
           </a:p>
           <a:p>
-            <a:pPr marL="432000" indent="-322920">
+            <a:pPr lvl="2" marL="648000" indent="-215640">
               <a:lnSpc>
                 <a:spcPct val="100000"/>
               </a:lnSpc>
@@ -38100,7 +38071,65 @@
                 <a:latin typeface="Arial"/>
                 <a:ea typeface="DejaVu Sans"/>
               </a:rPr>
-              <a:t>Not surprisingly, one of the main use cases of Racket is language development</a:t>
+              <a:t>Education</a:t>
+            </a:r>
+            <a:endParaRPr b="0" lang="en-US" sz="2800" spc="-1" strike="noStrike">
+              <a:latin typeface="Arial"/>
+            </a:endParaRPr>
+          </a:p>
+          <a:p>
+            <a:pPr lvl="2" marL="648000" indent="-215640">
+              <a:lnSpc>
+                <a:spcPct val="100000"/>
+              </a:lnSpc>
+              <a:spcBef>
+                <a:spcPts val="1417"/>
+              </a:spcBef>
+              <a:buClr>
+                <a:srgbClr val="000000"/>
+              </a:buClr>
+              <a:buSzPct val="45000"/>
+              <a:buFont typeface="Wingdings" charset="2"/>
+              <a:buChar char=""/>
+            </a:pPr>
+            <a:r>
+              <a:rPr b="0" lang="en-US" sz="2800" spc="-1" strike="noStrike">
+                <a:solidFill>
+                  <a:srgbClr val="000000"/>
+                </a:solidFill>
+                <a:latin typeface="Arial"/>
+                <a:ea typeface="DejaVu Sans"/>
+              </a:rPr>
+              <a:t>Web Development</a:t>
+            </a:r>
+            <a:endParaRPr b="0" lang="en-US" sz="2800" spc="-1" strike="noStrike">
+              <a:latin typeface="Arial"/>
+            </a:endParaRPr>
+          </a:p>
+          <a:p>
+            <a:pPr lvl="2" marL="648000" indent="-215640">
+              <a:lnSpc>
+                <a:spcPct val="100000"/>
+              </a:lnSpc>
+              <a:spcBef>
+                <a:spcPts val="1417"/>
+              </a:spcBef>
+              <a:buClr>
+                <a:srgbClr val="000000"/>
+              </a:buClr>
+              <a:buSzPct val="45000"/>
+              <a:buFont typeface="Wingdings" charset="2"/>
+              <a:buChar char=""/>
+            </a:pPr>
+            <a:r>
+              <a:rPr b="0" lang="en-US" sz="2800" spc="-1" strike="noStrike">
+                <a:solidFill>
+                  <a:srgbClr val="000000"/>
+                </a:solidFill>
+                <a:latin typeface="Arial"/>
+                <a:ea typeface="DejaVu Sans"/>
+              </a:rPr>
+              <a:t>Racket Tools</a:t>
             </a:r>
             <a:endParaRPr b="0" lang="en-US" sz="2800" spc="-1" strike="noStrike">
               <a:latin typeface="Arial"/>
@@ -38254,14 +38283,43 @@
                 <a:latin typeface="Arial"/>
                 <a:ea typeface="DejaVu Sans"/>
               </a:rPr>
-              <a:t>Main applications:</a:t>
+              <a:t>As previously mentioned, Racket is based on Scheme</a:t>
             </a:r>
             <a:endParaRPr b="0" lang="en-US" sz="2800" spc="-1" strike="noStrike">
               <a:latin typeface="Arial"/>
             </a:endParaRPr>
           </a:p>
           <a:p>
-            <a:pPr lvl="2" marL="648000" indent="-215640">
+            <a:pPr lvl="1" marL="864000" indent="-322920">
+              <a:lnSpc>
+                <a:spcPct val="100000"/>
+              </a:lnSpc>
+              <a:spcBef>
+                <a:spcPts val="1134"/>
+              </a:spcBef>
+              <a:buClr>
+                <a:srgbClr val="000000"/>
+              </a:buClr>
+              <a:buSzPct val="75000"/>
+              <a:buFont typeface="Symbol"/>
+              <a:buChar char=""/>
+            </a:pPr>
+            <a:r>
+              <a:rPr b="0" lang="en-US" sz="2000" spc="-1" strike="noStrike">
+                <a:solidFill>
+                  <a:srgbClr val="000000"/>
+                </a:solidFill>
+                <a:latin typeface="Arial"/>
+                <a:ea typeface="DejaVu Sans"/>
+              </a:rPr>
+              <a:t>Powerful functional programming features</a:t>
+            </a:r>
+            <a:endParaRPr b="0" lang="en-US" sz="2000" spc="-1" strike="noStrike">
+              <a:latin typeface="Arial"/>
+            </a:endParaRPr>
+          </a:p>
+          <a:p>
+            <a:pPr marL="432000" indent="-322920">
               <a:lnSpc>
                 <a:spcPct val="100000"/>
               </a:lnSpc>
@@ -38283,14 +38341,14 @@
                 <a:latin typeface="Arial"/>
                 <a:ea typeface="DejaVu Sans"/>
               </a:rPr>
-              <a:t>Language Development</a:t>
+              <a:t>As seen in project one, functional programming provides an effective environment for language development</a:t>
             </a:r>
             <a:endParaRPr b="0" lang="en-US" sz="2800" spc="-1" strike="noStrike">
               <a:latin typeface="Arial"/>
             </a:endParaRPr>
           </a:p>
           <a:p>
-            <a:pPr lvl="2" marL="648000" indent="-215640">
+            <a:pPr marL="432000" indent="-322920">
               <a:lnSpc>
                 <a:spcPct val="100000"/>
               </a:lnSpc>
@@ -38312,65 +38370,7 @@
                 <a:latin typeface="Arial"/>
                 <a:ea typeface="DejaVu Sans"/>
               </a:rPr>
-              <a:t>Education</a:t>
-            </a:r>
-            <a:endParaRPr b="0" lang="en-US" sz="2800" spc="-1" strike="noStrike">
-              <a:latin typeface="Arial"/>
-            </a:endParaRPr>
-          </a:p>
-          <a:p>
-            <a:pPr lvl="2" marL="648000" indent="-215640">
-              <a:lnSpc>
-                <a:spcPct val="100000"/>
-              </a:lnSpc>
-              <a:spcBef>
-                <a:spcPts val="1417"/>
-              </a:spcBef>
-              <a:buClr>
-                <a:srgbClr val="000000"/>
-              </a:buClr>
-              <a:buSzPct val="45000"/>
-              <a:buFont typeface="Wingdings" charset="2"/>
-              <a:buChar char=""/>
-            </a:pPr>
-            <a:r>
-              <a:rPr b="0" lang="en-US" sz="2800" spc="-1" strike="noStrike">
-                <a:solidFill>
-                  <a:srgbClr val="000000"/>
-                </a:solidFill>
-                <a:latin typeface="Arial"/>
-                <a:ea typeface="DejaVu Sans"/>
-              </a:rPr>
-              <a:t>Web Development</a:t>
-            </a:r>
-            <a:endParaRPr b="0" lang="en-US" sz="2800" spc="-1" strike="noStrike">
-              <a:latin typeface="Arial"/>
-            </a:endParaRPr>
-          </a:p>
-          <a:p>
-            <a:pPr lvl="2" marL="648000" indent="-215640">
-              <a:lnSpc>
-                <a:spcPct val="100000"/>
-              </a:lnSpc>
-              <a:spcBef>
-                <a:spcPts val="1417"/>
-              </a:spcBef>
-              <a:buClr>
-                <a:srgbClr val="000000"/>
-              </a:buClr>
-              <a:buSzPct val="45000"/>
-              <a:buFont typeface="Wingdings" charset="2"/>
-              <a:buChar char=""/>
-            </a:pPr>
-            <a:r>
-              <a:rPr b="0" lang="en-US" sz="2800" spc="-1" strike="noStrike">
-                <a:solidFill>
-                  <a:srgbClr val="000000"/>
-                </a:solidFill>
-                <a:latin typeface="Arial"/>
-                <a:ea typeface="DejaVu Sans"/>
-              </a:rPr>
-              <a:t>Racket Tools</a:t>
+              <a:t>Not surprisingly, one of the main use cases of Racket is language development</a:t>
             </a:r>
             <a:endParaRPr b="0" lang="en-US" sz="2800" spc="-1" strike="noStrike">
               <a:latin typeface="Arial"/>

--- a/CSC201Sec3Proj3Team4.pptx
+++ b/CSC201Sec3Proj3Team4.pptx
@@ -21,26 +21,23 @@
     <p:sldId id="258" r:id="rId15"/>
     <p:sldId id="259" r:id="rId16"/>
     <p:sldId id="260" r:id="rId17"/>
-    <p:sldId id="261" r:id="rId18"/>
-    <p:sldId id="262" r:id="rId19"/>
-    <p:sldId id="263" r:id="rId20"/>
-    <p:sldId id="264" r:id="rId21"/>
-    <p:sldId id="265" r:id="rId22"/>
-    <p:sldId id="266" r:id="rId23"/>
-    <p:sldId id="267" r:id="rId24"/>
-    <p:sldId id="268" r:id="rId25"/>
-    <p:sldId id="269" r:id="rId26"/>
-    <p:sldId id="270" r:id="rId27"/>
-    <p:sldId id="271" r:id="rId28"/>
-    <p:sldId id="272" r:id="rId29"/>
-    <p:sldId id="273" r:id="rId30"/>
-    <p:sldId id="274" r:id="rId31"/>
-    <p:sldId id="275" r:id="rId32"/>
-    <p:sldId id="276" r:id="rId33"/>
-    <p:sldId id="277" r:id="rId34"/>
-    <p:sldId id="278" r:id="rId35"/>
-    <p:sldId id="279" r:id="rId36"/>
-    <p:sldId id="280" r:id="rId37"/>
+    <p:sldId id="264" r:id="rId18"/>
+    <p:sldId id="265" r:id="rId19"/>
+    <p:sldId id="266" r:id="rId20"/>
+    <p:sldId id="267" r:id="rId21"/>
+    <p:sldId id="268" r:id="rId22"/>
+    <p:sldId id="269" r:id="rId23"/>
+    <p:sldId id="270" r:id="rId24"/>
+    <p:sldId id="271" r:id="rId25"/>
+    <p:sldId id="272" r:id="rId26"/>
+    <p:sldId id="273" r:id="rId27"/>
+    <p:sldId id="274" r:id="rId28"/>
+    <p:sldId id="275" r:id="rId29"/>
+    <p:sldId id="276" r:id="rId30"/>
+    <p:sldId id="277" r:id="rId31"/>
+    <p:sldId id="278" r:id="rId32"/>
+    <p:sldId id="279" r:id="rId33"/>
+    <p:sldId id="280" r:id="rId34"/>
   </p:sldIdLst>
   <p:sldSz cx="12192000" cy="6858000"/>
   <p:notesSz cx="7772400" cy="10058400"/>
@@ -139,6 +136,11 @@
       </a:defRPr>
     </a:lvl9pPr>
   </p:defaultTextStyle>
+  <p:extLst>
+    <p:ext uri="{EFAFB233-063F-42B5-8137-9DF3F51BA10A}">
+      <p15:sldGuideLst xmlns:p15="http://schemas.microsoft.com/office/powerpoint/2012/main"/>
+    </p:ext>
+  </p:extLst>
 </p:presentation>
 </file>
 
@@ -38638,945 +38640,6 @@
       </p:grpSpPr>
       <p:sp>
         <p:nvSpPr>
-          <p:cNvPr id="745" name="CustomShape 1"/>
-          <p:cNvSpPr/>
-          <p:nvPr/>
-        </p:nvSpPr>
-        <p:spPr>
-          <a:xfrm>
-            <a:off x="2011680" y="274680"/>
-            <a:ext cx="7765200" cy="1644480"/>
-          </a:xfrm>
-          <a:prstGeom prst="rect">
-            <a:avLst/>
-          </a:prstGeom>
-          <a:noFill/>
-          <a:ln>
-            <a:noFill/>
-          </a:ln>
-        </p:spPr>
-        <p:style>
-          <a:lnRef idx="0">
-            <a:scrgbClr r="0" g="0" b="0"/>
-          </a:lnRef>
-          <a:fillRef idx="0">
-            <a:scrgbClr r="0" g="0" b="0"/>
-          </a:fillRef>
-          <a:effectRef idx="0">
-            <a:scrgbClr r="0" g="0" b="0"/>
-          </a:effectRef>
-          <a:fontRef idx="minor"/>
-        </p:style>
-        <p:txBody>
-          <a:bodyPr lIns="0" tIns="0" rIns="0" bIns="0" anchor="ctr">
-            <a:noAutofit/>
-          </a:bodyPr>
-          <a:lstStyle/>
-          <a:p>
-            <a:pPr algn="r">
-              <a:lnSpc>
-                <a:spcPct val="100000"/>
-              </a:lnSpc>
-            </a:pPr>
-            <a:r>
-              <a:rPr lang="en-US" sz="5400" b="0" strike="noStrike" spc="-1">
-                <a:solidFill>
-                  <a:srgbClr val="4F81BD"/>
-                </a:solidFill>
-                <a:latin typeface="Trebuchet MS"/>
-                <a:ea typeface="DejaVu Sans"/>
-              </a:rPr>
-              <a:t>The Racket Language</a:t>
-            </a:r>
-            <a:endParaRPr lang="en-US" sz="5400" b="0" strike="noStrike" spc="-1">
-              <a:latin typeface="Arial"/>
-            </a:endParaRPr>
-          </a:p>
-        </p:txBody>
-      </p:sp>
-      <p:sp>
-        <p:nvSpPr>
-          <p:cNvPr id="746" name="CustomShape 2"/>
-          <p:cNvSpPr/>
-          <p:nvPr/>
-        </p:nvSpPr>
-        <p:spPr>
-          <a:xfrm>
-            <a:off x="457560" y="2057760"/>
-            <a:ext cx="10971360" cy="3976200"/>
-          </a:xfrm>
-          <a:prstGeom prst="rect">
-            <a:avLst/>
-          </a:prstGeom>
-          <a:noFill/>
-          <a:ln>
-            <a:noFill/>
-          </a:ln>
-        </p:spPr>
-        <p:style>
-          <a:lnRef idx="0">
-            <a:scrgbClr r="0" g="0" b="0"/>
-          </a:lnRef>
-          <a:fillRef idx="0">
-            <a:scrgbClr r="0" g="0" b="0"/>
-          </a:fillRef>
-          <a:effectRef idx="0">
-            <a:scrgbClr r="0" g="0" b="0"/>
-          </a:effectRef>
-          <a:fontRef idx="minor"/>
-        </p:style>
-        <p:txBody>
-          <a:bodyPr lIns="0" tIns="0" rIns="0" bIns="0">
-            <a:normAutofit/>
-          </a:bodyPr>
-          <a:lstStyle/>
-          <a:p>
-            <a:pPr marL="432000" indent="-322920">
-              <a:lnSpc>
-                <a:spcPct val="100000"/>
-              </a:lnSpc>
-              <a:spcBef>
-                <a:spcPts val="1417"/>
-              </a:spcBef>
-              <a:buClr>
-                <a:srgbClr val="000000"/>
-              </a:buClr>
-              <a:buSzPct val="45000"/>
-              <a:buFont typeface="Wingdings" charset="2"/>
-              <a:buChar char=""/>
-            </a:pPr>
-            <a:r>
-              <a:rPr lang="en-US" sz="2600" b="0" strike="noStrike" spc="-1">
-                <a:solidFill>
-                  <a:srgbClr val="000000"/>
-                </a:solidFill>
-                <a:latin typeface="Arial"/>
-                <a:ea typeface="DejaVu Sans"/>
-              </a:rPr>
-              <a:t>In Racket, an atomic unit is an “expression” which can be either a value or a function call</a:t>
-            </a:r>
-            <a:endParaRPr lang="en-US" sz="2600" b="0" strike="noStrike" spc="-1">
-              <a:latin typeface="Arial"/>
-            </a:endParaRPr>
-          </a:p>
-          <a:p>
-            <a:pPr>
-              <a:lnSpc>
-                <a:spcPct val="100000"/>
-              </a:lnSpc>
-              <a:spcBef>
-                <a:spcPts val="1417"/>
-              </a:spcBef>
-            </a:pPr>
-            <a:endParaRPr lang="en-US" sz="2600" b="0" strike="noStrike" spc="-1">
-              <a:latin typeface="Arial"/>
-            </a:endParaRPr>
-          </a:p>
-          <a:p>
-            <a:pPr marL="432000" indent="-322920">
-              <a:lnSpc>
-                <a:spcPct val="100000"/>
-              </a:lnSpc>
-              <a:spcBef>
-                <a:spcPts val="1417"/>
-              </a:spcBef>
-              <a:buClr>
-                <a:srgbClr val="000000"/>
-              </a:buClr>
-              <a:buSzPct val="45000"/>
-              <a:buFont typeface="Wingdings" charset="2"/>
-              <a:buChar char=""/>
-            </a:pPr>
-            <a:r>
-              <a:rPr lang="en-US" sz="2600" b="0" strike="noStrike" spc="-1">
-                <a:solidFill>
-                  <a:srgbClr val="000000"/>
-                </a:solidFill>
-                <a:latin typeface="Arial"/>
-                <a:ea typeface="DejaVu Sans"/>
-              </a:rPr>
-              <a:t>Additionally, we can define variables as function calls</a:t>
-            </a:r>
-            <a:endParaRPr lang="en-US" sz="2600" b="0" strike="noStrike" spc="-1">
-              <a:latin typeface="Arial"/>
-            </a:endParaRPr>
-          </a:p>
-          <a:p>
-            <a:pPr marL="432000" indent="-322920">
-              <a:lnSpc>
-                <a:spcPct val="100000"/>
-              </a:lnSpc>
-              <a:spcBef>
-                <a:spcPts val="1417"/>
-              </a:spcBef>
-              <a:buClr>
-                <a:srgbClr val="000000"/>
-              </a:buClr>
-              <a:buSzPct val="45000"/>
-              <a:buFont typeface="Wingdings" charset="2"/>
-              <a:buChar char=""/>
-            </a:pPr>
-            <a:endParaRPr lang="en-US" sz="2600" b="0" strike="noStrike" spc="-1">
-              <a:latin typeface="Arial"/>
-            </a:endParaRPr>
-          </a:p>
-          <a:p>
-            <a:pPr>
-              <a:lnSpc>
-                <a:spcPct val="100000"/>
-              </a:lnSpc>
-              <a:spcBef>
-                <a:spcPts val="1134"/>
-              </a:spcBef>
-            </a:pPr>
-            <a:endParaRPr lang="en-US" sz="2600" b="0" strike="noStrike" spc="-1">
-              <a:latin typeface="Arial"/>
-            </a:endParaRPr>
-          </a:p>
-        </p:txBody>
-      </p:sp>
-      <p:pic>
-        <p:nvPicPr>
-          <p:cNvPr id="747" name="Picture 624_1"/>
-          <p:cNvPicPr/>
-          <p:nvPr/>
-        </p:nvPicPr>
-        <p:blipFill>
-          <a:blip r:embed="rId2"/>
-          <a:stretch/>
-        </p:blipFill>
-        <p:spPr>
-          <a:xfrm>
-            <a:off x="2834640" y="3108960"/>
-            <a:ext cx="5286240" cy="295200"/>
-          </a:xfrm>
-          <a:prstGeom prst="rect">
-            <a:avLst/>
-          </a:prstGeom>
-          <a:ln>
-            <a:noFill/>
-          </a:ln>
-        </p:spPr>
-      </p:pic>
-      <p:pic>
-        <p:nvPicPr>
-          <p:cNvPr id="748" name="Picture 625_1"/>
-          <p:cNvPicPr/>
-          <p:nvPr/>
-        </p:nvPicPr>
-        <p:blipFill>
-          <a:blip r:embed="rId3"/>
-          <a:stretch/>
-        </p:blipFill>
-        <p:spPr>
-          <a:xfrm>
-            <a:off x="3566160" y="4297680"/>
-            <a:ext cx="3831480" cy="648720"/>
-          </a:xfrm>
-          <a:prstGeom prst="rect">
-            <a:avLst/>
-          </a:prstGeom>
-          <a:ln>
-            <a:noFill/>
-          </a:ln>
-        </p:spPr>
-      </p:pic>
-    </p:spTree>
-  </p:cSld>
-  <p:clrMapOvr>
-    <a:masterClrMapping/>
-  </p:clrMapOvr>
-</p:sld>
-</file>
-
-<file path=ppt/slides/slide11.xml><?xml version="1.0" encoding="utf-8"?>
-<p:sld xmlns:a="http://schemas.openxmlformats.org/drawingml/2006/main" xmlns:r="http://schemas.openxmlformats.org/officeDocument/2006/relationships" xmlns:p="http://schemas.openxmlformats.org/presentationml/2006/main">
-  <p:cSld>
-    <p:spTree>
-      <p:nvGrpSpPr>
-        <p:cNvPr id="1" name=""/>
-        <p:cNvGrpSpPr/>
-        <p:nvPr/>
-      </p:nvGrpSpPr>
-      <p:grpSpPr>
-        <a:xfrm>
-          <a:off x="0" y="0"/>
-          <a:ext cx="0" cy="0"/>
-          <a:chOff x="0" y="0"/>
-          <a:chExt cx="0" cy="0"/>
-        </a:xfrm>
-      </p:grpSpPr>
-      <p:sp>
-        <p:nvSpPr>
-          <p:cNvPr id="749" name="CustomShape 1"/>
-          <p:cNvSpPr/>
-          <p:nvPr/>
-        </p:nvSpPr>
-        <p:spPr>
-          <a:xfrm>
-            <a:off x="2011680" y="274680"/>
-            <a:ext cx="7765200" cy="1644480"/>
-          </a:xfrm>
-          <a:prstGeom prst="rect">
-            <a:avLst/>
-          </a:prstGeom>
-          <a:noFill/>
-          <a:ln>
-            <a:noFill/>
-          </a:ln>
-        </p:spPr>
-        <p:style>
-          <a:lnRef idx="0">
-            <a:scrgbClr r="0" g="0" b="0"/>
-          </a:lnRef>
-          <a:fillRef idx="0">
-            <a:scrgbClr r="0" g="0" b="0"/>
-          </a:fillRef>
-          <a:effectRef idx="0">
-            <a:scrgbClr r="0" g="0" b="0"/>
-          </a:effectRef>
-          <a:fontRef idx="minor"/>
-        </p:style>
-        <p:txBody>
-          <a:bodyPr lIns="0" tIns="0" rIns="0" bIns="0" anchor="ctr">
-            <a:noAutofit/>
-          </a:bodyPr>
-          <a:lstStyle/>
-          <a:p>
-            <a:pPr algn="r">
-              <a:lnSpc>
-                <a:spcPct val="100000"/>
-              </a:lnSpc>
-            </a:pPr>
-            <a:r>
-              <a:rPr lang="en-US" sz="5400" b="0" strike="noStrike" spc="-1">
-                <a:solidFill>
-                  <a:srgbClr val="4F81BD"/>
-                </a:solidFill>
-                <a:latin typeface="Trebuchet MS"/>
-                <a:ea typeface="DejaVu Sans"/>
-              </a:rPr>
-              <a:t>The Racket Language</a:t>
-            </a:r>
-            <a:endParaRPr lang="en-US" sz="5400" b="0" strike="noStrike" spc="-1">
-              <a:latin typeface="Arial"/>
-            </a:endParaRPr>
-          </a:p>
-        </p:txBody>
-      </p:sp>
-      <p:sp>
-        <p:nvSpPr>
-          <p:cNvPr id="750" name="CustomShape 2"/>
-          <p:cNvSpPr/>
-          <p:nvPr/>
-        </p:nvSpPr>
-        <p:spPr>
-          <a:xfrm>
-            <a:off x="457560" y="2057760"/>
-            <a:ext cx="10971360" cy="3976200"/>
-          </a:xfrm>
-          <a:prstGeom prst="rect">
-            <a:avLst/>
-          </a:prstGeom>
-          <a:noFill/>
-          <a:ln>
-            <a:noFill/>
-          </a:ln>
-        </p:spPr>
-        <p:style>
-          <a:lnRef idx="0">
-            <a:scrgbClr r="0" g="0" b="0"/>
-          </a:lnRef>
-          <a:fillRef idx="0">
-            <a:scrgbClr r="0" g="0" b="0"/>
-          </a:fillRef>
-          <a:effectRef idx="0">
-            <a:scrgbClr r="0" g="0" b="0"/>
-          </a:effectRef>
-          <a:fontRef idx="minor"/>
-        </p:style>
-        <p:txBody>
-          <a:bodyPr lIns="0" tIns="0" rIns="0" bIns="0">
-            <a:normAutofit/>
-          </a:bodyPr>
-          <a:lstStyle/>
-          <a:p>
-            <a:pPr marL="432000" indent="-322920">
-              <a:lnSpc>
-                <a:spcPct val="100000"/>
-              </a:lnSpc>
-              <a:spcBef>
-                <a:spcPts val="1417"/>
-              </a:spcBef>
-              <a:buClr>
-                <a:srgbClr val="000000"/>
-              </a:buClr>
-              <a:buSzPct val="45000"/>
-              <a:buFont typeface="Wingdings" charset="2"/>
-              <a:buChar char=""/>
-            </a:pPr>
-            <a:r>
-              <a:rPr lang="en-US" sz="2800" b="0" strike="noStrike" spc="-1">
-                <a:solidFill>
-                  <a:srgbClr val="000000"/>
-                </a:solidFill>
-                <a:latin typeface="Arial"/>
-                <a:ea typeface="DejaVu Sans"/>
-              </a:rPr>
-              <a:t>We can also use Local Binding for ease of programmability</a:t>
-            </a:r>
-            <a:endParaRPr lang="en-US" sz="2800" b="0" strike="noStrike" spc="-1">
-              <a:latin typeface="Arial"/>
-            </a:endParaRPr>
-          </a:p>
-          <a:p>
-            <a:pPr>
-              <a:lnSpc>
-                <a:spcPct val="100000"/>
-              </a:lnSpc>
-              <a:spcBef>
-                <a:spcPts val="1417"/>
-              </a:spcBef>
-            </a:pPr>
-            <a:endParaRPr lang="en-US" sz="2800" b="0" strike="noStrike" spc="-1">
-              <a:latin typeface="Arial"/>
-            </a:endParaRPr>
-          </a:p>
-          <a:p>
-            <a:pPr>
-              <a:lnSpc>
-                <a:spcPct val="100000"/>
-              </a:lnSpc>
-              <a:spcBef>
-                <a:spcPts val="1417"/>
-              </a:spcBef>
-            </a:pPr>
-            <a:endParaRPr lang="en-US" sz="2800" b="0" strike="noStrike" spc="-1">
-              <a:latin typeface="Arial"/>
-            </a:endParaRPr>
-          </a:p>
-          <a:p>
-            <a:pPr marL="432000" indent="-322920">
-              <a:lnSpc>
-                <a:spcPct val="100000"/>
-              </a:lnSpc>
-              <a:spcBef>
-                <a:spcPts val="1417"/>
-              </a:spcBef>
-              <a:buClr>
-                <a:srgbClr val="000000"/>
-              </a:buClr>
-              <a:buSzPct val="45000"/>
-              <a:buFont typeface="Wingdings" charset="2"/>
-              <a:buChar char=""/>
-            </a:pPr>
-            <a:r>
-              <a:rPr lang="en-US" sz="2800" b="0" strike="noStrike" spc="-1">
-                <a:solidFill>
-                  <a:srgbClr val="000000"/>
-                </a:solidFill>
-                <a:latin typeface="Arial"/>
-                <a:ea typeface="DejaVu Sans"/>
-              </a:rPr>
-              <a:t>Racket is lexically scoped (lexical closure)</a:t>
-            </a:r>
-            <a:endParaRPr lang="en-US" sz="2800" b="0" strike="noStrike" spc="-1">
-              <a:latin typeface="Arial"/>
-            </a:endParaRPr>
-          </a:p>
-          <a:p>
-            <a:pPr>
-              <a:lnSpc>
-                <a:spcPct val="100000"/>
-              </a:lnSpc>
-              <a:spcBef>
-                <a:spcPts val="1417"/>
-              </a:spcBef>
-            </a:pPr>
-            <a:endParaRPr lang="en-US" sz="2800" b="0" strike="noStrike" spc="-1">
-              <a:latin typeface="Arial"/>
-            </a:endParaRPr>
-          </a:p>
-          <a:p>
-            <a:pPr marL="432000" indent="-322920">
-              <a:lnSpc>
-                <a:spcPct val="100000"/>
-              </a:lnSpc>
-              <a:spcBef>
-                <a:spcPts val="1417"/>
-              </a:spcBef>
-              <a:buClr>
-                <a:srgbClr val="000000"/>
-              </a:buClr>
-              <a:buSzPct val="45000"/>
-              <a:buFont typeface="Wingdings" charset="2"/>
-              <a:buChar char=""/>
-            </a:pPr>
-            <a:endParaRPr lang="en-US" sz="2800" b="0" strike="noStrike" spc="-1">
-              <a:latin typeface="Arial"/>
-            </a:endParaRPr>
-          </a:p>
-          <a:p>
-            <a:pPr>
-              <a:lnSpc>
-                <a:spcPct val="100000"/>
-              </a:lnSpc>
-              <a:spcBef>
-                <a:spcPts val="1134"/>
-              </a:spcBef>
-            </a:pPr>
-            <a:endParaRPr lang="en-US" sz="2800" b="0" strike="noStrike" spc="-1">
-              <a:latin typeface="Arial"/>
-            </a:endParaRPr>
-          </a:p>
-        </p:txBody>
-      </p:sp>
-      <p:pic>
-        <p:nvPicPr>
-          <p:cNvPr id="751" name="Picture 628"/>
-          <p:cNvPicPr/>
-          <p:nvPr/>
-        </p:nvPicPr>
-        <p:blipFill>
-          <a:blip r:embed="rId2"/>
-          <a:stretch/>
-        </p:blipFill>
-        <p:spPr>
-          <a:xfrm>
-            <a:off x="1584360" y="2701800"/>
-            <a:ext cx="3548160" cy="1216440"/>
-          </a:xfrm>
-          <a:prstGeom prst="rect">
-            <a:avLst/>
-          </a:prstGeom>
-          <a:ln>
-            <a:noFill/>
-          </a:ln>
-        </p:spPr>
-      </p:pic>
-      <p:pic>
-        <p:nvPicPr>
-          <p:cNvPr id="752" name="Picture 629"/>
-          <p:cNvPicPr/>
-          <p:nvPr/>
-        </p:nvPicPr>
-        <p:blipFill>
-          <a:blip r:embed="rId3"/>
-          <a:stretch/>
-        </p:blipFill>
-        <p:spPr>
-          <a:xfrm>
-            <a:off x="1554480" y="4572000"/>
-            <a:ext cx="6127200" cy="1371240"/>
-          </a:xfrm>
-          <a:prstGeom prst="rect">
-            <a:avLst/>
-          </a:prstGeom>
-          <a:ln>
-            <a:noFill/>
-          </a:ln>
-        </p:spPr>
-      </p:pic>
-      <p:pic>
-        <p:nvPicPr>
-          <p:cNvPr id="753" name="Picture 630"/>
-          <p:cNvPicPr/>
-          <p:nvPr/>
-        </p:nvPicPr>
-        <p:blipFill>
-          <a:blip r:embed="rId4"/>
-          <a:stretch/>
-        </p:blipFill>
-        <p:spPr>
-          <a:xfrm>
-            <a:off x="7756560" y="4987440"/>
-            <a:ext cx="2572920" cy="957240"/>
-          </a:xfrm>
-          <a:prstGeom prst="rect">
-            <a:avLst/>
-          </a:prstGeom>
-          <a:ln>
-            <a:noFill/>
-          </a:ln>
-        </p:spPr>
-      </p:pic>
-      <p:pic>
-        <p:nvPicPr>
-          <p:cNvPr id="754" name="Picture 631"/>
-          <p:cNvPicPr/>
-          <p:nvPr/>
-        </p:nvPicPr>
-        <p:blipFill>
-          <a:blip r:embed="rId5"/>
-          <a:stretch/>
-        </p:blipFill>
-        <p:spPr>
-          <a:xfrm>
-            <a:off x="5916960" y="2690280"/>
-            <a:ext cx="4285080" cy="748080"/>
-          </a:xfrm>
-          <a:prstGeom prst="rect">
-            <a:avLst/>
-          </a:prstGeom>
-          <a:ln>
-            <a:noFill/>
-          </a:ln>
-        </p:spPr>
-      </p:pic>
-    </p:spTree>
-  </p:cSld>
-  <p:clrMapOvr>
-    <a:masterClrMapping/>
-  </p:clrMapOvr>
-</p:sld>
-</file>
-
-<file path=ppt/slides/slide12.xml><?xml version="1.0" encoding="utf-8"?>
-<p:sld xmlns:a="http://schemas.openxmlformats.org/drawingml/2006/main" xmlns:r="http://schemas.openxmlformats.org/officeDocument/2006/relationships" xmlns:p="http://schemas.openxmlformats.org/presentationml/2006/main">
-  <p:cSld>
-    <p:spTree>
-      <p:nvGrpSpPr>
-        <p:cNvPr id="1" name=""/>
-        <p:cNvGrpSpPr/>
-        <p:nvPr/>
-      </p:nvGrpSpPr>
-      <p:grpSpPr>
-        <a:xfrm>
-          <a:off x="0" y="0"/>
-          <a:ext cx="0" cy="0"/>
-          <a:chOff x="0" y="0"/>
-          <a:chExt cx="0" cy="0"/>
-        </a:xfrm>
-      </p:grpSpPr>
-      <p:sp>
-        <p:nvSpPr>
-          <p:cNvPr id="755" name="CustomShape 1"/>
-          <p:cNvSpPr/>
-          <p:nvPr/>
-        </p:nvSpPr>
-        <p:spPr>
-          <a:xfrm>
-            <a:off x="2011680" y="274680"/>
-            <a:ext cx="7765200" cy="1644480"/>
-          </a:xfrm>
-          <a:prstGeom prst="rect">
-            <a:avLst/>
-          </a:prstGeom>
-          <a:noFill/>
-          <a:ln>
-            <a:noFill/>
-          </a:ln>
-        </p:spPr>
-        <p:style>
-          <a:lnRef idx="0">
-            <a:scrgbClr r="0" g="0" b="0"/>
-          </a:lnRef>
-          <a:fillRef idx="0">
-            <a:scrgbClr r="0" g="0" b="0"/>
-          </a:fillRef>
-          <a:effectRef idx="0">
-            <a:scrgbClr r="0" g="0" b="0"/>
-          </a:effectRef>
-          <a:fontRef idx="minor"/>
-        </p:style>
-        <p:txBody>
-          <a:bodyPr lIns="0" tIns="0" rIns="0" bIns="0" anchor="ctr">
-            <a:noAutofit/>
-          </a:bodyPr>
-          <a:lstStyle/>
-          <a:p>
-            <a:pPr algn="r">
-              <a:lnSpc>
-                <a:spcPct val="100000"/>
-              </a:lnSpc>
-            </a:pPr>
-            <a:r>
-              <a:rPr lang="en-US" sz="4800" b="0" strike="noStrike" spc="-1">
-                <a:solidFill>
-                  <a:srgbClr val="4F81BD"/>
-                </a:solidFill>
-                <a:latin typeface="Trebuchet MS"/>
-                <a:ea typeface="DejaVu Sans"/>
-              </a:rPr>
-              <a:t>The Racket Language</a:t>
-            </a:r>
-            <a:endParaRPr lang="en-US" sz="4800" b="0" strike="noStrike" spc="-1">
-              <a:latin typeface="Arial"/>
-            </a:endParaRPr>
-          </a:p>
-        </p:txBody>
-      </p:sp>
-      <p:sp>
-        <p:nvSpPr>
-          <p:cNvPr id="756" name="CustomShape 2"/>
-          <p:cNvSpPr/>
-          <p:nvPr/>
-        </p:nvSpPr>
-        <p:spPr>
-          <a:xfrm>
-            <a:off x="457560" y="2057760"/>
-            <a:ext cx="10971360" cy="3976200"/>
-          </a:xfrm>
-          <a:prstGeom prst="rect">
-            <a:avLst/>
-          </a:prstGeom>
-          <a:noFill/>
-          <a:ln>
-            <a:noFill/>
-          </a:ln>
-        </p:spPr>
-        <p:style>
-          <a:lnRef idx="0">
-            <a:scrgbClr r="0" g="0" b="0"/>
-          </a:lnRef>
-          <a:fillRef idx="0">
-            <a:scrgbClr r="0" g="0" b="0"/>
-          </a:fillRef>
-          <a:effectRef idx="0">
-            <a:scrgbClr r="0" g="0" b="0"/>
-          </a:effectRef>
-          <a:fontRef idx="minor"/>
-        </p:style>
-        <p:txBody>
-          <a:bodyPr lIns="0" tIns="0" rIns="0" bIns="0">
-            <a:normAutofit/>
-          </a:bodyPr>
-          <a:lstStyle/>
-          <a:p>
-            <a:pPr marL="432000" indent="-322920">
-              <a:lnSpc>
-                <a:spcPct val="100000"/>
-              </a:lnSpc>
-              <a:spcBef>
-                <a:spcPts val="1417"/>
-              </a:spcBef>
-              <a:buClr>
-                <a:srgbClr val="000000"/>
-              </a:buClr>
-              <a:buSzPct val="45000"/>
-              <a:buFont typeface="Wingdings" charset="2"/>
-              <a:buChar char=""/>
-            </a:pPr>
-            <a:r>
-              <a:rPr lang="en-US" sz="2800" b="0" strike="noStrike" spc="-1">
-                <a:solidFill>
-                  <a:srgbClr val="000000"/>
-                </a:solidFill>
-                <a:latin typeface="Arial"/>
-                <a:ea typeface="DejaVu Sans"/>
-              </a:rPr>
-              <a:t>Racket also supports</a:t>
-            </a:r>
-            <a:endParaRPr lang="en-US" sz="2800" b="0" strike="noStrike" spc="-1">
-              <a:latin typeface="Arial"/>
-            </a:endParaRPr>
-          </a:p>
-          <a:p>
-            <a:pPr marL="648000" lvl="2" indent="-215640">
-              <a:lnSpc>
-                <a:spcPct val="100000"/>
-              </a:lnSpc>
-              <a:spcBef>
-                <a:spcPts val="1417"/>
-              </a:spcBef>
-              <a:buClr>
-                <a:srgbClr val="000000"/>
-              </a:buClr>
-              <a:buSzPct val="45000"/>
-              <a:buFont typeface="Wingdings" charset="2"/>
-              <a:buChar char=""/>
-            </a:pPr>
-            <a:r>
-              <a:rPr lang="en-US" sz="2800" b="0" strike="noStrike" spc="-1">
-                <a:solidFill>
-                  <a:srgbClr val="000000"/>
-                </a:solidFill>
-                <a:latin typeface="Arial"/>
-                <a:ea typeface="DejaVu Sans"/>
-              </a:rPr>
-              <a:t>Lists</a:t>
-            </a:r>
-            <a:endParaRPr lang="en-US" sz="2800" b="0" strike="noStrike" spc="-1">
-              <a:latin typeface="Arial"/>
-            </a:endParaRPr>
-          </a:p>
-          <a:p>
-            <a:pPr marL="648000" lvl="2" indent="-215640">
-              <a:lnSpc>
-                <a:spcPct val="100000"/>
-              </a:lnSpc>
-              <a:spcBef>
-                <a:spcPts val="1417"/>
-              </a:spcBef>
-              <a:buClr>
-                <a:srgbClr val="000000"/>
-              </a:buClr>
-              <a:buSzPct val="45000"/>
-              <a:buFont typeface="Wingdings" charset="2"/>
-              <a:buChar char=""/>
-            </a:pPr>
-            <a:r>
-              <a:rPr lang="en-US" sz="2800" b="0" strike="noStrike" spc="-1">
-                <a:solidFill>
-                  <a:srgbClr val="000000"/>
-                </a:solidFill>
-                <a:latin typeface="Arial"/>
-                <a:ea typeface="DejaVu Sans"/>
-              </a:rPr>
-              <a:t>Objects</a:t>
-            </a:r>
-            <a:endParaRPr lang="en-US" sz="2800" b="0" strike="noStrike" spc="-1">
-              <a:latin typeface="Arial"/>
-            </a:endParaRPr>
-          </a:p>
-          <a:p>
-            <a:pPr marL="648000" lvl="2" indent="-215640">
-              <a:lnSpc>
-                <a:spcPct val="100000"/>
-              </a:lnSpc>
-              <a:spcBef>
-                <a:spcPts val="1417"/>
-              </a:spcBef>
-              <a:buClr>
-                <a:srgbClr val="000000"/>
-              </a:buClr>
-              <a:buSzPct val="45000"/>
-              <a:buFont typeface="Wingdings" charset="2"/>
-              <a:buChar char=""/>
-            </a:pPr>
-            <a:r>
-              <a:rPr lang="en-US" sz="2800" b="0" strike="noStrike" spc="-1">
-                <a:solidFill>
-                  <a:srgbClr val="000000"/>
-                </a:solidFill>
-                <a:latin typeface="Arial"/>
-                <a:ea typeface="DejaVu Sans"/>
-              </a:rPr>
-              <a:t>Modules</a:t>
-            </a:r>
-            <a:endParaRPr lang="en-US" sz="2800" b="0" strike="noStrike" spc="-1">
-              <a:latin typeface="Arial"/>
-            </a:endParaRPr>
-          </a:p>
-          <a:p>
-            <a:pPr marL="648000" lvl="2" indent="-215640">
-              <a:lnSpc>
-                <a:spcPct val="100000"/>
-              </a:lnSpc>
-              <a:spcBef>
-                <a:spcPts val="1417"/>
-              </a:spcBef>
-              <a:buClr>
-                <a:srgbClr val="000000"/>
-              </a:buClr>
-              <a:buSzPct val="45000"/>
-              <a:buFont typeface="Wingdings" charset="2"/>
-              <a:buChar char=""/>
-            </a:pPr>
-            <a:r>
-              <a:rPr lang="en-US" sz="2800" b="0" strike="noStrike" spc="-1">
-                <a:solidFill>
-                  <a:srgbClr val="000000"/>
-                </a:solidFill>
-                <a:latin typeface="Arial"/>
-                <a:ea typeface="DejaVu Sans"/>
-              </a:rPr>
-              <a:t>Etc </a:t>
-            </a:r>
-            <a:endParaRPr lang="en-US" sz="2800" b="0" strike="noStrike" spc="-1">
-              <a:latin typeface="Arial"/>
-            </a:endParaRPr>
-          </a:p>
-          <a:p>
-            <a:pPr marL="648000" lvl="2" indent="-215640">
-              <a:lnSpc>
-                <a:spcPct val="100000"/>
-              </a:lnSpc>
-              <a:spcBef>
-                <a:spcPts val="1417"/>
-              </a:spcBef>
-              <a:buClr>
-                <a:srgbClr val="000000"/>
-              </a:buClr>
-              <a:buSzPct val="45000"/>
-              <a:buFont typeface="Wingdings" charset="2"/>
-              <a:buChar char=""/>
-            </a:pPr>
-            <a:endParaRPr lang="en-US" sz="2800" b="0" strike="noStrike" spc="-1">
-              <a:latin typeface="Arial"/>
-            </a:endParaRPr>
-          </a:p>
-          <a:p>
-            <a:pPr marL="648000" lvl="2" indent="-215640">
-              <a:lnSpc>
-                <a:spcPct val="100000"/>
-              </a:lnSpc>
-              <a:spcBef>
-                <a:spcPts val="1417"/>
-              </a:spcBef>
-              <a:buClr>
-                <a:srgbClr val="000000"/>
-              </a:buClr>
-              <a:buSzPct val="45000"/>
-              <a:buFont typeface="Wingdings" charset="2"/>
-              <a:buChar char=""/>
-            </a:pPr>
-            <a:r>
-              <a:rPr lang="en-US" sz="2800" b="0" strike="noStrike" spc="-1">
-                <a:solidFill>
-                  <a:srgbClr val="000000"/>
-                </a:solidFill>
-                <a:latin typeface="Arial"/>
-                <a:ea typeface="DejaVu Sans"/>
-              </a:rPr>
-              <a:t>For more info, see the racket language manual [8]</a:t>
-            </a:r>
-            <a:endParaRPr lang="en-US" sz="2800" b="0" strike="noStrike" spc="-1">
-              <a:latin typeface="Arial"/>
-            </a:endParaRPr>
-          </a:p>
-          <a:p>
-            <a:pPr>
-              <a:lnSpc>
-                <a:spcPct val="100000"/>
-              </a:lnSpc>
-              <a:spcBef>
-                <a:spcPts val="1134"/>
-              </a:spcBef>
-            </a:pPr>
-            <a:endParaRPr lang="en-US" sz="2800" b="0" strike="noStrike" spc="-1">
-              <a:latin typeface="Arial"/>
-            </a:endParaRPr>
-          </a:p>
-        </p:txBody>
-      </p:sp>
-    </p:spTree>
-  </p:cSld>
-  <p:clrMapOvr>
-    <a:masterClrMapping/>
-  </p:clrMapOvr>
-</p:sld>
-</file>
-
-<file path=ppt/slides/slide13.xml><?xml version="1.0" encoding="utf-8"?>
-<p:sld xmlns:a="http://schemas.openxmlformats.org/drawingml/2006/main" xmlns:r="http://schemas.openxmlformats.org/officeDocument/2006/relationships" xmlns:p="http://schemas.openxmlformats.org/presentationml/2006/main">
-  <p:cSld>
-    <p:spTree>
-      <p:nvGrpSpPr>
-        <p:cNvPr id="1" name=""/>
-        <p:cNvGrpSpPr/>
-        <p:nvPr/>
-      </p:nvGrpSpPr>
-      <p:grpSpPr>
-        <a:xfrm>
-          <a:off x="0" y="0"/>
-          <a:ext cx="0" cy="0"/>
-          <a:chOff x="0" y="0"/>
-          <a:chExt cx="0" cy="0"/>
-        </a:xfrm>
-      </p:grpSpPr>
-      <p:sp>
-        <p:nvSpPr>
           <p:cNvPr id="757" name="CustomShape 1"/>
           <p:cNvSpPr/>
           <p:nvPr/>
@@ -39853,7 +38916,7 @@
 </p:sld>
 </file>
 
-<file path=ppt/slides/slide14.xml><?xml version="1.0" encoding="utf-8"?>
+<file path=ppt/slides/slide11.xml><?xml version="1.0" encoding="utf-8"?>
 <p:sld xmlns:a="http://schemas.openxmlformats.org/drawingml/2006/main" xmlns:r="http://schemas.openxmlformats.org/officeDocument/2006/relationships" xmlns:p="http://schemas.openxmlformats.org/presentationml/2006/main">
   <p:cSld>
     <p:spTree>
@@ -40226,7 +39289,7 @@
 </p:sld>
 </file>
 
-<file path=ppt/slides/slide15.xml><?xml version="1.0" encoding="utf-8"?>
+<file path=ppt/slides/slide12.xml><?xml version="1.0" encoding="utf-8"?>
 <p:sld xmlns:a="http://schemas.openxmlformats.org/drawingml/2006/main" xmlns:r="http://schemas.openxmlformats.org/officeDocument/2006/relationships" xmlns:p="http://schemas.openxmlformats.org/presentationml/2006/main">
   <p:cSld>
     <p:spTree>
@@ -40518,6 +39581,807 @@
 </p:sld>
 </file>
 
+<file path=ppt/slides/slide13.xml><?xml version="1.0" encoding="utf-8"?>
+<p:sld xmlns:a="http://schemas.openxmlformats.org/drawingml/2006/main" xmlns:r="http://schemas.openxmlformats.org/officeDocument/2006/relationships" xmlns:p="http://schemas.openxmlformats.org/presentationml/2006/main">
+  <p:cSld>
+    <p:spTree>
+      <p:nvGrpSpPr>
+        <p:cNvPr id="1" name=""/>
+        <p:cNvGrpSpPr/>
+        <p:nvPr/>
+      </p:nvGrpSpPr>
+      <p:grpSpPr>
+        <a:xfrm>
+          <a:off x="0" y="0"/>
+          <a:ext cx="0" cy="0"/>
+          <a:chOff x="0" y="0"/>
+          <a:chExt cx="0" cy="0"/>
+        </a:xfrm>
+      </p:grpSpPr>
+      <p:sp>
+        <p:nvSpPr>
+          <p:cNvPr id="768" name="CustomShape 1"/>
+          <p:cNvSpPr/>
+          <p:nvPr/>
+        </p:nvSpPr>
+        <p:spPr>
+          <a:xfrm>
+            <a:off x="2011680" y="274680"/>
+            <a:ext cx="7765200" cy="1644480"/>
+          </a:xfrm>
+          <a:prstGeom prst="rect">
+            <a:avLst/>
+          </a:prstGeom>
+          <a:noFill/>
+          <a:ln>
+            <a:noFill/>
+          </a:ln>
+        </p:spPr>
+        <p:style>
+          <a:lnRef idx="0">
+            <a:scrgbClr r="0" g="0" b="0"/>
+          </a:lnRef>
+          <a:fillRef idx="0">
+            <a:scrgbClr r="0" g="0" b="0"/>
+          </a:fillRef>
+          <a:effectRef idx="0">
+            <a:scrgbClr r="0" g="0" b="0"/>
+          </a:effectRef>
+          <a:fontRef idx="minor"/>
+        </p:style>
+        <p:txBody>
+          <a:bodyPr lIns="0" tIns="0" rIns="0" bIns="0" anchor="ctr">
+            <a:noAutofit/>
+          </a:bodyPr>
+          <a:lstStyle/>
+          <a:p>
+            <a:pPr algn="r">
+              <a:lnSpc>
+                <a:spcPct val="100000"/>
+              </a:lnSpc>
+            </a:pPr>
+            <a:r>
+              <a:rPr lang="en-US" sz="4800" b="0" strike="noStrike" spc="-1">
+                <a:solidFill>
+                  <a:srgbClr val="4F81BD"/>
+                </a:solidFill>
+                <a:latin typeface="Trebuchet MS"/>
+                <a:ea typeface="DejaVu Sans"/>
+              </a:rPr>
+              <a:t>Main Features / Strengths of Racket</a:t>
+            </a:r>
+            <a:endParaRPr lang="en-US" sz="4800" b="0" strike="noStrike" spc="-1">
+              <a:latin typeface="Arial"/>
+            </a:endParaRPr>
+          </a:p>
+        </p:txBody>
+      </p:sp>
+      <p:sp>
+        <p:nvSpPr>
+          <p:cNvPr id="769" name="CustomShape 2"/>
+          <p:cNvSpPr/>
+          <p:nvPr/>
+        </p:nvSpPr>
+        <p:spPr>
+          <a:xfrm>
+            <a:off x="457560" y="2057760"/>
+            <a:ext cx="10971360" cy="3976200"/>
+          </a:xfrm>
+          <a:prstGeom prst="rect">
+            <a:avLst/>
+          </a:prstGeom>
+          <a:noFill/>
+          <a:ln>
+            <a:noFill/>
+          </a:ln>
+        </p:spPr>
+        <p:style>
+          <a:lnRef idx="0">
+            <a:scrgbClr r="0" g="0" b="0"/>
+          </a:lnRef>
+          <a:fillRef idx="0">
+            <a:scrgbClr r="0" g="0" b="0"/>
+          </a:fillRef>
+          <a:effectRef idx="0">
+            <a:scrgbClr r="0" g="0" b="0"/>
+          </a:effectRef>
+          <a:fontRef idx="minor"/>
+        </p:style>
+        <p:txBody>
+          <a:bodyPr lIns="0" tIns="0" rIns="0" bIns="0">
+            <a:normAutofit/>
+          </a:bodyPr>
+          <a:lstStyle/>
+          <a:p>
+            <a:pPr marL="432000" indent="-322920">
+              <a:lnSpc>
+                <a:spcPct val="100000"/>
+              </a:lnSpc>
+              <a:spcBef>
+                <a:spcPts val="1417"/>
+              </a:spcBef>
+              <a:buClr>
+                <a:srgbClr val="000000"/>
+              </a:buClr>
+              <a:buSzPct val="45000"/>
+              <a:buFont typeface="Wingdings" charset="2"/>
+              <a:buChar char=""/>
+            </a:pPr>
+            <a:r>
+              <a:rPr lang="en-US" sz="2800" b="0" strike="noStrike" spc="-1">
+                <a:solidFill>
+                  <a:srgbClr val="000000"/>
+                </a:solidFill>
+                <a:latin typeface="Arial"/>
+                <a:ea typeface="DejaVu Sans"/>
+              </a:rPr>
+              <a:t>Contracts (provide)</a:t>
+            </a:r>
+            <a:endParaRPr lang="en-US" sz="2800" b="0" strike="noStrike" spc="-1">
+              <a:latin typeface="Arial"/>
+            </a:endParaRPr>
+          </a:p>
+          <a:p>
+            <a:pPr marL="648000" lvl="2" indent="-216000">
+              <a:lnSpc>
+                <a:spcPct val="100000"/>
+              </a:lnSpc>
+              <a:spcBef>
+                <a:spcPts val="1417"/>
+              </a:spcBef>
+              <a:buClr>
+                <a:srgbClr val="000000"/>
+              </a:buClr>
+              <a:buSzPct val="45000"/>
+              <a:buFont typeface="Wingdings" charset="2"/>
+              <a:buChar char=""/>
+            </a:pPr>
+            <a:endParaRPr lang="en-US" sz="2800" b="0" strike="noStrike" spc="-1">
+              <a:latin typeface="Arial"/>
+            </a:endParaRPr>
+          </a:p>
+          <a:p>
+            <a:pPr marL="648000" lvl="2" indent="-216000">
+              <a:lnSpc>
+                <a:spcPct val="100000"/>
+              </a:lnSpc>
+              <a:spcBef>
+                <a:spcPts val="1417"/>
+              </a:spcBef>
+              <a:buClr>
+                <a:srgbClr val="000000"/>
+              </a:buClr>
+              <a:buSzPct val="45000"/>
+              <a:buFont typeface="Wingdings" charset="2"/>
+              <a:buChar char=""/>
+            </a:pPr>
+            <a:endParaRPr lang="en-US" sz="2800" b="0" strike="noStrike" spc="-1">
+              <a:latin typeface="Arial"/>
+            </a:endParaRPr>
+          </a:p>
+          <a:p>
+            <a:pPr marL="648000" lvl="2" indent="-216000">
+              <a:lnSpc>
+                <a:spcPct val="100000"/>
+              </a:lnSpc>
+              <a:spcBef>
+                <a:spcPts val="1417"/>
+              </a:spcBef>
+              <a:buClr>
+                <a:srgbClr val="000000"/>
+              </a:buClr>
+              <a:buSzPct val="45000"/>
+              <a:buFont typeface="Wingdings" charset="2"/>
+              <a:buChar char=""/>
+            </a:pPr>
+            <a:r>
+              <a:rPr lang="en-US" sz="2800" b="0" strike="noStrike" spc="-1">
+                <a:solidFill>
+                  <a:srgbClr val="000000"/>
+                </a:solidFill>
+                <a:latin typeface="Arial"/>
+                <a:ea typeface="DejaVu Sans"/>
+              </a:rPr>
+              <a:t>Makes “promises” about values that will be exported</a:t>
+            </a:r>
+            <a:endParaRPr lang="en-US" sz="2800" b="0" strike="noStrike" spc="-1">
+              <a:latin typeface="Arial"/>
+            </a:endParaRPr>
+          </a:p>
+          <a:p>
+            <a:pPr marL="648000" lvl="2" indent="-216000">
+              <a:lnSpc>
+                <a:spcPct val="100000"/>
+              </a:lnSpc>
+              <a:spcBef>
+                <a:spcPts val="1417"/>
+              </a:spcBef>
+              <a:buClr>
+                <a:srgbClr val="000000"/>
+              </a:buClr>
+              <a:buSzPct val="45000"/>
+              <a:buFont typeface="Wingdings" charset="2"/>
+              <a:buChar char=""/>
+            </a:pPr>
+            <a:endParaRPr lang="en-US" sz="2800" b="0" strike="noStrike" spc="-1">
+              <a:latin typeface="Arial"/>
+            </a:endParaRPr>
+          </a:p>
+          <a:p>
+            <a:pPr>
+              <a:lnSpc>
+                <a:spcPct val="100000"/>
+              </a:lnSpc>
+              <a:spcBef>
+                <a:spcPts val="1134"/>
+              </a:spcBef>
+            </a:pPr>
+            <a:endParaRPr lang="en-US" sz="2800" b="0" strike="noStrike" spc="-1">
+              <a:latin typeface="Arial"/>
+            </a:endParaRPr>
+          </a:p>
+        </p:txBody>
+      </p:sp>
+      <p:pic>
+        <p:nvPicPr>
+          <p:cNvPr id="770" name="Picture 769"/>
+          <p:cNvPicPr/>
+          <p:nvPr/>
+        </p:nvPicPr>
+        <p:blipFill>
+          <a:blip r:embed="rId2"/>
+          <a:stretch/>
+        </p:blipFill>
+        <p:spPr>
+          <a:xfrm>
+            <a:off x="1188720" y="2564640"/>
+            <a:ext cx="3847680" cy="1275840"/>
+          </a:xfrm>
+          <a:prstGeom prst="rect">
+            <a:avLst/>
+          </a:prstGeom>
+          <a:ln>
+            <a:noFill/>
+          </a:ln>
+        </p:spPr>
+      </p:pic>
+    </p:spTree>
+  </p:cSld>
+  <p:clrMapOvr>
+    <a:masterClrMapping/>
+  </p:clrMapOvr>
+</p:sld>
+</file>
+
+<file path=ppt/slides/slide14.xml><?xml version="1.0" encoding="utf-8"?>
+<p:sld xmlns:a="http://schemas.openxmlformats.org/drawingml/2006/main" xmlns:r="http://schemas.openxmlformats.org/officeDocument/2006/relationships" xmlns:p="http://schemas.openxmlformats.org/presentationml/2006/main">
+  <p:cSld>
+    <p:spTree>
+      <p:nvGrpSpPr>
+        <p:cNvPr id="1" name=""/>
+        <p:cNvGrpSpPr/>
+        <p:nvPr/>
+      </p:nvGrpSpPr>
+      <p:grpSpPr>
+        <a:xfrm>
+          <a:off x="0" y="0"/>
+          <a:ext cx="0" cy="0"/>
+          <a:chOff x="0" y="0"/>
+          <a:chExt cx="0" cy="0"/>
+        </a:xfrm>
+      </p:grpSpPr>
+      <p:sp>
+        <p:nvSpPr>
+          <p:cNvPr id="771" name="CustomShape 1"/>
+          <p:cNvSpPr/>
+          <p:nvPr/>
+        </p:nvSpPr>
+        <p:spPr>
+          <a:xfrm>
+            <a:off x="2011680" y="274680"/>
+            <a:ext cx="7765200" cy="1644480"/>
+          </a:xfrm>
+          <a:prstGeom prst="rect">
+            <a:avLst/>
+          </a:prstGeom>
+          <a:noFill/>
+          <a:ln>
+            <a:noFill/>
+          </a:ln>
+        </p:spPr>
+        <p:style>
+          <a:lnRef idx="0">
+            <a:scrgbClr r="0" g="0" b="0"/>
+          </a:lnRef>
+          <a:fillRef idx="0">
+            <a:scrgbClr r="0" g="0" b="0"/>
+          </a:fillRef>
+          <a:effectRef idx="0">
+            <a:scrgbClr r="0" g="0" b="0"/>
+          </a:effectRef>
+          <a:fontRef idx="minor"/>
+        </p:style>
+        <p:txBody>
+          <a:bodyPr lIns="0" tIns="0" rIns="0" bIns="0" anchor="ctr">
+            <a:noAutofit/>
+          </a:bodyPr>
+          <a:lstStyle/>
+          <a:p>
+            <a:pPr algn="r">
+              <a:lnSpc>
+                <a:spcPct val="100000"/>
+              </a:lnSpc>
+            </a:pPr>
+            <a:r>
+              <a:rPr lang="en-US" sz="5400" b="0" strike="noStrike" spc="-1">
+                <a:solidFill>
+                  <a:srgbClr val="4F81BD"/>
+                </a:solidFill>
+                <a:latin typeface="Trebuchet MS"/>
+                <a:ea typeface="DejaVu Sans"/>
+              </a:rPr>
+              <a:t>Racket Applications</a:t>
+            </a:r>
+            <a:endParaRPr lang="en-US" sz="5400" b="0" strike="noStrike" spc="-1">
+              <a:latin typeface="Arial"/>
+            </a:endParaRPr>
+          </a:p>
+        </p:txBody>
+      </p:sp>
+      <p:sp>
+        <p:nvSpPr>
+          <p:cNvPr id="772" name="CustomShape 2"/>
+          <p:cNvSpPr/>
+          <p:nvPr/>
+        </p:nvSpPr>
+        <p:spPr>
+          <a:xfrm>
+            <a:off x="457560" y="2057760"/>
+            <a:ext cx="10971360" cy="3976200"/>
+          </a:xfrm>
+          <a:prstGeom prst="rect">
+            <a:avLst/>
+          </a:prstGeom>
+          <a:noFill/>
+          <a:ln>
+            <a:noFill/>
+          </a:ln>
+        </p:spPr>
+        <p:style>
+          <a:lnRef idx="0">
+            <a:scrgbClr r="0" g="0" b="0"/>
+          </a:lnRef>
+          <a:fillRef idx="0">
+            <a:scrgbClr r="0" g="0" b="0"/>
+          </a:fillRef>
+          <a:effectRef idx="0">
+            <a:scrgbClr r="0" g="0" b="0"/>
+          </a:effectRef>
+          <a:fontRef idx="minor"/>
+        </p:style>
+        <p:txBody>
+          <a:bodyPr lIns="0" tIns="0" rIns="0" bIns="0">
+            <a:normAutofit/>
+          </a:bodyPr>
+          <a:lstStyle/>
+          <a:p>
+            <a:pPr marL="432000" indent="-322920">
+              <a:lnSpc>
+                <a:spcPct val="100000"/>
+              </a:lnSpc>
+              <a:spcBef>
+                <a:spcPts val="1417"/>
+              </a:spcBef>
+              <a:buClr>
+                <a:srgbClr val="000000"/>
+              </a:buClr>
+              <a:buSzPct val="45000"/>
+              <a:buFont typeface="Wingdings" charset="2"/>
+              <a:buChar char=""/>
+            </a:pPr>
+            <a:r>
+              <a:rPr lang="en-US" sz="2800" b="0" strike="noStrike" spc="-1">
+                <a:solidFill>
+                  <a:srgbClr val="000000"/>
+                </a:solidFill>
+                <a:latin typeface="Arial"/>
+                <a:ea typeface="DejaVu Sans"/>
+              </a:rPr>
+              <a:t>Main applications:</a:t>
+            </a:r>
+            <a:endParaRPr lang="en-US" sz="2800" b="0" strike="noStrike" spc="-1">
+              <a:latin typeface="Arial"/>
+            </a:endParaRPr>
+          </a:p>
+          <a:p>
+            <a:pPr marL="648000" lvl="2" indent="-215640">
+              <a:lnSpc>
+                <a:spcPct val="100000"/>
+              </a:lnSpc>
+              <a:spcBef>
+                <a:spcPts val="1417"/>
+              </a:spcBef>
+              <a:buClr>
+                <a:srgbClr val="000000"/>
+              </a:buClr>
+              <a:buSzPct val="45000"/>
+              <a:buFont typeface="Wingdings" charset="2"/>
+              <a:buChar char=""/>
+            </a:pPr>
+            <a:r>
+              <a:rPr lang="en-US" sz="2800" b="0" strike="noStrike" spc="-1">
+                <a:solidFill>
+                  <a:srgbClr val="000000"/>
+                </a:solidFill>
+                <a:latin typeface="Arial"/>
+                <a:ea typeface="DejaVu Sans"/>
+              </a:rPr>
+              <a:t>Language Development</a:t>
+            </a:r>
+            <a:endParaRPr lang="en-US" sz="2800" b="0" strike="noStrike" spc="-1">
+              <a:latin typeface="Arial"/>
+            </a:endParaRPr>
+          </a:p>
+          <a:p>
+            <a:pPr marL="648000" lvl="2" indent="-215640">
+              <a:lnSpc>
+                <a:spcPct val="100000"/>
+              </a:lnSpc>
+              <a:spcBef>
+                <a:spcPts val="1417"/>
+              </a:spcBef>
+              <a:buClr>
+                <a:srgbClr val="000000"/>
+              </a:buClr>
+              <a:buSzPct val="45000"/>
+              <a:buFont typeface="Wingdings" charset="2"/>
+              <a:buChar char=""/>
+            </a:pPr>
+            <a:r>
+              <a:rPr lang="en-US" sz="2800" b="0" strike="noStrike" spc="-1">
+                <a:solidFill>
+                  <a:srgbClr val="000000"/>
+                </a:solidFill>
+                <a:latin typeface="Arial"/>
+                <a:ea typeface="DejaVu Sans"/>
+              </a:rPr>
+              <a:t>Education</a:t>
+            </a:r>
+            <a:endParaRPr lang="en-US" sz="2800" b="0" strike="noStrike" spc="-1">
+              <a:latin typeface="Arial"/>
+            </a:endParaRPr>
+          </a:p>
+          <a:p>
+            <a:pPr marL="648000" lvl="2" indent="-215640">
+              <a:lnSpc>
+                <a:spcPct val="100000"/>
+              </a:lnSpc>
+              <a:spcBef>
+                <a:spcPts val="1417"/>
+              </a:spcBef>
+              <a:buClr>
+                <a:srgbClr val="000000"/>
+              </a:buClr>
+              <a:buSzPct val="45000"/>
+              <a:buFont typeface="Wingdings" charset="2"/>
+              <a:buChar char=""/>
+            </a:pPr>
+            <a:r>
+              <a:rPr lang="en-US" sz="2800" b="0" strike="noStrike" spc="-1">
+                <a:solidFill>
+                  <a:srgbClr val="000000"/>
+                </a:solidFill>
+                <a:latin typeface="Arial"/>
+                <a:ea typeface="DejaVu Sans"/>
+              </a:rPr>
+              <a:t>Web Development</a:t>
+            </a:r>
+            <a:endParaRPr lang="en-US" sz="2800" b="0" strike="noStrike" spc="-1">
+              <a:latin typeface="Arial"/>
+            </a:endParaRPr>
+          </a:p>
+          <a:p>
+            <a:pPr marL="648000" lvl="2" indent="-215640">
+              <a:lnSpc>
+                <a:spcPct val="100000"/>
+              </a:lnSpc>
+              <a:spcBef>
+                <a:spcPts val="1417"/>
+              </a:spcBef>
+              <a:buClr>
+                <a:srgbClr val="000000"/>
+              </a:buClr>
+              <a:buSzPct val="45000"/>
+              <a:buFont typeface="Wingdings" charset="2"/>
+              <a:buChar char=""/>
+            </a:pPr>
+            <a:r>
+              <a:rPr lang="en-US" sz="2800" b="0" strike="noStrike" spc="-1">
+                <a:solidFill>
+                  <a:srgbClr val="000000"/>
+                </a:solidFill>
+                <a:latin typeface="Arial"/>
+                <a:ea typeface="DejaVu Sans"/>
+              </a:rPr>
+              <a:t>Racket Tools</a:t>
+            </a:r>
+            <a:endParaRPr lang="en-US" sz="2800" b="0" strike="noStrike" spc="-1">
+              <a:latin typeface="Arial"/>
+            </a:endParaRPr>
+          </a:p>
+          <a:p>
+            <a:pPr>
+              <a:lnSpc>
+                <a:spcPct val="100000"/>
+              </a:lnSpc>
+              <a:spcBef>
+                <a:spcPts val="1134"/>
+              </a:spcBef>
+            </a:pPr>
+            <a:endParaRPr lang="en-US" sz="2800" b="0" strike="noStrike" spc="-1">
+              <a:latin typeface="Arial"/>
+            </a:endParaRPr>
+          </a:p>
+        </p:txBody>
+      </p:sp>
+    </p:spTree>
+  </p:cSld>
+  <p:clrMapOvr>
+    <a:masterClrMapping/>
+  </p:clrMapOvr>
+</p:sld>
+</file>
+
+<file path=ppt/slides/slide15.xml><?xml version="1.0" encoding="utf-8"?>
+<p:sld xmlns:a="http://schemas.openxmlformats.org/drawingml/2006/main" xmlns:r="http://schemas.openxmlformats.org/officeDocument/2006/relationships" xmlns:p="http://schemas.openxmlformats.org/presentationml/2006/main">
+  <p:cSld>
+    <p:spTree>
+      <p:nvGrpSpPr>
+        <p:cNvPr id="1" name=""/>
+        <p:cNvGrpSpPr/>
+        <p:nvPr/>
+      </p:nvGrpSpPr>
+      <p:grpSpPr>
+        <a:xfrm>
+          <a:off x="0" y="0"/>
+          <a:ext cx="0" cy="0"/>
+          <a:chOff x="0" y="0"/>
+          <a:chExt cx="0" cy="0"/>
+        </a:xfrm>
+      </p:grpSpPr>
+      <p:sp>
+        <p:nvSpPr>
+          <p:cNvPr id="773" name="CustomShape 1"/>
+          <p:cNvSpPr/>
+          <p:nvPr/>
+        </p:nvSpPr>
+        <p:spPr>
+          <a:xfrm>
+            <a:off x="2011680" y="274680"/>
+            <a:ext cx="7765200" cy="1644480"/>
+          </a:xfrm>
+          <a:prstGeom prst="rect">
+            <a:avLst/>
+          </a:prstGeom>
+          <a:noFill/>
+          <a:ln>
+            <a:noFill/>
+          </a:ln>
+        </p:spPr>
+        <p:style>
+          <a:lnRef idx="0">
+            <a:scrgbClr r="0" g="0" b="0"/>
+          </a:lnRef>
+          <a:fillRef idx="0">
+            <a:scrgbClr r="0" g="0" b="0"/>
+          </a:fillRef>
+          <a:effectRef idx="0">
+            <a:scrgbClr r="0" g="0" b="0"/>
+          </a:effectRef>
+          <a:fontRef idx="minor"/>
+        </p:style>
+        <p:txBody>
+          <a:bodyPr lIns="0" tIns="0" rIns="0" bIns="0" anchor="ctr">
+            <a:noAutofit/>
+          </a:bodyPr>
+          <a:lstStyle/>
+          <a:p>
+            <a:pPr algn="r">
+              <a:lnSpc>
+                <a:spcPct val="100000"/>
+              </a:lnSpc>
+            </a:pPr>
+            <a:r>
+              <a:rPr lang="en-US" sz="5400" b="0" strike="noStrike" spc="-1">
+                <a:solidFill>
+                  <a:srgbClr val="4F81BD"/>
+                </a:solidFill>
+                <a:latin typeface="Trebuchet MS"/>
+                <a:ea typeface="DejaVu Sans"/>
+              </a:rPr>
+              <a:t>Racket Applications</a:t>
+            </a:r>
+            <a:endParaRPr lang="en-US" sz="5400" b="0" strike="noStrike" spc="-1">
+              <a:latin typeface="Arial"/>
+            </a:endParaRPr>
+          </a:p>
+        </p:txBody>
+      </p:sp>
+      <p:sp>
+        <p:nvSpPr>
+          <p:cNvPr id="774" name="CustomShape 2"/>
+          <p:cNvSpPr/>
+          <p:nvPr/>
+        </p:nvSpPr>
+        <p:spPr>
+          <a:xfrm>
+            <a:off x="457560" y="2057760"/>
+            <a:ext cx="10971360" cy="3976200"/>
+          </a:xfrm>
+          <a:prstGeom prst="rect">
+            <a:avLst/>
+          </a:prstGeom>
+          <a:noFill/>
+          <a:ln>
+            <a:noFill/>
+          </a:ln>
+        </p:spPr>
+        <p:style>
+          <a:lnRef idx="0">
+            <a:scrgbClr r="0" g="0" b="0"/>
+          </a:lnRef>
+          <a:fillRef idx="0">
+            <a:scrgbClr r="0" g="0" b="0"/>
+          </a:fillRef>
+          <a:effectRef idx="0">
+            <a:scrgbClr r="0" g="0" b="0"/>
+          </a:effectRef>
+          <a:fontRef idx="minor"/>
+        </p:style>
+        <p:txBody>
+          <a:bodyPr lIns="0" tIns="0" rIns="0" bIns="0">
+            <a:normAutofit/>
+          </a:bodyPr>
+          <a:lstStyle/>
+          <a:p>
+            <a:pPr marL="432000" indent="-322920">
+              <a:lnSpc>
+                <a:spcPct val="100000"/>
+              </a:lnSpc>
+              <a:spcBef>
+                <a:spcPts val="1417"/>
+              </a:spcBef>
+              <a:buClr>
+                <a:srgbClr val="000000"/>
+              </a:buClr>
+              <a:buSzPct val="45000"/>
+              <a:buFont typeface="Wingdings" charset="2"/>
+              <a:buChar char=""/>
+            </a:pPr>
+            <a:r>
+              <a:rPr lang="en-US" sz="2800" b="0" strike="noStrike" spc="-1">
+                <a:solidFill>
+                  <a:srgbClr val="000000"/>
+                </a:solidFill>
+                <a:latin typeface="Arial"/>
+                <a:ea typeface="DejaVu Sans"/>
+              </a:rPr>
+              <a:t>As previously mentioned, Racket is based on Scheme</a:t>
+            </a:r>
+            <a:endParaRPr lang="en-US" sz="2800" b="0" strike="noStrike" spc="-1">
+              <a:latin typeface="Arial"/>
+            </a:endParaRPr>
+          </a:p>
+          <a:p>
+            <a:pPr marL="864000" lvl="1" indent="-322920">
+              <a:lnSpc>
+                <a:spcPct val="100000"/>
+              </a:lnSpc>
+              <a:spcBef>
+                <a:spcPts val="1134"/>
+              </a:spcBef>
+              <a:buClr>
+                <a:srgbClr val="000000"/>
+              </a:buClr>
+              <a:buSzPct val="75000"/>
+              <a:buFont typeface="Symbol"/>
+              <a:buChar char=""/>
+            </a:pPr>
+            <a:r>
+              <a:rPr lang="en-US" sz="2000" b="0" strike="noStrike" spc="-1">
+                <a:solidFill>
+                  <a:srgbClr val="000000"/>
+                </a:solidFill>
+                <a:latin typeface="Arial"/>
+                <a:ea typeface="DejaVu Sans"/>
+              </a:rPr>
+              <a:t>Powerful functional programming features</a:t>
+            </a:r>
+            <a:endParaRPr lang="en-US" sz="2000" b="0" strike="noStrike" spc="-1">
+              <a:latin typeface="Arial"/>
+            </a:endParaRPr>
+          </a:p>
+          <a:p>
+            <a:pPr marL="432000" indent="-322920">
+              <a:lnSpc>
+                <a:spcPct val="100000"/>
+              </a:lnSpc>
+              <a:spcBef>
+                <a:spcPts val="1417"/>
+              </a:spcBef>
+              <a:buClr>
+                <a:srgbClr val="000000"/>
+              </a:buClr>
+              <a:buSzPct val="45000"/>
+              <a:buFont typeface="Wingdings" charset="2"/>
+              <a:buChar char=""/>
+            </a:pPr>
+            <a:r>
+              <a:rPr lang="en-US" sz="2800" b="0" strike="noStrike" spc="-1">
+                <a:solidFill>
+                  <a:srgbClr val="000000"/>
+                </a:solidFill>
+                <a:latin typeface="Arial"/>
+                <a:ea typeface="DejaVu Sans"/>
+              </a:rPr>
+              <a:t>As seen in project one, functional programming provides an effective environment for language development</a:t>
+            </a:r>
+            <a:endParaRPr lang="en-US" sz="2800" b="0" strike="noStrike" spc="-1">
+              <a:latin typeface="Arial"/>
+            </a:endParaRPr>
+          </a:p>
+          <a:p>
+            <a:pPr marL="432000" indent="-322920">
+              <a:lnSpc>
+                <a:spcPct val="100000"/>
+              </a:lnSpc>
+              <a:spcBef>
+                <a:spcPts val="1417"/>
+              </a:spcBef>
+              <a:buClr>
+                <a:srgbClr val="000000"/>
+              </a:buClr>
+              <a:buSzPct val="45000"/>
+              <a:buFont typeface="Wingdings" charset="2"/>
+              <a:buChar char=""/>
+            </a:pPr>
+            <a:r>
+              <a:rPr lang="en-US" sz="2800" b="0" strike="noStrike" spc="-1">
+                <a:solidFill>
+                  <a:srgbClr val="000000"/>
+                </a:solidFill>
+                <a:latin typeface="Arial"/>
+                <a:ea typeface="DejaVu Sans"/>
+              </a:rPr>
+              <a:t>Not surprisingly, one of the main use cases of Racket is language development</a:t>
+            </a:r>
+            <a:endParaRPr lang="en-US" sz="2800" b="0" strike="noStrike" spc="-1">
+              <a:latin typeface="Arial"/>
+            </a:endParaRPr>
+          </a:p>
+          <a:p>
+            <a:pPr>
+              <a:lnSpc>
+                <a:spcPct val="100000"/>
+              </a:lnSpc>
+              <a:spcBef>
+                <a:spcPts val="1134"/>
+              </a:spcBef>
+            </a:pPr>
+            <a:endParaRPr lang="en-US" sz="2800" b="0" strike="noStrike" spc="-1">
+              <a:latin typeface="Arial"/>
+            </a:endParaRPr>
+          </a:p>
+        </p:txBody>
+      </p:sp>
+    </p:spTree>
+  </p:cSld>
+  <p:clrMapOvr>
+    <a:masterClrMapping/>
+  </p:clrMapOvr>
+</p:sld>
+</file>
+
 <file path=ppt/slides/slide16.xml><?xml version="1.0" encoding="utf-8"?>
 <p:sld xmlns:a="http://schemas.openxmlformats.org/drawingml/2006/main" xmlns:r="http://schemas.openxmlformats.org/officeDocument/2006/relationships" xmlns:p="http://schemas.openxmlformats.org/presentationml/2006/main">
   <p:cSld>
@@ -40537,14 +40401,14 @@
       </p:grpSpPr>
       <p:sp>
         <p:nvSpPr>
-          <p:cNvPr id="768" name="CustomShape 1"/>
+          <p:cNvPr id="775" name="CustomShape 1"/>
           <p:cNvSpPr/>
           <p:nvPr/>
         </p:nvSpPr>
         <p:spPr>
           <a:xfrm>
             <a:off x="2011680" y="274680"/>
-            <a:ext cx="7765200" cy="1644480"/>
+            <a:ext cx="7764840" cy="1644120"/>
           </a:xfrm>
           <a:prstGeom prst="rect">
             <a:avLst/>
@@ -40578,31 +40442,31 @@
               </a:lnSpc>
             </a:pPr>
             <a:r>
-              <a:rPr lang="en-US" sz="4800" b="0" strike="noStrike" spc="-1">
+              <a:rPr lang="en-US" sz="5400" b="0" strike="noStrike" spc="-1">
                 <a:solidFill>
                   <a:srgbClr val="4F81BD"/>
                 </a:solidFill>
                 <a:latin typeface="Trebuchet MS"/>
                 <a:ea typeface="DejaVu Sans"/>
               </a:rPr>
-              <a:t>Main Features / Strengths of Racket</a:t>
+              <a:t>Racket Applications: Hackett</a:t>
             </a:r>
-            <a:endParaRPr lang="en-US" sz="4800" b="0" strike="noStrike" spc="-1">
-              <a:latin typeface="Arial"/>
-            </a:endParaRPr>
-          </a:p>
-        </p:txBody>
-      </p:sp>
-      <p:sp>
-        <p:nvSpPr>
-          <p:cNvPr id="769" name="CustomShape 2"/>
+            <a:endParaRPr lang="en-US" sz="5400" b="0" strike="noStrike" spc="-1">
+              <a:latin typeface="Arial"/>
+            </a:endParaRPr>
+          </a:p>
+        </p:txBody>
+      </p:sp>
+      <p:sp>
+        <p:nvSpPr>
+          <p:cNvPr id="776" name="CustomShape 2"/>
           <p:cNvSpPr/>
           <p:nvPr/>
         </p:nvSpPr>
         <p:spPr>
           <a:xfrm>
             <a:off x="457560" y="2057760"/>
-            <a:ext cx="10971360" cy="3976200"/>
+            <a:ext cx="10971000" cy="3975840"/>
           </a:xfrm>
           <a:prstGeom prst="rect">
             <a:avLst/>
@@ -40630,7 +40494,7 @@
           </a:bodyPr>
           <a:lstStyle/>
           <a:p>
-            <a:pPr marL="432000" indent="-322920">
+            <a:pPr marL="432000" indent="-322560">
               <a:lnSpc>
                 <a:spcPct val="100000"/>
               </a:lnSpc>
@@ -40652,52 +40516,14 @@
                 <a:latin typeface="Arial"/>
                 <a:ea typeface="DejaVu Sans"/>
               </a:rPr>
-              <a:t>Contracts (provide)</a:t>
+              <a:t>Hackett is a language similar to haskell written in Racket</a:t>
             </a:r>
             <a:endParaRPr lang="en-US" sz="2800" b="0" strike="noStrike" spc="-1">
               <a:latin typeface="Arial"/>
             </a:endParaRPr>
           </a:p>
           <a:p>
-            <a:pPr marL="648000" lvl="2" indent="-216000">
-              <a:lnSpc>
-                <a:spcPct val="100000"/>
-              </a:lnSpc>
-              <a:spcBef>
-                <a:spcPts val="1417"/>
-              </a:spcBef>
-              <a:buClr>
-                <a:srgbClr val="000000"/>
-              </a:buClr>
-              <a:buSzPct val="45000"/>
-              <a:buFont typeface="Wingdings" charset="2"/>
-              <a:buChar char=""/>
-            </a:pPr>
-            <a:endParaRPr lang="en-US" sz="2800" b="0" strike="noStrike" spc="-1">
-              <a:latin typeface="Arial"/>
-            </a:endParaRPr>
-          </a:p>
-          <a:p>
-            <a:pPr marL="648000" lvl="2" indent="-216000">
-              <a:lnSpc>
-                <a:spcPct val="100000"/>
-              </a:lnSpc>
-              <a:spcBef>
-                <a:spcPts val="1417"/>
-              </a:spcBef>
-              <a:buClr>
-                <a:srgbClr val="000000"/>
-              </a:buClr>
-              <a:buSzPct val="45000"/>
-              <a:buFont typeface="Wingdings" charset="2"/>
-              <a:buChar char=""/>
-            </a:pPr>
-            <a:endParaRPr lang="en-US" sz="2800" b="0" strike="noStrike" spc="-1">
-              <a:latin typeface="Arial"/>
-            </a:endParaRPr>
-          </a:p>
-          <a:p>
-            <a:pPr marL="648000" lvl="2" indent="-216000">
+            <a:pPr marL="432000" indent="-322560">
               <a:lnSpc>
                 <a:spcPct val="100000"/>
               </a:lnSpc>
@@ -40719,14 +40545,14 @@
                 <a:latin typeface="Arial"/>
                 <a:ea typeface="DejaVu Sans"/>
               </a:rPr>
-              <a:t>Makes “promises” about values that will be exported</a:t>
+              <a:t>Hackett is a statically typed, pure, lazy, functional programming language in the Racket language ecosystem</a:t>
             </a:r>
             <a:endParaRPr lang="en-US" sz="2800" b="0" strike="noStrike" spc="-1">
               <a:latin typeface="Arial"/>
             </a:endParaRPr>
           </a:p>
           <a:p>
-            <a:pPr marL="648000" lvl="2" indent="-216000">
+            <a:pPr marL="432000" indent="-322560">
               <a:lnSpc>
                 <a:spcPct val="100000"/>
               </a:lnSpc>
@@ -40740,48 +40566,22 @@
               <a:buFont typeface="Wingdings" charset="2"/>
               <a:buChar char=""/>
             </a:pPr>
+            <a:r>
+              <a:rPr lang="en-US" sz="2800" b="0" strike="noStrike" spc="-1">
+                <a:solidFill>
+                  <a:srgbClr val="000000"/>
+                </a:solidFill>
+                <a:latin typeface="Arial"/>
+                <a:ea typeface="DejaVu Sans"/>
+              </a:rPr>
+              <a:t>Project repo (which includes a demo) [5] </a:t>
+            </a:r>
             <a:endParaRPr lang="en-US" sz="2800" b="0" strike="noStrike" spc="-1">
               <a:latin typeface="Arial"/>
             </a:endParaRPr>
           </a:p>
-          <a:p>
-            <a:pPr>
-              <a:lnSpc>
-                <a:spcPct val="100000"/>
-              </a:lnSpc>
-              <a:spcBef>
-                <a:spcPts val="1134"/>
-              </a:spcBef>
-            </a:pPr>
-            <a:endParaRPr lang="en-US" sz="2800" b="0" strike="noStrike" spc="-1">
-              <a:latin typeface="Arial"/>
-            </a:endParaRPr>
-          </a:p>
-        </p:txBody>
-      </p:sp>
-      <p:pic>
-        <p:nvPicPr>
-          <p:cNvPr id="770" name="Picture 769"/>
-          <p:cNvPicPr/>
-          <p:nvPr/>
-        </p:nvPicPr>
-        <p:blipFill>
-          <a:blip r:embed="rId2"/>
-          <a:stretch/>
-        </p:blipFill>
-        <p:spPr>
-          <a:xfrm>
-            <a:off x="1188720" y="2564640"/>
-            <a:ext cx="3847680" cy="1275840"/>
-          </a:xfrm>
-          <a:prstGeom prst="rect">
-            <a:avLst/>
-          </a:prstGeom>
-          <a:ln>
-            <a:noFill/>
-          </a:ln>
-        </p:spPr>
-      </p:pic>
+        </p:txBody>
+      </p:sp>
     </p:spTree>
   </p:cSld>
   <p:clrMapOvr>
@@ -40809,14 +40609,14 @@
       </p:grpSpPr>
       <p:sp>
         <p:nvSpPr>
-          <p:cNvPr id="771" name="CustomShape 1"/>
+          <p:cNvPr id="777" name="CustomShape 1"/>
           <p:cNvSpPr/>
           <p:nvPr/>
         </p:nvSpPr>
         <p:spPr>
           <a:xfrm>
             <a:off x="2011680" y="274680"/>
-            <a:ext cx="7765200" cy="1644480"/>
+            <a:ext cx="7764840" cy="1644120"/>
           </a:xfrm>
           <a:prstGeom prst="rect">
             <a:avLst/>
@@ -40857,7 +40657,7 @@
                 <a:latin typeface="Trebuchet MS"/>
                 <a:ea typeface="DejaVu Sans"/>
               </a:rPr>
-              <a:t>Racket Applications</a:t>
+              <a:t>Racket Applications: Fractalide</a:t>
             </a:r>
             <a:endParaRPr lang="en-US" sz="5400" b="0" strike="noStrike" spc="-1">
               <a:latin typeface="Arial"/>
@@ -40867,14 +40667,14 @@
       </p:sp>
       <p:sp>
         <p:nvSpPr>
-          <p:cNvPr id="772" name="CustomShape 2"/>
+          <p:cNvPr id="778" name="CustomShape 2"/>
           <p:cNvSpPr/>
           <p:nvPr/>
         </p:nvSpPr>
         <p:spPr>
           <a:xfrm>
             <a:off x="457560" y="2057760"/>
-            <a:ext cx="10971360" cy="3976200"/>
+            <a:ext cx="10971000" cy="3975840"/>
           </a:xfrm>
           <a:prstGeom prst="rect">
             <a:avLst/>
@@ -40902,7 +40702,7 @@
           </a:bodyPr>
           <a:lstStyle/>
           <a:p>
-            <a:pPr marL="432000" indent="-322920">
+            <a:pPr marL="432000" indent="-322560">
               <a:lnSpc>
                 <a:spcPct val="100000"/>
               </a:lnSpc>
@@ -40924,14 +40724,14 @@
                 <a:latin typeface="Arial"/>
                 <a:ea typeface="DejaVu Sans"/>
               </a:rPr>
-              <a:t>Main applications:</a:t>
+              <a:t>Fractalide [6] is another open-source programming language written in Racket</a:t>
             </a:r>
             <a:endParaRPr lang="en-US" sz="2800" b="0" strike="noStrike" spc="-1">
               <a:latin typeface="Arial"/>
             </a:endParaRPr>
           </a:p>
           <a:p>
-            <a:pPr marL="648000" lvl="2" indent="-215640">
+            <a:pPr marL="432000" indent="-322560">
               <a:lnSpc>
                 <a:spcPct val="100000"/>
               </a:lnSpc>
@@ -40953,14 +40753,14 @@
                 <a:latin typeface="Arial"/>
                 <a:ea typeface="DejaVu Sans"/>
               </a:rPr>
-              <a:t>Language Development</a:t>
+              <a:t>An interesting approach to designing a programming language which utilizes graphs as the basic language concepts</a:t>
             </a:r>
             <a:endParaRPr lang="en-US" sz="2800" b="0" strike="noStrike" spc="-1">
               <a:latin typeface="Arial"/>
             </a:endParaRPr>
           </a:p>
           <a:p>
-            <a:pPr marL="648000" lvl="2" indent="-215640">
+            <a:pPr marL="432000" indent="-322560">
               <a:lnSpc>
                 <a:spcPct val="100000"/>
               </a:lnSpc>
@@ -40982,79 +40782,8 @@
                 <a:latin typeface="Arial"/>
                 <a:ea typeface="DejaVu Sans"/>
               </a:rPr>
-              <a:t>Education</a:t>
+              <a:t>Project makes use of the functional features of racket (e.g. tail-call optimization, etc)</a:t>
             </a:r>
-            <a:endParaRPr lang="en-US" sz="2800" b="0" strike="noStrike" spc="-1">
-              <a:latin typeface="Arial"/>
-            </a:endParaRPr>
-          </a:p>
-          <a:p>
-            <a:pPr marL="648000" lvl="2" indent="-215640">
-              <a:lnSpc>
-                <a:spcPct val="100000"/>
-              </a:lnSpc>
-              <a:spcBef>
-                <a:spcPts val="1417"/>
-              </a:spcBef>
-              <a:buClr>
-                <a:srgbClr val="000000"/>
-              </a:buClr>
-              <a:buSzPct val="45000"/>
-              <a:buFont typeface="Wingdings" charset="2"/>
-              <a:buChar char=""/>
-            </a:pPr>
-            <a:r>
-              <a:rPr lang="en-US" sz="2800" b="0" strike="noStrike" spc="-1">
-                <a:solidFill>
-                  <a:srgbClr val="000000"/>
-                </a:solidFill>
-                <a:latin typeface="Arial"/>
-                <a:ea typeface="DejaVu Sans"/>
-              </a:rPr>
-              <a:t>Web Development</a:t>
-            </a:r>
-            <a:endParaRPr lang="en-US" sz="2800" b="0" strike="noStrike" spc="-1">
-              <a:latin typeface="Arial"/>
-            </a:endParaRPr>
-          </a:p>
-          <a:p>
-            <a:pPr marL="648000" lvl="2" indent="-215640">
-              <a:lnSpc>
-                <a:spcPct val="100000"/>
-              </a:lnSpc>
-              <a:spcBef>
-                <a:spcPts val="1417"/>
-              </a:spcBef>
-              <a:buClr>
-                <a:srgbClr val="000000"/>
-              </a:buClr>
-              <a:buSzPct val="45000"/>
-              <a:buFont typeface="Wingdings" charset="2"/>
-              <a:buChar char=""/>
-            </a:pPr>
-            <a:r>
-              <a:rPr lang="en-US" sz="2800" b="0" strike="noStrike" spc="-1">
-                <a:solidFill>
-                  <a:srgbClr val="000000"/>
-                </a:solidFill>
-                <a:latin typeface="Arial"/>
-                <a:ea typeface="DejaVu Sans"/>
-              </a:rPr>
-              <a:t>Racket Tools</a:t>
-            </a:r>
-            <a:endParaRPr lang="en-US" sz="2800" b="0" strike="noStrike" spc="-1">
-              <a:latin typeface="Arial"/>
-            </a:endParaRPr>
-          </a:p>
-          <a:p>
-            <a:pPr>
-              <a:lnSpc>
-                <a:spcPct val="100000"/>
-              </a:lnSpc>
-              <a:spcBef>
-                <a:spcPts val="1134"/>
-              </a:spcBef>
-            </a:pPr>
             <a:endParaRPr lang="en-US" sz="2800" b="0" strike="noStrike" spc="-1">
               <a:latin typeface="Arial"/>
             </a:endParaRPr>
@@ -41088,14 +40817,14 @@
       </p:grpSpPr>
       <p:sp>
         <p:nvSpPr>
-          <p:cNvPr id="773" name="CustomShape 1"/>
+          <p:cNvPr id="779" name="CustomShape 1"/>
           <p:cNvSpPr/>
           <p:nvPr/>
         </p:nvSpPr>
         <p:spPr>
           <a:xfrm>
             <a:off x="2011680" y="274680"/>
-            <a:ext cx="7765200" cy="1644480"/>
+            <a:ext cx="7764840" cy="1644120"/>
           </a:xfrm>
           <a:prstGeom prst="rect">
             <a:avLst/>
@@ -41136,7 +40865,7 @@
                 <a:latin typeface="Trebuchet MS"/>
                 <a:ea typeface="DejaVu Sans"/>
               </a:rPr>
-              <a:t>Racket Applications</a:t>
+              <a:t>Racket Applications: DrRacket</a:t>
             </a:r>
             <a:endParaRPr lang="en-US" sz="5400" b="0" strike="noStrike" spc="-1">
               <a:latin typeface="Arial"/>
@@ -41146,14 +40875,14 @@
       </p:sp>
       <p:sp>
         <p:nvSpPr>
-          <p:cNvPr id="774" name="CustomShape 2"/>
+          <p:cNvPr id="780" name="CustomShape 2"/>
           <p:cNvSpPr/>
           <p:nvPr/>
         </p:nvSpPr>
         <p:spPr>
           <a:xfrm>
             <a:off x="457560" y="2057760"/>
-            <a:ext cx="10971360" cy="3976200"/>
+            <a:ext cx="10971000" cy="3975840"/>
           </a:xfrm>
           <a:prstGeom prst="rect">
             <a:avLst/>
@@ -41181,7 +40910,7 @@
           </a:bodyPr>
           <a:lstStyle/>
           <a:p>
-            <a:pPr marL="432000" indent="-322920">
+            <a:pPr marL="432000" indent="-322560">
               <a:lnSpc>
                 <a:spcPct val="100000"/>
               </a:lnSpc>
@@ -41203,14 +40932,72 @@
                 <a:latin typeface="Arial"/>
                 <a:ea typeface="DejaVu Sans"/>
               </a:rPr>
-              <a:t>As previously mentioned, Racket is based on Scheme</a:t>
+              <a:t>Some of the other features of racket we have discussed (GUI, OS support, etc) make it a feasible candidate for other applications</a:t>
             </a:r>
             <a:endParaRPr lang="en-US" sz="2800" b="0" strike="noStrike" spc="-1">
               <a:latin typeface="Arial"/>
             </a:endParaRPr>
           </a:p>
           <a:p>
-            <a:pPr marL="864000" lvl="1" indent="-322920">
+            <a:pPr marL="432000" indent="-322560">
+              <a:lnSpc>
+                <a:spcPct val="100000"/>
+              </a:lnSpc>
+              <a:spcBef>
+                <a:spcPts val="1417"/>
+              </a:spcBef>
+              <a:buClr>
+                <a:srgbClr val="000000"/>
+              </a:buClr>
+              <a:buSzPct val="45000"/>
+              <a:buFont typeface="Wingdings" charset="2"/>
+              <a:buChar char=""/>
+            </a:pPr>
+            <a:r>
+              <a:rPr lang="en-US" sz="2800" b="0" strike="noStrike" spc="-1">
+                <a:solidFill>
+                  <a:srgbClr val="000000"/>
+                </a:solidFill>
+                <a:latin typeface="Arial"/>
+                <a:ea typeface="DejaVu Sans"/>
+              </a:rPr>
+              <a:t>In fact, Racket’s IDE (DrRacket [7]) was written in Racket </a:t>
+            </a:r>
+            <a:endParaRPr lang="en-US" sz="2800" b="0" strike="noStrike" spc="-1">
+              <a:latin typeface="Arial"/>
+            </a:endParaRPr>
+          </a:p>
+          <a:p>
+            <a:pPr marL="432000" indent="-322560">
+              <a:lnSpc>
+                <a:spcPct val="100000"/>
+              </a:lnSpc>
+              <a:spcBef>
+                <a:spcPts val="1417"/>
+              </a:spcBef>
+              <a:buClr>
+                <a:srgbClr val="000000"/>
+              </a:buClr>
+              <a:buSzPct val="45000"/>
+              <a:buFont typeface="Wingdings" charset="2"/>
+              <a:buChar char=""/>
+            </a:pPr>
+            <a:r>
+              <a:rPr lang="en-US" sz="2800" b="0" strike="noStrike" spc="-1">
+                <a:solidFill>
+                  <a:srgbClr val="000000"/>
+                </a:solidFill>
+                <a:latin typeface="Arial"/>
+                <a:ea typeface="DejaVu Sans"/>
+              </a:rPr>
+              <a:t>DrRacket includes all typical features of an IDE</a:t>
+            </a:r>
+            <a:endParaRPr lang="en-US" sz="2800" b="0" strike="noStrike" spc="-1">
+              <a:latin typeface="Arial"/>
+            </a:endParaRPr>
+          </a:p>
+          <a:p>
+            <a:pPr marL="864000" lvl="1" indent="-322560">
               <a:lnSpc>
                 <a:spcPct val="100000"/>
               </a:lnSpc>
@@ -41232,80 +41019,96 @@
                 <a:latin typeface="Arial"/>
                 <a:ea typeface="DejaVu Sans"/>
               </a:rPr>
-              <a:t>Powerful functional programming features</a:t>
+              <a:t>Debugging</a:t>
             </a:r>
             <a:endParaRPr lang="en-US" sz="2000" b="0" strike="noStrike" spc="-1">
               <a:latin typeface="Arial"/>
             </a:endParaRPr>
           </a:p>
           <a:p>
-            <a:pPr marL="432000" indent="-322920">
+            <a:pPr marL="864000" lvl="1" indent="-322560">
               <a:lnSpc>
                 <a:spcPct val="100000"/>
               </a:lnSpc>
               <a:spcBef>
-                <a:spcPts val="1417"/>
+                <a:spcPts val="1134"/>
               </a:spcBef>
               <a:buClr>
                 <a:srgbClr val="000000"/>
               </a:buClr>
-              <a:buSzPct val="45000"/>
-              <a:buFont typeface="Wingdings" charset="2"/>
-              <a:buChar char=""/>
+              <a:buSzPct val="75000"/>
+              <a:buFont typeface="Symbol"/>
+              <a:buChar char=""/>
             </a:pPr>
             <a:r>
-              <a:rPr lang="en-US" sz="2800" b="0" strike="noStrike" spc="-1">
+              <a:rPr lang="en-US" sz="2000" b="0" strike="noStrike" spc="-1">
                 <a:solidFill>
                   <a:srgbClr val="000000"/>
                 </a:solidFill>
                 <a:latin typeface="Arial"/>
                 <a:ea typeface="DejaVu Sans"/>
               </a:rPr>
-              <a:t>As seen in project one, functional programming provides an effective environment for language development</a:t>
+              <a:t>Source highlighting</a:t>
             </a:r>
-            <a:endParaRPr lang="en-US" sz="2800" b="0" strike="noStrike" spc="-1">
-              <a:latin typeface="Arial"/>
-            </a:endParaRPr>
-          </a:p>
-          <a:p>
-            <a:pPr marL="432000" indent="-322920">
+            <a:endParaRPr lang="en-US" sz="2000" b="0" strike="noStrike" spc="-1">
+              <a:latin typeface="Arial"/>
+            </a:endParaRPr>
+          </a:p>
+          <a:p>
+            <a:pPr marL="864000" lvl="1" indent="-322560">
               <a:lnSpc>
                 <a:spcPct val="100000"/>
               </a:lnSpc>
               <a:spcBef>
-                <a:spcPts val="1417"/>
+                <a:spcPts val="1134"/>
               </a:spcBef>
               <a:buClr>
                 <a:srgbClr val="000000"/>
               </a:buClr>
-              <a:buSzPct val="45000"/>
-              <a:buFont typeface="Wingdings" charset="2"/>
-              <a:buChar char=""/>
+              <a:buSzPct val="75000"/>
+              <a:buFont typeface="Symbol"/>
+              <a:buChar char=""/>
             </a:pPr>
             <a:r>
-              <a:rPr lang="en-US" sz="2800" b="0" strike="noStrike" spc="-1">
+              <a:rPr lang="en-US" sz="2000" b="0" strike="noStrike" spc="-1">
                 <a:solidFill>
                   <a:srgbClr val="000000"/>
                 </a:solidFill>
                 <a:latin typeface="Arial"/>
                 <a:ea typeface="DejaVu Sans"/>
               </a:rPr>
-              <a:t>Not surprisingly, one of the main use cases of Racket is language development</a:t>
+              <a:t>Library Support</a:t>
             </a:r>
-            <a:endParaRPr lang="en-US" sz="2800" b="0" strike="noStrike" spc="-1">
-              <a:latin typeface="Arial"/>
-            </a:endParaRPr>
-          </a:p>
-          <a:p>
-            <a:pPr>
+            <a:endParaRPr lang="en-US" sz="2000" b="0" strike="noStrike" spc="-1">
+              <a:latin typeface="Arial"/>
+            </a:endParaRPr>
+          </a:p>
+          <a:p>
+            <a:pPr marL="864000" lvl="1" indent="-322560">
               <a:lnSpc>
                 <a:spcPct val="100000"/>
               </a:lnSpc>
               <a:spcBef>
                 <a:spcPts val="1134"/>
               </a:spcBef>
+              <a:buClr>
+                <a:srgbClr val="000000"/>
+              </a:buClr>
+              <a:buSzPct val="75000"/>
+              <a:buFont typeface="Symbol"/>
+              <a:buChar char=""/>
             </a:pPr>
-            <a:endParaRPr lang="en-US" sz="2800" b="0" strike="noStrike" spc="-1">
+            <a:r>
+              <a:rPr lang="en-US" sz="2000" b="0" strike="noStrike" spc="-1">
+                <a:solidFill>
+                  <a:srgbClr val="000000"/>
+                </a:solidFill>
+                <a:latin typeface="Arial"/>
+                <a:ea typeface="DejaVu Sans"/>
+              </a:rPr>
+              <a:t>Etc.</a:t>
+            </a:r>
+            <a:endParaRPr lang="en-US" sz="2000" b="0" strike="noStrike" spc="-1">
               <a:latin typeface="Arial"/>
             </a:endParaRPr>
           </a:p>
@@ -41338,14 +41141,14 @@
       </p:grpSpPr>
       <p:sp>
         <p:nvSpPr>
-          <p:cNvPr id="775" name="CustomShape 1"/>
+          <p:cNvPr id="781" name="CustomShape 1"/>
           <p:cNvSpPr/>
           <p:nvPr/>
         </p:nvSpPr>
         <p:spPr>
           <a:xfrm>
-            <a:off x="2011680" y="274680"/>
-            <a:ext cx="7764840" cy="1644120"/>
+            <a:off x="1886040" y="205560"/>
+            <a:ext cx="6365160" cy="1233720"/>
           </a:xfrm>
           <a:prstGeom prst="rect">
             <a:avLst/>
@@ -41386,7 +41189,7 @@
                 <a:latin typeface="Trebuchet MS"/>
                 <a:ea typeface="DejaVu Sans"/>
               </a:rPr>
-              <a:t>Racket Applications: Hackett</a:t>
+              <a:t>Projects on GitHub</a:t>
             </a:r>
             <a:endParaRPr lang="en-US" sz="5400" b="0" strike="noStrike" spc="-1">
               <a:latin typeface="Arial"/>
@@ -41394,131 +41197,52 @@
           </a:p>
         </p:txBody>
       </p:sp>
-      <p:sp>
-        <p:nvSpPr>
-          <p:cNvPr id="776" name="CustomShape 2"/>
-          <p:cNvSpPr/>
+      <p:pic>
+        <p:nvPicPr>
+          <p:cNvPr id="782" name="Picture 2"/>
+          <p:cNvPicPr/>
           <p:nvPr/>
-        </p:nvSpPr>
-        <p:spPr>
-          <a:xfrm>
-            <a:off x="457560" y="2057760"/>
-            <a:ext cx="10971000" cy="3975840"/>
-          </a:xfrm>
-          <a:prstGeom prst="rect">
-            <a:avLst/>
-          </a:prstGeom>
-          <a:noFill/>
+        </p:nvPicPr>
+        <p:blipFill>
+          <a:blip r:embed="rId2"/>
+          <a:stretch/>
+        </p:blipFill>
+        <p:spPr>
+          <a:xfrm>
+            <a:off x="839880" y="1555200"/>
+            <a:ext cx="4953600" cy="4211640"/>
+          </a:xfrm>
+          <a:prstGeom prst="rect">
+            <a:avLst/>
+          </a:prstGeom>
           <a:ln>
             <a:noFill/>
           </a:ln>
         </p:spPr>
-        <p:style>
-          <a:lnRef idx="0">
-            <a:scrgbClr r="0" g="0" b="0"/>
-          </a:lnRef>
-          <a:fillRef idx="0">
-            <a:scrgbClr r="0" g="0" b="0"/>
-          </a:fillRef>
-          <a:effectRef idx="0">
-            <a:scrgbClr r="0" g="0" b="0"/>
-          </a:effectRef>
-          <a:fontRef idx="minor"/>
-        </p:style>
-        <p:txBody>
-          <a:bodyPr lIns="0" tIns="0" rIns="0" bIns="0">
-            <a:normAutofit/>
-          </a:bodyPr>
-          <a:lstStyle/>
-          <a:p>
-            <a:pPr marL="432000" indent="-322560">
-              <a:lnSpc>
-                <a:spcPct val="100000"/>
-              </a:lnSpc>
-              <a:spcBef>
-                <a:spcPts val="1417"/>
-              </a:spcBef>
-              <a:buClr>
-                <a:srgbClr val="000000"/>
-              </a:buClr>
-              <a:buSzPct val="45000"/>
-              <a:buFont typeface="Wingdings" charset="2"/>
-              <a:buChar char=""/>
-            </a:pPr>
-            <a:r>
-              <a:rPr lang="en-US" sz="2800" b="0" strike="noStrike" spc="-1">
-                <a:solidFill>
-                  <a:srgbClr val="000000"/>
-                </a:solidFill>
-                <a:latin typeface="Arial"/>
-                <a:ea typeface="DejaVu Sans"/>
-              </a:rPr>
-              <a:t>Hackett is a language similar to haskell written in Racket</a:t>
-            </a:r>
-            <a:endParaRPr lang="en-US" sz="2800" b="0" strike="noStrike" spc="-1">
-              <a:latin typeface="Arial"/>
-            </a:endParaRPr>
-          </a:p>
-          <a:p>
-            <a:pPr marL="432000" indent="-322560">
-              <a:lnSpc>
-                <a:spcPct val="100000"/>
-              </a:lnSpc>
-              <a:spcBef>
-                <a:spcPts val="1417"/>
-              </a:spcBef>
-              <a:buClr>
-                <a:srgbClr val="000000"/>
-              </a:buClr>
-              <a:buSzPct val="45000"/>
-              <a:buFont typeface="Wingdings" charset="2"/>
-              <a:buChar char=""/>
-            </a:pPr>
-            <a:r>
-              <a:rPr lang="en-US" sz="2800" b="0" strike="noStrike" spc="-1">
-                <a:solidFill>
-                  <a:srgbClr val="000000"/>
-                </a:solidFill>
-                <a:latin typeface="Arial"/>
-                <a:ea typeface="DejaVu Sans"/>
-              </a:rPr>
-              <a:t>Hackett is a statically typed, pure, lazy, functional programming language in the Racket language ecosystem</a:t>
-            </a:r>
-            <a:endParaRPr lang="en-US" sz="2800" b="0" strike="noStrike" spc="-1">
-              <a:latin typeface="Arial"/>
-            </a:endParaRPr>
-          </a:p>
-          <a:p>
-            <a:pPr marL="432000" indent="-322560">
-              <a:lnSpc>
-                <a:spcPct val="100000"/>
-              </a:lnSpc>
-              <a:spcBef>
-                <a:spcPts val="1417"/>
-              </a:spcBef>
-              <a:buClr>
-                <a:srgbClr val="000000"/>
-              </a:buClr>
-              <a:buSzPct val="45000"/>
-              <a:buFont typeface="Wingdings" charset="2"/>
-              <a:buChar char=""/>
-            </a:pPr>
-            <a:r>
-              <a:rPr lang="en-US" sz="2800" b="0" strike="noStrike" spc="-1">
-                <a:solidFill>
-                  <a:srgbClr val="000000"/>
-                </a:solidFill>
-                <a:latin typeface="Arial"/>
-                <a:ea typeface="DejaVu Sans"/>
-              </a:rPr>
-              <a:t>Project repo (which includes a demo) [5] </a:t>
-            </a:r>
-            <a:endParaRPr lang="en-US" sz="2800" b="0" strike="noStrike" spc="-1">
-              <a:latin typeface="Arial"/>
-            </a:endParaRPr>
-          </a:p>
-        </p:txBody>
-      </p:sp>
+      </p:pic>
+      <p:pic>
+        <p:nvPicPr>
+          <p:cNvPr id="783" name="Picture 4"/>
+          <p:cNvPicPr/>
+          <p:nvPr/>
+        </p:nvPicPr>
+        <p:blipFill>
+          <a:blip r:embed="rId3"/>
+          <a:stretch/>
+        </p:blipFill>
+        <p:spPr>
+          <a:xfrm>
+            <a:off x="6556680" y="1513080"/>
+            <a:ext cx="2636280" cy="4335120"/>
+          </a:xfrm>
+          <a:prstGeom prst="rect">
+            <a:avLst/>
+          </a:prstGeom>
+          <a:ln>
+            <a:noFill/>
+          </a:ln>
+        </p:spPr>
+      </p:pic>
     </p:spTree>
   </p:cSld>
   <p:clrMapOvr>
@@ -41920,14 +41644,14 @@
       </p:grpSpPr>
       <p:sp>
         <p:nvSpPr>
-          <p:cNvPr id="777" name="CustomShape 1"/>
+          <p:cNvPr id="784" name="CustomShape 1"/>
           <p:cNvSpPr/>
           <p:nvPr/>
         </p:nvSpPr>
         <p:spPr>
           <a:xfrm>
-            <a:off x="2011680" y="274680"/>
-            <a:ext cx="7764840" cy="1644120"/>
+            <a:off x="2703960" y="205560"/>
+            <a:ext cx="5547240" cy="1233720"/>
           </a:xfrm>
           <a:prstGeom prst="rect">
             <a:avLst/>
@@ -41968,7 +41692,7 @@
                 <a:latin typeface="Trebuchet MS"/>
                 <a:ea typeface="DejaVu Sans"/>
               </a:rPr>
-              <a:t>Racket Applications: Fractalide</a:t>
+              <a:t>Racket in Action</a:t>
             </a:r>
             <a:endParaRPr lang="en-US" sz="5400" b="0" strike="noStrike" spc="-1">
               <a:latin typeface="Arial"/>
@@ -41976,16 +41700,47 @@
           </a:p>
         </p:txBody>
       </p:sp>
-      <p:sp>
-        <p:nvSpPr>
-          <p:cNvPr id="778" name="CustomShape 2"/>
+      <p:pic>
+        <p:nvPicPr>
+          <p:cNvPr id="785" name="Picture 2"/>
+          <p:cNvPicPr/>
+          <p:nvPr/>
+        </p:nvPicPr>
+        <p:blipFill>
+          <a:blip r:embed="rId2"/>
+          <a:srcRect l="16170" t="11458" r="63475" b="13540"/>
+          <a:stretch/>
+        </p:blipFill>
+        <p:spPr>
+          <a:xfrm>
+            <a:off x="918360" y="1523880"/>
+            <a:ext cx="4473360" cy="4947120"/>
+          </a:xfrm>
+          <a:prstGeom prst="rect">
+            <a:avLst/>
+          </a:prstGeom>
+          <a:ln>
+            <a:noFill/>
+          </a:ln>
+          <a:effectLst>
+            <a:outerShdw blurRad="292100" dist="139498" dir="2700000" algn="tl" rotWithShape="0">
+              <a:srgbClr val="333333">
+                <a:alpha val="65000"/>
+              </a:srgbClr>
+            </a:outerShdw>
+          </a:effectLst>
+        </p:spPr>
+      </p:pic>
+      <p:sp>
+        <p:nvSpPr>
+          <p:cNvPr id="786" name="CustomShape 2"/>
           <p:cNvSpPr/>
           <p:nvPr/>
         </p:nvSpPr>
         <p:spPr>
           <a:xfrm>
-            <a:off x="457560" y="2057760"/>
-            <a:ext cx="10971000" cy="3975840"/>
+            <a:off x="5591520" y="1552680"/>
+            <a:ext cx="4752360" cy="3976200"/>
           </a:xfrm>
           <a:prstGeom prst="rect">
             <a:avLst/>
@@ -42013,7 +41768,30 @@
           </a:bodyPr>
           <a:lstStyle/>
           <a:p>
-            <a:pPr marL="432000" indent="-322560">
+            <a:pPr marL="108720">
+              <a:lnSpc>
+                <a:spcPct val="100000"/>
+              </a:lnSpc>
+              <a:spcBef>
+                <a:spcPts val="1417"/>
+              </a:spcBef>
+            </a:pPr>
+            <a:r>
+              <a:rPr lang="en-US" sz="2800" b="0" strike="noStrike" spc="-1">
+                <a:solidFill>
+                  <a:srgbClr val="000000"/>
+                </a:solidFill>
+                <a:latin typeface="Arial"/>
+                <a:ea typeface="DejaVu Sans"/>
+              </a:rPr>
+              <a:t>Demo projects:</a:t>
+            </a:r>
+            <a:endParaRPr lang="en-US" sz="2800" b="0" strike="noStrike" spc="-1">
+              <a:latin typeface="Arial"/>
+            </a:endParaRPr>
+          </a:p>
+          <a:p>
+            <a:pPr marL="889200" lvl="1" indent="-322920">
               <a:lnSpc>
                 <a:spcPct val="100000"/>
               </a:lnSpc>
@@ -42035,14 +41813,14 @@
                 <a:latin typeface="Arial"/>
                 <a:ea typeface="DejaVu Sans"/>
               </a:rPr>
-              <a:t>Fractalide [6] is another open-source programming language written in Racket</a:t>
+              <a:t>Recursion</a:t>
             </a:r>
             <a:endParaRPr lang="en-US" sz="2800" b="0" strike="noStrike" spc="-1">
               <a:latin typeface="Arial"/>
             </a:endParaRPr>
           </a:p>
           <a:p>
-            <a:pPr marL="432000" indent="-322560">
+            <a:pPr marL="889200" lvl="1" indent="-322920">
               <a:lnSpc>
                 <a:spcPct val="100000"/>
               </a:lnSpc>
@@ -42064,37 +41842,21 @@
                 <a:latin typeface="Arial"/>
                 <a:ea typeface="DejaVu Sans"/>
               </a:rPr>
-              <a:t>An interesting approach to designing a programming language which utilizes graphs as the basic language concepts</a:t>
+              <a:t>Web application</a:t>
             </a:r>
             <a:endParaRPr lang="en-US" sz="2800" b="0" strike="noStrike" spc="-1">
               <a:latin typeface="Arial"/>
             </a:endParaRPr>
           </a:p>
           <a:p>
-            <a:pPr marL="432000" indent="-322560">
+            <a:pPr>
               <a:lnSpc>
                 <a:spcPct val="100000"/>
               </a:lnSpc>
               <a:spcBef>
-                <a:spcPts val="1417"/>
+                <a:spcPts val="1134"/>
               </a:spcBef>
-              <a:buClr>
-                <a:srgbClr val="000000"/>
-              </a:buClr>
-              <a:buSzPct val="45000"/>
-              <a:buFont typeface="Wingdings" charset="2"/>
-              <a:buChar char=""/>
             </a:pPr>
-            <a:r>
-              <a:rPr lang="en-US" sz="2800" b="0" strike="noStrike" spc="-1">
-                <a:solidFill>
-                  <a:srgbClr val="000000"/>
-                </a:solidFill>
-                <a:latin typeface="Arial"/>
-                <a:ea typeface="DejaVu Sans"/>
-              </a:rPr>
-              <a:t>Project makes use of the functional features of racket (e.g. tail-call optimization, etc)</a:t>
-            </a:r>
             <a:endParaRPr lang="en-US" sz="2800" b="0" strike="noStrike" spc="-1">
               <a:latin typeface="Arial"/>
             </a:endParaRPr>
@@ -42128,705 +41890,6 @@
       </p:grpSpPr>
       <p:sp>
         <p:nvSpPr>
-          <p:cNvPr id="779" name="CustomShape 1"/>
-          <p:cNvSpPr/>
-          <p:nvPr/>
-        </p:nvSpPr>
-        <p:spPr>
-          <a:xfrm>
-            <a:off x="2011680" y="274680"/>
-            <a:ext cx="7764840" cy="1644120"/>
-          </a:xfrm>
-          <a:prstGeom prst="rect">
-            <a:avLst/>
-          </a:prstGeom>
-          <a:noFill/>
-          <a:ln>
-            <a:noFill/>
-          </a:ln>
-        </p:spPr>
-        <p:style>
-          <a:lnRef idx="0">
-            <a:scrgbClr r="0" g="0" b="0"/>
-          </a:lnRef>
-          <a:fillRef idx="0">
-            <a:scrgbClr r="0" g="0" b="0"/>
-          </a:fillRef>
-          <a:effectRef idx="0">
-            <a:scrgbClr r="0" g="0" b="0"/>
-          </a:effectRef>
-          <a:fontRef idx="minor"/>
-        </p:style>
-        <p:txBody>
-          <a:bodyPr lIns="0" tIns="0" rIns="0" bIns="0" anchor="ctr">
-            <a:noAutofit/>
-          </a:bodyPr>
-          <a:lstStyle/>
-          <a:p>
-            <a:pPr algn="r">
-              <a:lnSpc>
-                <a:spcPct val="100000"/>
-              </a:lnSpc>
-            </a:pPr>
-            <a:r>
-              <a:rPr lang="en-US" sz="5400" b="0" strike="noStrike" spc="-1">
-                <a:solidFill>
-                  <a:srgbClr val="4F81BD"/>
-                </a:solidFill>
-                <a:latin typeface="Trebuchet MS"/>
-                <a:ea typeface="DejaVu Sans"/>
-              </a:rPr>
-              <a:t>Racket Applications: DrRacket</a:t>
-            </a:r>
-            <a:endParaRPr lang="en-US" sz="5400" b="0" strike="noStrike" spc="-1">
-              <a:latin typeface="Arial"/>
-            </a:endParaRPr>
-          </a:p>
-        </p:txBody>
-      </p:sp>
-      <p:sp>
-        <p:nvSpPr>
-          <p:cNvPr id="780" name="CustomShape 2"/>
-          <p:cNvSpPr/>
-          <p:nvPr/>
-        </p:nvSpPr>
-        <p:spPr>
-          <a:xfrm>
-            <a:off x="457560" y="2057760"/>
-            <a:ext cx="10971000" cy="3975840"/>
-          </a:xfrm>
-          <a:prstGeom prst="rect">
-            <a:avLst/>
-          </a:prstGeom>
-          <a:noFill/>
-          <a:ln>
-            <a:noFill/>
-          </a:ln>
-        </p:spPr>
-        <p:style>
-          <a:lnRef idx="0">
-            <a:scrgbClr r="0" g="0" b="0"/>
-          </a:lnRef>
-          <a:fillRef idx="0">
-            <a:scrgbClr r="0" g="0" b="0"/>
-          </a:fillRef>
-          <a:effectRef idx="0">
-            <a:scrgbClr r="0" g="0" b="0"/>
-          </a:effectRef>
-          <a:fontRef idx="minor"/>
-        </p:style>
-        <p:txBody>
-          <a:bodyPr lIns="0" tIns="0" rIns="0" bIns="0">
-            <a:normAutofit/>
-          </a:bodyPr>
-          <a:lstStyle/>
-          <a:p>
-            <a:pPr marL="432000" indent="-322560">
-              <a:lnSpc>
-                <a:spcPct val="100000"/>
-              </a:lnSpc>
-              <a:spcBef>
-                <a:spcPts val="1417"/>
-              </a:spcBef>
-              <a:buClr>
-                <a:srgbClr val="000000"/>
-              </a:buClr>
-              <a:buSzPct val="45000"/>
-              <a:buFont typeface="Wingdings" charset="2"/>
-              <a:buChar char=""/>
-            </a:pPr>
-            <a:r>
-              <a:rPr lang="en-US" sz="2800" b="0" strike="noStrike" spc="-1">
-                <a:solidFill>
-                  <a:srgbClr val="000000"/>
-                </a:solidFill>
-                <a:latin typeface="Arial"/>
-                <a:ea typeface="DejaVu Sans"/>
-              </a:rPr>
-              <a:t>Some of the other features of racket we have discussed (GUI, OS support, etc) make it a feasible candidate for other applications</a:t>
-            </a:r>
-            <a:endParaRPr lang="en-US" sz="2800" b="0" strike="noStrike" spc="-1">
-              <a:latin typeface="Arial"/>
-            </a:endParaRPr>
-          </a:p>
-          <a:p>
-            <a:pPr marL="432000" indent="-322560">
-              <a:lnSpc>
-                <a:spcPct val="100000"/>
-              </a:lnSpc>
-              <a:spcBef>
-                <a:spcPts val="1417"/>
-              </a:spcBef>
-              <a:buClr>
-                <a:srgbClr val="000000"/>
-              </a:buClr>
-              <a:buSzPct val="45000"/>
-              <a:buFont typeface="Wingdings" charset="2"/>
-              <a:buChar char=""/>
-            </a:pPr>
-            <a:r>
-              <a:rPr lang="en-US" sz="2800" b="0" strike="noStrike" spc="-1">
-                <a:solidFill>
-                  <a:srgbClr val="000000"/>
-                </a:solidFill>
-                <a:latin typeface="Arial"/>
-                <a:ea typeface="DejaVu Sans"/>
-              </a:rPr>
-              <a:t>In fact, Racket’s IDE (DrRacket [7]) was written in Racket </a:t>
-            </a:r>
-            <a:endParaRPr lang="en-US" sz="2800" b="0" strike="noStrike" spc="-1">
-              <a:latin typeface="Arial"/>
-            </a:endParaRPr>
-          </a:p>
-          <a:p>
-            <a:pPr marL="432000" indent="-322560">
-              <a:lnSpc>
-                <a:spcPct val="100000"/>
-              </a:lnSpc>
-              <a:spcBef>
-                <a:spcPts val="1417"/>
-              </a:spcBef>
-              <a:buClr>
-                <a:srgbClr val="000000"/>
-              </a:buClr>
-              <a:buSzPct val="45000"/>
-              <a:buFont typeface="Wingdings" charset="2"/>
-              <a:buChar char=""/>
-            </a:pPr>
-            <a:r>
-              <a:rPr lang="en-US" sz="2800" b="0" strike="noStrike" spc="-1">
-                <a:solidFill>
-                  <a:srgbClr val="000000"/>
-                </a:solidFill>
-                <a:latin typeface="Arial"/>
-                <a:ea typeface="DejaVu Sans"/>
-              </a:rPr>
-              <a:t>DrRacket includes all typical features of an IDE</a:t>
-            </a:r>
-            <a:endParaRPr lang="en-US" sz="2800" b="0" strike="noStrike" spc="-1">
-              <a:latin typeface="Arial"/>
-            </a:endParaRPr>
-          </a:p>
-          <a:p>
-            <a:pPr marL="864000" lvl="1" indent="-322560">
-              <a:lnSpc>
-                <a:spcPct val="100000"/>
-              </a:lnSpc>
-              <a:spcBef>
-                <a:spcPts val="1134"/>
-              </a:spcBef>
-              <a:buClr>
-                <a:srgbClr val="000000"/>
-              </a:buClr>
-              <a:buSzPct val="75000"/>
-              <a:buFont typeface="Symbol"/>
-              <a:buChar char=""/>
-            </a:pPr>
-            <a:r>
-              <a:rPr lang="en-US" sz="2000" b="0" strike="noStrike" spc="-1">
-                <a:solidFill>
-                  <a:srgbClr val="000000"/>
-                </a:solidFill>
-                <a:latin typeface="Arial"/>
-                <a:ea typeface="DejaVu Sans"/>
-              </a:rPr>
-              <a:t>Debugging</a:t>
-            </a:r>
-            <a:endParaRPr lang="en-US" sz="2000" b="0" strike="noStrike" spc="-1">
-              <a:latin typeface="Arial"/>
-            </a:endParaRPr>
-          </a:p>
-          <a:p>
-            <a:pPr marL="864000" lvl="1" indent="-322560">
-              <a:lnSpc>
-                <a:spcPct val="100000"/>
-              </a:lnSpc>
-              <a:spcBef>
-                <a:spcPts val="1134"/>
-              </a:spcBef>
-              <a:buClr>
-                <a:srgbClr val="000000"/>
-              </a:buClr>
-              <a:buSzPct val="75000"/>
-              <a:buFont typeface="Symbol"/>
-              <a:buChar char=""/>
-            </a:pPr>
-            <a:r>
-              <a:rPr lang="en-US" sz="2000" b="0" strike="noStrike" spc="-1">
-                <a:solidFill>
-                  <a:srgbClr val="000000"/>
-                </a:solidFill>
-                <a:latin typeface="Arial"/>
-                <a:ea typeface="DejaVu Sans"/>
-              </a:rPr>
-              <a:t>Source highlighting</a:t>
-            </a:r>
-            <a:endParaRPr lang="en-US" sz="2000" b="0" strike="noStrike" spc="-1">
-              <a:latin typeface="Arial"/>
-            </a:endParaRPr>
-          </a:p>
-          <a:p>
-            <a:pPr marL="864000" lvl="1" indent="-322560">
-              <a:lnSpc>
-                <a:spcPct val="100000"/>
-              </a:lnSpc>
-              <a:spcBef>
-                <a:spcPts val="1134"/>
-              </a:spcBef>
-              <a:buClr>
-                <a:srgbClr val="000000"/>
-              </a:buClr>
-              <a:buSzPct val="75000"/>
-              <a:buFont typeface="Symbol"/>
-              <a:buChar char=""/>
-            </a:pPr>
-            <a:r>
-              <a:rPr lang="en-US" sz="2000" b="0" strike="noStrike" spc="-1">
-                <a:solidFill>
-                  <a:srgbClr val="000000"/>
-                </a:solidFill>
-                <a:latin typeface="Arial"/>
-                <a:ea typeface="DejaVu Sans"/>
-              </a:rPr>
-              <a:t>Library Support</a:t>
-            </a:r>
-            <a:endParaRPr lang="en-US" sz="2000" b="0" strike="noStrike" spc="-1">
-              <a:latin typeface="Arial"/>
-            </a:endParaRPr>
-          </a:p>
-          <a:p>
-            <a:pPr marL="864000" lvl="1" indent="-322560">
-              <a:lnSpc>
-                <a:spcPct val="100000"/>
-              </a:lnSpc>
-              <a:spcBef>
-                <a:spcPts val="1134"/>
-              </a:spcBef>
-              <a:buClr>
-                <a:srgbClr val="000000"/>
-              </a:buClr>
-              <a:buSzPct val="75000"/>
-              <a:buFont typeface="Symbol"/>
-              <a:buChar char=""/>
-            </a:pPr>
-            <a:r>
-              <a:rPr lang="en-US" sz="2000" b="0" strike="noStrike" spc="-1">
-                <a:solidFill>
-                  <a:srgbClr val="000000"/>
-                </a:solidFill>
-                <a:latin typeface="Arial"/>
-                <a:ea typeface="DejaVu Sans"/>
-              </a:rPr>
-              <a:t>Etc.</a:t>
-            </a:r>
-            <a:endParaRPr lang="en-US" sz="2000" b="0" strike="noStrike" spc="-1">
-              <a:latin typeface="Arial"/>
-            </a:endParaRPr>
-          </a:p>
-        </p:txBody>
-      </p:sp>
-    </p:spTree>
-  </p:cSld>
-  <p:clrMapOvr>
-    <a:masterClrMapping/>
-  </p:clrMapOvr>
-</p:sld>
-</file>
-
-<file path=ppt/slides/slide22.xml><?xml version="1.0" encoding="utf-8"?>
-<p:sld xmlns:a="http://schemas.openxmlformats.org/drawingml/2006/main" xmlns:r="http://schemas.openxmlformats.org/officeDocument/2006/relationships" xmlns:p="http://schemas.openxmlformats.org/presentationml/2006/main">
-  <p:cSld>
-    <p:spTree>
-      <p:nvGrpSpPr>
-        <p:cNvPr id="1" name=""/>
-        <p:cNvGrpSpPr/>
-        <p:nvPr/>
-      </p:nvGrpSpPr>
-      <p:grpSpPr>
-        <a:xfrm>
-          <a:off x="0" y="0"/>
-          <a:ext cx="0" cy="0"/>
-          <a:chOff x="0" y="0"/>
-          <a:chExt cx="0" cy="0"/>
-        </a:xfrm>
-      </p:grpSpPr>
-      <p:sp>
-        <p:nvSpPr>
-          <p:cNvPr id="781" name="CustomShape 1"/>
-          <p:cNvSpPr/>
-          <p:nvPr/>
-        </p:nvSpPr>
-        <p:spPr>
-          <a:xfrm>
-            <a:off x="1886040" y="205560"/>
-            <a:ext cx="6365160" cy="1233720"/>
-          </a:xfrm>
-          <a:prstGeom prst="rect">
-            <a:avLst/>
-          </a:prstGeom>
-          <a:noFill/>
-          <a:ln>
-            <a:noFill/>
-          </a:ln>
-        </p:spPr>
-        <p:style>
-          <a:lnRef idx="0">
-            <a:scrgbClr r="0" g="0" b="0"/>
-          </a:lnRef>
-          <a:fillRef idx="0">
-            <a:scrgbClr r="0" g="0" b="0"/>
-          </a:fillRef>
-          <a:effectRef idx="0">
-            <a:scrgbClr r="0" g="0" b="0"/>
-          </a:effectRef>
-          <a:fontRef idx="minor"/>
-        </p:style>
-        <p:txBody>
-          <a:bodyPr lIns="0" tIns="0" rIns="0" bIns="0" anchor="ctr">
-            <a:noAutofit/>
-          </a:bodyPr>
-          <a:lstStyle/>
-          <a:p>
-            <a:pPr algn="r">
-              <a:lnSpc>
-                <a:spcPct val="100000"/>
-              </a:lnSpc>
-            </a:pPr>
-            <a:r>
-              <a:rPr lang="en-US" sz="5400" b="0" strike="noStrike" spc="-1">
-                <a:solidFill>
-                  <a:srgbClr val="4F81BD"/>
-                </a:solidFill>
-                <a:latin typeface="Trebuchet MS"/>
-                <a:ea typeface="DejaVu Sans"/>
-              </a:rPr>
-              <a:t>Projects on GitHub</a:t>
-            </a:r>
-            <a:endParaRPr lang="en-US" sz="5400" b="0" strike="noStrike" spc="-1">
-              <a:latin typeface="Arial"/>
-            </a:endParaRPr>
-          </a:p>
-        </p:txBody>
-      </p:sp>
-      <p:pic>
-        <p:nvPicPr>
-          <p:cNvPr id="782" name="Picture 2"/>
-          <p:cNvPicPr/>
-          <p:nvPr/>
-        </p:nvPicPr>
-        <p:blipFill>
-          <a:blip r:embed="rId2"/>
-          <a:stretch/>
-        </p:blipFill>
-        <p:spPr>
-          <a:xfrm>
-            <a:off x="839880" y="1555200"/>
-            <a:ext cx="4953600" cy="4211640"/>
-          </a:xfrm>
-          <a:prstGeom prst="rect">
-            <a:avLst/>
-          </a:prstGeom>
-          <a:ln>
-            <a:noFill/>
-          </a:ln>
-        </p:spPr>
-      </p:pic>
-      <p:pic>
-        <p:nvPicPr>
-          <p:cNvPr id="783" name="Picture 4"/>
-          <p:cNvPicPr/>
-          <p:nvPr/>
-        </p:nvPicPr>
-        <p:blipFill>
-          <a:blip r:embed="rId3"/>
-          <a:stretch/>
-        </p:blipFill>
-        <p:spPr>
-          <a:xfrm>
-            <a:off x="6556680" y="1513080"/>
-            <a:ext cx="2636280" cy="4335120"/>
-          </a:xfrm>
-          <a:prstGeom prst="rect">
-            <a:avLst/>
-          </a:prstGeom>
-          <a:ln>
-            <a:noFill/>
-          </a:ln>
-        </p:spPr>
-      </p:pic>
-    </p:spTree>
-  </p:cSld>
-  <p:clrMapOvr>
-    <a:masterClrMapping/>
-  </p:clrMapOvr>
-</p:sld>
-</file>
-
-<file path=ppt/slides/slide23.xml><?xml version="1.0" encoding="utf-8"?>
-<p:sld xmlns:a="http://schemas.openxmlformats.org/drawingml/2006/main" xmlns:r="http://schemas.openxmlformats.org/officeDocument/2006/relationships" xmlns:p="http://schemas.openxmlformats.org/presentationml/2006/main">
-  <p:cSld>
-    <p:spTree>
-      <p:nvGrpSpPr>
-        <p:cNvPr id="1" name=""/>
-        <p:cNvGrpSpPr/>
-        <p:nvPr/>
-      </p:nvGrpSpPr>
-      <p:grpSpPr>
-        <a:xfrm>
-          <a:off x="0" y="0"/>
-          <a:ext cx="0" cy="0"/>
-          <a:chOff x="0" y="0"/>
-          <a:chExt cx="0" cy="0"/>
-        </a:xfrm>
-      </p:grpSpPr>
-      <p:sp>
-        <p:nvSpPr>
-          <p:cNvPr id="784" name="CustomShape 1"/>
-          <p:cNvSpPr/>
-          <p:nvPr/>
-        </p:nvSpPr>
-        <p:spPr>
-          <a:xfrm>
-            <a:off x="2703960" y="205560"/>
-            <a:ext cx="5547240" cy="1233720"/>
-          </a:xfrm>
-          <a:prstGeom prst="rect">
-            <a:avLst/>
-          </a:prstGeom>
-          <a:noFill/>
-          <a:ln>
-            <a:noFill/>
-          </a:ln>
-        </p:spPr>
-        <p:style>
-          <a:lnRef idx="0">
-            <a:scrgbClr r="0" g="0" b="0"/>
-          </a:lnRef>
-          <a:fillRef idx="0">
-            <a:scrgbClr r="0" g="0" b="0"/>
-          </a:fillRef>
-          <a:effectRef idx="0">
-            <a:scrgbClr r="0" g="0" b="0"/>
-          </a:effectRef>
-          <a:fontRef idx="minor"/>
-        </p:style>
-        <p:txBody>
-          <a:bodyPr lIns="0" tIns="0" rIns="0" bIns="0" anchor="ctr">
-            <a:noAutofit/>
-          </a:bodyPr>
-          <a:lstStyle/>
-          <a:p>
-            <a:pPr algn="r">
-              <a:lnSpc>
-                <a:spcPct val="100000"/>
-              </a:lnSpc>
-            </a:pPr>
-            <a:r>
-              <a:rPr lang="en-US" sz="5400" b="0" strike="noStrike" spc="-1">
-                <a:solidFill>
-                  <a:srgbClr val="4F81BD"/>
-                </a:solidFill>
-                <a:latin typeface="Trebuchet MS"/>
-                <a:ea typeface="DejaVu Sans"/>
-              </a:rPr>
-              <a:t>Racket in Action</a:t>
-            </a:r>
-            <a:endParaRPr lang="en-US" sz="5400" b="0" strike="noStrike" spc="-1">
-              <a:latin typeface="Arial"/>
-            </a:endParaRPr>
-          </a:p>
-        </p:txBody>
-      </p:sp>
-      <p:pic>
-        <p:nvPicPr>
-          <p:cNvPr id="785" name="Picture 2"/>
-          <p:cNvPicPr/>
-          <p:nvPr/>
-        </p:nvPicPr>
-        <p:blipFill>
-          <a:blip r:embed="rId2"/>
-          <a:srcRect l="16170" t="11458" r="63475" b="13540"/>
-          <a:stretch/>
-        </p:blipFill>
-        <p:spPr>
-          <a:xfrm>
-            <a:off x="918360" y="1523880"/>
-            <a:ext cx="4473360" cy="4947120"/>
-          </a:xfrm>
-          <a:prstGeom prst="rect">
-            <a:avLst/>
-          </a:prstGeom>
-          <a:ln>
-            <a:noFill/>
-          </a:ln>
-          <a:effectLst>
-            <a:outerShdw blurRad="292100" dist="139498" dir="2700000" algn="tl" rotWithShape="0">
-              <a:srgbClr val="333333">
-                <a:alpha val="65000"/>
-              </a:srgbClr>
-            </a:outerShdw>
-          </a:effectLst>
-        </p:spPr>
-      </p:pic>
-      <p:sp>
-        <p:nvSpPr>
-          <p:cNvPr id="786" name="CustomShape 2"/>
-          <p:cNvSpPr/>
-          <p:nvPr/>
-        </p:nvSpPr>
-        <p:spPr>
-          <a:xfrm>
-            <a:off x="5591520" y="1552680"/>
-            <a:ext cx="4752360" cy="3976200"/>
-          </a:xfrm>
-          <a:prstGeom prst="rect">
-            <a:avLst/>
-          </a:prstGeom>
-          <a:noFill/>
-          <a:ln>
-            <a:noFill/>
-          </a:ln>
-        </p:spPr>
-        <p:style>
-          <a:lnRef idx="0">
-            <a:scrgbClr r="0" g="0" b="0"/>
-          </a:lnRef>
-          <a:fillRef idx="0">
-            <a:scrgbClr r="0" g="0" b="0"/>
-          </a:fillRef>
-          <a:effectRef idx="0">
-            <a:scrgbClr r="0" g="0" b="0"/>
-          </a:effectRef>
-          <a:fontRef idx="minor"/>
-        </p:style>
-        <p:txBody>
-          <a:bodyPr lIns="0" tIns="0" rIns="0" bIns="0">
-            <a:normAutofit/>
-          </a:bodyPr>
-          <a:lstStyle/>
-          <a:p>
-            <a:pPr marL="108720">
-              <a:lnSpc>
-                <a:spcPct val="100000"/>
-              </a:lnSpc>
-              <a:spcBef>
-                <a:spcPts val="1417"/>
-              </a:spcBef>
-            </a:pPr>
-            <a:r>
-              <a:rPr lang="en-US" sz="2800" b="0" strike="noStrike" spc="-1">
-                <a:solidFill>
-                  <a:srgbClr val="000000"/>
-                </a:solidFill>
-                <a:latin typeface="Arial"/>
-                <a:ea typeface="DejaVu Sans"/>
-              </a:rPr>
-              <a:t>Demo projects:</a:t>
-            </a:r>
-            <a:endParaRPr lang="en-US" sz="2800" b="0" strike="noStrike" spc="-1">
-              <a:latin typeface="Arial"/>
-            </a:endParaRPr>
-          </a:p>
-          <a:p>
-            <a:pPr marL="889200" lvl="1" indent="-322920">
-              <a:lnSpc>
-                <a:spcPct val="100000"/>
-              </a:lnSpc>
-              <a:spcBef>
-                <a:spcPts val="1417"/>
-              </a:spcBef>
-              <a:buClr>
-                <a:srgbClr val="000000"/>
-              </a:buClr>
-              <a:buSzPct val="45000"/>
-              <a:buFont typeface="Wingdings" charset="2"/>
-              <a:buChar char=""/>
-            </a:pPr>
-            <a:r>
-              <a:rPr lang="en-US" sz="2800" b="0" strike="noStrike" spc="-1">
-                <a:solidFill>
-                  <a:srgbClr val="000000"/>
-                </a:solidFill>
-                <a:latin typeface="Arial"/>
-                <a:ea typeface="DejaVu Sans"/>
-              </a:rPr>
-              <a:t>Recursion</a:t>
-            </a:r>
-            <a:endParaRPr lang="en-US" sz="2800" b="0" strike="noStrike" spc="-1">
-              <a:latin typeface="Arial"/>
-            </a:endParaRPr>
-          </a:p>
-          <a:p>
-            <a:pPr marL="889200" lvl="1" indent="-322920">
-              <a:lnSpc>
-                <a:spcPct val="100000"/>
-              </a:lnSpc>
-              <a:spcBef>
-                <a:spcPts val="1417"/>
-              </a:spcBef>
-              <a:buClr>
-                <a:srgbClr val="000000"/>
-              </a:buClr>
-              <a:buSzPct val="45000"/>
-              <a:buFont typeface="Wingdings" charset="2"/>
-              <a:buChar char=""/>
-            </a:pPr>
-            <a:r>
-              <a:rPr lang="en-US" sz="2800" b="0" strike="noStrike" spc="-1">
-                <a:solidFill>
-                  <a:srgbClr val="000000"/>
-                </a:solidFill>
-                <a:latin typeface="Arial"/>
-                <a:ea typeface="DejaVu Sans"/>
-              </a:rPr>
-              <a:t>Web application</a:t>
-            </a:r>
-            <a:endParaRPr lang="en-US" sz="2800" b="0" strike="noStrike" spc="-1">
-              <a:latin typeface="Arial"/>
-            </a:endParaRPr>
-          </a:p>
-          <a:p>
-            <a:pPr>
-              <a:lnSpc>
-                <a:spcPct val="100000"/>
-              </a:lnSpc>
-              <a:spcBef>
-                <a:spcPts val="1134"/>
-              </a:spcBef>
-            </a:pPr>
-            <a:endParaRPr lang="en-US" sz="2800" b="0" strike="noStrike" spc="-1">
-              <a:latin typeface="Arial"/>
-            </a:endParaRPr>
-          </a:p>
-        </p:txBody>
-      </p:sp>
-    </p:spTree>
-  </p:cSld>
-  <p:clrMapOvr>
-    <a:masterClrMapping/>
-  </p:clrMapOvr>
-</p:sld>
-</file>
-
-<file path=ppt/slides/slide24.xml><?xml version="1.0" encoding="utf-8"?>
-<p:sld xmlns:a="http://schemas.openxmlformats.org/drawingml/2006/main" xmlns:r="http://schemas.openxmlformats.org/officeDocument/2006/relationships" xmlns:p="http://schemas.openxmlformats.org/presentationml/2006/main">
-  <p:cSld>
-    <p:spTree>
-      <p:nvGrpSpPr>
-        <p:cNvPr id="1" name=""/>
-        <p:cNvGrpSpPr/>
-        <p:nvPr/>
-      </p:nvGrpSpPr>
-      <p:grpSpPr>
-        <a:xfrm>
-          <a:off x="0" y="0"/>
-          <a:ext cx="0" cy="0"/>
-          <a:chOff x="0" y="0"/>
-          <a:chExt cx="0" cy="0"/>
-        </a:xfrm>
-      </p:grpSpPr>
-      <p:sp>
-        <p:nvSpPr>
           <p:cNvPr id="787" name="CustomShape 1"/>
           <p:cNvSpPr/>
           <p:nvPr/>
@@ -43103,7 +42166,7 @@
 </p:sld>
 </file>
 
-<file path=ppt/slides/slide25.xml><?xml version="1.0" encoding="utf-8"?>
+<file path=ppt/slides/slide22.xml><?xml version="1.0" encoding="utf-8"?>
 <p:sld xmlns:a="http://schemas.openxmlformats.org/drawingml/2006/main" xmlns:r="http://schemas.openxmlformats.org/officeDocument/2006/relationships" xmlns:p="http://schemas.openxmlformats.org/presentationml/2006/main">
   <p:cSld>
     <p:spTree>
@@ -44436,7 +43499,7 @@
         <p:spPr>
           <a:xfrm>
             <a:off x="770040" y="1570320"/>
-            <a:ext cx="8925480" cy="5286600"/>
+            <a:ext cx="8925480" cy="5218407"/>
           </a:xfrm>
           <a:prstGeom prst="rect">
             <a:avLst/>
@@ -44460,7 +43523,7 @@
         </p:style>
         <p:txBody>
           <a:bodyPr lIns="90000" tIns="45000" rIns="90000" bIns="45000">
-            <a:normAutofit/>
+            <a:normAutofit fontScale="85000" lnSpcReduction="20000"/>
           </a:bodyPr>
           <a:lstStyle/>
           <a:p>
@@ -44476,7 +43539,7 @@
               </a:tabLst>
             </a:pPr>
             <a:r>
-              <a:rPr lang="en-US" sz="1800" b="0" strike="noStrike" spc="-1">
+              <a:rPr lang="en-US" sz="1800" b="0" strike="noStrike" spc="-1" dirty="0">
                 <a:solidFill>
                   <a:srgbClr val="000000"/>
                 </a:solidFill>
@@ -44485,7 +43548,7 @@
               </a:rPr>
               <a:t>“Racket” https://racket-lang.org/ (accessed Nov. 24, 2020)</a:t>
             </a:r>
-            <a:endParaRPr lang="en-US" sz="1800" b="0" strike="noStrike" spc="-1">
+            <a:endParaRPr lang="en-US" sz="1800" b="0" strike="noStrike" spc="-1" dirty="0">
               <a:latin typeface="Arial"/>
             </a:endParaRPr>
           </a:p>
@@ -44507,7 +43570,7 @@
               </a:tabLst>
             </a:pPr>
             <a:r>
-              <a:rPr lang="en-US" sz="1800" b="0" strike="noStrike" spc="-1">
+              <a:rPr lang="en-US" sz="1800" b="0" strike="noStrike" spc="-1" dirty="0">
                 <a:solidFill>
                   <a:srgbClr val="000000"/>
                 </a:solidFill>
@@ -44516,51 +43579,20 @@
               </a:rPr>
               <a:t>Racket is a stable programming language that has matured over time</a:t>
             </a:r>
-            <a:br/>
+            <a:br>
+              <a:rPr dirty="0"/>
+            </a:br>
             <a:r>
-              <a:rPr lang="en-US" sz="1800" b="0" strike="noStrike" spc="-1">
+              <a:rPr lang="en-US" sz="1800" b="0" strike="noStrike" spc="-1" dirty="0">
                 <a:solidFill>
                   <a:srgbClr val="000000"/>
                 </a:solidFill>
                 <a:latin typeface="Arial"/>
                 <a:ea typeface="DejaVu Sans"/>
               </a:rPr>
-              <a:t> - It is cross-platform</a:t>
+              <a:t> - It is cross-platform (Windows, Linux, MacOS)</a:t>
             </a:r>
-            <a:br/>
-            <a:r>
-              <a:rPr lang="en-US" sz="1800" b="0" strike="noStrike" spc="-1">
-                <a:solidFill>
-                  <a:srgbClr val="000000"/>
-                </a:solidFill>
-                <a:latin typeface="Arial"/>
-                <a:ea typeface="DejaVu Sans"/>
-              </a:rPr>
-              <a:t>     -	Windows</a:t>
-            </a:r>
-            <a:br/>
-            <a:r>
-              <a:rPr lang="en-US" sz="1800" b="0" strike="noStrike" spc="-1">
-                <a:solidFill>
-                  <a:srgbClr val="000000"/>
-                </a:solidFill>
-                <a:latin typeface="Arial"/>
-                <a:ea typeface="DejaVu Sans"/>
-              </a:rPr>
-              <a:t>     -	Linux</a:t>
-            </a:r>
-            <a:br/>
-            <a:r>
-              <a:rPr lang="en-US" sz="1800" b="0" strike="noStrike" spc="-1">
-                <a:solidFill>
-                  <a:srgbClr val="000000"/>
-                </a:solidFill>
-                <a:latin typeface="Arial"/>
-                <a:ea typeface="DejaVu Sans"/>
-              </a:rPr>
-              <a:t>     -	MacOS</a:t>
-            </a:r>
-            <a:endParaRPr lang="en-US" sz="1800" b="0" strike="noStrike" spc="-1">
+            <a:endParaRPr lang="en-US" sz="1800" b="0" strike="noStrike" spc="-1" dirty="0">
               <a:latin typeface="Arial"/>
             </a:endParaRPr>
           </a:p>
@@ -44582,7 +43614,7 @@
               </a:tabLst>
             </a:pPr>
             <a:r>
-              <a:rPr lang="en-US" sz="1800" b="0" strike="noStrike" spc="-1">
+              <a:rPr lang="en-US" sz="1800" b="0" strike="noStrike" spc="-1" dirty="0">
                 <a:solidFill>
                   <a:srgbClr val="000000"/>
                 </a:solidFill>
@@ -44591,20 +43623,306 @@
               </a:rPr>
               <a:t>Racket contains</a:t>
             </a:r>
-            <a:br/>
+            <a:br>
+              <a:rPr dirty="0"/>
+            </a:br>
             <a:r>
-              <a:rPr lang="en-US" sz="1800" b="0" strike="noStrike" spc="-1">
+              <a:rPr lang="en-US" sz="1800" b="0" strike="noStrike" spc="-1" dirty="0">
                 <a:solidFill>
                   <a:srgbClr val="000000"/>
                 </a:solidFill>
                 <a:latin typeface="Arial"/>
                 <a:ea typeface="DejaVu Sans"/>
               </a:rPr>
-              <a:t>  - Package system</a:t>
+              <a:t>  - Package system - Racket Package Manager</a:t>
             </a:r>
-            <a:endParaRPr lang="en-US" sz="1800" b="0" strike="noStrike" spc="-1">
-              <a:latin typeface="Arial"/>
-            </a:endParaRPr>
+            <a:br>
+              <a:rPr dirty="0"/>
+            </a:br>
+            <a:r>
+              <a:rPr lang="en-US" sz="1800" b="0" strike="noStrike" spc="-1" dirty="0">
+                <a:solidFill>
+                  <a:srgbClr val="000000"/>
+                </a:solidFill>
+                <a:latin typeface="Arial"/>
+                <a:ea typeface="DejaVu Sans"/>
+              </a:rPr>
+              <a:t>    where you can install/update/remove a package (</a:t>
+            </a:r>
+            <a:r>
+              <a:rPr lang="en-US" sz="1800" b="0" strike="noStrike" spc="-1" dirty="0" err="1">
+                <a:solidFill>
+                  <a:srgbClr val="000000"/>
+                </a:solidFill>
+                <a:latin typeface="Arial"/>
+                <a:ea typeface="DejaVu Sans"/>
+              </a:rPr>
+              <a:t>raco</a:t>
+            </a:r>
+            <a:r>
+              <a:rPr lang="en-US" sz="1800" b="0" strike="noStrike" spc="-1" dirty="0">
+                <a:solidFill>
+                  <a:srgbClr val="000000"/>
+                </a:solidFill>
+                <a:latin typeface="Arial"/>
+                <a:ea typeface="DejaVu Sans"/>
+              </a:rPr>
+              <a:t> pkg install, </a:t>
+            </a:r>
+            <a:r>
+              <a:rPr lang="en-US" sz="1800" b="0" strike="noStrike" spc="-1" dirty="0" err="1">
+                <a:solidFill>
+                  <a:srgbClr val="000000"/>
+                </a:solidFill>
+                <a:latin typeface="Arial"/>
+                <a:ea typeface="DejaVu Sans"/>
+              </a:rPr>
+              <a:t>raco</a:t>
+            </a:r>
+            <a:r>
+              <a:rPr lang="en-US" sz="1800" b="0" strike="noStrike" spc="-1" dirty="0">
+                <a:solidFill>
+                  <a:srgbClr val="000000"/>
+                </a:solidFill>
+                <a:latin typeface="Arial"/>
+                <a:ea typeface="DejaVu Sans"/>
+              </a:rPr>
+              <a:t> pkg update, </a:t>
+            </a:r>
+            <a:r>
+              <a:rPr lang="en-US" sz="1800" b="0" strike="noStrike" spc="-1" dirty="0" err="1">
+                <a:solidFill>
+                  <a:srgbClr val="000000"/>
+                </a:solidFill>
+                <a:latin typeface="Arial"/>
+                <a:ea typeface="DejaVu Sans"/>
+              </a:rPr>
+              <a:t>raco</a:t>
+            </a:r>
+            <a:r>
+              <a:rPr lang="en-US" sz="1800" b="0" strike="noStrike" spc="-1" dirty="0">
+                <a:solidFill>
+                  <a:srgbClr val="000000"/>
+                </a:solidFill>
+                <a:latin typeface="Arial"/>
+                <a:ea typeface="DejaVu Sans"/>
+              </a:rPr>
+              <a:t> pkg remove)</a:t>
+            </a:r>
+          </a:p>
+          <a:p>
+            <a:pPr marL="285840" indent="-284400">
+              <a:lnSpc>
+                <a:spcPct val="100000"/>
+              </a:lnSpc>
+              <a:spcBef>
+                <a:spcPts val="1001"/>
+              </a:spcBef>
+              <a:buClr>
+                <a:srgbClr val="000000"/>
+              </a:buClr>
+              <a:buFont typeface="Arial"/>
+              <a:buChar char="•"/>
+              <a:tabLst>
+                <a:tab pos="0" algn="l"/>
+              </a:tabLst>
+            </a:pPr>
+            <a:r>
+              <a:rPr lang="en-US" sz="1800" b="0" strike="noStrike" spc="-1" dirty="0">
+                <a:solidFill>
+                  <a:srgbClr val="000000"/>
+                </a:solidFill>
+                <a:latin typeface="Arial"/>
+                <a:ea typeface="DejaVu Sans"/>
+              </a:rPr>
+              <a:t>Foreign Interface such as </a:t>
+            </a:r>
+            <a:r>
+              <a:rPr lang="en-US" sz="1800" b="0" strike="noStrike" spc="-1" dirty="0" err="1">
+                <a:solidFill>
+                  <a:srgbClr val="000000"/>
+                </a:solidFill>
+                <a:latin typeface="Arial"/>
+                <a:ea typeface="DejaVu Sans"/>
+              </a:rPr>
+              <a:t>Ctype</a:t>
+            </a:r>
+            <a:endParaRPr lang="en-US" sz="1800" b="0" strike="noStrike" spc="-1" dirty="0">
+              <a:latin typeface="Arial"/>
+            </a:endParaRPr>
+          </a:p>
+          <a:p>
+            <a:pPr marL="743400" lvl="1" indent="-284760">
+              <a:spcBef>
+                <a:spcPts val="1001"/>
+              </a:spcBef>
+              <a:buClr>
+                <a:srgbClr val="000000"/>
+              </a:buClr>
+              <a:buFont typeface="Arial"/>
+              <a:buChar char="-"/>
+              <a:tabLst>
+                <a:tab pos="0" algn="l"/>
+              </a:tabLst>
+            </a:pPr>
+            <a:r>
+              <a:rPr lang="en-US" b="0" strike="noStrike" spc="-1" dirty="0">
+                <a:solidFill>
+                  <a:srgbClr val="000000"/>
+                </a:solidFill>
+                <a:latin typeface="Arial"/>
+                <a:ea typeface="DejaVu Sans"/>
+              </a:rPr>
+              <a:t>The </a:t>
+            </a:r>
+            <a:r>
+              <a:rPr lang="en-US" b="0" strike="noStrike" spc="-1" dirty="0" err="1">
+                <a:solidFill>
+                  <a:srgbClr val="000000"/>
+                </a:solidFill>
+                <a:latin typeface="Arial"/>
+                <a:ea typeface="DejaVu Sans"/>
+              </a:rPr>
+              <a:t>ffi</a:t>
+            </a:r>
+            <a:r>
+              <a:rPr lang="en-US" b="0" strike="noStrike" spc="-1" dirty="0">
+                <a:solidFill>
+                  <a:srgbClr val="000000"/>
+                </a:solidFill>
+                <a:latin typeface="Arial"/>
+                <a:ea typeface="DejaVu Sans"/>
+              </a:rPr>
+              <a:t>/unsafe library enables use of C-based APIs within Racket programs without having to write any new C code. </a:t>
+            </a:r>
+            <a:endParaRPr lang="en-US" b="0" strike="noStrike" spc="-1" dirty="0">
+              <a:latin typeface="Arial"/>
+            </a:endParaRPr>
+          </a:p>
+          <a:p>
+            <a:pPr marL="285840" indent="-284400">
+              <a:spcBef>
+                <a:spcPts val="1001"/>
+              </a:spcBef>
+              <a:buClr>
+                <a:srgbClr val="000000"/>
+              </a:buClr>
+              <a:buFont typeface="Arial"/>
+              <a:buChar char="•"/>
+              <a:tabLst>
+                <a:tab pos="0" algn="l"/>
+              </a:tabLst>
+            </a:pPr>
+            <a:r>
+              <a:rPr lang="en-US" dirty="0"/>
+              <a:t>Racket offers functional language capabilities such as tail-call optimization and lexical closures.</a:t>
+            </a:r>
+            <a:endParaRPr lang="en-US" spc="-1" dirty="0">
+              <a:solidFill>
+                <a:srgbClr val="000000"/>
+              </a:solidFill>
+            </a:endParaRPr>
+          </a:p>
+          <a:p>
+            <a:pPr marL="285840" indent="-284400">
+              <a:lnSpc>
+                <a:spcPct val="100000"/>
+              </a:lnSpc>
+              <a:spcBef>
+                <a:spcPts val="1001"/>
+              </a:spcBef>
+              <a:buClr>
+                <a:srgbClr val="000000"/>
+              </a:buClr>
+              <a:buFont typeface="Arial"/>
+              <a:buChar char="•"/>
+              <a:tabLst>
+                <a:tab pos="0" algn="l"/>
+              </a:tabLst>
+            </a:pPr>
+            <a:r>
+              <a:rPr lang="en-US" spc="-1" dirty="0">
+                <a:solidFill>
+                  <a:srgbClr val="000000"/>
+                </a:solidFill>
+              </a:rPr>
+              <a:t>Racket has a rich language with an extensive set of libraries and tools. Not a “minimalist” language.</a:t>
+            </a:r>
+          </a:p>
+          <a:p>
+            <a:pPr marL="285840" indent="-284400">
+              <a:lnSpc>
+                <a:spcPct val="100000"/>
+              </a:lnSpc>
+              <a:spcBef>
+                <a:spcPts val="1001"/>
+              </a:spcBef>
+              <a:buClr>
+                <a:srgbClr val="000000"/>
+              </a:buClr>
+              <a:buFont typeface="Arial"/>
+              <a:buChar char="•"/>
+              <a:tabLst>
+                <a:tab pos="0" algn="l"/>
+              </a:tabLst>
+            </a:pPr>
+            <a:r>
+              <a:rPr lang="en-US" spc="-1" dirty="0">
+                <a:solidFill>
+                  <a:srgbClr val="000000"/>
+                </a:solidFill>
+              </a:rPr>
+              <a:t>Racket is Extensible &amp; Robust</a:t>
+            </a:r>
+            <a:br>
+              <a:rPr lang="en-US" dirty="0"/>
+            </a:br>
+            <a:r>
+              <a:rPr lang="en-US" spc="-1" dirty="0">
+                <a:solidFill>
+                  <a:srgbClr val="000000"/>
+                </a:solidFill>
+              </a:rPr>
+              <a:t>   - Powerful Macros (Little and Big Macros)</a:t>
+            </a:r>
+            <a:br>
+              <a:rPr lang="en-US" dirty="0"/>
+            </a:br>
+            <a:r>
+              <a:rPr lang="en-US" spc="-1" dirty="0">
+                <a:solidFill>
+                  <a:srgbClr val="000000"/>
+                </a:solidFill>
+              </a:rPr>
+              <a:t>   - Programmer can make domain-specific Languages or constructs with these macros</a:t>
+            </a:r>
+          </a:p>
+          <a:p>
+            <a:pPr marL="285840" indent="-284400">
+              <a:lnSpc>
+                <a:spcPct val="100000"/>
+              </a:lnSpc>
+              <a:spcBef>
+                <a:spcPts val="1001"/>
+              </a:spcBef>
+              <a:buClr>
+                <a:srgbClr val="000000"/>
+              </a:buClr>
+              <a:buFont typeface="Arial"/>
+              <a:buChar char="•"/>
+              <a:tabLst>
+                <a:tab pos="0" algn="l"/>
+              </a:tabLst>
+            </a:pPr>
+            <a:r>
+              <a:rPr lang="en-US" spc="-1" dirty="0">
+                <a:solidFill>
+                  <a:srgbClr val="000000"/>
+                </a:solidFill>
+              </a:rPr>
+              <a:t>Racket Documentation</a:t>
+            </a:r>
+            <a:endParaRPr lang="en-US" spc="-1" dirty="0"/>
           </a:p>
           <a:p>
             <a:pPr marL="743040" lvl="1" indent="-284400">
@@ -44624,35 +43942,40 @@
               </a:tabLst>
             </a:pPr>
             <a:r>
-              <a:rPr lang="en-US" sz="1800" b="0" strike="noStrike" spc="-1">
+              <a:rPr lang="en-US" spc="-1" dirty="0">
                 <a:solidFill>
                   <a:srgbClr val="000000"/>
                 </a:solidFill>
-                <a:latin typeface="Arial"/>
-                <a:ea typeface="DejaVu Sans"/>
               </a:rPr>
-              <a:t>Racket Package Manager</a:t>
+              <a:t>Teaching Section</a:t>
             </a:r>
-            <a:br/>
             <a:r>
-              <a:rPr lang="en-US" sz="1800" b="0" strike="noStrike" spc="-1">
+              <a:rPr lang="en-US" spc="-1" dirty="0"/>
+              <a:t>, </a:t>
+            </a:r>
+            <a:r>
+              <a:rPr lang="en-US" spc="-1" dirty="0">
                 <a:solidFill>
                   <a:srgbClr val="000000"/>
                 </a:solidFill>
-                <a:latin typeface="Arial"/>
-                <a:ea typeface="DejaVu Sans"/>
               </a:rPr>
-              <a:t>    where you can install/update/remove a package and use the libraries provided</a:t>
+              <a:t>Tutorials</a:t>
             </a:r>
-            <a:endParaRPr lang="en-US" sz="1800" b="0" strike="noStrike" spc="-1">
-              <a:latin typeface="Arial"/>
-            </a:endParaRPr>
-          </a:p>
-          <a:p>
-            <a:pPr marL="1200240" lvl="2" indent="-284400">
-              <a:lnSpc>
-                <a:spcPct val="100000"/>
-              </a:lnSpc>
+            <a:r>
+              <a:rPr lang="en-US" spc="-1" dirty="0"/>
+              <a:t>, </a:t>
+            </a:r>
+            <a:r>
+              <a:rPr lang="en-US" spc="-1" dirty="0">
+                <a:solidFill>
+                  <a:srgbClr val="000000"/>
+                </a:solidFill>
+              </a:rPr>
+              <a:t>Tools, Racket supports Major Editors like VIM, EMACS</a:t>
+            </a:r>
+          </a:p>
+          <a:p>
+            <a:pPr marL="743040" lvl="1" indent="-284400">
               <a:spcBef>
                 <a:spcPts val="1001"/>
               </a:spcBef>
@@ -44666,21 +43989,17 @@
               </a:tabLst>
             </a:pPr>
             <a:r>
-              <a:rPr lang="en-US" sz="1800" b="0" strike="noStrike" spc="-1">
+              <a:rPr lang="en-US" spc="-1" dirty="0">
                 <a:solidFill>
                   <a:srgbClr val="000000"/>
                 </a:solidFill>
-                <a:latin typeface="Arial"/>
-                <a:ea typeface="DejaVu Sans"/>
               </a:rPr>
-              <a:t>raco pkg (raco pkg install, raco pkg update, raco pkg remove)</a:t>
+              <a:t>It comes with its own IDE, Dr. Racket.</a:t>
             </a:r>
-            <a:endParaRPr lang="en-US" sz="1800" b="0" strike="noStrike" spc="-1">
-              <a:latin typeface="Arial"/>
-            </a:endParaRPr>
-          </a:p>
-          <a:p>
-            <a:pPr marL="743400" lvl="1" indent="-284760">
+            <a:endParaRPr lang="en-US" spc="-1" dirty="0"/>
+          </a:p>
+          <a:p>
+            <a:pPr marL="743040" lvl="1" indent="-284400">
               <a:lnSpc>
                 <a:spcPct val="100000"/>
               </a:lnSpc>
@@ -44691,38 +44010,23 @@
                 <a:srgbClr val="000000"/>
               </a:buClr>
               <a:buFont typeface="Arial"/>
-              <a:buChar char="-"/>
+              <a:buChar char="•"/>
               <a:tabLst>
                 <a:tab pos="0" algn="l"/>
               </a:tabLst>
             </a:pPr>
             <a:r>
-              <a:rPr lang="en-US" sz="1800" b="0" strike="noStrike" spc="-1">
+              <a:rPr lang="en-US" spc="-1" dirty="0">
                 <a:solidFill>
                   <a:srgbClr val="000000"/>
                 </a:solidFill>
-                <a:latin typeface="Arial"/>
-                <a:ea typeface="DejaVu Sans"/>
               </a:rPr>
-              <a:t>GUI Framework</a:t>
+              <a:t>Open Source licensed under Apache 2.0 and MIT</a:t>
             </a:r>
-            <a:br/>
-            <a:r>
-              <a:rPr lang="en-US" sz="1800" b="0" strike="noStrike" spc="-1">
-                <a:solidFill>
-                  <a:srgbClr val="000000"/>
-                </a:solidFill>
-                <a:latin typeface="Arial"/>
-                <a:ea typeface="DejaVu Sans"/>
-              </a:rPr>
-              <a:t>- Foreign Interface such as Ctype</a:t>
-            </a:r>
-            <a:endParaRPr lang="en-US" sz="1800" b="0" strike="noStrike" spc="-1">
-              <a:latin typeface="Arial"/>
-            </a:endParaRPr>
-          </a:p>
-          <a:p>
-            <a:pPr marL="1200600" lvl="2" indent="-284760">
+            <a:endParaRPr lang="en-US" spc="-1" dirty="0"/>
+          </a:p>
+          <a:p>
+            <a:pPr marL="285840" indent="-284400">
               <a:lnSpc>
                 <a:spcPct val="100000"/>
               </a:lnSpc>
@@ -44733,38 +44037,12 @@
                 <a:srgbClr val="000000"/>
               </a:buClr>
               <a:buFont typeface="Arial"/>
-              <a:buChar char="-"/>
+              <a:buChar char="•"/>
               <a:tabLst>
                 <a:tab pos="0" algn="l"/>
               </a:tabLst>
             </a:pPr>
-            <a:r>
-              <a:rPr lang="en-US" sz="1800" b="0" strike="noStrike" spc="-1">
-                <a:solidFill>
-                  <a:srgbClr val="000000"/>
-                </a:solidFill>
-                <a:latin typeface="Arial"/>
-                <a:ea typeface="DejaVu Sans"/>
-              </a:rPr>
-              <a:t>The ffi/unsafe library enables use of C-based APIs within Racket programs without having to write any new C code. </a:t>
-            </a:r>
-            <a:endParaRPr lang="en-US" sz="1800" b="0" strike="noStrike" spc="-1">
-              <a:latin typeface="Arial"/>
-            </a:endParaRPr>
-          </a:p>
-          <a:p>
-            <a:pPr marL="457560">
-              <a:lnSpc>
-                <a:spcPct val="100000"/>
-              </a:lnSpc>
-              <a:spcBef>
-                <a:spcPts val="1001"/>
-              </a:spcBef>
-              <a:tabLst>
-                <a:tab pos="0" algn="l"/>
-              </a:tabLst>
-            </a:pPr>
-            <a:endParaRPr lang="en-US" sz="1800" b="0" strike="noStrike" spc="-1">
+            <a:endParaRPr lang="en-US" sz="1800" b="0" strike="noStrike" spc="-1" dirty="0">
               <a:latin typeface="Arial"/>
             </a:endParaRPr>
           </a:p>
@@ -44797,14 +44075,14 @@
       </p:grpSpPr>
       <p:sp>
         <p:nvSpPr>
-          <p:cNvPr id="737" name="CustomShape 1"/>
+          <p:cNvPr id="743" name="CustomShape 1"/>
           <p:cNvSpPr/>
           <p:nvPr/>
         </p:nvSpPr>
         <p:spPr>
           <a:xfrm>
-            <a:off x="1062360" y="159840"/>
-            <a:ext cx="8284320" cy="1428480"/>
+            <a:off x="2011680" y="274680"/>
+            <a:ext cx="7765200" cy="1644480"/>
           </a:xfrm>
           <a:prstGeom prst="rect">
             <a:avLst/>
@@ -44827,7 +44105,7 @@
           <a:fontRef idx="minor"/>
         </p:style>
         <p:txBody>
-          <a:bodyPr lIns="90000" tIns="45000" rIns="90000" bIns="45000" anchor="b">
+          <a:bodyPr lIns="0" tIns="0" rIns="0" bIns="0" anchor="ctr">
             <a:noAutofit/>
           </a:bodyPr>
           <a:lstStyle/>
@@ -44845,7 +44123,7 @@
                 <a:latin typeface="Trebuchet MS"/>
                 <a:ea typeface="DejaVu Sans"/>
               </a:rPr>
-              <a:t>Main Characteristics and main Strengths of Racket</a:t>
+              <a:t>The Racket Language</a:t>
             </a:r>
             <a:endParaRPr lang="en-US" sz="5400" b="0" strike="noStrike" spc="-1">
               <a:latin typeface="Arial"/>
@@ -44855,14 +44133,14 @@
       </p:sp>
       <p:sp>
         <p:nvSpPr>
-          <p:cNvPr id="738" name="CustomShape 2"/>
+          <p:cNvPr id="744" name="CustomShape 2"/>
           <p:cNvSpPr/>
           <p:nvPr/>
         </p:nvSpPr>
         <p:spPr>
           <a:xfrm>
-            <a:off x="770040" y="1699560"/>
-            <a:ext cx="8925480" cy="4824000"/>
+            <a:off x="457560" y="2057760"/>
+            <a:ext cx="10971360" cy="3976200"/>
           </a:xfrm>
           <a:prstGeom prst="rect">
             <a:avLst/>
@@ -44885,179 +44163,210 @@
           <a:fontRef idx="minor"/>
         </p:style>
         <p:txBody>
-          <a:bodyPr lIns="90000" tIns="45000" rIns="90000" bIns="45000">
-            <a:normAutofit/>
-          </a:bodyPr>
-          <a:lstStyle/>
-          <a:p>
-            <a:pPr marL="285840" indent="-284400">
+          <a:bodyPr lIns="0" tIns="0" rIns="0" bIns="0">
+            <a:normAutofit fontScale="97000" lnSpcReduction="10000"/>
+          </a:bodyPr>
+          <a:lstStyle/>
+          <a:p>
+            <a:pPr marL="432000" indent="-322920">
               <a:lnSpc>
                 <a:spcPct val="100000"/>
               </a:lnSpc>
               <a:spcBef>
-                <a:spcPts val="1001"/>
+                <a:spcPts val="1417"/>
               </a:spcBef>
               <a:buClr>
                 <a:srgbClr val="000000"/>
               </a:buClr>
-              <a:buFont typeface="Arial"/>
-              <a:buChar char="•"/>
-              <a:tabLst>
-                <a:tab pos="0" algn="l"/>
-              </a:tabLst>
+              <a:buSzPct val="45000"/>
+              <a:buFont typeface="Wingdings" charset="2"/>
+              <a:buChar char=""/>
             </a:pPr>
             <a:r>
-              <a:rPr lang="en-US" sz="1800" b="0" strike="noStrike" spc="-1">
+              <a:rPr lang="en-US" sz="2600" b="0" strike="noStrike" spc="-1">
                 <a:solidFill>
                   <a:srgbClr val="000000"/>
                 </a:solidFill>
                 <a:latin typeface="Arial"/>
                 <a:ea typeface="DejaVu Sans"/>
               </a:rPr>
-              <a:t>Racket has a rich language with an extensive set of libraries and tools. Not a “minimalist” language.</a:t>
+              <a:t>Racket is multi-paradigm, but is best known for its functional programming capabilities</a:t>
             </a:r>
-            <a:br/>
+            <a:endParaRPr lang="en-US" sz="2600" b="0" strike="noStrike" spc="-1">
+              <a:latin typeface="Arial"/>
+            </a:endParaRPr>
+          </a:p>
+          <a:p>
+            <a:pPr marL="432000" indent="-322920">
+              <a:lnSpc>
+                <a:spcPct val="100000"/>
+              </a:lnSpc>
+              <a:spcBef>
+                <a:spcPts val="1417"/>
+              </a:spcBef>
+              <a:buClr>
+                <a:srgbClr val="000000"/>
+              </a:buClr>
+              <a:buSzPct val="45000"/>
+              <a:buFont typeface="Wingdings" charset="2"/>
+              <a:buChar char=""/>
+            </a:pPr>
             <a:r>
-              <a:rPr lang="en-US" sz="1800" b="0" strike="noStrike" spc="-1">
+              <a:rPr lang="en-US" sz="2600" b="0" strike="noStrike" spc="-1">
                 <a:solidFill>
                   <a:srgbClr val="000000"/>
                 </a:solidFill>
                 <a:latin typeface="Arial"/>
                 <a:ea typeface="DejaVu Sans"/>
               </a:rPr>
-              <a:t>   - Web Applications</a:t>
+              <a:t>Contains all standard features of a programming language</a:t>
             </a:r>
-            <a:br/>
+            <a:endParaRPr lang="en-US" sz="2600" b="0" strike="noStrike" spc="-1">
+              <a:latin typeface="Arial"/>
+            </a:endParaRPr>
+          </a:p>
+          <a:p>
+            <a:pPr marL="648000" lvl="2" indent="-216000">
+              <a:lnSpc>
+                <a:spcPct val="100000"/>
+              </a:lnSpc>
+              <a:spcBef>
+                <a:spcPts val="1417"/>
+              </a:spcBef>
+              <a:buClr>
+                <a:srgbClr val="000000"/>
+              </a:buClr>
+              <a:buSzPct val="45000"/>
+              <a:buFont typeface="Wingdings" charset="2"/>
+              <a:buChar char=""/>
+            </a:pPr>
             <a:r>
-              <a:rPr lang="en-US" sz="1800" b="0" strike="noStrike" spc="-1">
+              <a:rPr lang="en-US" sz="2600" b="0" strike="noStrike" spc="-1">
                 <a:solidFill>
                   <a:srgbClr val="000000"/>
                 </a:solidFill>
                 <a:latin typeface="Arial"/>
                 <a:ea typeface="DejaVu Sans"/>
               </a:rPr>
-              <a:t>   - Database</a:t>
+              <a:t>Familiar built-in datatypes</a:t>
             </a:r>
-            <a:br/>
+            <a:endParaRPr lang="en-US" sz="2600" b="0" strike="noStrike" spc="-1">
+              <a:latin typeface="Arial"/>
+            </a:endParaRPr>
+          </a:p>
+          <a:p>
+            <a:pPr marL="648000" lvl="2" indent="-216000">
+              <a:lnSpc>
+                <a:spcPct val="100000"/>
+              </a:lnSpc>
+              <a:spcBef>
+                <a:spcPts val="1417"/>
+              </a:spcBef>
+              <a:buClr>
+                <a:srgbClr val="000000"/>
+              </a:buClr>
+              <a:buSzPct val="45000"/>
+              <a:buFont typeface="Wingdings" charset="2"/>
+              <a:buChar char=""/>
+            </a:pPr>
             <a:r>
-              <a:rPr lang="en-US" sz="1800" b="0" strike="noStrike" spc="-1">
+              <a:rPr lang="en-US" sz="2600" b="0" strike="noStrike" spc="-1">
                 <a:solidFill>
                   <a:srgbClr val="000000"/>
                 </a:solidFill>
                 <a:latin typeface="Arial"/>
                 <a:ea typeface="DejaVu Sans"/>
               </a:rPr>
-              <a:t>   - Math &amp; Statistics</a:t>
+              <a:t>User-defined datatypes</a:t>
             </a:r>
-            <a:br/>
+            <a:endParaRPr lang="en-US" sz="2600" b="0" strike="noStrike" spc="-1">
+              <a:latin typeface="Arial"/>
+            </a:endParaRPr>
+          </a:p>
+          <a:p>
+            <a:pPr marL="648000" lvl="2" indent="-216000">
+              <a:lnSpc>
+                <a:spcPct val="100000"/>
+              </a:lnSpc>
+              <a:spcBef>
+                <a:spcPts val="1417"/>
+              </a:spcBef>
+              <a:buClr>
+                <a:srgbClr val="000000"/>
+              </a:buClr>
+              <a:buSzPct val="45000"/>
+              <a:buFont typeface="Wingdings" charset="2"/>
+              <a:buChar char=""/>
+            </a:pPr>
             <a:r>
-              <a:rPr lang="en-US" sz="1800" b="0" strike="noStrike" spc="-1">
+              <a:rPr lang="en-US" sz="2600" b="0" strike="noStrike" spc="-1">
                 <a:solidFill>
                   <a:srgbClr val="000000"/>
                 </a:solidFill>
                 <a:latin typeface="Arial"/>
                 <a:ea typeface="DejaVu Sans"/>
               </a:rPr>
-              <a:t>   - Network Libraries</a:t>
+              <a:t>Iteration (for loops, sequences)</a:t>
             </a:r>
-            <a:br/>
+            <a:endParaRPr lang="en-US" sz="2600" b="0" strike="noStrike" spc="-1">
+              <a:latin typeface="Arial"/>
+            </a:endParaRPr>
+          </a:p>
+          <a:p>
+            <a:pPr marL="648000" lvl="2" indent="-216000">
+              <a:lnSpc>
+                <a:spcPct val="100000"/>
+              </a:lnSpc>
+              <a:spcBef>
+                <a:spcPts val="1417"/>
+              </a:spcBef>
+              <a:buClr>
+                <a:srgbClr val="000000"/>
+              </a:buClr>
+              <a:buSzPct val="45000"/>
+              <a:buFont typeface="Wingdings" charset="2"/>
+              <a:buChar char=""/>
+            </a:pPr>
             <a:r>
-              <a:rPr lang="en-US" sz="1800" b="0" strike="noStrike" spc="-1">
+              <a:rPr lang="en-US" sz="2600" b="0" strike="noStrike" spc="-1">
                 <a:solidFill>
                   <a:srgbClr val="000000"/>
                 </a:solidFill>
                 <a:latin typeface="Arial"/>
                 <a:ea typeface="DejaVu Sans"/>
               </a:rPr>
-              <a:t>   - Parsing Libraries</a:t>
+              <a:t>I/O</a:t>
             </a:r>
-            <a:endParaRPr lang="en-US" sz="1800" b="0" strike="noStrike" spc="-1">
-              <a:latin typeface="Arial"/>
-            </a:endParaRPr>
-          </a:p>
-          <a:p>
-            <a:pPr marL="285840" indent="-284400">
+            <a:endParaRPr lang="en-US" sz="2600" b="0" strike="noStrike" spc="-1">
+              <a:latin typeface="Arial"/>
+            </a:endParaRPr>
+          </a:p>
+          <a:p>
+            <a:pPr marL="648000" lvl="2" indent="-216000">
               <a:lnSpc>
                 <a:spcPct val="100000"/>
               </a:lnSpc>
               <a:spcBef>
-                <a:spcPts val="1001"/>
+                <a:spcPts val="1417"/>
               </a:spcBef>
               <a:buClr>
                 <a:srgbClr val="000000"/>
               </a:buClr>
-              <a:buFont typeface="Arial"/>
-              <a:buChar char="•"/>
-              <a:tabLst>
-                <a:tab pos="0" algn="l"/>
-              </a:tabLst>
+              <a:buSzPct val="45000"/>
+              <a:buFont typeface="Wingdings" charset="2"/>
+              <a:buChar char=""/>
             </a:pPr>
             <a:r>
-              <a:rPr lang="en-US" sz="1800" b="0" strike="noStrike" spc="-1">
+              <a:rPr lang="en-US" sz="2600" b="0" strike="noStrike" spc="-1">
                 <a:solidFill>
                   <a:srgbClr val="000000"/>
                 </a:solidFill>
                 <a:latin typeface="Arial"/>
                 <a:ea typeface="DejaVu Sans"/>
               </a:rPr>
-              <a:t>Racket is Extensible &amp; Robust</a:t>
+              <a:t>Etc.</a:t>
             </a:r>
-            <a:br/>
-            <a:r>
-              <a:rPr lang="en-US" sz="1800" b="0" strike="noStrike" spc="-1">
-                <a:solidFill>
-                  <a:srgbClr val="000000"/>
-                </a:solidFill>
-                <a:latin typeface="Arial"/>
-                <a:ea typeface="DejaVu Sans"/>
-              </a:rPr>
-              <a:t>   - Powerful Macros (Little and Big Macros)</a:t>
-            </a:r>
-            <a:br/>
-            <a:r>
-              <a:rPr lang="en-US" sz="1800" b="0" strike="noStrike" spc="-1">
-                <a:solidFill>
-                  <a:srgbClr val="000000"/>
-                </a:solidFill>
-                <a:latin typeface="Arial"/>
-                <a:ea typeface="DejaVu Sans"/>
-              </a:rPr>
-              <a:t>   - Programmer can make domain-specific Languages or constructs with these macros</a:t>
-            </a:r>
-            <a:br/>
-            <a:r>
-              <a:rPr lang="en-US" sz="1800" b="0" strike="noStrike" spc="-1">
-                <a:solidFill>
-                  <a:srgbClr val="000000"/>
-                </a:solidFill>
-                <a:latin typeface="Arial"/>
-                <a:ea typeface="DejaVu Sans"/>
-              </a:rPr>
-              <a:t>   - Provides a Contract Guide</a:t>
-            </a:r>
-            <a:br/>
-            <a:r>
-              <a:rPr lang="en-US" sz="1800" b="0" strike="noStrike" spc="-1">
-                <a:solidFill>
-                  <a:srgbClr val="000000"/>
-                </a:solidFill>
-                <a:latin typeface="Arial"/>
-                <a:ea typeface="DejaVu Sans"/>
-              </a:rPr>
-              <a:t>      * High-Order Contracts</a:t>
-            </a:r>
-            <a:br/>
-            <a:r>
-              <a:rPr lang="en-US" sz="1800" b="0" strike="noStrike" spc="-1">
-                <a:solidFill>
-                  <a:srgbClr val="000000"/>
-                </a:solidFill>
-                <a:latin typeface="Arial"/>
-                <a:ea typeface="DejaVu Sans"/>
-              </a:rPr>
-              <a:t>      * The Typed Contract Guide</a:t>
-            </a:r>
-            <a:endParaRPr lang="en-US" sz="1800" b="0" strike="noStrike" spc="-1">
+            <a:endParaRPr lang="en-US" sz="2600" b="0" strike="noStrike" spc="-1">
               <a:latin typeface="Arial"/>
             </a:endParaRPr>
           </a:p>
@@ -45090,14 +44399,14 @@
       </p:grpSpPr>
       <p:sp>
         <p:nvSpPr>
-          <p:cNvPr id="739" name="CustomShape 1"/>
+          <p:cNvPr id="745" name="CustomShape 1"/>
           <p:cNvSpPr/>
           <p:nvPr/>
         </p:nvSpPr>
         <p:spPr>
           <a:xfrm>
-            <a:off x="1062360" y="159840"/>
-            <a:ext cx="8062920" cy="1650240"/>
+            <a:off x="2011680" y="274680"/>
+            <a:ext cx="7765200" cy="1644480"/>
           </a:xfrm>
           <a:prstGeom prst="rect">
             <a:avLst/>
@@ -45120,7 +44429,7 @@
           <a:fontRef idx="minor"/>
         </p:style>
         <p:txBody>
-          <a:bodyPr lIns="90000" tIns="45000" rIns="90000" bIns="45000" anchor="b">
+          <a:bodyPr lIns="0" tIns="0" rIns="0" bIns="0" anchor="ctr">
             <a:noAutofit/>
           </a:bodyPr>
           <a:lstStyle/>
@@ -45138,7 +44447,7 @@
                 <a:latin typeface="Trebuchet MS"/>
                 <a:ea typeface="DejaVu Sans"/>
               </a:rPr>
-              <a:t>Main Characteristics and main Strengths of Racket</a:t>
+              <a:t>The Racket Language</a:t>
             </a:r>
             <a:endParaRPr lang="en-US" sz="5400" b="0" strike="noStrike" spc="-1">
               <a:latin typeface="Arial"/>
@@ -45148,14 +44457,14 @@
       </p:sp>
       <p:sp>
         <p:nvSpPr>
-          <p:cNvPr id="740" name="CustomShape 2"/>
+          <p:cNvPr id="746" name="CustomShape 2"/>
           <p:cNvSpPr/>
           <p:nvPr/>
         </p:nvSpPr>
         <p:spPr>
           <a:xfrm>
-            <a:off x="1632960" y="2114280"/>
-            <a:ext cx="8925480" cy="3657600"/>
+            <a:off x="457560" y="2057760"/>
+            <a:ext cx="10971360" cy="3976200"/>
           </a:xfrm>
           <a:prstGeom prst="rect">
             <a:avLst/>
@@ -45178,317 +44487,97 @@
           <a:fontRef idx="minor"/>
         </p:style>
         <p:txBody>
-          <a:bodyPr lIns="90000" tIns="45000" rIns="90000" bIns="45000">
-            <a:normAutofit fontScale="84000"/>
-          </a:bodyPr>
-          <a:lstStyle/>
-          <a:p>
-            <a:pPr marL="285840" indent="-284400">
+          <a:bodyPr lIns="0" tIns="0" rIns="0" bIns="0">
+            <a:normAutofit/>
+          </a:bodyPr>
+          <a:lstStyle/>
+          <a:p>
+            <a:pPr marL="432000" indent="-322920">
               <a:lnSpc>
                 <a:spcPct val="100000"/>
               </a:lnSpc>
               <a:spcBef>
-                <a:spcPts val="1001"/>
+                <a:spcPts val="1417"/>
               </a:spcBef>
               <a:buClr>
                 <a:srgbClr val="000000"/>
               </a:buClr>
-              <a:buFont typeface="Arial"/>
-              <a:buChar char="•"/>
-              <a:tabLst>
-                <a:tab pos="0" algn="l"/>
-              </a:tabLst>
+              <a:buSzPct val="45000"/>
+              <a:buFont typeface="Wingdings" charset="2"/>
+              <a:buChar char=""/>
             </a:pPr>
             <a:r>
-              <a:rPr lang="en-US" sz="1800" b="0" strike="noStrike" spc="-1">
+              <a:rPr lang="en-US" sz="2600" b="0" strike="noStrike" spc="-1">
                 <a:solidFill>
                   <a:srgbClr val="000000"/>
                 </a:solidFill>
                 <a:latin typeface="Arial"/>
                 <a:ea typeface="DejaVu Sans"/>
               </a:rPr>
-              <a:t>Racket Documentation</a:t>
+              <a:t>In Racket, an atomic unit is an “expression” which can be either a value or a function call</a:t>
             </a:r>
-            <a:endParaRPr lang="en-US" sz="1800" b="0" strike="noStrike" spc="-1">
-              <a:latin typeface="Arial"/>
-            </a:endParaRPr>
-          </a:p>
-          <a:p>
-            <a:pPr marL="743040" lvl="1" indent="-284400">
+            <a:endParaRPr lang="en-US" sz="2600" b="0" strike="noStrike" spc="-1">
+              <a:latin typeface="Arial"/>
+            </a:endParaRPr>
+          </a:p>
+          <a:p>
+            <a:pPr>
               <a:lnSpc>
                 <a:spcPct val="100000"/>
               </a:lnSpc>
               <a:spcBef>
-                <a:spcPts val="1001"/>
+                <a:spcPts val="1417"/>
+              </a:spcBef>
+            </a:pPr>
+            <a:endParaRPr lang="en-US" sz="2600" b="0" strike="noStrike" spc="-1">
+              <a:latin typeface="Arial"/>
+            </a:endParaRPr>
+          </a:p>
+          <a:p>
+            <a:pPr marL="432000" indent="-322920">
+              <a:lnSpc>
+                <a:spcPct val="100000"/>
+              </a:lnSpc>
+              <a:spcBef>
+                <a:spcPts val="1417"/>
               </a:spcBef>
               <a:buClr>
                 <a:srgbClr val="000000"/>
               </a:buClr>
-              <a:buFont typeface="Arial"/>
-              <a:buChar char="•"/>
-              <a:tabLst>
-                <a:tab pos="0" algn="l"/>
-              </a:tabLst>
+              <a:buSzPct val="45000"/>
+              <a:buFont typeface="Wingdings" charset="2"/>
+              <a:buChar char=""/>
             </a:pPr>
             <a:r>
-              <a:rPr lang="en-US" sz="1800" b="0" strike="noStrike" spc="-1">
+              <a:rPr lang="en-US" sz="2600" b="0" strike="noStrike" spc="-1">
                 <a:solidFill>
                   <a:srgbClr val="000000"/>
                 </a:solidFill>
                 <a:latin typeface="Arial"/>
                 <a:ea typeface="DejaVu Sans"/>
               </a:rPr>
-              <a:t>Teaching Section</a:t>
+              <a:t>Additionally, we can define variables as function calls</a:t>
             </a:r>
-            <a:endParaRPr lang="en-US" sz="1800" b="0" strike="noStrike" spc="-1">
-              <a:latin typeface="Arial"/>
-            </a:endParaRPr>
-          </a:p>
-          <a:p>
-            <a:pPr marL="1200240" lvl="2" indent="-284400">
+            <a:endParaRPr lang="en-US" sz="2600" b="0" strike="noStrike" spc="-1">
+              <a:latin typeface="Arial"/>
+            </a:endParaRPr>
+          </a:p>
+          <a:p>
+            <a:pPr marL="432000" indent="-322920">
               <a:lnSpc>
                 <a:spcPct val="100000"/>
               </a:lnSpc>
               <a:spcBef>
-                <a:spcPts val="1001"/>
+                <a:spcPts val="1417"/>
               </a:spcBef>
               <a:buClr>
                 <a:srgbClr val="000000"/>
               </a:buClr>
-              <a:buFont typeface="Arial"/>
-              <a:buChar char="•"/>
-              <a:tabLst>
-                <a:tab pos="0" algn="l"/>
-              </a:tabLst>
+              <a:buSzPct val="45000"/>
+              <a:buFont typeface="Wingdings" charset="2"/>
+              <a:buChar char=""/>
             </a:pPr>
-            <a:r>
-              <a:rPr lang="en-US" sz="1800" b="0" strike="noStrike" spc="-1">
-                <a:solidFill>
-                  <a:srgbClr val="000000"/>
-                </a:solidFill>
-                <a:latin typeface="Arial"/>
-                <a:ea typeface="DejaVu Sans"/>
-              </a:rPr>
-              <a:t>How to design programs</a:t>
-            </a:r>
-            <a:endParaRPr lang="en-US" sz="1800" b="0" strike="noStrike" spc="-1">
-              <a:latin typeface="Arial"/>
-            </a:endParaRPr>
-          </a:p>
-          <a:p>
-            <a:pPr marL="1200240" lvl="2" indent="-284400">
-              <a:lnSpc>
-                <a:spcPct val="100000"/>
-              </a:lnSpc>
-              <a:spcBef>
-                <a:spcPts val="1001"/>
-              </a:spcBef>
-              <a:buClr>
-                <a:srgbClr val="000000"/>
-              </a:buClr>
-              <a:buFont typeface="Arial"/>
-              <a:buChar char="•"/>
-              <a:tabLst>
-                <a:tab pos="0" algn="l"/>
-              </a:tabLst>
-            </a:pPr>
-            <a:r>
-              <a:rPr lang="en-US" sz="1800" b="0" strike="noStrike" spc="-1">
-                <a:solidFill>
-                  <a:srgbClr val="000000"/>
-                </a:solidFill>
-                <a:latin typeface="Arial"/>
-                <a:ea typeface="DejaVu Sans"/>
-              </a:rPr>
-              <a:t>How to design languages</a:t>
-            </a:r>
-            <a:endParaRPr lang="en-US" sz="1800" b="0" strike="noStrike" spc="-1">
-              <a:latin typeface="Arial"/>
-            </a:endParaRPr>
-          </a:p>
-          <a:p>
-            <a:pPr marL="743040" lvl="1" indent="-284400">
-              <a:lnSpc>
-                <a:spcPct val="100000"/>
-              </a:lnSpc>
-              <a:spcBef>
-                <a:spcPts val="1001"/>
-              </a:spcBef>
-              <a:buClr>
-                <a:srgbClr val="000000"/>
-              </a:buClr>
-              <a:buFont typeface="Arial"/>
-              <a:buChar char="•"/>
-              <a:tabLst>
-                <a:tab pos="0" algn="l"/>
-              </a:tabLst>
-            </a:pPr>
-            <a:r>
-              <a:rPr lang="en-US" sz="1800" b="0" strike="noStrike" spc="-1">
-                <a:solidFill>
-                  <a:srgbClr val="000000"/>
-                </a:solidFill>
-                <a:latin typeface="Arial"/>
-                <a:ea typeface="DejaVu Sans"/>
-              </a:rPr>
-              <a:t>Tutorials</a:t>
-            </a:r>
-            <a:endParaRPr lang="en-US" sz="1800" b="0" strike="noStrike" spc="-1">
-              <a:latin typeface="Arial"/>
-            </a:endParaRPr>
-          </a:p>
-          <a:p>
-            <a:pPr marL="1200240" lvl="2" indent="-284400">
-              <a:lnSpc>
-                <a:spcPct val="100000"/>
-              </a:lnSpc>
-              <a:spcBef>
-                <a:spcPts val="1001"/>
-              </a:spcBef>
-              <a:buClr>
-                <a:srgbClr val="000000"/>
-              </a:buClr>
-              <a:buFont typeface="Arial"/>
-              <a:buChar char="•"/>
-              <a:tabLst>
-                <a:tab pos="0" algn="l"/>
-              </a:tabLst>
-            </a:pPr>
-            <a:r>
-              <a:rPr lang="en-US" sz="1800" b="0" strike="noStrike" spc="-1">
-                <a:solidFill>
-                  <a:srgbClr val="000000"/>
-                </a:solidFill>
-                <a:latin typeface="Arial"/>
-                <a:ea typeface="DejaVu Sans"/>
-              </a:rPr>
-              <a:t>Examples of simple Racket programming</a:t>
-            </a:r>
-            <a:endParaRPr lang="en-US" sz="1800" b="0" strike="noStrike" spc="-1">
-              <a:latin typeface="Arial"/>
-            </a:endParaRPr>
-          </a:p>
-          <a:p>
-            <a:pPr marL="743040" lvl="1" indent="-284400">
-              <a:lnSpc>
-                <a:spcPct val="100000"/>
-              </a:lnSpc>
-              <a:spcBef>
-                <a:spcPts val="1001"/>
-              </a:spcBef>
-              <a:buClr>
-                <a:srgbClr val="000000"/>
-              </a:buClr>
-              <a:buFont typeface="Arial"/>
-              <a:buChar char="•"/>
-              <a:tabLst>
-                <a:tab pos="0" algn="l"/>
-              </a:tabLst>
-            </a:pPr>
-            <a:r>
-              <a:rPr lang="en-US" sz="1800" b="0" strike="noStrike" spc="-1">
-                <a:solidFill>
-                  <a:srgbClr val="000000"/>
-                </a:solidFill>
-                <a:latin typeface="Arial"/>
-                <a:ea typeface="DejaVu Sans"/>
-              </a:rPr>
-              <a:t>Tools</a:t>
-            </a:r>
-            <a:endParaRPr lang="en-US" sz="1800" b="0" strike="noStrike" spc="-1">
-              <a:latin typeface="Arial"/>
-            </a:endParaRPr>
-          </a:p>
-          <a:p>
-            <a:pPr marL="1200240" lvl="2" indent="-284400">
-              <a:lnSpc>
-                <a:spcPct val="100000"/>
-              </a:lnSpc>
-              <a:spcBef>
-                <a:spcPts val="1001"/>
-              </a:spcBef>
-              <a:buClr>
-                <a:srgbClr val="000000"/>
-              </a:buClr>
-              <a:buFont typeface="Arial"/>
-              <a:buChar char="•"/>
-              <a:tabLst>
-                <a:tab pos="0" algn="l"/>
-              </a:tabLst>
-            </a:pPr>
-            <a:r>
-              <a:rPr lang="en-US" sz="1800" b="0" strike="noStrike" spc="-1">
-                <a:solidFill>
-                  <a:srgbClr val="000000"/>
-                </a:solidFill>
-                <a:latin typeface="Arial"/>
-                <a:ea typeface="DejaVu Sans"/>
-              </a:rPr>
-              <a:t>i.e. Simple barcode reader /writer, QR-Code Writer and Reader, Spreadsheet read/Writer etc.</a:t>
-            </a:r>
-            <a:endParaRPr lang="en-US" sz="1800" b="0" strike="noStrike" spc="-1">
-              <a:latin typeface="Arial"/>
-            </a:endParaRPr>
-          </a:p>
-          <a:p>
-            <a:pPr marL="743040" lvl="1" indent="-284400">
-              <a:lnSpc>
-                <a:spcPct val="100000"/>
-              </a:lnSpc>
-              <a:spcBef>
-                <a:spcPts val="1001"/>
-              </a:spcBef>
-              <a:buClr>
-                <a:srgbClr val="000000"/>
-              </a:buClr>
-              <a:buFont typeface="Arial"/>
-              <a:buChar char="•"/>
-              <a:tabLst>
-                <a:tab pos="0" algn="l"/>
-              </a:tabLst>
-            </a:pPr>
-            <a:r>
-              <a:rPr lang="en-US" sz="1800" b="0" strike="noStrike" spc="-1">
-                <a:solidFill>
-                  <a:srgbClr val="000000"/>
-                </a:solidFill>
-                <a:latin typeface="Arial"/>
-                <a:ea typeface="DejaVu Sans"/>
-              </a:rPr>
-              <a:t>Several other Libraries </a:t>
-            </a:r>
-            <a:endParaRPr lang="en-US" sz="1800" b="0" strike="noStrike" spc="-1">
-              <a:latin typeface="Arial"/>
-            </a:endParaRPr>
-          </a:p>
-          <a:p>
-            <a:pPr marL="1200240" lvl="2" indent="-284400">
-              <a:lnSpc>
-                <a:spcPct val="100000"/>
-              </a:lnSpc>
-              <a:spcBef>
-                <a:spcPts val="1001"/>
-              </a:spcBef>
-              <a:buClr>
-                <a:srgbClr val="000000"/>
-              </a:buClr>
-              <a:buFont typeface="Arial"/>
-              <a:buChar char="•"/>
-              <a:tabLst>
-                <a:tab pos="0" algn="l"/>
-              </a:tabLst>
-            </a:pPr>
-            <a:r>
-              <a:rPr lang="en-US" sz="1800" b="0" strike="noStrike" spc="-1">
-                <a:solidFill>
-                  <a:srgbClr val="000000"/>
-                </a:solidFill>
-                <a:latin typeface="Arial"/>
-                <a:ea typeface="DejaVu Sans"/>
-              </a:rPr>
-              <a:t>Network, Parsing, GUI, Data Structures, Chess, Databases etc.</a:t>
-            </a:r>
-            <a:endParaRPr lang="en-US" sz="1800" b="0" strike="noStrike" spc="-1">
+            <a:endParaRPr lang="en-US" sz="2600" b="0" strike="noStrike" spc="-1">
               <a:latin typeface="Arial"/>
             </a:endParaRPr>
           </a:p>
@@ -45498,50 +44587,61 @@
                 <a:spcPct val="100000"/>
               </a:lnSpc>
               <a:spcBef>
-                <a:spcPts val="1001"/>
+                <a:spcPts val="1134"/>
               </a:spcBef>
-              <a:tabLst>
-                <a:tab pos="0" algn="l"/>
-              </a:tabLst>
             </a:pPr>
-            <a:endParaRPr lang="en-US" sz="1800" b="0" strike="noStrike" spc="-1">
-              <a:latin typeface="Arial"/>
-            </a:endParaRPr>
-          </a:p>
-          <a:p>
-            <a:pPr>
-              <a:lnSpc>
-                <a:spcPct val="100000"/>
-              </a:lnSpc>
-              <a:spcBef>
-                <a:spcPts val="1001"/>
-              </a:spcBef>
-              <a:tabLst>
-                <a:tab pos="0" algn="l"/>
-              </a:tabLst>
-            </a:pPr>
-            <a:endParaRPr lang="en-US" sz="1800" b="0" strike="noStrike" spc="-1">
-              <a:latin typeface="Arial"/>
-            </a:endParaRPr>
-          </a:p>
-          <a:p>
-            <a:pPr>
-              <a:lnSpc>
-                <a:spcPct val="100000"/>
-              </a:lnSpc>
-              <a:spcBef>
-                <a:spcPts val="1001"/>
-              </a:spcBef>
-              <a:tabLst>
-                <a:tab pos="0" algn="l"/>
-              </a:tabLst>
-            </a:pPr>
-            <a:endParaRPr lang="en-US" sz="1800" b="0" strike="noStrike" spc="-1">
-              <a:latin typeface="Arial"/>
-            </a:endParaRPr>
-          </a:p>
-        </p:txBody>
-      </p:sp>
+            <a:endParaRPr lang="en-US" sz="2600" b="0" strike="noStrike" spc="-1">
+              <a:latin typeface="Arial"/>
+            </a:endParaRPr>
+          </a:p>
+        </p:txBody>
+      </p:sp>
+      <p:pic>
+        <p:nvPicPr>
+          <p:cNvPr id="747" name="Picture 624_1"/>
+          <p:cNvPicPr/>
+          <p:nvPr/>
+        </p:nvPicPr>
+        <p:blipFill>
+          <a:blip r:embed="rId2"/>
+          <a:stretch/>
+        </p:blipFill>
+        <p:spPr>
+          <a:xfrm>
+            <a:off x="2834640" y="3108960"/>
+            <a:ext cx="5286240" cy="295200"/>
+          </a:xfrm>
+          <a:prstGeom prst="rect">
+            <a:avLst/>
+          </a:prstGeom>
+          <a:ln>
+            <a:noFill/>
+          </a:ln>
+        </p:spPr>
+      </p:pic>
+      <p:pic>
+        <p:nvPicPr>
+          <p:cNvPr id="748" name="Picture 625_1"/>
+          <p:cNvPicPr/>
+          <p:nvPr/>
+        </p:nvPicPr>
+        <p:blipFill>
+          <a:blip r:embed="rId3"/>
+          <a:stretch/>
+        </p:blipFill>
+        <p:spPr>
+          <a:xfrm>
+            <a:off x="3566160" y="4297680"/>
+            <a:ext cx="3831480" cy="648720"/>
+          </a:xfrm>
+          <a:prstGeom prst="rect">
+            <a:avLst/>
+          </a:prstGeom>
+          <a:ln>
+            <a:noFill/>
+          </a:ln>
+        </p:spPr>
+      </p:pic>
     </p:spTree>
   </p:cSld>
   <p:clrMapOvr>
@@ -45569,14 +44669,14 @@
       </p:grpSpPr>
       <p:sp>
         <p:nvSpPr>
-          <p:cNvPr id="741" name="CustomShape 1"/>
+          <p:cNvPr id="749" name="CustomShape 1"/>
           <p:cNvSpPr/>
           <p:nvPr/>
         </p:nvSpPr>
         <p:spPr>
           <a:xfrm>
-            <a:off x="1062360" y="159840"/>
-            <a:ext cx="8395200" cy="1650240"/>
+            <a:off x="2011680" y="274680"/>
+            <a:ext cx="7765200" cy="1644480"/>
           </a:xfrm>
           <a:prstGeom prst="rect">
             <a:avLst/>
@@ -45599,7 +44699,7 @@
           <a:fontRef idx="minor"/>
         </p:style>
         <p:txBody>
-          <a:bodyPr lIns="90000" tIns="45000" rIns="90000" bIns="45000" anchor="b">
+          <a:bodyPr lIns="0" tIns="0" rIns="0" bIns="0" anchor="ctr">
             <a:noAutofit/>
           </a:bodyPr>
           <a:lstStyle/>
@@ -45617,7 +44717,7 @@
                 <a:latin typeface="Trebuchet MS"/>
                 <a:ea typeface="DejaVu Sans"/>
               </a:rPr>
-              <a:t>Main Characteristics and main Strengths of Racket</a:t>
+              <a:t>The Racket Language</a:t>
             </a:r>
             <a:endParaRPr lang="en-US" sz="5400" b="0" strike="noStrike" spc="-1">
               <a:latin typeface="Arial"/>
@@ -45627,14 +44727,14 @@
       </p:sp>
       <p:sp>
         <p:nvSpPr>
-          <p:cNvPr id="742" name="CustomShape 2"/>
+          <p:cNvPr id="750" name="CustomShape 2"/>
           <p:cNvSpPr/>
           <p:nvPr/>
         </p:nvSpPr>
         <p:spPr>
           <a:xfrm>
-            <a:off x="1632960" y="2354400"/>
-            <a:ext cx="8925480" cy="3657600"/>
+            <a:off x="457560" y="2057760"/>
+            <a:ext cx="10971360" cy="3976200"/>
           </a:xfrm>
           <a:prstGeom prst="rect">
             <a:avLst/>
@@ -45657,348 +44757,91 @@
           <a:fontRef idx="minor"/>
         </p:style>
         <p:txBody>
-          <a:bodyPr lIns="90000" tIns="45000" rIns="90000" bIns="45000">
-            <a:normAutofit fontScale="80000"/>
-          </a:bodyPr>
-          <a:lstStyle/>
-          <a:p>
-            <a:pPr marL="285840" indent="-284400">
+          <a:bodyPr lIns="0" tIns="0" rIns="0" bIns="0">
+            <a:normAutofit/>
+          </a:bodyPr>
+          <a:lstStyle/>
+          <a:p>
+            <a:pPr marL="432000" indent="-322920">
               <a:lnSpc>
                 <a:spcPct val="100000"/>
               </a:lnSpc>
               <a:spcBef>
-                <a:spcPts val="1001"/>
+                <a:spcPts val="1417"/>
               </a:spcBef>
               <a:buClr>
                 <a:srgbClr val="000000"/>
               </a:buClr>
-              <a:buFont typeface="Arial"/>
-              <a:buChar char="•"/>
-              <a:tabLst>
-                <a:tab pos="0" algn="l"/>
-              </a:tabLst>
+              <a:buSzPct val="45000"/>
+              <a:buFont typeface="Wingdings" charset="2"/>
+              <a:buChar char=""/>
             </a:pPr>
             <a:r>
-              <a:rPr lang="en-US" sz="1800" b="0" strike="noStrike" spc="-1">
+              <a:rPr lang="en-US" sz="2800" b="0" strike="noStrike" spc="-1">
                 <a:solidFill>
                   <a:srgbClr val="000000"/>
                 </a:solidFill>
                 <a:latin typeface="Arial"/>
                 <a:ea typeface="DejaVu Sans"/>
               </a:rPr>
-              <a:t>Racket supports Major Editors</a:t>
+              <a:t>We can also use Local Binding for ease of programmability</a:t>
             </a:r>
-            <a:endParaRPr lang="en-US" sz="1800" b="0" strike="noStrike" spc="-1">
-              <a:latin typeface="Arial"/>
-            </a:endParaRPr>
-          </a:p>
-          <a:p>
-            <a:pPr marL="743040" lvl="1" indent="-284400">
+            <a:endParaRPr lang="en-US" sz="2800" b="0" strike="noStrike" spc="-1">
+              <a:latin typeface="Arial"/>
+            </a:endParaRPr>
+          </a:p>
+          <a:p>
+            <a:pPr>
               <a:lnSpc>
                 <a:spcPct val="100000"/>
               </a:lnSpc>
               <a:spcBef>
-                <a:spcPts val="1001"/>
+                <a:spcPts val="1417"/>
+              </a:spcBef>
+            </a:pPr>
+            <a:endParaRPr lang="en-US" sz="2800" b="0" strike="noStrike" spc="-1">
+              <a:latin typeface="Arial"/>
+            </a:endParaRPr>
+          </a:p>
+          <a:p>
+            <a:pPr>
+              <a:lnSpc>
+                <a:spcPct val="100000"/>
+              </a:lnSpc>
+              <a:spcBef>
+                <a:spcPts val="1417"/>
+              </a:spcBef>
+            </a:pPr>
+            <a:endParaRPr lang="en-US" sz="2800" b="0" strike="noStrike" spc="-1">
+              <a:latin typeface="Arial"/>
+            </a:endParaRPr>
+          </a:p>
+          <a:p>
+            <a:pPr marL="432000" indent="-322920">
+              <a:lnSpc>
+                <a:spcPct val="100000"/>
+              </a:lnSpc>
+              <a:spcBef>
+                <a:spcPts val="1417"/>
               </a:spcBef>
               <a:buClr>
                 <a:srgbClr val="000000"/>
               </a:buClr>
-              <a:buFont typeface="Arial"/>
-              <a:buChar char="•"/>
-              <a:tabLst>
-                <a:tab pos="0" algn="l"/>
-              </a:tabLst>
+              <a:buSzPct val="45000"/>
+              <a:buFont typeface="Wingdings" charset="2"/>
+              <a:buChar char=""/>
             </a:pPr>
             <a:r>
-              <a:rPr lang="en-US" sz="1800" b="0" strike="noStrike" spc="-1">
+              <a:rPr lang="en-US" sz="2800" b="0" strike="noStrike" spc="-1">
                 <a:solidFill>
                   <a:srgbClr val="000000"/>
                 </a:solidFill>
                 <a:latin typeface="Arial"/>
                 <a:ea typeface="DejaVu Sans"/>
               </a:rPr>
-              <a:t>VIM Integration</a:t>
+              <a:t>Racket is lexically scoped (lexical closure)</a:t>
             </a:r>
-            <a:endParaRPr lang="en-US" sz="1800" b="0" strike="noStrike" spc="-1">
-              <a:latin typeface="Arial"/>
-            </a:endParaRPr>
-          </a:p>
-          <a:p>
-            <a:pPr marL="743040" lvl="1" indent="-284400">
-              <a:lnSpc>
-                <a:spcPct val="100000"/>
-              </a:lnSpc>
-              <a:spcBef>
-                <a:spcPts val="1001"/>
-              </a:spcBef>
-              <a:buClr>
-                <a:srgbClr val="000000"/>
-              </a:buClr>
-              <a:buFont typeface="Arial"/>
-              <a:buChar char="•"/>
-              <a:tabLst>
-                <a:tab pos="0" algn="l"/>
-              </a:tabLst>
-            </a:pPr>
-            <a:r>
-              <a:rPr lang="en-US" sz="1800" b="0" strike="noStrike" spc="-1">
-                <a:solidFill>
-                  <a:srgbClr val="000000"/>
-                </a:solidFill>
-                <a:latin typeface="Arial"/>
-                <a:ea typeface="DejaVu Sans"/>
-              </a:rPr>
-              <a:t>EMACS Integration</a:t>
-            </a:r>
-            <a:endParaRPr lang="en-US" sz="1800" b="0" strike="noStrike" spc="-1">
-              <a:latin typeface="Arial"/>
-            </a:endParaRPr>
-          </a:p>
-          <a:p>
-            <a:pPr marL="285840" indent="-284400">
-              <a:lnSpc>
-                <a:spcPct val="100000"/>
-              </a:lnSpc>
-              <a:spcBef>
-                <a:spcPts val="1001"/>
-              </a:spcBef>
-              <a:buClr>
-                <a:srgbClr val="000000"/>
-              </a:buClr>
-              <a:buFont typeface="Arial"/>
-              <a:buChar char="•"/>
-              <a:tabLst>
-                <a:tab pos="0" algn="l"/>
-              </a:tabLst>
-            </a:pPr>
-            <a:r>
-              <a:rPr lang="en-US" sz="1800" b="0" strike="noStrike" spc="-1">
-                <a:solidFill>
-                  <a:srgbClr val="000000"/>
-                </a:solidFill>
-                <a:latin typeface="Arial"/>
-                <a:ea typeface="DejaVu Sans"/>
-              </a:rPr>
-              <a:t>Inspired by other Integrated Development Environments (IDE)</a:t>
-            </a:r>
-            <a:endParaRPr lang="en-US" sz="1800" b="0" strike="noStrike" spc="-1">
-              <a:latin typeface="Arial"/>
-            </a:endParaRPr>
-          </a:p>
-          <a:p>
-            <a:pPr marL="743040" lvl="1" indent="-284400">
-              <a:lnSpc>
-                <a:spcPct val="100000"/>
-              </a:lnSpc>
-              <a:spcBef>
-                <a:spcPts val="1001"/>
-              </a:spcBef>
-              <a:buClr>
-                <a:srgbClr val="000000"/>
-              </a:buClr>
-              <a:buFont typeface="Arial"/>
-              <a:buChar char="•"/>
-              <a:tabLst>
-                <a:tab pos="0" algn="l"/>
-              </a:tabLst>
-            </a:pPr>
-            <a:r>
-              <a:rPr lang="en-US" sz="1800" b="0" strike="noStrike" spc="-1">
-                <a:solidFill>
-                  <a:srgbClr val="000000"/>
-                </a:solidFill>
-                <a:latin typeface="Arial"/>
-                <a:ea typeface="DejaVu Sans"/>
-              </a:rPr>
-              <a:t>It comes with its own IDE, Dr. Racket.</a:t>
-            </a:r>
-            <a:endParaRPr lang="en-US" sz="1800" b="0" strike="noStrike" spc="-1">
-              <a:latin typeface="Arial"/>
-            </a:endParaRPr>
-          </a:p>
-          <a:p>
-            <a:pPr marL="285840" indent="-284400">
-              <a:lnSpc>
-                <a:spcPct val="100000"/>
-              </a:lnSpc>
-              <a:spcBef>
-                <a:spcPts val="1001"/>
-              </a:spcBef>
-              <a:buClr>
-                <a:srgbClr val="000000"/>
-              </a:buClr>
-              <a:buFont typeface="Arial"/>
-              <a:buChar char="•"/>
-              <a:tabLst>
-                <a:tab pos="0" algn="l"/>
-              </a:tabLst>
-            </a:pPr>
-            <a:r>
-              <a:rPr lang="en-US" sz="1800" b="0" strike="noStrike" spc="-1">
-                <a:solidFill>
-                  <a:srgbClr val="000000"/>
-                </a:solidFill>
-                <a:latin typeface="Arial"/>
-                <a:ea typeface="DejaVu Sans"/>
-              </a:rPr>
-              <a:t>Racket Community</a:t>
-            </a:r>
-            <a:endParaRPr lang="en-US" sz="1800" b="0" strike="noStrike" spc="-1">
-              <a:latin typeface="Arial"/>
-            </a:endParaRPr>
-          </a:p>
-          <a:p>
-            <a:pPr marL="743040" lvl="1" indent="-284400">
-              <a:lnSpc>
-                <a:spcPct val="100000"/>
-              </a:lnSpc>
-              <a:spcBef>
-                <a:spcPts val="1001"/>
-              </a:spcBef>
-              <a:buClr>
-                <a:srgbClr val="000000"/>
-              </a:buClr>
-              <a:buFont typeface="Arial"/>
-              <a:buChar char="•"/>
-              <a:tabLst>
-                <a:tab pos="0" algn="l"/>
-              </a:tabLst>
-            </a:pPr>
-            <a:r>
-              <a:rPr lang="en-US" sz="1800" b="0" strike="noStrike" spc="-1">
-                <a:solidFill>
-                  <a:srgbClr val="000000"/>
-                </a:solidFill>
-                <a:latin typeface="Arial"/>
-                <a:ea typeface="DejaVu Sans"/>
-              </a:rPr>
-              <a:t>Github</a:t>
-            </a:r>
-            <a:endParaRPr lang="en-US" sz="1800" b="0" strike="noStrike" spc="-1">
-              <a:latin typeface="Arial"/>
-            </a:endParaRPr>
-          </a:p>
-          <a:p>
-            <a:pPr marL="1200240" lvl="2" indent="-284400">
-              <a:lnSpc>
-                <a:spcPct val="100000"/>
-              </a:lnSpc>
-              <a:spcBef>
-                <a:spcPts val="1001"/>
-              </a:spcBef>
-              <a:buClr>
-                <a:srgbClr val="000000"/>
-              </a:buClr>
-              <a:buFont typeface="Arial"/>
-              <a:buChar char="•"/>
-              <a:tabLst>
-                <a:tab pos="0" algn="l"/>
-              </a:tabLst>
-            </a:pPr>
-            <a:r>
-              <a:rPr lang="en-US" sz="1800" b="0" strike="noStrike" spc="-1">
-                <a:solidFill>
-                  <a:srgbClr val="000000"/>
-                </a:solidFill>
-                <a:latin typeface="Arial"/>
-                <a:ea typeface="DejaVu Sans"/>
-              </a:rPr>
-              <a:t>Continued Racket development via Github</a:t>
-            </a:r>
-            <a:endParaRPr lang="en-US" sz="1800" b="0" strike="noStrike" spc="-1">
-              <a:latin typeface="Arial"/>
-            </a:endParaRPr>
-          </a:p>
-          <a:p>
-            <a:pPr marL="1657440" lvl="3" indent="-284400">
-              <a:lnSpc>
-                <a:spcPct val="100000"/>
-              </a:lnSpc>
-              <a:spcBef>
-                <a:spcPts val="1001"/>
-              </a:spcBef>
-              <a:buClr>
-                <a:srgbClr val="000000"/>
-              </a:buClr>
-              <a:buFont typeface="Arial"/>
-              <a:buChar char="•"/>
-              <a:tabLst>
-                <a:tab pos="0" algn="l"/>
-              </a:tabLst>
-            </a:pPr>
-            <a:r>
-              <a:rPr lang="en-US" sz="1800" b="0" strike="noStrike" spc="-1">
-                <a:solidFill>
-                  <a:srgbClr val="000000"/>
-                </a:solidFill>
-                <a:latin typeface="Arial"/>
-                <a:ea typeface="DejaVu Sans"/>
-              </a:rPr>
-              <a:t>Issues, Bugs etc.</a:t>
-            </a:r>
-            <a:endParaRPr lang="en-US" sz="1800" b="0" strike="noStrike" spc="-1">
-              <a:latin typeface="Arial"/>
-            </a:endParaRPr>
-          </a:p>
-          <a:p>
-            <a:pPr marL="743040" lvl="1" indent="-284400">
-              <a:lnSpc>
-                <a:spcPct val="100000"/>
-              </a:lnSpc>
-              <a:spcBef>
-                <a:spcPts val="1001"/>
-              </a:spcBef>
-              <a:buClr>
-                <a:srgbClr val="000000"/>
-              </a:buClr>
-              <a:buFont typeface="Arial"/>
-              <a:buChar char="•"/>
-              <a:tabLst>
-                <a:tab pos="0" algn="l"/>
-              </a:tabLst>
-            </a:pPr>
-            <a:r>
-              <a:rPr lang="en-US" sz="1800" b="0" strike="noStrike" spc="-1">
-                <a:solidFill>
-                  <a:srgbClr val="000000"/>
-                </a:solidFill>
-                <a:latin typeface="Arial"/>
-                <a:ea typeface="DejaVu Sans"/>
-              </a:rPr>
-              <a:t>Mailing Community</a:t>
-            </a:r>
-            <a:endParaRPr lang="en-US" sz="1800" b="0" strike="noStrike" spc="-1">
-              <a:latin typeface="Arial"/>
-            </a:endParaRPr>
-          </a:p>
-          <a:p>
-            <a:pPr marL="743040" lvl="1" indent="-284400">
-              <a:lnSpc>
-                <a:spcPct val="100000"/>
-              </a:lnSpc>
-              <a:spcBef>
-                <a:spcPts val="1001"/>
-              </a:spcBef>
-              <a:buClr>
-                <a:srgbClr val="000000"/>
-              </a:buClr>
-              <a:buFont typeface="Arial"/>
-              <a:buChar char="•"/>
-              <a:tabLst>
-                <a:tab pos="0" algn="l"/>
-              </a:tabLst>
-            </a:pPr>
-            <a:r>
-              <a:rPr lang="en-US" sz="1800" b="0" strike="noStrike" spc="-1">
-                <a:solidFill>
-                  <a:srgbClr val="000000"/>
-                </a:solidFill>
-                <a:latin typeface="Arial"/>
-                <a:ea typeface="DejaVu Sans"/>
-              </a:rPr>
-              <a:t>Twitter</a:t>
-            </a:r>
-            <a:endParaRPr lang="en-US" sz="1800" b="0" strike="noStrike" spc="-1">
+            <a:endParaRPr lang="en-US" sz="2800" b="0" strike="noStrike" spc="-1">
               <a:latin typeface="Arial"/>
             </a:endParaRPr>
           </a:p>
@@ -46008,13 +44851,29 @@
                 <a:spcPct val="100000"/>
               </a:lnSpc>
               <a:spcBef>
-                <a:spcPts val="1001"/>
+                <a:spcPts val="1417"/>
               </a:spcBef>
-              <a:tabLst>
-                <a:tab pos="0" algn="l"/>
-              </a:tabLst>
             </a:pPr>
-            <a:endParaRPr lang="en-US" sz="1800" b="0" strike="noStrike" spc="-1">
+            <a:endParaRPr lang="en-US" sz="2800" b="0" strike="noStrike" spc="-1">
+              <a:latin typeface="Arial"/>
+            </a:endParaRPr>
+          </a:p>
+          <a:p>
+            <a:pPr marL="432000" indent="-322920">
+              <a:lnSpc>
+                <a:spcPct val="100000"/>
+              </a:lnSpc>
+              <a:spcBef>
+                <a:spcPts val="1417"/>
+              </a:spcBef>
+              <a:buClr>
+                <a:srgbClr val="000000"/>
+              </a:buClr>
+              <a:buSzPct val="45000"/>
+              <a:buFont typeface="Wingdings" charset="2"/>
+              <a:buChar char=""/>
+            </a:pPr>
+            <a:endParaRPr lang="en-US" sz="2800" b="0" strike="noStrike" spc="-1">
               <a:latin typeface="Arial"/>
             </a:endParaRPr>
           </a:p>
@@ -46024,18 +44883,107 @@
                 <a:spcPct val="100000"/>
               </a:lnSpc>
               <a:spcBef>
-                <a:spcPts val="1001"/>
+                <a:spcPts val="1134"/>
               </a:spcBef>
-              <a:tabLst>
-                <a:tab pos="0" algn="l"/>
-              </a:tabLst>
             </a:pPr>
-            <a:endParaRPr lang="en-US" sz="1800" b="0" strike="noStrike" spc="-1">
-              <a:latin typeface="Arial"/>
-            </a:endParaRPr>
-          </a:p>
-        </p:txBody>
-      </p:sp>
+            <a:endParaRPr lang="en-US" sz="2800" b="0" strike="noStrike" spc="-1">
+              <a:latin typeface="Arial"/>
+            </a:endParaRPr>
+          </a:p>
+        </p:txBody>
+      </p:sp>
+      <p:pic>
+        <p:nvPicPr>
+          <p:cNvPr id="751" name="Picture 628"/>
+          <p:cNvPicPr/>
+          <p:nvPr/>
+        </p:nvPicPr>
+        <p:blipFill>
+          <a:blip r:embed="rId2"/>
+          <a:stretch/>
+        </p:blipFill>
+        <p:spPr>
+          <a:xfrm>
+            <a:off x="1584360" y="2701800"/>
+            <a:ext cx="3548160" cy="1216440"/>
+          </a:xfrm>
+          <a:prstGeom prst="rect">
+            <a:avLst/>
+          </a:prstGeom>
+          <a:ln>
+            <a:noFill/>
+          </a:ln>
+        </p:spPr>
+      </p:pic>
+      <p:pic>
+        <p:nvPicPr>
+          <p:cNvPr id="752" name="Picture 629"/>
+          <p:cNvPicPr/>
+          <p:nvPr/>
+        </p:nvPicPr>
+        <p:blipFill>
+          <a:blip r:embed="rId3"/>
+          <a:stretch/>
+        </p:blipFill>
+        <p:spPr>
+          <a:xfrm>
+            <a:off x="1554480" y="4572000"/>
+            <a:ext cx="6127200" cy="1371240"/>
+          </a:xfrm>
+          <a:prstGeom prst="rect">
+            <a:avLst/>
+          </a:prstGeom>
+          <a:ln>
+            <a:noFill/>
+          </a:ln>
+        </p:spPr>
+      </p:pic>
+      <p:pic>
+        <p:nvPicPr>
+          <p:cNvPr id="753" name="Picture 630"/>
+          <p:cNvPicPr/>
+          <p:nvPr/>
+        </p:nvPicPr>
+        <p:blipFill>
+          <a:blip r:embed="rId4"/>
+          <a:stretch/>
+        </p:blipFill>
+        <p:spPr>
+          <a:xfrm>
+            <a:off x="7756560" y="4987440"/>
+            <a:ext cx="2572920" cy="957240"/>
+          </a:xfrm>
+          <a:prstGeom prst="rect">
+            <a:avLst/>
+          </a:prstGeom>
+          <a:ln>
+            <a:noFill/>
+          </a:ln>
+        </p:spPr>
+      </p:pic>
+      <p:pic>
+        <p:nvPicPr>
+          <p:cNvPr id="754" name="Picture 631"/>
+          <p:cNvPicPr/>
+          <p:nvPr/>
+        </p:nvPicPr>
+        <p:blipFill>
+          <a:blip r:embed="rId5"/>
+          <a:stretch/>
+        </p:blipFill>
+        <p:spPr>
+          <a:xfrm>
+            <a:off x="5916960" y="2690280"/>
+            <a:ext cx="4285080" cy="748080"/>
+          </a:xfrm>
+          <a:prstGeom prst="rect">
+            <a:avLst/>
+          </a:prstGeom>
+          <a:ln>
+            <a:noFill/>
+          </a:ln>
+        </p:spPr>
+      </p:pic>
     </p:spTree>
   </p:cSld>
   <p:clrMapOvr>
@@ -46063,13 +45011,13 @@
       </p:grpSpPr>
       <p:sp>
         <p:nvSpPr>
-          <p:cNvPr id="743" name="CustomShape 1"/>
+          <p:cNvPr id="755" name="CustomShape 1"/>
           <p:cNvSpPr/>
           <p:nvPr/>
         </p:nvSpPr>
         <p:spPr>
           <a:xfrm>
-            <a:off x="2011680" y="274680"/>
+            <a:off x="1439025" y="302390"/>
             <a:ext cx="7765200" cy="1644480"/>
           </a:xfrm>
           <a:prstGeom prst="rect">
@@ -46104,7 +45052,7 @@
               </a:lnSpc>
             </a:pPr>
             <a:r>
-              <a:rPr lang="en-US" sz="5400" b="0" strike="noStrike" spc="-1">
+              <a:rPr lang="en-US" sz="4800" b="0" strike="noStrike" spc="-1" dirty="0">
                 <a:solidFill>
                   <a:srgbClr val="4F81BD"/>
                 </a:solidFill>
@@ -46113,15 +45061,15 @@
               </a:rPr>
               <a:t>The Racket Language</a:t>
             </a:r>
-            <a:endParaRPr lang="en-US" sz="5400" b="0" strike="noStrike" spc="-1">
-              <a:latin typeface="Arial"/>
-            </a:endParaRPr>
-          </a:p>
-        </p:txBody>
-      </p:sp>
-      <p:sp>
-        <p:nvSpPr>
-          <p:cNvPr id="744" name="CustomShape 2"/>
+            <a:endParaRPr lang="en-US" sz="4800" b="0" strike="noStrike" spc="-1" dirty="0">
+              <a:latin typeface="Arial"/>
+            </a:endParaRPr>
+          </a:p>
+        </p:txBody>
+      </p:sp>
+      <p:sp>
+        <p:nvSpPr>
+          <p:cNvPr id="756" name="CustomShape 2"/>
           <p:cNvSpPr/>
           <p:nvPr/>
         </p:nvSpPr>
@@ -46152,7 +45100,7 @@
         </p:style>
         <p:txBody>
           <a:bodyPr lIns="0" tIns="0" rIns="0" bIns="0">
-            <a:normAutofit fontScale="97000"/>
+            <a:normAutofit lnSpcReduction="10000"/>
           </a:bodyPr>
           <a:lstStyle/>
           <a:p>
@@ -46171,21 +45119,21 @@
               <a:buChar char=""/>
             </a:pPr>
             <a:r>
-              <a:rPr lang="en-US" sz="2600" b="0" strike="noStrike" spc="-1">
+              <a:rPr lang="en-US" sz="2800" b="0" strike="noStrike" spc="-1" dirty="0">
                 <a:solidFill>
                   <a:srgbClr val="000000"/>
                 </a:solidFill>
                 <a:latin typeface="Arial"/>
                 <a:ea typeface="DejaVu Sans"/>
               </a:rPr>
-              <a:t>Racket is multi-paradigm, but is best known for its functional programming capabilities</a:t>
+              <a:t>Racket also supports</a:t>
             </a:r>
-            <a:endParaRPr lang="en-US" sz="2600" b="0" strike="noStrike" spc="-1">
-              <a:latin typeface="Arial"/>
-            </a:endParaRPr>
-          </a:p>
-          <a:p>
-            <a:pPr marL="432000" indent="-322920">
+            <a:endParaRPr lang="en-US" sz="2800" b="0" strike="noStrike" spc="-1" dirty="0">
+              <a:latin typeface="Arial"/>
+            </a:endParaRPr>
+          </a:p>
+          <a:p>
+            <a:pPr marL="648000" lvl="2" indent="-215640">
               <a:lnSpc>
                 <a:spcPct val="100000"/>
               </a:lnSpc>
@@ -46200,21 +45148,21 @@
               <a:buChar char=""/>
             </a:pPr>
             <a:r>
-              <a:rPr lang="en-US" sz="2600" b="0" strike="noStrike" spc="-1">
+              <a:rPr lang="en-US" sz="2800" b="0" strike="noStrike" spc="-1" dirty="0">
                 <a:solidFill>
                   <a:srgbClr val="000000"/>
                 </a:solidFill>
                 <a:latin typeface="Arial"/>
                 <a:ea typeface="DejaVu Sans"/>
               </a:rPr>
-              <a:t>Contains all standard features of a programming language</a:t>
+              <a:t>Lists</a:t>
             </a:r>
-            <a:endParaRPr lang="en-US" sz="2600" b="0" strike="noStrike" spc="-1">
-              <a:latin typeface="Arial"/>
-            </a:endParaRPr>
-          </a:p>
-          <a:p>
-            <a:pPr marL="648000" lvl="2" indent="-216000">
+            <a:endParaRPr lang="en-US" sz="2800" b="0" strike="noStrike" spc="-1" dirty="0">
+              <a:latin typeface="Arial"/>
+            </a:endParaRPr>
+          </a:p>
+          <a:p>
+            <a:pPr marL="648000" lvl="2" indent="-215640">
               <a:lnSpc>
                 <a:spcPct val="100000"/>
               </a:lnSpc>
@@ -46229,21 +45177,21 @@
               <a:buChar char=""/>
             </a:pPr>
             <a:r>
-              <a:rPr lang="en-US" sz="2600" b="0" strike="noStrike" spc="-1">
+              <a:rPr lang="en-US" sz="2800" b="0" strike="noStrike" spc="-1" dirty="0">
                 <a:solidFill>
                   <a:srgbClr val="000000"/>
                 </a:solidFill>
                 <a:latin typeface="Arial"/>
                 <a:ea typeface="DejaVu Sans"/>
               </a:rPr>
-              <a:t>Familiar built-in datatypes</a:t>
+              <a:t>Objects</a:t>
             </a:r>
-            <a:endParaRPr lang="en-US" sz="2600" b="0" strike="noStrike" spc="-1">
-              <a:latin typeface="Arial"/>
-            </a:endParaRPr>
-          </a:p>
-          <a:p>
-            <a:pPr marL="648000" lvl="2" indent="-216000">
+            <a:endParaRPr lang="en-US" sz="2800" b="0" strike="noStrike" spc="-1" dirty="0">
+              <a:latin typeface="Arial"/>
+            </a:endParaRPr>
+          </a:p>
+          <a:p>
+            <a:pPr marL="648000" lvl="2" indent="-215640">
               <a:lnSpc>
                 <a:spcPct val="100000"/>
               </a:lnSpc>
@@ -46258,21 +45206,21 @@
               <a:buChar char=""/>
             </a:pPr>
             <a:r>
-              <a:rPr lang="en-US" sz="2600" b="0" strike="noStrike" spc="-1">
+              <a:rPr lang="en-US" sz="2800" b="0" strike="noStrike" spc="-1" dirty="0">
                 <a:solidFill>
                   <a:srgbClr val="000000"/>
                 </a:solidFill>
                 <a:latin typeface="Arial"/>
                 <a:ea typeface="DejaVu Sans"/>
               </a:rPr>
-              <a:t>User-defined datatypes</a:t>
+              <a:t>Modules</a:t>
             </a:r>
-            <a:endParaRPr lang="en-US" sz="2600" b="0" strike="noStrike" spc="-1">
-              <a:latin typeface="Arial"/>
-            </a:endParaRPr>
-          </a:p>
-          <a:p>
-            <a:pPr marL="648000" lvl="2" indent="-216000">
+            <a:endParaRPr lang="en-US" sz="2800" b="0" strike="noStrike" spc="-1" dirty="0">
+              <a:latin typeface="Arial"/>
+            </a:endParaRPr>
+          </a:p>
+          <a:p>
+            <a:pPr marL="648000" lvl="2" indent="-215640">
               <a:lnSpc>
                 <a:spcPct val="100000"/>
               </a:lnSpc>
@@ -46287,21 +45235,31 @@
               <a:buChar char=""/>
             </a:pPr>
             <a:r>
-              <a:rPr lang="en-US" sz="2600" b="0" strike="noStrike" spc="-1">
+              <a:rPr lang="en-US" sz="2800" b="0" strike="noStrike" spc="-1" dirty="0" err="1">
                 <a:solidFill>
                   <a:srgbClr val="000000"/>
                 </a:solidFill>
                 <a:latin typeface="Arial"/>
                 <a:ea typeface="DejaVu Sans"/>
               </a:rPr>
-              <a:t>Iteration (for loops, sequences)</a:t>
+              <a:t>Etc</a:t>
             </a:r>
-            <a:endParaRPr lang="en-US" sz="2600" b="0" strike="noStrike" spc="-1">
-              <a:latin typeface="Arial"/>
-            </a:endParaRPr>
-          </a:p>
-          <a:p>
-            <a:pPr marL="648000" lvl="2" indent="-216000">
+            <a:r>
+              <a:rPr lang="en-US" sz="2800" b="0" strike="noStrike" spc="-1" dirty="0">
+                <a:solidFill>
+                  <a:srgbClr val="000000"/>
+                </a:solidFill>
+                <a:latin typeface="Arial"/>
+                <a:ea typeface="DejaVu Sans"/>
+              </a:rPr>
+              <a:t> </a:t>
+            </a:r>
+            <a:endParaRPr lang="en-US" sz="2800" b="0" strike="noStrike" spc="-1" dirty="0">
+              <a:latin typeface="Arial"/>
+            </a:endParaRPr>
+          </a:p>
+          <a:p>
+            <a:pPr marL="648000" lvl="2" indent="-215640">
               <a:lnSpc>
                 <a:spcPct val="100000"/>
               </a:lnSpc>
@@ -46315,22 +45273,12 @@
               <a:buFont typeface="Wingdings" charset="2"/>
               <a:buChar char=""/>
             </a:pPr>
-            <a:r>
-              <a:rPr lang="en-US" sz="2600" b="0" strike="noStrike" spc="-1">
-                <a:solidFill>
-                  <a:srgbClr val="000000"/>
-                </a:solidFill>
-                <a:latin typeface="Arial"/>
-                <a:ea typeface="DejaVu Sans"/>
-              </a:rPr>
-              <a:t>I/O</a:t>
-            </a:r>
-            <a:endParaRPr lang="en-US" sz="2600" b="0" strike="noStrike" spc="-1">
-              <a:latin typeface="Arial"/>
-            </a:endParaRPr>
-          </a:p>
-          <a:p>
-            <a:pPr marL="648000" lvl="2" indent="-216000">
+            <a:endParaRPr lang="en-US" sz="2800" b="0" strike="noStrike" spc="-1" dirty="0">
+              <a:latin typeface="Arial"/>
+            </a:endParaRPr>
+          </a:p>
+          <a:p>
+            <a:pPr marL="648000" lvl="2" indent="-215640">
               <a:lnSpc>
                 <a:spcPct val="100000"/>
               </a:lnSpc>
@@ -46345,16 +45293,29 @@
               <a:buChar char=""/>
             </a:pPr>
             <a:r>
-              <a:rPr lang="en-US" sz="2600" b="0" strike="noStrike" spc="-1">
+              <a:rPr lang="en-US" sz="2800" b="0" strike="noStrike" spc="-1" dirty="0">
                 <a:solidFill>
                   <a:srgbClr val="000000"/>
                 </a:solidFill>
                 <a:latin typeface="Arial"/>
                 <a:ea typeface="DejaVu Sans"/>
               </a:rPr>
-              <a:t>Etc.</a:t>
+              <a:t>For more info, see the racket language manual [8]</a:t>
             </a:r>
-            <a:endParaRPr lang="en-US" sz="2600" b="0" strike="noStrike" spc="-1">
+            <a:endParaRPr lang="en-US" sz="2800" b="0" strike="noStrike" spc="-1" dirty="0">
+              <a:latin typeface="Arial"/>
+            </a:endParaRPr>
+          </a:p>
+          <a:p>
+            <a:pPr>
+              <a:lnSpc>
+                <a:spcPct val="100000"/>
+              </a:lnSpc>
+              <a:spcBef>
+                <a:spcPts val="1134"/>
+              </a:spcBef>
+            </a:pPr>
+            <a:endParaRPr lang="en-US" sz="2800" b="0" strike="noStrike" spc="-1" dirty="0">
               <a:latin typeface="Arial"/>
             </a:endParaRPr>
           </a:p>
